--- a/Webdesign.pptx
+++ b/Webdesign.pptx
@@ -5,10 +5,10 @@
     <p:sldMasterId id="2147483712" r:id="rId1"/>
   </p:sldMasterIdLst>
   <p:notesMasterIdLst>
-    <p:notesMasterId r:id="rId46"/>
+    <p:notesMasterId r:id="rId57"/>
   </p:notesMasterIdLst>
   <p:handoutMasterIdLst>
-    <p:handoutMasterId r:id="rId47"/>
+    <p:handoutMasterId r:id="rId58"/>
   </p:handoutMasterIdLst>
   <p:sldIdLst>
     <p:sldId id="257" r:id="rId2"/>
@@ -43,18 +43,29 @@
     <p:sldId id="275" r:id="rId31"/>
     <p:sldId id="274" r:id="rId32"/>
     <p:sldId id="276" r:id="rId33"/>
-    <p:sldId id="289" r:id="rId34"/>
-    <p:sldId id="290" r:id="rId35"/>
-    <p:sldId id="295" r:id="rId36"/>
-    <p:sldId id="291" r:id="rId37"/>
-    <p:sldId id="297" r:id="rId38"/>
-    <p:sldId id="292" r:id="rId39"/>
-    <p:sldId id="293" r:id="rId40"/>
-    <p:sldId id="300" r:id="rId41"/>
-    <p:sldId id="298" r:id="rId42"/>
-    <p:sldId id="294" r:id="rId43"/>
-    <p:sldId id="299" r:id="rId44"/>
-    <p:sldId id="296" r:id="rId45"/>
+    <p:sldId id="303" r:id="rId34"/>
+    <p:sldId id="304" r:id="rId35"/>
+    <p:sldId id="305" r:id="rId36"/>
+    <p:sldId id="307" r:id="rId37"/>
+    <p:sldId id="306" r:id="rId38"/>
+    <p:sldId id="311" r:id="rId39"/>
+    <p:sldId id="308" r:id="rId40"/>
+    <p:sldId id="309" r:id="rId41"/>
+    <p:sldId id="310" r:id="rId42"/>
+    <p:sldId id="289" r:id="rId43"/>
+    <p:sldId id="290" r:id="rId44"/>
+    <p:sldId id="295" r:id="rId45"/>
+    <p:sldId id="301" r:id="rId46"/>
+    <p:sldId id="291" r:id="rId47"/>
+    <p:sldId id="297" r:id="rId48"/>
+    <p:sldId id="292" r:id="rId49"/>
+    <p:sldId id="293" r:id="rId50"/>
+    <p:sldId id="300" r:id="rId51"/>
+    <p:sldId id="298" r:id="rId52"/>
+    <p:sldId id="302" r:id="rId53"/>
+    <p:sldId id="294" r:id="rId54"/>
+    <p:sldId id="299" r:id="rId55"/>
+    <p:sldId id="296" r:id="rId56"/>
   </p:sldIdLst>
   <p:sldSz cx="12192000" cy="6858000"/>
   <p:notesSz cx="6858000" cy="9144000"/>
@@ -256,7 +267,7 @@
             <a:pPr rtl="0"/>
             <a:fld id="{5A14EC35-A083-4CA2-A629-54FB374745AC}" type="datetime1">
               <a:rPr lang="nl-NL" smtClean="0"/>
-              <a:t>18-9-2025</a:t>
+              <a:t>3-10-2025</a:t>
             </a:fld>
             <a:endParaRPr lang="en-US" dirty="0"/>
           </a:p>
@@ -426,7 +437,7 @@
             <a:pPr rtl="0"/>
             <a:fld id="{B32F82C2-DE9F-479D-95B3-30B2F9C315A1}" type="datetime1">
               <a:rPr lang="nl-NL" smtClean="0"/>
-              <a:t>18-9-2025</a:t>
+              <a:t>3-10-2025</a:t>
             </a:fld>
             <a:endParaRPr lang="en-US"/>
           </a:p>
@@ -940,7 +951,7 @@
             <a:pPr rtl="0"/>
             <a:fld id="{A83A1771-3711-4549-B223-6BFD613711ED}" type="datetime1">
               <a:rPr lang="nl-NL" smtClean="0"/>
-              <a:t>18-9-2025</a:t>
+              <a:t>3-10-2025</a:t>
             </a:fld>
             <a:endParaRPr lang="en-US" dirty="0"/>
           </a:p>
@@ -1147,7 +1158,7 @@
             <a:pPr rtl="0"/>
             <a:fld id="{D08EE877-7E72-4A3F-BF87-CE406B3EE1C5}" type="datetime1">
               <a:rPr lang="nl-NL" smtClean="0"/>
-              <a:t>18-9-2025</a:t>
+              <a:t>3-10-2025</a:t>
             </a:fld>
             <a:endParaRPr lang="en-US" dirty="0"/>
           </a:p>
@@ -1513,7 +1524,7 @@
             <a:pPr rtl="0"/>
             <a:fld id="{4CC54E9F-8ACA-4714-84BB-74BA71865A3C}" type="datetime1">
               <a:rPr lang="nl-NL" smtClean="0"/>
-              <a:t>18-9-2025</a:t>
+              <a:t>3-10-2025</a:t>
             </a:fld>
             <a:endParaRPr lang="en-US" dirty="0"/>
           </a:p>
@@ -1945,7 +1956,7 @@
             <a:pPr rtl="0"/>
             <a:fld id="{66D3D282-C61A-41D7-9714-7814FA67361E}" type="datetime1">
               <a:rPr lang="nl-NL" smtClean="0"/>
-              <a:t>18-9-2025</a:t>
+              <a:t>3-10-2025</a:t>
             </a:fld>
             <a:endParaRPr lang="en-US" dirty="0"/>
           </a:p>
@@ -2202,7 +2213,7 @@
             <a:pPr rtl="0"/>
             <a:fld id="{55CAE64B-8D6D-4B8F-BAE1-453EBC33DDBA}" type="datetime1">
               <a:rPr lang="nl-NL" smtClean="0"/>
-              <a:t>18-9-2025</a:t>
+              <a:t>3-10-2025</a:t>
             </a:fld>
             <a:endParaRPr lang="en-US" dirty="0"/>
           </a:p>
@@ -2628,7 +2639,7 @@
             <a:pPr rtl="0"/>
             <a:fld id="{7DD41833-08F9-41B2-81FC-2883EDAAEF19}" type="datetime1">
               <a:rPr lang="nl-NL" smtClean="0"/>
-              <a:t>18-9-2025</a:t>
+              <a:t>3-10-2025</a:t>
             </a:fld>
             <a:endParaRPr lang="en-US" dirty="0"/>
           </a:p>
@@ -2755,7 +2766,7 @@
             <a:pPr rtl="0"/>
             <a:fld id="{5DC9B189-AE00-478F-84A9-63330A766802}" type="datetime1">
               <a:rPr lang="nl-NL" smtClean="0"/>
-              <a:t>18-9-2025</a:t>
+              <a:t>3-10-2025</a:t>
             </a:fld>
             <a:endParaRPr lang="en-US" dirty="0"/>
           </a:p>
@@ -2853,7 +2864,7 @@
             <a:pPr rtl="0"/>
             <a:fld id="{C4D93972-B93F-42C7-B487-83AAA3F36605}" type="datetime1">
               <a:rPr lang="nl-NL" smtClean="0"/>
-              <a:t>18-9-2025</a:t>
+              <a:t>3-10-2025</a:t>
             </a:fld>
             <a:endParaRPr lang="en-US" dirty="0"/>
           </a:p>
@@ -3234,7 +3245,7 @@
             <a:pPr rtl="0"/>
             <a:fld id="{41CBEB4C-81CC-455E-9331-682EF29A1EAB}" type="datetime1">
               <a:rPr lang="nl-NL" smtClean="0"/>
-              <a:t>18-9-2025</a:t>
+              <a:t>3-10-2025</a:t>
             </a:fld>
             <a:endParaRPr lang="en-US" dirty="0"/>
           </a:p>
@@ -3532,7 +3543,7 @@
             <a:pPr rtl="0"/>
             <a:fld id="{87691925-8A1E-4010-8BF9-64E08633B604}" type="datetime1">
               <a:rPr lang="nl-NL" smtClean="0"/>
-              <a:t>18-9-2025</a:t>
+              <a:t>3-10-2025</a:t>
             </a:fld>
             <a:endParaRPr lang="en-US" dirty="0"/>
           </a:p>
@@ -3750,7 +3761,7 @@
             <a:pPr rtl="0"/>
             <a:fld id="{18D3FD7C-4B51-47DA-BCF4-68F2F2963CDA}" type="datetime1">
               <a:rPr lang="nl-NL" smtClean="0"/>
-              <a:t>18-9-2025</a:t>
+              <a:t>3-10-2025</a:t>
             </a:fld>
             <a:endParaRPr lang="en-US" dirty="0"/>
           </a:p>
@@ -7800,7 +7811,7 @@
             <a:pPr rtl="0"/>
             <a:fld id="{66D3D282-C61A-41D7-9714-7814FA67361E}" type="datetime1">
               <a:rPr lang="nl-NL" smtClean="0"/>
-              <a:t>18-9-2025</a:t>
+              <a:t>3-10-2025</a:t>
             </a:fld>
             <a:endParaRPr lang="en-US" dirty="0"/>
           </a:p>
@@ -10790,7 +10801,12 @@
             <p:ph type="title"/>
           </p:nvPr>
         </p:nvSpPr>
-        <p:spPr/>
+        <p:spPr>
+          <a:xfrm>
+            <a:off x="581191" y="2901295"/>
+            <a:ext cx="11029615" cy="2147467"/>
+          </a:xfrm>
+        </p:spPr>
         <p:txBody>
           <a:bodyPr/>
           <a:lstStyle/>
@@ -10818,14 +10834,33 @@
             <p:ph type="body" idx="1"/>
           </p:nvPr>
         </p:nvSpPr>
-        <p:spPr/>
+        <p:spPr>
+          <a:xfrm>
+            <a:off x="581192" y="5306960"/>
+            <a:ext cx="11029615" cy="934351"/>
+          </a:xfrm>
+        </p:spPr>
         <p:txBody>
-          <a:bodyPr/>
+          <a:bodyPr>
+            <a:normAutofit/>
+          </a:bodyPr>
           <a:lstStyle/>
           <a:p>
             <a:r>
               <a:rPr lang="nl-BE" dirty="0"/>
               <a:t>Opmaak</a:t>
+            </a:r>
+          </a:p>
+          <a:p>
+            <a:r>
+              <a:rPr lang="nl-BE" dirty="0">
+                <a:hlinkClick r:id="rId2"/>
+              </a:rPr>
+              <a:t>https://developer.mozilla.org/en-US/docs/Web/CSS</a:t>
+            </a:r>
+            <a:r>
+              <a:rPr lang="nl-BE" dirty="0"/>
+              <a:t> </a:t>
             </a:r>
           </a:p>
         </p:txBody>
@@ -10854,7 +10889,7 @@
             <a:pPr rtl="0"/>
             <a:fld id="{66D3D282-C61A-41D7-9714-7814FA67361E}" type="datetime1">
               <a:rPr lang="nl-NL" smtClean="0"/>
-              <a:t>18-9-2025</a:t>
+              <a:t>3-10-2025</a:t>
             </a:fld>
             <a:endParaRPr lang="en-US" dirty="0"/>
           </a:p>
@@ -10982,6 +11017,24 @@
               <a:t>="stylesheet.css"&gt;</a:t>
             </a:r>
           </a:p>
+          <a:p>
+            <a:pPr lvl="1"/>
+            <a:endParaRPr lang="nl-BE" dirty="0"/>
+          </a:p>
+          <a:p>
+            <a:r>
+              <a:rPr lang="nl-BE" dirty="0"/>
+              <a:t>Altijd via externe </a:t>
+            </a:r>
+            <a:r>
+              <a:rPr lang="nl-BE" dirty="0" err="1"/>
+              <a:t>stylesheet</a:t>
+            </a:r>
+            <a:r>
+              <a:rPr lang="nl-BE" dirty="0"/>
+              <a:t>, tenzij dit niet anders kan (bv. externe publicatie)</a:t>
+            </a:r>
+          </a:p>
         </p:txBody>
       </p:sp>
     </p:spTree>
@@ -11036,9 +11089,10 @@
           <a:lstStyle/>
           <a:p>
             <a:r>
-              <a:rPr lang="nl-BE" dirty="0"/>
-              <a:t>voorbeeld</a:t>
-            </a:r>
+              <a:rPr lang="nl-BE" dirty="0" err="1"/>
+              <a:t>Selectors</a:t>
+            </a:r>
+            <a:endParaRPr lang="nl-BE" dirty="0"/>
           </a:p>
         </p:txBody>
       </p:sp>
@@ -11063,13 +11117,39 @@
           <a:bodyPr/>
           <a:lstStyle/>
           <a:p>
-            <a:pPr marL="0" indent="0">
-              <a:buNone/>
-            </a:pPr>
-            <a:r>
-              <a:rPr lang="nl-BE" dirty="0"/>
-              <a:t>&lt;p&gt;&lt;/p&gt;</a:t>
-            </a:r>
+            <a:r>
+              <a:rPr lang="nl-BE" dirty="0"/>
+              <a:t>Bepalen welke elementen welke opmaak moeten krijgen.</a:t>
+            </a:r>
+          </a:p>
+          <a:p>
+            <a:r>
+              <a:rPr lang="nl-BE" dirty="0"/>
+              <a:t>Worden begonnen en afgesloten met { }</a:t>
+            </a:r>
+          </a:p>
+          <a:p>
+            <a:r>
+              <a:rPr lang="nl-BE" dirty="0"/>
+              <a:t>Opmaakinstellingen: </a:t>
+            </a:r>
+            <a:r>
+              <a:rPr lang="nl-BE" i="1" dirty="0"/>
+              <a:t>naam opmaak</a:t>
+            </a:r>
+            <a:r>
+              <a:rPr lang="nl-BE" dirty="0"/>
+              <a:t>: </a:t>
+            </a:r>
+            <a:r>
+              <a:rPr lang="nl-BE" i="1" dirty="0"/>
+              <a:t>waarde opmaak</a:t>
+            </a:r>
+            <a:r>
+              <a:rPr lang="nl-BE" dirty="0"/>
+              <a:t>;</a:t>
+            </a:r>
+            <a:endParaRPr lang="nl-BE" i="1" dirty="0"/>
           </a:p>
         </p:txBody>
       </p:sp>
@@ -11087,6 +11167,5317 @@
 </file>
 
 <file path=ppt/slides/slide33.xml><?xml version="1.0" encoding="utf-8"?>
+<p:sld xmlns:a="http://schemas.openxmlformats.org/drawingml/2006/main" xmlns:r="http://schemas.openxmlformats.org/officeDocument/2006/relationships" xmlns:p="http://schemas.openxmlformats.org/presentationml/2006/main">
+  <p:cSld>
+    <p:spTree>
+      <p:nvGrpSpPr>
+        <p:cNvPr id="1" name="">
+          <a:extLst>
+            <a:ext uri="{FF2B5EF4-FFF2-40B4-BE49-F238E27FC236}">
+              <a16:creationId xmlns:a16="http://schemas.microsoft.com/office/drawing/2014/main" id="{3D49E468-31BE-C5F8-99C3-C6625BAF578E}"/>
+            </a:ext>
+          </a:extLst>
+        </p:cNvPr>
+        <p:cNvGrpSpPr/>
+        <p:nvPr/>
+      </p:nvGrpSpPr>
+      <p:grpSpPr>
+        <a:xfrm>
+          <a:off x="0" y="0"/>
+          <a:ext cx="0" cy="0"/>
+          <a:chOff x="0" y="0"/>
+          <a:chExt cx="0" cy="0"/>
+        </a:xfrm>
+      </p:grpSpPr>
+      <p:sp>
+        <p:nvSpPr>
+          <p:cNvPr id="2" name="Titel 1">
+            <a:extLst>
+              <a:ext uri="{FF2B5EF4-FFF2-40B4-BE49-F238E27FC236}">
+                <a16:creationId xmlns:a16="http://schemas.microsoft.com/office/drawing/2014/main" id="{2DF74EA3-BED7-D0FC-D026-C45BB6543BBD}"/>
+              </a:ext>
+            </a:extLst>
+          </p:cNvPr>
+          <p:cNvSpPr>
+            <a:spLocks noGrp="1"/>
+          </p:cNvSpPr>
+          <p:nvPr>
+            <p:ph type="title"/>
+          </p:nvPr>
+        </p:nvSpPr>
+        <p:spPr/>
+        <p:txBody>
+          <a:bodyPr/>
+          <a:lstStyle/>
+          <a:p>
+            <a:r>
+              <a:rPr lang="nl-BE" dirty="0" err="1"/>
+              <a:t>Selectors</a:t>
+            </a:r>
+            <a:endParaRPr lang="nl-BE" dirty="0"/>
+          </a:p>
+        </p:txBody>
+      </p:sp>
+      <p:sp>
+        <p:nvSpPr>
+          <p:cNvPr id="3" name="Tijdelijke aanduiding voor inhoud 2">
+            <a:extLst>
+              <a:ext uri="{FF2B5EF4-FFF2-40B4-BE49-F238E27FC236}">
+                <a16:creationId xmlns:a16="http://schemas.microsoft.com/office/drawing/2014/main" id="{31AC9FFB-7FD3-539A-6E36-86FECE052E3F}"/>
+              </a:ext>
+            </a:extLst>
+          </p:cNvPr>
+          <p:cNvSpPr>
+            <a:spLocks noGrp="1"/>
+          </p:cNvSpPr>
+          <p:nvPr>
+            <p:ph idx="1"/>
+          </p:nvPr>
+        </p:nvSpPr>
+        <p:spPr>
+          <a:xfrm>
+            <a:off x="581192" y="1890875"/>
+            <a:ext cx="11029615" cy="4797003"/>
+          </a:xfrm>
+        </p:spPr>
+        <p:txBody>
+          <a:bodyPr/>
+          <a:lstStyle/>
+          <a:p>
+            <a:pPr>
+              <a:spcAft>
+                <a:spcPts val="1200"/>
+              </a:spcAft>
+            </a:pPr>
+            <a:r>
+              <a:rPr lang="nl-BE" dirty="0"/>
+              <a:t>*: </a:t>
+            </a:r>
+            <a:r>
+              <a:rPr lang="nl-BE" u="sng" dirty="0"/>
+              <a:t>alle</a:t>
+            </a:r>
+            <a:r>
+              <a:rPr lang="nl-BE" dirty="0"/>
+              <a:t> elementen</a:t>
+            </a:r>
+          </a:p>
+          <a:p>
+            <a:pPr>
+              <a:spcAft>
+                <a:spcPts val="1200"/>
+              </a:spcAft>
+            </a:pPr>
+            <a:r>
+              <a:rPr lang="nl-BE" dirty="0"/>
+              <a:t>tag: alle elementen van deze </a:t>
+            </a:r>
+            <a:r>
+              <a:rPr lang="nl-BE" u="sng" dirty="0"/>
+              <a:t>tag</a:t>
+            </a:r>
+          </a:p>
+          <a:p>
+            <a:pPr>
+              <a:spcAft>
+                <a:spcPts val="1200"/>
+              </a:spcAft>
+            </a:pPr>
+            <a:r>
+              <a:rPr lang="nl-BE" i="1" dirty="0"/>
+              <a:t>#id</a:t>
+            </a:r>
+            <a:r>
+              <a:rPr lang="nl-BE" dirty="0"/>
+              <a:t>: het element met dit </a:t>
+            </a:r>
+            <a:r>
+              <a:rPr lang="nl-BE" u="sng" dirty="0"/>
+              <a:t>id</a:t>
+            </a:r>
+            <a:r>
+              <a:rPr lang="nl-BE" dirty="0"/>
+              <a:t>. Let op: normaal gezien mag een </a:t>
+            </a:r>
+            <a:r>
+              <a:rPr lang="nl-BE" dirty="0" err="1"/>
+              <a:t>id</a:t>
+            </a:r>
+            <a:r>
+              <a:rPr lang="nl-BE" dirty="0"/>
+              <a:t> maar 1 keer voorkomen. Maar CSS is hier tolerant in, en past meerdere elementen aan als ze deze </a:t>
+            </a:r>
+            <a:r>
+              <a:rPr lang="nl-BE" dirty="0" err="1"/>
+              <a:t>id</a:t>
+            </a:r>
+            <a:r>
+              <a:rPr lang="nl-BE" dirty="0"/>
+              <a:t> hebben.</a:t>
+            </a:r>
+          </a:p>
+          <a:p>
+            <a:pPr>
+              <a:spcAft>
+                <a:spcPts val="1200"/>
+              </a:spcAft>
+            </a:pPr>
+            <a:r>
+              <a:rPr lang="nl-BE" dirty="0"/>
+              <a:t>.class: alle elementen met deze </a:t>
+            </a:r>
+            <a:r>
+              <a:rPr lang="nl-BE" u="sng" dirty="0"/>
+              <a:t>class-waarde</a:t>
+            </a:r>
+          </a:p>
+          <a:p>
+            <a:pPr>
+              <a:spcAft>
+                <a:spcPts val="1200"/>
+              </a:spcAft>
+            </a:pPr>
+            <a:r>
+              <a:rPr lang="nl-BE" dirty="0" err="1"/>
+              <a:t>tag.class</a:t>
+            </a:r>
+            <a:r>
+              <a:rPr lang="nl-BE" dirty="0"/>
+              <a:t>: alle elementen van deze </a:t>
+            </a:r>
+            <a:r>
+              <a:rPr lang="nl-BE" u="sng" dirty="0"/>
+              <a:t>tag</a:t>
+            </a:r>
+            <a:r>
+              <a:rPr lang="nl-BE" dirty="0"/>
+              <a:t> met deze </a:t>
+            </a:r>
+            <a:r>
+              <a:rPr lang="nl-BE" u="sng" dirty="0"/>
+              <a:t>class-waarde</a:t>
+            </a:r>
+          </a:p>
+          <a:p>
+            <a:pPr>
+              <a:spcAft>
+                <a:spcPts val="1200"/>
+              </a:spcAft>
+            </a:pPr>
+            <a:r>
+              <a:rPr lang="nl-BE" dirty="0" err="1"/>
+              <a:t>tagA</a:t>
+            </a:r>
+            <a:r>
+              <a:rPr lang="nl-BE" dirty="0"/>
+              <a:t>, </a:t>
+            </a:r>
+            <a:r>
+              <a:rPr lang="nl-BE" dirty="0" err="1"/>
+              <a:t>tagB</a:t>
+            </a:r>
+            <a:r>
+              <a:rPr lang="nl-BE" dirty="0"/>
+              <a:t>: met de komma kan je </a:t>
+            </a:r>
+            <a:r>
+              <a:rPr lang="nl-BE" u="sng" dirty="0"/>
+              <a:t>meerdere</a:t>
+            </a:r>
+            <a:r>
+              <a:rPr lang="nl-BE" dirty="0"/>
+              <a:t> </a:t>
+            </a:r>
+            <a:r>
+              <a:rPr lang="nl-BE" dirty="0" err="1"/>
+              <a:t>selectoren</a:t>
+            </a:r>
+            <a:r>
+              <a:rPr lang="nl-BE" dirty="0"/>
+              <a:t> koppelen</a:t>
+            </a:r>
+          </a:p>
+          <a:p>
+            <a:pPr>
+              <a:spcAft>
+                <a:spcPts val="1200"/>
+              </a:spcAft>
+            </a:pPr>
+            <a:r>
+              <a:rPr lang="nl-BE" dirty="0" err="1"/>
+              <a:t>tagA</a:t>
+            </a:r>
+            <a:r>
+              <a:rPr lang="nl-BE" dirty="0"/>
+              <a:t> </a:t>
+            </a:r>
+            <a:r>
+              <a:rPr lang="nl-BE" dirty="0" err="1"/>
+              <a:t>tagB</a:t>
+            </a:r>
+            <a:r>
+              <a:rPr lang="nl-BE" dirty="0"/>
+              <a:t>: alle elementen van type </a:t>
+            </a:r>
+            <a:r>
+              <a:rPr lang="nl-BE" dirty="0" err="1"/>
+              <a:t>tagB</a:t>
+            </a:r>
+            <a:r>
+              <a:rPr lang="nl-BE" dirty="0"/>
+              <a:t> die een </a:t>
+            </a:r>
+            <a:r>
+              <a:rPr lang="nl-BE" u="sng" dirty="0"/>
+              <a:t>afstammeling</a:t>
+            </a:r>
+            <a:r>
+              <a:rPr lang="nl-BE" dirty="0"/>
+              <a:t> zijn van een element van type </a:t>
+            </a:r>
+            <a:r>
+              <a:rPr lang="nl-BE" dirty="0" err="1"/>
+              <a:t>tagA</a:t>
+            </a:r>
+            <a:endParaRPr lang="nl-BE" dirty="0"/>
+          </a:p>
+          <a:p>
+            <a:pPr>
+              <a:spcAft>
+                <a:spcPts val="1200"/>
+              </a:spcAft>
+            </a:pPr>
+            <a:r>
+              <a:rPr lang="nl-BE" dirty="0" err="1"/>
+              <a:t>tagA</a:t>
+            </a:r>
+            <a:r>
+              <a:rPr lang="nl-BE" dirty="0"/>
+              <a:t> &gt; </a:t>
+            </a:r>
+            <a:r>
+              <a:rPr lang="nl-BE" dirty="0" err="1"/>
+              <a:t>tagB</a:t>
+            </a:r>
+            <a:r>
+              <a:rPr lang="nl-BE" dirty="0"/>
+              <a:t>: alle elementen van type </a:t>
+            </a:r>
+            <a:r>
+              <a:rPr lang="nl-BE" dirty="0" err="1"/>
+              <a:t>tagB</a:t>
+            </a:r>
+            <a:r>
+              <a:rPr lang="nl-BE" dirty="0"/>
+              <a:t> die een </a:t>
+            </a:r>
+            <a:r>
+              <a:rPr lang="nl-BE" u="sng" dirty="0"/>
+              <a:t>directe</a:t>
+            </a:r>
+            <a:r>
+              <a:rPr lang="nl-BE" dirty="0"/>
+              <a:t> afstammeling zijn van een element van type </a:t>
+            </a:r>
+            <a:r>
+              <a:rPr lang="nl-BE" dirty="0" err="1"/>
+              <a:t>tagA</a:t>
+            </a:r>
+            <a:endParaRPr lang="nl-BE" dirty="0"/>
+          </a:p>
+        </p:txBody>
+      </p:sp>
+    </p:spTree>
+    <p:extLst>
+      <p:ext uri="{BB962C8B-B14F-4D97-AF65-F5344CB8AC3E}">
+        <p14:creationId xmlns:p14="http://schemas.microsoft.com/office/powerpoint/2010/main" val="1817800712"/>
+      </p:ext>
+    </p:extLst>
+  </p:cSld>
+  <p:clrMapOvr>
+    <a:masterClrMapping/>
+  </p:clrMapOvr>
+</p:sld>
+</file>
+
+<file path=ppt/slides/slide34.xml><?xml version="1.0" encoding="utf-8"?>
+<p:sld xmlns:a="http://schemas.openxmlformats.org/drawingml/2006/main" xmlns:r="http://schemas.openxmlformats.org/officeDocument/2006/relationships" xmlns:p="http://schemas.openxmlformats.org/presentationml/2006/main">
+  <p:cSld>
+    <p:spTree>
+      <p:nvGrpSpPr>
+        <p:cNvPr id="1" name="">
+          <a:extLst>
+            <a:ext uri="{FF2B5EF4-FFF2-40B4-BE49-F238E27FC236}">
+              <a16:creationId xmlns:a16="http://schemas.microsoft.com/office/drawing/2014/main" id="{B2027FDC-53B4-3456-66BB-B5E77288B79D}"/>
+            </a:ext>
+          </a:extLst>
+        </p:cNvPr>
+        <p:cNvGrpSpPr/>
+        <p:nvPr/>
+      </p:nvGrpSpPr>
+      <p:grpSpPr>
+        <a:xfrm>
+          <a:off x="0" y="0"/>
+          <a:ext cx="0" cy="0"/>
+          <a:chOff x="0" y="0"/>
+          <a:chExt cx="0" cy="0"/>
+        </a:xfrm>
+      </p:grpSpPr>
+      <p:sp>
+        <p:nvSpPr>
+          <p:cNvPr id="2" name="Titel 1">
+            <a:extLst>
+              <a:ext uri="{FF2B5EF4-FFF2-40B4-BE49-F238E27FC236}">
+                <a16:creationId xmlns:a16="http://schemas.microsoft.com/office/drawing/2014/main" id="{3E6963EB-A39C-A494-B627-24349B7B157A}"/>
+              </a:ext>
+            </a:extLst>
+          </p:cNvPr>
+          <p:cNvSpPr>
+            <a:spLocks noGrp="1"/>
+          </p:cNvSpPr>
+          <p:nvPr>
+            <p:ph type="title"/>
+          </p:nvPr>
+        </p:nvSpPr>
+        <p:spPr>
+          <a:xfrm>
+            <a:off x="581192" y="702156"/>
+            <a:ext cx="11029616" cy="483394"/>
+          </a:xfrm>
+        </p:spPr>
+        <p:txBody>
+          <a:bodyPr>
+            <a:normAutofit fontScale="90000"/>
+          </a:bodyPr>
+          <a:lstStyle/>
+          <a:p>
+            <a:r>
+              <a:rPr lang="nl-BE" dirty="0" err="1"/>
+              <a:t>Selectors</a:t>
+            </a:r>
+            <a:endParaRPr lang="nl-BE" dirty="0"/>
+          </a:p>
+        </p:txBody>
+      </p:sp>
+      <p:sp>
+        <p:nvSpPr>
+          <p:cNvPr id="7" name="Tekstvak 6">
+            <a:extLst>
+              <a:ext uri="{FF2B5EF4-FFF2-40B4-BE49-F238E27FC236}">
+                <a16:creationId xmlns:a16="http://schemas.microsoft.com/office/drawing/2014/main" id="{77703DE5-DF6D-C21E-A33E-F1CAD351A51E}"/>
+              </a:ext>
+            </a:extLst>
+          </p:cNvPr>
+          <p:cNvSpPr txBox="1"/>
+          <p:nvPr/>
+        </p:nvSpPr>
+        <p:spPr>
+          <a:xfrm>
+            <a:off x="7993025" y="703559"/>
+            <a:ext cx="6097772" cy="286360"/>
+          </a:xfrm>
+          <a:prstGeom prst="rect">
+            <a:avLst/>
+          </a:prstGeom>
+          <a:noFill/>
+        </p:spPr>
+        <p:txBody>
+          <a:bodyPr wrap="square">
+            <a:spAutoFit/>
+          </a:bodyPr>
+          <a:lstStyle/>
+          <a:p>
+            <a:pPr>
+              <a:lnSpc>
+                <a:spcPts val="1425"/>
+              </a:lnSpc>
+              <a:buNone/>
+            </a:pPr>
+            <a:endParaRPr lang="nl-BE" b="0" dirty="0">
+              <a:solidFill>
+                <a:srgbClr val="000000"/>
+              </a:solidFill>
+              <a:effectLst/>
+              <a:latin typeface="Consolas" panose="020B0609020204030204" pitchFamily="49" charset="0"/>
+            </a:endParaRPr>
+          </a:p>
+        </p:txBody>
+      </p:sp>
+      <p:sp>
+        <p:nvSpPr>
+          <p:cNvPr id="19" name="Tekstvak 18">
+            <a:extLst>
+              <a:ext uri="{FF2B5EF4-FFF2-40B4-BE49-F238E27FC236}">
+                <a16:creationId xmlns:a16="http://schemas.microsoft.com/office/drawing/2014/main" id="{3CE203B7-0EC4-A684-595D-366B80A7D822}"/>
+              </a:ext>
+            </a:extLst>
+          </p:cNvPr>
+          <p:cNvSpPr txBox="1"/>
+          <p:nvPr/>
+        </p:nvSpPr>
+        <p:spPr>
+          <a:xfrm>
+            <a:off x="4198976" y="621293"/>
+            <a:ext cx="7044070" cy="6236707"/>
+          </a:xfrm>
+          <a:prstGeom prst="rect">
+            <a:avLst/>
+          </a:prstGeom>
+          <a:noFill/>
+        </p:spPr>
+        <p:txBody>
+          <a:bodyPr wrap="square">
+            <a:spAutoFit/>
+          </a:bodyPr>
+          <a:lstStyle/>
+          <a:p>
+            <a:pPr>
+              <a:lnSpc>
+                <a:spcPts val="1425"/>
+              </a:lnSpc>
+              <a:spcAft>
+                <a:spcPts val="400"/>
+              </a:spcAft>
+              <a:buNone/>
+            </a:pPr>
+            <a:r>
+              <a:rPr lang="nl-BE" b="0" dirty="0">
+                <a:solidFill>
+                  <a:srgbClr val="800000"/>
+                </a:solidFill>
+                <a:effectLst/>
+                <a:latin typeface="Consolas" panose="020B0609020204030204" pitchFamily="49" charset="0"/>
+              </a:rPr>
+              <a:t>&lt;html&gt;</a:t>
+            </a:r>
+            <a:endParaRPr lang="nl-BE" b="0" dirty="0">
+              <a:solidFill>
+                <a:srgbClr val="000000"/>
+              </a:solidFill>
+              <a:effectLst/>
+              <a:latin typeface="Consolas" panose="020B0609020204030204" pitchFamily="49" charset="0"/>
+            </a:endParaRPr>
+          </a:p>
+          <a:p>
+            <a:pPr>
+              <a:lnSpc>
+                <a:spcPts val="1425"/>
+              </a:lnSpc>
+              <a:spcAft>
+                <a:spcPts val="400"/>
+              </a:spcAft>
+              <a:buNone/>
+            </a:pPr>
+            <a:r>
+              <a:rPr lang="nl-BE" b="0" dirty="0">
+                <a:solidFill>
+                  <a:srgbClr val="800000"/>
+                </a:solidFill>
+                <a:effectLst/>
+                <a:latin typeface="Consolas" panose="020B0609020204030204" pitchFamily="49" charset="0"/>
+              </a:rPr>
+              <a:t>&lt;</a:t>
+            </a:r>
+            <a:r>
+              <a:rPr lang="nl-BE" b="0" dirty="0" err="1">
+                <a:solidFill>
+                  <a:srgbClr val="800000"/>
+                </a:solidFill>
+                <a:effectLst/>
+                <a:latin typeface="Consolas" panose="020B0609020204030204" pitchFamily="49" charset="0"/>
+              </a:rPr>
+              <a:t>head</a:t>
+            </a:r>
+            <a:r>
+              <a:rPr lang="nl-BE" b="0" dirty="0">
+                <a:solidFill>
+                  <a:srgbClr val="800000"/>
+                </a:solidFill>
+                <a:effectLst/>
+                <a:latin typeface="Consolas" panose="020B0609020204030204" pitchFamily="49" charset="0"/>
+              </a:rPr>
+              <a:t>&gt;</a:t>
+            </a:r>
+            <a:endParaRPr lang="nl-BE" b="0" dirty="0">
+              <a:solidFill>
+                <a:srgbClr val="000000"/>
+              </a:solidFill>
+              <a:effectLst/>
+              <a:latin typeface="Consolas" panose="020B0609020204030204" pitchFamily="49" charset="0"/>
+            </a:endParaRPr>
+          </a:p>
+          <a:p>
+            <a:pPr>
+              <a:lnSpc>
+                <a:spcPts val="1425"/>
+              </a:lnSpc>
+              <a:spcAft>
+                <a:spcPts val="400"/>
+              </a:spcAft>
+              <a:buNone/>
+            </a:pPr>
+            <a:r>
+              <a:rPr lang="nl-BE" b="0" dirty="0">
+                <a:solidFill>
+                  <a:srgbClr val="000000"/>
+                </a:solidFill>
+                <a:effectLst/>
+                <a:latin typeface="Consolas" panose="020B0609020204030204" pitchFamily="49" charset="0"/>
+              </a:rPr>
+              <a:t>    </a:t>
+            </a:r>
+            <a:r>
+              <a:rPr lang="nl-BE" b="0" dirty="0">
+                <a:solidFill>
+                  <a:srgbClr val="800000"/>
+                </a:solidFill>
+                <a:effectLst/>
+                <a:latin typeface="Consolas" panose="020B0609020204030204" pitchFamily="49" charset="0"/>
+              </a:rPr>
+              <a:t>&lt;link</a:t>
+            </a:r>
+            <a:r>
+              <a:rPr lang="nl-BE" b="0" dirty="0">
+                <a:solidFill>
+                  <a:srgbClr val="000000"/>
+                </a:solidFill>
+                <a:effectLst/>
+                <a:latin typeface="Consolas" panose="020B0609020204030204" pitchFamily="49" charset="0"/>
+              </a:rPr>
+              <a:t> </a:t>
+            </a:r>
+            <a:r>
+              <a:rPr lang="nl-BE" b="0" dirty="0">
+                <a:solidFill>
+                  <a:srgbClr val="E50000"/>
+                </a:solidFill>
+                <a:effectLst/>
+                <a:latin typeface="Consolas" panose="020B0609020204030204" pitchFamily="49" charset="0"/>
+              </a:rPr>
+              <a:t>rel</a:t>
+            </a:r>
+            <a:r>
+              <a:rPr lang="nl-BE" b="0" dirty="0">
+                <a:solidFill>
+                  <a:srgbClr val="000000"/>
+                </a:solidFill>
+                <a:effectLst/>
+                <a:latin typeface="Consolas" panose="020B0609020204030204" pitchFamily="49" charset="0"/>
+              </a:rPr>
+              <a:t>=</a:t>
+            </a:r>
+            <a:r>
+              <a:rPr lang="nl-BE" b="0" dirty="0">
+                <a:solidFill>
+                  <a:srgbClr val="0000FF"/>
+                </a:solidFill>
+                <a:effectLst/>
+                <a:latin typeface="Consolas" panose="020B0609020204030204" pitchFamily="49" charset="0"/>
+              </a:rPr>
+              <a:t>"</a:t>
+            </a:r>
+            <a:r>
+              <a:rPr lang="nl-BE" b="0" dirty="0" err="1">
+                <a:solidFill>
+                  <a:srgbClr val="0000FF"/>
+                </a:solidFill>
+                <a:effectLst/>
+                <a:latin typeface="Consolas" panose="020B0609020204030204" pitchFamily="49" charset="0"/>
+              </a:rPr>
+              <a:t>stylesheet</a:t>
+            </a:r>
+            <a:r>
+              <a:rPr lang="nl-BE" b="0" dirty="0">
+                <a:solidFill>
+                  <a:srgbClr val="0000FF"/>
+                </a:solidFill>
+                <a:effectLst/>
+                <a:latin typeface="Consolas" panose="020B0609020204030204" pitchFamily="49" charset="0"/>
+              </a:rPr>
+              <a:t>"</a:t>
+            </a:r>
+            <a:r>
+              <a:rPr lang="nl-BE" b="0" dirty="0">
+                <a:solidFill>
+                  <a:srgbClr val="000000"/>
+                </a:solidFill>
+                <a:effectLst/>
+                <a:latin typeface="Consolas" panose="020B0609020204030204" pitchFamily="49" charset="0"/>
+              </a:rPr>
+              <a:t> </a:t>
+            </a:r>
+            <a:r>
+              <a:rPr lang="nl-BE" b="0" dirty="0" err="1">
+                <a:solidFill>
+                  <a:srgbClr val="E50000"/>
+                </a:solidFill>
+                <a:effectLst/>
+                <a:latin typeface="Consolas" panose="020B0609020204030204" pitchFamily="49" charset="0"/>
+              </a:rPr>
+              <a:t>href</a:t>
+            </a:r>
+            <a:r>
+              <a:rPr lang="nl-BE" b="0" dirty="0">
+                <a:solidFill>
+                  <a:srgbClr val="000000"/>
+                </a:solidFill>
+                <a:effectLst/>
+                <a:latin typeface="Consolas" panose="020B0609020204030204" pitchFamily="49" charset="0"/>
+              </a:rPr>
+              <a:t>=</a:t>
+            </a:r>
+            <a:r>
+              <a:rPr lang="nl-BE" b="0" dirty="0">
+                <a:solidFill>
+                  <a:srgbClr val="0000FF"/>
+                </a:solidFill>
+                <a:effectLst/>
+                <a:latin typeface="Consolas" panose="020B0609020204030204" pitchFamily="49" charset="0"/>
+              </a:rPr>
+              <a:t>"stylesheet.css"</a:t>
+            </a:r>
+            <a:r>
+              <a:rPr lang="nl-BE" b="0" dirty="0">
+                <a:solidFill>
+                  <a:srgbClr val="800000"/>
+                </a:solidFill>
+                <a:effectLst/>
+                <a:latin typeface="Consolas" panose="020B0609020204030204" pitchFamily="49" charset="0"/>
+              </a:rPr>
+              <a:t>&gt;</a:t>
+            </a:r>
+            <a:endParaRPr lang="nl-BE" b="0" dirty="0">
+              <a:solidFill>
+                <a:srgbClr val="000000"/>
+              </a:solidFill>
+              <a:effectLst/>
+              <a:latin typeface="Consolas" panose="020B0609020204030204" pitchFamily="49" charset="0"/>
+            </a:endParaRPr>
+          </a:p>
+          <a:p>
+            <a:pPr>
+              <a:lnSpc>
+                <a:spcPts val="1425"/>
+              </a:lnSpc>
+              <a:spcAft>
+                <a:spcPts val="400"/>
+              </a:spcAft>
+              <a:buNone/>
+            </a:pPr>
+            <a:r>
+              <a:rPr lang="nl-BE" b="0" dirty="0">
+                <a:solidFill>
+                  <a:srgbClr val="800000"/>
+                </a:solidFill>
+                <a:effectLst/>
+                <a:latin typeface="Consolas" panose="020B0609020204030204" pitchFamily="49" charset="0"/>
+              </a:rPr>
+              <a:t>&lt;/</a:t>
+            </a:r>
+            <a:r>
+              <a:rPr lang="nl-BE" b="0" dirty="0" err="1">
+                <a:solidFill>
+                  <a:srgbClr val="800000"/>
+                </a:solidFill>
+                <a:effectLst/>
+                <a:latin typeface="Consolas" panose="020B0609020204030204" pitchFamily="49" charset="0"/>
+              </a:rPr>
+              <a:t>head</a:t>
+            </a:r>
+            <a:r>
+              <a:rPr lang="nl-BE" b="0" dirty="0">
+                <a:solidFill>
+                  <a:srgbClr val="800000"/>
+                </a:solidFill>
+                <a:effectLst/>
+                <a:latin typeface="Consolas" panose="020B0609020204030204" pitchFamily="49" charset="0"/>
+              </a:rPr>
+              <a:t>&gt;</a:t>
+            </a:r>
+            <a:endParaRPr lang="nl-BE" b="0" dirty="0">
+              <a:solidFill>
+                <a:srgbClr val="000000"/>
+              </a:solidFill>
+              <a:effectLst/>
+              <a:latin typeface="Consolas" panose="020B0609020204030204" pitchFamily="49" charset="0"/>
+            </a:endParaRPr>
+          </a:p>
+          <a:p>
+            <a:pPr>
+              <a:lnSpc>
+                <a:spcPts val="1425"/>
+              </a:lnSpc>
+              <a:spcAft>
+                <a:spcPts val="400"/>
+              </a:spcAft>
+              <a:buNone/>
+            </a:pPr>
+            <a:r>
+              <a:rPr lang="nl-BE" b="0" dirty="0">
+                <a:solidFill>
+                  <a:srgbClr val="800000"/>
+                </a:solidFill>
+                <a:effectLst/>
+                <a:latin typeface="Consolas" panose="020B0609020204030204" pitchFamily="49" charset="0"/>
+              </a:rPr>
+              <a:t>&lt;body&gt;</a:t>
+            </a:r>
+            <a:endParaRPr lang="nl-BE" b="0" dirty="0">
+              <a:solidFill>
+                <a:srgbClr val="000000"/>
+              </a:solidFill>
+              <a:effectLst/>
+              <a:latin typeface="Consolas" panose="020B0609020204030204" pitchFamily="49" charset="0"/>
+            </a:endParaRPr>
+          </a:p>
+          <a:p>
+            <a:pPr>
+              <a:lnSpc>
+                <a:spcPts val="1425"/>
+              </a:lnSpc>
+              <a:spcAft>
+                <a:spcPts val="400"/>
+              </a:spcAft>
+              <a:buNone/>
+            </a:pPr>
+            <a:r>
+              <a:rPr lang="nl-BE" b="0" dirty="0">
+                <a:solidFill>
+                  <a:srgbClr val="000000"/>
+                </a:solidFill>
+                <a:effectLst/>
+                <a:latin typeface="Consolas" panose="020B0609020204030204" pitchFamily="49" charset="0"/>
+              </a:rPr>
+              <a:t>    </a:t>
+            </a:r>
+            <a:r>
+              <a:rPr lang="nl-BE" b="0" dirty="0">
+                <a:solidFill>
+                  <a:srgbClr val="800000"/>
+                </a:solidFill>
+                <a:effectLst/>
+                <a:latin typeface="Consolas" panose="020B0609020204030204" pitchFamily="49" charset="0"/>
+              </a:rPr>
+              <a:t>&lt;h1&gt;</a:t>
+            </a:r>
+            <a:r>
+              <a:rPr lang="nl-BE" b="0" dirty="0">
+                <a:solidFill>
+                  <a:srgbClr val="000000"/>
+                </a:solidFill>
+                <a:effectLst/>
+                <a:latin typeface="Consolas" panose="020B0609020204030204" pitchFamily="49" charset="0"/>
+              </a:rPr>
+              <a:t>Titel 1</a:t>
+            </a:r>
+            <a:r>
+              <a:rPr lang="nl-BE" b="0" dirty="0">
+                <a:solidFill>
+                  <a:srgbClr val="800000"/>
+                </a:solidFill>
+                <a:effectLst/>
+                <a:latin typeface="Consolas" panose="020B0609020204030204" pitchFamily="49" charset="0"/>
+              </a:rPr>
+              <a:t>&lt;/h1&gt;</a:t>
+            </a:r>
+            <a:endParaRPr lang="nl-BE" b="0" dirty="0">
+              <a:solidFill>
+                <a:srgbClr val="000000"/>
+              </a:solidFill>
+              <a:effectLst/>
+              <a:latin typeface="Consolas" panose="020B0609020204030204" pitchFamily="49" charset="0"/>
+            </a:endParaRPr>
+          </a:p>
+          <a:p>
+            <a:pPr>
+              <a:lnSpc>
+                <a:spcPts val="1425"/>
+              </a:lnSpc>
+              <a:spcAft>
+                <a:spcPts val="400"/>
+              </a:spcAft>
+              <a:buNone/>
+            </a:pPr>
+            <a:r>
+              <a:rPr lang="nl-BE" b="0" dirty="0">
+                <a:solidFill>
+                  <a:srgbClr val="000000"/>
+                </a:solidFill>
+                <a:effectLst/>
+                <a:latin typeface="Consolas" panose="020B0609020204030204" pitchFamily="49" charset="0"/>
+              </a:rPr>
+              <a:t>    </a:t>
+            </a:r>
+            <a:r>
+              <a:rPr lang="nl-BE" b="0" dirty="0">
+                <a:solidFill>
+                  <a:srgbClr val="800000"/>
+                </a:solidFill>
+                <a:effectLst/>
+                <a:latin typeface="Consolas" panose="020B0609020204030204" pitchFamily="49" charset="0"/>
+              </a:rPr>
+              <a:t>&lt;h2&gt;</a:t>
+            </a:r>
+            <a:r>
+              <a:rPr lang="nl-BE" b="0" dirty="0">
+                <a:solidFill>
+                  <a:srgbClr val="000000"/>
+                </a:solidFill>
+                <a:effectLst/>
+                <a:latin typeface="Consolas" panose="020B0609020204030204" pitchFamily="49" charset="0"/>
+              </a:rPr>
+              <a:t>Subtitel A</a:t>
+            </a:r>
+            <a:r>
+              <a:rPr lang="nl-BE" b="0" dirty="0">
+                <a:solidFill>
+                  <a:srgbClr val="800000"/>
+                </a:solidFill>
+                <a:effectLst/>
+                <a:latin typeface="Consolas" panose="020B0609020204030204" pitchFamily="49" charset="0"/>
+              </a:rPr>
+              <a:t>&lt;/h2&gt;</a:t>
+            </a:r>
+            <a:endParaRPr lang="nl-BE" b="0" dirty="0">
+              <a:solidFill>
+                <a:srgbClr val="000000"/>
+              </a:solidFill>
+              <a:effectLst/>
+              <a:latin typeface="Consolas" panose="020B0609020204030204" pitchFamily="49" charset="0"/>
+            </a:endParaRPr>
+          </a:p>
+          <a:p>
+            <a:pPr>
+              <a:lnSpc>
+                <a:spcPts val="1425"/>
+              </a:lnSpc>
+              <a:spcAft>
+                <a:spcPts val="400"/>
+              </a:spcAft>
+              <a:buNone/>
+            </a:pPr>
+            <a:r>
+              <a:rPr lang="nl-BE" b="0" dirty="0">
+                <a:solidFill>
+                  <a:srgbClr val="000000"/>
+                </a:solidFill>
+                <a:effectLst/>
+                <a:latin typeface="Consolas" panose="020B0609020204030204" pitchFamily="49" charset="0"/>
+              </a:rPr>
+              <a:t>    </a:t>
+            </a:r>
+            <a:r>
+              <a:rPr lang="nl-BE" b="0" dirty="0">
+                <a:solidFill>
+                  <a:srgbClr val="800000"/>
+                </a:solidFill>
+                <a:effectLst/>
+                <a:latin typeface="Consolas" panose="020B0609020204030204" pitchFamily="49" charset="0"/>
+              </a:rPr>
+              <a:t>&lt;p</a:t>
+            </a:r>
+            <a:r>
+              <a:rPr lang="nl-BE" b="0" dirty="0">
+                <a:solidFill>
+                  <a:srgbClr val="000000"/>
+                </a:solidFill>
+                <a:effectLst/>
+                <a:latin typeface="Consolas" panose="020B0609020204030204" pitchFamily="49" charset="0"/>
+              </a:rPr>
+              <a:t> </a:t>
+            </a:r>
+            <a:r>
+              <a:rPr lang="nl-BE" b="0" dirty="0" err="1">
+                <a:solidFill>
+                  <a:srgbClr val="E50000"/>
+                </a:solidFill>
+                <a:effectLst/>
+                <a:latin typeface="Consolas" panose="020B0609020204030204" pitchFamily="49" charset="0"/>
+              </a:rPr>
+              <a:t>id</a:t>
+            </a:r>
+            <a:r>
+              <a:rPr lang="nl-BE" b="0" dirty="0">
+                <a:solidFill>
+                  <a:srgbClr val="000000"/>
+                </a:solidFill>
+                <a:effectLst/>
+                <a:latin typeface="Consolas" panose="020B0609020204030204" pitchFamily="49" charset="0"/>
+              </a:rPr>
+              <a:t>=</a:t>
+            </a:r>
+            <a:r>
+              <a:rPr lang="nl-BE" b="0" dirty="0">
+                <a:solidFill>
+                  <a:srgbClr val="0000FF"/>
+                </a:solidFill>
+                <a:effectLst/>
+                <a:latin typeface="Consolas" panose="020B0609020204030204" pitchFamily="49" charset="0"/>
+              </a:rPr>
+              <a:t>"p1"</a:t>
+            </a:r>
+            <a:r>
+              <a:rPr lang="nl-BE" b="0" dirty="0">
+                <a:solidFill>
+                  <a:srgbClr val="800000"/>
+                </a:solidFill>
+                <a:effectLst/>
+                <a:latin typeface="Consolas" panose="020B0609020204030204" pitchFamily="49" charset="0"/>
+              </a:rPr>
+              <a:t>&gt;</a:t>
+            </a:r>
+            <a:r>
+              <a:rPr lang="nl-BE" b="0" dirty="0">
+                <a:solidFill>
+                  <a:srgbClr val="000000"/>
+                </a:solidFill>
+                <a:effectLst/>
+                <a:latin typeface="Consolas" panose="020B0609020204030204" pitchFamily="49" charset="0"/>
+              </a:rPr>
+              <a:t>Tekst 1A1</a:t>
+            </a:r>
+            <a:r>
+              <a:rPr lang="nl-BE" b="0" dirty="0">
+                <a:solidFill>
+                  <a:srgbClr val="800000"/>
+                </a:solidFill>
+                <a:effectLst/>
+                <a:latin typeface="Consolas" panose="020B0609020204030204" pitchFamily="49" charset="0"/>
+              </a:rPr>
+              <a:t>&lt;/p&gt;</a:t>
+            </a:r>
+            <a:endParaRPr lang="nl-BE" b="0" dirty="0">
+              <a:solidFill>
+                <a:srgbClr val="000000"/>
+              </a:solidFill>
+              <a:effectLst/>
+              <a:latin typeface="Consolas" panose="020B0609020204030204" pitchFamily="49" charset="0"/>
+            </a:endParaRPr>
+          </a:p>
+          <a:p>
+            <a:pPr>
+              <a:lnSpc>
+                <a:spcPts val="1425"/>
+              </a:lnSpc>
+              <a:spcAft>
+                <a:spcPts val="400"/>
+              </a:spcAft>
+              <a:buNone/>
+            </a:pPr>
+            <a:r>
+              <a:rPr lang="nl-BE" b="0" dirty="0">
+                <a:solidFill>
+                  <a:srgbClr val="000000"/>
+                </a:solidFill>
+                <a:effectLst/>
+                <a:latin typeface="Consolas" panose="020B0609020204030204" pitchFamily="49" charset="0"/>
+              </a:rPr>
+              <a:t>    </a:t>
+            </a:r>
+            <a:r>
+              <a:rPr lang="nl-BE" b="0" dirty="0">
+                <a:solidFill>
+                  <a:srgbClr val="800000"/>
+                </a:solidFill>
+                <a:effectLst/>
+                <a:latin typeface="Consolas" panose="020B0609020204030204" pitchFamily="49" charset="0"/>
+              </a:rPr>
+              <a:t>&lt;p</a:t>
+            </a:r>
+            <a:r>
+              <a:rPr lang="nl-BE" b="0" dirty="0">
+                <a:solidFill>
+                  <a:srgbClr val="000000"/>
+                </a:solidFill>
+                <a:effectLst/>
+                <a:latin typeface="Consolas" panose="020B0609020204030204" pitchFamily="49" charset="0"/>
+              </a:rPr>
+              <a:t> </a:t>
+            </a:r>
+            <a:r>
+              <a:rPr lang="nl-BE" b="0" dirty="0">
+                <a:solidFill>
+                  <a:srgbClr val="E50000"/>
+                </a:solidFill>
+                <a:effectLst/>
+                <a:latin typeface="Consolas" panose="020B0609020204030204" pitchFamily="49" charset="0"/>
+              </a:rPr>
+              <a:t>class</a:t>
+            </a:r>
+            <a:r>
+              <a:rPr lang="nl-BE" b="0" dirty="0">
+                <a:solidFill>
+                  <a:srgbClr val="000000"/>
+                </a:solidFill>
+                <a:effectLst/>
+                <a:latin typeface="Consolas" panose="020B0609020204030204" pitchFamily="49" charset="0"/>
+              </a:rPr>
+              <a:t>=</a:t>
+            </a:r>
+            <a:r>
+              <a:rPr lang="nl-BE" b="0" dirty="0">
+                <a:solidFill>
+                  <a:srgbClr val="0000FF"/>
+                </a:solidFill>
+                <a:effectLst/>
+                <a:latin typeface="Consolas" panose="020B0609020204030204" pitchFamily="49" charset="0"/>
+              </a:rPr>
+              <a:t>"green"</a:t>
+            </a:r>
+            <a:r>
+              <a:rPr lang="nl-BE" b="0" dirty="0">
+                <a:solidFill>
+                  <a:srgbClr val="800000"/>
+                </a:solidFill>
+                <a:effectLst/>
+                <a:latin typeface="Consolas" panose="020B0609020204030204" pitchFamily="49" charset="0"/>
+              </a:rPr>
+              <a:t>&gt;</a:t>
+            </a:r>
+            <a:r>
+              <a:rPr lang="nl-BE" b="0" dirty="0">
+                <a:solidFill>
+                  <a:srgbClr val="000000"/>
+                </a:solidFill>
+                <a:effectLst/>
+                <a:latin typeface="Consolas" panose="020B0609020204030204" pitchFamily="49" charset="0"/>
+              </a:rPr>
+              <a:t>Tekst 1A2</a:t>
+            </a:r>
+            <a:r>
+              <a:rPr lang="nl-BE" b="0" dirty="0">
+                <a:solidFill>
+                  <a:srgbClr val="800000"/>
+                </a:solidFill>
+                <a:effectLst/>
+                <a:latin typeface="Consolas" panose="020B0609020204030204" pitchFamily="49" charset="0"/>
+              </a:rPr>
+              <a:t>&lt;/p&gt;</a:t>
+            </a:r>
+            <a:endParaRPr lang="nl-BE" b="0" dirty="0">
+              <a:solidFill>
+                <a:srgbClr val="000000"/>
+              </a:solidFill>
+              <a:effectLst/>
+              <a:latin typeface="Consolas" panose="020B0609020204030204" pitchFamily="49" charset="0"/>
+            </a:endParaRPr>
+          </a:p>
+          <a:p>
+            <a:pPr>
+              <a:lnSpc>
+                <a:spcPts val="1425"/>
+              </a:lnSpc>
+              <a:spcAft>
+                <a:spcPts val="400"/>
+              </a:spcAft>
+              <a:buNone/>
+            </a:pPr>
+            <a:r>
+              <a:rPr lang="nl-BE" b="0" dirty="0">
+                <a:solidFill>
+                  <a:srgbClr val="000000"/>
+                </a:solidFill>
+                <a:effectLst/>
+                <a:latin typeface="Consolas" panose="020B0609020204030204" pitchFamily="49" charset="0"/>
+              </a:rPr>
+              <a:t>    </a:t>
+            </a:r>
+            <a:r>
+              <a:rPr lang="nl-BE" b="0" dirty="0">
+                <a:solidFill>
+                  <a:srgbClr val="800000"/>
+                </a:solidFill>
+                <a:effectLst/>
+                <a:latin typeface="Consolas" panose="020B0609020204030204" pitchFamily="49" charset="0"/>
+              </a:rPr>
+              <a:t>&lt;h2&gt;</a:t>
+            </a:r>
+            <a:r>
+              <a:rPr lang="nl-BE" b="0" dirty="0">
+                <a:solidFill>
+                  <a:srgbClr val="000000"/>
+                </a:solidFill>
+                <a:effectLst/>
+                <a:latin typeface="Consolas" panose="020B0609020204030204" pitchFamily="49" charset="0"/>
+              </a:rPr>
+              <a:t>Subtitel B</a:t>
+            </a:r>
+            <a:r>
+              <a:rPr lang="nl-BE" b="0" dirty="0">
+                <a:solidFill>
+                  <a:srgbClr val="800000"/>
+                </a:solidFill>
+                <a:effectLst/>
+                <a:latin typeface="Consolas" panose="020B0609020204030204" pitchFamily="49" charset="0"/>
+              </a:rPr>
+              <a:t>&lt;/h2&gt;</a:t>
+            </a:r>
+            <a:endParaRPr lang="nl-BE" b="0" dirty="0">
+              <a:solidFill>
+                <a:srgbClr val="000000"/>
+              </a:solidFill>
+              <a:effectLst/>
+              <a:latin typeface="Consolas" panose="020B0609020204030204" pitchFamily="49" charset="0"/>
+            </a:endParaRPr>
+          </a:p>
+          <a:p>
+            <a:pPr>
+              <a:lnSpc>
+                <a:spcPts val="1425"/>
+              </a:lnSpc>
+              <a:spcAft>
+                <a:spcPts val="400"/>
+              </a:spcAft>
+              <a:buNone/>
+            </a:pPr>
+            <a:r>
+              <a:rPr lang="nl-BE" b="0" dirty="0">
+                <a:solidFill>
+                  <a:srgbClr val="000000"/>
+                </a:solidFill>
+                <a:effectLst/>
+                <a:latin typeface="Consolas" panose="020B0609020204030204" pitchFamily="49" charset="0"/>
+              </a:rPr>
+              <a:t>    </a:t>
+            </a:r>
+            <a:r>
+              <a:rPr lang="nl-BE" b="0" dirty="0">
+                <a:solidFill>
+                  <a:srgbClr val="800000"/>
+                </a:solidFill>
+                <a:effectLst/>
+                <a:latin typeface="Consolas" panose="020B0609020204030204" pitchFamily="49" charset="0"/>
+              </a:rPr>
+              <a:t>&lt;p</a:t>
+            </a:r>
+            <a:r>
+              <a:rPr lang="nl-BE" b="0" dirty="0">
+                <a:solidFill>
+                  <a:srgbClr val="000000"/>
+                </a:solidFill>
+                <a:effectLst/>
+                <a:latin typeface="Consolas" panose="020B0609020204030204" pitchFamily="49" charset="0"/>
+              </a:rPr>
+              <a:t> </a:t>
+            </a:r>
+            <a:r>
+              <a:rPr lang="nl-BE" b="0" dirty="0">
+                <a:solidFill>
+                  <a:srgbClr val="E50000"/>
+                </a:solidFill>
+                <a:effectLst/>
+                <a:latin typeface="Consolas" panose="020B0609020204030204" pitchFamily="49" charset="0"/>
+              </a:rPr>
+              <a:t>class</a:t>
+            </a:r>
+            <a:r>
+              <a:rPr lang="nl-BE" b="0" dirty="0">
+                <a:solidFill>
+                  <a:srgbClr val="000000"/>
+                </a:solidFill>
+                <a:effectLst/>
+                <a:latin typeface="Consolas" panose="020B0609020204030204" pitchFamily="49" charset="0"/>
+              </a:rPr>
+              <a:t>=</a:t>
+            </a:r>
+            <a:r>
+              <a:rPr lang="nl-BE" b="0" dirty="0">
+                <a:solidFill>
+                  <a:srgbClr val="0000FF"/>
+                </a:solidFill>
+                <a:effectLst/>
+                <a:latin typeface="Consolas" panose="020B0609020204030204" pitchFamily="49" charset="0"/>
+              </a:rPr>
+              <a:t>"green"</a:t>
+            </a:r>
+            <a:r>
+              <a:rPr lang="nl-BE" b="0" dirty="0">
+                <a:solidFill>
+                  <a:srgbClr val="800000"/>
+                </a:solidFill>
+                <a:effectLst/>
+                <a:latin typeface="Consolas" panose="020B0609020204030204" pitchFamily="49" charset="0"/>
+              </a:rPr>
+              <a:t>&gt;</a:t>
+            </a:r>
+            <a:r>
+              <a:rPr lang="nl-BE" b="0" dirty="0">
+                <a:solidFill>
+                  <a:srgbClr val="000000"/>
+                </a:solidFill>
+                <a:effectLst/>
+                <a:latin typeface="Consolas" panose="020B0609020204030204" pitchFamily="49" charset="0"/>
+              </a:rPr>
+              <a:t>Tekst 1B1</a:t>
+            </a:r>
+            <a:r>
+              <a:rPr lang="nl-BE" b="0" dirty="0">
+                <a:solidFill>
+                  <a:srgbClr val="800000"/>
+                </a:solidFill>
+                <a:effectLst/>
+                <a:latin typeface="Consolas" panose="020B0609020204030204" pitchFamily="49" charset="0"/>
+              </a:rPr>
+              <a:t>&lt;/p&gt;</a:t>
+            </a:r>
+            <a:endParaRPr lang="nl-BE" b="0" dirty="0">
+              <a:solidFill>
+                <a:srgbClr val="000000"/>
+              </a:solidFill>
+              <a:effectLst/>
+              <a:latin typeface="Consolas" panose="020B0609020204030204" pitchFamily="49" charset="0"/>
+            </a:endParaRPr>
+          </a:p>
+          <a:p>
+            <a:pPr>
+              <a:lnSpc>
+                <a:spcPts val="1425"/>
+              </a:lnSpc>
+              <a:spcAft>
+                <a:spcPts val="400"/>
+              </a:spcAft>
+              <a:buNone/>
+            </a:pPr>
+            <a:r>
+              <a:rPr lang="nl-BE" b="0" dirty="0">
+                <a:solidFill>
+                  <a:srgbClr val="000000"/>
+                </a:solidFill>
+                <a:effectLst/>
+                <a:latin typeface="Consolas" panose="020B0609020204030204" pitchFamily="49" charset="0"/>
+              </a:rPr>
+              <a:t>    </a:t>
+            </a:r>
+            <a:r>
+              <a:rPr lang="nl-BE" b="0" dirty="0">
+                <a:solidFill>
+                  <a:srgbClr val="800000"/>
+                </a:solidFill>
+                <a:effectLst/>
+                <a:latin typeface="Consolas" panose="020B0609020204030204" pitchFamily="49" charset="0"/>
+              </a:rPr>
+              <a:t>&lt;p</a:t>
+            </a:r>
+            <a:r>
+              <a:rPr lang="nl-BE" b="0" dirty="0">
+                <a:solidFill>
+                  <a:srgbClr val="000000"/>
+                </a:solidFill>
+                <a:effectLst/>
+                <a:latin typeface="Consolas" panose="020B0609020204030204" pitchFamily="49" charset="0"/>
+              </a:rPr>
+              <a:t> </a:t>
+            </a:r>
+            <a:r>
+              <a:rPr lang="nl-BE" b="0" dirty="0">
+                <a:solidFill>
+                  <a:srgbClr val="E50000"/>
+                </a:solidFill>
+                <a:effectLst/>
+                <a:latin typeface="Consolas" panose="020B0609020204030204" pitchFamily="49" charset="0"/>
+              </a:rPr>
+              <a:t>class</a:t>
+            </a:r>
+            <a:r>
+              <a:rPr lang="nl-BE" b="0" dirty="0">
+                <a:solidFill>
+                  <a:srgbClr val="000000"/>
+                </a:solidFill>
+                <a:effectLst/>
+                <a:latin typeface="Consolas" panose="020B0609020204030204" pitchFamily="49" charset="0"/>
+              </a:rPr>
+              <a:t>=</a:t>
+            </a:r>
+            <a:r>
+              <a:rPr lang="nl-BE" b="0" dirty="0">
+                <a:solidFill>
+                  <a:srgbClr val="0000FF"/>
+                </a:solidFill>
+                <a:effectLst/>
+                <a:latin typeface="Consolas" panose="020B0609020204030204" pitchFamily="49" charset="0"/>
+              </a:rPr>
+              <a:t>"pink"</a:t>
+            </a:r>
+            <a:r>
+              <a:rPr lang="nl-BE" b="0" dirty="0">
+                <a:solidFill>
+                  <a:srgbClr val="800000"/>
+                </a:solidFill>
+                <a:effectLst/>
+                <a:latin typeface="Consolas" panose="020B0609020204030204" pitchFamily="49" charset="0"/>
+              </a:rPr>
+              <a:t>&gt;</a:t>
+            </a:r>
+            <a:r>
+              <a:rPr lang="nl-BE" b="0" dirty="0">
+                <a:solidFill>
+                  <a:srgbClr val="000000"/>
+                </a:solidFill>
+                <a:effectLst/>
+                <a:latin typeface="Consolas" panose="020B0609020204030204" pitchFamily="49" charset="0"/>
+              </a:rPr>
+              <a:t>Tekst 1B2</a:t>
+            </a:r>
+            <a:r>
+              <a:rPr lang="nl-BE" b="0" dirty="0">
+                <a:solidFill>
+                  <a:srgbClr val="800000"/>
+                </a:solidFill>
+                <a:effectLst/>
+                <a:latin typeface="Consolas" panose="020B0609020204030204" pitchFamily="49" charset="0"/>
+              </a:rPr>
+              <a:t>&lt;/p&gt;</a:t>
+            </a:r>
+            <a:endParaRPr lang="nl-BE" b="0" dirty="0">
+              <a:solidFill>
+                <a:srgbClr val="000000"/>
+              </a:solidFill>
+              <a:effectLst/>
+              <a:latin typeface="Consolas" panose="020B0609020204030204" pitchFamily="49" charset="0"/>
+            </a:endParaRPr>
+          </a:p>
+          <a:p>
+            <a:pPr>
+              <a:lnSpc>
+                <a:spcPts val="1425"/>
+              </a:lnSpc>
+              <a:spcAft>
+                <a:spcPts val="400"/>
+              </a:spcAft>
+              <a:buNone/>
+            </a:pPr>
+            <a:r>
+              <a:rPr lang="nl-BE" b="0" dirty="0">
+                <a:solidFill>
+                  <a:srgbClr val="000000"/>
+                </a:solidFill>
+                <a:effectLst/>
+                <a:latin typeface="Consolas" panose="020B0609020204030204" pitchFamily="49" charset="0"/>
+              </a:rPr>
+              <a:t>    </a:t>
+            </a:r>
+            <a:r>
+              <a:rPr lang="nl-BE" b="0" dirty="0">
+                <a:solidFill>
+                  <a:srgbClr val="800000"/>
+                </a:solidFill>
+                <a:effectLst/>
+                <a:latin typeface="Consolas" panose="020B0609020204030204" pitchFamily="49" charset="0"/>
+              </a:rPr>
+              <a:t>&lt;h1&gt;</a:t>
+            </a:r>
+            <a:r>
+              <a:rPr lang="nl-BE" b="0" dirty="0">
+                <a:solidFill>
+                  <a:srgbClr val="000000"/>
+                </a:solidFill>
+                <a:effectLst/>
+                <a:latin typeface="Consolas" panose="020B0609020204030204" pitchFamily="49" charset="0"/>
+              </a:rPr>
+              <a:t>Titel 2</a:t>
+            </a:r>
+            <a:r>
+              <a:rPr lang="nl-BE" b="0" dirty="0">
+                <a:solidFill>
+                  <a:srgbClr val="800000"/>
+                </a:solidFill>
+                <a:effectLst/>
+                <a:latin typeface="Consolas" panose="020B0609020204030204" pitchFamily="49" charset="0"/>
+              </a:rPr>
+              <a:t>&lt;/h1&gt;</a:t>
+            </a:r>
+            <a:endParaRPr lang="nl-BE" b="0" dirty="0">
+              <a:solidFill>
+                <a:srgbClr val="000000"/>
+              </a:solidFill>
+              <a:effectLst/>
+              <a:latin typeface="Consolas" panose="020B0609020204030204" pitchFamily="49" charset="0"/>
+            </a:endParaRPr>
+          </a:p>
+          <a:p>
+            <a:pPr>
+              <a:lnSpc>
+                <a:spcPts val="1425"/>
+              </a:lnSpc>
+              <a:spcAft>
+                <a:spcPts val="400"/>
+              </a:spcAft>
+              <a:buNone/>
+            </a:pPr>
+            <a:r>
+              <a:rPr lang="nl-BE" b="0" dirty="0">
+                <a:solidFill>
+                  <a:srgbClr val="000000"/>
+                </a:solidFill>
+                <a:effectLst/>
+                <a:latin typeface="Consolas" panose="020B0609020204030204" pitchFamily="49" charset="0"/>
+              </a:rPr>
+              <a:t>    </a:t>
+            </a:r>
+            <a:r>
+              <a:rPr lang="nl-BE" b="0" dirty="0">
+                <a:solidFill>
+                  <a:srgbClr val="800000"/>
+                </a:solidFill>
+                <a:effectLst/>
+                <a:latin typeface="Consolas" panose="020B0609020204030204" pitchFamily="49" charset="0"/>
+              </a:rPr>
+              <a:t>&lt;h2</a:t>
+            </a:r>
+            <a:r>
+              <a:rPr lang="nl-BE" b="0" dirty="0">
+                <a:solidFill>
+                  <a:srgbClr val="000000"/>
+                </a:solidFill>
+                <a:effectLst/>
+                <a:latin typeface="Consolas" panose="020B0609020204030204" pitchFamily="49" charset="0"/>
+              </a:rPr>
+              <a:t> </a:t>
+            </a:r>
+            <a:r>
+              <a:rPr lang="nl-BE" b="0" dirty="0">
+                <a:solidFill>
+                  <a:srgbClr val="E50000"/>
+                </a:solidFill>
+                <a:effectLst/>
+                <a:latin typeface="Consolas" panose="020B0609020204030204" pitchFamily="49" charset="0"/>
+              </a:rPr>
+              <a:t>class</a:t>
+            </a:r>
+            <a:r>
+              <a:rPr lang="nl-BE" b="0" dirty="0">
+                <a:solidFill>
+                  <a:srgbClr val="000000"/>
+                </a:solidFill>
+                <a:effectLst/>
+                <a:latin typeface="Consolas" panose="020B0609020204030204" pitchFamily="49" charset="0"/>
+              </a:rPr>
+              <a:t>=</a:t>
+            </a:r>
+            <a:r>
+              <a:rPr lang="nl-BE" b="0" dirty="0">
+                <a:solidFill>
+                  <a:srgbClr val="0000FF"/>
+                </a:solidFill>
+                <a:effectLst/>
+                <a:latin typeface="Consolas" panose="020B0609020204030204" pitchFamily="49" charset="0"/>
+              </a:rPr>
+              <a:t>"pink"</a:t>
+            </a:r>
+            <a:r>
+              <a:rPr lang="nl-BE" b="0" dirty="0">
+                <a:solidFill>
+                  <a:srgbClr val="800000"/>
+                </a:solidFill>
+                <a:effectLst/>
+                <a:latin typeface="Consolas" panose="020B0609020204030204" pitchFamily="49" charset="0"/>
+              </a:rPr>
+              <a:t>&gt;</a:t>
+            </a:r>
+            <a:r>
+              <a:rPr lang="nl-BE" b="0" dirty="0">
+                <a:solidFill>
+                  <a:srgbClr val="000000"/>
+                </a:solidFill>
+                <a:effectLst/>
+                <a:latin typeface="Consolas" panose="020B0609020204030204" pitchFamily="49" charset="0"/>
+              </a:rPr>
+              <a:t>Subtitel A</a:t>
+            </a:r>
+            <a:r>
+              <a:rPr lang="nl-BE" b="0" dirty="0">
+                <a:solidFill>
+                  <a:srgbClr val="800000"/>
+                </a:solidFill>
+                <a:effectLst/>
+                <a:latin typeface="Consolas" panose="020B0609020204030204" pitchFamily="49" charset="0"/>
+              </a:rPr>
+              <a:t>&lt;/h2&gt;</a:t>
+            </a:r>
+            <a:endParaRPr lang="nl-BE" b="0" dirty="0">
+              <a:solidFill>
+                <a:srgbClr val="000000"/>
+              </a:solidFill>
+              <a:effectLst/>
+              <a:latin typeface="Consolas" panose="020B0609020204030204" pitchFamily="49" charset="0"/>
+            </a:endParaRPr>
+          </a:p>
+          <a:p>
+            <a:pPr>
+              <a:lnSpc>
+                <a:spcPts val="1425"/>
+              </a:lnSpc>
+              <a:spcAft>
+                <a:spcPts val="400"/>
+              </a:spcAft>
+              <a:buNone/>
+            </a:pPr>
+            <a:r>
+              <a:rPr lang="nl-BE" b="0" dirty="0">
+                <a:solidFill>
+                  <a:srgbClr val="000000"/>
+                </a:solidFill>
+                <a:effectLst/>
+                <a:latin typeface="Consolas" panose="020B0609020204030204" pitchFamily="49" charset="0"/>
+              </a:rPr>
+              <a:t>    </a:t>
+            </a:r>
+            <a:r>
+              <a:rPr lang="nl-BE" b="0" dirty="0">
+                <a:solidFill>
+                  <a:srgbClr val="800000"/>
+                </a:solidFill>
+                <a:effectLst/>
+                <a:latin typeface="Consolas" panose="020B0609020204030204" pitchFamily="49" charset="0"/>
+              </a:rPr>
+              <a:t>&lt;p</a:t>
+            </a:r>
+            <a:r>
+              <a:rPr lang="nl-BE" b="0" dirty="0">
+                <a:solidFill>
+                  <a:srgbClr val="000000"/>
+                </a:solidFill>
+                <a:effectLst/>
+                <a:latin typeface="Consolas" panose="020B0609020204030204" pitchFamily="49" charset="0"/>
+              </a:rPr>
+              <a:t> </a:t>
+            </a:r>
+            <a:r>
+              <a:rPr lang="nl-BE" b="0" dirty="0">
+                <a:solidFill>
+                  <a:srgbClr val="E50000"/>
+                </a:solidFill>
+                <a:effectLst/>
+                <a:latin typeface="Consolas" panose="020B0609020204030204" pitchFamily="49" charset="0"/>
+              </a:rPr>
+              <a:t>class</a:t>
+            </a:r>
+            <a:r>
+              <a:rPr lang="nl-BE" b="0" dirty="0">
+                <a:solidFill>
+                  <a:srgbClr val="000000"/>
+                </a:solidFill>
+                <a:effectLst/>
+                <a:latin typeface="Consolas" panose="020B0609020204030204" pitchFamily="49" charset="0"/>
+              </a:rPr>
+              <a:t>=</a:t>
+            </a:r>
+            <a:r>
+              <a:rPr lang="nl-BE" b="0" dirty="0">
+                <a:solidFill>
+                  <a:srgbClr val="0000FF"/>
+                </a:solidFill>
+                <a:effectLst/>
+                <a:latin typeface="Consolas" panose="020B0609020204030204" pitchFamily="49" charset="0"/>
+              </a:rPr>
+              <a:t>"pink"</a:t>
+            </a:r>
+            <a:r>
+              <a:rPr lang="nl-BE" b="0" dirty="0">
+                <a:solidFill>
+                  <a:srgbClr val="800000"/>
+                </a:solidFill>
+                <a:effectLst/>
+                <a:latin typeface="Consolas" panose="020B0609020204030204" pitchFamily="49" charset="0"/>
+              </a:rPr>
+              <a:t>&gt;</a:t>
+            </a:r>
+            <a:r>
+              <a:rPr lang="nl-BE" b="0" dirty="0">
+                <a:solidFill>
+                  <a:srgbClr val="000000"/>
+                </a:solidFill>
+                <a:effectLst/>
+                <a:latin typeface="Consolas" panose="020B0609020204030204" pitchFamily="49" charset="0"/>
+              </a:rPr>
+              <a:t>Tekst 2A1</a:t>
+            </a:r>
+            <a:r>
+              <a:rPr lang="nl-BE" b="0" dirty="0">
+                <a:solidFill>
+                  <a:srgbClr val="800000"/>
+                </a:solidFill>
+                <a:effectLst/>
+                <a:latin typeface="Consolas" panose="020B0609020204030204" pitchFamily="49" charset="0"/>
+              </a:rPr>
+              <a:t>&lt;/p&gt;</a:t>
+            </a:r>
+            <a:endParaRPr lang="nl-BE" b="0" dirty="0">
+              <a:solidFill>
+                <a:srgbClr val="000000"/>
+              </a:solidFill>
+              <a:effectLst/>
+              <a:latin typeface="Consolas" panose="020B0609020204030204" pitchFamily="49" charset="0"/>
+            </a:endParaRPr>
+          </a:p>
+          <a:p>
+            <a:pPr>
+              <a:lnSpc>
+                <a:spcPts val="1425"/>
+              </a:lnSpc>
+              <a:spcAft>
+                <a:spcPts val="400"/>
+              </a:spcAft>
+              <a:buNone/>
+            </a:pPr>
+            <a:r>
+              <a:rPr lang="nl-BE" b="0" dirty="0">
+                <a:solidFill>
+                  <a:srgbClr val="000000"/>
+                </a:solidFill>
+                <a:effectLst/>
+                <a:latin typeface="Consolas" panose="020B0609020204030204" pitchFamily="49" charset="0"/>
+              </a:rPr>
+              <a:t>    </a:t>
+            </a:r>
+            <a:r>
+              <a:rPr lang="nl-BE" b="0" dirty="0">
+                <a:solidFill>
+                  <a:srgbClr val="800000"/>
+                </a:solidFill>
+                <a:effectLst/>
+                <a:latin typeface="Consolas" panose="020B0609020204030204" pitchFamily="49" charset="0"/>
+              </a:rPr>
+              <a:t>&lt;p&gt;</a:t>
+            </a:r>
+            <a:r>
+              <a:rPr lang="nl-BE" b="0" dirty="0">
+                <a:solidFill>
+                  <a:srgbClr val="000000"/>
+                </a:solidFill>
+                <a:effectLst/>
+                <a:latin typeface="Consolas" panose="020B0609020204030204" pitchFamily="49" charset="0"/>
+              </a:rPr>
+              <a:t>Tekst 2A2</a:t>
+            </a:r>
+            <a:r>
+              <a:rPr lang="nl-BE" b="0" dirty="0">
+                <a:solidFill>
+                  <a:srgbClr val="800000"/>
+                </a:solidFill>
+                <a:effectLst/>
+                <a:latin typeface="Consolas" panose="020B0609020204030204" pitchFamily="49" charset="0"/>
+              </a:rPr>
+              <a:t>&lt;/p&gt;</a:t>
+            </a:r>
+            <a:endParaRPr lang="nl-BE" b="0" dirty="0">
+              <a:solidFill>
+                <a:srgbClr val="000000"/>
+              </a:solidFill>
+              <a:effectLst/>
+              <a:latin typeface="Consolas" panose="020B0609020204030204" pitchFamily="49" charset="0"/>
+            </a:endParaRPr>
+          </a:p>
+          <a:p>
+            <a:pPr>
+              <a:lnSpc>
+                <a:spcPts val="1425"/>
+              </a:lnSpc>
+              <a:spcAft>
+                <a:spcPts val="400"/>
+              </a:spcAft>
+              <a:buNone/>
+            </a:pPr>
+            <a:r>
+              <a:rPr lang="nl-BE" b="0" dirty="0">
+                <a:solidFill>
+                  <a:srgbClr val="000000"/>
+                </a:solidFill>
+                <a:effectLst/>
+                <a:latin typeface="Consolas" panose="020B0609020204030204" pitchFamily="49" charset="0"/>
+              </a:rPr>
+              <a:t>    </a:t>
+            </a:r>
+            <a:r>
+              <a:rPr lang="nl-BE" b="0" dirty="0">
+                <a:solidFill>
+                  <a:srgbClr val="800000"/>
+                </a:solidFill>
+                <a:effectLst/>
+                <a:latin typeface="Consolas" panose="020B0609020204030204" pitchFamily="49" charset="0"/>
+              </a:rPr>
+              <a:t>&lt;h2&gt;</a:t>
+            </a:r>
+            <a:r>
+              <a:rPr lang="nl-BE" b="0" dirty="0">
+                <a:solidFill>
+                  <a:srgbClr val="000000"/>
+                </a:solidFill>
+                <a:effectLst/>
+                <a:latin typeface="Consolas" panose="020B0609020204030204" pitchFamily="49" charset="0"/>
+              </a:rPr>
+              <a:t>Subtitel B</a:t>
+            </a:r>
+            <a:r>
+              <a:rPr lang="nl-BE" b="0" dirty="0">
+                <a:solidFill>
+                  <a:srgbClr val="800000"/>
+                </a:solidFill>
+                <a:effectLst/>
+                <a:latin typeface="Consolas" panose="020B0609020204030204" pitchFamily="49" charset="0"/>
+              </a:rPr>
+              <a:t>&lt;/h2&gt;</a:t>
+            </a:r>
+            <a:endParaRPr lang="nl-BE" b="0" dirty="0">
+              <a:solidFill>
+                <a:srgbClr val="000000"/>
+              </a:solidFill>
+              <a:effectLst/>
+              <a:latin typeface="Consolas" panose="020B0609020204030204" pitchFamily="49" charset="0"/>
+            </a:endParaRPr>
+          </a:p>
+          <a:p>
+            <a:pPr>
+              <a:lnSpc>
+                <a:spcPts val="1425"/>
+              </a:lnSpc>
+              <a:spcAft>
+                <a:spcPts val="400"/>
+              </a:spcAft>
+              <a:buNone/>
+            </a:pPr>
+            <a:r>
+              <a:rPr lang="nl-BE" b="0" dirty="0">
+                <a:solidFill>
+                  <a:srgbClr val="000000"/>
+                </a:solidFill>
+                <a:effectLst/>
+                <a:latin typeface="Consolas" panose="020B0609020204030204" pitchFamily="49" charset="0"/>
+              </a:rPr>
+              <a:t>    </a:t>
+            </a:r>
+            <a:r>
+              <a:rPr lang="nl-BE" b="0" dirty="0">
+                <a:solidFill>
+                  <a:srgbClr val="800000"/>
+                </a:solidFill>
+                <a:effectLst/>
+                <a:latin typeface="Consolas" panose="020B0609020204030204" pitchFamily="49" charset="0"/>
+              </a:rPr>
+              <a:t>&lt;p</a:t>
+            </a:r>
+            <a:r>
+              <a:rPr lang="nl-BE" b="0" dirty="0">
+                <a:solidFill>
+                  <a:srgbClr val="000000"/>
+                </a:solidFill>
+                <a:effectLst/>
+                <a:latin typeface="Consolas" panose="020B0609020204030204" pitchFamily="49" charset="0"/>
+              </a:rPr>
+              <a:t> </a:t>
+            </a:r>
+            <a:r>
+              <a:rPr lang="nl-BE" b="0" dirty="0" err="1">
+                <a:solidFill>
+                  <a:srgbClr val="E50000"/>
+                </a:solidFill>
+                <a:effectLst/>
+                <a:latin typeface="Consolas" panose="020B0609020204030204" pitchFamily="49" charset="0"/>
+              </a:rPr>
+              <a:t>id</a:t>
+            </a:r>
+            <a:r>
+              <a:rPr lang="nl-BE" b="0" dirty="0">
+                <a:solidFill>
+                  <a:srgbClr val="000000"/>
+                </a:solidFill>
+                <a:effectLst/>
+                <a:latin typeface="Consolas" panose="020B0609020204030204" pitchFamily="49" charset="0"/>
+              </a:rPr>
+              <a:t>=</a:t>
+            </a:r>
+            <a:r>
+              <a:rPr lang="nl-BE" b="0" dirty="0">
+                <a:solidFill>
+                  <a:srgbClr val="0000FF"/>
+                </a:solidFill>
+                <a:effectLst/>
+                <a:latin typeface="Consolas" panose="020B0609020204030204" pitchFamily="49" charset="0"/>
+              </a:rPr>
+              <a:t>"p1"</a:t>
+            </a:r>
+            <a:r>
+              <a:rPr lang="nl-BE" b="0" dirty="0">
+                <a:solidFill>
+                  <a:srgbClr val="800000"/>
+                </a:solidFill>
+                <a:effectLst/>
+                <a:latin typeface="Consolas" panose="020B0609020204030204" pitchFamily="49" charset="0"/>
+              </a:rPr>
+              <a:t>&gt;</a:t>
+            </a:r>
+            <a:r>
+              <a:rPr lang="nl-BE" b="0" dirty="0">
+                <a:solidFill>
+                  <a:srgbClr val="000000"/>
+                </a:solidFill>
+                <a:effectLst/>
+                <a:latin typeface="Consolas" panose="020B0609020204030204" pitchFamily="49" charset="0"/>
+              </a:rPr>
+              <a:t>Tekst 2B1</a:t>
+            </a:r>
+            <a:r>
+              <a:rPr lang="nl-BE" b="0" dirty="0">
+                <a:solidFill>
+                  <a:srgbClr val="800000"/>
+                </a:solidFill>
+                <a:effectLst/>
+                <a:latin typeface="Consolas" panose="020B0609020204030204" pitchFamily="49" charset="0"/>
+              </a:rPr>
+              <a:t>&lt;/p&gt;</a:t>
+            </a:r>
+            <a:endParaRPr lang="nl-BE" b="0" dirty="0">
+              <a:solidFill>
+                <a:srgbClr val="000000"/>
+              </a:solidFill>
+              <a:effectLst/>
+              <a:latin typeface="Consolas" panose="020B0609020204030204" pitchFamily="49" charset="0"/>
+            </a:endParaRPr>
+          </a:p>
+          <a:p>
+            <a:pPr>
+              <a:lnSpc>
+                <a:spcPts val="1425"/>
+              </a:lnSpc>
+              <a:spcAft>
+                <a:spcPts val="400"/>
+              </a:spcAft>
+              <a:buNone/>
+            </a:pPr>
+            <a:r>
+              <a:rPr lang="nl-BE" b="0" dirty="0">
+                <a:solidFill>
+                  <a:srgbClr val="000000"/>
+                </a:solidFill>
+                <a:effectLst/>
+                <a:latin typeface="Consolas" panose="020B0609020204030204" pitchFamily="49" charset="0"/>
+              </a:rPr>
+              <a:t>    </a:t>
+            </a:r>
+            <a:r>
+              <a:rPr lang="nl-BE" b="0" dirty="0">
+                <a:solidFill>
+                  <a:srgbClr val="800000"/>
+                </a:solidFill>
+                <a:effectLst/>
+                <a:latin typeface="Consolas" panose="020B0609020204030204" pitchFamily="49" charset="0"/>
+              </a:rPr>
+              <a:t>&lt;p&gt;</a:t>
+            </a:r>
+            <a:r>
+              <a:rPr lang="nl-BE" b="0" dirty="0">
+                <a:solidFill>
+                  <a:srgbClr val="000000"/>
+                </a:solidFill>
+                <a:effectLst/>
+                <a:latin typeface="Consolas" panose="020B0609020204030204" pitchFamily="49" charset="0"/>
+              </a:rPr>
+              <a:t>Tekst 2B2</a:t>
+            </a:r>
+            <a:r>
+              <a:rPr lang="nl-BE" b="0" dirty="0">
+                <a:solidFill>
+                  <a:srgbClr val="800000"/>
+                </a:solidFill>
+                <a:effectLst/>
+                <a:latin typeface="Consolas" panose="020B0609020204030204" pitchFamily="49" charset="0"/>
+              </a:rPr>
+              <a:t>&lt;/p&gt;</a:t>
+            </a:r>
+            <a:endParaRPr lang="nl-BE" b="0" dirty="0">
+              <a:solidFill>
+                <a:srgbClr val="000000"/>
+              </a:solidFill>
+              <a:effectLst/>
+              <a:latin typeface="Consolas" panose="020B0609020204030204" pitchFamily="49" charset="0"/>
+            </a:endParaRPr>
+          </a:p>
+          <a:p>
+            <a:pPr>
+              <a:lnSpc>
+                <a:spcPts val="1425"/>
+              </a:lnSpc>
+              <a:spcAft>
+                <a:spcPts val="400"/>
+              </a:spcAft>
+              <a:buNone/>
+            </a:pPr>
+            <a:r>
+              <a:rPr lang="nl-BE" b="0" dirty="0">
+                <a:solidFill>
+                  <a:srgbClr val="000000"/>
+                </a:solidFill>
+                <a:effectLst/>
+                <a:latin typeface="Consolas" panose="020B0609020204030204" pitchFamily="49" charset="0"/>
+              </a:rPr>
+              <a:t>    </a:t>
+            </a:r>
+            <a:r>
+              <a:rPr lang="nl-BE" b="0" dirty="0">
+                <a:solidFill>
+                  <a:srgbClr val="800000"/>
+                </a:solidFill>
+                <a:effectLst/>
+                <a:latin typeface="Consolas" panose="020B0609020204030204" pitchFamily="49" charset="0"/>
+              </a:rPr>
+              <a:t>&lt;div&gt;</a:t>
+            </a:r>
+            <a:endParaRPr lang="nl-BE" b="0" dirty="0">
+              <a:solidFill>
+                <a:srgbClr val="000000"/>
+              </a:solidFill>
+              <a:effectLst/>
+              <a:latin typeface="Consolas" panose="020B0609020204030204" pitchFamily="49" charset="0"/>
+            </a:endParaRPr>
+          </a:p>
+          <a:p>
+            <a:pPr>
+              <a:lnSpc>
+                <a:spcPts val="1425"/>
+              </a:lnSpc>
+              <a:spcAft>
+                <a:spcPts val="400"/>
+              </a:spcAft>
+              <a:buNone/>
+            </a:pPr>
+            <a:r>
+              <a:rPr lang="nl-BE" b="0" dirty="0">
+                <a:solidFill>
+                  <a:srgbClr val="000000"/>
+                </a:solidFill>
+                <a:effectLst/>
+                <a:latin typeface="Consolas" panose="020B0609020204030204" pitchFamily="49" charset="0"/>
+              </a:rPr>
+              <a:t>        </a:t>
+            </a:r>
+            <a:r>
+              <a:rPr lang="nl-BE" b="0" dirty="0">
+                <a:solidFill>
+                  <a:srgbClr val="800000"/>
+                </a:solidFill>
+                <a:effectLst/>
+                <a:latin typeface="Consolas" panose="020B0609020204030204" pitchFamily="49" charset="0"/>
+              </a:rPr>
+              <a:t>&lt;strong&gt;</a:t>
+            </a:r>
+            <a:r>
+              <a:rPr lang="nl-BE" b="0" dirty="0">
+                <a:solidFill>
+                  <a:srgbClr val="000000"/>
+                </a:solidFill>
+                <a:effectLst/>
+                <a:latin typeface="Consolas" panose="020B0609020204030204" pitchFamily="49" charset="0"/>
+              </a:rPr>
+              <a:t>Voettekst 1</a:t>
+            </a:r>
+            <a:r>
+              <a:rPr lang="nl-BE" b="0" dirty="0">
+                <a:solidFill>
+                  <a:srgbClr val="800000"/>
+                </a:solidFill>
+                <a:effectLst/>
+                <a:latin typeface="Consolas" panose="020B0609020204030204" pitchFamily="49" charset="0"/>
+              </a:rPr>
+              <a:t>&lt;/strong&gt;</a:t>
+            </a:r>
+            <a:endParaRPr lang="nl-BE" b="0" dirty="0">
+              <a:solidFill>
+                <a:srgbClr val="000000"/>
+              </a:solidFill>
+              <a:effectLst/>
+              <a:latin typeface="Consolas" panose="020B0609020204030204" pitchFamily="49" charset="0"/>
+            </a:endParaRPr>
+          </a:p>
+          <a:p>
+            <a:pPr>
+              <a:lnSpc>
+                <a:spcPts val="1425"/>
+              </a:lnSpc>
+              <a:spcAft>
+                <a:spcPts val="400"/>
+              </a:spcAft>
+              <a:buNone/>
+            </a:pPr>
+            <a:r>
+              <a:rPr lang="nl-BE" b="0" dirty="0">
+                <a:solidFill>
+                  <a:srgbClr val="000000"/>
+                </a:solidFill>
+                <a:effectLst/>
+                <a:latin typeface="Consolas" panose="020B0609020204030204" pitchFamily="49" charset="0"/>
+              </a:rPr>
+              <a:t>        </a:t>
+            </a:r>
+            <a:r>
+              <a:rPr lang="nl-BE" b="0" dirty="0">
+                <a:solidFill>
+                  <a:srgbClr val="800000"/>
+                </a:solidFill>
+                <a:effectLst/>
+                <a:latin typeface="Consolas" panose="020B0609020204030204" pitchFamily="49" charset="0"/>
+              </a:rPr>
+              <a:t>&lt;p&gt;</a:t>
+            </a:r>
+            <a:r>
+              <a:rPr lang="nl-BE" b="0" dirty="0">
+                <a:solidFill>
+                  <a:srgbClr val="000000"/>
+                </a:solidFill>
+                <a:effectLst/>
+                <a:latin typeface="Consolas" panose="020B0609020204030204" pitchFamily="49" charset="0"/>
+              </a:rPr>
+              <a:t>Voet</a:t>
+            </a:r>
+            <a:r>
+              <a:rPr lang="nl-BE" b="0" dirty="0">
+                <a:solidFill>
+                  <a:srgbClr val="800000"/>
+                </a:solidFill>
+                <a:effectLst/>
+                <a:latin typeface="Consolas" panose="020B0609020204030204" pitchFamily="49" charset="0"/>
+              </a:rPr>
+              <a:t>&lt;strong&gt;</a:t>
+            </a:r>
+            <a:r>
+              <a:rPr lang="nl-BE" b="0" dirty="0">
+                <a:solidFill>
+                  <a:srgbClr val="000000"/>
+                </a:solidFill>
+                <a:effectLst/>
+                <a:latin typeface="Consolas" panose="020B0609020204030204" pitchFamily="49" charset="0"/>
+              </a:rPr>
+              <a:t>tekst</a:t>
+            </a:r>
+            <a:r>
+              <a:rPr lang="nl-BE" b="0" dirty="0">
+                <a:solidFill>
+                  <a:srgbClr val="800000"/>
+                </a:solidFill>
+                <a:effectLst/>
+                <a:latin typeface="Consolas" panose="020B0609020204030204" pitchFamily="49" charset="0"/>
+              </a:rPr>
+              <a:t>&lt;/strong&gt;&lt;/p&gt;</a:t>
+            </a:r>
+            <a:endParaRPr lang="nl-BE" b="0" dirty="0">
+              <a:solidFill>
+                <a:srgbClr val="000000"/>
+              </a:solidFill>
+              <a:effectLst/>
+              <a:latin typeface="Consolas" panose="020B0609020204030204" pitchFamily="49" charset="0"/>
+            </a:endParaRPr>
+          </a:p>
+          <a:p>
+            <a:pPr>
+              <a:lnSpc>
+                <a:spcPts val="1425"/>
+              </a:lnSpc>
+              <a:spcAft>
+                <a:spcPts val="400"/>
+              </a:spcAft>
+              <a:buNone/>
+            </a:pPr>
+            <a:br>
+              <a:rPr lang="nl-BE" b="0" dirty="0">
+                <a:solidFill>
+                  <a:srgbClr val="000000"/>
+                </a:solidFill>
+                <a:effectLst/>
+                <a:latin typeface="Consolas" panose="020B0609020204030204" pitchFamily="49" charset="0"/>
+              </a:rPr>
+            </a:br>
+            <a:endParaRPr lang="nl-BE" b="0" dirty="0">
+              <a:solidFill>
+                <a:srgbClr val="000000"/>
+              </a:solidFill>
+              <a:effectLst/>
+              <a:latin typeface="Consolas" panose="020B0609020204030204" pitchFamily="49" charset="0"/>
+            </a:endParaRPr>
+          </a:p>
+          <a:p>
+            <a:pPr>
+              <a:lnSpc>
+                <a:spcPts val="1425"/>
+              </a:lnSpc>
+              <a:spcAft>
+                <a:spcPts val="400"/>
+              </a:spcAft>
+              <a:buNone/>
+            </a:pPr>
+            <a:r>
+              <a:rPr lang="nl-BE" b="0" dirty="0">
+                <a:solidFill>
+                  <a:srgbClr val="000000"/>
+                </a:solidFill>
+                <a:effectLst/>
+                <a:latin typeface="Consolas" panose="020B0609020204030204" pitchFamily="49" charset="0"/>
+              </a:rPr>
+              <a:t>    </a:t>
+            </a:r>
+            <a:r>
+              <a:rPr lang="nl-BE" b="0" dirty="0">
+                <a:solidFill>
+                  <a:srgbClr val="800000"/>
+                </a:solidFill>
+                <a:effectLst/>
+                <a:latin typeface="Consolas" panose="020B0609020204030204" pitchFamily="49" charset="0"/>
+              </a:rPr>
+              <a:t>&lt;/div&gt;</a:t>
+            </a:r>
+            <a:endParaRPr lang="nl-BE" b="0" dirty="0">
+              <a:solidFill>
+                <a:srgbClr val="000000"/>
+              </a:solidFill>
+              <a:effectLst/>
+              <a:latin typeface="Consolas" panose="020B0609020204030204" pitchFamily="49" charset="0"/>
+            </a:endParaRPr>
+          </a:p>
+          <a:p>
+            <a:pPr>
+              <a:lnSpc>
+                <a:spcPts val="1425"/>
+              </a:lnSpc>
+              <a:spcAft>
+                <a:spcPts val="400"/>
+              </a:spcAft>
+              <a:buNone/>
+            </a:pPr>
+            <a:r>
+              <a:rPr lang="nl-BE" b="0" dirty="0">
+                <a:solidFill>
+                  <a:srgbClr val="800000"/>
+                </a:solidFill>
+                <a:effectLst/>
+                <a:latin typeface="Consolas" panose="020B0609020204030204" pitchFamily="49" charset="0"/>
+              </a:rPr>
+              <a:t>&lt;/body&gt;</a:t>
+            </a:r>
+            <a:endParaRPr lang="nl-BE" b="0" dirty="0">
+              <a:solidFill>
+                <a:srgbClr val="000000"/>
+              </a:solidFill>
+              <a:effectLst/>
+              <a:latin typeface="Consolas" panose="020B0609020204030204" pitchFamily="49" charset="0"/>
+            </a:endParaRPr>
+          </a:p>
+          <a:p>
+            <a:pPr>
+              <a:lnSpc>
+                <a:spcPts val="1425"/>
+              </a:lnSpc>
+              <a:spcAft>
+                <a:spcPts val="400"/>
+              </a:spcAft>
+              <a:buNone/>
+            </a:pPr>
+            <a:r>
+              <a:rPr lang="nl-BE" b="0" dirty="0">
+                <a:solidFill>
+                  <a:srgbClr val="800000"/>
+                </a:solidFill>
+                <a:effectLst/>
+                <a:latin typeface="Consolas" panose="020B0609020204030204" pitchFamily="49" charset="0"/>
+              </a:rPr>
+              <a:t>&lt;/html&gt;</a:t>
+            </a:r>
+            <a:endParaRPr lang="nl-BE" b="0" dirty="0">
+              <a:solidFill>
+                <a:srgbClr val="000000"/>
+              </a:solidFill>
+              <a:effectLst/>
+              <a:latin typeface="Consolas" panose="020B0609020204030204" pitchFamily="49" charset="0"/>
+            </a:endParaRPr>
+          </a:p>
+        </p:txBody>
+      </p:sp>
+      <p:pic>
+        <p:nvPicPr>
+          <p:cNvPr id="21" name="Afbeelding 20">
+            <a:extLst>
+              <a:ext uri="{FF2B5EF4-FFF2-40B4-BE49-F238E27FC236}">
+                <a16:creationId xmlns:a16="http://schemas.microsoft.com/office/drawing/2014/main" id="{247268CA-BA90-6A96-58FF-E29E6C96A972}"/>
+              </a:ext>
+            </a:extLst>
+          </p:cNvPr>
+          <p:cNvPicPr>
+            <a:picLocks noChangeAspect="1"/>
+          </p:cNvPicPr>
+          <p:nvPr/>
+        </p:nvPicPr>
+        <p:blipFill>
+          <a:blip r:embed="rId2"/>
+          <a:stretch>
+            <a:fillRect/>
+          </a:stretch>
+        </p:blipFill>
+        <p:spPr>
+          <a:xfrm>
+            <a:off x="9922254" y="1621812"/>
+            <a:ext cx="901746" cy="4235668"/>
+          </a:xfrm>
+          <a:prstGeom prst="rect">
+            <a:avLst/>
+          </a:prstGeom>
+        </p:spPr>
+      </p:pic>
+      <p:sp>
+        <p:nvSpPr>
+          <p:cNvPr id="23" name="Tekstvak 22">
+            <a:extLst>
+              <a:ext uri="{FF2B5EF4-FFF2-40B4-BE49-F238E27FC236}">
+                <a16:creationId xmlns:a16="http://schemas.microsoft.com/office/drawing/2014/main" id="{E5E914E5-B05B-0DEA-BA30-A8EA1642EFE1}"/>
+              </a:ext>
+            </a:extLst>
+          </p:cNvPr>
+          <p:cNvSpPr txBox="1"/>
+          <p:nvPr/>
+        </p:nvSpPr>
+        <p:spPr>
+          <a:xfrm>
+            <a:off x="644103" y="1185550"/>
+            <a:ext cx="7044070" cy="5672450"/>
+          </a:xfrm>
+          <a:prstGeom prst="rect">
+            <a:avLst/>
+          </a:prstGeom>
+          <a:noFill/>
+        </p:spPr>
+        <p:txBody>
+          <a:bodyPr wrap="square">
+            <a:spAutoFit/>
+          </a:bodyPr>
+          <a:lstStyle/>
+          <a:p>
+            <a:pPr>
+              <a:lnSpc>
+                <a:spcPts val="1425"/>
+              </a:lnSpc>
+              <a:buNone/>
+            </a:pPr>
+            <a:r>
+              <a:rPr lang="nl-BE" sz="1400" b="0" dirty="0">
+                <a:solidFill>
+                  <a:srgbClr val="800000"/>
+                </a:solidFill>
+                <a:effectLst/>
+                <a:latin typeface="Consolas" panose="020B0609020204030204" pitchFamily="49" charset="0"/>
+              </a:rPr>
+              <a:t>*</a:t>
+            </a:r>
+            <a:r>
+              <a:rPr lang="nl-BE" sz="1400" b="0" dirty="0">
+                <a:solidFill>
+                  <a:srgbClr val="000000"/>
+                </a:solidFill>
+                <a:effectLst/>
+                <a:latin typeface="Consolas" panose="020B0609020204030204" pitchFamily="49" charset="0"/>
+              </a:rPr>
+              <a:t>{</a:t>
+            </a:r>
+          </a:p>
+          <a:p>
+            <a:pPr>
+              <a:lnSpc>
+                <a:spcPts val="1425"/>
+              </a:lnSpc>
+              <a:buNone/>
+            </a:pPr>
+            <a:r>
+              <a:rPr lang="nl-BE" sz="1400" b="0" dirty="0">
+                <a:solidFill>
+                  <a:srgbClr val="000000"/>
+                </a:solidFill>
+                <a:effectLst/>
+                <a:latin typeface="Consolas" panose="020B0609020204030204" pitchFamily="49" charset="0"/>
+              </a:rPr>
+              <a:t>    </a:t>
+            </a:r>
+            <a:r>
+              <a:rPr lang="nl-BE" sz="1400" b="0" dirty="0">
+                <a:solidFill>
+                  <a:srgbClr val="E50000"/>
+                </a:solidFill>
+                <a:effectLst/>
+                <a:latin typeface="Consolas" panose="020B0609020204030204" pitchFamily="49" charset="0"/>
+              </a:rPr>
+              <a:t>background-</a:t>
+            </a:r>
+            <a:r>
+              <a:rPr lang="nl-BE" sz="1400" b="0" dirty="0" err="1">
+                <a:solidFill>
+                  <a:srgbClr val="E50000"/>
+                </a:solidFill>
+                <a:effectLst/>
+                <a:latin typeface="Consolas" panose="020B0609020204030204" pitchFamily="49" charset="0"/>
+              </a:rPr>
+              <a:t>color</a:t>
+            </a:r>
+            <a:r>
+              <a:rPr lang="nl-BE" sz="1400" b="0" dirty="0">
+                <a:solidFill>
+                  <a:srgbClr val="000000"/>
+                </a:solidFill>
+                <a:effectLst/>
+                <a:latin typeface="Consolas" panose="020B0609020204030204" pitchFamily="49" charset="0"/>
+              </a:rPr>
+              <a:t>: </a:t>
+            </a:r>
+            <a:r>
+              <a:rPr lang="nl-BE" sz="1400" b="0" dirty="0" err="1">
+                <a:solidFill>
+                  <a:srgbClr val="0451A5"/>
+                </a:solidFill>
+                <a:effectLst/>
+                <a:latin typeface="Consolas" panose="020B0609020204030204" pitchFamily="49" charset="0"/>
+              </a:rPr>
+              <a:t>yellow</a:t>
+            </a:r>
+            <a:r>
+              <a:rPr lang="nl-BE" sz="1400" b="0" dirty="0">
+                <a:solidFill>
+                  <a:srgbClr val="000000"/>
+                </a:solidFill>
+                <a:effectLst/>
+                <a:latin typeface="Consolas" panose="020B0609020204030204" pitchFamily="49" charset="0"/>
+              </a:rPr>
+              <a:t>;</a:t>
+            </a:r>
+          </a:p>
+          <a:p>
+            <a:pPr>
+              <a:lnSpc>
+                <a:spcPts val="1425"/>
+              </a:lnSpc>
+              <a:buNone/>
+            </a:pPr>
+            <a:r>
+              <a:rPr lang="nl-BE" sz="1400" b="0" dirty="0">
+                <a:solidFill>
+                  <a:srgbClr val="000000"/>
+                </a:solidFill>
+                <a:effectLst/>
+                <a:latin typeface="Consolas" panose="020B0609020204030204" pitchFamily="49" charset="0"/>
+              </a:rPr>
+              <a:t>}</a:t>
+            </a:r>
+            <a:br>
+              <a:rPr lang="nl-BE" sz="1400" b="0" dirty="0">
+                <a:solidFill>
+                  <a:srgbClr val="000000"/>
+                </a:solidFill>
+                <a:effectLst/>
+                <a:latin typeface="Consolas" panose="020B0609020204030204" pitchFamily="49" charset="0"/>
+              </a:rPr>
+            </a:br>
+            <a:endParaRPr lang="nl-BE" sz="1400" b="0" dirty="0">
+              <a:solidFill>
+                <a:srgbClr val="000000"/>
+              </a:solidFill>
+              <a:effectLst/>
+              <a:latin typeface="Consolas" panose="020B0609020204030204" pitchFamily="49" charset="0"/>
+            </a:endParaRPr>
+          </a:p>
+          <a:p>
+            <a:pPr>
+              <a:lnSpc>
+                <a:spcPts val="1425"/>
+              </a:lnSpc>
+              <a:buNone/>
+            </a:pPr>
+            <a:r>
+              <a:rPr lang="nl-BE" sz="1400" b="0" dirty="0" err="1">
+                <a:solidFill>
+                  <a:srgbClr val="800000"/>
+                </a:solidFill>
+                <a:effectLst/>
+                <a:latin typeface="Consolas" panose="020B0609020204030204" pitchFamily="49" charset="0"/>
+              </a:rPr>
+              <a:t>html</a:t>
+            </a:r>
+            <a:r>
+              <a:rPr lang="nl-BE" sz="1400" b="0" dirty="0" err="1">
+                <a:solidFill>
+                  <a:srgbClr val="000000"/>
+                </a:solidFill>
+                <a:effectLst/>
+                <a:latin typeface="Consolas" panose="020B0609020204030204" pitchFamily="49" charset="0"/>
+              </a:rPr>
+              <a:t>,</a:t>
+            </a:r>
+            <a:r>
+              <a:rPr lang="nl-BE" sz="1400" b="0" dirty="0" err="1">
+                <a:solidFill>
+                  <a:srgbClr val="800000"/>
+                </a:solidFill>
+                <a:effectLst/>
+                <a:latin typeface="Consolas" panose="020B0609020204030204" pitchFamily="49" charset="0"/>
+              </a:rPr>
+              <a:t>body</a:t>
+            </a:r>
+            <a:r>
+              <a:rPr lang="nl-BE" sz="1400" b="0" dirty="0">
+                <a:solidFill>
+                  <a:srgbClr val="000000"/>
+                </a:solidFill>
+                <a:effectLst/>
+                <a:latin typeface="Consolas" panose="020B0609020204030204" pitchFamily="49" charset="0"/>
+              </a:rPr>
+              <a:t>{</a:t>
+            </a:r>
+          </a:p>
+          <a:p>
+            <a:pPr>
+              <a:lnSpc>
+                <a:spcPts val="1425"/>
+              </a:lnSpc>
+              <a:buNone/>
+            </a:pPr>
+            <a:r>
+              <a:rPr lang="nl-BE" sz="1400" b="0" dirty="0">
+                <a:solidFill>
+                  <a:srgbClr val="000000"/>
+                </a:solidFill>
+                <a:effectLst/>
+                <a:latin typeface="Consolas" panose="020B0609020204030204" pitchFamily="49" charset="0"/>
+              </a:rPr>
+              <a:t>    </a:t>
+            </a:r>
+            <a:r>
+              <a:rPr lang="nl-BE" sz="1400" b="0" dirty="0" err="1">
+                <a:solidFill>
+                  <a:srgbClr val="E50000"/>
+                </a:solidFill>
+                <a:effectLst/>
+                <a:latin typeface="Consolas" panose="020B0609020204030204" pitchFamily="49" charset="0"/>
+              </a:rPr>
+              <a:t>background-color</a:t>
+            </a:r>
+            <a:r>
+              <a:rPr lang="nl-BE" sz="1400" b="0" dirty="0" err="1">
+                <a:solidFill>
+                  <a:srgbClr val="000000"/>
+                </a:solidFill>
+                <a:effectLst/>
+                <a:latin typeface="Consolas" panose="020B0609020204030204" pitchFamily="49" charset="0"/>
+              </a:rPr>
+              <a:t>:</a:t>
+            </a:r>
+            <a:r>
+              <a:rPr lang="nl-BE" sz="1400" b="0" dirty="0" err="1">
+                <a:solidFill>
+                  <a:srgbClr val="0451A5"/>
+                </a:solidFill>
+                <a:effectLst/>
+                <a:latin typeface="Consolas" panose="020B0609020204030204" pitchFamily="49" charset="0"/>
+              </a:rPr>
+              <a:t>lightgreen</a:t>
+            </a:r>
+            <a:r>
+              <a:rPr lang="nl-BE" sz="1400" b="0" dirty="0">
+                <a:solidFill>
+                  <a:srgbClr val="000000"/>
+                </a:solidFill>
+                <a:effectLst/>
+                <a:latin typeface="Consolas" panose="020B0609020204030204" pitchFamily="49" charset="0"/>
+              </a:rPr>
+              <a:t>;</a:t>
+            </a:r>
+          </a:p>
+          <a:p>
+            <a:pPr>
+              <a:lnSpc>
+                <a:spcPts val="1425"/>
+              </a:lnSpc>
+              <a:buNone/>
+            </a:pPr>
+            <a:r>
+              <a:rPr lang="nl-BE" sz="1400" b="0" dirty="0">
+                <a:solidFill>
+                  <a:srgbClr val="000000"/>
+                </a:solidFill>
+                <a:effectLst/>
+                <a:latin typeface="Consolas" panose="020B0609020204030204" pitchFamily="49" charset="0"/>
+              </a:rPr>
+              <a:t>}</a:t>
+            </a:r>
+            <a:br>
+              <a:rPr lang="nl-BE" sz="1400" b="0" dirty="0">
+                <a:solidFill>
+                  <a:srgbClr val="000000"/>
+                </a:solidFill>
+                <a:effectLst/>
+                <a:latin typeface="Consolas" panose="020B0609020204030204" pitchFamily="49" charset="0"/>
+              </a:rPr>
+            </a:br>
+            <a:endParaRPr lang="nl-BE" sz="1400" b="0" dirty="0">
+              <a:solidFill>
+                <a:srgbClr val="000000"/>
+              </a:solidFill>
+              <a:effectLst/>
+              <a:latin typeface="Consolas" panose="020B0609020204030204" pitchFamily="49" charset="0"/>
+            </a:endParaRPr>
+          </a:p>
+          <a:p>
+            <a:pPr>
+              <a:lnSpc>
+                <a:spcPts val="1425"/>
+              </a:lnSpc>
+              <a:buNone/>
+            </a:pPr>
+            <a:r>
+              <a:rPr lang="nl-BE" sz="1400" b="0" dirty="0">
+                <a:solidFill>
+                  <a:srgbClr val="800000"/>
+                </a:solidFill>
+                <a:effectLst/>
+                <a:latin typeface="Consolas" panose="020B0609020204030204" pitchFamily="49" charset="0"/>
+              </a:rPr>
+              <a:t>p</a:t>
+            </a:r>
+            <a:r>
+              <a:rPr lang="nl-BE" sz="1400" b="0" dirty="0">
+                <a:solidFill>
+                  <a:srgbClr val="000000"/>
+                </a:solidFill>
+                <a:effectLst/>
+                <a:latin typeface="Consolas" panose="020B0609020204030204" pitchFamily="49" charset="0"/>
+              </a:rPr>
+              <a:t> {</a:t>
+            </a:r>
+          </a:p>
+          <a:p>
+            <a:pPr>
+              <a:lnSpc>
+                <a:spcPts val="1425"/>
+              </a:lnSpc>
+              <a:buNone/>
+            </a:pPr>
+            <a:r>
+              <a:rPr lang="nl-BE" sz="1400" b="0" dirty="0">
+                <a:solidFill>
+                  <a:srgbClr val="000000"/>
+                </a:solidFill>
+                <a:effectLst/>
+                <a:latin typeface="Consolas" panose="020B0609020204030204" pitchFamily="49" charset="0"/>
+              </a:rPr>
+              <a:t>    </a:t>
+            </a:r>
+            <a:r>
+              <a:rPr lang="nl-BE" sz="1400" b="0" dirty="0">
+                <a:solidFill>
+                  <a:srgbClr val="E50000"/>
+                </a:solidFill>
+                <a:effectLst/>
+                <a:latin typeface="Consolas" panose="020B0609020204030204" pitchFamily="49" charset="0"/>
+              </a:rPr>
+              <a:t>background-</a:t>
+            </a:r>
+            <a:r>
+              <a:rPr lang="nl-BE" sz="1400" b="0" dirty="0" err="1">
+                <a:solidFill>
+                  <a:srgbClr val="E50000"/>
+                </a:solidFill>
+                <a:effectLst/>
+                <a:latin typeface="Consolas" panose="020B0609020204030204" pitchFamily="49" charset="0"/>
+              </a:rPr>
+              <a:t>color</a:t>
+            </a:r>
+            <a:r>
+              <a:rPr lang="nl-BE" sz="1400" b="0" dirty="0">
+                <a:solidFill>
+                  <a:srgbClr val="000000"/>
+                </a:solidFill>
+                <a:effectLst/>
+                <a:latin typeface="Consolas" panose="020B0609020204030204" pitchFamily="49" charset="0"/>
+              </a:rPr>
+              <a:t>: </a:t>
+            </a:r>
+            <a:r>
+              <a:rPr lang="nl-BE" sz="1400" b="0" dirty="0">
+                <a:solidFill>
+                  <a:srgbClr val="0451A5"/>
+                </a:solidFill>
+                <a:effectLst/>
+                <a:latin typeface="Consolas" panose="020B0609020204030204" pitchFamily="49" charset="0"/>
+              </a:rPr>
+              <a:t>red</a:t>
+            </a:r>
+            <a:r>
+              <a:rPr lang="nl-BE" sz="1400" b="0" dirty="0">
+                <a:solidFill>
+                  <a:srgbClr val="000000"/>
+                </a:solidFill>
+                <a:effectLst/>
+                <a:latin typeface="Consolas" panose="020B0609020204030204" pitchFamily="49" charset="0"/>
+              </a:rPr>
+              <a:t>;</a:t>
+            </a:r>
+          </a:p>
+          <a:p>
+            <a:pPr>
+              <a:lnSpc>
+                <a:spcPts val="1425"/>
+              </a:lnSpc>
+              <a:buNone/>
+            </a:pPr>
+            <a:r>
+              <a:rPr lang="nl-BE" sz="1400" b="0" dirty="0">
+                <a:solidFill>
+                  <a:srgbClr val="000000"/>
+                </a:solidFill>
+                <a:effectLst/>
+                <a:latin typeface="Consolas" panose="020B0609020204030204" pitchFamily="49" charset="0"/>
+              </a:rPr>
+              <a:t>}</a:t>
+            </a:r>
+          </a:p>
+          <a:p>
+            <a:pPr>
+              <a:lnSpc>
+                <a:spcPts val="1425"/>
+              </a:lnSpc>
+              <a:buNone/>
+            </a:pPr>
+            <a:r>
+              <a:rPr lang="nl-BE" sz="1400" b="0" dirty="0">
+                <a:solidFill>
+                  <a:srgbClr val="800000"/>
+                </a:solidFill>
+                <a:effectLst/>
+                <a:latin typeface="Consolas" panose="020B0609020204030204" pitchFamily="49" charset="0"/>
+              </a:rPr>
+              <a:t>.green</a:t>
+            </a:r>
+            <a:r>
+              <a:rPr lang="nl-BE" sz="1400" b="0" dirty="0">
+                <a:solidFill>
+                  <a:srgbClr val="000000"/>
+                </a:solidFill>
+                <a:effectLst/>
+                <a:latin typeface="Consolas" panose="020B0609020204030204" pitchFamily="49" charset="0"/>
+              </a:rPr>
+              <a:t>{</a:t>
+            </a:r>
+          </a:p>
+          <a:p>
+            <a:pPr>
+              <a:lnSpc>
+                <a:spcPts val="1425"/>
+              </a:lnSpc>
+              <a:buNone/>
+            </a:pPr>
+            <a:r>
+              <a:rPr lang="nl-BE" sz="1400" b="0" dirty="0">
+                <a:solidFill>
+                  <a:srgbClr val="000000"/>
+                </a:solidFill>
+                <a:effectLst/>
+                <a:latin typeface="Consolas" panose="020B0609020204030204" pitchFamily="49" charset="0"/>
+              </a:rPr>
+              <a:t>    </a:t>
+            </a:r>
+            <a:r>
+              <a:rPr lang="nl-BE" sz="1400" b="0" dirty="0">
+                <a:solidFill>
+                  <a:srgbClr val="E50000"/>
+                </a:solidFill>
+                <a:effectLst/>
+                <a:latin typeface="Consolas" panose="020B0609020204030204" pitchFamily="49" charset="0"/>
+              </a:rPr>
+              <a:t>background-</a:t>
+            </a:r>
+            <a:r>
+              <a:rPr lang="nl-BE" sz="1400" b="0" dirty="0" err="1">
+                <a:solidFill>
+                  <a:srgbClr val="E50000"/>
+                </a:solidFill>
+                <a:effectLst/>
+                <a:latin typeface="Consolas" panose="020B0609020204030204" pitchFamily="49" charset="0"/>
+              </a:rPr>
+              <a:t>color</a:t>
+            </a:r>
+            <a:r>
+              <a:rPr lang="nl-BE" sz="1400" b="0" dirty="0">
+                <a:solidFill>
+                  <a:srgbClr val="000000"/>
+                </a:solidFill>
+                <a:effectLst/>
+                <a:latin typeface="Consolas" panose="020B0609020204030204" pitchFamily="49" charset="0"/>
+              </a:rPr>
+              <a:t>: </a:t>
+            </a:r>
+            <a:r>
+              <a:rPr lang="nl-BE" sz="1400" b="0" dirty="0">
+                <a:solidFill>
+                  <a:srgbClr val="0451A5"/>
+                </a:solidFill>
+                <a:effectLst/>
+                <a:latin typeface="Consolas" panose="020B0609020204030204" pitchFamily="49" charset="0"/>
+              </a:rPr>
+              <a:t>green</a:t>
+            </a:r>
+            <a:r>
+              <a:rPr lang="nl-BE" sz="1400" b="0" dirty="0">
+                <a:solidFill>
+                  <a:srgbClr val="000000"/>
+                </a:solidFill>
+                <a:effectLst/>
+                <a:latin typeface="Consolas" panose="020B0609020204030204" pitchFamily="49" charset="0"/>
+              </a:rPr>
+              <a:t>;</a:t>
+            </a:r>
+          </a:p>
+          <a:p>
+            <a:pPr>
+              <a:lnSpc>
+                <a:spcPts val="1425"/>
+              </a:lnSpc>
+              <a:buNone/>
+            </a:pPr>
+            <a:r>
+              <a:rPr lang="nl-BE" sz="1400" b="0" dirty="0">
+                <a:solidFill>
+                  <a:srgbClr val="000000"/>
+                </a:solidFill>
+                <a:effectLst/>
+                <a:latin typeface="Consolas" panose="020B0609020204030204" pitchFamily="49" charset="0"/>
+              </a:rPr>
+              <a:t>}</a:t>
+            </a:r>
+          </a:p>
+          <a:p>
+            <a:pPr>
+              <a:lnSpc>
+                <a:spcPts val="1425"/>
+              </a:lnSpc>
+              <a:buNone/>
+            </a:pPr>
+            <a:r>
+              <a:rPr lang="nl-BE" sz="1400" b="0" dirty="0">
+                <a:solidFill>
+                  <a:srgbClr val="800000"/>
+                </a:solidFill>
+                <a:effectLst/>
+                <a:latin typeface="Consolas" panose="020B0609020204030204" pitchFamily="49" charset="0"/>
+              </a:rPr>
+              <a:t>#p1</a:t>
+            </a:r>
+            <a:r>
+              <a:rPr lang="nl-BE" sz="1400" b="0" dirty="0">
+                <a:solidFill>
+                  <a:srgbClr val="000000"/>
+                </a:solidFill>
+                <a:effectLst/>
+                <a:latin typeface="Consolas" panose="020B0609020204030204" pitchFamily="49" charset="0"/>
+              </a:rPr>
+              <a:t>{</a:t>
+            </a:r>
+          </a:p>
+          <a:p>
+            <a:pPr>
+              <a:lnSpc>
+                <a:spcPts val="1425"/>
+              </a:lnSpc>
+              <a:buNone/>
+            </a:pPr>
+            <a:r>
+              <a:rPr lang="nl-BE" sz="1400" b="0" dirty="0">
+                <a:solidFill>
+                  <a:srgbClr val="000000"/>
+                </a:solidFill>
+                <a:effectLst/>
+                <a:latin typeface="Consolas" panose="020B0609020204030204" pitchFamily="49" charset="0"/>
+              </a:rPr>
+              <a:t>    </a:t>
+            </a:r>
+            <a:r>
+              <a:rPr lang="nl-BE" sz="1400" b="0" dirty="0">
+                <a:solidFill>
+                  <a:srgbClr val="E50000"/>
+                </a:solidFill>
+                <a:effectLst/>
+                <a:latin typeface="Consolas" panose="020B0609020204030204" pitchFamily="49" charset="0"/>
+              </a:rPr>
+              <a:t>background-</a:t>
+            </a:r>
+            <a:r>
+              <a:rPr lang="nl-BE" sz="1400" b="0" dirty="0" err="1">
+                <a:solidFill>
+                  <a:srgbClr val="E50000"/>
+                </a:solidFill>
+                <a:effectLst/>
+                <a:latin typeface="Consolas" panose="020B0609020204030204" pitchFamily="49" charset="0"/>
+              </a:rPr>
+              <a:t>color</a:t>
+            </a:r>
+            <a:r>
+              <a:rPr lang="nl-BE" sz="1400" b="0" dirty="0">
+                <a:solidFill>
+                  <a:srgbClr val="000000"/>
+                </a:solidFill>
+                <a:effectLst/>
+                <a:latin typeface="Consolas" panose="020B0609020204030204" pitchFamily="49" charset="0"/>
+              </a:rPr>
+              <a:t>: </a:t>
+            </a:r>
+            <a:r>
+              <a:rPr lang="nl-BE" sz="1400" b="0" dirty="0">
+                <a:solidFill>
+                  <a:srgbClr val="0451A5"/>
+                </a:solidFill>
+                <a:effectLst/>
+                <a:latin typeface="Consolas" panose="020B0609020204030204" pitchFamily="49" charset="0"/>
+              </a:rPr>
+              <a:t>blue</a:t>
+            </a:r>
+            <a:r>
+              <a:rPr lang="nl-BE" sz="1400" b="0" dirty="0">
+                <a:solidFill>
+                  <a:srgbClr val="000000"/>
+                </a:solidFill>
+                <a:effectLst/>
+                <a:latin typeface="Consolas" panose="020B0609020204030204" pitchFamily="49" charset="0"/>
+              </a:rPr>
+              <a:t>;</a:t>
+            </a:r>
+          </a:p>
+          <a:p>
+            <a:pPr>
+              <a:lnSpc>
+                <a:spcPts val="1425"/>
+              </a:lnSpc>
+              <a:buNone/>
+            </a:pPr>
+            <a:r>
+              <a:rPr lang="nl-BE" sz="1400" b="0" dirty="0">
+                <a:solidFill>
+                  <a:srgbClr val="000000"/>
+                </a:solidFill>
+                <a:effectLst/>
+                <a:latin typeface="Consolas" panose="020B0609020204030204" pitchFamily="49" charset="0"/>
+              </a:rPr>
+              <a:t>}</a:t>
+            </a:r>
+          </a:p>
+          <a:p>
+            <a:pPr>
+              <a:lnSpc>
+                <a:spcPts val="1425"/>
+              </a:lnSpc>
+              <a:buNone/>
+            </a:pPr>
+            <a:r>
+              <a:rPr lang="nl-BE" sz="1400" b="0" dirty="0">
+                <a:solidFill>
+                  <a:srgbClr val="800000"/>
+                </a:solidFill>
+                <a:effectLst/>
+                <a:latin typeface="Consolas" panose="020B0609020204030204" pitchFamily="49" charset="0"/>
+              </a:rPr>
+              <a:t>h2</a:t>
+            </a:r>
+            <a:r>
+              <a:rPr lang="nl-BE" sz="1400" b="0" dirty="0">
+                <a:solidFill>
+                  <a:srgbClr val="000000"/>
+                </a:solidFill>
+                <a:effectLst/>
+                <a:latin typeface="Consolas" panose="020B0609020204030204" pitchFamily="49" charset="0"/>
+              </a:rPr>
+              <a:t> {</a:t>
+            </a:r>
+          </a:p>
+          <a:p>
+            <a:pPr>
+              <a:lnSpc>
+                <a:spcPts val="1425"/>
+              </a:lnSpc>
+              <a:buNone/>
+            </a:pPr>
+            <a:r>
+              <a:rPr lang="nl-BE" sz="1400" b="0" dirty="0">
+                <a:solidFill>
+                  <a:srgbClr val="000000"/>
+                </a:solidFill>
+                <a:effectLst/>
+                <a:latin typeface="Consolas" panose="020B0609020204030204" pitchFamily="49" charset="0"/>
+              </a:rPr>
+              <a:t>    </a:t>
+            </a:r>
+            <a:r>
+              <a:rPr lang="nl-BE" sz="1400" b="0" dirty="0">
+                <a:solidFill>
+                  <a:srgbClr val="E50000"/>
+                </a:solidFill>
+                <a:effectLst/>
+                <a:latin typeface="Consolas" panose="020B0609020204030204" pitchFamily="49" charset="0"/>
+              </a:rPr>
+              <a:t>background-</a:t>
+            </a:r>
+            <a:r>
+              <a:rPr lang="nl-BE" sz="1400" b="0" dirty="0" err="1">
+                <a:solidFill>
+                  <a:srgbClr val="E50000"/>
+                </a:solidFill>
+                <a:effectLst/>
+                <a:latin typeface="Consolas" panose="020B0609020204030204" pitchFamily="49" charset="0"/>
+              </a:rPr>
+              <a:t>color</a:t>
+            </a:r>
+            <a:r>
+              <a:rPr lang="nl-BE" sz="1400" b="0" dirty="0">
+                <a:solidFill>
+                  <a:srgbClr val="000000"/>
+                </a:solidFill>
+                <a:effectLst/>
+                <a:latin typeface="Consolas" panose="020B0609020204030204" pitchFamily="49" charset="0"/>
+              </a:rPr>
+              <a:t>: </a:t>
+            </a:r>
+            <a:r>
+              <a:rPr lang="nl-BE" sz="1400" b="0" dirty="0" err="1">
+                <a:solidFill>
+                  <a:srgbClr val="0451A5"/>
+                </a:solidFill>
+                <a:effectLst/>
+                <a:latin typeface="Consolas" panose="020B0609020204030204" pitchFamily="49" charset="0"/>
+              </a:rPr>
+              <a:t>orange</a:t>
+            </a:r>
+            <a:r>
+              <a:rPr lang="nl-BE" sz="1400" b="0" dirty="0">
+                <a:solidFill>
+                  <a:srgbClr val="000000"/>
+                </a:solidFill>
+                <a:effectLst/>
+                <a:latin typeface="Consolas" panose="020B0609020204030204" pitchFamily="49" charset="0"/>
+              </a:rPr>
+              <a:t>;</a:t>
+            </a:r>
+          </a:p>
+          <a:p>
+            <a:pPr>
+              <a:lnSpc>
+                <a:spcPts val="1425"/>
+              </a:lnSpc>
+              <a:buNone/>
+            </a:pPr>
+            <a:r>
+              <a:rPr lang="nl-BE" sz="1400" b="0" dirty="0">
+                <a:solidFill>
+                  <a:srgbClr val="000000"/>
+                </a:solidFill>
+                <a:effectLst/>
+                <a:latin typeface="Consolas" panose="020B0609020204030204" pitchFamily="49" charset="0"/>
+              </a:rPr>
+              <a:t>}</a:t>
+            </a:r>
+          </a:p>
+          <a:p>
+            <a:pPr>
+              <a:lnSpc>
+                <a:spcPts val="1425"/>
+              </a:lnSpc>
+              <a:buNone/>
+            </a:pPr>
+            <a:r>
+              <a:rPr lang="nl-BE" sz="1400" b="0" dirty="0" err="1">
+                <a:solidFill>
+                  <a:srgbClr val="800000"/>
+                </a:solidFill>
+                <a:effectLst/>
+                <a:latin typeface="Consolas" panose="020B0609020204030204" pitchFamily="49" charset="0"/>
+              </a:rPr>
+              <a:t>p.pink</a:t>
+            </a:r>
+            <a:r>
+              <a:rPr lang="nl-BE" sz="1400" b="0" dirty="0">
+                <a:solidFill>
+                  <a:srgbClr val="000000"/>
+                </a:solidFill>
+                <a:effectLst/>
+                <a:latin typeface="Consolas" panose="020B0609020204030204" pitchFamily="49" charset="0"/>
+              </a:rPr>
+              <a:t>{</a:t>
+            </a:r>
+          </a:p>
+          <a:p>
+            <a:pPr>
+              <a:lnSpc>
+                <a:spcPts val="1425"/>
+              </a:lnSpc>
+              <a:buNone/>
+            </a:pPr>
+            <a:r>
+              <a:rPr lang="nl-BE" sz="1400" b="0" dirty="0">
+                <a:solidFill>
+                  <a:srgbClr val="000000"/>
+                </a:solidFill>
+                <a:effectLst/>
+                <a:latin typeface="Consolas" panose="020B0609020204030204" pitchFamily="49" charset="0"/>
+              </a:rPr>
+              <a:t>    </a:t>
+            </a:r>
+            <a:r>
+              <a:rPr lang="nl-BE" sz="1400" b="0" dirty="0">
+                <a:solidFill>
+                  <a:srgbClr val="E50000"/>
+                </a:solidFill>
+                <a:effectLst/>
+                <a:latin typeface="Consolas" panose="020B0609020204030204" pitchFamily="49" charset="0"/>
+              </a:rPr>
+              <a:t>background-</a:t>
+            </a:r>
+            <a:r>
+              <a:rPr lang="nl-BE" sz="1400" b="0" dirty="0" err="1">
+                <a:solidFill>
+                  <a:srgbClr val="E50000"/>
+                </a:solidFill>
+                <a:effectLst/>
+                <a:latin typeface="Consolas" panose="020B0609020204030204" pitchFamily="49" charset="0"/>
+              </a:rPr>
+              <a:t>color</a:t>
+            </a:r>
+            <a:r>
+              <a:rPr lang="nl-BE" sz="1400" b="0" dirty="0">
+                <a:solidFill>
+                  <a:srgbClr val="000000"/>
+                </a:solidFill>
+                <a:effectLst/>
+                <a:latin typeface="Consolas" panose="020B0609020204030204" pitchFamily="49" charset="0"/>
+              </a:rPr>
+              <a:t>: </a:t>
+            </a:r>
+            <a:r>
+              <a:rPr lang="nl-BE" sz="1400" b="0" dirty="0">
+                <a:solidFill>
+                  <a:srgbClr val="0451A5"/>
+                </a:solidFill>
+                <a:effectLst/>
+                <a:latin typeface="Consolas" panose="020B0609020204030204" pitchFamily="49" charset="0"/>
+              </a:rPr>
+              <a:t>pink</a:t>
+            </a:r>
+            <a:r>
+              <a:rPr lang="nl-BE" sz="1400" b="0" dirty="0">
+                <a:solidFill>
+                  <a:srgbClr val="000000"/>
+                </a:solidFill>
+                <a:effectLst/>
+                <a:latin typeface="Consolas" panose="020B0609020204030204" pitchFamily="49" charset="0"/>
+              </a:rPr>
+              <a:t>;</a:t>
+            </a:r>
+          </a:p>
+          <a:p>
+            <a:pPr>
+              <a:lnSpc>
+                <a:spcPts val="1425"/>
+              </a:lnSpc>
+              <a:buNone/>
+            </a:pPr>
+            <a:r>
+              <a:rPr lang="nl-BE" sz="1400" b="0" dirty="0">
+                <a:solidFill>
+                  <a:srgbClr val="000000"/>
+                </a:solidFill>
+                <a:effectLst/>
+                <a:latin typeface="Consolas" panose="020B0609020204030204" pitchFamily="49" charset="0"/>
+              </a:rPr>
+              <a:t>}</a:t>
+            </a:r>
+            <a:br>
+              <a:rPr lang="nl-BE" sz="1400" b="0" dirty="0">
+                <a:solidFill>
+                  <a:srgbClr val="000000"/>
+                </a:solidFill>
+                <a:effectLst/>
+                <a:latin typeface="Consolas" panose="020B0609020204030204" pitchFamily="49" charset="0"/>
+              </a:rPr>
+            </a:br>
+            <a:endParaRPr lang="nl-BE" sz="1400" b="0" dirty="0">
+              <a:solidFill>
+                <a:srgbClr val="000000"/>
+              </a:solidFill>
+              <a:effectLst/>
+              <a:latin typeface="Consolas" panose="020B0609020204030204" pitchFamily="49" charset="0"/>
+            </a:endParaRPr>
+          </a:p>
+          <a:p>
+            <a:pPr>
+              <a:lnSpc>
+                <a:spcPts val="1425"/>
+              </a:lnSpc>
+              <a:buNone/>
+            </a:pPr>
+            <a:r>
+              <a:rPr lang="nl-BE" sz="1400" b="0" dirty="0">
+                <a:solidFill>
+                  <a:srgbClr val="800000"/>
+                </a:solidFill>
+                <a:effectLst/>
+                <a:latin typeface="Consolas" panose="020B0609020204030204" pitchFamily="49" charset="0"/>
+              </a:rPr>
+              <a:t>div</a:t>
+            </a:r>
+            <a:r>
+              <a:rPr lang="nl-BE" sz="1400" b="0" dirty="0">
+                <a:solidFill>
+                  <a:srgbClr val="000000"/>
+                </a:solidFill>
+                <a:effectLst/>
+                <a:latin typeface="Consolas" panose="020B0609020204030204" pitchFamily="49" charset="0"/>
+              </a:rPr>
+              <a:t> </a:t>
+            </a:r>
+            <a:r>
+              <a:rPr lang="nl-BE" sz="1400" b="0" dirty="0">
+                <a:solidFill>
+                  <a:srgbClr val="800000"/>
+                </a:solidFill>
+                <a:effectLst/>
+                <a:latin typeface="Consolas" panose="020B0609020204030204" pitchFamily="49" charset="0"/>
+              </a:rPr>
+              <a:t>strong</a:t>
+            </a:r>
+            <a:r>
+              <a:rPr lang="nl-BE" sz="1400" b="0" dirty="0">
+                <a:solidFill>
+                  <a:srgbClr val="000000"/>
+                </a:solidFill>
+                <a:effectLst/>
+                <a:latin typeface="Consolas" panose="020B0609020204030204" pitchFamily="49" charset="0"/>
+              </a:rPr>
+              <a:t>{</a:t>
+            </a:r>
+          </a:p>
+          <a:p>
+            <a:pPr>
+              <a:lnSpc>
+                <a:spcPts val="1425"/>
+              </a:lnSpc>
+              <a:buNone/>
+            </a:pPr>
+            <a:r>
+              <a:rPr lang="nl-BE" sz="1400" b="0" dirty="0">
+                <a:solidFill>
+                  <a:srgbClr val="000000"/>
+                </a:solidFill>
+                <a:effectLst/>
+                <a:latin typeface="Consolas" panose="020B0609020204030204" pitchFamily="49" charset="0"/>
+              </a:rPr>
+              <a:t>    </a:t>
+            </a:r>
+            <a:r>
+              <a:rPr lang="nl-BE" sz="1400" b="0" dirty="0">
+                <a:solidFill>
+                  <a:srgbClr val="E50000"/>
+                </a:solidFill>
+                <a:effectLst/>
+                <a:latin typeface="Consolas" panose="020B0609020204030204" pitchFamily="49" charset="0"/>
+              </a:rPr>
+              <a:t>background-</a:t>
+            </a:r>
+            <a:r>
+              <a:rPr lang="nl-BE" sz="1400" b="0" dirty="0" err="1">
+                <a:solidFill>
+                  <a:srgbClr val="E50000"/>
+                </a:solidFill>
+                <a:effectLst/>
+                <a:latin typeface="Consolas" panose="020B0609020204030204" pitchFamily="49" charset="0"/>
+              </a:rPr>
+              <a:t>color</a:t>
+            </a:r>
+            <a:r>
+              <a:rPr lang="nl-BE" sz="1400" b="0" dirty="0">
+                <a:solidFill>
+                  <a:srgbClr val="000000"/>
+                </a:solidFill>
+                <a:effectLst/>
+                <a:latin typeface="Consolas" panose="020B0609020204030204" pitchFamily="49" charset="0"/>
+              </a:rPr>
+              <a:t>: </a:t>
+            </a:r>
+            <a:r>
+              <a:rPr lang="nl-BE" sz="1400" b="0" dirty="0" err="1">
+                <a:solidFill>
+                  <a:srgbClr val="0451A5"/>
+                </a:solidFill>
+                <a:effectLst/>
+                <a:latin typeface="Consolas" panose="020B0609020204030204" pitchFamily="49" charset="0"/>
+              </a:rPr>
+              <a:t>cyan</a:t>
+            </a:r>
+            <a:r>
+              <a:rPr lang="nl-BE" sz="1400" b="0" dirty="0">
+                <a:solidFill>
+                  <a:srgbClr val="000000"/>
+                </a:solidFill>
+                <a:effectLst/>
+                <a:latin typeface="Consolas" panose="020B0609020204030204" pitchFamily="49" charset="0"/>
+              </a:rPr>
+              <a:t>;</a:t>
+            </a:r>
+          </a:p>
+          <a:p>
+            <a:pPr>
+              <a:lnSpc>
+                <a:spcPts val="1425"/>
+              </a:lnSpc>
+              <a:buNone/>
+            </a:pPr>
+            <a:r>
+              <a:rPr lang="nl-BE" sz="1400" b="0" dirty="0">
+                <a:solidFill>
+                  <a:srgbClr val="000000"/>
+                </a:solidFill>
+                <a:effectLst/>
+                <a:latin typeface="Consolas" panose="020B0609020204030204" pitchFamily="49" charset="0"/>
+              </a:rPr>
+              <a:t>}</a:t>
+            </a:r>
+            <a:br>
+              <a:rPr lang="nl-BE" sz="1400" b="0" dirty="0">
+                <a:solidFill>
+                  <a:srgbClr val="000000"/>
+                </a:solidFill>
+                <a:effectLst/>
+                <a:latin typeface="Consolas" panose="020B0609020204030204" pitchFamily="49" charset="0"/>
+              </a:rPr>
+            </a:br>
+            <a:endParaRPr lang="nl-BE" sz="1400" b="0" dirty="0">
+              <a:solidFill>
+                <a:srgbClr val="000000"/>
+              </a:solidFill>
+              <a:effectLst/>
+              <a:latin typeface="Consolas" panose="020B0609020204030204" pitchFamily="49" charset="0"/>
+            </a:endParaRPr>
+          </a:p>
+          <a:p>
+            <a:pPr>
+              <a:lnSpc>
+                <a:spcPts val="1425"/>
+              </a:lnSpc>
+              <a:buNone/>
+            </a:pPr>
+            <a:r>
+              <a:rPr lang="nl-BE" sz="1400" b="0" dirty="0">
+                <a:solidFill>
+                  <a:srgbClr val="800000"/>
+                </a:solidFill>
+                <a:effectLst/>
+                <a:latin typeface="Consolas" panose="020B0609020204030204" pitchFamily="49" charset="0"/>
+              </a:rPr>
+              <a:t>div</a:t>
+            </a:r>
+            <a:r>
+              <a:rPr lang="nl-BE" sz="1400" b="0" dirty="0">
+                <a:solidFill>
+                  <a:srgbClr val="000000"/>
+                </a:solidFill>
+                <a:effectLst/>
+                <a:latin typeface="Consolas" panose="020B0609020204030204" pitchFamily="49" charset="0"/>
+              </a:rPr>
+              <a:t> &gt; </a:t>
+            </a:r>
+            <a:r>
+              <a:rPr lang="nl-BE" sz="1400" b="0" dirty="0">
+                <a:solidFill>
+                  <a:srgbClr val="800000"/>
+                </a:solidFill>
+                <a:effectLst/>
+                <a:latin typeface="Consolas" panose="020B0609020204030204" pitchFamily="49" charset="0"/>
+              </a:rPr>
+              <a:t>strong</a:t>
+            </a:r>
+            <a:r>
+              <a:rPr lang="nl-BE" sz="1400" b="0" dirty="0">
+                <a:solidFill>
+                  <a:srgbClr val="000000"/>
+                </a:solidFill>
+                <a:effectLst/>
+                <a:latin typeface="Consolas" panose="020B0609020204030204" pitchFamily="49" charset="0"/>
+              </a:rPr>
+              <a:t>{</a:t>
+            </a:r>
+          </a:p>
+          <a:p>
+            <a:pPr>
+              <a:lnSpc>
+                <a:spcPts val="1425"/>
+              </a:lnSpc>
+              <a:buNone/>
+            </a:pPr>
+            <a:r>
+              <a:rPr lang="nl-BE" sz="1400" b="0" dirty="0">
+                <a:solidFill>
+                  <a:srgbClr val="000000"/>
+                </a:solidFill>
+                <a:effectLst/>
+                <a:latin typeface="Consolas" panose="020B0609020204030204" pitchFamily="49" charset="0"/>
+              </a:rPr>
+              <a:t>    </a:t>
+            </a:r>
+            <a:r>
+              <a:rPr lang="nl-BE" sz="1400" b="0" dirty="0">
+                <a:solidFill>
+                  <a:srgbClr val="E50000"/>
+                </a:solidFill>
+                <a:effectLst/>
+                <a:latin typeface="Consolas" panose="020B0609020204030204" pitchFamily="49" charset="0"/>
+              </a:rPr>
+              <a:t>background-</a:t>
+            </a:r>
+            <a:r>
+              <a:rPr lang="nl-BE" sz="1400" b="0" dirty="0" err="1">
+                <a:solidFill>
+                  <a:srgbClr val="E50000"/>
+                </a:solidFill>
+                <a:effectLst/>
+                <a:latin typeface="Consolas" panose="020B0609020204030204" pitchFamily="49" charset="0"/>
+              </a:rPr>
+              <a:t>color</a:t>
+            </a:r>
+            <a:r>
+              <a:rPr lang="nl-BE" sz="1400" b="0" dirty="0">
+                <a:solidFill>
+                  <a:srgbClr val="000000"/>
+                </a:solidFill>
+                <a:effectLst/>
+                <a:latin typeface="Consolas" panose="020B0609020204030204" pitchFamily="49" charset="0"/>
+              </a:rPr>
+              <a:t>: </a:t>
+            </a:r>
+            <a:r>
+              <a:rPr lang="nl-BE" sz="1400" b="0" dirty="0" err="1">
+                <a:solidFill>
+                  <a:srgbClr val="0451A5"/>
+                </a:solidFill>
+                <a:effectLst/>
+                <a:latin typeface="Consolas" panose="020B0609020204030204" pitchFamily="49" charset="0"/>
+              </a:rPr>
+              <a:t>grey</a:t>
+            </a:r>
+            <a:r>
+              <a:rPr lang="nl-BE" sz="1400" b="0" dirty="0">
+                <a:solidFill>
+                  <a:srgbClr val="000000"/>
+                </a:solidFill>
+                <a:effectLst/>
+                <a:latin typeface="Consolas" panose="020B0609020204030204" pitchFamily="49" charset="0"/>
+              </a:rPr>
+              <a:t>;</a:t>
+            </a:r>
+          </a:p>
+          <a:p>
+            <a:pPr>
+              <a:lnSpc>
+                <a:spcPts val="1425"/>
+              </a:lnSpc>
+              <a:buNone/>
+            </a:pPr>
+            <a:r>
+              <a:rPr lang="nl-BE" sz="1400" b="0" dirty="0">
+                <a:solidFill>
+                  <a:srgbClr val="000000"/>
+                </a:solidFill>
+                <a:effectLst/>
+                <a:latin typeface="Consolas" panose="020B0609020204030204" pitchFamily="49" charset="0"/>
+              </a:rPr>
+              <a:t>}</a:t>
+            </a:r>
+          </a:p>
+        </p:txBody>
+      </p:sp>
+    </p:spTree>
+    <p:extLst>
+      <p:ext uri="{BB962C8B-B14F-4D97-AF65-F5344CB8AC3E}">
+        <p14:creationId xmlns:p14="http://schemas.microsoft.com/office/powerpoint/2010/main" val="3724582144"/>
+      </p:ext>
+    </p:extLst>
+  </p:cSld>
+  <p:clrMapOvr>
+    <a:masterClrMapping/>
+  </p:clrMapOvr>
+</p:sld>
+</file>
+
+<file path=ppt/slides/slide35.xml><?xml version="1.0" encoding="utf-8"?>
+<p:sld xmlns:a="http://schemas.openxmlformats.org/drawingml/2006/main" xmlns:r="http://schemas.openxmlformats.org/officeDocument/2006/relationships" xmlns:p="http://schemas.openxmlformats.org/presentationml/2006/main">
+  <p:cSld>
+    <p:spTree>
+      <p:nvGrpSpPr>
+        <p:cNvPr id="1" name=""/>
+        <p:cNvGrpSpPr/>
+        <p:nvPr/>
+      </p:nvGrpSpPr>
+      <p:grpSpPr>
+        <a:xfrm>
+          <a:off x="0" y="0"/>
+          <a:ext cx="0" cy="0"/>
+          <a:chOff x="0" y="0"/>
+          <a:chExt cx="0" cy="0"/>
+        </a:xfrm>
+      </p:grpSpPr>
+      <p:sp>
+        <p:nvSpPr>
+          <p:cNvPr id="2" name="Titel 1">
+            <a:extLst>
+              <a:ext uri="{FF2B5EF4-FFF2-40B4-BE49-F238E27FC236}">
+                <a16:creationId xmlns:a16="http://schemas.microsoft.com/office/drawing/2014/main" id="{93921871-7743-4622-D77C-9DC5B7CC02B5}"/>
+              </a:ext>
+            </a:extLst>
+          </p:cNvPr>
+          <p:cNvSpPr>
+            <a:spLocks noGrp="1"/>
+          </p:cNvSpPr>
+          <p:nvPr>
+            <p:ph type="title"/>
+          </p:nvPr>
+        </p:nvSpPr>
+        <p:spPr/>
+        <p:txBody>
+          <a:bodyPr/>
+          <a:lstStyle/>
+          <a:p>
+            <a:r>
+              <a:rPr lang="nl-BE" dirty="0"/>
+              <a:t>eigenschappen</a:t>
+            </a:r>
+          </a:p>
+        </p:txBody>
+      </p:sp>
+      <p:sp>
+        <p:nvSpPr>
+          <p:cNvPr id="3" name="Tijdelijke aanduiding voor inhoud 2">
+            <a:extLst>
+              <a:ext uri="{FF2B5EF4-FFF2-40B4-BE49-F238E27FC236}">
+                <a16:creationId xmlns:a16="http://schemas.microsoft.com/office/drawing/2014/main" id="{63C23151-D61C-FF5B-E4F5-55F973585E16}"/>
+              </a:ext>
+            </a:extLst>
+          </p:cNvPr>
+          <p:cNvSpPr>
+            <a:spLocks noGrp="1"/>
+          </p:cNvSpPr>
+          <p:nvPr>
+            <p:ph idx="1"/>
+          </p:nvPr>
+        </p:nvSpPr>
+        <p:spPr>
+          <a:xfrm>
+            <a:off x="581192" y="2116667"/>
+            <a:ext cx="11029615" cy="4334933"/>
+          </a:xfrm>
+        </p:spPr>
+        <p:txBody>
+          <a:bodyPr>
+            <a:normAutofit/>
+          </a:bodyPr>
+          <a:lstStyle/>
+          <a:p>
+            <a:r>
+              <a:rPr lang="nl-BE" dirty="0"/>
+              <a:t>background-</a:t>
+            </a:r>
+            <a:r>
+              <a:rPr lang="nl-BE" dirty="0" err="1"/>
+              <a:t>color</a:t>
+            </a:r>
+            <a:r>
+              <a:rPr lang="nl-BE" dirty="0"/>
+              <a:t>: achtergrondkleur</a:t>
+            </a:r>
+          </a:p>
+          <a:p>
+            <a:r>
+              <a:rPr lang="nl-BE" dirty="0" err="1"/>
+              <a:t>color</a:t>
+            </a:r>
+            <a:r>
+              <a:rPr lang="nl-BE" dirty="0"/>
+              <a:t>: tekstkleur</a:t>
+            </a:r>
+          </a:p>
+          <a:p>
+            <a:r>
+              <a:rPr lang="nl-BE" dirty="0"/>
+              <a:t>font-family: lettertype</a:t>
+            </a:r>
+          </a:p>
+          <a:p>
+            <a:r>
+              <a:rPr lang="nl-BE" dirty="0"/>
+              <a:t>font-</a:t>
+            </a:r>
+            <a:r>
+              <a:rPr lang="nl-BE" dirty="0" err="1"/>
+              <a:t>size</a:t>
+            </a:r>
+            <a:r>
+              <a:rPr lang="nl-BE" dirty="0"/>
+              <a:t>: tekstgrootte</a:t>
+            </a:r>
+          </a:p>
+          <a:p>
+            <a:r>
+              <a:rPr lang="nl-BE" dirty="0"/>
+              <a:t>font-</a:t>
+            </a:r>
+            <a:r>
+              <a:rPr lang="nl-BE" dirty="0" err="1"/>
+              <a:t>weight</a:t>
+            </a:r>
+            <a:r>
+              <a:rPr lang="nl-BE" dirty="0"/>
+              <a:t>: dikte (</a:t>
+            </a:r>
+            <a:r>
+              <a:rPr lang="nl-BE" dirty="0" err="1"/>
+              <a:t>normal</a:t>
+            </a:r>
+            <a:r>
+              <a:rPr lang="nl-BE" dirty="0"/>
+              <a:t>, </a:t>
+            </a:r>
+            <a:r>
+              <a:rPr lang="nl-BE" dirty="0" err="1"/>
+              <a:t>bold</a:t>
+            </a:r>
+            <a:r>
+              <a:rPr lang="nl-BE" dirty="0"/>
+              <a:t>)</a:t>
+            </a:r>
+          </a:p>
+          <a:p>
+            <a:r>
+              <a:rPr lang="nl-BE" dirty="0" err="1"/>
+              <a:t>text-align</a:t>
+            </a:r>
+            <a:r>
+              <a:rPr lang="nl-BE" dirty="0"/>
+              <a:t>: uitlijning (</a:t>
+            </a:r>
+            <a:r>
+              <a:rPr lang="nl-BE" dirty="0" err="1"/>
+              <a:t>left</a:t>
+            </a:r>
+            <a:r>
+              <a:rPr lang="nl-BE" dirty="0"/>
+              <a:t>, center, right, </a:t>
+            </a:r>
+            <a:r>
+              <a:rPr lang="nl-BE" dirty="0" err="1"/>
+              <a:t>justify</a:t>
+            </a:r>
+            <a:r>
+              <a:rPr lang="nl-BE" dirty="0"/>
+              <a:t>)</a:t>
+            </a:r>
+          </a:p>
+          <a:p>
+            <a:r>
+              <a:rPr lang="nl-BE" dirty="0" err="1"/>
+              <a:t>text-decoration</a:t>
+            </a:r>
+            <a:r>
+              <a:rPr lang="nl-BE" dirty="0"/>
+              <a:t>: onderlijnen (none, </a:t>
+            </a:r>
+            <a:r>
+              <a:rPr lang="nl-BE" dirty="0" err="1"/>
+              <a:t>underline</a:t>
+            </a:r>
+            <a:r>
+              <a:rPr lang="nl-BE" dirty="0"/>
+              <a:t>)</a:t>
+            </a:r>
+          </a:p>
+          <a:p>
+            <a:r>
+              <a:rPr lang="nl-BE" dirty="0"/>
+              <a:t>border: …</a:t>
+            </a:r>
+            <a:r>
+              <a:rPr lang="nl-BE" dirty="0" err="1"/>
+              <a:t>px</a:t>
+            </a:r>
+            <a:r>
+              <a:rPr lang="nl-BE" dirty="0"/>
+              <a:t> type kleur (bv. 1px </a:t>
+            </a:r>
+            <a:r>
+              <a:rPr lang="nl-BE" dirty="0" err="1"/>
+              <a:t>solid</a:t>
+            </a:r>
+            <a:r>
+              <a:rPr lang="nl-BE" dirty="0"/>
+              <a:t> black)</a:t>
+            </a:r>
+          </a:p>
+          <a:p>
+            <a:r>
+              <a:rPr lang="nl-BE" dirty="0" err="1"/>
+              <a:t>width</a:t>
+            </a:r>
+            <a:r>
+              <a:rPr lang="nl-BE" dirty="0"/>
+              <a:t>: breedte</a:t>
+            </a:r>
+          </a:p>
+          <a:p>
+            <a:r>
+              <a:rPr lang="nl-BE" dirty="0" err="1"/>
+              <a:t>height</a:t>
+            </a:r>
+            <a:r>
+              <a:rPr lang="nl-BE" dirty="0"/>
+              <a:t>: hoogte</a:t>
+            </a:r>
+          </a:p>
+        </p:txBody>
+      </p:sp>
+    </p:spTree>
+    <p:extLst>
+      <p:ext uri="{BB962C8B-B14F-4D97-AF65-F5344CB8AC3E}">
+        <p14:creationId xmlns:p14="http://schemas.microsoft.com/office/powerpoint/2010/main" val="3466630859"/>
+      </p:ext>
+    </p:extLst>
+  </p:cSld>
+  <p:clrMapOvr>
+    <a:masterClrMapping/>
+  </p:clrMapOvr>
+</p:sld>
+</file>
+
+<file path=ppt/slides/slide36.xml><?xml version="1.0" encoding="utf-8"?>
+<p:sld xmlns:a="http://schemas.openxmlformats.org/drawingml/2006/main" xmlns:r="http://schemas.openxmlformats.org/officeDocument/2006/relationships" xmlns:p="http://schemas.openxmlformats.org/presentationml/2006/main">
+  <p:cSld>
+    <p:spTree>
+      <p:nvGrpSpPr>
+        <p:cNvPr id="1" name="">
+          <a:extLst>
+            <a:ext uri="{FF2B5EF4-FFF2-40B4-BE49-F238E27FC236}">
+              <a16:creationId xmlns:a16="http://schemas.microsoft.com/office/drawing/2014/main" id="{C6064CD0-11EA-4B65-8D5E-C0F8F93761E5}"/>
+            </a:ext>
+          </a:extLst>
+        </p:cNvPr>
+        <p:cNvGrpSpPr/>
+        <p:nvPr/>
+      </p:nvGrpSpPr>
+      <p:grpSpPr>
+        <a:xfrm>
+          <a:off x="0" y="0"/>
+          <a:ext cx="0" cy="0"/>
+          <a:chOff x="0" y="0"/>
+          <a:chExt cx="0" cy="0"/>
+        </a:xfrm>
+      </p:grpSpPr>
+      <p:sp>
+        <p:nvSpPr>
+          <p:cNvPr id="2" name="Titel 1">
+            <a:extLst>
+              <a:ext uri="{FF2B5EF4-FFF2-40B4-BE49-F238E27FC236}">
+                <a16:creationId xmlns:a16="http://schemas.microsoft.com/office/drawing/2014/main" id="{EE97D044-1506-7668-1ACE-B541FF5361FD}"/>
+              </a:ext>
+            </a:extLst>
+          </p:cNvPr>
+          <p:cNvSpPr>
+            <a:spLocks noGrp="1"/>
+          </p:cNvSpPr>
+          <p:nvPr>
+            <p:ph type="title"/>
+          </p:nvPr>
+        </p:nvSpPr>
+        <p:spPr/>
+        <p:txBody>
+          <a:bodyPr/>
+          <a:lstStyle/>
+          <a:p>
+            <a:r>
+              <a:rPr lang="nl-BE" dirty="0"/>
+              <a:t>eigenschappen: Kleuren</a:t>
+            </a:r>
+          </a:p>
+        </p:txBody>
+      </p:sp>
+      <p:sp>
+        <p:nvSpPr>
+          <p:cNvPr id="3" name="Tijdelijke aanduiding voor inhoud 2">
+            <a:extLst>
+              <a:ext uri="{FF2B5EF4-FFF2-40B4-BE49-F238E27FC236}">
+                <a16:creationId xmlns:a16="http://schemas.microsoft.com/office/drawing/2014/main" id="{E57CB285-4E52-D8FC-8EF9-A7D1133C8F68}"/>
+              </a:ext>
+            </a:extLst>
+          </p:cNvPr>
+          <p:cNvSpPr>
+            <a:spLocks noGrp="1"/>
+          </p:cNvSpPr>
+          <p:nvPr>
+            <p:ph idx="1"/>
+          </p:nvPr>
+        </p:nvSpPr>
+        <p:spPr/>
+        <p:txBody>
+          <a:bodyPr/>
+          <a:lstStyle/>
+          <a:p>
+            <a:r>
+              <a:rPr lang="nl-BE" dirty="0"/>
+              <a:t>Vooraf gedefinieerde kleuren: black, green, red, </a:t>
+            </a:r>
+            <a:r>
+              <a:rPr lang="nl-BE" dirty="0" err="1"/>
+              <a:t>yellow</a:t>
+            </a:r>
+            <a:r>
+              <a:rPr lang="nl-BE" dirty="0"/>
+              <a:t>, …, </a:t>
+            </a:r>
+            <a:r>
+              <a:rPr lang="nl-BE" dirty="0" err="1"/>
+              <a:t>salmon</a:t>
+            </a:r>
+            <a:r>
+              <a:rPr lang="nl-BE" dirty="0"/>
+              <a:t>, </a:t>
+            </a:r>
+            <a:r>
+              <a:rPr lang="nl-BE" dirty="0" err="1"/>
+              <a:t>lightblue</a:t>
+            </a:r>
+            <a:r>
+              <a:rPr lang="nl-BE" dirty="0"/>
+              <a:t>, </a:t>
+            </a:r>
+            <a:r>
+              <a:rPr lang="nl-BE" dirty="0" err="1"/>
+              <a:t>cornsilk</a:t>
+            </a:r>
+            <a:r>
+              <a:rPr lang="nl-BE" dirty="0"/>
+              <a:t>, …</a:t>
+            </a:r>
+          </a:p>
+          <a:p>
+            <a:r>
+              <a:rPr lang="nl-BE" dirty="0"/>
+              <a:t>Eigen kleuren:</a:t>
+            </a:r>
+          </a:p>
+          <a:p>
+            <a:pPr lvl="1"/>
+            <a:r>
+              <a:rPr lang="nl-BE" dirty="0"/>
+              <a:t>RGB (</a:t>
+            </a:r>
+            <a:r>
+              <a:rPr lang="nl-BE" dirty="0" err="1"/>
+              <a:t>Red,Green,Blue</a:t>
+            </a:r>
+            <a:r>
+              <a:rPr lang="nl-BE" dirty="0"/>
+              <a:t>): combinatie van 3 kleuren (0-255 per kleur): </a:t>
+            </a:r>
+            <a:r>
+              <a:rPr lang="nl-BE" dirty="0">
+                <a:hlinkClick r:id="rId2"/>
+              </a:rPr>
+              <a:t>https://share.google/0pBR33foiEkki6AAg</a:t>
+            </a:r>
+            <a:endParaRPr lang="nl-BE" dirty="0"/>
+          </a:p>
+          <a:p>
+            <a:pPr lvl="2"/>
+            <a:r>
+              <a:rPr lang="nl-BE" dirty="0"/>
+              <a:t>(0-255,0-255,0-255) of </a:t>
+            </a:r>
+            <a:r>
+              <a:rPr lang="nl-BE" dirty="0" err="1"/>
+              <a:t>hex</a:t>
+            </a:r>
+            <a:r>
+              <a:rPr lang="nl-BE" dirty="0"/>
+              <a:t>: </a:t>
+            </a:r>
+            <a:r>
+              <a:rPr lang="nl-BE" dirty="0">
+                <a:hlinkClick r:id="rId3"/>
+              </a:rPr>
+              <a:t>https://share.google/E5pHoJpTk3ROo5yqP</a:t>
+            </a:r>
+            <a:r>
+              <a:rPr lang="nl-BE" dirty="0"/>
+              <a:t> </a:t>
+            </a:r>
+          </a:p>
+          <a:p>
+            <a:pPr lvl="1"/>
+            <a:r>
+              <a:rPr lang="nl-BE" dirty="0"/>
+              <a:t>HSL (</a:t>
+            </a:r>
+            <a:r>
+              <a:rPr lang="nl-BE" dirty="0" err="1"/>
+              <a:t>Hue</a:t>
+            </a:r>
+            <a:r>
+              <a:rPr lang="nl-BE" dirty="0"/>
+              <a:t> </a:t>
+            </a:r>
+            <a:r>
+              <a:rPr lang="nl-BE" dirty="0" err="1"/>
+              <a:t>Saturation</a:t>
+            </a:r>
+            <a:r>
+              <a:rPr lang="nl-BE" dirty="0"/>
+              <a:t> </a:t>
+            </a:r>
+            <a:r>
+              <a:rPr lang="nl-BE" dirty="0" err="1"/>
+              <a:t>Lightness</a:t>
+            </a:r>
+            <a:r>
+              <a:rPr lang="nl-BE" dirty="0"/>
+              <a:t>): </a:t>
+            </a:r>
+            <a:r>
+              <a:rPr lang="nl-BE" dirty="0">
+                <a:hlinkClick r:id="rId4"/>
+              </a:rPr>
+              <a:t>https://www.hslpicker.com/</a:t>
+            </a:r>
+            <a:r>
+              <a:rPr lang="nl-BE" dirty="0"/>
+              <a:t> </a:t>
+            </a:r>
+          </a:p>
+          <a:p>
+            <a:r>
+              <a:rPr lang="nl-BE" dirty="0"/>
+              <a:t>Ga spaarzaam om met kleur. </a:t>
+            </a:r>
+            <a:r>
+              <a:rPr lang="nl-BE" dirty="0" err="1"/>
+              <a:t>Less</a:t>
+            </a:r>
+            <a:r>
+              <a:rPr lang="nl-BE" dirty="0"/>
+              <a:t> is more!</a:t>
+            </a:r>
+          </a:p>
+        </p:txBody>
+      </p:sp>
+    </p:spTree>
+    <p:extLst>
+      <p:ext uri="{BB962C8B-B14F-4D97-AF65-F5344CB8AC3E}">
+        <p14:creationId xmlns:p14="http://schemas.microsoft.com/office/powerpoint/2010/main" val="1178364668"/>
+      </p:ext>
+    </p:extLst>
+  </p:cSld>
+  <p:clrMapOvr>
+    <a:masterClrMapping/>
+  </p:clrMapOvr>
+</p:sld>
+</file>
+
+<file path=ppt/slides/slide37.xml><?xml version="1.0" encoding="utf-8"?>
+<p:sld xmlns:a="http://schemas.openxmlformats.org/drawingml/2006/main" xmlns:r="http://schemas.openxmlformats.org/officeDocument/2006/relationships" xmlns:p="http://schemas.openxmlformats.org/presentationml/2006/main">
+  <p:cSld>
+    <p:spTree>
+      <p:nvGrpSpPr>
+        <p:cNvPr id="1" name="">
+          <a:extLst>
+            <a:ext uri="{FF2B5EF4-FFF2-40B4-BE49-F238E27FC236}">
+              <a16:creationId xmlns:a16="http://schemas.microsoft.com/office/drawing/2014/main" id="{8E5AE0C8-B089-E329-CDD3-3A45CC4C20E1}"/>
+            </a:ext>
+          </a:extLst>
+        </p:cNvPr>
+        <p:cNvGrpSpPr/>
+        <p:nvPr/>
+      </p:nvGrpSpPr>
+      <p:grpSpPr>
+        <a:xfrm>
+          <a:off x="0" y="0"/>
+          <a:ext cx="0" cy="0"/>
+          <a:chOff x="0" y="0"/>
+          <a:chExt cx="0" cy="0"/>
+        </a:xfrm>
+      </p:grpSpPr>
+      <p:sp>
+        <p:nvSpPr>
+          <p:cNvPr id="2" name="Titel 1">
+            <a:extLst>
+              <a:ext uri="{FF2B5EF4-FFF2-40B4-BE49-F238E27FC236}">
+                <a16:creationId xmlns:a16="http://schemas.microsoft.com/office/drawing/2014/main" id="{152E0489-B89D-A8D5-FF33-BA5E61DA6278}"/>
+              </a:ext>
+            </a:extLst>
+          </p:cNvPr>
+          <p:cNvSpPr>
+            <a:spLocks noGrp="1"/>
+          </p:cNvSpPr>
+          <p:nvPr>
+            <p:ph type="title"/>
+          </p:nvPr>
+        </p:nvSpPr>
+        <p:spPr/>
+        <p:txBody>
+          <a:bodyPr/>
+          <a:lstStyle/>
+          <a:p>
+            <a:r>
+              <a:rPr lang="nl-BE" dirty="0"/>
+              <a:t>eigenschappen: afstanden</a:t>
+            </a:r>
+          </a:p>
+        </p:txBody>
+      </p:sp>
+      <p:sp>
+        <p:nvSpPr>
+          <p:cNvPr id="3" name="Tijdelijke aanduiding voor inhoud 2">
+            <a:extLst>
+              <a:ext uri="{FF2B5EF4-FFF2-40B4-BE49-F238E27FC236}">
+                <a16:creationId xmlns:a16="http://schemas.microsoft.com/office/drawing/2014/main" id="{F38445A9-E3BC-38F6-0595-C05BDE8A6DC1}"/>
+              </a:ext>
+            </a:extLst>
+          </p:cNvPr>
+          <p:cNvSpPr>
+            <a:spLocks noGrp="1"/>
+          </p:cNvSpPr>
+          <p:nvPr>
+            <p:ph idx="1"/>
+          </p:nvPr>
+        </p:nvSpPr>
+        <p:spPr>
+          <a:xfrm>
+            <a:off x="581192" y="2340863"/>
+            <a:ext cx="11029615" cy="4347803"/>
+          </a:xfrm>
+        </p:spPr>
+        <p:txBody>
+          <a:bodyPr/>
+          <a:lstStyle/>
+          <a:p>
+            <a:r>
+              <a:rPr lang="nl-BE" dirty="0" err="1"/>
+              <a:t>Margin</a:t>
+            </a:r>
+            <a:r>
+              <a:rPr lang="nl-BE" dirty="0"/>
+              <a:t>:</a:t>
+            </a:r>
+          </a:p>
+          <a:p>
+            <a:pPr lvl="1"/>
+            <a:r>
+              <a:rPr lang="nl-BE" dirty="0"/>
+              <a:t>auto: horizontaal centreren</a:t>
+            </a:r>
+          </a:p>
+          <a:p>
+            <a:pPr lvl="1"/>
+            <a:r>
+              <a:rPr lang="nl-BE" dirty="0" err="1"/>
+              <a:t>inherit</a:t>
+            </a:r>
+            <a:r>
+              <a:rPr lang="nl-BE" dirty="0"/>
+              <a:t>: overnemen van </a:t>
+            </a:r>
+            <a:r>
+              <a:rPr lang="nl-BE" dirty="0" err="1"/>
+              <a:t>parent</a:t>
+            </a:r>
+            <a:r>
+              <a:rPr lang="nl-BE" dirty="0"/>
+              <a:t>-element</a:t>
+            </a:r>
+          </a:p>
+          <a:p>
+            <a:pPr lvl="1"/>
+            <a:r>
+              <a:rPr lang="nl-BE" dirty="0"/>
+              <a:t>Notaties (zelfde bij padding):</a:t>
+            </a:r>
+          </a:p>
+          <a:p>
+            <a:pPr lvl="2"/>
+            <a:r>
+              <a:rPr lang="nl-BE" dirty="0"/>
+              <a:t>20px: overal 20 </a:t>
+            </a:r>
+            <a:r>
+              <a:rPr lang="nl-BE" dirty="0" err="1"/>
+              <a:t>px</a:t>
+            </a:r>
+            <a:endParaRPr lang="nl-BE" dirty="0"/>
+          </a:p>
+          <a:p>
+            <a:pPr lvl="2"/>
+            <a:r>
+              <a:rPr lang="nl-BE" dirty="0"/>
+              <a:t>10px 20px: onder en boven 10 </a:t>
+            </a:r>
+            <a:r>
+              <a:rPr lang="nl-BE" dirty="0" err="1"/>
+              <a:t>px</a:t>
+            </a:r>
+            <a:r>
+              <a:rPr lang="nl-BE" dirty="0"/>
+              <a:t>, links en rechts 20px</a:t>
+            </a:r>
+          </a:p>
+          <a:p>
+            <a:pPr lvl="2"/>
+            <a:r>
+              <a:rPr lang="nl-BE" dirty="0"/>
+              <a:t>10px 20px 30px: boven 10px, links en rechts 20px, onder 30 </a:t>
+            </a:r>
+            <a:r>
+              <a:rPr lang="nl-BE" dirty="0" err="1"/>
+              <a:t>px</a:t>
+            </a:r>
+            <a:endParaRPr lang="nl-BE" dirty="0"/>
+          </a:p>
+          <a:p>
+            <a:pPr lvl="2"/>
+            <a:r>
+              <a:rPr lang="nl-BE" dirty="0"/>
+              <a:t>1px 2px 3px 4px: boven 1px, rechts 2px, onder 3px, links 4px</a:t>
+            </a:r>
+          </a:p>
+        </p:txBody>
+      </p:sp>
+      <p:pic>
+        <p:nvPicPr>
+          <p:cNvPr id="1026" name="Picture 2" descr="The Box Model: Padding, Border, Margin: CSS Tutorial">
+            <a:extLst>
+              <a:ext uri="{FF2B5EF4-FFF2-40B4-BE49-F238E27FC236}">
+                <a16:creationId xmlns:a16="http://schemas.microsoft.com/office/drawing/2014/main" id="{52733B40-C599-5904-4A3C-8F1644702EB2}"/>
+              </a:ext>
+            </a:extLst>
+          </p:cNvPr>
+          <p:cNvPicPr>
+            <a:picLocks noChangeAspect="1" noChangeArrowheads="1"/>
+          </p:cNvPicPr>
+          <p:nvPr/>
+        </p:nvPicPr>
+        <p:blipFill>
+          <a:blip r:embed="rId2">
+            <a:extLst>
+              <a:ext uri="{28A0092B-C50C-407E-A947-70E740481C1C}">
+                <a14:useLocalDpi xmlns:a14="http://schemas.microsoft.com/office/drawing/2010/main" val="0"/>
+              </a:ext>
+            </a:extLst>
+          </a:blip>
+          <a:srcRect/>
+          <a:stretch>
+            <a:fillRect/>
+          </a:stretch>
+        </p:blipFill>
+        <p:spPr bwMode="auto">
+          <a:xfrm>
+            <a:off x="7047287" y="2395335"/>
+            <a:ext cx="4563520" cy="3525543"/>
+          </a:xfrm>
+          <a:prstGeom prst="rect">
+            <a:avLst/>
+          </a:prstGeom>
+          <a:noFill/>
+          <a:extLst>
+            <a:ext uri="{909E8E84-426E-40DD-AFC4-6F175D3DCCD1}">
+              <a14:hiddenFill xmlns:a14="http://schemas.microsoft.com/office/drawing/2010/main">
+                <a:solidFill>
+                  <a:srgbClr val="FFFFFF"/>
+                </a:solidFill>
+              </a14:hiddenFill>
+            </a:ext>
+          </a:extLst>
+        </p:spPr>
+      </p:pic>
+    </p:spTree>
+    <p:extLst>
+      <p:ext uri="{BB962C8B-B14F-4D97-AF65-F5344CB8AC3E}">
+        <p14:creationId xmlns:p14="http://schemas.microsoft.com/office/powerpoint/2010/main" val="2529747929"/>
+      </p:ext>
+    </p:extLst>
+  </p:cSld>
+  <p:clrMapOvr>
+    <a:masterClrMapping/>
+  </p:clrMapOvr>
+</p:sld>
+</file>
+
+<file path=ppt/slides/slide38.xml><?xml version="1.0" encoding="utf-8"?>
+<p:sld xmlns:a="http://schemas.openxmlformats.org/drawingml/2006/main" xmlns:r="http://schemas.openxmlformats.org/officeDocument/2006/relationships" xmlns:p="http://schemas.openxmlformats.org/presentationml/2006/main">
+  <p:cSld>
+    <p:spTree>
+      <p:nvGrpSpPr>
+        <p:cNvPr id="1" name="">
+          <a:extLst>
+            <a:ext uri="{FF2B5EF4-FFF2-40B4-BE49-F238E27FC236}">
+              <a16:creationId xmlns:a16="http://schemas.microsoft.com/office/drawing/2014/main" id="{1B44CDDF-36A5-3594-50CD-8A764085421C}"/>
+            </a:ext>
+          </a:extLst>
+        </p:cNvPr>
+        <p:cNvGrpSpPr/>
+        <p:nvPr/>
+      </p:nvGrpSpPr>
+      <p:grpSpPr>
+        <a:xfrm>
+          <a:off x="0" y="0"/>
+          <a:ext cx="0" cy="0"/>
+          <a:chOff x="0" y="0"/>
+          <a:chExt cx="0" cy="0"/>
+        </a:xfrm>
+      </p:grpSpPr>
+      <p:sp>
+        <p:nvSpPr>
+          <p:cNvPr id="2" name="Titel 1">
+            <a:extLst>
+              <a:ext uri="{FF2B5EF4-FFF2-40B4-BE49-F238E27FC236}">
+                <a16:creationId xmlns:a16="http://schemas.microsoft.com/office/drawing/2014/main" id="{88CD223F-D39A-137D-7ABA-5F7FAA27B5C4}"/>
+              </a:ext>
+            </a:extLst>
+          </p:cNvPr>
+          <p:cNvSpPr>
+            <a:spLocks noGrp="1"/>
+          </p:cNvSpPr>
+          <p:nvPr>
+            <p:ph type="title"/>
+          </p:nvPr>
+        </p:nvSpPr>
+        <p:spPr/>
+        <p:txBody>
+          <a:bodyPr/>
+          <a:lstStyle/>
+          <a:p>
+            <a:r>
+              <a:rPr lang="nl-BE" dirty="0"/>
+              <a:t>eigenschappen: afstanden</a:t>
+            </a:r>
+          </a:p>
+        </p:txBody>
+      </p:sp>
+      <p:sp>
+        <p:nvSpPr>
+          <p:cNvPr id="3" name="Tijdelijke aanduiding voor inhoud 2">
+            <a:extLst>
+              <a:ext uri="{FF2B5EF4-FFF2-40B4-BE49-F238E27FC236}">
+                <a16:creationId xmlns:a16="http://schemas.microsoft.com/office/drawing/2014/main" id="{D10F50C6-B7E2-B3F9-A3C6-6CCF9DE77139}"/>
+              </a:ext>
+            </a:extLst>
+          </p:cNvPr>
+          <p:cNvSpPr>
+            <a:spLocks noGrp="1"/>
+          </p:cNvSpPr>
+          <p:nvPr>
+            <p:ph idx="1"/>
+          </p:nvPr>
+        </p:nvSpPr>
+        <p:spPr>
+          <a:xfrm>
+            <a:off x="581192" y="2340863"/>
+            <a:ext cx="11029615" cy="4347803"/>
+          </a:xfrm>
+        </p:spPr>
+        <p:txBody>
+          <a:bodyPr/>
+          <a:lstStyle/>
+          <a:p>
+            <a:r>
+              <a:rPr lang="nl-BE" dirty="0" err="1"/>
+              <a:t>Width</a:t>
+            </a:r>
+            <a:r>
+              <a:rPr lang="nl-BE" dirty="0"/>
+              <a:t>/</a:t>
+            </a:r>
+            <a:r>
+              <a:rPr lang="nl-BE" dirty="0" err="1"/>
+              <a:t>Height</a:t>
+            </a:r>
+            <a:r>
+              <a:rPr lang="nl-BE" dirty="0"/>
+              <a:t>:</a:t>
+            </a:r>
+          </a:p>
+          <a:p>
+            <a:pPr lvl="1"/>
+            <a:r>
+              <a:rPr lang="nl-BE" dirty="0"/>
+              <a:t>auto</a:t>
+            </a:r>
+          </a:p>
+          <a:p>
+            <a:pPr lvl="1"/>
+            <a:r>
+              <a:rPr lang="nl-BE" dirty="0" err="1"/>
+              <a:t>initial</a:t>
+            </a:r>
+            <a:r>
+              <a:rPr lang="nl-BE" dirty="0"/>
+              <a:t> (</a:t>
+            </a:r>
+            <a:r>
+              <a:rPr lang="nl-BE" dirty="0" err="1"/>
+              <a:t>initaliseren</a:t>
+            </a:r>
+            <a:r>
+              <a:rPr lang="nl-BE" dirty="0"/>
+              <a:t>)</a:t>
+            </a:r>
+          </a:p>
+          <a:p>
+            <a:pPr lvl="1"/>
+            <a:r>
+              <a:rPr lang="nl-BE" dirty="0" err="1"/>
+              <a:t>inherit</a:t>
+            </a:r>
+            <a:r>
+              <a:rPr lang="nl-BE" dirty="0"/>
+              <a:t>: overnemen van </a:t>
+            </a:r>
+            <a:r>
+              <a:rPr lang="nl-BE" dirty="0" err="1"/>
+              <a:t>parent</a:t>
+            </a:r>
+            <a:r>
+              <a:rPr lang="nl-BE" dirty="0"/>
+              <a:t>-element</a:t>
+            </a:r>
+          </a:p>
+          <a:p>
+            <a:pPr lvl="1"/>
+            <a:r>
+              <a:rPr lang="nl-BE" dirty="0" err="1"/>
+              <a:t>length</a:t>
+            </a:r>
+            <a:r>
+              <a:rPr lang="nl-BE" dirty="0"/>
+              <a:t> (vaste waarde): </a:t>
+            </a:r>
+            <a:r>
+              <a:rPr lang="nl-BE" dirty="0" err="1"/>
+              <a:t>px</a:t>
+            </a:r>
+            <a:r>
+              <a:rPr lang="nl-BE" dirty="0"/>
+              <a:t>, cm, …</a:t>
+            </a:r>
+          </a:p>
+          <a:p>
+            <a:pPr lvl="1"/>
+            <a:r>
+              <a:rPr lang="nl-BE" dirty="0"/>
+              <a:t>%: op basis van hoogte/breedte van </a:t>
+            </a:r>
+            <a:r>
+              <a:rPr lang="nl-BE" dirty="0" err="1"/>
+              <a:t>parent</a:t>
+            </a:r>
+            <a:r>
+              <a:rPr lang="nl-BE" dirty="0"/>
+              <a:t>-element</a:t>
+            </a:r>
+          </a:p>
+        </p:txBody>
+      </p:sp>
+      <p:pic>
+        <p:nvPicPr>
+          <p:cNvPr id="1026" name="Picture 2" descr="The Box Model: Padding, Border, Margin: CSS Tutorial">
+            <a:extLst>
+              <a:ext uri="{FF2B5EF4-FFF2-40B4-BE49-F238E27FC236}">
+                <a16:creationId xmlns:a16="http://schemas.microsoft.com/office/drawing/2014/main" id="{B65B57D4-1FA3-9F76-D61A-40F5901EDCBB}"/>
+              </a:ext>
+            </a:extLst>
+          </p:cNvPr>
+          <p:cNvPicPr>
+            <a:picLocks noChangeAspect="1" noChangeArrowheads="1"/>
+          </p:cNvPicPr>
+          <p:nvPr/>
+        </p:nvPicPr>
+        <p:blipFill>
+          <a:blip r:embed="rId2">
+            <a:extLst>
+              <a:ext uri="{28A0092B-C50C-407E-A947-70E740481C1C}">
+                <a14:useLocalDpi xmlns:a14="http://schemas.microsoft.com/office/drawing/2010/main" val="0"/>
+              </a:ext>
+            </a:extLst>
+          </a:blip>
+          <a:srcRect/>
+          <a:stretch>
+            <a:fillRect/>
+          </a:stretch>
+        </p:blipFill>
+        <p:spPr bwMode="auto">
+          <a:xfrm>
+            <a:off x="7047287" y="2395335"/>
+            <a:ext cx="4563520" cy="3525543"/>
+          </a:xfrm>
+          <a:prstGeom prst="rect">
+            <a:avLst/>
+          </a:prstGeom>
+          <a:noFill/>
+          <a:extLst>
+            <a:ext uri="{909E8E84-426E-40DD-AFC4-6F175D3DCCD1}">
+              <a14:hiddenFill xmlns:a14="http://schemas.microsoft.com/office/drawing/2010/main">
+                <a:solidFill>
+                  <a:srgbClr val="FFFFFF"/>
+                </a:solidFill>
+              </a14:hiddenFill>
+            </a:ext>
+          </a:extLst>
+        </p:spPr>
+      </p:pic>
+    </p:spTree>
+    <p:extLst>
+      <p:ext uri="{BB962C8B-B14F-4D97-AF65-F5344CB8AC3E}">
+        <p14:creationId xmlns:p14="http://schemas.microsoft.com/office/powerpoint/2010/main" val="4022230308"/>
+      </p:ext>
+    </p:extLst>
+  </p:cSld>
+  <p:clrMapOvr>
+    <a:masterClrMapping/>
+  </p:clrMapOvr>
+</p:sld>
+</file>
+
+<file path=ppt/slides/slide39.xml><?xml version="1.0" encoding="utf-8"?>
+<p:sld xmlns:a="http://schemas.openxmlformats.org/drawingml/2006/main" xmlns:r="http://schemas.openxmlformats.org/officeDocument/2006/relationships" xmlns:p="http://schemas.openxmlformats.org/presentationml/2006/main">
+  <p:cSld>
+    <p:spTree>
+      <p:nvGrpSpPr>
+        <p:cNvPr id="1" name="">
+          <a:extLst>
+            <a:ext uri="{FF2B5EF4-FFF2-40B4-BE49-F238E27FC236}">
+              <a16:creationId xmlns:a16="http://schemas.microsoft.com/office/drawing/2014/main" id="{4557281D-A62B-3423-46C8-44D7B01B3A59}"/>
+            </a:ext>
+          </a:extLst>
+        </p:cNvPr>
+        <p:cNvGrpSpPr/>
+        <p:nvPr/>
+      </p:nvGrpSpPr>
+      <p:grpSpPr>
+        <a:xfrm>
+          <a:off x="0" y="0"/>
+          <a:ext cx="0" cy="0"/>
+          <a:chOff x="0" y="0"/>
+          <a:chExt cx="0" cy="0"/>
+        </a:xfrm>
+      </p:grpSpPr>
+      <p:sp>
+        <p:nvSpPr>
+          <p:cNvPr id="2" name="Titel 1">
+            <a:extLst>
+              <a:ext uri="{FF2B5EF4-FFF2-40B4-BE49-F238E27FC236}">
+                <a16:creationId xmlns:a16="http://schemas.microsoft.com/office/drawing/2014/main" id="{5E2F972F-C703-4F5A-1906-98485D04352B}"/>
+              </a:ext>
+            </a:extLst>
+          </p:cNvPr>
+          <p:cNvSpPr>
+            <a:spLocks noGrp="1"/>
+          </p:cNvSpPr>
+          <p:nvPr>
+            <p:ph type="title"/>
+          </p:nvPr>
+        </p:nvSpPr>
+        <p:spPr/>
+        <p:txBody>
+          <a:bodyPr/>
+          <a:lstStyle/>
+          <a:p>
+            <a:r>
+              <a:rPr lang="nl-BE" dirty="0"/>
+              <a:t>Opdrachten</a:t>
+            </a:r>
+          </a:p>
+        </p:txBody>
+      </p:sp>
+      <p:sp>
+        <p:nvSpPr>
+          <p:cNvPr id="3" name="Tijdelijke aanduiding voor inhoud 2">
+            <a:extLst>
+              <a:ext uri="{FF2B5EF4-FFF2-40B4-BE49-F238E27FC236}">
+                <a16:creationId xmlns:a16="http://schemas.microsoft.com/office/drawing/2014/main" id="{F327F411-F1D4-9C78-AE6A-AF937B0D182C}"/>
+              </a:ext>
+            </a:extLst>
+          </p:cNvPr>
+          <p:cNvSpPr>
+            <a:spLocks noGrp="1"/>
+          </p:cNvSpPr>
+          <p:nvPr>
+            <p:ph idx="1"/>
+          </p:nvPr>
+        </p:nvSpPr>
+        <p:spPr>
+          <a:xfrm>
+            <a:off x="581192" y="2078396"/>
+            <a:ext cx="11029615" cy="4347803"/>
+          </a:xfrm>
+        </p:spPr>
+        <p:txBody>
+          <a:bodyPr>
+            <a:normAutofit fontScale="92500" lnSpcReduction="10000"/>
+          </a:bodyPr>
+          <a:lstStyle/>
+          <a:p>
+            <a:r>
+              <a:rPr lang="nl-BE" dirty="0"/>
+              <a:t>Maak een HTML-pagina met:</a:t>
+            </a:r>
+          </a:p>
+          <a:p>
+            <a:pPr lvl="1"/>
+            <a:r>
+              <a:rPr lang="nl-BE" dirty="0"/>
+              <a:t>&lt;h1&gt; met je naam</a:t>
+            </a:r>
+          </a:p>
+          <a:p>
+            <a:pPr lvl="1"/>
+            <a:r>
+              <a:rPr lang="nl-BE" dirty="0"/>
+              <a:t>&lt;h2&gt; met je beroep of hobby</a:t>
+            </a:r>
+          </a:p>
+          <a:p>
+            <a:pPr lvl="1"/>
+            <a:r>
+              <a:rPr lang="nl-BE" dirty="0"/>
+              <a:t>Een paar &lt;p&gt; paragrafen waarin je jezelf voorstelt</a:t>
+            </a:r>
+          </a:p>
+          <a:p>
+            <a:pPr lvl="1"/>
+            <a:r>
+              <a:rPr lang="nl-BE" dirty="0"/>
+              <a:t>Een &lt;a&gt; link naar je favoriete website</a:t>
+            </a:r>
+          </a:p>
+          <a:p>
+            <a:pPr lvl="1"/>
+            <a:r>
+              <a:rPr lang="nl-BE" dirty="0"/>
+              <a:t>Een &lt;</a:t>
+            </a:r>
+            <a:r>
+              <a:rPr lang="nl-BE" dirty="0" err="1"/>
+              <a:t>img</a:t>
+            </a:r>
+            <a:r>
+              <a:rPr lang="nl-BE" dirty="0"/>
+              <a:t>&gt; van jezelf of een afbeelding die bij je past</a:t>
+            </a:r>
+          </a:p>
+          <a:p>
+            <a:pPr lvl="1"/>
+            <a:r>
+              <a:rPr lang="nl-BE" dirty="0"/>
+              <a:t>Verdeel de pagina in 2 of 3 &lt;div&gt; secties:</a:t>
+            </a:r>
+          </a:p>
+          <a:p>
+            <a:pPr lvl="2"/>
+            <a:r>
+              <a:rPr lang="nl-BE" dirty="0"/>
+              <a:t>Header (titel + subtitel)</a:t>
+            </a:r>
+          </a:p>
+          <a:p>
+            <a:pPr lvl="2"/>
+            <a:r>
+              <a:rPr lang="nl-BE" dirty="0"/>
+              <a:t>Over mij (paragrafen + afbeelding)</a:t>
+            </a:r>
+          </a:p>
+          <a:p>
+            <a:pPr lvl="2"/>
+            <a:r>
+              <a:rPr lang="nl-BE" dirty="0"/>
+              <a:t>Links of contactinformatie</a:t>
+            </a:r>
+          </a:p>
+          <a:p>
+            <a:pPr lvl="1"/>
+            <a:r>
+              <a:rPr lang="nl-BE" dirty="0"/>
+              <a:t>Style met CSS: </a:t>
+            </a:r>
+          </a:p>
+          <a:p>
+            <a:pPr lvl="2"/>
+            <a:r>
+              <a:rPr lang="nl-BE" dirty="0"/>
+              <a:t>verschillende background-</a:t>
+            </a:r>
+            <a:r>
+              <a:rPr lang="nl-BE" dirty="0" err="1"/>
+              <a:t>color</a:t>
+            </a:r>
+            <a:r>
+              <a:rPr lang="nl-BE" dirty="0"/>
+              <a:t> per div</a:t>
+            </a:r>
+          </a:p>
+          <a:p>
+            <a:pPr lvl="2"/>
+            <a:r>
+              <a:rPr lang="nl-BE" dirty="0"/>
+              <a:t>Tekstkleur met </a:t>
+            </a:r>
+            <a:r>
+              <a:rPr lang="nl-BE" dirty="0" err="1"/>
+              <a:t>color</a:t>
+            </a:r>
+            <a:endParaRPr lang="nl-BE" dirty="0"/>
+          </a:p>
+          <a:p>
+            <a:pPr lvl="2"/>
+            <a:r>
+              <a:rPr lang="nl-BE" dirty="0"/>
+              <a:t>Pas font-family en font-</a:t>
+            </a:r>
+            <a:r>
+              <a:rPr lang="nl-BE" dirty="0" err="1"/>
+              <a:t>size</a:t>
+            </a:r>
+            <a:r>
+              <a:rPr lang="nl-BE" dirty="0"/>
+              <a:t> toe</a:t>
+            </a:r>
+          </a:p>
+          <a:p>
+            <a:pPr lvl="2"/>
+            <a:r>
+              <a:rPr lang="nl-BE" dirty="0"/>
+              <a:t>Gebruik </a:t>
+            </a:r>
+            <a:r>
+              <a:rPr lang="nl-BE" dirty="0" err="1"/>
+              <a:t>margin</a:t>
+            </a:r>
+            <a:r>
+              <a:rPr lang="nl-BE" dirty="0"/>
+              <a:t> en padding om alles mooi uit te lijnen</a:t>
+            </a:r>
+          </a:p>
+        </p:txBody>
+      </p:sp>
+    </p:spTree>
+    <p:extLst>
+      <p:ext uri="{BB962C8B-B14F-4D97-AF65-F5344CB8AC3E}">
+        <p14:creationId xmlns:p14="http://schemas.microsoft.com/office/powerpoint/2010/main" val="4130628188"/>
+      </p:ext>
+    </p:extLst>
+  </p:cSld>
+  <p:clrMapOvr>
+    <a:masterClrMapping/>
+  </p:clrMapOvr>
+</p:sld>
+</file>
+
+<file path=ppt/slides/slide4.xml><?xml version="1.0" encoding="utf-8"?>
+<p:sld xmlns:a="http://schemas.openxmlformats.org/drawingml/2006/main" xmlns:r="http://schemas.openxmlformats.org/officeDocument/2006/relationships" xmlns:p="http://schemas.openxmlformats.org/presentationml/2006/main">
+  <p:cSld>
+    <p:spTree>
+      <p:nvGrpSpPr>
+        <p:cNvPr id="1" name=""/>
+        <p:cNvGrpSpPr/>
+        <p:nvPr/>
+      </p:nvGrpSpPr>
+      <p:grpSpPr>
+        <a:xfrm>
+          <a:off x="0" y="0"/>
+          <a:ext cx="0" cy="0"/>
+          <a:chOff x="0" y="0"/>
+          <a:chExt cx="0" cy="0"/>
+        </a:xfrm>
+      </p:grpSpPr>
+      <p:sp>
+        <p:nvSpPr>
+          <p:cNvPr id="2" name="Titel 1">
+            <a:extLst>
+              <a:ext uri="{FF2B5EF4-FFF2-40B4-BE49-F238E27FC236}">
+                <a16:creationId xmlns:a16="http://schemas.microsoft.com/office/drawing/2014/main" id="{2BB1E6A4-5878-ABC6-CF28-9D4F22D5D0F9}"/>
+              </a:ext>
+            </a:extLst>
+          </p:cNvPr>
+          <p:cNvSpPr>
+            <a:spLocks noGrp="1"/>
+          </p:cNvSpPr>
+          <p:nvPr>
+            <p:ph type="title"/>
+          </p:nvPr>
+        </p:nvSpPr>
+        <p:spPr/>
+        <p:txBody>
+          <a:bodyPr/>
+          <a:lstStyle/>
+          <a:p>
+            <a:r>
+              <a:rPr lang="nl-BE"/>
+              <a:t>Voorbeeld tags</a:t>
+            </a:r>
+            <a:endParaRPr lang="nl-BE" dirty="0"/>
+          </a:p>
+        </p:txBody>
+      </p:sp>
+      <p:sp>
+        <p:nvSpPr>
+          <p:cNvPr id="3" name="Tijdelijke aanduiding voor inhoud 2">
+            <a:extLst>
+              <a:ext uri="{FF2B5EF4-FFF2-40B4-BE49-F238E27FC236}">
+                <a16:creationId xmlns:a16="http://schemas.microsoft.com/office/drawing/2014/main" id="{14E30992-0552-6EE1-285A-D6856DE1FDD2}"/>
+              </a:ext>
+            </a:extLst>
+          </p:cNvPr>
+          <p:cNvSpPr>
+            <a:spLocks noGrp="1"/>
+          </p:cNvSpPr>
+          <p:nvPr>
+            <p:ph idx="1"/>
+          </p:nvPr>
+        </p:nvSpPr>
+        <p:spPr/>
+        <p:txBody>
+          <a:bodyPr/>
+          <a:lstStyle/>
+          <a:p>
+            <a:pPr marL="0" indent="0">
+              <a:buNone/>
+            </a:pPr>
+            <a:r>
+              <a:rPr lang="nl-BE" dirty="0"/>
+              <a:t>&lt;tag&gt;</a:t>
+            </a:r>
+          </a:p>
+          <a:p>
+            <a:pPr marL="0" indent="0">
+              <a:buNone/>
+            </a:pPr>
+            <a:r>
+              <a:rPr lang="nl-BE" dirty="0"/>
+              <a:t>	&lt;</a:t>
+            </a:r>
+            <a:r>
+              <a:rPr lang="nl-BE" dirty="0" err="1"/>
+              <a:t>geneste_tag</a:t>
+            </a:r>
+            <a:r>
+              <a:rPr lang="nl-BE" dirty="0"/>
+              <a:t>&gt;</a:t>
+            </a:r>
+          </a:p>
+          <a:p>
+            <a:pPr marL="0" indent="0">
+              <a:buNone/>
+            </a:pPr>
+            <a:r>
+              <a:rPr lang="nl-BE" dirty="0"/>
+              <a:t>		&lt;</a:t>
+            </a:r>
+            <a:r>
+              <a:rPr lang="nl-BE" dirty="0" err="1"/>
+              <a:t>nog_genest</a:t>
+            </a:r>
+            <a:r>
+              <a:rPr lang="nl-BE" dirty="0"/>
+              <a:t>/&gt;</a:t>
+            </a:r>
+          </a:p>
+          <a:p>
+            <a:pPr marL="0" indent="0">
+              <a:buNone/>
+            </a:pPr>
+            <a:r>
+              <a:rPr lang="nl-BE" dirty="0"/>
+              <a:t>		&lt;</a:t>
+            </a:r>
+            <a:r>
+              <a:rPr lang="nl-BE" dirty="0" err="1"/>
+              <a:t>nog_</a:t>
+            </a:r>
+            <a:r>
+              <a:rPr lang="nl-BE" err="1"/>
+              <a:t>genest</a:t>
+            </a:r>
+            <a:r>
+              <a:rPr lang="nl-BE"/>
+              <a:t>&gt; &lt;/</a:t>
+            </a:r>
+            <a:r>
+              <a:rPr lang="nl-BE" dirty="0" err="1"/>
+              <a:t>nog_genest</a:t>
+            </a:r>
+            <a:r>
+              <a:rPr lang="nl-BE" dirty="0"/>
+              <a:t>&gt;</a:t>
+            </a:r>
+          </a:p>
+          <a:p>
+            <a:pPr marL="0" indent="0">
+              <a:buNone/>
+            </a:pPr>
+            <a:r>
+              <a:rPr lang="nl-BE" dirty="0"/>
+              <a:t>	&lt;/</a:t>
+            </a:r>
+            <a:r>
+              <a:rPr lang="nl-BE" dirty="0" err="1"/>
+              <a:t>geneste_tag</a:t>
+            </a:r>
+            <a:r>
+              <a:rPr lang="nl-BE" dirty="0"/>
+              <a:t>&gt;</a:t>
+            </a:r>
+          </a:p>
+          <a:p>
+            <a:pPr marL="0" indent="0">
+              <a:buNone/>
+            </a:pPr>
+            <a:r>
+              <a:rPr lang="nl-BE" dirty="0"/>
+              <a:t>	&lt;</a:t>
+            </a:r>
+            <a:r>
+              <a:rPr lang="nl-BE" dirty="0" err="1"/>
+              <a:t>geneste_tag</a:t>
+            </a:r>
+            <a:r>
+              <a:rPr lang="nl-BE" dirty="0"/>
+              <a:t>&gt;</a:t>
+            </a:r>
+          </a:p>
+          <a:p>
+            <a:pPr marL="0" indent="0">
+              <a:buNone/>
+            </a:pPr>
+            <a:r>
+              <a:rPr lang="nl-BE" dirty="0"/>
+              <a:t>	&lt;/</a:t>
+            </a:r>
+            <a:r>
+              <a:rPr lang="nl-BE" dirty="0" err="1"/>
+              <a:t>geneste_tag</a:t>
+            </a:r>
+            <a:r>
+              <a:rPr lang="nl-BE" dirty="0"/>
+              <a:t>&gt;</a:t>
+            </a:r>
+          </a:p>
+          <a:p>
+            <a:pPr marL="0" indent="0">
+              <a:buNone/>
+            </a:pPr>
+            <a:r>
+              <a:rPr lang="nl-BE" dirty="0"/>
+              <a:t>&lt;/tag&gt;</a:t>
+            </a:r>
+          </a:p>
+        </p:txBody>
+      </p:sp>
+    </p:spTree>
+    <p:extLst>
+      <p:ext uri="{BB962C8B-B14F-4D97-AF65-F5344CB8AC3E}">
+        <p14:creationId xmlns:p14="http://schemas.microsoft.com/office/powerpoint/2010/main" val="742375433"/>
+      </p:ext>
+    </p:extLst>
+  </p:cSld>
+  <p:clrMapOvr>
+    <a:masterClrMapping/>
+  </p:clrMapOvr>
+</p:sld>
+</file>
+
+<file path=ppt/slides/slide40.xml><?xml version="1.0" encoding="utf-8"?>
+<p:sld xmlns:a="http://schemas.openxmlformats.org/drawingml/2006/main" xmlns:r="http://schemas.openxmlformats.org/officeDocument/2006/relationships" xmlns:p="http://schemas.openxmlformats.org/presentationml/2006/main">
+  <p:cSld>
+    <p:spTree>
+      <p:nvGrpSpPr>
+        <p:cNvPr id="1" name="">
+          <a:extLst>
+            <a:ext uri="{FF2B5EF4-FFF2-40B4-BE49-F238E27FC236}">
+              <a16:creationId xmlns:a16="http://schemas.microsoft.com/office/drawing/2014/main" id="{3EF9E7E7-DBBC-3CB4-FDE6-0279BFD1EF44}"/>
+            </a:ext>
+          </a:extLst>
+        </p:cNvPr>
+        <p:cNvGrpSpPr/>
+        <p:nvPr/>
+      </p:nvGrpSpPr>
+      <p:grpSpPr>
+        <a:xfrm>
+          <a:off x="0" y="0"/>
+          <a:ext cx="0" cy="0"/>
+          <a:chOff x="0" y="0"/>
+          <a:chExt cx="0" cy="0"/>
+        </a:xfrm>
+      </p:grpSpPr>
+      <p:sp>
+        <p:nvSpPr>
+          <p:cNvPr id="2" name="Titel 1">
+            <a:extLst>
+              <a:ext uri="{FF2B5EF4-FFF2-40B4-BE49-F238E27FC236}">
+                <a16:creationId xmlns:a16="http://schemas.microsoft.com/office/drawing/2014/main" id="{4A29AC2E-AC31-2BAB-D3C9-A99F54669462}"/>
+              </a:ext>
+            </a:extLst>
+          </p:cNvPr>
+          <p:cNvSpPr>
+            <a:spLocks noGrp="1"/>
+          </p:cNvSpPr>
+          <p:nvPr>
+            <p:ph type="title"/>
+          </p:nvPr>
+        </p:nvSpPr>
+        <p:spPr/>
+        <p:txBody>
+          <a:bodyPr/>
+          <a:lstStyle/>
+          <a:p>
+            <a:r>
+              <a:rPr lang="nl-BE" dirty="0"/>
+              <a:t>Opdrachten</a:t>
+            </a:r>
+          </a:p>
+        </p:txBody>
+      </p:sp>
+      <p:sp>
+        <p:nvSpPr>
+          <p:cNvPr id="3" name="Tijdelijke aanduiding voor inhoud 2">
+            <a:extLst>
+              <a:ext uri="{FF2B5EF4-FFF2-40B4-BE49-F238E27FC236}">
+                <a16:creationId xmlns:a16="http://schemas.microsoft.com/office/drawing/2014/main" id="{9DCC9DD8-C103-04AB-47A5-42AAAB7E1207}"/>
+              </a:ext>
+            </a:extLst>
+          </p:cNvPr>
+          <p:cNvSpPr>
+            <a:spLocks noGrp="1"/>
+          </p:cNvSpPr>
+          <p:nvPr>
+            <p:ph idx="1"/>
+          </p:nvPr>
+        </p:nvSpPr>
+        <p:spPr>
+          <a:xfrm>
+            <a:off x="581192" y="2078396"/>
+            <a:ext cx="11029615" cy="4347803"/>
+          </a:xfrm>
+        </p:spPr>
+        <p:txBody>
+          <a:bodyPr>
+            <a:normAutofit fontScale="92500" lnSpcReduction="10000"/>
+          </a:bodyPr>
+          <a:lstStyle/>
+          <a:p>
+            <a:r>
+              <a:rPr lang="nl-BE" dirty="0"/>
+              <a:t>Maak een HTML-pagina met:</a:t>
+            </a:r>
+          </a:p>
+          <a:p>
+            <a:pPr lvl="1"/>
+            <a:r>
+              <a:rPr lang="nl-BE" dirty="0"/>
+              <a:t>&lt;h1&gt; “Mijn Top 5 Recepten”</a:t>
+            </a:r>
+          </a:p>
+          <a:p>
+            <a:pPr lvl="1"/>
+            <a:r>
+              <a:rPr lang="nl-BE" dirty="0"/>
+              <a:t>Een &lt;</a:t>
+            </a:r>
+            <a:r>
+              <a:rPr lang="nl-BE" dirty="0" err="1"/>
+              <a:t>ul</a:t>
+            </a:r>
+            <a:r>
+              <a:rPr lang="nl-BE" dirty="0"/>
+              <a:t>&gt; lijst van 5 gerechten</a:t>
+            </a:r>
+          </a:p>
+          <a:p>
+            <a:pPr lvl="1"/>
+            <a:r>
+              <a:rPr lang="nl-BE" dirty="0"/>
+              <a:t>Voor elk gerecht:</a:t>
+            </a:r>
+          </a:p>
+          <a:p>
+            <a:pPr lvl="2"/>
+            <a:r>
+              <a:rPr lang="nl-BE" dirty="0"/>
+              <a:t>&lt;li&gt; naam van het gerecht</a:t>
+            </a:r>
+          </a:p>
+          <a:p>
+            <a:pPr lvl="2"/>
+            <a:r>
+              <a:rPr lang="nl-BE" dirty="0"/>
+              <a:t>&lt;</a:t>
+            </a:r>
+            <a:r>
+              <a:rPr lang="nl-BE" dirty="0" err="1"/>
+              <a:t>img</a:t>
+            </a:r>
+            <a:r>
+              <a:rPr lang="nl-BE" dirty="0"/>
+              <a:t>&gt; afbeelding van het gerecht</a:t>
+            </a:r>
+          </a:p>
+          <a:p>
+            <a:pPr lvl="2"/>
+            <a:r>
+              <a:rPr lang="nl-BE" dirty="0"/>
+              <a:t>&lt;p&gt; korte beschrijving</a:t>
+            </a:r>
+          </a:p>
+          <a:p>
+            <a:pPr lvl="1"/>
+            <a:r>
+              <a:rPr lang="nl-BE" dirty="0"/>
+              <a:t>Maak een &lt;</a:t>
+            </a:r>
+            <a:r>
+              <a:rPr lang="nl-BE" dirty="0" err="1"/>
+              <a:t>table</a:t>
+            </a:r>
+            <a:r>
+              <a:rPr lang="nl-BE" dirty="0"/>
+              <a:t>&gt; met ingrediënten:</a:t>
+            </a:r>
+          </a:p>
+          <a:p>
+            <a:pPr lvl="2"/>
+            <a:r>
+              <a:rPr lang="nl-BE" dirty="0"/>
+              <a:t>Kolommen: Naam, Hoeveelheid, Eenheid</a:t>
+            </a:r>
+          </a:p>
+          <a:p>
+            <a:pPr lvl="2"/>
+            <a:r>
+              <a:rPr lang="nl-BE" dirty="0"/>
+              <a:t>Voeg minstens 3 rijen per gerecht toe</a:t>
+            </a:r>
+          </a:p>
+          <a:p>
+            <a:pPr lvl="1"/>
+            <a:r>
+              <a:rPr lang="nl-BE" dirty="0"/>
+              <a:t>Style alles met CSS:</a:t>
+            </a:r>
+          </a:p>
+          <a:p>
+            <a:pPr lvl="2"/>
+            <a:r>
+              <a:rPr lang="nl-BE" dirty="0"/>
+              <a:t>Verschillende background-</a:t>
+            </a:r>
+            <a:r>
+              <a:rPr lang="nl-BE" dirty="0" err="1"/>
+              <a:t>color</a:t>
+            </a:r>
+            <a:r>
+              <a:rPr lang="nl-BE" dirty="0"/>
+              <a:t> voor de lijst en de tabel</a:t>
+            </a:r>
+          </a:p>
+          <a:p>
+            <a:pPr lvl="2"/>
+            <a:r>
+              <a:rPr lang="nl-BE" dirty="0"/>
+              <a:t>Borders rond de tabelcellen</a:t>
+            </a:r>
+          </a:p>
+          <a:p>
+            <a:pPr lvl="2"/>
+            <a:r>
+              <a:rPr lang="nl-BE" dirty="0"/>
+              <a:t>Tekstkleur en padding in de tabelcellen</a:t>
+            </a:r>
+          </a:p>
+          <a:p>
+            <a:pPr lvl="2"/>
+            <a:r>
+              <a:rPr lang="nl-BE" dirty="0"/>
+              <a:t>Pas </a:t>
+            </a:r>
+            <a:r>
+              <a:rPr lang="nl-BE" dirty="0" err="1"/>
+              <a:t>margin</a:t>
+            </a:r>
+            <a:r>
+              <a:rPr lang="nl-BE" dirty="0"/>
+              <a:t> toe om ruimte te maken tussen afbeeldingen, lijst en tabel</a:t>
+            </a:r>
+          </a:p>
+        </p:txBody>
+      </p:sp>
+    </p:spTree>
+    <p:extLst>
+      <p:ext uri="{BB962C8B-B14F-4D97-AF65-F5344CB8AC3E}">
+        <p14:creationId xmlns:p14="http://schemas.microsoft.com/office/powerpoint/2010/main" val="3441298857"/>
+      </p:ext>
+    </p:extLst>
+  </p:cSld>
+  <p:clrMapOvr>
+    <a:masterClrMapping/>
+  </p:clrMapOvr>
+</p:sld>
+</file>
+
+<file path=ppt/slides/slide41.xml><?xml version="1.0" encoding="utf-8"?>
+<p:sld xmlns:a="http://schemas.openxmlformats.org/drawingml/2006/main" xmlns:r="http://schemas.openxmlformats.org/officeDocument/2006/relationships" xmlns:p="http://schemas.openxmlformats.org/presentationml/2006/main">
+  <p:cSld>
+    <p:spTree>
+      <p:nvGrpSpPr>
+        <p:cNvPr id="1" name="">
+          <a:extLst>
+            <a:ext uri="{FF2B5EF4-FFF2-40B4-BE49-F238E27FC236}">
+              <a16:creationId xmlns:a16="http://schemas.microsoft.com/office/drawing/2014/main" id="{5E0B5769-C620-555F-2A82-B88F77A7B575}"/>
+            </a:ext>
+          </a:extLst>
+        </p:cNvPr>
+        <p:cNvGrpSpPr/>
+        <p:nvPr/>
+      </p:nvGrpSpPr>
+      <p:grpSpPr>
+        <a:xfrm>
+          <a:off x="0" y="0"/>
+          <a:ext cx="0" cy="0"/>
+          <a:chOff x="0" y="0"/>
+          <a:chExt cx="0" cy="0"/>
+        </a:xfrm>
+      </p:grpSpPr>
+      <p:sp>
+        <p:nvSpPr>
+          <p:cNvPr id="2" name="Titel 1">
+            <a:extLst>
+              <a:ext uri="{FF2B5EF4-FFF2-40B4-BE49-F238E27FC236}">
+                <a16:creationId xmlns:a16="http://schemas.microsoft.com/office/drawing/2014/main" id="{58D0E0BE-F05B-A91B-9676-A818506AB87C}"/>
+              </a:ext>
+            </a:extLst>
+          </p:cNvPr>
+          <p:cNvSpPr>
+            <a:spLocks noGrp="1"/>
+          </p:cNvSpPr>
+          <p:nvPr>
+            <p:ph type="title"/>
+          </p:nvPr>
+        </p:nvSpPr>
+        <p:spPr/>
+        <p:txBody>
+          <a:bodyPr/>
+          <a:lstStyle/>
+          <a:p>
+            <a:r>
+              <a:rPr lang="nl-BE" dirty="0"/>
+              <a:t>Opdrachten</a:t>
+            </a:r>
+          </a:p>
+        </p:txBody>
+      </p:sp>
+      <p:sp>
+        <p:nvSpPr>
+          <p:cNvPr id="3" name="Tijdelijke aanduiding voor inhoud 2">
+            <a:extLst>
+              <a:ext uri="{FF2B5EF4-FFF2-40B4-BE49-F238E27FC236}">
+                <a16:creationId xmlns:a16="http://schemas.microsoft.com/office/drawing/2014/main" id="{6FB43E0E-C9ED-313F-1FB1-7F50DB877ABE}"/>
+              </a:ext>
+            </a:extLst>
+          </p:cNvPr>
+          <p:cNvSpPr>
+            <a:spLocks noGrp="1"/>
+          </p:cNvSpPr>
+          <p:nvPr>
+            <p:ph idx="1"/>
+          </p:nvPr>
+        </p:nvSpPr>
+        <p:spPr>
+          <a:xfrm>
+            <a:off x="581192" y="2078396"/>
+            <a:ext cx="11029615" cy="4347803"/>
+          </a:xfrm>
+        </p:spPr>
+        <p:txBody>
+          <a:bodyPr>
+            <a:normAutofit fontScale="85000" lnSpcReduction="20000"/>
+          </a:bodyPr>
+          <a:lstStyle/>
+          <a:p>
+            <a:r>
+              <a:rPr lang="nl-BE" dirty="0"/>
+              <a:t>Maak een HTML-pagina met:</a:t>
+            </a:r>
+          </a:p>
+          <a:p>
+            <a:pPr lvl="1"/>
+            <a:r>
+              <a:rPr lang="nl-BE" dirty="0"/>
+              <a:t>&lt;h1&gt; titel van je winkel</a:t>
+            </a:r>
+          </a:p>
+          <a:p>
+            <a:pPr lvl="1"/>
+            <a:r>
+              <a:rPr lang="nl-BE" dirty="0"/>
+              <a:t>&lt;h2&gt; productcategorie (bijv. “Laptops”)</a:t>
+            </a:r>
+          </a:p>
+          <a:p>
+            <a:pPr lvl="1"/>
+            <a:r>
+              <a:rPr lang="nl-BE" dirty="0"/>
+              <a:t>3 producten in &lt;div&gt; blokken naast elkaar, elk blok bevat:</a:t>
+            </a:r>
+          </a:p>
+          <a:p>
+            <a:pPr lvl="2"/>
+            <a:r>
+              <a:rPr lang="nl-BE" dirty="0"/>
+              <a:t>&lt;h3&gt; productnaam</a:t>
+            </a:r>
+          </a:p>
+          <a:p>
+            <a:pPr lvl="2"/>
+            <a:r>
+              <a:rPr lang="nl-BE" dirty="0"/>
+              <a:t>&lt;</a:t>
+            </a:r>
+            <a:r>
+              <a:rPr lang="nl-BE" dirty="0" err="1"/>
+              <a:t>img</a:t>
+            </a:r>
+            <a:r>
+              <a:rPr lang="nl-BE" dirty="0"/>
+              <a:t>&gt; productfoto</a:t>
+            </a:r>
+          </a:p>
+          <a:p>
+            <a:pPr lvl="2"/>
+            <a:r>
+              <a:rPr lang="nl-BE" dirty="0"/>
+              <a:t>&lt;p&gt; korte beschrijving</a:t>
+            </a:r>
+          </a:p>
+          <a:p>
+            <a:pPr lvl="2"/>
+            <a:r>
+              <a:rPr lang="nl-BE" dirty="0"/>
+              <a:t>&lt;a&gt; knop of link “Bestel nu”</a:t>
+            </a:r>
+          </a:p>
+          <a:p>
+            <a:pPr lvl="1"/>
+            <a:r>
+              <a:rPr lang="nl-BE" dirty="0"/>
+              <a:t>Voeg een tabel toe met productdetails:</a:t>
+            </a:r>
+          </a:p>
+          <a:p>
+            <a:pPr lvl="2"/>
+            <a:r>
+              <a:rPr lang="nl-BE" dirty="0"/>
+              <a:t>Kolommen: Product, Prijs, Voorraad</a:t>
+            </a:r>
+          </a:p>
+          <a:p>
+            <a:pPr lvl="2"/>
+            <a:r>
+              <a:rPr lang="nl-BE" dirty="0"/>
+              <a:t>Vul minstens 3 producten in</a:t>
+            </a:r>
+          </a:p>
+          <a:p>
+            <a:pPr lvl="1"/>
+            <a:r>
+              <a:rPr lang="nl-BE" dirty="0"/>
+              <a:t>CSS styling:</a:t>
+            </a:r>
+          </a:p>
+          <a:p>
+            <a:pPr lvl="2"/>
+            <a:r>
+              <a:rPr lang="nl-BE" dirty="0"/>
+              <a:t>Verschillende background-</a:t>
+            </a:r>
+            <a:r>
+              <a:rPr lang="nl-BE" dirty="0" err="1"/>
+              <a:t>color</a:t>
+            </a:r>
+            <a:r>
+              <a:rPr lang="nl-BE" dirty="0"/>
+              <a:t> voor productblokken</a:t>
+            </a:r>
+          </a:p>
+          <a:p>
+            <a:pPr lvl="2"/>
+            <a:r>
+              <a:rPr lang="nl-BE" dirty="0"/>
+              <a:t>Borders rond de producten en tabel</a:t>
+            </a:r>
+          </a:p>
+          <a:p>
+            <a:pPr lvl="2"/>
+            <a:r>
+              <a:rPr lang="nl-BE" dirty="0"/>
+              <a:t>Padding en </a:t>
+            </a:r>
+            <a:r>
+              <a:rPr lang="nl-BE" dirty="0" err="1"/>
+              <a:t>margin</a:t>
+            </a:r>
+            <a:r>
+              <a:rPr lang="nl-BE" dirty="0"/>
+              <a:t> voor mooie ruimte tussen producten</a:t>
+            </a:r>
+          </a:p>
+          <a:p>
+            <a:pPr lvl="2"/>
+            <a:r>
+              <a:rPr lang="nl-BE" dirty="0"/>
+              <a:t>Pas </a:t>
+            </a:r>
+            <a:r>
+              <a:rPr lang="nl-BE" dirty="0" err="1"/>
+              <a:t>width</a:t>
+            </a:r>
+            <a:r>
+              <a:rPr lang="nl-BE" dirty="0"/>
+              <a:t> en </a:t>
+            </a:r>
+            <a:r>
+              <a:rPr lang="nl-BE" dirty="0" err="1"/>
+              <a:t>height</a:t>
+            </a:r>
+            <a:r>
+              <a:rPr lang="nl-BE" dirty="0"/>
+              <a:t> van afbeeldingen aan</a:t>
+            </a:r>
+          </a:p>
+          <a:p>
+            <a:pPr lvl="2"/>
+            <a:r>
+              <a:rPr lang="nl-BE" dirty="0"/>
+              <a:t>Tekstkleur en lettertype aanpassen</a:t>
+            </a:r>
+          </a:p>
+        </p:txBody>
+      </p:sp>
+    </p:spTree>
+    <p:extLst>
+      <p:ext uri="{BB962C8B-B14F-4D97-AF65-F5344CB8AC3E}">
+        <p14:creationId xmlns:p14="http://schemas.microsoft.com/office/powerpoint/2010/main" val="2144668814"/>
+      </p:ext>
+    </p:extLst>
+  </p:cSld>
+  <p:clrMapOvr>
+    <a:masterClrMapping/>
+  </p:clrMapOvr>
+</p:sld>
+</file>
+
+<file path=ppt/slides/slide42.xml><?xml version="1.0" encoding="utf-8"?>
 <p:sld xmlns:a="http://schemas.openxmlformats.org/drawingml/2006/main" xmlns:r="http://schemas.openxmlformats.org/officeDocument/2006/relationships" xmlns:p="http://schemas.openxmlformats.org/presentationml/2006/main">
   <p:cSld>
     <p:spTree>
@@ -11183,7 +16574,7 @@
             <a:pPr rtl="0"/>
             <a:fld id="{66D3D282-C61A-41D7-9714-7814FA67361E}" type="datetime1">
               <a:rPr lang="nl-NL" smtClean="0"/>
-              <a:t>18-9-2025</a:t>
+              <a:t>3-10-2025</a:t>
             </a:fld>
             <a:endParaRPr lang="en-US" dirty="0"/>
           </a:p>
@@ -11202,7 +16593,7 @@
 </p:sld>
 </file>
 
-<file path=ppt/slides/slide34.xml><?xml version="1.0" encoding="utf-8"?>
+<file path=ppt/slides/slide43.xml><?xml version="1.0" encoding="utf-8"?>
 <p:sld xmlns:a="http://schemas.openxmlformats.org/drawingml/2006/main" xmlns:r="http://schemas.openxmlformats.org/officeDocument/2006/relationships" xmlns:p="http://schemas.openxmlformats.org/presentationml/2006/main">
   <p:cSld>
     <p:spTree>
@@ -11306,7 +16697,7 @@
 </p:sld>
 </file>
 
-<file path=ppt/slides/slide35.xml><?xml version="1.0" encoding="utf-8"?>
+<file path=ppt/slides/slide44.xml><?xml version="1.0" encoding="utf-8"?>
 <p:sld xmlns:a="http://schemas.openxmlformats.org/drawingml/2006/main" xmlns:r="http://schemas.openxmlformats.org/officeDocument/2006/relationships" xmlns:p="http://schemas.openxmlformats.org/presentationml/2006/main">
   <p:cSld>
     <p:spTree>
@@ -11580,7 +16971,565 @@
 </p:sld>
 </file>
 
-<file path=ppt/slides/slide36.xml><?xml version="1.0" encoding="utf-8"?>
+<file path=ppt/slides/slide45.xml><?xml version="1.0" encoding="utf-8"?>
+<p:sld xmlns:a="http://schemas.openxmlformats.org/drawingml/2006/main" xmlns:r="http://schemas.openxmlformats.org/officeDocument/2006/relationships" xmlns:p="http://schemas.openxmlformats.org/presentationml/2006/main">
+  <p:cSld>
+    <p:spTree>
+      <p:nvGrpSpPr>
+        <p:cNvPr id="1" name="">
+          <a:extLst>
+            <a:ext uri="{FF2B5EF4-FFF2-40B4-BE49-F238E27FC236}">
+              <a16:creationId xmlns:a16="http://schemas.microsoft.com/office/drawing/2014/main" id="{FCF0518F-BC73-75D6-5D5D-55290B9E61F4}"/>
+            </a:ext>
+          </a:extLst>
+        </p:cNvPr>
+        <p:cNvGrpSpPr/>
+        <p:nvPr/>
+      </p:nvGrpSpPr>
+      <p:grpSpPr>
+        <a:xfrm>
+          <a:off x="0" y="0"/>
+          <a:ext cx="0" cy="0"/>
+          <a:chOff x="0" y="0"/>
+          <a:chExt cx="0" cy="0"/>
+        </a:xfrm>
+      </p:grpSpPr>
+      <p:sp>
+        <p:nvSpPr>
+          <p:cNvPr id="2" name="Titel 1">
+            <a:extLst>
+              <a:ext uri="{FF2B5EF4-FFF2-40B4-BE49-F238E27FC236}">
+                <a16:creationId xmlns:a16="http://schemas.microsoft.com/office/drawing/2014/main" id="{C95F651C-12AE-3E66-83F1-534B0C1CBBD8}"/>
+              </a:ext>
+            </a:extLst>
+          </p:cNvPr>
+          <p:cNvSpPr>
+            <a:spLocks noGrp="1"/>
+          </p:cNvSpPr>
+          <p:nvPr>
+            <p:ph type="title"/>
+          </p:nvPr>
+        </p:nvSpPr>
+        <p:spPr>
+          <a:xfrm>
+            <a:off x="581192" y="702156"/>
+            <a:ext cx="11029616" cy="520588"/>
+          </a:xfrm>
+        </p:spPr>
+        <p:txBody>
+          <a:bodyPr/>
+          <a:lstStyle/>
+          <a:p>
+            <a:r>
+              <a:rPr lang="nl-BE" dirty="0"/>
+              <a:t>Variabelen declareren</a:t>
+            </a:r>
+          </a:p>
+        </p:txBody>
+      </p:sp>
+      <p:graphicFrame>
+        <p:nvGraphicFramePr>
+          <p:cNvPr id="4" name="Tijdelijke aanduiding voor inhoud 3">
+            <a:extLst>
+              <a:ext uri="{FF2B5EF4-FFF2-40B4-BE49-F238E27FC236}">
+                <a16:creationId xmlns:a16="http://schemas.microsoft.com/office/drawing/2014/main" id="{E3FF8A40-4D1A-032F-4363-567EC11B4FE4}"/>
+              </a:ext>
+            </a:extLst>
+          </p:cNvPr>
+          <p:cNvGraphicFramePr>
+            <a:graphicFrameLocks noGrp="1"/>
+          </p:cNvGraphicFramePr>
+          <p:nvPr>
+            <p:ph idx="1"/>
+            <p:extLst>
+              <p:ext uri="{D42A27DB-BD31-4B8C-83A1-F6EECF244321}">
+                <p14:modId xmlns:p14="http://schemas.microsoft.com/office/powerpoint/2010/main" val="3256547004"/>
+              </p:ext>
+            </p:extLst>
+          </p:nvPr>
+        </p:nvGraphicFramePr>
+        <p:xfrm>
+          <a:off x="580524" y="1452681"/>
+          <a:ext cx="11029950" cy="5358536"/>
+        </p:xfrm>
+        <a:graphic>
+          <a:graphicData uri="http://schemas.openxmlformats.org/drawingml/2006/table">
+            <a:tbl>
+              <a:tblPr firstRow="1" bandRow="1">
+                <a:tableStyleId>{5C22544A-7EE6-4342-B048-85BDC9FD1C3A}</a:tableStyleId>
+              </a:tblPr>
+              <a:tblGrid>
+                <a:gridCol w="3676650">
+                  <a:extLst>
+                    <a:ext uri="{9D8B030D-6E8A-4147-A177-3AD203B41FA5}">
+                      <a16:colId xmlns:a16="http://schemas.microsoft.com/office/drawing/2014/main" val="2975812189"/>
+                    </a:ext>
+                  </a:extLst>
+                </a:gridCol>
+                <a:gridCol w="3676650">
+                  <a:extLst>
+                    <a:ext uri="{9D8B030D-6E8A-4147-A177-3AD203B41FA5}">
+                      <a16:colId xmlns:a16="http://schemas.microsoft.com/office/drawing/2014/main" val="451799516"/>
+                    </a:ext>
+                  </a:extLst>
+                </a:gridCol>
+                <a:gridCol w="3676650">
+                  <a:extLst>
+                    <a:ext uri="{9D8B030D-6E8A-4147-A177-3AD203B41FA5}">
+                      <a16:colId xmlns:a16="http://schemas.microsoft.com/office/drawing/2014/main" val="2227870152"/>
+                    </a:ext>
+                  </a:extLst>
+                </a:gridCol>
+              </a:tblGrid>
+              <a:tr h="603656">
+                <a:tc>
+                  <a:txBody>
+                    <a:bodyPr/>
+                    <a:lstStyle/>
+                    <a:p>
+                      <a:pPr algn="ctr"/>
+                      <a:r>
+                        <a:rPr lang="nl-BE" dirty="0"/>
+                        <a:t>var</a:t>
+                      </a:r>
+                    </a:p>
+                  </a:txBody>
+                  <a:tcPr anchor="ctr"/>
+                </a:tc>
+                <a:tc>
+                  <a:txBody>
+                    <a:bodyPr/>
+                    <a:lstStyle/>
+                    <a:p>
+                      <a:pPr algn="ctr"/>
+                      <a:r>
+                        <a:rPr lang="nl-BE" dirty="0"/>
+                        <a:t>let</a:t>
+                      </a:r>
+                    </a:p>
+                  </a:txBody>
+                  <a:tcPr anchor="ctr"/>
+                </a:tc>
+                <a:tc>
+                  <a:txBody>
+                    <a:bodyPr/>
+                    <a:lstStyle/>
+                    <a:p>
+                      <a:pPr algn="ctr"/>
+                      <a:r>
+                        <a:rPr lang="nl-BE" dirty="0" err="1"/>
+                        <a:t>const</a:t>
+                      </a:r>
+                      <a:endParaRPr lang="nl-BE" dirty="0"/>
+                    </a:p>
+                  </a:txBody>
+                  <a:tcPr anchor="ctr"/>
+                </a:tc>
+                <a:extLst>
+                  <a:ext uri="{0D108BD9-81ED-4DB2-BD59-A6C34878D82A}">
+                    <a16:rowId xmlns:a16="http://schemas.microsoft.com/office/drawing/2014/main" val="344478397"/>
+                  </a:ext>
+                </a:extLst>
+              </a:tr>
+              <a:tr h="2287847">
+                <a:tc>
+                  <a:txBody>
+                    <a:bodyPr/>
+                    <a:lstStyle/>
+                    <a:p>
+                      <a:r>
+                        <a:rPr lang="nl-BE" dirty="0"/>
+                        <a:t>var teller = 0;</a:t>
+                      </a:r>
+                    </a:p>
+                    <a:p>
+                      <a:endParaRPr lang="nl-BE" dirty="0"/>
+                    </a:p>
+                    <a:p>
+                      <a:r>
+                        <a:rPr lang="nl-BE" dirty="0" err="1"/>
+                        <a:t>if</a:t>
+                      </a:r>
+                      <a:r>
+                        <a:rPr lang="nl-BE" dirty="0"/>
+                        <a:t>(</a:t>
+                      </a:r>
+                      <a:r>
+                        <a:rPr lang="nl-BE" dirty="0" err="1"/>
+                        <a:t>true</a:t>
+                      </a:r>
+                      <a:r>
+                        <a:rPr lang="nl-BE" dirty="0"/>
+                        <a:t>){</a:t>
+                      </a:r>
+                    </a:p>
+                    <a:p>
+                      <a:r>
+                        <a:rPr lang="nl-BE" dirty="0"/>
+                        <a:t>	var teller = 1:</a:t>
+                      </a:r>
+                    </a:p>
+                    <a:p>
+                      <a:r>
+                        <a:rPr lang="nl-BE" dirty="0"/>
+                        <a:t>	alert(teller);</a:t>
+                      </a:r>
+                    </a:p>
+                    <a:p>
+                      <a:r>
+                        <a:rPr lang="nl-BE" dirty="0"/>
+                        <a:t>}</a:t>
+                      </a:r>
+                    </a:p>
+                    <a:p>
+                      <a:r>
+                        <a:rPr lang="nl-BE" dirty="0"/>
+                        <a:t>alert(teller);</a:t>
+                      </a:r>
+                    </a:p>
+                    <a:p>
+                      <a:endParaRPr lang="nl-BE" dirty="0"/>
+                    </a:p>
+                    <a:p>
+                      <a:r>
+                        <a:rPr lang="nl-BE" dirty="0" err="1"/>
+                        <a:t>if</a:t>
+                      </a:r>
+                      <a:r>
+                        <a:rPr lang="nl-BE" dirty="0"/>
+                        <a:t>(</a:t>
+                      </a:r>
+                      <a:r>
+                        <a:rPr lang="nl-BE" dirty="0" err="1"/>
+                        <a:t>true</a:t>
+                      </a:r>
+                      <a:r>
+                        <a:rPr lang="nl-BE" dirty="0"/>
+                        <a:t>){</a:t>
+                      </a:r>
+                    </a:p>
+                    <a:p>
+                      <a:r>
+                        <a:rPr lang="nl-BE" dirty="0"/>
+                        <a:t>	teller = 2;</a:t>
+                      </a:r>
+                    </a:p>
+                    <a:p>
+                      <a:r>
+                        <a:rPr lang="nl-BE" dirty="0"/>
+                        <a:t>}</a:t>
+                      </a:r>
+                    </a:p>
+                    <a:p>
+                      <a:r>
+                        <a:rPr lang="nl-BE" dirty="0"/>
+                        <a:t>alert(teller);</a:t>
+                      </a:r>
+                    </a:p>
+                    <a:p>
+                      <a:endParaRPr lang="nl-BE" dirty="0"/>
+                    </a:p>
+                    <a:p>
+                      <a:r>
+                        <a:rPr lang="nl-BE" dirty="0"/>
+                        <a:t>&gt;&gt;&gt; 1</a:t>
+                      </a:r>
+                    </a:p>
+                    <a:p>
+                      <a:r>
+                        <a:rPr lang="nl-BE" dirty="0"/>
+                        <a:t>&gt;&gt;&gt; 1</a:t>
+                      </a:r>
+                    </a:p>
+                    <a:p>
+                      <a:r>
+                        <a:rPr lang="nl-BE" dirty="0"/>
+                        <a:t>&gt;&gt;&gt; 2</a:t>
+                      </a:r>
+                    </a:p>
+                    <a:p>
+                      <a:endParaRPr lang="nl-BE" dirty="0"/>
+                    </a:p>
+                  </a:txBody>
+                  <a:tcPr anchor="ctr"/>
+                </a:tc>
+                <a:tc>
+                  <a:txBody>
+                    <a:bodyPr/>
+                    <a:lstStyle/>
+                    <a:p>
+                      <a:r>
+                        <a:rPr lang="nl-BE" dirty="0"/>
+                        <a:t>let teller = 0;</a:t>
+                      </a:r>
+                    </a:p>
+                    <a:p>
+                      <a:endParaRPr lang="nl-BE" dirty="0"/>
+                    </a:p>
+                    <a:p>
+                      <a:r>
+                        <a:rPr lang="nl-BE" dirty="0" err="1"/>
+                        <a:t>if</a:t>
+                      </a:r>
+                      <a:r>
+                        <a:rPr lang="nl-BE" dirty="0"/>
+                        <a:t>(</a:t>
+                      </a:r>
+                      <a:r>
+                        <a:rPr lang="nl-BE" dirty="0" err="1"/>
+                        <a:t>true</a:t>
+                      </a:r>
+                      <a:r>
+                        <a:rPr lang="nl-BE" dirty="0"/>
+                        <a:t>){</a:t>
+                      </a:r>
+                    </a:p>
+                    <a:p>
+                      <a:r>
+                        <a:rPr lang="nl-BE" dirty="0"/>
+                        <a:t>	let teller = 1;</a:t>
+                      </a:r>
+                    </a:p>
+                    <a:p>
+                      <a:r>
+                        <a:rPr lang="nl-BE" dirty="0"/>
+                        <a:t>	alert(teller);</a:t>
+                      </a:r>
+                    </a:p>
+                    <a:p>
+                      <a:r>
+                        <a:rPr lang="nl-BE" dirty="0"/>
+                        <a:t>}</a:t>
+                      </a:r>
+                    </a:p>
+                    <a:p>
+                      <a:r>
+                        <a:rPr lang="nl-BE" dirty="0"/>
+                        <a:t>alert(teller);</a:t>
+                      </a:r>
+                    </a:p>
+                    <a:p>
+                      <a:endParaRPr lang="nl-BE" dirty="0"/>
+                    </a:p>
+                    <a:p>
+                      <a:r>
+                        <a:rPr lang="nl-BE" dirty="0" err="1"/>
+                        <a:t>if</a:t>
+                      </a:r>
+                      <a:r>
+                        <a:rPr lang="nl-BE" dirty="0"/>
+                        <a:t>(</a:t>
+                      </a:r>
+                      <a:r>
+                        <a:rPr lang="nl-BE" dirty="0" err="1"/>
+                        <a:t>true</a:t>
+                      </a:r>
+                      <a:r>
+                        <a:rPr lang="nl-BE" dirty="0"/>
+                        <a:t>){</a:t>
+                      </a:r>
+                    </a:p>
+                    <a:p>
+                      <a:r>
+                        <a:rPr lang="nl-BE" dirty="0"/>
+                        <a:t>	teller = 2;</a:t>
+                      </a:r>
+                    </a:p>
+                    <a:p>
+                      <a:r>
+                        <a:rPr lang="nl-BE" dirty="0"/>
+                        <a:t>}</a:t>
+                      </a:r>
+                    </a:p>
+                    <a:p>
+                      <a:r>
+                        <a:rPr lang="nl-BE" dirty="0"/>
+                        <a:t>alert(teller);</a:t>
+                      </a:r>
+                    </a:p>
+                    <a:p>
+                      <a:endParaRPr lang="nl-BE" dirty="0"/>
+                    </a:p>
+                    <a:p>
+                      <a:r>
+                        <a:rPr lang="nl-BE" dirty="0"/>
+                        <a:t>&gt;&gt;&gt; 1</a:t>
+                      </a:r>
+                    </a:p>
+                    <a:p>
+                      <a:r>
+                        <a:rPr lang="nl-BE" dirty="0"/>
+                        <a:t>&gt;&gt;&gt; 0</a:t>
+                      </a:r>
+                    </a:p>
+                    <a:p>
+                      <a:r>
+                        <a:rPr lang="nl-BE" dirty="0"/>
+                        <a:t>&gt;&gt;&gt; 2</a:t>
+                      </a:r>
+                    </a:p>
+                  </a:txBody>
+                  <a:tcPr anchor="ctr"/>
+                </a:tc>
+                <a:tc>
+                  <a:txBody>
+                    <a:bodyPr/>
+                    <a:lstStyle/>
+                    <a:p>
+                      <a:r>
+                        <a:rPr lang="nl-BE" dirty="0" err="1"/>
+                        <a:t>const</a:t>
+                      </a:r>
+                      <a:r>
+                        <a:rPr lang="nl-BE" dirty="0"/>
+                        <a:t> teller = 0;</a:t>
+                      </a:r>
+                    </a:p>
+                    <a:p>
+                      <a:endParaRPr lang="nl-BE" dirty="0"/>
+                    </a:p>
+                    <a:p>
+                      <a:r>
+                        <a:rPr lang="nl-BE" dirty="0" err="1"/>
+                        <a:t>if</a:t>
+                      </a:r>
+                      <a:r>
+                        <a:rPr lang="nl-BE" dirty="0"/>
+                        <a:t>(</a:t>
+                      </a:r>
+                      <a:r>
+                        <a:rPr lang="nl-BE" dirty="0" err="1"/>
+                        <a:t>true</a:t>
+                      </a:r>
+                      <a:r>
+                        <a:rPr lang="nl-BE" dirty="0"/>
+                        <a:t>){</a:t>
+                      </a:r>
+                    </a:p>
+                    <a:p>
+                      <a:r>
+                        <a:rPr lang="nl-BE" dirty="0"/>
+                        <a:t>	</a:t>
+                      </a:r>
+                      <a:r>
+                        <a:rPr lang="nl-BE" dirty="0" err="1"/>
+                        <a:t>const</a:t>
+                      </a:r>
+                      <a:r>
+                        <a:rPr lang="nl-BE" dirty="0"/>
+                        <a:t> teller = 1;</a:t>
+                      </a:r>
+                    </a:p>
+                    <a:p>
+                      <a:r>
+                        <a:rPr lang="nl-BE" dirty="0"/>
+                        <a:t>	alert(teller);</a:t>
+                      </a:r>
+                    </a:p>
+                    <a:p>
+                      <a:r>
+                        <a:rPr lang="nl-BE" dirty="0"/>
+                        <a:t>}</a:t>
+                      </a:r>
+                    </a:p>
+                    <a:p>
+                      <a:r>
+                        <a:rPr lang="nl-BE" dirty="0"/>
+                        <a:t>alert(teller);</a:t>
+                      </a:r>
+                    </a:p>
+                    <a:p>
+                      <a:endParaRPr lang="nl-BE" dirty="0"/>
+                    </a:p>
+                    <a:p>
+                      <a:r>
+                        <a:rPr lang="nl-BE" dirty="0" err="1"/>
+                        <a:t>if</a:t>
+                      </a:r>
+                      <a:r>
+                        <a:rPr lang="nl-BE" dirty="0"/>
+                        <a:t>(</a:t>
+                      </a:r>
+                      <a:r>
+                        <a:rPr lang="nl-BE" dirty="0" err="1"/>
+                        <a:t>true</a:t>
+                      </a:r>
+                      <a:r>
+                        <a:rPr lang="nl-BE" dirty="0"/>
+                        <a:t>){</a:t>
+                      </a:r>
+                    </a:p>
+                    <a:p>
+                      <a:r>
+                        <a:rPr lang="nl-BE" dirty="0"/>
+                        <a:t>	teller = 2;</a:t>
+                      </a:r>
+                    </a:p>
+                    <a:p>
+                      <a:r>
+                        <a:rPr lang="nl-BE" dirty="0"/>
+                        <a:t>	&gt;&gt;&gt; </a:t>
+                      </a:r>
+                      <a:r>
+                        <a:rPr lang="nl-BE" dirty="0" err="1"/>
+                        <a:t>TypeError</a:t>
+                      </a:r>
+                      <a:endParaRPr lang="nl-BE" dirty="0"/>
+                    </a:p>
+                    <a:p>
+                      <a:r>
+                        <a:rPr lang="nl-BE" dirty="0"/>
+                        <a:t>}</a:t>
+                      </a:r>
+                    </a:p>
+                    <a:p>
+                      <a:r>
+                        <a:rPr lang="nl-BE" dirty="0"/>
+                        <a:t>alert(teller);</a:t>
+                      </a:r>
+                    </a:p>
+                    <a:p>
+                      <a:endParaRPr lang="nl-BE" dirty="0"/>
+                    </a:p>
+                    <a:p>
+                      <a:r>
+                        <a:rPr lang="nl-BE" dirty="0"/>
+                        <a:t>&gt;&gt;&gt; 1</a:t>
+                      </a:r>
+                    </a:p>
+                    <a:p>
+                      <a:r>
+                        <a:rPr lang="nl-BE" dirty="0"/>
+                        <a:t>&gt;&gt;&gt; 0</a:t>
+                      </a:r>
+                    </a:p>
+                  </a:txBody>
+                  <a:tcPr anchor="ctr"/>
+                </a:tc>
+                <a:extLst>
+                  <a:ext uri="{0D108BD9-81ED-4DB2-BD59-A6C34878D82A}">
+                    <a16:rowId xmlns:a16="http://schemas.microsoft.com/office/drawing/2014/main" val="392014642"/>
+                  </a:ext>
+                </a:extLst>
+              </a:tr>
+            </a:tbl>
+          </a:graphicData>
+        </a:graphic>
+      </p:graphicFrame>
+    </p:spTree>
+    <p:extLst>
+      <p:ext uri="{BB962C8B-B14F-4D97-AF65-F5344CB8AC3E}">
+        <p14:creationId xmlns:p14="http://schemas.microsoft.com/office/powerpoint/2010/main" val="243943783"/>
+      </p:ext>
+    </p:extLst>
+  </p:cSld>
+  <p:clrMapOvr>
+    <a:masterClrMapping/>
+  </p:clrMapOvr>
+</p:sld>
+</file>
+
+<file path=ppt/slides/slide46.xml><?xml version="1.0" encoding="utf-8"?>
 <p:sld xmlns:a="http://schemas.openxmlformats.org/drawingml/2006/main" xmlns:r="http://schemas.openxmlformats.org/officeDocument/2006/relationships" xmlns:p="http://schemas.openxmlformats.org/presentationml/2006/main">
   <p:cSld>
     <p:spTree>
@@ -11846,7 +17795,7 @@
 </p:sld>
 </file>
 
-<file path=ppt/slides/slide37.xml><?xml version="1.0" encoding="utf-8"?>
+<file path=ppt/slides/slide47.xml><?xml version="1.0" encoding="utf-8"?>
 <p:sld xmlns:a="http://schemas.openxmlformats.org/drawingml/2006/main" xmlns:r="http://schemas.openxmlformats.org/officeDocument/2006/relationships" xmlns:p="http://schemas.openxmlformats.org/presentationml/2006/main">
   <p:cSld>
     <p:spTree>
@@ -12203,7 +18152,7 @@
 </p:sld>
 </file>
 
-<file path=ppt/slides/slide38.xml><?xml version="1.0" encoding="utf-8"?>
+<file path=ppt/slides/slide48.xml><?xml version="1.0" encoding="utf-8"?>
 <p:sld xmlns:a="http://schemas.openxmlformats.org/drawingml/2006/main" xmlns:r="http://schemas.openxmlformats.org/officeDocument/2006/relationships" xmlns:p="http://schemas.openxmlformats.org/presentationml/2006/main">
   <p:cSld>
     <p:spTree>
@@ -12360,7 +18309,7 @@
 </p:sld>
 </file>
 
-<file path=ppt/slides/slide39.xml><?xml version="1.0" encoding="utf-8"?>
+<file path=ppt/slides/slide49.xml><?xml version="1.0" encoding="utf-8"?>
 <p:sld xmlns:a="http://schemas.openxmlformats.org/drawingml/2006/main" xmlns:r="http://schemas.openxmlformats.org/officeDocument/2006/relationships" xmlns:p="http://schemas.openxmlformats.org/presentationml/2006/main">
   <p:cSld>
     <p:spTree>
@@ -12862,1488 +18811,6 @@
     <p:extLst>
       <p:ext uri="{BB962C8B-B14F-4D97-AF65-F5344CB8AC3E}">
         <p14:creationId xmlns:p14="http://schemas.microsoft.com/office/powerpoint/2010/main" val="1472645518"/>
-      </p:ext>
-    </p:extLst>
-  </p:cSld>
-  <p:clrMapOvr>
-    <a:masterClrMapping/>
-  </p:clrMapOvr>
-</p:sld>
-</file>
-
-<file path=ppt/slides/slide4.xml><?xml version="1.0" encoding="utf-8"?>
-<p:sld xmlns:a="http://schemas.openxmlformats.org/drawingml/2006/main" xmlns:r="http://schemas.openxmlformats.org/officeDocument/2006/relationships" xmlns:p="http://schemas.openxmlformats.org/presentationml/2006/main">
-  <p:cSld>
-    <p:spTree>
-      <p:nvGrpSpPr>
-        <p:cNvPr id="1" name=""/>
-        <p:cNvGrpSpPr/>
-        <p:nvPr/>
-      </p:nvGrpSpPr>
-      <p:grpSpPr>
-        <a:xfrm>
-          <a:off x="0" y="0"/>
-          <a:ext cx="0" cy="0"/>
-          <a:chOff x="0" y="0"/>
-          <a:chExt cx="0" cy="0"/>
-        </a:xfrm>
-      </p:grpSpPr>
-      <p:sp>
-        <p:nvSpPr>
-          <p:cNvPr id="2" name="Titel 1">
-            <a:extLst>
-              <a:ext uri="{FF2B5EF4-FFF2-40B4-BE49-F238E27FC236}">
-                <a16:creationId xmlns:a16="http://schemas.microsoft.com/office/drawing/2014/main" id="{2BB1E6A4-5878-ABC6-CF28-9D4F22D5D0F9}"/>
-              </a:ext>
-            </a:extLst>
-          </p:cNvPr>
-          <p:cNvSpPr>
-            <a:spLocks noGrp="1"/>
-          </p:cNvSpPr>
-          <p:nvPr>
-            <p:ph type="title"/>
-          </p:nvPr>
-        </p:nvSpPr>
-        <p:spPr/>
-        <p:txBody>
-          <a:bodyPr/>
-          <a:lstStyle/>
-          <a:p>
-            <a:r>
-              <a:rPr lang="nl-BE"/>
-              <a:t>Voorbeeld tags</a:t>
-            </a:r>
-            <a:endParaRPr lang="nl-BE" dirty="0"/>
-          </a:p>
-        </p:txBody>
-      </p:sp>
-      <p:sp>
-        <p:nvSpPr>
-          <p:cNvPr id="3" name="Tijdelijke aanduiding voor inhoud 2">
-            <a:extLst>
-              <a:ext uri="{FF2B5EF4-FFF2-40B4-BE49-F238E27FC236}">
-                <a16:creationId xmlns:a16="http://schemas.microsoft.com/office/drawing/2014/main" id="{14E30992-0552-6EE1-285A-D6856DE1FDD2}"/>
-              </a:ext>
-            </a:extLst>
-          </p:cNvPr>
-          <p:cNvSpPr>
-            <a:spLocks noGrp="1"/>
-          </p:cNvSpPr>
-          <p:nvPr>
-            <p:ph idx="1"/>
-          </p:nvPr>
-        </p:nvSpPr>
-        <p:spPr/>
-        <p:txBody>
-          <a:bodyPr/>
-          <a:lstStyle/>
-          <a:p>
-            <a:pPr marL="0" indent="0">
-              <a:buNone/>
-            </a:pPr>
-            <a:r>
-              <a:rPr lang="nl-BE" dirty="0"/>
-              <a:t>&lt;tag&gt;</a:t>
-            </a:r>
-          </a:p>
-          <a:p>
-            <a:pPr marL="0" indent="0">
-              <a:buNone/>
-            </a:pPr>
-            <a:r>
-              <a:rPr lang="nl-BE" dirty="0"/>
-              <a:t>	&lt;</a:t>
-            </a:r>
-            <a:r>
-              <a:rPr lang="nl-BE" dirty="0" err="1"/>
-              <a:t>geneste_tag</a:t>
-            </a:r>
-            <a:r>
-              <a:rPr lang="nl-BE" dirty="0"/>
-              <a:t>&gt;</a:t>
-            </a:r>
-          </a:p>
-          <a:p>
-            <a:pPr marL="0" indent="0">
-              <a:buNone/>
-            </a:pPr>
-            <a:r>
-              <a:rPr lang="nl-BE" dirty="0"/>
-              <a:t>		&lt;</a:t>
-            </a:r>
-            <a:r>
-              <a:rPr lang="nl-BE" dirty="0" err="1"/>
-              <a:t>nog_genest</a:t>
-            </a:r>
-            <a:r>
-              <a:rPr lang="nl-BE" dirty="0"/>
-              <a:t>/&gt;</a:t>
-            </a:r>
-          </a:p>
-          <a:p>
-            <a:pPr marL="0" indent="0">
-              <a:buNone/>
-            </a:pPr>
-            <a:r>
-              <a:rPr lang="nl-BE" dirty="0"/>
-              <a:t>		&lt;</a:t>
-            </a:r>
-            <a:r>
-              <a:rPr lang="nl-BE" dirty="0" err="1"/>
-              <a:t>nog_</a:t>
-            </a:r>
-            <a:r>
-              <a:rPr lang="nl-BE" err="1"/>
-              <a:t>genest</a:t>
-            </a:r>
-            <a:r>
-              <a:rPr lang="nl-BE"/>
-              <a:t>&gt; &lt;/</a:t>
-            </a:r>
-            <a:r>
-              <a:rPr lang="nl-BE" dirty="0" err="1"/>
-              <a:t>nog_genest</a:t>
-            </a:r>
-            <a:r>
-              <a:rPr lang="nl-BE" dirty="0"/>
-              <a:t>&gt;</a:t>
-            </a:r>
-          </a:p>
-          <a:p>
-            <a:pPr marL="0" indent="0">
-              <a:buNone/>
-            </a:pPr>
-            <a:r>
-              <a:rPr lang="nl-BE" dirty="0"/>
-              <a:t>	&lt;/</a:t>
-            </a:r>
-            <a:r>
-              <a:rPr lang="nl-BE" dirty="0" err="1"/>
-              <a:t>geneste_tag</a:t>
-            </a:r>
-            <a:r>
-              <a:rPr lang="nl-BE" dirty="0"/>
-              <a:t>&gt;</a:t>
-            </a:r>
-          </a:p>
-          <a:p>
-            <a:pPr marL="0" indent="0">
-              <a:buNone/>
-            </a:pPr>
-            <a:r>
-              <a:rPr lang="nl-BE" dirty="0"/>
-              <a:t>	&lt;</a:t>
-            </a:r>
-            <a:r>
-              <a:rPr lang="nl-BE" dirty="0" err="1"/>
-              <a:t>geneste_tag</a:t>
-            </a:r>
-            <a:r>
-              <a:rPr lang="nl-BE" dirty="0"/>
-              <a:t>&gt;</a:t>
-            </a:r>
-          </a:p>
-          <a:p>
-            <a:pPr marL="0" indent="0">
-              <a:buNone/>
-            </a:pPr>
-            <a:r>
-              <a:rPr lang="nl-BE" dirty="0"/>
-              <a:t>	&lt;/</a:t>
-            </a:r>
-            <a:r>
-              <a:rPr lang="nl-BE" dirty="0" err="1"/>
-              <a:t>geneste_tag</a:t>
-            </a:r>
-            <a:r>
-              <a:rPr lang="nl-BE" dirty="0"/>
-              <a:t>&gt;</a:t>
-            </a:r>
-          </a:p>
-          <a:p>
-            <a:pPr marL="0" indent="0">
-              <a:buNone/>
-            </a:pPr>
-            <a:r>
-              <a:rPr lang="nl-BE" dirty="0"/>
-              <a:t>&lt;/tag&gt;</a:t>
-            </a:r>
-          </a:p>
-        </p:txBody>
-      </p:sp>
-    </p:spTree>
-    <p:extLst>
-      <p:ext uri="{BB962C8B-B14F-4D97-AF65-F5344CB8AC3E}">
-        <p14:creationId xmlns:p14="http://schemas.microsoft.com/office/powerpoint/2010/main" val="742375433"/>
-      </p:ext>
-    </p:extLst>
-  </p:cSld>
-  <p:clrMapOvr>
-    <a:masterClrMapping/>
-  </p:clrMapOvr>
-</p:sld>
-</file>
-
-<file path=ppt/slides/slide40.xml><?xml version="1.0" encoding="utf-8"?>
-<p:sld xmlns:a="http://schemas.openxmlformats.org/drawingml/2006/main" xmlns:r="http://schemas.openxmlformats.org/officeDocument/2006/relationships" xmlns:p="http://schemas.openxmlformats.org/presentationml/2006/main">
-  <p:cSld>
-    <p:spTree>
-      <p:nvGrpSpPr>
-        <p:cNvPr id="1" name=""/>
-        <p:cNvGrpSpPr/>
-        <p:nvPr/>
-      </p:nvGrpSpPr>
-      <p:grpSpPr>
-        <a:xfrm>
-          <a:off x="0" y="0"/>
-          <a:ext cx="0" cy="0"/>
-          <a:chOff x="0" y="0"/>
-          <a:chExt cx="0" cy="0"/>
-        </a:xfrm>
-      </p:grpSpPr>
-      <p:sp>
-        <p:nvSpPr>
-          <p:cNvPr id="2" name="Titel 1">
-            <a:extLst>
-              <a:ext uri="{FF2B5EF4-FFF2-40B4-BE49-F238E27FC236}">
-                <a16:creationId xmlns:a16="http://schemas.microsoft.com/office/drawing/2014/main" id="{4DAFA998-36CE-8805-ADFD-BDC91B66C5F1}"/>
-              </a:ext>
-            </a:extLst>
-          </p:cNvPr>
-          <p:cNvSpPr>
-            <a:spLocks noGrp="1"/>
-          </p:cNvSpPr>
-          <p:nvPr>
-            <p:ph type="title"/>
-          </p:nvPr>
-        </p:nvSpPr>
-        <p:spPr/>
-        <p:txBody>
-          <a:bodyPr/>
-          <a:lstStyle/>
-          <a:p>
-            <a:r>
-              <a:rPr lang="nl-BE" dirty="0"/>
-              <a:t>Uitlezen attributen</a:t>
-            </a:r>
-          </a:p>
-        </p:txBody>
-      </p:sp>
-      <p:sp>
-        <p:nvSpPr>
-          <p:cNvPr id="3" name="Tijdelijke aanduiding voor inhoud 2">
-            <a:extLst>
-              <a:ext uri="{FF2B5EF4-FFF2-40B4-BE49-F238E27FC236}">
-                <a16:creationId xmlns:a16="http://schemas.microsoft.com/office/drawing/2014/main" id="{C836F053-5EF6-11BF-9078-583F9ADCB9CA}"/>
-              </a:ext>
-            </a:extLst>
-          </p:cNvPr>
-          <p:cNvSpPr>
-            <a:spLocks noGrp="1"/>
-          </p:cNvSpPr>
-          <p:nvPr>
-            <p:ph idx="1"/>
-          </p:nvPr>
-        </p:nvSpPr>
-        <p:spPr/>
-        <p:txBody>
-          <a:bodyPr/>
-          <a:lstStyle/>
-          <a:p>
-            <a:r>
-              <a:rPr lang="nl-BE" i="1" dirty="0" err="1"/>
-              <a:t>element.attribuut</a:t>
-            </a:r>
-            <a:r>
-              <a:rPr lang="nl-BE" i="1" dirty="0"/>
-              <a:t>								</a:t>
-            </a:r>
-            <a:r>
-              <a:rPr lang="nl-BE" dirty="0"/>
-              <a:t>Bv. p1.id</a:t>
-            </a:r>
-          </a:p>
-          <a:p>
-            <a:endParaRPr lang="nl-BE" dirty="0"/>
-          </a:p>
-          <a:p>
-            <a:endParaRPr lang="nl-BE" dirty="0"/>
-          </a:p>
-          <a:p>
-            <a:r>
-              <a:rPr lang="nl-BE" i="1" dirty="0" err="1"/>
-              <a:t>element.getAttribute</a:t>
-            </a:r>
-            <a:r>
-              <a:rPr lang="nl-BE" i="1" dirty="0"/>
-              <a:t>("naam attribuut").</a:t>
-            </a:r>
-            <a:r>
-              <a:rPr lang="nl-BE" i="1" dirty="0" err="1"/>
-              <a:t>valueOf</a:t>
-            </a:r>
-            <a:r>
-              <a:rPr lang="nl-BE" i="1" dirty="0"/>
-              <a:t>()		</a:t>
-            </a:r>
-            <a:r>
-              <a:rPr lang="nl-BE" dirty="0"/>
-              <a:t>Bv. p1.getAttribute("data-waarde").</a:t>
-            </a:r>
-            <a:r>
-              <a:rPr lang="nl-BE" dirty="0" err="1"/>
-              <a:t>valueOf</a:t>
-            </a:r>
-            <a:r>
-              <a:rPr lang="nl-BE" dirty="0"/>
-              <a:t>()</a:t>
-            </a:r>
-            <a:endParaRPr lang="nl-BE" i="1" dirty="0"/>
-          </a:p>
-        </p:txBody>
-      </p:sp>
-    </p:spTree>
-    <p:extLst>
-      <p:ext uri="{BB962C8B-B14F-4D97-AF65-F5344CB8AC3E}">
-        <p14:creationId xmlns:p14="http://schemas.microsoft.com/office/powerpoint/2010/main" val="1547160706"/>
-      </p:ext>
-    </p:extLst>
-  </p:cSld>
-  <p:clrMapOvr>
-    <a:masterClrMapping/>
-  </p:clrMapOvr>
-</p:sld>
-</file>
-
-<file path=ppt/slides/slide41.xml><?xml version="1.0" encoding="utf-8"?>
-<p:sld xmlns:a="http://schemas.openxmlformats.org/drawingml/2006/main" xmlns:r="http://schemas.openxmlformats.org/officeDocument/2006/relationships" xmlns:p="http://schemas.openxmlformats.org/presentationml/2006/main">
-  <p:cSld>
-    <p:spTree>
-      <p:nvGrpSpPr>
-        <p:cNvPr id="1" name=""/>
-        <p:cNvGrpSpPr/>
-        <p:nvPr/>
-      </p:nvGrpSpPr>
-      <p:grpSpPr>
-        <a:xfrm>
-          <a:off x="0" y="0"/>
-          <a:ext cx="0" cy="0"/>
-          <a:chOff x="0" y="0"/>
-          <a:chExt cx="0" cy="0"/>
-        </a:xfrm>
-      </p:grpSpPr>
-      <p:sp>
-        <p:nvSpPr>
-          <p:cNvPr id="2" name="Titel 1">
-            <a:extLst>
-              <a:ext uri="{FF2B5EF4-FFF2-40B4-BE49-F238E27FC236}">
-                <a16:creationId xmlns:a16="http://schemas.microsoft.com/office/drawing/2014/main" id="{2E18B115-CFB0-DAA2-6213-76EED52452CA}"/>
-              </a:ext>
-            </a:extLst>
-          </p:cNvPr>
-          <p:cNvSpPr>
-            <a:spLocks noGrp="1"/>
-          </p:cNvSpPr>
-          <p:nvPr>
-            <p:ph type="title"/>
-          </p:nvPr>
-        </p:nvSpPr>
-        <p:spPr/>
-        <p:txBody>
-          <a:bodyPr/>
-          <a:lstStyle/>
-          <a:p>
-            <a:r>
-              <a:rPr lang="nl-BE" dirty="0"/>
-              <a:t>Eigenschappen van elementen</a:t>
-            </a:r>
-          </a:p>
-        </p:txBody>
-      </p:sp>
-      <p:sp>
-        <p:nvSpPr>
-          <p:cNvPr id="3" name="Tijdelijke aanduiding voor inhoud 2">
-            <a:extLst>
-              <a:ext uri="{FF2B5EF4-FFF2-40B4-BE49-F238E27FC236}">
-                <a16:creationId xmlns:a16="http://schemas.microsoft.com/office/drawing/2014/main" id="{8AA2CD61-9F66-24DD-D34D-6E56967FEEAA}"/>
-              </a:ext>
-            </a:extLst>
-          </p:cNvPr>
-          <p:cNvSpPr>
-            <a:spLocks noGrp="1"/>
-          </p:cNvSpPr>
-          <p:nvPr>
-            <p:ph idx="1"/>
-          </p:nvPr>
-        </p:nvSpPr>
-        <p:spPr/>
-        <p:txBody>
-          <a:bodyPr/>
-          <a:lstStyle/>
-          <a:p>
-            <a:r>
-              <a:rPr lang="nl-BE" dirty="0" err="1"/>
-              <a:t>tagName</a:t>
-            </a:r>
-            <a:r>
-              <a:rPr lang="nl-BE" dirty="0"/>
-              <a:t>: naam van de tag (bv. p, div, h1, h2, …)</a:t>
-            </a:r>
-          </a:p>
-          <a:p>
-            <a:pPr marL="0" indent="0">
-              <a:buNone/>
-            </a:pPr>
-            <a:endParaRPr lang="nl-BE" dirty="0"/>
-          </a:p>
-          <a:p>
-            <a:r>
-              <a:rPr lang="nl-BE" dirty="0" err="1"/>
-              <a:t>parent</a:t>
-            </a:r>
-            <a:r>
-              <a:rPr lang="nl-BE" dirty="0"/>
-              <a:t>: de bovenliggende tag. (Bv. bij &lt;p&gt;&lt;b&gt;Hallo&lt;/b&gt;&lt;p&gt; is de p-tag de </a:t>
-            </a:r>
-            <a:r>
-              <a:rPr lang="nl-BE" dirty="0" err="1"/>
-              <a:t>parent</a:t>
-            </a:r>
-            <a:r>
-              <a:rPr lang="nl-BE" dirty="0"/>
-              <a:t> van de b-tag)</a:t>
-            </a:r>
-          </a:p>
-          <a:p>
-            <a:pPr marL="0" indent="0">
-              <a:buNone/>
-            </a:pPr>
-            <a:endParaRPr lang="nl-BE" dirty="0"/>
-          </a:p>
-          <a:p>
-            <a:r>
-              <a:rPr lang="nl-BE" dirty="0" err="1"/>
-              <a:t>Children</a:t>
-            </a:r>
-            <a:r>
-              <a:rPr lang="nl-BE" dirty="0"/>
-              <a:t>: de </a:t>
-            </a:r>
-            <a:r>
-              <a:rPr lang="nl-BE" dirty="0" err="1"/>
-              <a:t>onderloggende</a:t>
-            </a:r>
-            <a:r>
-              <a:rPr lang="nl-BE" dirty="0"/>
-              <a:t> tags.</a:t>
-            </a:r>
-          </a:p>
-        </p:txBody>
-      </p:sp>
-    </p:spTree>
-    <p:extLst>
-      <p:ext uri="{BB962C8B-B14F-4D97-AF65-F5344CB8AC3E}">
-        <p14:creationId xmlns:p14="http://schemas.microsoft.com/office/powerpoint/2010/main" val="4286566524"/>
-      </p:ext>
-    </p:extLst>
-  </p:cSld>
-  <p:clrMapOvr>
-    <a:masterClrMapping/>
-  </p:clrMapOvr>
-</p:sld>
-</file>
-
-<file path=ppt/slides/slide42.xml><?xml version="1.0" encoding="utf-8"?>
-<p:sld xmlns:a="http://schemas.openxmlformats.org/drawingml/2006/main" xmlns:r="http://schemas.openxmlformats.org/officeDocument/2006/relationships" xmlns:p="http://schemas.openxmlformats.org/presentationml/2006/main">
-  <p:cSld>
-    <p:spTree>
-      <p:nvGrpSpPr>
-        <p:cNvPr id="1" name=""/>
-        <p:cNvGrpSpPr/>
-        <p:nvPr/>
-      </p:nvGrpSpPr>
-      <p:grpSpPr>
-        <a:xfrm>
-          <a:off x="0" y="0"/>
-          <a:ext cx="0" cy="0"/>
-          <a:chOff x="0" y="0"/>
-          <a:chExt cx="0" cy="0"/>
-        </a:xfrm>
-      </p:grpSpPr>
-      <p:sp>
-        <p:nvSpPr>
-          <p:cNvPr id="2" name="Titel 1">
-            <a:extLst>
-              <a:ext uri="{FF2B5EF4-FFF2-40B4-BE49-F238E27FC236}">
-                <a16:creationId xmlns:a16="http://schemas.microsoft.com/office/drawing/2014/main" id="{21C867F1-C0E5-3584-41C3-689AD76D07BB}"/>
-              </a:ext>
-            </a:extLst>
-          </p:cNvPr>
-          <p:cNvSpPr>
-            <a:spLocks noGrp="1"/>
-          </p:cNvSpPr>
-          <p:nvPr>
-            <p:ph type="title"/>
-          </p:nvPr>
-        </p:nvSpPr>
-        <p:spPr/>
-        <p:txBody>
-          <a:bodyPr/>
-          <a:lstStyle/>
-          <a:p>
-            <a:r>
-              <a:rPr lang="nl-BE" dirty="0"/>
-              <a:t>Elementen overlopen (m.b.v. </a:t>
-            </a:r>
-            <a:r>
-              <a:rPr lang="nl-BE" dirty="0" err="1"/>
-              <a:t>for</a:t>
-            </a:r>
-            <a:r>
-              <a:rPr lang="nl-BE" dirty="0"/>
-              <a:t>-lus)</a:t>
-            </a:r>
-          </a:p>
-        </p:txBody>
-      </p:sp>
-      <p:sp>
-        <p:nvSpPr>
-          <p:cNvPr id="7" name="Tekstvak 6">
-            <a:extLst>
-              <a:ext uri="{FF2B5EF4-FFF2-40B4-BE49-F238E27FC236}">
-                <a16:creationId xmlns:a16="http://schemas.microsoft.com/office/drawing/2014/main" id="{B6B14811-0897-2F82-5CFC-B62CA2E6C8C2}"/>
-              </a:ext>
-            </a:extLst>
-          </p:cNvPr>
-          <p:cNvSpPr txBox="1"/>
-          <p:nvPr/>
-        </p:nvSpPr>
-        <p:spPr>
-          <a:xfrm>
-            <a:off x="1811867" y="3429000"/>
-            <a:ext cx="8331200" cy="1363578"/>
-          </a:xfrm>
-          <a:prstGeom prst="rect">
-            <a:avLst/>
-          </a:prstGeom>
-          <a:noFill/>
-        </p:spPr>
-        <p:txBody>
-          <a:bodyPr wrap="square">
-            <a:spAutoFit/>
-          </a:bodyPr>
-          <a:lstStyle/>
-          <a:p>
-            <a:pPr>
-              <a:lnSpc>
-                <a:spcPts val="1425"/>
-              </a:lnSpc>
-              <a:buNone/>
-            </a:pPr>
-            <a:r>
-              <a:rPr lang="nl-BE" b="0" dirty="0">
-                <a:solidFill>
-                  <a:srgbClr val="0000FF"/>
-                </a:solidFill>
-                <a:effectLst/>
-                <a:latin typeface="Consolas" panose="020B0609020204030204" pitchFamily="49" charset="0"/>
-              </a:rPr>
-              <a:t>let</a:t>
-            </a:r>
-            <a:r>
-              <a:rPr lang="nl-BE" b="0" dirty="0">
-                <a:solidFill>
-                  <a:srgbClr val="000000"/>
-                </a:solidFill>
-                <a:effectLst/>
-                <a:latin typeface="Consolas" panose="020B0609020204030204" pitchFamily="49" charset="0"/>
-              </a:rPr>
-              <a:t> elementen = </a:t>
-            </a:r>
-            <a:r>
-              <a:rPr lang="nl-BE" b="0" dirty="0" err="1">
-                <a:solidFill>
-                  <a:srgbClr val="000000"/>
-                </a:solidFill>
-                <a:effectLst/>
-                <a:latin typeface="Consolas" panose="020B0609020204030204" pitchFamily="49" charset="0"/>
-              </a:rPr>
-              <a:t>document.getElementsByClassName</a:t>
-            </a:r>
-            <a:r>
-              <a:rPr lang="nl-BE" b="0" dirty="0">
-                <a:solidFill>
-                  <a:srgbClr val="000000"/>
-                </a:solidFill>
-                <a:effectLst/>
-                <a:latin typeface="Consolas" panose="020B0609020204030204" pitchFamily="49" charset="0"/>
-              </a:rPr>
-              <a:t>(</a:t>
-            </a:r>
-            <a:r>
-              <a:rPr lang="nl-BE" b="0" dirty="0">
-                <a:solidFill>
-                  <a:srgbClr val="A31515"/>
-                </a:solidFill>
-                <a:effectLst/>
-                <a:latin typeface="Consolas" panose="020B0609020204030204" pitchFamily="49" charset="0"/>
-              </a:rPr>
-              <a:t>"abc"</a:t>
-            </a:r>
-            <a:r>
-              <a:rPr lang="nl-BE" b="0" dirty="0">
-                <a:solidFill>
-                  <a:srgbClr val="000000"/>
-                </a:solidFill>
-                <a:effectLst/>
-                <a:latin typeface="Consolas" panose="020B0609020204030204" pitchFamily="49" charset="0"/>
-              </a:rPr>
-              <a:t>);</a:t>
-            </a:r>
-          </a:p>
-          <a:p>
-            <a:pPr>
-              <a:lnSpc>
-                <a:spcPts val="1425"/>
-              </a:lnSpc>
-              <a:buNone/>
-            </a:pPr>
-            <a:r>
-              <a:rPr lang="nl-BE" b="0" dirty="0">
-                <a:solidFill>
-                  <a:srgbClr val="000000"/>
-                </a:solidFill>
-                <a:effectLst/>
-                <a:latin typeface="Consolas" panose="020B0609020204030204" pitchFamily="49" charset="0"/>
-              </a:rPr>
-              <a:t>    </a:t>
-            </a:r>
-          </a:p>
-          <a:p>
-            <a:pPr>
-              <a:lnSpc>
-                <a:spcPts val="1425"/>
-              </a:lnSpc>
-              <a:buNone/>
-            </a:pPr>
-            <a:r>
-              <a:rPr lang="nl-BE" b="0" dirty="0" err="1">
-                <a:solidFill>
-                  <a:srgbClr val="0000FF"/>
-                </a:solidFill>
-                <a:effectLst/>
-                <a:latin typeface="Consolas" panose="020B0609020204030204" pitchFamily="49" charset="0"/>
-              </a:rPr>
-              <a:t>for</a:t>
-            </a:r>
-            <a:r>
-              <a:rPr lang="nl-BE" b="0" dirty="0">
-                <a:solidFill>
-                  <a:srgbClr val="000000"/>
-                </a:solidFill>
-                <a:effectLst/>
-                <a:latin typeface="Consolas" panose="020B0609020204030204" pitchFamily="49" charset="0"/>
-              </a:rPr>
-              <a:t>(</a:t>
-            </a:r>
-            <a:r>
-              <a:rPr lang="nl-BE" b="0" dirty="0">
-                <a:solidFill>
-                  <a:srgbClr val="0000FF"/>
-                </a:solidFill>
-                <a:effectLst/>
-                <a:latin typeface="Consolas" panose="020B0609020204030204" pitchFamily="49" charset="0"/>
-              </a:rPr>
-              <a:t>let</a:t>
-            </a:r>
-            <a:r>
-              <a:rPr lang="nl-BE" b="0" dirty="0">
-                <a:solidFill>
-                  <a:srgbClr val="000000"/>
-                </a:solidFill>
-                <a:effectLst/>
-                <a:latin typeface="Consolas" panose="020B0609020204030204" pitchFamily="49" charset="0"/>
-              </a:rPr>
-              <a:t> i = </a:t>
-            </a:r>
-            <a:r>
-              <a:rPr lang="nl-BE" b="0" dirty="0">
-                <a:solidFill>
-                  <a:srgbClr val="098658"/>
-                </a:solidFill>
-                <a:effectLst/>
-                <a:latin typeface="Consolas" panose="020B0609020204030204" pitchFamily="49" charset="0"/>
-              </a:rPr>
-              <a:t>0</a:t>
-            </a:r>
-            <a:r>
-              <a:rPr lang="nl-BE" b="0" dirty="0">
-                <a:solidFill>
-                  <a:srgbClr val="000000"/>
-                </a:solidFill>
-                <a:effectLst/>
-                <a:latin typeface="Consolas" panose="020B0609020204030204" pitchFamily="49" charset="0"/>
-              </a:rPr>
-              <a:t>; i &lt; </a:t>
-            </a:r>
-            <a:r>
-              <a:rPr lang="nl-BE" b="0" dirty="0" err="1">
-                <a:solidFill>
-                  <a:srgbClr val="000000"/>
-                </a:solidFill>
-                <a:effectLst/>
-                <a:latin typeface="Consolas" panose="020B0609020204030204" pitchFamily="49" charset="0"/>
-              </a:rPr>
-              <a:t>elementen.length</a:t>
-            </a:r>
-            <a:r>
-              <a:rPr lang="nl-BE" b="0" dirty="0">
-                <a:solidFill>
-                  <a:srgbClr val="000000"/>
-                </a:solidFill>
-                <a:effectLst/>
-                <a:latin typeface="Consolas" panose="020B0609020204030204" pitchFamily="49" charset="0"/>
-              </a:rPr>
-              <a:t>; i++){</a:t>
-            </a:r>
-          </a:p>
-          <a:p>
-            <a:pPr>
-              <a:lnSpc>
-                <a:spcPts val="1425"/>
-              </a:lnSpc>
-              <a:buNone/>
-            </a:pPr>
-            <a:r>
-              <a:rPr lang="nl-BE" dirty="0">
-                <a:solidFill>
-                  <a:srgbClr val="000000"/>
-                </a:solidFill>
-                <a:latin typeface="Consolas" panose="020B0609020204030204" pitchFamily="49" charset="0"/>
-              </a:rPr>
-              <a:t>	</a:t>
-            </a:r>
-          </a:p>
-          <a:p>
-            <a:pPr>
-              <a:lnSpc>
-                <a:spcPts val="1425"/>
-              </a:lnSpc>
-              <a:buNone/>
-            </a:pPr>
-            <a:r>
-              <a:rPr lang="nl-BE" b="0" dirty="0">
-                <a:solidFill>
-                  <a:srgbClr val="000000"/>
-                </a:solidFill>
-                <a:effectLst/>
-                <a:latin typeface="Consolas" panose="020B0609020204030204" pitchFamily="49" charset="0"/>
-              </a:rPr>
-              <a:t>	elementen[i].</a:t>
-            </a:r>
-            <a:r>
-              <a:rPr lang="nl-BE" b="0" dirty="0" err="1">
-                <a:solidFill>
-                  <a:srgbClr val="000000"/>
-                </a:solidFill>
-                <a:effectLst/>
-                <a:latin typeface="Consolas" panose="020B0609020204030204" pitchFamily="49" charset="0"/>
-              </a:rPr>
-              <a:t>setAttribute</a:t>
-            </a:r>
-            <a:r>
-              <a:rPr lang="nl-BE" b="0" dirty="0">
-                <a:solidFill>
-                  <a:srgbClr val="000000"/>
-                </a:solidFill>
-                <a:effectLst/>
-                <a:latin typeface="Consolas" panose="020B0609020204030204" pitchFamily="49" charset="0"/>
-              </a:rPr>
-              <a:t>(</a:t>
-            </a:r>
-            <a:r>
-              <a:rPr lang="nl-BE" b="0" dirty="0">
-                <a:solidFill>
-                  <a:srgbClr val="A31515"/>
-                </a:solidFill>
-                <a:effectLst/>
-                <a:latin typeface="Consolas" panose="020B0609020204030204" pitchFamily="49" charset="0"/>
-              </a:rPr>
-              <a:t>"data-waarde", "1"</a:t>
-            </a:r>
-            <a:r>
-              <a:rPr lang="nl-BE" b="0" dirty="0">
-                <a:solidFill>
-                  <a:srgbClr val="000000"/>
-                </a:solidFill>
-                <a:effectLst/>
-                <a:latin typeface="Consolas" panose="020B0609020204030204" pitchFamily="49" charset="0"/>
-              </a:rPr>
-              <a:t>);</a:t>
-            </a:r>
-          </a:p>
-          <a:p>
-            <a:pPr>
-              <a:lnSpc>
-                <a:spcPts val="1425"/>
-              </a:lnSpc>
-              <a:buNone/>
-            </a:pPr>
-            <a:endParaRPr lang="nl-BE" dirty="0">
-              <a:solidFill>
-                <a:srgbClr val="000000"/>
-              </a:solidFill>
-              <a:latin typeface="Consolas" panose="020B0609020204030204" pitchFamily="49" charset="0"/>
-            </a:endParaRPr>
-          </a:p>
-          <a:p>
-            <a:pPr>
-              <a:lnSpc>
-                <a:spcPts val="1425"/>
-              </a:lnSpc>
-              <a:buNone/>
-            </a:pPr>
-            <a:r>
-              <a:rPr lang="nl-BE" b="0" dirty="0">
-                <a:solidFill>
-                  <a:srgbClr val="000000"/>
-                </a:solidFill>
-                <a:effectLst/>
-                <a:latin typeface="Consolas" panose="020B0609020204030204" pitchFamily="49" charset="0"/>
-              </a:rPr>
-              <a:t>}</a:t>
-            </a:r>
-          </a:p>
-        </p:txBody>
-      </p:sp>
-    </p:spTree>
-    <p:extLst>
-      <p:ext uri="{BB962C8B-B14F-4D97-AF65-F5344CB8AC3E}">
-        <p14:creationId xmlns:p14="http://schemas.microsoft.com/office/powerpoint/2010/main" val="2321844891"/>
-      </p:ext>
-    </p:extLst>
-  </p:cSld>
-  <p:clrMapOvr>
-    <a:masterClrMapping/>
-  </p:clrMapOvr>
-</p:sld>
-</file>
-
-<file path=ppt/slides/slide43.xml><?xml version="1.0" encoding="utf-8"?>
-<p:sld xmlns:a="http://schemas.openxmlformats.org/drawingml/2006/main" xmlns:r="http://schemas.openxmlformats.org/officeDocument/2006/relationships" xmlns:p="http://schemas.openxmlformats.org/presentationml/2006/main">
-  <p:cSld>
-    <p:spTree>
-      <p:nvGrpSpPr>
-        <p:cNvPr id="1" name=""/>
-        <p:cNvGrpSpPr/>
-        <p:nvPr/>
-      </p:nvGrpSpPr>
-      <p:grpSpPr>
-        <a:xfrm>
-          <a:off x="0" y="0"/>
-          <a:ext cx="0" cy="0"/>
-          <a:chOff x="0" y="0"/>
-          <a:chExt cx="0" cy="0"/>
-        </a:xfrm>
-      </p:grpSpPr>
-      <p:sp>
-        <p:nvSpPr>
-          <p:cNvPr id="2" name="Titel 1">
-            <a:extLst>
-              <a:ext uri="{FF2B5EF4-FFF2-40B4-BE49-F238E27FC236}">
-                <a16:creationId xmlns:a16="http://schemas.microsoft.com/office/drawing/2014/main" id="{C252A94B-7D43-C610-5D1F-A82D2EE54D82}"/>
-              </a:ext>
-            </a:extLst>
-          </p:cNvPr>
-          <p:cNvSpPr>
-            <a:spLocks noGrp="1"/>
-          </p:cNvSpPr>
-          <p:nvPr>
-            <p:ph type="title"/>
-          </p:nvPr>
-        </p:nvSpPr>
-        <p:spPr/>
-        <p:txBody>
-          <a:bodyPr/>
-          <a:lstStyle/>
-          <a:p>
-            <a:r>
-              <a:rPr lang="nl-BE" dirty="0"/>
-              <a:t>Elementen evalueren (M.b.v. </a:t>
-            </a:r>
-            <a:r>
-              <a:rPr lang="nl-BE" dirty="0" err="1"/>
-              <a:t>if-else</a:t>
-            </a:r>
-            <a:r>
-              <a:rPr lang="nl-BE" dirty="0"/>
-              <a:t>)</a:t>
-            </a:r>
-          </a:p>
-        </p:txBody>
-      </p:sp>
-      <p:sp>
-        <p:nvSpPr>
-          <p:cNvPr id="5" name="Tekstvak 4">
-            <a:extLst>
-              <a:ext uri="{FF2B5EF4-FFF2-40B4-BE49-F238E27FC236}">
-                <a16:creationId xmlns:a16="http://schemas.microsoft.com/office/drawing/2014/main" id="{CC30B339-17E8-3DC1-5998-6C8B1D75AEDF}"/>
-              </a:ext>
-            </a:extLst>
-          </p:cNvPr>
-          <p:cNvSpPr txBox="1"/>
-          <p:nvPr/>
-        </p:nvSpPr>
-        <p:spPr>
-          <a:xfrm>
-            <a:off x="2498652" y="2705865"/>
-            <a:ext cx="8601739" cy="2261260"/>
-          </a:xfrm>
-          <a:prstGeom prst="rect">
-            <a:avLst/>
-          </a:prstGeom>
-          <a:noFill/>
-        </p:spPr>
-        <p:txBody>
-          <a:bodyPr wrap="square">
-            <a:spAutoFit/>
-          </a:bodyPr>
-          <a:lstStyle/>
-          <a:p>
-            <a:pPr>
-              <a:lnSpc>
-                <a:spcPts val="1425"/>
-              </a:lnSpc>
-              <a:buNone/>
-            </a:pPr>
-            <a:r>
-              <a:rPr lang="nl-BE" b="0" dirty="0" err="1">
-                <a:solidFill>
-                  <a:srgbClr val="0000FF"/>
-                </a:solidFill>
-                <a:effectLst/>
-                <a:latin typeface="Consolas" panose="020B0609020204030204" pitchFamily="49" charset="0"/>
-              </a:rPr>
-              <a:t>function</a:t>
-            </a:r>
-            <a:r>
-              <a:rPr lang="nl-BE" b="0" dirty="0">
-                <a:solidFill>
-                  <a:srgbClr val="000000"/>
-                </a:solidFill>
-                <a:effectLst/>
-                <a:latin typeface="Consolas" panose="020B0609020204030204" pitchFamily="49" charset="0"/>
-              </a:rPr>
-              <a:t> test(e){</a:t>
-            </a:r>
-          </a:p>
-          <a:p>
-            <a:pPr>
-              <a:lnSpc>
-                <a:spcPts val="1425"/>
-              </a:lnSpc>
-              <a:buNone/>
-            </a:pPr>
-            <a:endParaRPr lang="nl-BE" b="0" dirty="0">
-              <a:solidFill>
-                <a:srgbClr val="000000"/>
-              </a:solidFill>
-              <a:effectLst/>
-              <a:latin typeface="Consolas" panose="020B0609020204030204" pitchFamily="49" charset="0"/>
-            </a:endParaRPr>
-          </a:p>
-          <a:p>
-            <a:pPr>
-              <a:lnSpc>
-                <a:spcPts val="1425"/>
-              </a:lnSpc>
-              <a:buNone/>
-            </a:pPr>
-            <a:r>
-              <a:rPr lang="nl-BE" b="0" dirty="0">
-                <a:solidFill>
-                  <a:srgbClr val="0000FF"/>
-                </a:solidFill>
-                <a:effectLst/>
-                <a:latin typeface="Consolas" panose="020B0609020204030204" pitchFamily="49" charset="0"/>
-              </a:rPr>
-              <a:t>	let</a:t>
-            </a:r>
-            <a:r>
-              <a:rPr lang="nl-BE" b="0" dirty="0">
-                <a:solidFill>
-                  <a:srgbClr val="000000"/>
-                </a:solidFill>
-                <a:effectLst/>
-                <a:latin typeface="Consolas" panose="020B0609020204030204" pitchFamily="49" charset="0"/>
-              </a:rPr>
-              <a:t> p1 = </a:t>
-            </a:r>
-            <a:r>
-              <a:rPr lang="nl-BE" b="0" dirty="0" err="1">
-                <a:solidFill>
-                  <a:srgbClr val="000000"/>
-                </a:solidFill>
-                <a:effectLst/>
-                <a:latin typeface="Consolas" panose="020B0609020204030204" pitchFamily="49" charset="0"/>
-              </a:rPr>
-              <a:t>document.getElementById</a:t>
-            </a:r>
-            <a:r>
-              <a:rPr lang="nl-BE" b="0" dirty="0">
-                <a:solidFill>
-                  <a:srgbClr val="000000"/>
-                </a:solidFill>
-                <a:effectLst/>
-                <a:latin typeface="Consolas" panose="020B0609020204030204" pitchFamily="49" charset="0"/>
-              </a:rPr>
-              <a:t>(</a:t>
-            </a:r>
-            <a:r>
-              <a:rPr lang="nl-BE" b="0" dirty="0">
-                <a:solidFill>
-                  <a:srgbClr val="A31515"/>
-                </a:solidFill>
-                <a:effectLst/>
-                <a:latin typeface="Consolas" panose="020B0609020204030204" pitchFamily="49" charset="0"/>
-              </a:rPr>
-              <a:t>"p1"</a:t>
-            </a:r>
-            <a:r>
-              <a:rPr lang="nl-BE" b="0" dirty="0">
-                <a:solidFill>
-                  <a:srgbClr val="000000"/>
-                </a:solidFill>
-                <a:effectLst/>
-                <a:latin typeface="Consolas" panose="020B0609020204030204" pitchFamily="49" charset="0"/>
-              </a:rPr>
-              <a:t>);</a:t>
-            </a:r>
-          </a:p>
-          <a:p>
-            <a:pPr>
-              <a:lnSpc>
-                <a:spcPts val="1425"/>
-              </a:lnSpc>
-              <a:buNone/>
-            </a:pPr>
-            <a:r>
-              <a:rPr lang="nl-BE" b="0" dirty="0">
-                <a:solidFill>
-                  <a:srgbClr val="000000"/>
-                </a:solidFill>
-                <a:effectLst/>
-                <a:latin typeface="Consolas" panose="020B0609020204030204" pitchFamily="49" charset="0"/>
-              </a:rPr>
-              <a:t>    </a:t>
-            </a:r>
-          </a:p>
-          <a:p>
-            <a:pPr>
-              <a:lnSpc>
-                <a:spcPts val="1425"/>
-              </a:lnSpc>
-              <a:buNone/>
-            </a:pPr>
-            <a:r>
-              <a:rPr lang="nl-BE" dirty="0">
-                <a:solidFill>
-                  <a:srgbClr val="000000"/>
-                </a:solidFill>
-                <a:latin typeface="Consolas" panose="020B0609020204030204" pitchFamily="49" charset="0"/>
-              </a:rPr>
-              <a:t>	</a:t>
-            </a:r>
-            <a:r>
-              <a:rPr lang="nl-BE" b="0" dirty="0" err="1">
-                <a:solidFill>
-                  <a:srgbClr val="0000FF"/>
-                </a:solidFill>
-                <a:effectLst/>
-                <a:latin typeface="Consolas" panose="020B0609020204030204" pitchFamily="49" charset="0"/>
-              </a:rPr>
-              <a:t>if</a:t>
-            </a:r>
-            <a:r>
-              <a:rPr lang="nl-BE" b="0" dirty="0">
-                <a:solidFill>
-                  <a:srgbClr val="000000"/>
-                </a:solidFill>
-                <a:effectLst/>
-                <a:latin typeface="Consolas" panose="020B0609020204030204" pitchFamily="49" charset="0"/>
-              </a:rPr>
-              <a:t>(p1.getAttribute(</a:t>
-            </a:r>
-            <a:r>
-              <a:rPr lang="nl-BE" b="0" dirty="0">
-                <a:solidFill>
-                  <a:srgbClr val="A31515"/>
-                </a:solidFill>
-                <a:effectLst/>
-                <a:latin typeface="Consolas" panose="020B0609020204030204" pitchFamily="49" charset="0"/>
-              </a:rPr>
-              <a:t>"data-waarde"</a:t>
-            </a:r>
-            <a:r>
-              <a:rPr lang="nl-BE" b="0" dirty="0">
-                <a:solidFill>
-                  <a:srgbClr val="000000"/>
-                </a:solidFill>
-                <a:effectLst/>
-                <a:latin typeface="Consolas" panose="020B0609020204030204" pitchFamily="49" charset="0"/>
-              </a:rPr>
-              <a:t>).</a:t>
-            </a:r>
-            <a:r>
-              <a:rPr lang="nl-BE" b="0" dirty="0" err="1">
-                <a:solidFill>
-                  <a:srgbClr val="000000"/>
-                </a:solidFill>
-                <a:effectLst/>
-                <a:latin typeface="Consolas" panose="020B0609020204030204" pitchFamily="49" charset="0"/>
-              </a:rPr>
-              <a:t>valueOf</a:t>
-            </a:r>
-            <a:r>
-              <a:rPr lang="nl-BE" b="0" dirty="0">
-                <a:solidFill>
-                  <a:srgbClr val="000000"/>
-                </a:solidFill>
-                <a:effectLst/>
-                <a:latin typeface="Consolas" panose="020B0609020204030204" pitchFamily="49" charset="0"/>
-              </a:rPr>
-              <a:t>() == </a:t>
-            </a:r>
-            <a:r>
-              <a:rPr lang="nl-BE" b="0" dirty="0">
-                <a:solidFill>
-                  <a:srgbClr val="A31515"/>
-                </a:solidFill>
-                <a:effectLst/>
-                <a:latin typeface="Consolas" panose="020B0609020204030204" pitchFamily="49" charset="0"/>
-              </a:rPr>
-              <a:t>"A"</a:t>
-            </a:r>
-            <a:r>
-              <a:rPr lang="nl-BE" b="0" dirty="0">
-                <a:solidFill>
-                  <a:srgbClr val="000000"/>
-                </a:solidFill>
-                <a:effectLst/>
-                <a:latin typeface="Consolas" panose="020B0609020204030204" pitchFamily="49" charset="0"/>
-              </a:rPr>
-              <a:t>)</a:t>
-            </a:r>
-          </a:p>
-          <a:p>
-            <a:pPr>
-              <a:lnSpc>
-                <a:spcPts val="1425"/>
-              </a:lnSpc>
-              <a:buNone/>
-            </a:pPr>
-            <a:endParaRPr lang="nl-BE" b="0" dirty="0">
-              <a:solidFill>
-                <a:srgbClr val="000000"/>
-              </a:solidFill>
-              <a:effectLst/>
-              <a:latin typeface="Consolas" panose="020B0609020204030204" pitchFamily="49" charset="0"/>
-            </a:endParaRPr>
-          </a:p>
-          <a:p>
-            <a:pPr>
-              <a:lnSpc>
-                <a:spcPts val="1425"/>
-              </a:lnSpc>
-              <a:buNone/>
-            </a:pPr>
-            <a:r>
-              <a:rPr lang="nl-BE" dirty="0">
-                <a:solidFill>
-                  <a:srgbClr val="000000"/>
-                </a:solidFill>
-                <a:latin typeface="Consolas" panose="020B0609020204030204" pitchFamily="49" charset="0"/>
-              </a:rPr>
-              <a:t>		</a:t>
-            </a:r>
-            <a:r>
-              <a:rPr lang="nl-BE" b="0" dirty="0">
-                <a:solidFill>
-                  <a:srgbClr val="000000"/>
-                </a:solidFill>
-                <a:effectLst/>
-                <a:latin typeface="Consolas" panose="020B0609020204030204" pitchFamily="49" charset="0"/>
-              </a:rPr>
-              <a:t>p1.innerText = </a:t>
-            </a:r>
-            <a:r>
-              <a:rPr lang="nl-BE" b="0" dirty="0">
-                <a:solidFill>
-                  <a:srgbClr val="A31515"/>
-                </a:solidFill>
-                <a:effectLst/>
-                <a:latin typeface="Consolas" panose="020B0609020204030204" pitchFamily="49" charset="0"/>
-              </a:rPr>
-              <a:t>"A"</a:t>
-            </a:r>
-            <a:r>
-              <a:rPr lang="nl-BE" b="0" dirty="0">
-                <a:solidFill>
-                  <a:srgbClr val="000000"/>
-                </a:solidFill>
-                <a:effectLst/>
-                <a:latin typeface="Consolas" panose="020B0609020204030204" pitchFamily="49" charset="0"/>
-              </a:rPr>
-              <a:t>;</a:t>
-            </a:r>
-          </a:p>
-          <a:p>
-            <a:pPr>
-              <a:lnSpc>
-                <a:spcPts val="1425"/>
-              </a:lnSpc>
-              <a:buNone/>
-            </a:pPr>
-            <a:r>
-              <a:rPr lang="nl-BE" b="0" dirty="0">
-                <a:solidFill>
-                  <a:srgbClr val="000000"/>
-                </a:solidFill>
-                <a:effectLst/>
-                <a:latin typeface="Consolas" panose="020B0609020204030204" pitchFamily="49" charset="0"/>
-              </a:rPr>
-              <a:t>    </a:t>
-            </a:r>
-          </a:p>
-          <a:p>
-            <a:pPr>
-              <a:lnSpc>
-                <a:spcPts val="1425"/>
-              </a:lnSpc>
-              <a:buNone/>
-            </a:pPr>
-            <a:r>
-              <a:rPr lang="nl-BE" dirty="0">
-                <a:solidFill>
-                  <a:srgbClr val="000000"/>
-                </a:solidFill>
-                <a:latin typeface="Consolas" panose="020B0609020204030204" pitchFamily="49" charset="0"/>
-              </a:rPr>
-              <a:t>	</a:t>
-            </a:r>
-            <a:r>
-              <a:rPr lang="nl-BE" b="0" dirty="0" err="1">
-                <a:solidFill>
-                  <a:srgbClr val="0000FF"/>
-                </a:solidFill>
-                <a:effectLst/>
-                <a:latin typeface="Consolas" panose="020B0609020204030204" pitchFamily="49" charset="0"/>
-              </a:rPr>
-              <a:t>else</a:t>
-            </a:r>
-            <a:endParaRPr lang="nl-BE" b="0" dirty="0">
-              <a:solidFill>
-                <a:srgbClr val="000000"/>
-              </a:solidFill>
-              <a:effectLst/>
-              <a:latin typeface="Consolas" panose="020B0609020204030204" pitchFamily="49" charset="0"/>
-            </a:endParaRPr>
-          </a:p>
-          <a:p>
-            <a:pPr>
-              <a:lnSpc>
-                <a:spcPts val="1425"/>
-              </a:lnSpc>
-              <a:buNone/>
-            </a:pPr>
-            <a:r>
-              <a:rPr lang="nl-BE" b="0" dirty="0">
-                <a:solidFill>
-                  <a:srgbClr val="000000"/>
-                </a:solidFill>
-                <a:effectLst/>
-                <a:latin typeface="Consolas" panose="020B0609020204030204" pitchFamily="49" charset="0"/>
-              </a:rPr>
-              <a:t>        </a:t>
-            </a:r>
-          </a:p>
-          <a:p>
-            <a:pPr>
-              <a:lnSpc>
-                <a:spcPts val="1425"/>
-              </a:lnSpc>
-              <a:buNone/>
-            </a:pPr>
-            <a:r>
-              <a:rPr lang="nl-BE" dirty="0">
-                <a:solidFill>
-                  <a:srgbClr val="000000"/>
-                </a:solidFill>
-                <a:latin typeface="Consolas" panose="020B0609020204030204" pitchFamily="49" charset="0"/>
-              </a:rPr>
-              <a:t>		</a:t>
-            </a:r>
-            <a:r>
-              <a:rPr lang="nl-BE" b="0" dirty="0">
-                <a:solidFill>
-                  <a:srgbClr val="000000"/>
-                </a:solidFill>
-                <a:effectLst/>
-                <a:latin typeface="Consolas" panose="020B0609020204030204" pitchFamily="49" charset="0"/>
-              </a:rPr>
-              <a:t>p1.innerText = </a:t>
-            </a:r>
-            <a:r>
-              <a:rPr lang="nl-BE" b="0" dirty="0">
-                <a:solidFill>
-                  <a:srgbClr val="A31515"/>
-                </a:solidFill>
-                <a:effectLst/>
-                <a:latin typeface="Consolas" panose="020B0609020204030204" pitchFamily="49" charset="0"/>
-              </a:rPr>
-              <a:t>"B"</a:t>
-            </a:r>
-            <a:r>
-              <a:rPr lang="nl-BE" b="0" dirty="0">
-                <a:solidFill>
-                  <a:srgbClr val="000000"/>
-                </a:solidFill>
-                <a:effectLst/>
-                <a:latin typeface="Consolas" panose="020B0609020204030204" pitchFamily="49" charset="0"/>
-              </a:rPr>
-              <a:t>;</a:t>
-            </a:r>
-          </a:p>
-          <a:p>
-            <a:pPr>
-              <a:lnSpc>
-                <a:spcPts val="1425"/>
-              </a:lnSpc>
-              <a:buNone/>
-            </a:pPr>
-            <a:r>
-              <a:rPr lang="nl-BE" b="0" dirty="0">
-                <a:solidFill>
-                  <a:srgbClr val="000000"/>
-                </a:solidFill>
-                <a:effectLst/>
-                <a:latin typeface="Consolas" panose="020B0609020204030204" pitchFamily="49" charset="0"/>
-              </a:rPr>
-              <a:t>}</a:t>
-            </a:r>
-          </a:p>
-        </p:txBody>
-      </p:sp>
-    </p:spTree>
-    <p:extLst>
-      <p:ext uri="{BB962C8B-B14F-4D97-AF65-F5344CB8AC3E}">
-        <p14:creationId xmlns:p14="http://schemas.microsoft.com/office/powerpoint/2010/main" val="3005535933"/>
-      </p:ext>
-    </p:extLst>
-  </p:cSld>
-  <p:clrMapOvr>
-    <a:masterClrMapping/>
-  </p:clrMapOvr>
-</p:sld>
-</file>
-
-<file path=ppt/slides/slide44.xml><?xml version="1.0" encoding="utf-8"?>
-<p:sld xmlns:a="http://schemas.openxmlformats.org/drawingml/2006/main" xmlns:r="http://schemas.openxmlformats.org/officeDocument/2006/relationships" xmlns:p="http://schemas.openxmlformats.org/presentationml/2006/main">
-  <p:cSld>
-    <p:spTree>
-      <p:nvGrpSpPr>
-        <p:cNvPr id="1" name=""/>
-        <p:cNvGrpSpPr/>
-        <p:nvPr/>
-      </p:nvGrpSpPr>
-      <p:grpSpPr>
-        <a:xfrm>
-          <a:off x="0" y="0"/>
-          <a:ext cx="0" cy="0"/>
-          <a:chOff x="0" y="0"/>
-          <a:chExt cx="0" cy="0"/>
-        </a:xfrm>
-      </p:grpSpPr>
-      <p:sp>
-        <p:nvSpPr>
-          <p:cNvPr id="2" name="Titel 1">
-            <a:extLst>
-              <a:ext uri="{FF2B5EF4-FFF2-40B4-BE49-F238E27FC236}">
-                <a16:creationId xmlns:a16="http://schemas.microsoft.com/office/drawing/2014/main" id="{8A1E1CD1-4679-4258-9F5A-8A87F23CD8E9}"/>
-              </a:ext>
-            </a:extLst>
-          </p:cNvPr>
-          <p:cNvSpPr>
-            <a:spLocks noGrp="1"/>
-          </p:cNvSpPr>
-          <p:nvPr>
-            <p:ph type="title"/>
-          </p:nvPr>
-        </p:nvSpPr>
-        <p:spPr/>
-        <p:txBody>
-          <a:bodyPr/>
-          <a:lstStyle/>
-          <a:p>
-            <a:r>
-              <a:rPr lang="nl-BE" dirty="0"/>
-              <a:t>Opdrachten</a:t>
-            </a:r>
-          </a:p>
-        </p:txBody>
-      </p:sp>
-      <p:sp>
-        <p:nvSpPr>
-          <p:cNvPr id="3" name="Tijdelijke aanduiding voor inhoud 2">
-            <a:extLst>
-              <a:ext uri="{FF2B5EF4-FFF2-40B4-BE49-F238E27FC236}">
-                <a16:creationId xmlns:a16="http://schemas.microsoft.com/office/drawing/2014/main" id="{88043A32-EE52-64EB-FCD5-5DBAEF80E0ED}"/>
-              </a:ext>
-            </a:extLst>
-          </p:cNvPr>
-          <p:cNvSpPr>
-            <a:spLocks noGrp="1"/>
-          </p:cNvSpPr>
-          <p:nvPr>
-            <p:ph idx="1"/>
-          </p:nvPr>
-        </p:nvSpPr>
-        <p:spPr/>
-        <p:txBody>
-          <a:bodyPr>
-            <a:normAutofit/>
-          </a:bodyPr>
-          <a:lstStyle/>
-          <a:p>
-            <a:r>
-              <a:rPr lang="nl-BE" dirty="0"/>
-              <a:t>Maak een webpagina met een paragraaf en een knop. Zorg ervoor dat als je op de knop klikt, de volgende tekst in de paragraaf komt: "Op de knop geklikt"</a:t>
-            </a:r>
-          </a:p>
-          <a:p>
-            <a:r>
-              <a:rPr lang="nl-BE" dirty="0"/>
-              <a:t>Maak een knop en een paragraaf. Elke keer dat de knop wordt geklikt, verhoog je een teller en toon je het aantal klikken in de paragraaf.</a:t>
-            </a:r>
-          </a:p>
-          <a:p>
-            <a:r>
-              <a:rPr lang="nl-BE" dirty="0"/>
-              <a:t>Maak een webpagina met een paragraaf, met een zelfgekozen zin (minstens 5 woorden). Zorg ervoor dat als je met de muis over de paragraaf beweegt, alle woorden worden getoond. Als je muis de paragraaf verlaat, toon je slechts de eerste 3 woorden.</a:t>
-            </a:r>
-          </a:p>
-          <a:p>
-            <a:r>
-              <a:rPr lang="nl-BE" dirty="0"/>
-              <a:t>Kies een Wikipedia-pagina naar keuze (limiteer de tekst). Neem deze over en plaats de titels in h1, h2, h3, … Vervolgens zorg je ervoor dat als je op een header klikt, deze opent en alle andere headers sluiten (behalve bovenliggende).</a:t>
-            </a:r>
-          </a:p>
-        </p:txBody>
-      </p:sp>
-    </p:spTree>
-    <p:extLst>
-      <p:ext uri="{BB962C8B-B14F-4D97-AF65-F5344CB8AC3E}">
-        <p14:creationId xmlns:p14="http://schemas.microsoft.com/office/powerpoint/2010/main" val="2505658942"/>
       </p:ext>
     </p:extLst>
   </p:cSld>
@@ -14440,6 +18907,1469 @@
     <p:extLst>
       <p:ext uri="{BB962C8B-B14F-4D97-AF65-F5344CB8AC3E}">
         <p14:creationId xmlns:p14="http://schemas.microsoft.com/office/powerpoint/2010/main" val="1660195467"/>
+      </p:ext>
+    </p:extLst>
+  </p:cSld>
+  <p:clrMapOvr>
+    <a:masterClrMapping/>
+  </p:clrMapOvr>
+</p:sld>
+</file>
+
+<file path=ppt/slides/slide50.xml><?xml version="1.0" encoding="utf-8"?>
+<p:sld xmlns:a="http://schemas.openxmlformats.org/drawingml/2006/main" xmlns:r="http://schemas.openxmlformats.org/officeDocument/2006/relationships" xmlns:p="http://schemas.openxmlformats.org/presentationml/2006/main">
+  <p:cSld>
+    <p:spTree>
+      <p:nvGrpSpPr>
+        <p:cNvPr id="1" name=""/>
+        <p:cNvGrpSpPr/>
+        <p:nvPr/>
+      </p:nvGrpSpPr>
+      <p:grpSpPr>
+        <a:xfrm>
+          <a:off x="0" y="0"/>
+          <a:ext cx="0" cy="0"/>
+          <a:chOff x="0" y="0"/>
+          <a:chExt cx="0" cy="0"/>
+        </a:xfrm>
+      </p:grpSpPr>
+      <p:sp>
+        <p:nvSpPr>
+          <p:cNvPr id="2" name="Titel 1">
+            <a:extLst>
+              <a:ext uri="{FF2B5EF4-FFF2-40B4-BE49-F238E27FC236}">
+                <a16:creationId xmlns:a16="http://schemas.microsoft.com/office/drawing/2014/main" id="{4DAFA998-36CE-8805-ADFD-BDC91B66C5F1}"/>
+              </a:ext>
+            </a:extLst>
+          </p:cNvPr>
+          <p:cNvSpPr>
+            <a:spLocks noGrp="1"/>
+          </p:cNvSpPr>
+          <p:nvPr>
+            <p:ph type="title"/>
+          </p:nvPr>
+        </p:nvSpPr>
+        <p:spPr/>
+        <p:txBody>
+          <a:bodyPr/>
+          <a:lstStyle/>
+          <a:p>
+            <a:r>
+              <a:rPr lang="nl-BE" dirty="0"/>
+              <a:t>Uitlezen attributen</a:t>
+            </a:r>
+          </a:p>
+        </p:txBody>
+      </p:sp>
+      <p:sp>
+        <p:nvSpPr>
+          <p:cNvPr id="3" name="Tijdelijke aanduiding voor inhoud 2">
+            <a:extLst>
+              <a:ext uri="{FF2B5EF4-FFF2-40B4-BE49-F238E27FC236}">
+                <a16:creationId xmlns:a16="http://schemas.microsoft.com/office/drawing/2014/main" id="{C836F053-5EF6-11BF-9078-583F9ADCB9CA}"/>
+              </a:ext>
+            </a:extLst>
+          </p:cNvPr>
+          <p:cNvSpPr>
+            <a:spLocks noGrp="1"/>
+          </p:cNvSpPr>
+          <p:nvPr>
+            <p:ph idx="1"/>
+          </p:nvPr>
+        </p:nvSpPr>
+        <p:spPr/>
+        <p:txBody>
+          <a:bodyPr/>
+          <a:lstStyle/>
+          <a:p>
+            <a:r>
+              <a:rPr lang="nl-BE" i="1" dirty="0" err="1"/>
+              <a:t>element.attribuut</a:t>
+            </a:r>
+            <a:r>
+              <a:rPr lang="nl-BE" i="1" dirty="0"/>
+              <a:t>								</a:t>
+            </a:r>
+            <a:r>
+              <a:rPr lang="nl-BE" dirty="0"/>
+              <a:t>Bv. p1.id</a:t>
+            </a:r>
+          </a:p>
+          <a:p>
+            <a:endParaRPr lang="nl-BE" dirty="0"/>
+          </a:p>
+          <a:p>
+            <a:endParaRPr lang="nl-BE" dirty="0"/>
+          </a:p>
+          <a:p>
+            <a:r>
+              <a:rPr lang="nl-BE" i="1" dirty="0" err="1"/>
+              <a:t>element.getAttribute</a:t>
+            </a:r>
+            <a:r>
+              <a:rPr lang="nl-BE" i="1" dirty="0"/>
+              <a:t>("naam attribuut").</a:t>
+            </a:r>
+            <a:r>
+              <a:rPr lang="nl-BE" i="1" dirty="0" err="1"/>
+              <a:t>valueOf</a:t>
+            </a:r>
+            <a:r>
+              <a:rPr lang="nl-BE" i="1" dirty="0"/>
+              <a:t>()		</a:t>
+            </a:r>
+            <a:r>
+              <a:rPr lang="nl-BE" dirty="0"/>
+              <a:t>Bv. p1.getAttribute("data-waarde").</a:t>
+            </a:r>
+            <a:r>
+              <a:rPr lang="nl-BE" dirty="0" err="1"/>
+              <a:t>valueOf</a:t>
+            </a:r>
+            <a:r>
+              <a:rPr lang="nl-BE" dirty="0"/>
+              <a:t>()</a:t>
+            </a:r>
+            <a:endParaRPr lang="nl-BE" i="1" dirty="0"/>
+          </a:p>
+        </p:txBody>
+      </p:sp>
+    </p:spTree>
+    <p:extLst>
+      <p:ext uri="{BB962C8B-B14F-4D97-AF65-F5344CB8AC3E}">
+        <p14:creationId xmlns:p14="http://schemas.microsoft.com/office/powerpoint/2010/main" val="1547160706"/>
+      </p:ext>
+    </p:extLst>
+  </p:cSld>
+  <p:clrMapOvr>
+    <a:masterClrMapping/>
+  </p:clrMapOvr>
+</p:sld>
+</file>
+
+<file path=ppt/slides/slide51.xml><?xml version="1.0" encoding="utf-8"?>
+<p:sld xmlns:a="http://schemas.openxmlformats.org/drawingml/2006/main" xmlns:r="http://schemas.openxmlformats.org/officeDocument/2006/relationships" xmlns:p="http://schemas.openxmlformats.org/presentationml/2006/main">
+  <p:cSld>
+    <p:spTree>
+      <p:nvGrpSpPr>
+        <p:cNvPr id="1" name=""/>
+        <p:cNvGrpSpPr/>
+        <p:nvPr/>
+      </p:nvGrpSpPr>
+      <p:grpSpPr>
+        <a:xfrm>
+          <a:off x="0" y="0"/>
+          <a:ext cx="0" cy="0"/>
+          <a:chOff x="0" y="0"/>
+          <a:chExt cx="0" cy="0"/>
+        </a:xfrm>
+      </p:grpSpPr>
+      <p:sp>
+        <p:nvSpPr>
+          <p:cNvPr id="2" name="Titel 1">
+            <a:extLst>
+              <a:ext uri="{FF2B5EF4-FFF2-40B4-BE49-F238E27FC236}">
+                <a16:creationId xmlns:a16="http://schemas.microsoft.com/office/drawing/2014/main" id="{2E18B115-CFB0-DAA2-6213-76EED52452CA}"/>
+              </a:ext>
+            </a:extLst>
+          </p:cNvPr>
+          <p:cNvSpPr>
+            <a:spLocks noGrp="1"/>
+          </p:cNvSpPr>
+          <p:nvPr>
+            <p:ph type="title"/>
+          </p:nvPr>
+        </p:nvSpPr>
+        <p:spPr/>
+        <p:txBody>
+          <a:bodyPr/>
+          <a:lstStyle/>
+          <a:p>
+            <a:r>
+              <a:rPr lang="nl-BE" dirty="0"/>
+              <a:t>Eigenschappen van elementen</a:t>
+            </a:r>
+          </a:p>
+        </p:txBody>
+      </p:sp>
+      <p:sp>
+        <p:nvSpPr>
+          <p:cNvPr id="3" name="Tijdelijke aanduiding voor inhoud 2">
+            <a:extLst>
+              <a:ext uri="{FF2B5EF4-FFF2-40B4-BE49-F238E27FC236}">
+                <a16:creationId xmlns:a16="http://schemas.microsoft.com/office/drawing/2014/main" id="{8AA2CD61-9F66-24DD-D34D-6E56967FEEAA}"/>
+              </a:ext>
+            </a:extLst>
+          </p:cNvPr>
+          <p:cNvSpPr>
+            <a:spLocks noGrp="1"/>
+          </p:cNvSpPr>
+          <p:nvPr>
+            <p:ph idx="1"/>
+          </p:nvPr>
+        </p:nvSpPr>
+        <p:spPr/>
+        <p:txBody>
+          <a:bodyPr/>
+          <a:lstStyle/>
+          <a:p>
+            <a:r>
+              <a:rPr lang="nl-BE" dirty="0" err="1"/>
+              <a:t>tagName</a:t>
+            </a:r>
+            <a:r>
+              <a:rPr lang="nl-BE" dirty="0"/>
+              <a:t>: naam van de tag (bv. p, div, h1, h2, …)</a:t>
+            </a:r>
+          </a:p>
+          <a:p>
+            <a:pPr marL="0" indent="0">
+              <a:buNone/>
+            </a:pPr>
+            <a:endParaRPr lang="nl-BE" dirty="0"/>
+          </a:p>
+          <a:p>
+            <a:r>
+              <a:rPr lang="nl-BE" dirty="0" err="1"/>
+              <a:t>parent</a:t>
+            </a:r>
+            <a:r>
+              <a:rPr lang="nl-BE" dirty="0"/>
+              <a:t>: de bovenliggende tag. (Bv. bij &lt;p&gt;&lt;b&gt;Hallo&lt;/b&gt;&lt;p&gt; is de p-tag de </a:t>
+            </a:r>
+            <a:r>
+              <a:rPr lang="nl-BE" dirty="0" err="1"/>
+              <a:t>parent</a:t>
+            </a:r>
+            <a:r>
+              <a:rPr lang="nl-BE" dirty="0"/>
+              <a:t> van de b-tag)</a:t>
+            </a:r>
+          </a:p>
+          <a:p>
+            <a:pPr marL="0" indent="0">
+              <a:buNone/>
+            </a:pPr>
+            <a:endParaRPr lang="nl-BE" dirty="0"/>
+          </a:p>
+          <a:p>
+            <a:r>
+              <a:rPr lang="nl-BE" dirty="0" err="1"/>
+              <a:t>Children</a:t>
+            </a:r>
+            <a:r>
+              <a:rPr lang="nl-BE" dirty="0"/>
+              <a:t>: de onderliggende tags.</a:t>
+            </a:r>
+          </a:p>
+        </p:txBody>
+      </p:sp>
+    </p:spTree>
+    <p:extLst>
+      <p:ext uri="{BB962C8B-B14F-4D97-AF65-F5344CB8AC3E}">
+        <p14:creationId xmlns:p14="http://schemas.microsoft.com/office/powerpoint/2010/main" val="4286566524"/>
+      </p:ext>
+    </p:extLst>
+  </p:cSld>
+  <p:clrMapOvr>
+    <a:masterClrMapping/>
+  </p:clrMapOvr>
+</p:sld>
+</file>
+
+<file path=ppt/slides/slide52.xml><?xml version="1.0" encoding="utf-8"?>
+<p:sld xmlns:a="http://schemas.openxmlformats.org/drawingml/2006/main" xmlns:r="http://schemas.openxmlformats.org/officeDocument/2006/relationships" xmlns:p="http://schemas.openxmlformats.org/presentationml/2006/main">
+  <p:cSld>
+    <p:spTree>
+      <p:nvGrpSpPr>
+        <p:cNvPr id="1" name="">
+          <a:extLst>
+            <a:ext uri="{FF2B5EF4-FFF2-40B4-BE49-F238E27FC236}">
+              <a16:creationId xmlns:a16="http://schemas.microsoft.com/office/drawing/2014/main" id="{46CDB150-A9FB-DA74-0639-B25306C979C4}"/>
+            </a:ext>
+          </a:extLst>
+        </p:cNvPr>
+        <p:cNvGrpSpPr/>
+        <p:nvPr/>
+      </p:nvGrpSpPr>
+      <p:grpSpPr>
+        <a:xfrm>
+          <a:off x="0" y="0"/>
+          <a:ext cx="0" cy="0"/>
+          <a:chOff x="0" y="0"/>
+          <a:chExt cx="0" cy="0"/>
+        </a:xfrm>
+      </p:grpSpPr>
+      <p:sp>
+        <p:nvSpPr>
+          <p:cNvPr id="2" name="Titel 1">
+            <a:extLst>
+              <a:ext uri="{FF2B5EF4-FFF2-40B4-BE49-F238E27FC236}">
+                <a16:creationId xmlns:a16="http://schemas.microsoft.com/office/drawing/2014/main" id="{E3F79BEE-9C85-9D92-8283-0D7F44DDF6D1}"/>
+              </a:ext>
+            </a:extLst>
+          </p:cNvPr>
+          <p:cNvSpPr>
+            <a:spLocks noGrp="1"/>
+          </p:cNvSpPr>
+          <p:nvPr>
+            <p:ph type="title"/>
+          </p:nvPr>
+        </p:nvSpPr>
+        <p:spPr/>
+        <p:txBody>
+          <a:bodyPr/>
+          <a:lstStyle/>
+          <a:p>
+            <a:r>
+              <a:rPr lang="nl-BE" dirty="0"/>
+              <a:t>Eigenschappen van elementen</a:t>
+            </a:r>
+          </a:p>
+        </p:txBody>
+      </p:sp>
+      <p:sp>
+        <p:nvSpPr>
+          <p:cNvPr id="3" name="Tijdelijke aanduiding voor inhoud 2">
+            <a:extLst>
+              <a:ext uri="{FF2B5EF4-FFF2-40B4-BE49-F238E27FC236}">
+                <a16:creationId xmlns:a16="http://schemas.microsoft.com/office/drawing/2014/main" id="{B712F786-2B8A-6AAE-9F13-F622B66232D1}"/>
+              </a:ext>
+            </a:extLst>
+          </p:cNvPr>
+          <p:cNvSpPr>
+            <a:spLocks noGrp="1"/>
+          </p:cNvSpPr>
+          <p:nvPr>
+            <p:ph idx="1"/>
+          </p:nvPr>
+        </p:nvSpPr>
+        <p:spPr/>
+        <p:txBody>
+          <a:bodyPr/>
+          <a:lstStyle/>
+          <a:p>
+            <a:r>
+              <a:rPr lang="nl-BE" dirty="0" err="1"/>
+              <a:t>tagName</a:t>
+            </a:r>
+            <a:r>
+              <a:rPr lang="nl-BE" dirty="0"/>
+              <a:t>: naam van de tag (bv. p, div, h1, h2, …)</a:t>
+            </a:r>
+          </a:p>
+          <a:p>
+            <a:pPr marL="0" indent="0">
+              <a:buNone/>
+            </a:pPr>
+            <a:endParaRPr lang="nl-BE" dirty="0"/>
+          </a:p>
+          <a:p>
+            <a:r>
+              <a:rPr lang="nl-BE" dirty="0" err="1"/>
+              <a:t>parent</a:t>
+            </a:r>
+            <a:r>
+              <a:rPr lang="nl-BE" dirty="0"/>
+              <a:t>: de bovenliggende tag. (Bv. bij &lt;p&gt;&lt;b&gt;Hallo&lt;/b&gt;&lt;p&gt; is de p-tag de </a:t>
+            </a:r>
+            <a:r>
+              <a:rPr lang="nl-BE" dirty="0" err="1"/>
+              <a:t>parent</a:t>
+            </a:r>
+            <a:r>
+              <a:rPr lang="nl-BE" dirty="0"/>
+              <a:t> van de b-tag)</a:t>
+            </a:r>
+          </a:p>
+          <a:p>
+            <a:pPr marL="0" indent="0">
+              <a:buNone/>
+            </a:pPr>
+            <a:endParaRPr lang="nl-BE" dirty="0"/>
+          </a:p>
+          <a:p>
+            <a:r>
+              <a:rPr lang="nl-BE" dirty="0" err="1"/>
+              <a:t>Children</a:t>
+            </a:r>
+            <a:r>
+              <a:rPr lang="nl-BE" dirty="0"/>
+              <a:t>: de onderliggende tags.</a:t>
+            </a:r>
+          </a:p>
+        </p:txBody>
+      </p:sp>
+    </p:spTree>
+    <p:extLst>
+      <p:ext uri="{BB962C8B-B14F-4D97-AF65-F5344CB8AC3E}">
+        <p14:creationId xmlns:p14="http://schemas.microsoft.com/office/powerpoint/2010/main" val="69329851"/>
+      </p:ext>
+    </p:extLst>
+  </p:cSld>
+  <p:clrMapOvr>
+    <a:masterClrMapping/>
+  </p:clrMapOvr>
+</p:sld>
+</file>
+
+<file path=ppt/slides/slide53.xml><?xml version="1.0" encoding="utf-8"?>
+<p:sld xmlns:a="http://schemas.openxmlformats.org/drawingml/2006/main" xmlns:r="http://schemas.openxmlformats.org/officeDocument/2006/relationships" xmlns:p="http://schemas.openxmlformats.org/presentationml/2006/main">
+  <p:cSld>
+    <p:spTree>
+      <p:nvGrpSpPr>
+        <p:cNvPr id="1" name=""/>
+        <p:cNvGrpSpPr/>
+        <p:nvPr/>
+      </p:nvGrpSpPr>
+      <p:grpSpPr>
+        <a:xfrm>
+          <a:off x="0" y="0"/>
+          <a:ext cx="0" cy="0"/>
+          <a:chOff x="0" y="0"/>
+          <a:chExt cx="0" cy="0"/>
+        </a:xfrm>
+      </p:grpSpPr>
+      <p:sp>
+        <p:nvSpPr>
+          <p:cNvPr id="2" name="Titel 1">
+            <a:extLst>
+              <a:ext uri="{FF2B5EF4-FFF2-40B4-BE49-F238E27FC236}">
+                <a16:creationId xmlns:a16="http://schemas.microsoft.com/office/drawing/2014/main" id="{21C867F1-C0E5-3584-41C3-689AD76D07BB}"/>
+              </a:ext>
+            </a:extLst>
+          </p:cNvPr>
+          <p:cNvSpPr>
+            <a:spLocks noGrp="1"/>
+          </p:cNvSpPr>
+          <p:nvPr>
+            <p:ph type="title"/>
+          </p:nvPr>
+        </p:nvSpPr>
+        <p:spPr/>
+        <p:txBody>
+          <a:bodyPr/>
+          <a:lstStyle/>
+          <a:p>
+            <a:r>
+              <a:rPr lang="nl-BE" dirty="0"/>
+              <a:t>Elementen overlopen (m.b.v. </a:t>
+            </a:r>
+            <a:r>
+              <a:rPr lang="nl-BE" dirty="0" err="1"/>
+              <a:t>for</a:t>
+            </a:r>
+            <a:r>
+              <a:rPr lang="nl-BE" dirty="0"/>
+              <a:t>-lus)</a:t>
+            </a:r>
+          </a:p>
+        </p:txBody>
+      </p:sp>
+      <p:sp>
+        <p:nvSpPr>
+          <p:cNvPr id="7" name="Tekstvak 6">
+            <a:extLst>
+              <a:ext uri="{FF2B5EF4-FFF2-40B4-BE49-F238E27FC236}">
+                <a16:creationId xmlns:a16="http://schemas.microsoft.com/office/drawing/2014/main" id="{B6B14811-0897-2F82-5CFC-B62CA2E6C8C2}"/>
+              </a:ext>
+            </a:extLst>
+          </p:cNvPr>
+          <p:cNvSpPr txBox="1"/>
+          <p:nvPr/>
+        </p:nvSpPr>
+        <p:spPr>
+          <a:xfrm>
+            <a:off x="1811867" y="3429000"/>
+            <a:ext cx="8331200" cy="1363578"/>
+          </a:xfrm>
+          <a:prstGeom prst="rect">
+            <a:avLst/>
+          </a:prstGeom>
+          <a:noFill/>
+        </p:spPr>
+        <p:txBody>
+          <a:bodyPr wrap="square">
+            <a:spAutoFit/>
+          </a:bodyPr>
+          <a:lstStyle/>
+          <a:p>
+            <a:pPr>
+              <a:lnSpc>
+                <a:spcPts val="1425"/>
+              </a:lnSpc>
+              <a:buNone/>
+            </a:pPr>
+            <a:r>
+              <a:rPr lang="nl-BE" b="0" dirty="0">
+                <a:solidFill>
+                  <a:srgbClr val="0000FF"/>
+                </a:solidFill>
+                <a:effectLst/>
+                <a:latin typeface="Consolas" panose="020B0609020204030204" pitchFamily="49" charset="0"/>
+              </a:rPr>
+              <a:t>let</a:t>
+            </a:r>
+            <a:r>
+              <a:rPr lang="nl-BE" b="0" dirty="0">
+                <a:solidFill>
+                  <a:srgbClr val="000000"/>
+                </a:solidFill>
+                <a:effectLst/>
+                <a:latin typeface="Consolas" panose="020B0609020204030204" pitchFamily="49" charset="0"/>
+              </a:rPr>
+              <a:t> elementen = </a:t>
+            </a:r>
+            <a:r>
+              <a:rPr lang="nl-BE" b="0" dirty="0" err="1">
+                <a:solidFill>
+                  <a:srgbClr val="000000"/>
+                </a:solidFill>
+                <a:effectLst/>
+                <a:latin typeface="Consolas" panose="020B0609020204030204" pitchFamily="49" charset="0"/>
+              </a:rPr>
+              <a:t>document.getElementsByClassName</a:t>
+            </a:r>
+            <a:r>
+              <a:rPr lang="nl-BE" b="0" dirty="0">
+                <a:solidFill>
+                  <a:srgbClr val="000000"/>
+                </a:solidFill>
+                <a:effectLst/>
+                <a:latin typeface="Consolas" panose="020B0609020204030204" pitchFamily="49" charset="0"/>
+              </a:rPr>
+              <a:t>(</a:t>
+            </a:r>
+            <a:r>
+              <a:rPr lang="nl-BE" b="0" dirty="0">
+                <a:solidFill>
+                  <a:srgbClr val="A31515"/>
+                </a:solidFill>
+                <a:effectLst/>
+                <a:latin typeface="Consolas" panose="020B0609020204030204" pitchFamily="49" charset="0"/>
+              </a:rPr>
+              <a:t>"abc"</a:t>
+            </a:r>
+            <a:r>
+              <a:rPr lang="nl-BE" b="0" dirty="0">
+                <a:solidFill>
+                  <a:srgbClr val="000000"/>
+                </a:solidFill>
+                <a:effectLst/>
+                <a:latin typeface="Consolas" panose="020B0609020204030204" pitchFamily="49" charset="0"/>
+              </a:rPr>
+              <a:t>);</a:t>
+            </a:r>
+          </a:p>
+          <a:p>
+            <a:pPr>
+              <a:lnSpc>
+                <a:spcPts val="1425"/>
+              </a:lnSpc>
+              <a:buNone/>
+            </a:pPr>
+            <a:r>
+              <a:rPr lang="nl-BE" b="0" dirty="0">
+                <a:solidFill>
+                  <a:srgbClr val="000000"/>
+                </a:solidFill>
+                <a:effectLst/>
+                <a:latin typeface="Consolas" panose="020B0609020204030204" pitchFamily="49" charset="0"/>
+              </a:rPr>
+              <a:t>    </a:t>
+            </a:r>
+          </a:p>
+          <a:p>
+            <a:pPr>
+              <a:lnSpc>
+                <a:spcPts val="1425"/>
+              </a:lnSpc>
+              <a:buNone/>
+            </a:pPr>
+            <a:r>
+              <a:rPr lang="nl-BE" b="0" dirty="0" err="1">
+                <a:solidFill>
+                  <a:srgbClr val="0000FF"/>
+                </a:solidFill>
+                <a:effectLst/>
+                <a:latin typeface="Consolas" panose="020B0609020204030204" pitchFamily="49" charset="0"/>
+              </a:rPr>
+              <a:t>for</a:t>
+            </a:r>
+            <a:r>
+              <a:rPr lang="nl-BE" b="0" dirty="0">
+                <a:solidFill>
+                  <a:srgbClr val="000000"/>
+                </a:solidFill>
+                <a:effectLst/>
+                <a:latin typeface="Consolas" panose="020B0609020204030204" pitchFamily="49" charset="0"/>
+              </a:rPr>
+              <a:t>(</a:t>
+            </a:r>
+            <a:r>
+              <a:rPr lang="nl-BE" b="0" dirty="0">
+                <a:solidFill>
+                  <a:srgbClr val="0000FF"/>
+                </a:solidFill>
+                <a:effectLst/>
+                <a:latin typeface="Consolas" panose="020B0609020204030204" pitchFamily="49" charset="0"/>
+              </a:rPr>
+              <a:t>let</a:t>
+            </a:r>
+            <a:r>
+              <a:rPr lang="nl-BE" b="0" dirty="0">
+                <a:solidFill>
+                  <a:srgbClr val="000000"/>
+                </a:solidFill>
+                <a:effectLst/>
+                <a:latin typeface="Consolas" panose="020B0609020204030204" pitchFamily="49" charset="0"/>
+              </a:rPr>
+              <a:t> i = </a:t>
+            </a:r>
+            <a:r>
+              <a:rPr lang="nl-BE" b="0" dirty="0">
+                <a:solidFill>
+                  <a:srgbClr val="098658"/>
+                </a:solidFill>
+                <a:effectLst/>
+                <a:latin typeface="Consolas" panose="020B0609020204030204" pitchFamily="49" charset="0"/>
+              </a:rPr>
+              <a:t>0</a:t>
+            </a:r>
+            <a:r>
+              <a:rPr lang="nl-BE" b="0" dirty="0">
+                <a:solidFill>
+                  <a:srgbClr val="000000"/>
+                </a:solidFill>
+                <a:effectLst/>
+                <a:latin typeface="Consolas" panose="020B0609020204030204" pitchFamily="49" charset="0"/>
+              </a:rPr>
+              <a:t>; i &lt; </a:t>
+            </a:r>
+            <a:r>
+              <a:rPr lang="nl-BE" b="0" dirty="0" err="1">
+                <a:solidFill>
+                  <a:srgbClr val="000000"/>
+                </a:solidFill>
+                <a:effectLst/>
+                <a:latin typeface="Consolas" panose="020B0609020204030204" pitchFamily="49" charset="0"/>
+              </a:rPr>
+              <a:t>elementen.length</a:t>
+            </a:r>
+            <a:r>
+              <a:rPr lang="nl-BE" b="0" dirty="0">
+                <a:solidFill>
+                  <a:srgbClr val="000000"/>
+                </a:solidFill>
+                <a:effectLst/>
+                <a:latin typeface="Consolas" panose="020B0609020204030204" pitchFamily="49" charset="0"/>
+              </a:rPr>
+              <a:t>; i++){</a:t>
+            </a:r>
+          </a:p>
+          <a:p>
+            <a:pPr>
+              <a:lnSpc>
+                <a:spcPts val="1425"/>
+              </a:lnSpc>
+              <a:buNone/>
+            </a:pPr>
+            <a:r>
+              <a:rPr lang="nl-BE" dirty="0">
+                <a:solidFill>
+                  <a:srgbClr val="000000"/>
+                </a:solidFill>
+                <a:latin typeface="Consolas" panose="020B0609020204030204" pitchFamily="49" charset="0"/>
+              </a:rPr>
+              <a:t>	</a:t>
+            </a:r>
+          </a:p>
+          <a:p>
+            <a:pPr>
+              <a:lnSpc>
+                <a:spcPts val="1425"/>
+              </a:lnSpc>
+              <a:buNone/>
+            </a:pPr>
+            <a:r>
+              <a:rPr lang="nl-BE" b="0" dirty="0">
+                <a:solidFill>
+                  <a:srgbClr val="000000"/>
+                </a:solidFill>
+                <a:effectLst/>
+                <a:latin typeface="Consolas" panose="020B0609020204030204" pitchFamily="49" charset="0"/>
+              </a:rPr>
+              <a:t>	elementen[i].</a:t>
+            </a:r>
+            <a:r>
+              <a:rPr lang="nl-BE" b="0" dirty="0" err="1">
+                <a:solidFill>
+                  <a:srgbClr val="000000"/>
+                </a:solidFill>
+                <a:effectLst/>
+                <a:latin typeface="Consolas" panose="020B0609020204030204" pitchFamily="49" charset="0"/>
+              </a:rPr>
+              <a:t>setAttribute</a:t>
+            </a:r>
+            <a:r>
+              <a:rPr lang="nl-BE" b="0" dirty="0">
+                <a:solidFill>
+                  <a:srgbClr val="000000"/>
+                </a:solidFill>
+                <a:effectLst/>
+                <a:latin typeface="Consolas" panose="020B0609020204030204" pitchFamily="49" charset="0"/>
+              </a:rPr>
+              <a:t>(</a:t>
+            </a:r>
+            <a:r>
+              <a:rPr lang="nl-BE" b="0" dirty="0">
+                <a:solidFill>
+                  <a:srgbClr val="A31515"/>
+                </a:solidFill>
+                <a:effectLst/>
+                <a:latin typeface="Consolas" panose="020B0609020204030204" pitchFamily="49" charset="0"/>
+              </a:rPr>
+              <a:t>"data-waarde", "1"</a:t>
+            </a:r>
+            <a:r>
+              <a:rPr lang="nl-BE" b="0" dirty="0">
+                <a:solidFill>
+                  <a:srgbClr val="000000"/>
+                </a:solidFill>
+                <a:effectLst/>
+                <a:latin typeface="Consolas" panose="020B0609020204030204" pitchFamily="49" charset="0"/>
+              </a:rPr>
+              <a:t>);</a:t>
+            </a:r>
+          </a:p>
+          <a:p>
+            <a:pPr>
+              <a:lnSpc>
+                <a:spcPts val="1425"/>
+              </a:lnSpc>
+              <a:buNone/>
+            </a:pPr>
+            <a:endParaRPr lang="nl-BE" dirty="0">
+              <a:solidFill>
+                <a:srgbClr val="000000"/>
+              </a:solidFill>
+              <a:latin typeface="Consolas" panose="020B0609020204030204" pitchFamily="49" charset="0"/>
+            </a:endParaRPr>
+          </a:p>
+          <a:p>
+            <a:pPr>
+              <a:lnSpc>
+                <a:spcPts val="1425"/>
+              </a:lnSpc>
+              <a:buNone/>
+            </a:pPr>
+            <a:r>
+              <a:rPr lang="nl-BE" b="0" dirty="0">
+                <a:solidFill>
+                  <a:srgbClr val="000000"/>
+                </a:solidFill>
+                <a:effectLst/>
+                <a:latin typeface="Consolas" panose="020B0609020204030204" pitchFamily="49" charset="0"/>
+              </a:rPr>
+              <a:t>}</a:t>
+            </a:r>
+          </a:p>
+        </p:txBody>
+      </p:sp>
+    </p:spTree>
+    <p:extLst>
+      <p:ext uri="{BB962C8B-B14F-4D97-AF65-F5344CB8AC3E}">
+        <p14:creationId xmlns:p14="http://schemas.microsoft.com/office/powerpoint/2010/main" val="2321844891"/>
+      </p:ext>
+    </p:extLst>
+  </p:cSld>
+  <p:clrMapOvr>
+    <a:masterClrMapping/>
+  </p:clrMapOvr>
+</p:sld>
+</file>
+
+<file path=ppt/slides/slide54.xml><?xml version="1.0" encoding="utf-8"?>
+<p:sld xmlns:a="http://schemas.openxmlformats.org/drawingml/2006/main" xmlns:r="http://schemas.openxmlformats.org/officeDocument/2006/relationships" xmlns:p="http://schemas.openxmlformats.org/presentationml/2006/main">
+  <p:cSld>
+    <p:spTree>
+      <p:nvGrpSpPr>
+        <p:cNvPr id="1" name=""/>
+        <p:cNvGrpSpPr/>
+        <p:nvPr/>
+      </p:nvGrpSpPr>
+      <p:grpSpPr>
+        <a:xfrm>
+          <a:off x="0" y="0"/>
+          <a:ext cx="0" cy="0"/>
+          <a:chOff x="0" y="0"/>
+          <a:chExt cx="0" cy="0"/>
+        </a:xfrm>
+      </p:grpSpPr>
+      <p:sp>
+        <p:nvSpPr>
+          <p:cNvPr id="2" name="Titel 1">
+            <a:extLst>
+              <a:ext uri="{FF2B5EF4-FFF2-40B4-BE49-F238E27FC236}">
+                <a16:creationId xmlns:a16="http://schemas.microsoft.com/office/drawing/2014/main" id="{C252A94B-7D43-C610-5D1F-A82D2EE54D82}"/>
+              </a:ext>
+            </a:extLst>
+          </p:cNvPr>
+          <p:cNvSpPr>
+            <a:spLocks noGrp="1"/>
+          </p:cNvSpPr>
+          <p:nvPr>
+            <p:ph type="title"/>
+          </p:nvPr>
+        </p:nvSpPr>
+        <p:spPr/>
+        <p:txBody>
+          <a:bodyPr/>
+          <a:lstStyle/>
+          <a:p>
+            <a:r>
+              <a:rPr lang="nl-BE" dirty="0"/>
+              <a:t>Elementen evalueren (M.b.v. </a:t>
+            </a:r>
+            <a:r>
+              <a:rPr lang="nl-BE" dirty="0" err="1"/>
+              <a:t>if-else</a:t>
+            </a:r>
+            <a:r>
+              <a:rPr lang="nl-BE" dirty="0"/>
+              <a:t>)</a:t>
+            </a:r>
+          </a:p>
+        </p:txBody>
+      </p:sp>
+      <p:sp>
+        <p:nvSpPr>
+          <p:cNvPr id="5" name="Tekstvak 4">
+            <a:extLst>
+              <a:ext uri="{FF2B5EF4-FFF2-40B4-BE49-F238E27FC236}">
+                <a16:creationId xmlns:a16="http://schemas.microsoft.com/office/drawing/2014/main" id="{CC30B339-17E8-3DC1-5998-6C8B1D75AEDF}"/>
+              </a:ext>
+            </a:extLst>
+          </p:cNvPr>
+          <p:cNvSpPr txBox="1"/>
+          <p:nvPr/>
+        </p:nvSpPr>
+        <p:spPr>
+          <a:xfrm>
+            <a:off x="2498652" y="2705865"/>
+            <a:ext cx="8601739" cy="3364126"/>
+          </a:xfrm>
+          <a:prstGeom prst="rect">
+            <a:avLst/>
+          </a:prstGeom>
+          <a:noFill/>
+        </p:spPr>
+        <p:txBody>
+          <a:bodyPr wrap="square">
+            <a:spAutoFit/>
+          </a:bodyPr>
+          <a:lstStyle/>
+          <a:p>
+            <a:pPr>
+              <a:lnSpc>
+                <a:spcPts val="1425"/>
+              </a:lnSpc>
+              <a:spcAft>
+                <a:spcPts val="600"/>
+              </a:spcAft>
+              <a:buNone/>
+            </a:pPr>
+            <a:r>
+              <a:rPr lang="nl-BE" b="0" dirty="0" err="1">
+                <a:solidFill>
+                  <a:srgbClr val="0000FF"/>
+                </a:solidFill>
+                <a:effectLst/>
+                <a:latin typeface="Consolas" panose="020B0609020204030204" pitchFamily="49" charset="0"/>
+              </a:rPr>
+              <a:t>function</a:t>
+            </a:r>
+            <a:r>
+              <a:rPr lang="nl-BE" b="0" dirty="0">
+                <a:solidFill>
+                  <a:srgbClr val="000000"/>
+                </a:solidFill>
+                <a:effectLst/>
+                <a:latin typeface="Consolas" panose="020B0609020204030204" pitchFamily="49" charset="0"/>
+              </a:rPr>
+              <a:t> test(e){</a:t>
+            </a:r>
+          </a:p>
+          <a:p>
+            <a:pPr>
+              <a:lnSpc>
+                <a:spcPts val="1425"/>
+              </a:lnSpc>
+              <a:spcAft>
+                <a:spcPts val="600"/>
+              </a:spcAft>
+              <a:buNone/>
+            </a:pPr>
+            <a:endParaRPr lang="nl-BE" b="0" dirty="0">
+              <a:solidFill>
+                <a:srgbClr val="000000"/>
+              </a:solidFill>
+              <a:effectLst/>
+              <a:latin typeface="Consolas" panose="020B0609020204030204" pitchFamily="49" charset="0"/>
+            </a:endParaRPr>
+          </a:p>
+          <a:p>
+            <a:pPr>
+              <a:lnSpc>
+                <a:spcPts val="1425"/>
+              </a:lnSpc>
+              <a:spcAft>
+                <a:spcPts val="600"/>
+              </a:spcAft>
+              <a:buNone/>
+            </a:pPr>
+            <a:r>
+              <a:rPr lang="nl-BE" b="0" dirty="0">
+                <a:solidFill>
+                  <a:srgbClr val="0000FF"/>
+                </a:solidFill>
+                <a:effectLst/>
+                <a:latin typeface="Consolas" panose="020B0609020204030204" pitchFamily="49" charset="0"/>
+              </a:rPr>
+              <a:t>	let</a:t>
+            </a:r>
+            <a:r>
+              <a:rPr lang="nl-BE" b="0" dirty="0">
+                <a:solidFill>
+                  <a:srgbClr val="000000"/>
+                </a:solidFill>
+                <a:effectLst/>
+                <a:latin typeface="Consolas" panose="020B0609020204030204" pitchFamily="49" charset="0"/>
+              </a:rPr>
+              <a:t> p1 = </a:t>
+            </a:r>
+            <a:r>
+              <a:rPr lang="nl-BE" b="0" dirty="0" err="1">
+                <a:solidFill>
+                  <a:srgbClr val="000000"/>
+                </a:solidFill>
+                <a:effectLst/>
+                <a:latin typeface="Consolas" panose="020B0609020204030204" pitchFamily="49" charset="0"/>
+              </a:rPr>
+              <a:t>document.getElementById</a:t>
+            </a:r>
+            <a:r>
+              <a:rPr lang="nl-BE" b="0" dirty="0">
+                <a:solidFill>
+                  <a:srgbClr val="000000"/>
+                </a:solidFill>
+                <a:effectLst/>
+                <a:latin typeface="Consolas" panose="020B0609020204030204" pitchFamily="49" charset="0"/>
+              </a:rPr>
+              <a:t>(</a:t>
+            </a:r>
+            <a:r>
+              <a:rPr lang="nl-BE" b="0" dirty="0">
+                <a:solidFill>
+                  <a:srgbClr val="A31515"/>
+                </a:solidFill>
+                <a:effectLst/>
+                <a:latin typeface="Consolas" panose="020B0609020204030204" pitchFamily="49" charset="0"/>
+              </a:rPr>
+              <a:t>"p1"</a:t>
+            </a:r>
+            <a:r>
+              <a:rPr lang="nl-BE" b="0" dirty="0">
+                <a:solidFill>
+                  <a:srgbClr val="000000"/>
+                </a:solidFill>
+                <a:effectLst/>
+                <a:latin typeface="Consolas" panose="020B0609020204030204" pitchFamily="49" charset="0"/>
+              </a:rPr>
+              <a:t>);</a:t>
+            </a:r>
+          </a:p>
+          <a:p>
+            <a:pPr>
+              <a:lnSpc>
+                <a:spcPts val="1425"/>
+              </a:lnSpc>
+              <a:spcAft>
+                <a:spcPts val="600"/>
+              </a:spcAft>
+              <a:buNone/>
+            </a:pPr>
+            <a:r>
+              <a:rPr lang="nl-BE" b="0" dirty="0">
+                <a:solidFill>
+                  <a:srgbClr val="000000"/>
+                </a:solidFill>
+                <a:effectLst/>
+                <a:latin typeface="Consolas" panose="020B0609020204030204" pitchFamily="49" charset="0"/>
+              </a:rPr>
+              <a:t>    </a:t>
+            </a:r>
+          </a:p>
+          <a:p>
+            <a:pPr>
+              <a:lnSpc>
+                <a:spcPts val="1425"/>
+              </a:lnSpc>
+              <a:spcAft>
+                <a:spcPts val="600"/>
+              </a:spcAft>
+              <a:buNone/>
+            </a:pPr>
+            <a:r>
+              <a:rPr lang="nl-BE" dirty="0">
+                <a:solidFill>
+                  <a:srgbClr val="000000"/>
+                </a:solidFill>
+                <a:latin typeface="Consolas" panose="020B0609020204030204" pitchFamily="49" charset="0"/>
+              </a:rPr>
+              <a:t>	</a:t>
+            </a:r>
+            <a:r>
+              <a:rPr lang="nl-BE" b="0" dirty="0" err="1">
+                <a:solidFill>
+                  <a:srgbClr val="0000FF"/>
+                </a:solidFill>
+                <a:effectLst/>
+                <a:latin typeface="Consolas" panose="020B0609020204030204" pitchFamily="49" charset="0"/>
+              </a:rPr>
+              <a:t>if</a:t>
+            </a:r>
+            <a:r>
+              <a:rPr lang="nl-BE" b="0" dirty="0">
+                <a:solidFill>
+                  <a:srgbClr val="000000"/>
+                </a:solidFill>
+                <a:effectLst/>
+                <a:latin typeface="Consolas" panose="020B0609020204030204" pitchFamily="49" charset="0"/>
+              </a:rPr>
+              <a:t>(p1.getAttribute(</a:t>
+            </a:r>
+            <a:r>
+              <a:rPr lang="nl-BE" b="0" dirty="0">
+                <a:solidFill>
+                  <a:srgbClr val="A31515"/>
+                </a:solidFill>
+                <a:effectLst/>
+                <a:latin typeface="Consolas" panose="020B0609020204030204" pitchFamily="49" charset="0"/>
+              </a:rPr>
+              <a:t>"data-waarde"</a:t>
+            </a:r>
+            <a:r>
+              <a:rPr lang="nl-BE" b="0" dirty="0">
+                <a:solidFill>
+                  <a:srgbClr val="000000"/>
+                </a:solidFill>
+                <a:effectLst/>
+                <a:latin typeface="Consolas" panose="020B0609020204030204" pitchFamily="49" charset="0"/>
+              </a:rPr>
+              <a:t>).</a:t>
+            </a:r>
+            <a:r>
+              <a:rPr lang="nl-BE" b="0" dirty="0" err="1">
+                <a:solidFill>
+                  <a:srgbClr val="000000"/>
+                </a:solidFill>
+                <a:effectLst/>
+                <a:latin typeface="Consolas" panose="020B0609020204030204" pitchFamily="49" charset="0"/>
+              </a:rPr>
+              <a:t>valueOf</a:t>
+            </a:r>
+            <a:r>
+              <a:rPr lang="nl-BE" b="0" dirty="0">
+                <a:solidFill>
+                  <a:srgbClr val="000000"/>
+                </a:solidFill>
+                <a:effectLst/>
+                <a:latin typeface="Consolas" panose="020B0609020204030204" pitchFamily="49" charset="0"/>
+              </a:rPr>
+              <a:t>() == </a:t>
+            </a:r>
+            <a:r>
+              <a:rPr lang="nl-BE" b="0" dirty="0">
+                <a:solidFill>
+                  <a:srgbClr val="A31515"/>
+                </a:solidFill>
+                <a:effectLst/>
+                <a:latin typeface="Consolas" panose="020B0609020204030204" pitchFamily="49" charset="0"/>
+              </a:rPr>
+              <a:t>"A"</a:t>
+            </a:r>
+            <a:r>
+              <a:rPr lang="nl-BE" b="0" dirty="0">
+                <a:solidFill>
+                  <a:srgbClr val="000000"/>
+                </a:solidFill>
+                <a:effectLst/>
+                <a:latin typeface="Consolas" panose="020B0609020204030204" pitchFamily="49" charset="0"/>
+              </a:rPr>
+              <a:t>)</a:t>
+            </a:r>
+          </a:p>
+          <a:p>
+            <a:pPr>
+              <a:lnSpc>
+                <a:spcPts val="1425"/>
+              </a:lnSpc>
+              <a:spcAft>
+                <a:spcPts val="600"/>
+              </a:spcAft>
+              <a:buNone/>
+            </a:pPr>
+            <a:r>
+              <a:rPr lang="nl-BE" dirty="0">
+                <a:solidFill>
+                  <a:srgbClr val="000000"/>
+                </a:solidFill>
+                <a:latin typeface="Consolas" panose="020B0609020204030204" pitchFamily="49" charset="0"/>
+              </a:rPr>
+              <a:t>	{</a:t>
+            </a:r>
+            <a:endParaRPr lang="nl-BE" b="0" dirty="0">
+              <a:solidFill>
+                <a:srgbClr val="000000"/>
+              </a:solidFill>
+              <a:effectLst/>
+              <a:latin typeface="Consolas" panose="020B0609020204030204" pitchFamily="49" charset="0"/>
+            </a:endParaRPr>
+          </a:p>
+          <a:p>
+            <a:pPr>
+              <a:lnSpc>
+                <a:spcPts val="1425"/>
+              </a:lnSpc>
+              <a:spcAft>
+                <a:spcPts val="600"/>
+              </a:spcAft>
+              <a:buNone/>
+            </a:pPr>
+            <a:r>
+              <a:rPr lang="nl-BE" dirty="0">
+                <a:solidFill>
+                  <a:srgbClr val="000000"/>
+                </a:solidFill>
+                <a:latin typeface="Consolas" panose="020B0609020204030204" pitchFamily="49" charset="0"/>
+              </a:rPr>
+              <a:t>		</a:t>
+            </a:r>
+            <a:r>
+              <a:rPr lang="nl-BE" b="0" dirty="0">
+                <a:solidFill>
+                  <a:srgbClr val="000000"/>
+                </a:solidFill>
+                <a:effectLst/>
+                <a:latin typeface="Consolas" panose="020B0609020204030204" pitchFamily="49" charset="0"/>
+              </a:rPr>
+              <a:t>p1.innerText = </a:t>
+            </a:r>
+            <a:r>
+              <a:rPr lang="nl-BE" b="0" dirty="0">
+                <a:solidFill>
+                  <a:srgbClr val="A31515"/>
+                </a:solidFill>
+                <a:effectLst/>
+                <a:latin typeface="Consolas" panose="020B0609020204030204" pitchFamily="49" charset="0"/>
+              </a:rPr>
+              <a:t>"A"</a:t>
+            </a:r>
+            <a:r>
+              <a:rPr lang="nl-BE" b="0" dirty="0">
+                <a:solidFill>
+                  <a:srgbClr val="000000"/>
+                </a:solidFill>
+                <a:effectLst/>
+                <a:latin typeface="Consolas" panose="020B0609020204030204" pitchFamily="49" charset="0"/>
+              </a:rPr>
+              <a:t>;</a:t>
+            </a:r>
+          </a:p>
+          <a:p>
+            <a:pPr>
+              <a:lnSpc>
+                <a:spcPts val="1425"/>
+              </a:lnSpc>
+              <a:spcAft>
+                <a:spcPts val="600"/>
+              </a:spcAft>
+              <a:buNone/>
+            </a:pPr>
+            <a:r>
+              <a:rPr lang="nl-BE" b="0" dirty="0">
+                <a:solidFill>
+                  <a:srgbClr val="000000"/>
+                </a:solidFill>
+                <a:effectLst/>
+                <a:latin typeface="Consolas" panose="020B0609020204030204" pitchFamily="49" charset="0"/>
+              </a:rPr>
+              <a:t>    	}</a:t>
+            </a:r>
+          </a:p>
+          <a:p>
+            <a:pPr>
+              <a:lnSpc>
+                <a:spcPts val="1425"/>
+              </a:lnSpc>
+              <a:spcAft>
+                <a:spcPts val="600"/>
+              </a:spcAft>
+              <a:buNone/>
+            </a:pPr>
+            <a:r>
+              <a:rPr lang="nl-BE" dirty="0">
+                <a:solidFill>
+                  <a:srgbClr val="000000"/>
+                </a:solidFill>
+                <a:latin typeface="Consolas" panose="020B0609020204030204" pitchFamily="49" charset="0"/>
+              </a:rPr>
+              <a:t>	</a:t>
+            </a:r>
+            <a:r>
+              <a:rPr lang="nl-BE" b="0" dirty="0" err="1">
+                <a:solidFill>
+                  <a:srgbClr val="0000FF"/>
+                </a:solidFill>
+                <a:effectLst/>
+                <a:latin typeface="Consolas" panose="020B0609020204030204" pitchFamily="49" charset="0"/>
+              </a:rPr>
+              <a:t>else</a:t>
+            </a:r>
+            <a:endParaRPr lang="nl-BE" b="0" dirty="0">
+              <a:solidFill>
+                <a:srgbClr val="000000"/>
+              </a:solidFill>
+              <a:effectLst/>
+              <a:latin typeface="Consolas" panose="020B0609020204030204" pitchFamily="49" charset="0"/>
+            </a:endParaRPr>
+          </a:p>
+          <a:p>
+            <a:pPr>
+              <a:lnSpc>
+                <a:spcPts val="1425"/>
+              </a:lnSpc>
+              <a:spcAft>
+                <a:spcPts val="600"/>
+              </a:spcAft>
+              <a:buNone/>
+            </a:pPr>
+            <a:r>
+              <a:rPr lang="nl-BE" b="0" dirty="0">
+                <a:solidFill>
+                  <a:srgbClr val="000000"/>
+                </a:solidFill>
+                <a:effectLst/>
+                <a:latin typeface="Consolas" panose="020B0609020204030204" pitchFamily="49" charset="0"/>
+              </a:rPr>
+              <a:t>       {</a:t>
+            </a:r>
+          </a:p>
+          <a:p>
+            <a:pPr>
+              <a:lnSpc>
+                <a:spcPts val="1425"/>
+              </a:lnSpc>
+              <a:spcAft>
+                <a:spcPts val="600"/>
+              </a:spcAft>
+              <a:buNone/>
+            </a:pPr>
+            <a:r>
+              <a:rPr lang="nl-BE" dirty="0">
+                <a:solidFill>
+                  <a:srgbClr val="000000"/>
+                </a:solidFill>
+                <a:latin typeface="Consolas" panose="020B0609020204030204" pitchFamily="49" charset="0"/>
+              </a:rPr>
+              <a:t>		</a:t>
+            </a:r>
+            <a:r>
+              <a:rPr lang="nl-BE" b="0" dirty="0">
+                <a:solidFill>
+                  <a:srgbClr val="000000"/>
+                </a:solidFill>
+                <a:effectLst/>
+                <a:latin typeface="Consolas" panose="020B0609020204030204" pitchFamily="49" charset="0"/>
+              </a:rPr>
+              <a:t>p1.innerText = </a:t>
+            </a:r>
+            <a:r>
+              <a:rPr lang="nl-BE" b="0" dirty="0">
+                <a:solidFill>
+                  <a:srgbClr val="A31515"/>
+                </a:solidFill>
+                <a:effectLst/>
+                <a:latin typeface="Consolas" panose="020B0609020204030204" pitchFamily="49" charset="0"/>
+              </a:rPr>
+              <a:t>"B"</a:t>
+            </a:r>
+            <a:r>
+              <a:rPr lang="nl-BE" b="0" dirty="0">
+                <a:solidFill>
+                  <a:srgbClr val="000000"/>
+                </a:solidFill>
+                <a:effectLst/>
+                <a:latin typeface="Consolas" panose="020B0609020204030204" pitchFamily="49" charset="0"/>
+              </a:rPr>
+              <a:t>;</a:t>
+            </a:r>
+          </a:p>
+          <a:p>
+            <a:pPr>
+              <a:lnSpc>
+                <a:spcPts val="1425"/>
+              </a:lnSpc>
+              <a:spcAft>
+                <a:spcPts val="600"/>
+              </a:spcAft>
+              <a:buNone/>
+            </a:pPr>
+            <a:r>
+              <a:rPr lang="nl-BE" b="0" dirty="0">
+                <a:solidFill>
+                  <a:srgbClr val="000000"/>
+                </a:solidFill>
+                <a:effectLst/>
+                <a:latin typeface="Consolas" panose="020B0609020204030204" pitchFamily="49" charset="0"/>
+              </a:rPr>
+              <a:t>	}</a:t>
+            </a:r>
+          </a:p>
+          <a:p>
+            <a:pPr>
+              <a:lnSpc>
+                <a:spcPts val="1425"/>
+              </a:lnSpc>
+              <a:spcAft>
+                <a:spcPts val="600"/>
+              </a:spcAft>
+              <a:buNone/>
+            </a:pPr>
+            <a:r>
+              <a:rPr lang="nl-BE" b="0" dirty="0">
+                <a:solidFill>
+                  <a:srgbClr val="000000"/>
+                </a:solidFill>
+                <a:effectLst/>
+                <a:latin typeface="Consolas" panose="020B0609020204030204" pitchFamily="49" charset="0"/>
+              </a:rPr>
+              <a:t>}</a:t>
+            </a:r>
+          </a:p>
+        </p:txBody>
+      </p:sp>
+    </p:spTree>
+    <p:extLst>
+      <p:ext uri="{BB962C8B-B14F-4D97-AF65-F5344CB8AC3E}">
+        <p14:creationId xmlns:p14="http://schemas.microsoft.com/office/powerpoint/2010/main" val="3005535933"/>
+      </p:ext>
+    </p:extLst>
+  </p:cSld>
+  <p:clrMapOvr>
+    <a:masterClrMapping/>
+  </p:clrMapOvr>
+</p:sld>
+</file>
+
+<file path=ppt/slides/slide55.xml><?xml version="1.0" encoding="utf-8"?>
+<p:sld xmlns:a="http://schemas.openxmlformats.org/drawingml/2006/main" xmlns:r="http://schemas.openxmlformats.org/officeDocument/2006/relationships" xmlns:p="http://schemas.openxmlformats.org/presentationml/2006/main">
+  <p:cSld>
+    <p:spTree>
+      <p:nvGrpSpPr>
+        <p:cNvPr id="1" name=""/>
+        <p:cNvGrpSpPr/>
+        <p:nvPr/>
+      </p:nvGrpSpPr>
+      <p:grpSpPr>
+        <a:xfrm>
+          <a:off x="0" y="0"/>
+          <a:ext cx="0" cy="0"/>
+          <a:chOff x="0" y="0"/>
+          <a:chExt cx="0" cy="0"/>
+        </a:xfrm>
+      </p:grpSpPr>
+      <p:sp>
+        <p:nvSpPr>
+          <p:cNvPr id="2" name="Titel 1">
+            <a:extLst>
+              <a:ext uri="{FF2B5EF4-FFF2-40B4-BE49-F238E27FC236}">
+                <a16:creationId xmlns:a16="http://schemas.microsoft.com/office/drawing/2014/main" id="{8A1E1CD1-4679-4258-9F5A-8A87F23CD8E9}"/>
+              </a:ext>
+            </a:extLst>
+          </p:cNvPr>
+          <p:cNvSpPr>
+            <a:spLocks noGrp="1"/>
+          </p:cNvSpPr>
+          <p:nvPr>
+            <p:ph type="title"/>
+          </p:nvPr>
+        </p:nvSpPr>
+        <p:spPr/>
+        <p:txBody>
+          <a:bodyPr/>
+          <a:lstStyle/>
+          <a:p>
+            <a:r>
+              <a:rPr lang="nl-BE" dirty="0"/>
+              <a:t>Opdrachten</a:t>
+            </a:r>
+          </a:p>
+        </p:txBody>
+      </p:sp>
+      <p:sp>
+        <p:nvSpPr>
+          <p:cNvPr id="3" name="Tijdelijke aanduiding voor inhoud 2">
+            <a:extLst>
+              <a:ext uri="{FF2B5EF4-FFF2-40B4-BE49-F238E27FC236}">
+                <a16:creationId xmlns:a16="http://schemas.microsoft.com/office/drawing/2014/main" id="{88043A32-EE52-64EB-FCD5-5DBAEF80E0ED}"/>
+              </a:ext>
+            </a:extLst>
+          </p:cNvPr>
+          <p:cNvSpPr>
+            <a:spLocks noGrp="1"/>
+          </p:cNvSpPr>
+          <p:nvPr>
+            <p:ph idx="1"/>
+          </p:nvPr>
+        </p:nvSpPr>
+        <p:spPr/>
+        <p:txBody>
+          <a:bodyPr>
+            <a:normAutofit/>
+          </a:bodyPr>
+          <a:lstStyle/>
+          <a:p>
+            <a:r>
+              <a:rPr lang="nl-BE" dirty="0"/>
+              <a:t>Maak een webpagina met een paragraaf en een knop. Zorg ervoor dat als je op de knop klikt, de volgende tekst in de paragraaf komt: "Op de knop geklikt"</a:t>
+            </a:r>
+          </a:p>
+          <a:p>
+            <a:r>
+              <a:rPr lang="nl-BE" dirty="0"/>
+              <a:t>Maak een knop en een paragraaf. Elke keer dat de knop wordt geklikt, verhoog je een teller en toon je het aantal klikken in de paragraaf.</a:t>
+            </a:r>
+          </a:p>
+          <a:p>
+            <a:r>
+              <a:rPr lang="nl-BE" dirty="0"/>
+              <a:t>Maak een webpagina met een paragraaf, met een zelfgekozen zin (minstens 5 woorden). Zorg ervoor dat als je met de muis over de paragraaf beweegt, alle woorden worden getoond. Als je muis de paragraaf verlaat, toon je slechts de eerste 3 woorden.</a:t>
+            </a:r>
+          </a:p>
+          <a:p>
+            <a:r>
+              <a:rPr lang="nl-BE" dirty="0"/>
+              <a:t>Maak een webpagina met 2 div-elementen. Neem ik elk div-element 3 paragraaf-elementen op, met tekst. Zorg ervoor dat als je op een paragraaf klikt, de andere verdwijnen binnen deze div.</a:t>
+            </a:r>
+          </a:p>
+        </p:txBody>
+      </p:sp>
+    </p:spTree>
+    <p:extLst>
+      <p:ext uri="{BB962C8B-B14F-4D97-AF65-F5344CB8AC3E}">
+        <p14:creationId xmlns:p14="http://schemas.microsoft.com/office/powerpoint/2010/main" val="2505658942"/>
       </p:ext>
     </p:extLst>
   </p:cSld>

--- a/Webdesign.pptx
+++ b/Webdesign.pptx
@@ -47,22 +47,22 @@
     <p:sldId id="304" r:id="rId35"/>
     <p:sldId id="305" r:id="rId36"/>
     <p:sldId id="307" r:id="rId37"/>
-    <p:sldId id="306" r:id="rId38"/>
-    <p:sldId id="311" r:id="rId39"/>
-    <p:sldId id="308" r:id="rId40"/>
-    <p:sldId id="309" r:id="rId41"/>
-    <p:sldId id="310" r:id="rId42"/>
-    <p:sldId id="289" r:id="rId43"/>
-    <p:sldId id="290" r:id="rId44"/>
-    <p:sldId id="295" r:id="rId45"/>
-    <p:sldId id="301" r:id="rId46"/>
-    <p:sldId id="291" r:id="rId47"/>
-    <p:sldId id="297" r:id="rId48"/>
-    <p:sldId id="292" r:id="rId49"/>
-    <p:sldId id="293" r:id="rId50"/>
-    <p:sldId id="300" r:id="rId51"/>
-    <p:sldId id="298" r:id="rId52"/>
-    <p:sldId id="302" r:id="rId53"/>
+    <p:sldId id="312" r:id="rId38"/>
+    <p:sldId id="306" r:id="rId39"/>
+    <p:sldId id="311" r:id="rId40"/>
+    <p:sldId id="308" r:id="rId41"/>
+    <p:sldId id="309" r:id="rId42"/>
+    <p:sldId id="310" r:id="rId43"/>
+    <p:sldId id="289" r:id="rId44"/>
+    <p:sldId id="290" r:id="rId45"/>
+    <p:sldId id="295" r:id="rId46"/>
+    <p:sldId id="301" r:id="rId47"/>
+    <p:sldId id="291" r:id="rId48"/>
+    <p:sldId id="297" r:id="rId49"/>
+    <p:sldId id="292" r:id="rId50"/>
+    <p:sldId id="293" r:id="rId51"/>
+    <p:sldId id="300" r:id="rId52"/>
+    <p:sldId id="298" r:id="rId53"/>
     <p:sldId id="294" r:id="rId54"/>
     <p:sldId id="299" r:id="rId55"/>
     <p:sldId id="296" r:id="rId56"/>
@@ -178,9 +178,143 @@
 <file path=ppt/revisionInfo.xml><?xml version="1.0" encoding="utf-8"?>
 <p1510:revInfo xmlns:a="http://schemas.openxmlformats.org/drawingml/2006/main" xmlns:r="http://schemas.openxmlformats.org/officeDocument/2006/relationships" xmlns:p1510="http://schemas.microsoft.com/office/powerpoint/2015/10/main">
   <p1510:revLst>
-    <p1510:client id="{50F1B78F-DB08-421C-A594-64C53E8BB98D}" v="5" dt="2025-09-18T07:22:34.012"/>
+    <p1510:client id="{35D616E2-1085-46FA-B45A-8B1B4B6E2F4B}" v="2" dt="2025-10-10T05:31:37.174"/>
   </p1510:revLst>
 </p1510:revInfo>
+</file>
+
+<file path=ppt/changesInfos/changesInfo1.xml><?xml version="1.0" encoding="utf-8"?>
+<pc:chgInfo xmlns:a="http://schemas.openxmlformats.org/drawingml/2006/main" xmlns:r="http://schemas.openxmlformats.org/officeDocument/2006/relationships" xmlns:ac="http://schemas.microsoft.com/office/drawing/2013/main/command" xmlns:pc="http://schemas.microsoft.com/office/powerpoint/2013/main/command">
+  <pc:docChgLst>
+    <pc:chgData name="Renaud Leroy" userId="135fb8da-5d77-4f74-8269-9536d61f18e3" providerId="ADAL" clId="{35D616E2-1085-46FA-B45A-8B1B4B6E2F4B}"/>
+    <pc:docChg chg="undo redo custSel addSld delSld modSld">
+      <pc:chgData name="Renaud Leroy" userId="135fb8da-5d77-4f74-8269-9536d61f18e3" providerId="ADAL" clId="{35D616E2-1085-46FA-B45A-8B1B4B6E2F4B}" dt="2025-10-10T05:57:19.213" v="1022" actId="47"/>
+      <pc:docMkLst>
+        <pc:docMk/>
+      </pc:docMkLst>
+      <pc:sldChg chg="modSp mod">
+        <pc:chgData name="Renaud Leroy" userId="135fb8da-5d77-4f74-8269-9536d61f18e3" providerId="ADAL" clId="{35D616E2-1085-46FA-B45A-8B1B4B6E2F4B}" dt="2025-10-10T05:56:37.641" v="1021" actId="20577"/>
+        <pc:sldMkLst>
+          <pc:docMk/>
+          <pc:sldMk cId="1472645518" sldId="293"/>
+        </pc:sldMkLst>
+        <pc:spChg chg="mod">
+          <ac:chgData name="Renaud Leroy" userId="135fb8da-5d77-4f74-8269-9536d61f18e3" providerId="ADAL" clId="{35D616E2-1085-46FA-B45A-8B1B4B6E2F4B}" dt="2025-10-10T05:56:37.641" v="1021" actId="20577"/>
+          <ac:spMkLst>
+            <pc:docMk/>
+            <pc:sldMk cId="1472645518" sldId="293"/>
+            <ac:spMk id="3" creationId="{C0C7DA2F-B487-D715-97AA-0F61AA2BE5F7}"/>
+          </ac:spMkLst>
+        </pc:spChg>
+      </pc:sldChg>
+      <pc:sldChg chg="modSp mod">
+        <pc:chgData name="Renaud Leroy" userId="135fb8da-5d77-4f74-8269-9536d61f18e3" providerId="ADAL" clId="{35D616E2-1085-46FA-B45A-8B1B4B6E2F4B}" dt="2025-10-10T05:56:04.698" v="978" actId="20577"/>
+        <pc:sldMkLst>
+          <pc:docMk/>
+          <pc:sldMk cId="1547160706" sldId="300"/>
+        </pc:sldMkLst>
+        <pc:spChg chg="mod">
+          <ac:chgData name="Renaud Leroy" userId="135fb8da-5d77-4f74-8269-9536d61f18e3" providerId="ADAL" clId="{35D616E2-1085-46FA-B45A-8B1B4B6E2F4B}" dt="2025-10-10T05:56:04.698" v="978" actId="20577"/>
+          <ac:spMkLst>
+            <pc:docMk/>
+            <pc:sldMk cId="1547160706" sldId="300"/>
+            <ac:spMk id="3" creationId="{C836F053-5EF6-11BF-9078-583F9ADCB9CA}"/>
+          </ac:spMkLst>
+        </pc:spChg>
+      </pc:sldChg>
+      <pc:sldChg chg="del">
+        <pc:chgData name="Renaud Leroy" userId="135fb8da-5d77-4f74-8269-9536d61f18e3" providerId="ADAL" clId="{35D616E2-1085-46FA-B45A-8B1B4B6E2F4B}" dt="2025-10-10T05:57:19.213" v="1022" actId="47"/>
+        <pc:sldMkLst>
+          <pc:docMk/>
+          <pc:sldMk cId="69329851" sldId="302"/>
+        </pc:sldMkLst>
+      </pc:sldChg>
+      <pc:sldChg chg="modSp mod">
+        <pc:chgData name="Renaud Leroy" userId="135fb8da-5d77-4f74-8269-9536d61f18e3" providerId="ADAL" clId="{35D616E2-1085-46FA-B45A-8B1B4B6E2F4B}" dt="2025-10-10T05:31:32.376" v="453" actId="20577"/>
+        <pc:sldMkLst>
+          <pc:docMk/>
+          <pc:sldMk cId="3466630859" sldId="305"/>
+        </pc:sldMkLst>
+        <pc:spChg chg="mod">
+          <ac:chgData name="Renaud Leroy" userId="135fb8da-5d77-4f74-8269-9536d61f18e3" providerId="ADAL" clId="{35D616E2-1085-46FA-B45A-8B1B4B6E2F4B}" dt="2025-10-10T05:31:32.376" v="453" actId="20577"/>
+          <ac:spMkLst>
+            <pc:docMk/>
+            <pc:sldMk cId="3466630859" sldId="305"/>
+            <ac:spMk id="3" creationId="{63C23151-D61C-FF5B-E4F5-55F973585E16}"/>
+          </ac:spMkLst>
+        </pc:spChg>
+      </pc:sldChg>
+      <pc:sldChg chg="modSp mod">
+        <pc:chgData name="Renaud Leroy" userId="135fb8da-5d77-4f74-8269-9536d61f18e3" providerId="ADAL" clId="{35D616E2-1085-46FA-B45A-8B1B4B6E2F4B}" dt="2025-10-10T05:44:18.612" v="802" actId="20577"/>
+        <pc:sldMkLst>
+          <pc:docMk/>
+          <pc:sldMk cId="1178364668" sldId="307"/>
+        </pc:sldMkLst>
+        <pc:spChg chg="mod">
+          <ac:chgData name="Renaud Leroy" userId="135fb8da-5d77-4f74-8269-9536d61f18e3" providerId="ADAL" clId="{35D616E2-1085-46FA-B45A-8B1B4B6E2F4B}" dt="2025-10-10T05:31:42.173" v="463" actId="20577"/>
+          <ac:spMkLst>
+            <pc:docMk/>
+            <pc:sldMk cId="1178364668" sldId="307"/>
+            <ac:spMk id="2" creationId="{EE97D044-1506-7668-1ACE-B541FF5361FD}"/>
+          </ac:spMkLst>
+        </pc:spChg>
+        <pc:spChg chg="mod">
+          <ac:chgData name="Renaud Leroy" userId="135fb8da-5d77-4f74-8269-9536d61f18e3" providerId="ADAL" clId="{35D616E2-1085-46FA-B45A-8B1B4B6E2F4B}" dt="2025-10-10T05:44:18.612" v="802" actId="20577"/>
+          <ac:spMkLst>
+            <pc:docMk/>
+            <pc:sldMk cId="1178364668" sldId="307"/>
+            <ac:spMk id="3" creationId="{E57CB285-4E52-D8FC-8EF9-A7D1133C8F68}"/>
+          </ac:spMkLst>
+        </pc:spChg>
+      </pc:sldChg>
+      <pc:sldChg chg="modSp mod">
+        <pc:chgData name="Renaud Leroy" userId="135fb8da-5d77-4f74-8269-9536d61f18e3" providerId="ADAL" clId="{35D616E2-1085-46FA-B45A-8B1B4B6E2F4B}" dt="2025-10-10T05:51:11.273" v="922" actId="20577"/>
+        <pc:sldMkLst>
+          <pc:docMk/>
+          <pc:sldMk cId="3441298857" sldId="309"/>
+        </pc:sldMkLst>
+        <pc:spChg chg="mod">
+          <ac:chgData name="Renaud Leroy" userId="135fb8da-5d77-4f74-8269-9536d61f18e3" providerId="ADAL" clId="{35D616E2-1085-46FA-B45A-8B1B4B6E2F4B}" dt="2025-10-10T04:37:52.079" v="267" actId="1076"/>
+          <ac:spMkLst>
+            <pc:docMk/>
+            <pc:sldMk cId="3441298857" sldId="309"/>
+            <ac:spMk id="2" creationId="{4A29AC2E-AC31-2BAB-D3C9-A99F54669462}"/>
+          </ac:spMkLst>
+        </pc:spChg>
+        <pc:spChg chg="mod">
+          <ac:chgData name="Renaud Leroy" userId="135fb8da-5d77-4f74-8269-9536d61f18e3" providerId="ADAL" clId="{35D616E2-1085-46FA-B45A-8B1B4B6E2F4B}" dt="2025-10-10T05:51:11.273" v="922" actId="20577"/>
+          <ac:spMkLst>
+            <pc:docMk/>
+            <pc:sldMk cId="3441298857" sldId="309"/>
+            <ac:spMk id="3" creationId="{9DCC9DD8-C103-04AB-47A5-42AAAB7E1207}"/>
+          </ac:spMkLst>
+        </pc:spChg>
+      </pc:sldChg>
+      <pc:sldChg chg="modSp mod">
+        <pc:chgData name="Renaud Leroy" userId="135fb8da-5d77-4f74-8269-9536d61f18e3" providerId="ADAL" clId="{35D616E2-1085-46FA-B45A-8B1B4B6E2F4B}" dt="2025-10-10T05:53:25.651" v="923" actId="20577"/>
+        <pc:sldMkLst>
+          <pc:docMk/>
+          <pc:sldMk cId="2144668814" sldId="310"/>
+        </pc:sldMkLst>
+        <pc:spChg chg="mod">
+          <ac:chgData name="Renaud Leroy" userId="135fb8da-5d77-4f74-8269-9536d61f18e3" providerId="ADAL" clId="{35D616E2-1085-46FA-B45A-8B1B4B6E2F4B}" dt="2025-10-10T05:53:25.651" v="923" actId="20577"/>
+          <ac:spMkLst>
+            <pc:docMk/>
+            <pc:sldMk cId="2144668814" sldId="310"/>
+            <ac:spMk id="3" creationId="{6FB43E0E-C9ED-313F-1FB1-7F50DB877ABE}"/>
+          </ac:spMkLst>
+        </pc:spChg>
+      </pc:sldChg>
+      <pc:sldChg chg="add">
+        <pc:chgData name="Renaud Leroy" userId="135fb8da-5d77-4f74-8269-9536d61f18e3" providerId="ADAL" clId="{35D616E2-1085-46FA-B45A-8B1B4B6E2F4B}" dt="2025-10-10T05:31:37.174" v="454"/>
+        <pc:sldMkLst>
+          <pc:docMk/>
+          <pc:sldMk cId="4144912472" sldId="312"/>
+        </pc:sldMkLst>
+      </pc:sldChg>
+    </pc:docChg>
+  </pc:docChgLst>
+</pc:chgInfo>
 </file>
 
 <file path=ppt/handoutMasters/handoutMaster1.xml><?xml version="1.0" encoding="utf-8"?>
@@ -267,7 +401,7 @@
             <a:pPr rtl="0"/>
             <a:fld id="{5A14EC35-A083-4CA2-A629-54FB374745AC}" type="datetime1">
               <a:rPr lang="nl-NL" smtClean="0"/>
-              <a:t>3-10-2025</a:t>
+              <a:t>10-10-2025</a:t>
             </a:fld>
             <a:endParaRPr lang="en-US" dirty="0"/>
           </a:p>
@@ -437,7 +571,7 @@
             <a:pPr rtl="0"/>
             <a:fld id="{B32F82C2-DE9F-479D-95B3-30B2F9C315A1}" type="datetime1">
               <a:rPr lang="nl-NL" smtClean="0"/>
-              <a:t>3-10-2025</a:t>
+              <a:t>10-10-2025</a:t>
             </a:fld>
             <a:endParaRPr lang="en-US"/>
           </a:p>
@@ -951,7 +1085,7 @@
             <a:pPr rtl="0"/>
             <a:fld id="{A83A1771-3711-4549-B223-6BFD613711ED}" type="datetime1">
               <a:rPr lang="nl-NL" smtClean="0"/>
-              <a:t>3-10-2025</a:t>
+              <a:t>10-10-2025</a:t>
             </a:fld>
             <a:endParaRPr lang="en-US" dirty="0"/>
           </a:p>
@@ -1158,7 +1292,7 @@
             <a:pPr rtl="0"/>
             <a:fld id="{D08EE877-7E72-4A3F-BF87-CE406B3EE1C5}" type="datetime1">
               <a:rPr lang="nl-NL" smtClean="0"/>
-              <a:t>3-10-2025</a:t>
+              <a:t>10-10-2025</a:t>
             </a:fld>
             <a:endParaRPr lang="en-US" dirty="0"/>
           </a:p>
@@ -1524,7 +1658,7 @@
             <a:pPr rtl="0"/>
             <a:fld id="{4CC54E9F-8ACA-4714-84BB-74BA71865A3C}" type="datetime1">
               <a:rPr lang="nl-NL" smtClean="0"/>
-              <a:t>3-10-2025</a:t>
+              <a:t>10-10-2025</a:t>
             </a:fld>
             <a:endParaRPr lang="en-US" dirty="0"/>
           </a:p>
@@ -1956,7 +2090,7 @@
             <a:pPr rtl="0"/>
             <a:fld id="{66D3D282-C61A-41D7-9714-7814FA67361E}" type="datetime1">
               <a:rPr lang="nl-NL" smtClean="0"/>
-              <a:t>3-10-2025</a:t>
+              <a:t>10-10-2025</a:t>
             </a:fld>
             <a:endParaRPr lang="en-US" dirty="0"/>
           </a:p>
@@ -2213,7 +2347,7 @@
             <a:pPr rtl="0"/>
             <a:fld id="{55CAE64B-8D6D-4B8F-BAE1-453EBC33DDBA}" type="datetime1">
               <a:rPr lang="nl-NL" smtClean="0"/>
-              <a:t>3-10-2025</a:t>
+              <a:t>10-10-2025</a:t>
             </a:fld>
             <a:endParaRPr lang="en-US" dirty="0"/>
           </a:p>
@@ -2639,7 +2773,7 @@
             <a:pPr rtl="0"/>
             <a:fld id="{7DD41833-08F9-41B2-81FC-2883EDAAEF19}" type="datetime1">
               <a:rPr lang="nl-NL" smtClean="0"/>
-              <a:t>3-10-2025</a:t>
+              <a:t>10-10-2025</a:t>
             </a:fld>
             <a:endParaRPr lang="en-US" dirty="0"/>
           </a:p>
@@ -2766,7 +2900,7 @@
             <a:pPr rtl="0"/>
             <a:fld id="{5DC9B189-AE00-478F-84A9-63330A766802}" type="datetime1">
               <a:rPr lang="nl-NL" smtClean="0"/>
-              <a:t>3-10-2025</a:t>
+              <a:t>10-10-2025</a:t>
             </a:fld>
             <a:endParaRPr lang="en-US" dirty="0"/>
           </a:p>
@@ -2864,7 +2998,7 @@
             <a:pPr rtl="0"/>
             <a:fld id="{C4D93972-B93F-42C7-B487-83AAA3F36605}" type="datetime1">
               <a:rPr lang="nl-NL" smtClean="0"/>
-              <a:t>3-10-2025</a:t>
+              <a:t>10-10-2025</a:t>
             </a:fld>
             <a:endParaRPr lang="en-US" dirty="0"/>
           </a:p>
@@ -3245,7 +3379,7 @@
             <a:pPr rtl="0"/>
             <a:fld id="{41CBEB4C-81CC-455E-9331-682EF29A1EAB}" type="datetime1">
               <a:rPr lang="nl-NL" smtClean="0"/>
-              <a:t>3-10-2025</a:t>
+              <a:t>10-10-2025</a:t>
             </a:fld>
             <a:endParaRPr lang="en-US" dirty="0"/>
           </a:p>
@@ -3543,7 +3677,7 @@
             <a:pPr rtl="0"/>
             <a:fld id="{87691925-8A1E-4010-8BF9-64E08633B604}" type="datetime1">
               <a:rPr lang="nl-NL" smtClean="0"/>
-              <a:t>3-10-2025</a:t>
+              <a:t>10-10-2025</a:t>
             </a:fld>
             <a:endParaRPr lang="en-US" dirty="0"/>
           </a:p>
@@ -3761,7 +3895,7 @@
             <a:pPr rtl="0"/>
             <a:fld id="{18D3FD7C-4B51-47DA-BCF4-68F2F2963CDA}" type="datetime1">
               <a:rPr lang="nl-NL" smtClean="0"/>
-              <a:t>3-10-2025</a:t>
+              <a:t>10-10-2025</a:t>
             </a:fld>
             <a:endParaRPr lang="en-US" dirty="0"/>
           </a:p>
@@ -7811,7 +7945,7 @@
             <a:pPr rtl="0"/>
             <a:fld id="{66D3D282-C61A-41D7-9714-7814FA67361E}" type="datetime1">
               <a:rPr lang="nl-NL" smtClean="0"/>
-              <a:t>3-10-2025</a:t>
+              <a:t>10-10-2025</a:t>
             </a:fld>
             <a:endParaRPr lang="en-US" dirty="0"/>
           </a:p>
@@ -10889,7 +11023,7 @@
             <a:pPr rtl="0"/>
             <a:fld id="{66D3D282-C61A-41D7-9714-7814FA67361E}" type="datetime1">
               <a:rPr lang="nl-NL" smtClean="0"/>
-              <a:t>3-10-2025</a:t>
+              <a:t>10-10-2025</a:t>
             </a:fld>
             <a:endParaRPr lang="en-US" dirty="0"/>
           </a:p>
@@ -14670,7 +14804,7 @@
         </p:spPr>
         <p:txBody>
           <a:bodyPr>
-            <a:normAutofit/>
+            <a:normAutofit lnSpcReduction="10000"/>
           </a:bodyPr>
           <a:lstStyle/>
           <a:p>
@@ -14695,6 +14829,28 @@
             <a:r>
               <a:rPr lang="nl-BE" dirty="0"/>
               <a:t>: tekstkleur</a:t>
+            </a:r>
+          </a:p>
+          <a:p>
+            <a:r>
+              <a:rPr lang="nl-BE" dirty="0"/>
+              <a:t>display: hoe een element moet worden getoond t.o.v. andere elementen (block/</a:t>
+            </a:r>
+            <a:r>
+              <a:rPr lang="nl-BE" dirty="0" err="1"/>
+              <a:t>inline</a:t>
+            </a:r>
+            <a:r>
+              <a:rPr lang="nl-BE" dirty="0"/>
+              <a:t>/</a:t>
+            </a:r>
+            <a:r>
+              <a:rPr lang="nl-BE" dirty="0" err="1"/>
+              <a:t>inherit</a:t>
+            </a:r>
+            <a:r>
+              <a:rPr lang="nl-BE" dirty="0"/>
+              <a:t>/…)</a:t>
             </a:r>
           </a:p>
           <a:p>
@@ -14894,7 +15050,7 @@
           <a:p>
             <a:r>
               <a:rPr lang="nl-BE" dirty="0"/>
-              <a:t>eigenschappen: Kleuren</a:t>
+              <a:t>eigenschappen: Display</a:t>
             </a:r>
           </a:p>
         </p:txBody>
@@ -14922,147 +15078,66 @@
           <a:p>
             <a:r>
               <a:rPr lang="nl-BE" dirty="0"/>
-              <a:t>Vooraf gedefinieerde kleuren: black, green, red, </a:t>
+              <a:t>Bepaalt hoe een element wordt getoond, en dus ook hoe je hier bepaalde eigenschappen (zoals </a:t>
             </a:r>
             <a:r>
               <a:rPr lang="nl-BE" dirty="0" err="1"/>
-              <a:t>yellow</a:t>
-            </a:r>
-            <a:r>
-              <a:rPr lang="nl-BE" dirty="0"/>
-              <a:t>, …, </a:t>
-            </a:r>
+              <a:t>margin</a:t>
+            </a:r>
+            <a:r>
+              <a:rPr lang="nl-BE" dirty="0"/>
+              <a:t>: auto) op kan toepassen.</a:t>
+            </a:r>
+          </a:p>
+          <a:p>
+            <a:r>
+              <a:rPr lang="nl-BE" dirty="0"/>
+              <a:t>Waarde:</a:t>
+            </a:r>
+          </a:p>
+          <a:p>
+            <a:pPr lvl="1"/>
             <a:r>
               <a:rPr lang="nl-BE" dirty="0" err="1"/>
-              <a:t>salmon</a:t>
-            </a:r>
-            <a:r>
-              <a:rPr lang="nl-BE" dirty="0"/>
-              <a:t>, </a:t>
-            </a:r>
+              <a:t>Inline</a:t>
+            </a:r>
+            <a:r>
+              <a:rPr lang="nl-BE" dirty="0"/>
+              <a:t>: zoals een &lt;span&gt;, dus </a:t>
+            </a:r>
+            <a:r>
+              <a:rPr lang="nl-BE" i="1" dirty="0"/>
+              <a:t>in </a:t>
+            </a:r>
+            <a:r>
+              <a:rPr lang="nl-BE" dirty="0"/>
+              <a:t>een </a:t>
+            </a:r>
+            <a:r>
+              <a:rPr lang="nl-BE" i="1" dirty="0"/>
+              <a:t>line</a:t>
+            </a:r>
+            <a:r>
+              <a:rPr lang="nl-BE" dirty="0"/>
+              <a:t> met andere elementen.</a:t>
+            </a:r>
+          </a:p>
+          <a:p>
+            <a:pPr lvl="1"/>
+            <a:r>
+              <a:rPr lang="nl-BE" dirty="0"/>
+              <a:t>Block: zoals een &lt;p&gt;, dus als een aparte block</a:t>
+            </a:r>
+          </a:p>
+          <a:p>
+            <a:pPr lvl="1"/>
             <a:r>
               <a:rPr lang="nl-BE" dirty="0" err="1"/>
-              <a:t>lightblue</a:t>
-            </a:r>
-            <a:r>
-              <a:rPr lang="nl-BE" dirty="0"/>
-              <a:t>, </a:t>
-            </a:r>
-            <a:r>
-              <a:rPr lang="nl-BE" dirty="0" err="1"/>
-              <a:t>cornsilk</a:t>
-            </a:r>
-            <a:r>
-              <a:rPr lang="nl-BE" dirty="0"/>
-              <a:t>, …</a:t>
-            </a:r>
-          </a:p>
-          <a:p>
-            <a:r>
-              <a:rPr lang="nl-BE" dirty="0"/>
-              <a:t>Eigen kleuren:</a:t>
-            </a:r>
-          </a:p>
-          <a:p>
-            <a:pPr lvl="1"/>
-            <a:r>
-              <a:rPr lang="nl-BE" dirty="0"/>
-              <a:t>RGB (</a:t>
-            </a:r>
-            <a:r>
-              <a:rPr lang="nl-BE" dirty="0" err="1"/>
-              <a:t>Red,Green,Blue</a:t>
-            </a:r>
-            <a:r>
-              <a:rPr lang="nl-BE" dirty="0"/>
-              <a:t>): combinatie van 3 kleuren (0-255 per kleur): </a:t>
-            </a:r>
-            <a:r>
-              <a:rPr lang="nl-BE" dirty="0">
-                <a:hlinkClick r:id="rId2"/>
-              </a:rPr>
-              <a:t>https://share.google/0pBR33foiEkki6AAg</a:t>
-            </a:r>
-            <a:endParaRPr lang="nl-BE" dirty="0"/>
-          </a:p>
-          <a:p>
-            <a:pPr lvl="2"/>
-            <a:r>
-              <a:rPr lang="nl-BE" dirty="0"/>
-              <a:t>(0-255,0-255,0-255) of </a:t>
-            </a:r>
-            <a:r>
-              <a:rPr lang="nl-BE" dirty="0" err="1"/>
-              <a:t>hex</a:t>
-            </a:r>
-            <a:r>
-              <a:rPr lang="nl-BE" dirty="0"/>
-              <a:t>: </a:t>
-            </a:r>
-            <a:r>
-              <a:rPr lang="nl-BE" dirty="0">
-                <a:hlinkClick r:id="rId3"/>
-              </a:rPr>
-              <a:t>https://share.google/E5pHoJpTk3ROo5yqP</a:t>
-            </a:r>
-            <a:r>
-              <a:rPr lang="nl-BE" dirty="0"/>
-              <a:t> </a:t>
-            </a:r>
-          </a:p>
-          <a:p>
-            <a:pPr lvl="1"/>
-            <a:r>
-              <a:rPr lang="nl-BE" dirty="0"/>
-              <a:t>HSL (</a:t>
-            </a:r>
-            <a:r>
-              <a:rPr lang="nl-BE" dirty="0" err="1"/>
-              <a:t>Hue</a:t>
-            </a:r>
-            <a:r>
-              <a:rPr lang="nl-BE" dirty="0"/>
-              <a:t> </a:t>
-            </a:r>
-            <a:r>
-              <a:rPr lang="nl-BE" dirty="0" err="1"/>
-              <a:t>Saturation</a:t>
-            </a:r>
-            <a:r>
-              <a:rPr lang="nl-BE" dirty="0"/>
-              <a:t> </a:t>
-            </a:r>
-            <a:r>
-              <a:rPr lang="nl-BE" dirty="0" err="1"/>
-              <a:t>Lightness</a:t>
-            </a:r>
-            <a:r>
-              <a:rPr lang="nl-BE" dirty="0"/>
-              <a:t>): </a:t>
-            </a:r>
-            <a:r>
-              <a:rPr lang="nl-BE" dirty="0">
-                <a:hlinkClick r:id="rId4"/>
-              </a:rPr>
-              <a:t>https://www.hslpicker.com/</a:t>
-            </a:r>
-            <a:r>
-              <a:rPr lang="nl-BE" dirty="0"/>
-              <a:t> </a:t>
-            </a:r>
-          </a:p>
-          <a:p>
-            <a:r>
-              <a:rPr lang="nl-BE" dirty="0"/>
-              <a:t>Ga spaarzaam om met kleur. </a:t>
-            </a:r>
-            <a:r>
-              <a:rPr lang="nl-BE" dirty="0" err="1"/>
-              <a:t>Less</a:t>
-            </a:r>
-            <a:r>
-              <a:rPr lang="nl-BE" dirty="0"/>
-              <a:t> is more!</a:t>
+              <a:t>Inherit</a:t>
+            </a:r>
+            <a:r>
+              <a:rPr lang="nl-BE" dirty="0"/>
+              <a:t>: neemt over van bovenliggend element</a:t>
             </a:r>
           </a:p>
         </p:txBody>
@@ -15081,6 +15156,238 @@
 </file>
 
 <file path=ppt/slides/slide37.xml><?xml version="1.0" encoding="utf-8"?>
+<p:sld xmlns:a="http://schemas.openxmlformats.org/drawingml/2006/main" xmlns:r="http://schemas.openxmlformats.org/officeDocument/2006/relationships" xmlns:p="http://schemas.openxmlformats.org/presentationml/2006/main">
+  <p:cSld>
+    <p:spTree>
+      <p:nvGrpSpPr>
+        <p:cNvPr id="1" name="">
+          <a:extLst>
+            <a:ext uri="{FF2B5EF4-FFF2-40B4-BE49-F238E27FC236}">
+              <a16:creationId xmlns:a16="http://schemas.microsoft.com/office/drawing/2014/main" id="{C6064CD0-11EA-4B65-8D5E-C0F8F93761E5}"/>
+            </a:ext>
+          </a:extLst>
+        </p:cNvPr>
+        <p:cNvGrpSpPr/>
+        <p:nvPr/>
+      </p:nvGrpSpPr>
+      <p:grpSpPr>
+        <a:xfrm>
+          <a:off x="0" y="0"/>
+          <a:ext cx="0" cy="0"/>
+          <a:chOff x="0" y="0"/>
+          <a:chExt cx="0" cy="0"/>
+        </a:xfrm>
+      </p:grpSpPr>
+      <p:sp>
+        <p:nvSpPr>
+          <p:cNvPr id="2" name="Titel 1">
+            <a:extLst>
+              <a:ext uri="{FF2B5EF4-FFF2-40B4-BE49-F238E27FC236}">
+                <a16:creationId xmlns:a16="http://schemas.microsoft.com/office/drawing/2014/main" id="{EE97D044-1506-7668-1ACE-B541FF5361FD}"/>
+              </a:ext>
+            </a:extLst>
+          </p:cNvPr>
+          <p:cNvSpPr>
+            <a:spLocks noGrp="1"/>
+          </p:cNvSpPr>
+          <p:nvPr>
+            <p:ph type="title"/>
+          </p:nvPr>
+        </p:nvSpPr>
+        <p:spPr/>
+        <p:txBody>
+          <a:bodyPr/>
+          <a:lstStyle/>
+          <a:p>
+            <a:r>
+              <a:rPr lang="nl-BE" dirty="0"/>
+              <a:t>eigenschappen: Kleuren</a:t>
+            </a:r>
+          </a:p>
+        </p:txBody>
+      </p:sp>
+      <p:sp>
+        <p:nvSpPr>
+          <p:cNvPr id="3" name="Tijdelijke aanduiding voor inhoud 2">
+            <a:extLst>
+              <a:ext uri="{FF2B5EF4-FFF2-40B4-BE49-F238E27FC236}">
+                <a16:creationId xmlns:a16="http://schemas.microsoft.com/office/drawing/2014/main" id="{E57CB285-4E52-D8FC-8EF9-A7D1133C8F68}"/>
+              </a:ext>
+            </a:extLst>
+          </p:cNvPr>
+          <p:cNvSpPr>
+            <a:spLocks noGrp="1"/>
+          </p:cNvSpPr>
+          <p:nvPr>
+            <p:ph idx="1"/>
+          </p:nvPr>
+        </p:nvSpPr>
+        <p:spPr/>
+        <p:txBody>
+          <a:bodyPr/>
+          <a:lstStyle/>
+          <a:p>
+            <a:r>
+              <a:rPr lang="nl-BE" dirty="0"/>
+              <a:t>Vooraf gedefinieerde kleuren: black, green, red, </a:t>
+            </a:r>
+            <a:r>
+              <a:rPr lang="nl-BE" dirty="0" err="1"/>
+              <a:t>yellow</a:t>
+            </a:r>
+            <a:r>
+              <a:rPr lang="nl-BE" dirty="0"/>
+              <a:t>, …, </a:t>
+            </a:r>
+            <a:r>
+              <a:rPr lang="nl-BE" dirty="0" err="1"/>
+              <a:t>salmon</a:t>
+            </a:r>
+            <a:r>
+              <a:rPr lang="nl-BE" dirty="0"/>
+              <a:t>, </a:t>
+            </a:r>
+            <a:r>
+              <a:rPr lang="nl-BE" dirty="0" err="1"/>
+              <a:t>lightblue</a:t>
+            </a:r>
+            <a:r>
+              <a:rPr lang="nl-BE" dirty="0"/>
+              <a:t>, </a:t>
+            </a:r>
+            <a:r>
+              <a:rPr lang="nl-BE" dirty="0" err="1"/>
+              <a:t>cornsilk</a:t>
+            </a:r>
+            <a:r>
+              <a:rPr lang="nl-BE" dirty="0"/>
+              <a:t>, …</a:t>
+            </a:r>
+          </a:p>
+          <a:p>
+            <a:r>
+              <a:rPr lang="nl-BE" dirty="0"/>
+              <a:t>Eigen kleuren:</a:t>
+            </a:r>
+          </a:p>
+          <a:p>
+            <a:pPr lvl="1"/>
+            <a:r>
+              <a:rPr lang="nl-BE" dirty="0"/>
+              <a:t>RGB (</a:t>
+            </a:r>
+            <a:r>
+              <a:rPr lang="nl-BE" dirty="0" err="1"/>
+              <a:t>Red,Green,Blue</a:t>
+            </a:r>
+            <a:r>
+              <a:rPr lang="nl-BE" dirty="0"/>
+              <a:t>): combinatie van 3 kleuren (0-255 per kleur): </a:t>
+            </a:r>
+            <a:r>
+              <a:rPr lang="nl-BE" dirty="0">
+                <a:hlinkClick r:id="rId2"/>
+              </a:rPr>
+              <a:t>https://share.google/0pBR33foiEkki6AAg</a:t>
+            </a:r>
+            <a:endParaRPr lang="nl-BE" dirty="0"/>
+          </a:p>
+          <a:p>
+            <a:pPr lvl="2"/>
+            <a:r>
+              <a:rPr lang="nl-BE" dirty="0"/>
+              <a:t>(0-255,0-255,0-255) of </a:t>
+            </a:r>
+            <a:r>
+              <a:rPr lang="nl-BE" dirty="0" err="1"/>
+              <a:t>hex</a:t>
+            </a:r>
+            <a:r>
+              <a:rPr lang="nl-BE" dirty="0"/>
+              <a:t>: </a:t>
+            </a:r>
+            <a:r>
+              <a:rPr lang="nl-BE" dirty="0">
+                <a:hlinkClick r:id="rId3"/>
+              </a:rPr>
+              <a:t>https://share.google/E5pHoJpTk3ROo5yqP</a:t>
+            </a:r>
+            <a:r>
+              <a:rPr lang="nl-BE" dirty="0"/>
+              <a:t> </a:t>
+            </a:r>
+          </a:p>
+          <a:p>
+            <a:pPr lvl="1"/>
+            <a:r>
+              <a:rPr lang="nl-BE" dirty="0"/>
+              <a:t>HSL (</a:t>
+            </a:r>
+            <a:r>
+              <a:rPr lang="nl-BE" dirty="0" err="1"/>
+              <a:t>Hue</a:t>
+            </a:r>
+            <a:r>
+              <a:rPr lang="nl-BE" dirty="0"/>
+              <a:t> </a:t>
+            </a:r>
+            <a:r>
+              <a:rPr lang="nl-BE" dirty="0" err="1"/>
+              <a:t>Saturation</a:t>
+            </a:r>
+            <a:r>
+              <a:rPr lang="nl-BE" dirty="0"/>
+              <a:t> </a:t>
+            </a:r>
+            <a:r>
+              <a:rPr lang="nl-BE" dirty="0" err="1"/>
+              <a:t>Lightness</a:t>
+            </a:r>
+            <a:r>
+              <a:rPr lang="nl-BE" dirty="0"/>
+              <a:t>): </a:t>
+            </a:r>
+            <a:r>
+              <a:rPr lang="nl-BE" dirty="0">
+                <a:hlinkClick r:id="rId4"/>
+              </a:rPr>
+              <a:t>https://www.hslpicker.com/</a:t>
+            </a:r>
+            <a:r>
+              <a:rPr lang="nl-BE" dirty="0"/>
+              <a:t> </a:t>
+            </a:r>
+          </a:p>
+          <a:p>
+            <a:r>
+              <a:rPr lang="nl-BE" dirty="0"/>
+              <a:t>Ga spaarzaam om met kleur. </a:t>
+            </a:r>
+            <a:r>
+              <a:rPr lang="nl-BE" dirty="0" err="1"/>
+              <a:t>Less</a:t>
+            </a:r>
+            <a:r>
+              <a:rPr lang="nl-BE" dirty="0"/>
+              <a:t> is more!</a:t>
+            </a:r>
+          </a:p>
+        </p:txBody>
+      </p:sp>
+    </p:spTree>
+    <p:extLst>
+      <p:ext uri="{BB962C8B-B14F-4D97-AF65-F5344CB8AC3E}">
+        <p14:creationId xmlns:p14="http://schemas.microsoft.com/office/powerpoint/2010/main" val="4144912472"/>
+      </p:ext>
+    </p:extLst>
+  </p:cSld>
+  <p:clrMapOvr>
+    <a:masterClrMapping/>
+  </p:clrMapOvr>
+</p:sld>
+</file>
+
+<file path=ppt/slides/slide38.xml><?xml version="1.0" encoding="utf-8"?>
 <p:sld xmlns:a="http://schemas.openxmlformats.org/drawingml/2006/main" xmlns:r="http://schemas.openxmlformats.org/officeDocument/2006/relationships" xmlns:p="http://schemas.openxmlformats.org/presentationml/2006/main">
   <p:cSld>
     <p:spTree>
@@ -15307,7 +15614,7 @@
 </p:sld>
 </file>
 
-<file path=ppt/slides/slide38.xml><?xml version="1.0" encoding="utf-8"?>
+<file path=ppt/slides/slide39.xml><?xml version="1.0" encoding="utf-8"?>
 <p:sld xmlns:a="http://schemas.openxmlformats.org/drawingml/2006/main" xmlns:r="http://schemas.openxmlformats.org/officeDocument/2006/relationships" xmlns:p="http://schemas.openxmlformats.org/presentationml/2006/main">
   <p:cSld>
     <p:spTree>
@@ -15533,240 +15840,6 @@
     <p:extLst>
       <p:ext uri="{BB962C8B-B14F-4D97-AF65-F5344CB8AC3E}">
         <p14:creationId xmlns:p14="http://schemas.microsoft.com/office/powerpoint/2010/main" val="4022230308"/>
-      </p:ext>
-    </p:extLst>
-  </p:cSld>
-  <p:clrMapOvr>
-    <a:masterClrMapping/>
-  </p:clrMapOvr>
-</p:sld>
-</file>
-
-<file path=ppt/slides/slide39.xml><?xml version="1.0" encoding="utf-8"?>
-<p:sld xmlns:a="http://schemas.openxmlformats.org/drawingml/2006/main" xmlns:r="http://schemas.openxmlformats.org/officeDocument/2006/relationships" xmlns:p="http://schemas.openxmlformats.org/presentationml/2006/main">
-  <p:cSld>
-    <p:spTree>
-      <p:nvGrpSpPr>
-        <p:cNvPr id="1" name="">
-          <a:extLst>
-            <a:ext uri="{FF2B5EF4-FFF2-40B4-BE49-F238E27FC236}">
-              <a16:creationId xmlns:a16="http://schemas.microsoft.com/office/drawing/2014/main" id="{4557281D-A62B-3423-46C8-44D7B01B3A59}"/>
-            </a:ext>
-          </a:extLst>
-        </p:cNvPr>
-        <p:cNvGrpSpPr/>
-        <p:nvPr/>
-      </p:nvGrpSpPr>
-      <p:grpSpPr>
-        <a:xfrm>
-          <a:off x="0" y="0"/>
-          <a:ext cx="0" cy="0"/>
-          <a:chOff x="0" y="0"/>
-          <a:chExt cx="0" cy="0"/>
-        </a:xfrm>
-      </p:grpSpPr>
-      <p:sp>
-        <p:nvSpPr>
-          <p:cNvPr id="2" name="Titel 1">
-            <a:extLst>
-              <a:ext uri="{FF2B5EF4-FFF2-40B4-BE49-F238E27FC236}">
-                <a16:creationId xmlns:a16="http://schemas.microsoft.com/office/drawing/2014/main" id="{5E2F972F-C703-4F5A-1906-98485D04352B}"/>
-              </a:ext>
-            </a:extLst>
-          </p:cNvPr>
-          <p:cNvSpPr>
-            <a:spLocks noGrp="1"/>
-          </p:cNvSpPr>
-          <p:nvPr>
-            <p:ph type="title"/>
-          </p:nvPr>
-        </p:nvSpPr>
-        <p:spPr/>
-        <p:txBody>
-          <a:bodyPr/>
-          <a:lstStyle/>
-          <a:p>
-            <a:r>
-              <a:rPr lang="nl-BE" dirty="0"/>
-              <a:t>Opdrachten</a:t>
-            </a:r>
-          </a:p>
-        </p:txBody>
-      </p:sp>
-      <p:sp>
-        <p:nvSpPr>
-          <p:cNvPr id="3" name="Tijdelijke aanduiding voor inhoud 2">
-            <a:extLst>
-              <a:ext uri="{FF2B5EF4-FFF2-40B4-BE49-F238E27FC236}">
-                <a16:creationId xmlns:a16="http://schemas.microsoft.com/office/drawing/2014/main" id="{F327F411-F1D4-9C78-AE6A-AF937B0D182C}"/>
-              </a:ext>
-            </a:extLst>
-          </p:cNvPr>
-          <p:cNvSpPr>
-            <a:spLocks noGrp="1"/>
-          </p:cNvSpPr>
-          <p:nvPr>
-            <p:ph idx="1"/>
-          </p:nvPr>
-        </p:nvSpPr>
-        <p:spPr>
-          <a:xfrm>
-            <a:off x="581192" y="2078396"/>
-            <a:ext cx="11029615" cy="4347803"/>
-          </a:xfrm>
-        </p:spPr>
-        <p:txBody>
-          <a:bodyPr>
-            <a:normAutofit fontScale="92500" lnSpcReduction="10000"/>
-          </a:bodyPr>
-          <a:lstStyle/>
-          <a:p>
-            <a:r>
-              <a:rPr lang="nl-BE" dirty="0"/>
-              <a:t>Maak een HTML-pagina met:</a:t>
-            </a:r>
-          </a:p>
-          <a:p>
-            <a:pPr lvl="1"/>
-            <a:r>
-              <a:rPr lang="nl-BE" dirty="0"/>
-              <a:t>&lt;h1&gt; met je naam</a:t>
-            </a:r>
-          </a:p>
-          <a:p>
-            <a:pPr lvl="1"/>
-            <a:r>
-              <a:rPr lang="nl-BE" dirty="0"/>
-              <a:t>&lt;h2&gt; met je beroep of hobby</a:t>
-            </a:r>
-          </a:p>
-          <a:p>
-            <a:pPr lvl="1"/>
-            <a:r>
-              <a:rPr lang="nl-BE" dirty="0"/>
-              <a:t>Een paar &lt;p&gt; paragrafen waarin je jezelf voorstelt</a:t>
-            </a:r>
-          </a:p>
-          <a:p>
-            <a:pPr lvl="1"/>
-            <a:r>
-              <a:rPr lang="nl-BE" dirty="0"/>
-              <a:t>Een &lt;a&gt; link naar je favoriete website</a:t>
-            </a:r>
-          </a:p>
-          <a:p>
-            <a:pPr lvl="1"/>
-            <a:r>
-              <a:rPr lang="nl-BE" dirty="0"/>
-              <a:t>Een &lt;</a:t>
-            </a:r>
-            <a:r>
-              <a:rPr lang="nl-BE" dirty="0" err="1"/>
-              <a:t>img</a:t>
-            </a:r>
-            <a:r>
-              <a:rPr lang="nl-BE" dirty="0"/>
-              <a:t>&gt; van jezelf of een afbeelding die bij je past</a:t>
-            </a:r>
-          </a:p>
-          <a:p>
-            <a:pPr lvl="1"/>
-            <a:r>
-              <a:rPr lang="nl-BE" dirty="0"/>
-              <a:t>Verdeel de pagina in 2 of 3 &lt;div&gt; secties:</a:t>
-            </a:r>
-          </a:p>
-          <a:p>
-            <a:pPr lvl="2"/>
-            <a:r>
-              <a:rPr lang="nl-BE" dirty="0"/>
-              <a:t>Header (titel + subtitel)</a:t>
-            </a:r>
-          </a:p>
-          <a:p>
-            <a:pPr lvl="2"/>
-            <a:r>
-              <a:rPr lang="nl-BE" dirty="0"/>
-              <a:t>Over mij (paragrafen + afbeelding)</a:t>
-            </a:r>
-          </a:p>
-          <a:p>
-            <a:pPr lvl="2"/>
-            <a:r>
-              <a:rPr lang="nl-BE" dirty="0"/>
-              <a:t>Links of contactinformatie</a:t>
-            </a:r>
-          </a:p>
-          <a:p>
-            <a:pPr lvl="1"/>
-            <a:r>
-              <a:rPr lang="nl-BE" dirty="0"/>
-              <a:t>Style met CSS: </a:t>
-            </a:r>
-          </a:p>
-          <a:p>
-            <a:pPr lvl="2"/>
-            <a:r>
-              <a:rPr lang="nl-BE" dirty="0"/>
-              <a:t>verschillende background-</a:t>
-            </a:r>
-            <a:r>
-              <a:rPr lang="nl-BE" dirty="0" err="1"/>
-              <a:t>color</a:t>
-            </a:r>
-            <a:r>
-              <a:rPr lang="nl-BE" dirty="0"/>
-              <a:t> per div</a:t>
-            </a:r>
-          </a:p>
-          <a:p>
-            <a:pPr lvl="2"/>
-            <a:r>
-              <a:rPr lang="nl-BE" dirty="0"/>
-              <a:t>Tekstkleur met </a:t>
-            </a:r>
-            <a:r>
-              <a:rPr lang="nl-BE" dirty="0" err="1"/>
-              <a:t>color</a:t>
-            </a:r>
-            <a:endParaRPr lang="nl-BE" dirty="0"/>
-          </a:p>
-          <a:p>
-            <a:pPr lvl="2"/>
-            <a:r>
-              <a:rPr lang="nl-BE" dirty="0"/>
-              <a:t>Pas font-family en font-</a:t>
-            </a:r>
-            <a:r>
-              <a:rPr lang="nl-BE" dirty="0" err="1"/>
-              <a:t>size</a:t>
-            </a:r>
-            <a:r>
-              <a:rPr lang="nl-BE" dirty="0"/>
-              <a:t> toe</a:t>
-            </a:r>
-          </a:p>
-          <a:p>
-            <a:pPr lvl="2"/>
-            <a:r>
-              <a:rPr lang="nl-BE" dirty="0"/>
-              <a:t>Gebruik </a:t>
-            </a:r>
-            <a:r>
-              <a:rPr lang="nl-BE" dirty="0" err="1"/>
-              <a:t>margin</a:t>
-            </a:r>
-            <a:r>
-              <a:rPr lang="nl-BE" dirty="0"/>
-              <a:t> en padding om alles mooi uit te lijnen</a:t>
-            </a:r>
-          </a:p>
-        </p:txBody>
-      </p:sp>
-    </p:spTree>
-    <p:extLst>
-      <p:ext uri="{BB962C8B-B14F-4D97-AF65-F5344CB8AC3E}">
-        <p14:creationId xmlns:p14="http://schemas.microsoft.com/office/powerpoint/2010/main" val="4130628188"/>
       </p:ext>
     </p:extLst>
   </p:cSld>
@@ -15997,6 +16070,240 @@
         <p:cNvPr id="1" name="">
           <a:extLst>
             <a:ext uri="{FF2B5EF4-FFF2-40B4-BE49-F238E27FC236}">
+              <a16:creationId xmlns:a16="http://schemas.microsoft.com/office/drawing/2014/main" id="{4557281D-A62B-3423-46C8-44D7B01B3A59}"/>
+            </a:ext>
+          </a:extLst>
+        </p:cNvPr>
+        <p:cNvGrpSpPr/>
+        <p:nvPr/>
+      </p:nvGrpSpPr>
+      <p:grpSpPr>
+        <a:xfrm>
+          <a:off x="0" y="0"/>
+          <a:ext cx="0" cy="0"/>
+          <a:chOff x="0" y="0"/>
+          <a:chExt cx="0" cy="0"/>
+        </a:xfrm>
+      </p:grpSpPr>
+      <p:sp>
+        <p:nvSpPr>
+          <p:cNvPr id="2" name="Titel 1">
+            <a:extLst>
+              <a:ext uri="{FF2B5EF4-FFF2-40B4-BE49-F238E27FC236}">
+                <a16:creationId xmlns:a16="http://schemas.microsoft.com/office/drawing/2014/main" id="{5E2F972F-C703-4F5A-1906-98485D04352B}"/>
+              </a:ext>
+            </a:extLst>
+          </p:cNvPr>
+          <p:cNvSpPr>
+            <a:spLocks noGrp="1"/>
+          </p:cNvSpPr>
+          <p:nvPr>
+            <p:ph type="title"/>
+          </p:nvPr>
+        </p:nvSpPr>
+        <p:spPr/>
+        <p:txBody>
+          <a:bodyPr/>
+          <a:lstStyle/>
+          <a:p>
+            <a:r>
+              <a:rPr lang="nl-BE" dirty="0"/>
+              <a:t>Opdrachten</a:t>
+            </a:r>
+          </a:p>
+        </p:txBody>
+      </p:sp>
+      <p:sp>
+        <p:nvSpPr>
+          <p:cNvPr id="3" name="Tijdelijke aanduiding voor inhoud 2">
+            <a:extLst>
+              <a:ext uri="{FF2B5EF4-FFF2-40B4-BE49-F238E27FC236}">
+                <a16:creationId xmlns:a16="http://schemas.microsoft.com/office/drawing/2014/main" id="{F327F411-F1D4-9C78-AE6A-AF937B0D182C}"/>
+              </a:ext>
+            </a:extLst>
+          </p:cNvPr>
+          <p:cNvSpPr>
+            <a:spLocks noGrp="1"/>
+          </p:cNvSpPr>
+          <p:nvPr>
+            <p:ph idx="1"/>
+          </p:nvPr>
+        </p:nvSpPr>
+        <p:spPr>
+          <a:xfrm>
+            <a:off x="581192" y="2078396"/>
+            <a:ext cx="11029615" cy="4347803"/>
+          </a:xfrm>
+        </p:spPr>
+        <p:txBody>
+          <a:bodyPr>
+            <a:normAutofit fontScale="92500" lnSpcReduction="10000"/>
+          </a:bodyPr>
+          <a:lstStyle/>
+          <a:p>
+            <a:r>
+              <a:rPr lang="nl-BE" dirty="0"/>
+              <a:t>Maak een HTML-pagina met:</a:t>
+            </a:r>
+          </a:p>
+          <a:p>
+            <a:pPr lvl="1"/>
+            <a:r>
+              <a:rPr lang="nl-BE" dirty="0"/>
+              <a:t>&lt;h1&gt; met je naam</a:t>
+            </a:r>
+          </a:p>
+          <a:p>
+            <a:pPr lvl="1"/>
+            <a:r>
+              <a:rPr lang="nl-BE" dirty="0"/>
+              <a:t>&lt;h2&gt; met je beroep of hobby</a:t>
+            </a:r>
+          </a:p>
+          <a:p>
+            <a:pPr lvl="1"/>
+            <a:r>
+              <a:rPr lang="nl-BE" dirty="0"/>
+              <a:t>Een paar &lt;p&gt; paragrafen waarin je jezelf voorstelt</a:t>
+            </a:r>
+          </a:p>
+          <a:p>
+            <a:pPr lvl="1"/>
+            <a:r>
+              <a:rPr lang="nl-BE" dirty="0"/>
+              <a:t>Een &lt;a&gt; link naar je favoriete website</a:t>
+            </a:r>
+          </a:p>
+          <a:p>
+            <a:pPr lvl="1"/>
+            <a:r>
+              <a:rPr lang="nl-BE" dirty="0"/>
+              <a:t>Een &lt;</a:t>
+            </a:r>
+            <a:r>
+              <a:rPr lang="nl-BE" dirty="0" err="1"/>
+              <a:t>img</a:t>
+            </a:r>
+            <a:r>
+              <a:rPr lang="nl-BE" dirty="0"/>
+              <a:t>&gt; van jezelf of een afbeelding die bij je past</a:t>
+            </a:r>
+          </a:p>
+          <a:p>
+            <a:pPr lvl="1"/>
+            <a:r>
+              <a:rPr lang="nl-BE" dirty="0"/>
+              <a:t>Verdeel de pagina in 2 of 3 &lt;div&gt; secties:</a:t>
+            </a:r>
+          </a:p>
+          <a:p>
+            <a:pPr lvl="2"/>
+            <a:r>
+              <a:rPr lang="nl-BE" dirty="0"/>
+              <a:t>Header (titel + subtitel)</a:t>
+            </a:r>
+          </a:p>
+          <a:p>
+            <a:pPr lvl="2"/>
+            <a:r>
+              <a:rPr lang="nl-BE" dirty="0"/>
+              <a:t>Over mij (paragrafen + afbeelding)</a:t>
+            </a:r>
+          </a:p>
+          <a:p>
+            <a:pPr lvl="2"/>
+            <a:r>
+              <a:rPr lang="nl-BE" dirty="0"/>
+              <a:t>Links of contactinformatie</a:t>
+            </a:r>
+          </a:p>
+          <a:p>
+            <a:pPr lvl="1"/>
+            <a:r>
+              <a:rPr lang="nl-BE" dirty="0"/>
+              <a:t>Style met CSS: </a:t>
+            </a:r>
+          </a:p>
+          <a:p>
+            <a:pPr lvl="2"/>
+            <a:r>
+              <a:rPr lang="nl-BE" dirty="0"/>
+              <a:t>verschillende background-</a:t>
+            </a:r>
+            <a:r>
+              <a:rPr lang="nl-BE" dirty="0" err="1"/>
+              <a:t>color</a:t>
+            </a:r>
+            <a:r>
+              <a:rPr lang="nl-BE" dirty="0"/>
+              <a:t> per div</a:t>
+            </a:r>
+          </a:p>
+          <a:p>
+            <a:pPr lvl="2"/>
+            <a:r>
+              <a:rPr lang="nl-BE" dirty="0"/>
+              <a:t>Tekstkleur met </a:t>
+            </a:r>
+            <a:r>
+              <a:rPr lang="nl-BE" dirty="0" err="1"/>
+              <a:t>color</a:t>
+            </a:r>
+            <a:endParaRPr lang="nl-BE" dirty="0"/>
+          </a:p>
+          <a:p>
+            <a:pPr lvl="2"/>
+            <a:r>
+              <a:rPr lang="nl-BE" dirty="0"/>
+              <a:t>Pas font-family en font-</a:t>
+            </a:r>
+            <a:r>
+              <a:rPr lang="nl-BE" dirty="0" err="1"/>
+              <a:t>size</a:t>
+            </a:r>
+            <a:r>
+              <a:rPr lang="nl-BE" dirty="0"/>
+              <a:t> toe</a:t>
+            </a:r>
+          </a:p>
+          <a:p>
+            <a:pPr lvl="2"/>
+            <a:r>
+              <a:rPr lang="nl-BE" dirty="0"/>
+              <a:t>Gebruik </a:t>
+            </a:r>
+            <a:r>
+              <a:rPr lang="nl-BE" dirty="0" err="1"/>
+              <a:t>margin</a:t>
+            </a:r>
+            <a:r>
+              <a:rPr lang="nl-BE" dirty="0"/>
+              <a:t> en padding om alles mooi uit te lijnen</a:t>
+            </a:r>
+          </a:p>
+        </p:txBody>
+      </p:sp>
+    </p:spTree>
+    <p:extLst>
+      <p:ext uri="{BB962C8B-B14F-4D97-AF65-F5344CB8AC3E}">
+        <p14:creationId xmlns:p14="http://schemas.microsoft.com/office/powerpoint/2010/main" val="4130628188"/>
+      </p:ext>
+    </p:extLst>
+  </p:cSld>
+  <p:clrMapOvr>
+    <a:masterClrMapping/>
+  </p:clrMapOvr>
+</p:sld>
+</file>
+
+<file path=ppt/slides/slide41.xml><?xml version="1.0" encoding="utf-8"?>
+<p:sld xmlns:a="http://schemas.openxmlformats.org/drawingml/2006/main" xmlns:r="http://schemas.openxmlformats.org/officeDocument/2006/relationships" xmlns:p="http://schemas.openxmlformats.org/presentationml/2006/main">
+  <p:cSld>
+    <p:spTree>
+      <p:nvGrpSpPr>
+        <p:cNvPr id="1" name="">
+          <a:extLst>
+            <a:ext uri="{FF2B5EF4-FFF2-40B4-BE49-F238E27FC236}">
               <a16:creationId xmlns:a16="http://schemas.microsoft.com/office/drawing/2014/main" id="{3EF9E7E7-DBBC-3CB4-FDE6-0279BFD1EF44}"/>
             </a:ext>
           </a:extLst>
@@ -16028,7 +16335,12 @@
             <p:ph type="title"/>
           </p:nvPr>
         </p:nvSpPr>
-        <p:spPr/>
+        <p:spPr>
+          <a:xfrm>
+            <a:off x="581192" y="528901"/>
+            <a:ext cx="11029616" cy="529878"/>
+          </a:xfrm>
+        </p:spPr>
         <p:txBody>
           <a:bodyPr/>
           <a:lstStyle/>
@@ -16058,13 +16370,13 @@
         </p:nvSpPr>
         <p:spPr>
           <a:xfrm>
-            <a:off x="581192" y="2078396"/>
-            <a:ext cx="11029615" cy="4347803"/>
+            <a:off x="581192" y="1058779"/>
+            <a:ext cx="11029615" cy="5799221"/>
           </a:xfrm>
         </p:spPr>
         <p:txBody>
           <a:bodyPr>
-            <a:normAutofit fontScale="92500" lnSpcReduction="10000"/>
+            <a:normAutofit/>
           </a:bodyPr>
           <a:lstStyle/>
           <a:p>
@@ -16084,6 +16396,31 @@
             <a:pPr lvl="1"/>
             <a:r>
               <a:rPr lang="nl-BE" dirty="0"/>
+              <a:t>Afbeelding: </a:t>
+            </a:r>
+            <a:r>
+              <a:rPr lang="nl-BE" dirty="0">
+                <a:hlinkClick r:id="rId2"/>
+              </a:rPr>
+              <a:t>https://content.presspage.com/uploads/1241/1920_int.keukens-bannerpersmailing.png?10000</a:t>
+            </a:r>
+            <a:r>
+              <a:rPr lang="nl-BE" dirty="0"/>
+              <a:t> met een hoogte van 70 </a:t>
+            </a:r>
+            <a:r>
+              <a:rPr lang="nl-BE" dirty="0" err="1"/>
+              <a:t>px</a:t>
+            </a:r>
+            <a:r>
+              <a:rPr lang="nl-BE" dirty="0"/>
+              <a:t>, horizontaal gecentreerd</a:t>
+            </a:r>
+          </a:p>
+          <a:p>
+            <a:pPr lvl="1"/>
+            <a:r>
+              <a:rPr lang="nl-BE" dirty="0"/>
               <a:t>Een &lt;</a:t>
             </a:r>
             <a:r>
@@ -16121,7 +16458,15 @@
             </a:r>
             <a:r>
               <a:rPr lang="nl-BE" dirty="0"/>
-              <a:t>&gt; afbeelding van het gerecht</a:t>
+              <a:t>&gt; afbeelding van het gerecht (hoogte 100 </a:t>
+            </a:r>
+            <a:r>
+              <a:rPr lang="nl-BE" dirty="0" err="1"/>
+              <a:t>px</a:t>
+            </a:r>
+            <a:r>
+              <a:rPr lang="nl-BE" dirty="0"/>
+              <a:t>)</a:t>
             </a:r>
           </a:p>
           <a:p>
@@ -16132,10 +16477,10 @@
             </a:r>
           </a:p>
           <a:p>
-            <a:pPr lvl="1"/>
-            <a:r>
-              <a:rPr lang="nl-BE" dirty="0"/>
-              <a:t>Maak een &lt;</a:t>
+            <a:pPr lvl="2"/>
+            <a:r>
+              <a:rPr lang="nl-BE" dirty="0"/>
+              <a:t>een &lt;</a:t>
             </a:r>
             <a:r>
               <a:rPr lang="nl-BE" dirty="0" err="1"/>
@@ -16147,14 +16492,14 @@
             </a:r>
           </a:p>
           <a:p>
-            <a:pPr lvl="2"/>
+            <a:pPr lvl="3"/>
             <a:r>
               <a:rPr lang="nl-BE" dirty="0"/>
               <a:t>Kolommen: Naam, Hoeveelheid, Eenheid</a:t>
             </a:r>
           </a:p>
           <a:p>
-            <a:pPr lvl="2"/>
+            <a:pPr lvl="3"/>
             <a:r>
               <a:rPr lang="nl-BE" dirty="0"/>
               <a:t>Voeg minstens 3 rijen per gerecht toe</a:t>
@@ -16179,7 +16524,14 @@
             </a:r>
             <a:r>
               <a:rPr lang="nl-BE" dirty="0"/>
-              <a:t> voor de lijst en de tabel</a:t>
+              <a:t> voor de lijst en de tabelhoofdingen en tabelcellen. </a:t>
+            </a:r>
+          </a:p>
+          <a:p>
+            <a:pPr lvl="2"/>
+            <a:r>
+              <a:rPr lang="nl-BE" dirty="0"/>
+              <a:t>Je markeert rijen met vegetarische ingrediënten met een klasse zodat deze lichtgroen kleuren.</a:t>
             </a:r>
           </a:p>
           <a:p>
@@ -16226,7 +16578,7 @@
 </p:sld>
 </file>
 
-<file path=ppt/slides/slide41.xml><?xml version="1.0" encoding="utf-8"?>
+<file path=ppt/slides/slide42.xml><?xml version="1.0" encoding="utf-8"?>
 <p:sld xmlns:a="http://schemas.openxmlformats.org/drawingml/2006/main" xmlns:r="http://schemas.openxmlformats.org/officeDocument/2006/relationships" xmlns:p="http://schemas.openxmlformats.org/presentationml/2006/main">
   <p:cSld>
     <p:spTree>
@@ -16328,7 +16680,7 @@
             <a:pPr lvl="1"/>
             <a:r>
               <a:rPr lang="nl-BE" dirty="0"/>
-              <a:t>3 producten in &lt;div&gt; blokken naast elkaar, elk blok bevat:</a:t>
+              <a:t>3 producten in &lt;div&gt; blokken, elk blok bevat:</a:t>
             </a:r>
           </a:p>
           <a:p>
@@ -16477,7 +16829,7 @@
 </p:sld>
 </file>
 
-<file path=ppt/slides/slide42.xml><?xml version="1.0" encoding="utf-8"?>
+<file path=ppt/slides/slide43.xml><?xml version="1.0" encoding="utf-8"?>
 <p:sld xmlns:a="http://schemas.openxmlformats.org/drawingml/2006/main" xmlns:r="http://schemas.openxmlformats.org/officeDocument/2006/relationships" xmlns:p="http://schemas.openxmlformats.org/presentationml/2006/main">
   <p:cSld>
     <p:spTree>
@@ -16574,7 +16926,7 @@
             <a:pPr rtl="0"/>
             <a:fld id="{66D3D282-C61A-41D7-9714-7814FA67361E}" type="datetime1">
               <a:rPr lang="nl-NL" smtClean="0"/>
-              <a:t>3-10-2025</a:t>
+              <a:t>10-10-2025</a:t>
             </a:fld>
             <a:endParaRPr lang="en-US" dirty="0"/>
           </a:p>
@@ -16593,7 +16945,7 @@
 </p:sld>
 </file>
 
-<file path=ppt/slides/slide43.xml><?xml version="1.0" encoding="utf-8"?>
+<file path=ppt/slides/slide44.xml><?xml version="1.0" encoding="utf-8"?>
 <p:sld xmlns:a="http://schemas.openxmlformats.org/drawingml/2006/main" xmlns:r="http://schemas.openxmlformats.org/officeDocument/2006/relationships" xmlns:p="http://schemas.openxmlformats.org/presentationml/2006/main">
   <p:cSld>
     <p:spTree>
@@ -16697,7 +17049,7 @@
 </p:sld>
 </file>
 
-<file path=ppt/slides/slide44.xml><?xml version="1.0" encoding="utf-8"?>
+<file path=ppt/slides/slide45.xml><?xml version="1.0" encoding="utf-8"?>
 <p:sld xmlns:a="http://schemas.openxmlformats.org/drawingml/2006/main" xmlns:r="http://schemas.openxmlformats.org/officeDocument/2006/relationships" xmlns:p="http://schemas.openxmlformats.org/presentationml/2006/main">
   <p:cSld>
     <p:spTree>
@@ -16971,7 +17323,7 @@
 </p:sld>
 </file>
 
-<file path=ppt/slides/slide45.xml><?xml version="1.0" encoding="utf-8"?>
+<file path=ppt/slides/slide46.xml><?xml version="1.0" encoding="utf-8"?>
 <p:sld xmlns:a="http://schemas.openxmlformats.org/drawingml/2006/main" xmlns:r="http://schemas.openxmlformats.org/officeDocument/2006/relationships" xmlns:p="http://schemas.openxmlformats.org/presentationml/2006/main">
   <p:cSld>
     <p:spTree>
@@ -17529,7 +17881,7 @@
 </p:sld>
 </file>
 
-<file path=ppt/slides/slide46.xml><?xml version="1.0" encoding="utf-8"?>
+<file path=ppt/slides/slide47.xml><?xml version="1.0" encoding="utf-8"?>
 <p:sld xmlns:a="http://schemas.openxmlformats.org/drawingml/2006/main" xmlns:r="http://schemas.openxmlformats.org/officeDocument/2006/relationships" xmlns:p="http://schemas.openxmlformats.org/presentationml/2006/main">
   <p:cSld>
     <p:spTree>
@@ -17795,7 +18147,7 @@
 </p:sld>
 </file>
 
-<file path=ppt/slides/slide47.xml><?xml version="1.0" encoding="utf-8"?>
+<file path=ppt/slides/slide48.xml><?xml version="1.0" encoding="utf-8"?>
 <p:sld xmlns:a="http://schemas.openxmlformats.org/drawingml/2006/main" xmlns:r="http://schemas.openxmlformats.org/officeDocument/2006/relationships" xmlns:p="http://schemas.openxmlformats.org/presentationml/2006/main">
   <p:cSld>
     <p:spTree>
@@ -18152,7 +18504,7 @@
 </p:sld>
 </file>
 
-<file path=ppt/slides/slide48.xml><?xml version="1.0" encoding="utf-8"?>
+<file path=ppt/slides/slide49.xml><?xml version="1.0" encoding="utf-8"?>
 <p:sld xmlns:a="http://schemas.openxmlformats.org/drawingml/2006/main" xmlns:r="http://schemas.openxmlformats.org/officeDocument/2006/relationships" xmlns:p="http://schemas.openxmlformats.org/presentationml/2006/main">
   <p:cSld>
     <p:spTree>
@@ -18300,517 +18652,6 @@
     <p:extLst>
       <p:ext uri="{BB962C8B-B14F-4D97-AF65-F5344CB8AC3E}">
         <p14:creationId xmlns:p14="http://schemas.microsoft.com/office/powerpoint/2010/main" val="3422462508"/>
-      </p:ext>
-    </p:extLst>
-  </p:cSld>
-  <p:clrMapOvr>
-    <a:masterClrMapping/>
-  </p:clrMapOvr>
-</p:sld>
-</file>
-
-<file path=ppt/slides/slide49.xml><?xml version="1.0" encoding="utf-8"?>
-<p:sld xmlns:a="http://schemas.openxmlformats.org/drawingml/2006/main" xmlns:r="http://schemas.openxmlformats.org/officeDocument/2006/relationships" xmlns:p="http://schemas.openxmlformats.org/presentationml/2006/main">
-  <p:cSld>
-    <p:spTree>
-      <p:nvGrpSpPr>
-        <p:cNvPr id="1" name=""/>
-        <p:cNvGrpSpPr/>
-        <p:nvPr/>
-      </p:nvGrpSpPr>
-      <p:grpSpPr>
-        <a:xfrm>
-          <a:off x="0" y="0"/>
-          <a:ext cx="0" cy="0"/>
-          <a:chOff x="0" y="0"/>
-          <a:chExt cx="0" cy="0"/>
-        </a:xfrm>
-      </p:grpSpPr>
-      <p:sp>
-        <p:nvSpPr>
-          <p:cNvPr id="2" name="Titel 1">
-            <a:extLst>
-              <a:ext uri="{FF2B5EF4-FFF2-40B4-BE49-F238E27FC236}">
-                <a16:creationId xmlns:a16="http://schemas.microsoft.com/office/drawing/2014/main" id="{25404786-8A1D-0771-9C7B-39778AE56BDF}"/>
-              </a:ext>
-            </a:extLst>
-          </p:cNvPr>
-          <p:cNvSpPr>
-            <a:spLocks noGrp="1"/>
-          </p:cNvSpPr>
-          <p:nvPr>
-            <p:ph type="title"/>
-          </p:nvPr>
-        </p:nvSpPr>
-        <p:spPr/>
-        <p:txBody>
-          <a:bodyPr/>
-          <a:lstStyle/>
-          <a:p>
-            <a:r>
-              <a:rPr lang="nl-BE" dirty="0"/>
-              <a:t>elementen</a:t>
-            </a:r>
-          </a:p>
-        </p:txBody>
-      </p:sp>
-      <p:sp>
-        <p:nvSpPr>
-          <p:cNvPr id="3" name="Tijdelijke aanduiding voor inhoud 2">
-            <a:extLst>
-              <a:ext uri="{FF2B5EF4-FFF2-40B4-BE49-F238E27FC236}">
-                <a16:creationId xmlns:a16="http://schemas.microsoft.com/office/drawing/2014/main" id="{C0C7DA2F-B487-D715-97AA-0F61AA2BE5F7}"/>
-              </a:ext>
-            </a:extLst>
-          </p:cNvPr>
-          <p:cNvSpPr>
-            <a:spLocks noGrp="1"/>
-          </p:cNvSpPr>
-          <p:nvPr>
-            <p:ph idx="1"/>
-          </p:nvPr>
-        </p:nvSpPr>
-        <p:spPr/>
-        <p:txBody>
-          <a:bodyPr/>
-          <a:lstStyle/>
-          <a:p>
-            <a:r>
-              <a:rPr lang="nl-BE" dirty="0"/>
-              <a:t>Elementen aanpassen die worden teruggegeven uit de vorige functies:</a:t>
-            </a:r>
-          </a:p>
-          <a:p>
-            <a:pPr lvl="1"/>
-            <a:r>
-              <a:rPr lang="nl-BE" dirty="0" err="1"/>
-              <a:t>element.innerHTML</a:t>
-            </a:r>
-            <a:r>
-              <a:rPr lang="nl-BE" dirty="0"/>
-              <a:t> = …</a:t>
-            </a:r>
-          </a:p>
-          <a:p>
-            <a:pPr lvl="1"/>
-            <a:r>
-              <a:rPr lang="nl-BE" dirty="0" err="1"/>
-              <a:t>element.attribuut</a:t>
-            </a:r>
-            <a:r>
-              <a:rPr lang="nl-BE" dirty="0"/>
-              <a:t> = ….</a:t>
-            </a:r>
-          </a:p>
-          <a:p>
-            <a:pPr lvl="1"/>
-            <a:r>
-              <a:rPr lang="nl-BE" dirty="0" err="1"/>
-              <a:t>element.style.eigenschap</a:t>
-            </a:r>
-            <a:r>
-              <a:rPr lang="nl-BE" dirty="0"/>
-              <a:t> = ….</a:t>
-            </a:r>
-          </a:p>
-          <a:p>
-            <a:pPr lvl="1"/>
-            <a:r>
-              <a:rPr lang="nl-BE" dirty="0" err="1"/>
-              <a:t>element.setAttribute</a:t>
-            </a:r>
-            <a:r>
-              <a:rPr lang="nl-BE" dirty="0"/>
-              <a:t>(attribuut, waarde) (te gebruiken wanneer je </a:t>
-            </a:r>
-            <a:r>
-              <a:rPr lang="nl-BE" dirty="0" err="1"/>
-              <a:t>element.attribuut</a:t>
-            </a:r>
-            <a:r>
-              <a:rPr lang="nl-BE" dirty="0"/>
-              <a:t> niet kan gebruiken)</a:t>
-            </a:r>
-          </a:p>
-        </p:txBody>
-      </p:sp>
-      <p:sp>
-        <p:nvSpPr>
-          <p:cNvPr id="5" name="Tekstvak 4">
-            <a:extLst>
-              <a:ext uri="{FF2B5EF4-FFF2-40B4-BE49-F238E27FC236}">
-                <a16:creationId xmlns:a16="http://schemas.microsoft.com/office/drawing/2014/main" id="{C331F2A7-BAC4-040C-52A0-3E085F225960}"/>
-              </a:ext>
-            </a:extLst>
-          </p:cNvPr>
-          <p:cNvSpPr txBox="1"/>
-          <p:nvPr/>
-        </p:nvSpPr>
-        <p:spPr>
-          <a:xfrm>
-            <a:off x="5198534" y="1838611"/>
-            <a:ext cx="6096000" cy="1004506"/>
-          </a:xfrm>
-          <a:prstGeom prst="rect">
-            <a:avLst/>
-          </a:prstGeom>
-          <a:noFill/>
-        </p:spPr>
-        <p:txBody>
-          <a:bodyPr wrap="square">
-            <a:spAutoFit/>
-          </a:bodyPr>
-          <a:lstStyle/>
-          <a:p>
-            <a:pPr>
-              <a:lnSpc>
-                <a:spcPts val="1425"/>
-              </a:lnSpc>
-              <a:buNone/>
-            </a:pPr>
-            <a:r>
-              <a:rPr lang="nl-BE" b="0" dirty="0" err="1">
-                <a:solidFill>
-                  <a:srgbClr val="0000FF"/>
-                </a:solidFill>
-                <a:effectLst/>
-                <a:latin typeface="Consolas" panose="020B0609020204030204" pitchFamily="49" charset="0"/>
-              </a:rPr>
-              <a:t>function</a:t>
-            </a:r>
-            <a:r>
-              <a:rPr lang="nl-BE" b="0" dirty="0">
-                <a:solidFill>
-                  <a:srgbClr val="000000"/>
-                </a:solidFill>
-                <a:effectLst/>
-                <a:latin typeface="Consolas" panose="020B0609020204030204" pitchFamily="49" charset="0"/>
-              </a:rPr>
-              <a:t> test(){</a:t>
-            </a:r>
-          </a:p>
-          <a:p>
-            <a:pPr>
-              <a:lnSpc>
-                <a:spcPts val="1425"/>
-              </a:lnSpc>
-              <a:buNone/>
-            </a:pPr>
-            <a:r>
-              <a:rPr lang="nl-BE" b="0" dirty="0">
-                <a:solidFill>
-                  <a:srgbClr val="000000"/>
-                </a:solidFill>
-                <a:effectLst/>
-                <a:latin typeface="Consolas" panose="020B0609020204030204" pitchFamily="49" charset="0"/>
-              </a:rPr>
-              <a:t>    </a:t>
-            </a:r>
-            <a:r>
-              <a:rPr lang="nl-BE" b="0" dirty="0">
-                <a:solidFill>
-                  <a:srgbClr val="0000FF"/>
-                </a:solidFill>
-                <a:effectLst/>
-                <a:latin typeface="Consolas" panose="020B0609020204030204" pitchFamily="49" charset="0"/>
-              </a:rPr>
-              <a:t>let</a:t>
-            </a:r>
-            <a:r>
-              <a:rPr lang="nl-BE" b="0" dirty="0">
-                <a:solidFill>
-                  <a:srgbClr val="000000"/>
-                </a:solidFill>
-                <a:effectLst/>
-                <a:latin typeface="Consolas" panose="020B0609020204030204" pitchFamily="49" charset="0"/>
-              </a:rPr>
-              <a:t> p1 = </a:t>
-            </a:r>
-            <a:r>
-              <a:rPr lang="nl-BE" b="0" dirty="0" err="1">
-                <a:solidFill>
-                  <a:srgbClr val="000000"/>
-                </a:solidFill>
-                <a:effectLst/>
-                <a:latin typeface="Consolas" panose="020B0609020204030204" pitchFamily="49" charset="0"/>
-              </a:rPr>
-              <a:t>document.getElementById</a:t>
-            </a:r>
-            <a:r>
-              <a:rPr lang="nl-BE" b="0" dirty="0">
-                <a:solidFill>
-                  <a:srgbClr val="000000"/>
-                </a:solidFill>
-                <a:effectLst/>
-                <a:latin typeface="Consolas" panose="020B0609020204030204" pitchFamily="49" charset="0"/>
-              </a:rPr>
-              <a:t>(</a:t>
-            </a:r>
-            <a:r>
-              <a:rPr lang="nl-BE" b="0" dirty="0">
-                <a:solidFill>
-                  <a:srgbClr val="A31515"/>
-                </a:solidFill>
-                <a:effectLst/>
-                <a:latin typeface="Consolas" panose="020B0609020204030204" pitchFamily="49" charset="0"/>
-              </a:rPr>
-              <a:t>"p1"</a:t>
-            </a:r>
-            <a:r>
-              <a:rPr lang="nl-BE" b="0" dirty="0">
-                <a:solidFill>
-                  <a:srgbClr val="000000"/>
-                </a:solidFill>
-                <a:effectLst/>
-                <a:latin typeface="Consolas" panose="020B0609020204030204" pitchFamily="49" charset="0"/>
-              </a:rPr>
-              <a:t>);</a:t>
-            </a:r>
-          </a:p>
-          <a:p>
-            <a:pPr>
-              <a:lnSpc>
-                <a:spcPts val="1425"/>
-              </a:lnSpc>
-              <a:buNone/>
-            </a:pPr>
-            <a:r>
-              <a:rPr lang="nl-BE" b="0" dirty="0">
-                <a:solidFill>
-                  <a:srgbClr val="000000"/>
-                </a:solidFill>
-                <a:effectLst/>
-                <a:latin typeface="Consolas" panose="020B0609020204030204" pitchFamily="49" charset="0"/>
-              </a:rPr>
-              <a:t>    p1.innerText = </a:t>
-            </a:r>
-            <a:r>
-              <a:rPr lang="nl-BE" b="0" dirty="0">
-                <a:solidFill>
-                  <a:srgbClr val="A31515"/>
-                </a:solidFill>
-                <a:effectLst/>
-                <a:latin typeface="Consolas" panose="020B0609020204030204" pitchFamily="49" charset="0"/>
-              </a:rPr>
-              <a:t>"Test"</a:t>
-            </a:r>
-            <a:r>
-              <a:rPr lang="nl-BE" b="0" dirty="0">
-                <a:solidFill>
-                  <a:srgbClr val="000000"/>
-                </a:solidFill>
-                <a:effectLst/>
-                <a:latin typeface="Consolas" panose="020B0609020204030204" pitchFamily="49" charset="0"/>
-              </a:rPr>
-              <a:t>;</a:t>
-            </a:r>
-          </a:p>
-          <a:p>
-            <a:pPr>
-              <a:lnSpc>
-                <a:spcPts val="1425"/>
-              </a:lnSpc>
-              <a:buNone/>
-            </a:pPr>
-            <a:r>
-              <a:rPr lang="nl-BE" b="0" dirty="0">
-                <a:solidFill>
-                  <a:srgbClr val="000000"/>
-                </a:solidFill>
-                <a:effectLst/>
-                <a:latin typeface="Consolas" panose="020B0609020204030204" pitchFamily="49" charset="0"/>
-              </a:rPr>
-              <a:t>    p1.setAttribute(</a:t>
-            </a:r>
-            <a:r>
-              <a:rPr lang="nl-BE" b="0" dirty="0">
-                <a:solidFill>
-                  <a:srgbClr val="A31515"/>
-                </a:solidFill>
-                <a:effectLst/>
-                <a:latin typeface="Consolas" panose="020B0609020204030204" pitchFamily="49" charset="0"/>
-              </a:rPr>
-              <a:t>"data-waarde"</a:t>
-            </a:r>
-            <a:r>
-              <a:rPr lang="nl-BE" b="0" dirty="0">
-                <a:solidFill>
-                  <a:srgbClr val="000000"/>
-                </a:solidFill>
-                <a:effectLst/>
-                <a:latin typeface="Consolas" panose="020B0609020204030204" pitchFamily="49" charset="0"/>
-              </a:rPr>
-              <a:t>, </a:t>
-            </a:r>
-            <a:r>
-              <a:rPr lang="nl-BE" b="0" dirty="0">
-                <a:solidFill>
-                  <a:srgbClr val="A31515"/>
-                </a:solidFill>
-                <a:effectLst/>
-                <a:latin typeface="Consolas" panose="020B0609020204030204" pitchFamily="49" charset="0"/>
-              </a:rPr>
-              <a:t>"1"</a:t>
-            </a:r>
-            <a:r>
-              <a:rPr lang="nl-BE" b="0" dirty="0">
-                <a:solidFill>
-                  <a:srgbClr val="000000"/>
-                </a:solidFill>
-                <a:effectLst/>
-                <a:latin typeface="Consolas" panose="020B0609020204030204" pitchFamily="49" charset="0"/>
-              </a:rPr>
-              <a:t>);</a:t>
-            </a:r>
-          </a:p>
-          <a:p>
-            <a:pPr>
-              <a:lnSpc>
-                <a:spcPts val="1425"/>
-              </a:lnSpc>
-              <a:buNone/>
-            </a:pPr>
-            <a:r>
-              <a:rPr lang="nl-BE" b="0" dirty="0">
-                <a:solidFill>
-                  <a:srgbClr val="000000"/>
-                </a:solidFill>
-                <a:effectLst/>
-                <a:latin typeface="Consolas" panose="020B0609020204030204" pitchFamily="49" charset="0"/>
-              </a:rPr>
-              <a:t>}</a:t>
-            </a:r>
-          </a:p>
-        </p:txBody>
-      </p:sp>
-      <p:sp>
-        <p:nvSpPr>
-          <p:cNvPr id="7" name="Tekstvak 6">
-            <a:extLst>
-              <a:ext uri="{FF2B5EF4-FFF2-40B4-BE49-F238E27FC236}">
-                <a16:creationId xmlns:a16="http://schemas.microsoft.com/office/drawing/2014/main" id="{90E9E908-1F43-6495-9674-0E85B2DC33E2}"/>
-              </a:ext>
-            </a:extLst>
-          </p:cNvPr>
-          <p:cNvSpPr txBox="1"/>
-          <p:nvPr/>
-        </p:nvSpPr>
-        <p:spPr>
-          <a:xfrm>
-            <a:off x="5198534" y="1184077"/>
-            <a:ext cx="6096000" cy="286360"/>
-          </a:xfrm>
-          <a:prstGeom prst="rect">
-            <a:avLst/>
-          </a:prstGeom>
-          <a:noFill/>
-        </p:spPr>
-        <p:txBody>
-          <a:bodyPr wrap="square">
-            <a:spAutoFit/>
-          </a:bodyPr>
-          <a:lstStyle/>
-          <a:p>
-            <a:pPr>
-              <a:lnSpc>
-                <a:spcPts val="1425"/>
-              </a:lnSpc>
-              <a:buNone/>
-            </a:pPr>
-            <a:r>
-              <a:rPr lang="en-US" b="0" dirty="0">
-                <a:solidFill>
-                  <a:srgbClr val="800000"/>
-                </a:solidFill>
-                <a:effectLst/>
-                <a:latin typeface="Consolas" panose="020B0609020204030204" pitchFamily="49" charset="0"/>
-              </a:rPr>
-              <a:t>&lt;button</a:t>
-            </a:r>
-            <a:r>
-              <a:rPr lang="en-US" b="0" dirty="0">
-                <a:solidFill>
-                  <a:srgbClr val="000000"/>
-                </a:solidFill>
-                <a:effectLst/>
-                <a:latin typeface="Consolas" panose="020B0609020204030204" pitchFamily="49" charset="0"/>
-              </a:rPr>
-              <a:t> </a:t>
-            </a:r>
-            <a:r>
-              <a:rPr lang="en-US" b="0" dirty="0">
-                <a:solidFill>
-                  <a:srgbClr val="E50000"/>
-                </a:solidFill>
-                <a:effectLst/>
-                <a:latin typeface="Consolas" panose="020B0609020204030204" pitchFamily="49" charset="0"/>
-              </a:rPr>
-              <a:t>onclick</a:t>
-            </a:r>
-            <a:r>
-              <a:rPr lang="en-US" b="0" dirty="0">
-                <a:solidFill>
-                  <a:srgbClr val="000000"/>
-                </a:solidFill>
-                <a:effectLst/>
-                <a:latin typeface="Consolas" panose="020B0609020204030204" pitchFamily="49" charset="0"/>
-              </a:rPr>
-              <a:t>=</a:t>
-            </a:r>
-            <a:r>
-              <a:rPr lang="en-US" b="0" dirty="0">
-                <a:solidFill>
-                  <a:srgbClr val="0000FF"/>
-                </a:solidFill>
-                <a:effectLst/>
-                <a:latin typeface="Consolas" panose="020B0609020204030204" pitchFamily="49" charset="0"/>
-              </a:rPr>
-              <a:t>"test()"</a:t>
-            </a:r>
-            <a:r>
-              <a:rPr lang="en-US" b="0" dirty="0">
-                <a:solidFill>
-                  <a:srgbClr val="800000"/>
-                </a:solidFill>
-                <a:effectLst/>
-                <a:latin typeface="Consolas" panose="020B0609020204030204" pitchFamily="49" charset="0"/>
-              </a:rPr>
-              <a:t>&gt;</a:t>
-            </a:r>
-            <a:r>
-              <a:rPr lang="en-US" b="0" dirty="0">
-                <a:solidFill>
-                  <a:srgbClr val="000000"/>
-                </a:solidFill>
-                <a:effectLst/>
-                <a:latin typeface="Consolas" panose="020B0609020204030204" pitchFamily="49" charset="0"/>
-              </a:rPr>
-              <a:t>Test</a:t>
-            </a:r>
-            <a:r>
-              <a:rPr lang="en-US" b="0" dirty="0">
-                <a:solidFill>
-                  <a:srgbClr val="800000"/>
-                </a:solidFill>
-                <a:effectLst/>
-                <a:latin typeface="Consolas" panose="020B0609020204030204" pitchFamily="49" charset="0"/>
-              </a:rPr>
-              <a:t>&lt;/button&gt;</a:t>
-            </a:r>
-            <a:endParaRPr lang="en-US" b="0" dirty="0">
-              <a:solidFill>
-                <a:srgbClr val="000000"/>
-              </a:solidFill>
-              <a:effectLst/>
-              <a:latin typeface="Consolas" panose="020B0609020204030204" pitchFamily="49" charset="0"/>
-            </a:endParaRPr>
-          </a:p>
-        </p:txBody>
-      </p:sp>
-    </p:spTree>
-    <p:extLst>
-      <p:ext uri="{BB962C8B-B14F-4D97-AF65-F5344CB8AC3E}">
-        <p14:creationId xmlns:p14="http://schemas.microsoft.com/office/powerpoint/2010/main" val="1472645518"/>
       </p:ext>
     </p:extLst>
   </p:cSld>
@@ -18938,6 +18779,528 @@
           <p:cNvPr id="2" name="Titel 1">
             <a:extLst>
               <a:ext uri="{FF2B5EF4-FFF2-40B4-BE49-F238E27FC236}">
+                <a16:creationId xmlns:a16="http://schemas.microsoft.com/office/drawing/2014/main" id="{25404786-8A1D-0771-9C7B-39778AE56BDF}"/>
+              </a:ext>
+            </a:extLst>
+          </p:cNvPr>
+          <p:cNvSpPr>
+            <a:spLocks noGrp="1"/>
+          </p:cNvSpPr>
+          <p:nvPr>
+            <p:ph type="title"/>
+          </p:nvPr>
+        </p:nvSpPr>
+        <p:spPr/>
+        <p:txBody>
+          <a:bodyPr/>
+          <a:lstStyle/>
+          <a:p>
+            <a:r>
+              <a:rPr lang="nl-BE" dirty="0"/>
+              <a:t>elementen</a:t>
+            </a:r>
+          </a:p>
+        </p:txBody>
+      </p:sp>
+      <p:sp>
+        <p:nvSpPr>
+          <p:cNvPr id="3" name="Tijdelijke aanduiding voor inhoud 2">
+            <a:extLst>
+              <a:ext uri="{FF2B5EF4-FFF2-40B4-BE49-F238E27FC236}">
+                <a16:creationId xmlns:a16="http://schemas.microsoft.com/office/drawing/2014/main" id="{C0C7DA2F-B487-D715-97AA-0F61AA2BE5F7}"/>
+              </a:ext>
+            </a:extLst>
+          </p:cNvPr>
+          <p:cNvSpPr>
+            <a:spLocks noGrp="1"/>
+          </p:cNvSpPr>
+          <p:nvPr>
+            <p:ph idx="1"/>
+          </p:nvPr>
+        </p:nvSpPr>
+        <p:spPr/>
+        <p:txBody>
+          <a:bodyPr/>
+          <a:lstStyle/>
+          <a:p>
+            <a:r>
+              <a:rPr lang="nl-BE" dirty="0"/>
+              <a:t>Elementen aanpassen die worden teruggegeven uit de vorige functies:</a:t>
+            </a:r>
+          </a:p>
+          <a:p>
+            <a:pPr lvl="1"/>
+            <a:r>
+              <a:rPr lang="nl-BE" dirty="0" err="1"/>
+              <a:t>element.innerHTML</a:t>
+            </a:r>
+            <a:r>
+              <a:rPr lang="nl-BE" dirty="0"/>
+              <a:t> = …</a:t>
+            </a:r>
+          </a:p>
+          <a:p>
+            <a:pPr lvl="1"/>
+            <a:r>
+              <a:rPr lang="nl-BE" dirty="0" err="1"/>
+              <a:t>element.attribuut</a:t>
+            </a:r>
+            <a:r>
+              <a:rPr lang="nl-BE" dirty="0"/>
+              <a:t> = ….</a:t>
+            </a:r>
+          </a:p>
+          <a:p>
+            <a:pPr lvl="1"/>
+            <a:r>
+              <a:rPr lang="nl-BE" dirty="0" err="1"/>
+              <a:t>element.style.eigenschap</a:t>
+            </a:r>
+            <a:r>
+              <a:rPr lang="nl-BE" dirty="0"/>
+              <a:t> = ….</a:t>
+            </a:r>
+          </a:p>
+          <a:p>
+            <a:pPr lvl="1"/>
+            <a:r>
+              <a:rPr lang="nl-BE" dirty="0" err="1"/>
+              <a:t>element.setAttribute</a:t>
+            </a:r>
+            <a:r>
+              <a:rPr lang="nl-BE" dirty="0"/>
+              <a:t>(attribuut, waarde) (te gebruiken wanneer je </a:t>
+            </a:r>
+            <a:r>
+              <a:rPr lang="nl-BE" dirty="0" err="1"/>
+              <a:t>element.attribuut</a:t>
+            </a:r>
+            <a:r>
+              <a:rPr lang="nl-BE" dirty="0"/>
+              <a:t> niet kan gebruiken)</a:t>
+            </a:r>
+          </a:p>
+          <a:p>
+            <a:pPr lvl="1"/>
+            <a:r>
+              <a:rPr lang="nl-BE" dirty="0" err="1"/>
+              <a:t>element.removeAttribute</a:t>
+            </a:r>
+            <a:r>
+              <a:rPr lang="nl-BE" dirty="0"/>
+              <a:t>(attribuut)</a:t>
+            </a:r>
+          </a:p>
+        </p:txBody>
+      </p:sp>
+      <p:sp>
+        <p:nvSpPr>
+          <p:cNvPr id="5" name="Tekstvak 4">
+            <a:extLst>
+              <a:ext uri="{FF2B5EF4-FFF2-40B4-BE49-F238E27FC236}">
+                <a16:creationId xmlns:a16="http://schemas.microsoft.com/office/drawing/2014/main" id="{C331F2A7-BAC4-040C-52A0-3E085F225960}"/>
+              </a:ext>
+            </a:extLst>
+          </p:cNvPr>
+          <p:cNvSpPr txBox="1"/>
+          <p:nvPr/>
+        </p:nvSpPr>
+        <p:spPr>
+          <a:xfrm>
+            <a:off x="5198534" y="1838611"/>
+            <a:ext cx="6096000" cy="1004506"/>
+          </a:xfrm>
+          <a:prstGeom prst="rect">
+            <a:avLst/>
+          </a:prstGeom>
+          <a:noFill/>
+        </p:spPr>
+        <p:txBody>
+          <a:bodyPr wrap="square">
+            <a:spAutoFit/>
+          </a:bodyPr>
+          <a:lstStyle/>
+          <a:p>
+            <a:pPr>
+              <a:lnSpc>
+                <a:spcPts val="1425"/>
+              </a:lnSpc>
+              <a:buNone/>
+            </a:pPr>
+            <a:r>
+              <a:rPr lang="nl-BE" b="0" dirty="0" err="1">
+                <a:solidFill>
+                  <a:srgbClr val="0000FF"/>
+                </a:solidFill>
+                <a:effectLst/>
+                <a:latin typeface="Consolas" panose="020B0609020204030204" pitchFamily="49" charset="0"/>
+              </a:rPr>
+              <a:t>function</a:t>
+            </a:r>
+            <a:r>
+              <a:rPr lang="nl-BE" b="0" dirty="0">
+                <a:solidFill>
+                  <a:srgbClr val="000000"/>
+                </a:solidFill>
+                <a:effectLst/>
+                <a:latin typeface="Consolas" panose="020B0609020204030204" pitchFamily="49" charset="0"/>
+              </a:rPr>
+              <a:t> test(){</a:t>
+            </a:r>
+          </a:p>
+          <a:p>
+            <a:pPr>
+              <a:lnSpc>
+                <a:spcPts val="1425"/>
+              </a:lnSpc>
+              <a:buNone/>
+            </a:pPr>
+            <a:r>
+              <a:rPr lang="nl-BE" b="0" dirty="0">
+                <a:solidFill>
+                  <a:srgbClr val="000000"/>
+                </a:solidFill>
+                <a:effectLst/>
+                <a:latin typeface="Consolas" panose="020B0609020204030204" pitchFamily="49" charset="0"/>
+              </a:rPr>
+              <a:t>    </a:t>
+            </a:r>
+            <a:r>
+              <a:rPr lang="nl-BE" b="0" dirty="0">
+                <a:solidFill>
+                  <a:srgbClr val="0000FF"/>
+                </a:solidFill>
+                <a:effectLst/>
+                <a:latin typeface="Consolas" panose="020B0609020204030204" pitchFamily="49" charset="0"/>
+              </a:rPr>
+              <a:t>let</a:t>
+            </a:r>
+            <a:r>
+              <a:rPr lang="nl-BE" b="0" dirty="0">
+                <a:solidFill>
+                  <a:srgbClr val="000000"/>
+                </a:solidFill>
+                <a:effectLst/>
+                <a:latin typeface="Consolas" panose="020B0609020204030204" pitchFamily="49" charset="0"/>
+              </a:rPr>
+              <a:t> p1 = </a:t>
+            </a:r>
+            <a:r>
+              <a:rPr lang="nl-BE" b="0" dirty="0" err="1">
+                <a:solidFill>
+                  <a:srgbClr val="000000"/>
+                </a:solidFill>
+                <a:effectLst/>
+                <a:latin typeface="Consolas" panose="020B0609020204030204" pitchFamily="49" charset="0"/>
+              </a:rPr>
+              <a:t>document.getElementById</a:t>
+            </a:r>
+            <a:r>
+              <a:rPr lang="nl-BE" b="0" dirty="0">
+                <a:solidFill>
+                  <a:srgbClr val="000000"/>
+                </a:solidFill>
+                <a:effectLst/>
+                <a:latin typeface="Consolas" panose="020B0609020204030204" pitchFamily="49" charset="0"/>
+              </a:rPr>
+              <a:t>(</a:t>
+            </a:r>
+            <a:r>
+              <a:rPr lang="nl-BE" b="0" dirty="0">
+                <a:solidFill>
+                  <a:srgbClr val="A31515"/>
+                </a:solidFill>
+                <a:effectLst/>
+                <a:latin typeface="Consolas" panose="020B0609020204030204" pitchFamily="49" charset="0"/>
+              </a:rPr>
+              <a:t>"p1"</a:t>
+            </a:r>
+            <a:r>
+              <a:rPr lang="nl-BE" b="0" dirty="0">
+                <a:solidFill>
+                  <a:srgbClr val="000000"/>
+                </a:solidFill>
+                <a:effectLst/>
+                <a:latin typeface="Consolas" panose="020B0609020204030204" pitchFamily="49" charset="0"/>
+              </a:rPr>
+              <a:t>);</a:t>
+            </a:r>
+          </a:p>
+          <a:p>
+            <a:pPr>
+              <a:lnSpc>
+                <a:spcPts val="1425"/>
+              </a:lnSpc>
+              <a:buNone/>
+            </a:pPr>
+            <a:r>
+              <a:rPr lang="nl-BE" b="0" dirty="0">
+                <a:solidFill>
+                  <a:srgbClr val="000000"/>
+                </a:solidFill>
+                <a:effectLst/>
+                <a:latin typeface="Consolas" panose="020B0609020204030204" pitchFamily="49" charset="0"/>
+              </a:rPr>
+              <a:t>    p1.innerText = </a:t>
+            </a:r>
+            <a:r>
+              <a:rPr lang="nl-BE" b="0" dirty="0">
+                <a:solidFill>
+                  <a:srgbClr val="A31515"/>
+                </a:solidFill>
+                <a:effectLst/>
+                <a:latin typeface="Consolas" panose="020B0609020204030204" pitchFamily="49" charset="0"/>
+              </a:rPr>
+              <a:t>"Test"</a:t>
+            </a:r>
+            <a:r>
+              <a:rPr lang="nl-BE" b="0" dirty="0">
+                <a:solidFill>
+                  <a:srgbClr val="000000"/>
+                </a:solidFill>
+                <a:effectLst/>
+                <a:latin typeface="Consolas" panose="020B0609020204030204" pitchFamily="49" charset="0"/>
+              </a:rPr>
+              <a:t>;</a:t>
+            </a:r>
+          </a:p>
+          <a:p>
+            <a:pPr>
+              <a:lnSpc>
+                <a:spcPts val="1425"/>
+              </a:lnSpc>
+              <a:buNone/>
+            </a:pPr>
+            <a:r>
+              <a:rPr lang="nl-BE" b="0" dirty="0">
+                <a:solidFill>
+                  <a:srgbClr val="000000"/>
+                </a:solidFill>
+                <a:effectLst/>
+                <a:latin typeface="Consolas" panose="020B0609020204030204" pitchFamily="49" charset="0"/>
+              </a:rPr>
+              <a:t>    p1.setAttribute(</a:t>
+            </a:r>
+            <a:r>
+              <a:rPr lang="nl-BE" b="0" dirty="0">
+                <a:solidFill>
+                  <a:srgbClr val="A31515"/>
+                </a:solidFill>
+                <a:effectLst/>
+                <a:latin typeface="Consolas" panose="020B0609020204030204" pitchFamily="49" charset="0"/>
+              </a:rPr>
+              <a:t>"data-waarde"</a:t>
+            </a:r>
+            <a:r>
+              <a:rPr lang="nl-BE" b="0" dirty="0">
+                <a:solidFill>
+                  <a:srgbClr val="000000"/>
+                </a:solidFill>
+                <a:effectLst/>
+                <a:latin typeface="Consolas" panose="020B0609020204030204" pitchFamily="49" charset="0"/>
+              </a:rPr>
+              <a:t>, </a:t>
+            </a:r>
+            <a:r>
+              <a:rPr lang="nl-BE" b="0" dirty="0">
+                <a:solidFill>
+                  <a:srgbClr val="A31515"/>
+                </a:solidFill>
+                <a:effectLst/>
+                <a:latin typeface="Consolas" panose="020B0609020204030204" pitchFamily="49" charset="0"/>
+              </a:rPr>
+              <a:t>"1"</a:t>
+            </a:r>
+            <a:r>
+              <a:rPr lang="nl-BE" b="0" dirty="0">
+                <a:solidFill>
+                  <a:srgbClr val="000000"/>
+                </a:solidFill>
+                <a:effectLst/>
+                <a:latin typeface="Consolas" panose="020B0609020204030204" pitchFamily="49" charset="0"/>
+              </a:rPr>
+              <a:t>);</a:t>
+            </a:r>
+          </a:p>
+          <a:p>
+            <a:pPr>
+              <a:lnSpc>
+                <a:spcPts val="1425"/>
+              </a:lnSpc>
+              <a:buNone/>
+            </a:pPr>
+            <a:r>
+              <a:rPr lang="nl-BE" b="0" dirty="0">
+                <a:solidFill>
+                  <a:srgbClr val="000000"/>
+                </a:solidFill>
+                <a:effectLst/>
+                <a:latin typeface="Consolas" panose="020B0609020204030204" pitchFamily="49" charset="0"/>
+              </a:rPr>
+              <a:t>}</a:t>
+            </a:r>
+          </a:p>
+        </p:txBody>
+      </p:sp>
+      <p:sp>
+        <p:nvSpPr>
+          <p:cNvPr id="7" name="Tekstvak 6">
+            <a:extLst>
+              <a:ext uri="{FF2B5EF4-FFF2-40B4-BE49-F238E27FC236}">
+                <a16:creationId xmlns:a16="http://schemas.microsoft.com/office/drawing/2014/main" id="{90E9E908-1F43-6495-9674-0E85B2DC33E2}"/>
+              </a:ext>
+            </a:extLst>
+          </p:cNvPr>
+          <p:cNvSpPr txBox="1"/>
+          <p:nvPr/>
+        </p:nvSpPr>
+        <p:spPr>
+          <a:xfrm>
+            <a:off x="5198534" y="1184077"/>
+            <a:ext cx="6096000" cy="286360"/>
+          </a:xfrm>
+          <a:prstGeom prst="rect">
+            <a:avLst/>
+          </a:prstGeom>
+          <a:noFill/>
+        </p:spPr>
+        <p:txBody>
+          <a:bodyPr wrap="square">
+            <a:spAutoFit/>
+          </a:bodyPr>
+          <a:lstStyle/>
+          <a:p>
+            <a:pPr>
+              <a:lnSpc>
+                <a:spcPts val="1425"/>
+              </a:lnSpc>
+              <a:buNone/>
+            </a:pPr>
+            <a:r>
+              <a:rPr lang="en-US" b="0" dirty="0">
+                <a:solidFill>
+                  <a:srgbClr val="800000"/>
+                </a:solidFill>
+                <a:effectLst/>
+                <a:latin typeface="Consolas" panose="020B0609020204030204" pitchFamily="49" charset="0"/>
+              </a:rPr>
+              <a:t>&lt;button</a:t>
+            </a:r>
+            <a:r>
+              <a:rPr lang="en-US" b="0" dirty="0">
+                <a:solidFill>
+                  <a:srgbClr val="000000"/>
+                </a:solidFill>
+                <a:effectLst/>
+                <a:latin typeface="Consolas" panose="020B0609020204030204" pitchFamily="49" charset="0"/>
+              </a:rPr>
+              <a:t> </a:t>
+            </a:r>
+            <a:r>
+              <a:rPr lang="en-US" b="0" dirty="0">
+                <a:solidFill>
+                  <a:srgbClr val="E50000"/>
+                </a:solidFill>
+                <a:effectLst/>
+                <a:latin typeface="Consolas" panose="020B0609020204030204" pitchFamily="49" charset="0"/>
+              </a:rPr>
+              <a:t>onclick</a:t>
+            </a:r>
+            <a:r>
+              <a:rPr lang="en-US" b="0" dirty="0">
+                <a:solidFill>
+                  <a:srgbClr val="000000"/>
+                </a:solidFill>
+                <a:effectLst/>
+                <a:latin typeface="Consolas" panose="020B0609020204030204" pitchFamily="49" charset="0"/>
+              </a:rPr>
+              <a:t>=</a:t>
+            </a:r>
+            <a:r>
+              <a:rPr lang="en-US" b="0" dirty="0">
+                <a:solidFill>
+                  <a:srgbClr val="0000FF"/>
+                </a:solidFill>
+                <a:effectLst/>
+                <a:latin typeface="Consolas" panose="020B0609020204030204" pitchFamily="49" charset="0"/>
+              </a:rPr>
+              <a:t>"test()"</a:t>
+            </a:r>
+            <a:r>
+              <a:rPr lang="en-US" b="0" dirty="0">
+                <a:solidFill>
+                  <a:srgbClr val="800000"/>
+                </a:solidFill>
+                <a:effectLst/>
+                <a:latin typeface="Consolas" panose="020B0609020204030204" pitchFamily="49" charset="0"/>
+              </a:rPr>
+              <a:t>&gt;</a:t>
+            </a:r>
+            <a:r>
+              <a:rPr lang="en-US" b="0" dirty="0">
+                <a:solidFill>
+                  <a:srgbClr val="000000"/>
+                </a:solidFill>
+                <a:effectLst/>
+                <a:latin typeface="Consolas" panose="020B0609020204030204" pitchFamily="49" charset="0"/>
+              </a:rPr>
+              <a:t>Test</a:t>
+            </a:r>
+            <a:r>
+              <a:rPr lang="en-US" b="0" dirty="0">
+                <a:solidFill>
+                  <a:srgbClr val="800000"/>
+                </a:solidFill>
+                <a:effectLst/>
+                <a:latin typeface="Consolas" panose="020B0609020204030204" pitchFamily="49" charset="0"/>
+              </a:rPr>
+              <a:t>&lt;/button&gt;</a:t>
+            </a:r>
+            <a:endParaRPr lang="en-US" b="0" dirty="0">
+              <a:solidFill>
+                <a:srgbClr val="000000"/>
+              </a:solidFill>
+              <a:effectLst/>
+              <a:latin typeface="Consolas" panose="020B0609020204030204" pitchFamily="49" charset="0"/>
+            </a:endParaRPr>
+          </a:p>
+        </p:txBody>
+      </p:sp>
+    </p:spTree>
+    <p:extLst>
+      <p:ext uri="{BB962C8B-B14F-4D97-AF65-F5344CB8AC3E}">
+        <p14:creationId xmlns:p14="http://schemas.microsoft.com/office/powerpoint/2010/main" val="1472645518"/>
+      </p:ext>
+    </p:extLst>
+  </p:cSld>
+  <p:clrMapOvr>
+    <a:masterClrMapping/>
+  </p:clrMapOvr>
+</p:sld>
+</file>
+
+<file path=ppt/slides/slide51.xml><?xml version="1.0" encoding="utf-8"?>
+<p:sld xmlns:a="http://schemas.openxmlformats.org/drawingml/2006/main" xmlns:r="http://schemas.openxmlformats.org/officeDocument/2006/relationships" xmlns:p="http://schemas.openxmlformats.org/presentationml/2006/main">
+  <p:cSld>
+    <p:spTree>
+      <p:nvGrpSpPr>
+        <p:cNvPr id="1" name=""/>
+        <p:cNvGrpSpPr/>
+        <p:nvPr/>
+      </p:nvGrpSpPr>
+      <p:grpSpPr>
+        <a:xfrm>
+          <a:off x="0" y="0"/>
+          <a:ext cx="0" cy="0"/>
+          <a:chOff x="0" y="0"/>
+          <a:chExt cx="0" cy="0"/>
+        </a:xfrm>
+      </p:grpSpPr>
+      <p:sp>
+        <p:nvSpPr>
+          <p:cNvPr id="2" name="Titel 1">
+            <a:extLst>
+              <a:ext uri="{FF2B5EF4-FFF2-40B4-BE49-F238E27FC236}">
                 <a16:creationId xmlns:a16="http://schemas.microsoft.com/office/drawing/2014/main" id="{4DAFA998-36CE-8805-ADFD-BDC91B66C5F1}"/>
               </a:ext>
             </a:extLst>
@@ -19030,7 +19393,6 @@
               <a:rPr lang="nl-BE" dirty="0"/>
               <a:t>()</a:t>
             </a:r>
-            <a:endParaRPr lang="nl-BE" i="1" dirty="0"/>
           </a:p>
         </p:txBody>
       </p:sp>
@@ -19047,7 +19409,7 @@
 </p:sld>
 </file>
 
-<file path=ppt/slides/slide51.xml><?xml version="1.0" encoding="utf-8"?>
+<file path=ppt/slides/slide52.xml><?xml version="1.0" encoding="utf-8"?>
 <p:sld xmlns:a="http://schemas.openxmlformats.org/drawingml/2006/main" xmlns:r="http://schemas.openxmlformats.org/officeDocument/2006/relationships" xmlns:p="http://schemas.openxmlformats.org/presentationml/2006/main">
   <p:cSld>
     <p:spTree>
@@ -19168,142 +19530,6 @@
     <p:extLst>
       <p:ext uri="{BB962C8B-B14F-4D97-AF65-F5344CB8AC3E}">
         <p14:creationId xmlns:p14="http://schemas.microsoft.com/office/powerpoint/2010/main" val="4286566524"/>
-      </p:ext>
-    </p:extLst>
-  </p:cSld>
-  <p:clrMapOvr>
-    <a:masterClrMapping/>
-  </p:clrMapOvr>
-</p:sld>
-</file>
-
-<file path=ppt/slides/slide52.xml><?xml version="1.0" encoding="utf-8"?>
-<p:sld xmlns:a="http://schemas.openxmlformats.org/drawingml/2006/main" xmlns:r="http://schemas.openxmlformats.org/officeDocument/2006/relationships" xmlns:p="http://schemas.openxmlformats.org/presentationml/2006/main">
-  <p:cSld>
-    <p:spTree>
-      <p:nvGrpSpPr>
-        <p:cNvPr id="1" name="">
-          <a:extLst>
-            <a:ext uri="{FF2B5EF4-FFF2-40B4-BE49-F238E27FC236}">
-              <a16:creationId xmlns:a16="http://schemas.microsoft.com/office/drawing/2014/main" id="{46CDB150-A9FB-DA74-0639-B25306C979C4}"/>
-            </a:ext>
-          </a:extLst>
-        </p:cNvPr>
-        <p:cNvGrpSpPr/>
-        <p:nvPr/>
-      </p:nvGrpSpPr>
-      <p:grpSpPr>
-        <a:xfrm>
-          <a:off x="0" y="0"/>
-          <a:ext cx="0" cy="0"/>
-          <a:chOff x="0" y="0"/>
-          <a:chExt cx="0" cy="0"/>
-        </a:xfrm>
-      </p:grpSpPr>
-      <p:sp>
-        <p:nvSpPr>
-          <p:cNvPr id="2" name="Titel 1">
-            <a:extLst>
-              <a:ext uri="{FF2B5EF4-FFF2-40B4-BE49-F238E27FC236}">
-                <a16:creationId xmlns:a16="http://schemas.microsoft.com/office/drawing/2014/main" id="{E3F79BEE-9C85-9D92-8283-0D7F44DDF6D1}"/>
-              </a:ext>
-            </a:extLst>
-          </p:cNvPr>
-          <p:cNvSpPr>
-            <a:spLocks noGrp="1"/>
-          </p:cNvSpPr>
-          <p:nvPr>
-            <p:ph type="title"/>
-          </p:nvPr>
-        </p:nvSpPr>
-        <p:spPr/>
-        <p:txBody>
-          <a:bodyPr/>
-          <a:lstStyle/>
-          <a:p>
-            <a:r>
-              <a:rPr lang="nl-BE" dirty="0"/>
-              <a:t>Eigenschappen van elementen</a:t>
-            </a:r>
-          </a:p>
-        </p:txBody>
-      </p:sp>
-      <p:sp>
-        <p:nvSpPr>
-          <p:cNvPr id="3" name="Tijdelijke aanduiding voor inhoud 2">
-            <a:extLst>
-              <a:ext uri="{FF2B5EF4-FFF2-40B4-BE49-F238E27FC236}">
-                <a16:creationId xmlns:a16="http://schemas.microsoft.com/office/drawing/2014/main" id="{B712F786-2B8A-6AAE-9F13-F622B66232D1}"/>
-              </a:ext>
-            </a:extLst>
-          </p:cNvPr>
-          <p:cNvSpPr>
-            <a:spLocks noGrp="1"/>
-          </p:cNvSpPr>
-          <p:nvPr>
-            <p:ph idx="1"/>
-          </p:nvPr>
-        </p:nvSpPr>
-        <p:spPr/>
-        <p:txBody>
-          <a:bodyPr/>
-          <a:lstStyle/>
-          <a:p>
-            <a:r>
-              <a:rPr lang="nl-BE" dirty="0" err="1"/>
-              <a:t>tagName</a:t>
-            </a:r>
-            <a:r>
-              <a:rPr lang="nl-BE" dirty="0"/>
-              <a:t>: naam van de tag (bv. p, div, h1, h2, …)</a:t>
-            </a:r>
-          </a:p>
-          <a:p>
-            <a:pPr marL="0" indent="0">
-              <a:buNone/>
-            </a:pPr>
-            <a:endParaRPr lang="nl-BE" dirty="0"/>
-          </a:p>
-          <a:p>
-            <a:r>
-              <a:rPr lang="nl-BE" dirty="0" err="1"/>
-              <a:t>parent</a:t>
-            </a:r>
-            <a:r>
-              <a:rPr lang="nl-BE" dirty="0"/>
-              <a:t>: de bovenliggende tag. (Bv. bij &lt;p&gt;&lt;b&gt;Hallo&lt;/b&gt;&lt;p&gt; is de p-tag de </a:t>
-            </a:r>
-            <a:r>
-              <a:rPr lang="nl-BE" dirty="0" err="1"/>
-              <a:t>parent</a:t>
-            </a:r>
-            <a:r>
-              <a:rPr lang="nl-BE" dirty="0"/>
-              <a:t> van de b-tag)</a:t>
-            </a:r>
-          </a:p>
-          <a:p>
-            <a:pPr marL="0" indent="0">
-              <a:buNone/>
-            </a:pPr>
-            <a:endParaRPr lang="nl-BE" dirty="0"/>
-          </a:p>
-          <a:p>
-            <a:r>
-              <a:rPr lang="nl-BE" dirty="0" err="1"/>
-              <a:t>Children</a:t>
-            </a:r>
-            <a:r>
-              <a:rPr lang="nl-BE" dirty="0"/>
-              <a:t>: de onderliggende tags.</a:t>
-            </a:r>
-          </a:p>
-        </p:txBody>
-      </p:sp>
-    </p:spTree>
-    <p:extLst>
-      <p:ext uri="{BB962C8B-B14F-4D97-AF65-F5344CB8AC3E}">
-        <p14:creationId xmlns:p14="http://schemas.microsoft.com/office/powerpoint/2010/main" val="69329851"/>
       </p:ext>
     </p:extLst>
   </p:cSld>

--- a/Webdesign.pptx
+++ b/Webdesign.pptx
@@ -5,10 +5,10 @@
     <p:sldMasterId id="2147483712" r:id="rId1"/>
   </p:sldMasterIdLst>
   <p:notesMasterIdLst>
-    <p:notesMasterId r:id="rId57"/>
+    <p:notesMasterId r:id="rId60"/>
   </p:notesMasterIdLst>
   <p:handoutMasterIdLst>
-    <p:handoutMasterId r:id="rId58"/>
+    <p:handoutMasterId r:id="rId61"/>
   </p:handoutMasterIdLst>
   <p:sldIdLst>
     <p:sldId id="257" r:id="rId2"/>
@@ -62,10 +62,13 @@
     <p:sldId id="292" r:id="rId50"/>
     <p:sldId id="293" r:id="rId51"/>
     <p:sldId id="300" r:id="rId52"/>
-    <p:sldId id="298" r:id="rId53"/>
-    <p:sldId id="294" r:id="rId54"/>
-    <p:sldId id="299" r:id="rId55"/>
-    <p:sldId id="296" r:id="rId56"/>
+    <p:sldId id="313" r:id="rId53"/>
+    <p:sldId id="298" r:id="rId54"/>
+    <p:sldId id="294" r:id="rId55"/>
+    <p:sldId id="314" r:id="rId56"/>
+    <p:sldId id="299" r:id="rId57"/>
+    <p:sldId id="296" r:id="rId58"/>
+    <p:sldId id="315" r:id="rId59"/>
   </p:sldIdLst>
   <p:sldSz cx="12192000" cy="6858000"/>
   <p:notesSz cx="6858000" cy="9144000"/>
@@ -178,13 +181,150 @@
 <file path=ppt/revisionInfo.xml><?xml version="1.0" encoding="utf-8"?>
 <p1510:revInfo xmlns:a="http://schemas.openxmlformats.org/drawingml/2006/main" xmlns:r="http://schemas.openxmlformats.org/officeDocument/2006/relationships" xmlns:p1510="http://schemas.microsoft.com/office/powerpoint/2015/10/main">
   <p1510:revLst>
-    <p1510:client id="{35D616E2-1085-46FA-B45A-8B1B4B6E2F4B}" v="2" dt="2025-10-10T05:31:37.174"/>
+    <p1510:client id="{35D616E2-1085-46FA-B45A-8B1B4B6E2F4B}" v="8" dt="2025-10-17T06:52:52.620"/>
   </p1510:revLst>
 </p1510:revInfo>
 </file>
 
 <file path=ppt/changesInfos/changesInfo1.xml><?xml version="1.0" encoding="utf-8"?>
 <pc:chgInfo xmlns:a="http://schemas.openxmlformats.org/drawingml/2006/main" xmlns:r="http://schemas.openxmlformats.org/officeDocument/2006/relationships" xmlns:ac="http://schemas.microsoft.com/office/drawing/2013/main/command" xmlns:pc="http://schemas.microsoft.com/office/powerpoint/2013/main/command">
+  <pc:docChgLst>
+    <pc:chgData name="Renaud Leroy" userId="135fb8da-5d77-4f74-8269-9536d61f18e3" providerId="ADAL" clId="{E78863E9-63F1-4351-B732-0F17272A4588}"/>
+    <pc:docChg chg="undo custSel addSld modSld">
+      <pc:chgData name="Renaud Leroy" userId="135fb8da-5d77-4f74-8269-9536d61f18e3" providerId="ADAL" clId="{E78863E9-63F1-4351-B732-0F17272A4588}" dt="2025-10-17T07:21:26.736" v="2171" actId="948"/>
+      <pc:docMkLst>
+        <pc:docMk/>
+      </pc:docMkLst>
+      <pc:sldChg chg="modSp mod">
+        <pc:chgData name="Renaud Leroy" userId="135fb8da-5d77-4f74-8269-9536d61f18e3" providerId="ADAL" clId="{E78863E9-63F1-4351-B732-0F17272A4588}" dt="2025-10-17T05:22:11.033" v="7" actId="20577"/>
+        <pc:sldMkLst>
+          <pc:docMk/>
+          <pc:sldMk cId="1472645518" sldId="293"/>
+        </pc:sldMkLst>
+        <pc:spChg chg="mod">
+          <ac:chgData name="Renaud Leroy" userId="135fb8da-5d77-4f74-8269-9536d61f18e3" providerId="ADAL" clId="{E78863E9-63F1-4351-B732-0F17272A4588}" dt="2025-10-17T05:22:11.033" v="7" actId="20577"/>
+          <ac:spMkLst>
+            <pc:docMk/>
+            <pc:sldMk cId="1472645518" sldId="293"/>
+            <ac:spMk id="3" creationId="{C0C7DA2F-B487-D715-97AA-0F61AA2BE5F7}"/>
+          </ac:spMkLst>
+        </pc:spChg>
+      </pc:sldChg>
+      <pc:sldChg chg="modSp mod">
+        <pc:chgData name="Renaud Leroy" userId="135fb8da-5d77-4f74-8269-9536d61f18e3" providerId="ADAL" clId="{E78863E9-63F1-4351-B732-0F17272A4588}" dt="2025-10-17T06:53:19.638" v="816" actId="948"/>
+        <pc:sldMkLst>
+          <pc:docMk/>
+          <pc:sldMk cId="2505658942" sldId="296"/>
+        </pc:sldMkLst>
+        <pc:spChg chg="mod">
+          <ac:chgData name="Renaud Leroy" userId="135fb8da-5d77-4f74-8269-9536d61f18e3" providerId="ADAL" clId="{E78863E9-63F1-4351-B732-0F17272A4588}" dt="2025-10-17T06:53:19.638" v="816" actId="948"/>
+          <ac:spMkLst>
+            <pc:docMk/>
+            <pc:sldMk cId="2505658942" sldId="296"/>
+            <ac:spMk id="3" creationId="{88043A32-EE52-64EB-FCD5-5DBAEF80E0ED}"/>
+          </ac:spMkLst>
+        </pc:spChg>
+      </pc:sldChg>
+      <pc:sldChg chg="modSp mod">
+        <pc:chgData name="Renaud Leroy" userId="135fb8da-5d77-4f74-8269-9536d61f18e3" providerId="ADAL" clId="{E78863E9-63F1-4351-B732-0F17272A4588}" dt="2025-10-17T05:33:53.716" v="531" actId="20577"/>
+        <pc:sldMkLst>
+          <pc:docMk/>
+          <pc:sldMk cId="4286566524" sldId="298"/>
+        </pc:sldMkLst>
+        <pc:spChg chg="mod">
+          <ac:chgData name="Renaud Leroy" userId="135fb8da-5d77-4f74-8269-9536d61f18e3" providerId="ADAL" clId="{E78863E9-63F1-4351-B732-0F17272A4588}" dt="2025-10-17T05:33:53.716" v="531" actId="20577"/>
+          <ac:spMkLst>
+            <pc:docMk/>
+            <pc:sldMk cId="4286566524" sldId="298"/>
+            <ac:spMk id="3" creationId="{8AA2CD61-9F66-24DD-D34D-6E56967FEEAA}"/>
+          </ac:spMkLst>
+        </pc:spChg>
+      </pc:sldChg>
+      <pc:sldChg chg="modSp mod">
+        <pc:chgData name="Renaud Leroy" userId="135fb8da-5d77-4f74-8269-9536d61f18e3" providerId="ADAL" clId="{E78863E9-63F1-4351-B732-0F17272A4588}" dt="2025-10-17T05:37:59.568" v="644" actId="20577"/>
+        <pc:sldMkLst>
+          <pc:docMk/>
+          <pc:sldMk cId="3005535933" sldId="299"/>
+        </pc:sldMkLst>
+        <pc:spChg chg="mod">
+          <ac:chgData name="Renaud Leroy" userId="135fb8da-5d77-4f74-8269-9536d61f18e3" providerId="ADAL" clId="{E78863E9-63F1-4351-B732-0F17272A4588}" dt="2025-10-17T05:37:59.568" v="644" actId="20577"/>
+          <ac:spMkLst>
+            <pc:docMk/>
+            <pc:sldMk cId="3005535933" sldId="299"/>
+            <ac:spMk id="5" creationId="{CC30B339-17E8-3DC1-5998-6C8B1D75AEDF}"/>
+          </ac:spMkLst>
+        </pc:spChg>
+      </pc:sldChg>
+      <pc:sldChg chg="modSp mod">
+        <pc:chgData name="Renaud Leroy" userId="135fb8da-5d77-4f74-8269-9536d61f18e3" providerId="ADAL" clId="{E78863E9-63F1-4351-B732-0F17272A4588}" dt="2025-10-17T05:28:02.445" v="513" actId="948"/>
+        <pc:sldMkLst>
+          <pc:docMk/>
+          <pc:sldMk cId="1547160706" sldId="300"/>
+        </pc:sldMkLst>
+        <pc:spChg chg="mod">
+          <ac:chgData name="Renaud Leroy" userId="135fb8da-5d77-4f74-8269-9536d61f18e3" providerId="ADAL" clId="{E78863E9-63F1-4351-B732-0F17272A4588}" dt="2025-10-17T05:28:02.445" v="513" actId="948"/>
+          <ac:spMkLst>
+            <pc:docMk/>
+            <pc:sldMk cId="1547160706" sldId="300"/>
+            <ac:spMk id="3" creationId="{C836F053-5EF6-11BF-9078-583F9ADCB9CA}"/>
+          </ac:spMkLst>
+        </pc:spChg>
+      </pc:sldChg>
+      <pc:sldChg chg="modSp add mod">
+        <pc:chgData name="Renaud Leroy" userId="135fb8da-5d77-4f74-8269-9536d61f18e3" providerId="ADAL" clId="{E78863E9-63F1-4351-B732-0F17272A4588}" dt="2025-10-17T05:26:48.205" v="410" actId="20577"/>
+        <pc:sldMkLst>
+          <pc:docMk/>
+          <pc:sldMk cId="3570912639" sldId="313"/>
+        </pc:sldMkLst>
+        <pc:spChg chg="mod">
+          <ac:chgData name="Renaud Leroy" userId="135fb8da-5d77-4f74-8269-9536d61f18e3" providerId="ADAL" clId="{E78863E9-63F1-4351-B732-0F17272A4588}" dt="2025-10-17T05:23:32.622" v="37" actId="20577"/>
+          <ac:spMkLst>
+            <pc:docMk/>
+            <pc:sldMk cId="3570912639" sldId="313"/>
+            <ac:spMk id="2" creationId="{5C4E335F-8143-1B7C-7A2E-4CC72C386903}"/>
+          </ac:spMkLst>
+        </pc:spChg>
+        <pc:spChg chg="mod">
+          <ac:chgData name="Renaud Leroy" userId="135fb8da-5d77-4f74-8269-9536d61f18e3" providerId="ADAL" clId="{E78863E9-63F1-4351-B732-0F17272A4588}" dt="2025-10-17T05:26:48.205" v="410" actId="20577"/>
+          <ac:spMkLst>
+            <pc:docMk/>
+            <pc:sldMk cId="3570912639" sldId="313"/>
+            <ac:spMk id="3" creationId="{B9127A27-F7F7-2B91-6E98-C8B341DC6D11}"/>
+          </ac:spMkLst>
+        </pc:spChg>
+      </pc:sldChg>
+      <pc:sldChg chg="modSp add mod">
+        <pc:chgData name="Renaud Leroy" userId="135fb8da-5d77-4f74-8269-9536d61f18e3" providerId="ADAL" clId="{E78863E9-63F1-4351-B732-0F17272A4588}" dt="2025-10-17T05:35:52.627" v="634"/>
+        <pc:sldMkLst>
+          <pc:docMk/>
+          <pc:sldMk cId="723633610" sldId="314"/>
+        </pc:sldMkLst>
+        <pc:spChg chg="mod">
+          <ac:chgData name="Renaud Leroy" userId="135fb8da-5d77-4f74-8269-9536d61f18e3" providerId="ADAL" clId="{E78863E9-63F1-4351-B732-0F17272A4588}" dt="2025-10-17T05:35:52.627" v="634"/>
+          <ac:spMkLst>
+            <pc:docMk/>
+            <pc:sldMk cId="723633610" sldId="314"/>
+            <ac:spMk id="7" creationId="{A4C0ABFC-390F-8652-9867-86BB5B1305BF}"/>
+          </ac:spMkLst>
+        </pc:spChg>
+      </pc:sldChg>
+      <pc:sldChg chg="modSp add mod">
+        <pc:chgData name="Renaud Leroy" userId="135fb8da-5d77-4f74-8269-9536d61f18e3" providerId="ADAL" clId="{E78863E9-63F1-4351-B732-0F17272A4588}" dt="2025-10-17T07:21:26.736" v="2171" actId="948"/>
+        <pc:sldMkLst>
+          <pc:docMk/>
+          <pc:sldMk cId="3905181089" sldId="315"/>
+        </pc:sldMkLst>
+        <pc:spChg chg="mod">
+          <ac:chgData name="Renaud Leroy" userId="135fb8da-5d77-4f74-8269-9536d61f18e3" providerId="ADAL" clId="{E78863E9-63F1-4351-B732-0F17272A4588}" dt="2025-10-17T07:21:26.736" v="2171" actId="948"/>
+          <ac:spMkLst>
+            <pc:docMk/>
+            <pc:sldMk cId="3905181089" sldId="315"/>
+            <ac:spMk id="3" creationId="{3990D63E-44AA-6C52-D944-9C824DAE8E09}"/>
+          </ac:spMkLst>
+        </pc:spChg>
+      </pc:sldChg>
+    </pc:docChg>
+  </pc:docChgLst>
   <pc:docChgLst>
     <pc:chgData name="Renaud Leroy" userId="135fb8da-5d77-4f74-8269-9536d61f18e3" providerId="ADAL" clId="{35D616E2-1085-46FA-B45A-8B1B4B6E2F4B}"/>
     <pc:docChg chg="undo redo custSel addSld delSld modSld">
@@ -401,7 +541,7 @@
             <a:pPr rtl="0"/>
             <a:fld id="{5A14EC35-A083-4CA2-A629-54FB374745AC}" type="datetime1">
               <a:rPr lang="nl-NL" smtClean="0"/>
-              <a:t>10-10-2025</a:t>
+              <a:t>17-10-2025</a:t>
             </a:fld>
             <a:endParaRPr lang="en-US" dirty="0"/>
           </a:p>
@@ -469,7 +609,7 @@
             <a:pPr rtl="0"/>
             <a:fld id="{A975D426-A9DD-4244-A2CE-1FB6623742C7}" type="slidenum">
               <a:rPr lang="en-US" smtClean="0"/>
-              <a:t>‹nr.›</a:t>
+              <a:t>‹#›</a:t>
             </a:fld>
             <a:endParaRPr lang="en-US"/>
           </a:p>
@@ -571,7 +711,7 @@
             <a:pPr rtl="0"/>
             <a:fld id="{B32F82C2-DE9F-479D-95B3-30B2F9C315A1}" type="datetime1">
               <a:rPr lang="nl-NL" smtClean="0"/>
-              <a:t>10-10-2025</a:t>
+              <a:t>17-10-2025</a:t>
             </a:fld>
             <a:endParaRPr lang="en-US"/>
           </a:p>
@@ -734,7 +874,7 @@
             <a:pPr rtl="0"/>
             <a:fld id="{01B41D33-19C8-4450-B3C5-BE83E9C8F0BC}" type="slidenum">
               <a:rPr lang="en-US" smtClean="0"/>
-              <a:t>‹nr.›</a:t>
+              <a:t>‹#›</a:t>
             </a:fld>
             <a:endParaRPr lang="en-US"/>
           </a:p>
@@ -897,6 +1037,13 @@
             <a:schemeClr val="lt1"/>
           </a:fontRef>
         </p:style>
+        <p:txBody>
+          <a:bodyPr/>
+          <a:lstStyle/>
+          <a:p>
+            <a:endParaRPr lang="nl-BE"/>
+          </a:p>
+        </p:txBody>
       </p:sp>
       <p:sp>
         <p:nvSpPr>
@@ -1085,7 +1232,7 @@
             <a:pPr rtl="0"/>
             <a:fld id="{A83A1771-3711-4549-B223-6BFD613711ED}" type="datetime1">
               <a:rPr lang="nl-NL" smtClean="0"/>
-              <a:t>10-10-2025</a:t>
+              <a:t>17-10-2025</a:t>
             </a:fld>
             <a:endParaRPr lang="en-US" dirty="0"/>
           </a:p>
@@ -1141,7 +1288,7 @@
             <a:pPr rtl="0"/>
             <a:fld id="{3A98EE3D-8CD1-4C3F-BD1C-C98C9596463C}" type="slidenum">
               <a:rPr lang="en-US" smtClean="0"/>
-              <a:t>‹nr.›</a:t>
+              <a:t>‹#›</a:t>
             </a:fld>
             <a:endParaRPr lang="en-US" dirty="0"/>
           </a:p>
@@ -1292,7 +1439,7 @@
             <a:pPr rtl="0"/>
             <a:fld id="{D08EE877-7E72-4A3F-BF87-CE406B3EE1C5}" type="datetime1">
               <a:rPr lang="nl-NL" smtClean="0"/>
-              <a:t>10-10-2025</a:t>
+              <a:t>17-10-2025</a:t>
             </a:fld>
             <a:endParaRPr lang="en-US" dirty="0"/>
           </a:p>
@@ -1336,7 +1483,7 @@
             <a:pPr rtl="0"/>
             <a:fld id="{3A98EE3D-8CD1-4C3F-BD1C-C98C9596463C}" type="slidenum">
               <a:rPr lang="en-US" smtClean="0"/>
-              <a:t>‹nr.›</a:t>
+              <a:t>‹#›</a:t>
             </a:fld>
             <a:endParaRPr lang="en-US" dirty="0"/>
           </a:p>
@@ -1658,7 +1805,7 @@
             <a:pPr rtl="0"/>
             <a:fld id="{4CC54E9F-8ACA-4714-84BB-74BA71865A3C}" type="datetime1">
               <a:rPr lang="nl-NL" smtClean="0"/>
-              <a:t>10-10-2025</a:t>
+              <a:t>17-10-2025</a:t>
             </a:fld>
             <a:endParaRPr lang="en-US" dirty="0"/>
           </a:p>
@@ -1714,7 +1861,7 @@
             <a:pPr rtl="0"/>
             <a:fld id="{3A98EE3D-8CD1-4C3F-BD1C-C98C9596463C}" type="slidenum">
               <a:rPr lang="en-US" smtClean="0"/>
-              <a:t>‹nr.›</a:t>
+              <a:t>‹#›</a:t>
             </a:fld>
             <a:endParaRPr lang="en-US" dirty="0"/>
           </a:p>
@@ -2090,7 +2237,7 @@
             <a:pPr rtl="0"/>
             <a:fld id="{66D3D282-C61A-41D7-9714-7814FA67361E}" type="datetime1">
               <a:rPr lang="nl-NL" smtClean="0"/>
-              <a:t>10-10-2025</a:t>
+              <a:t>17-10-2025</a:t>
             </a:fld>
             <a:endParaRPr lang="en-US" dirty="0"/>
           </a:p>
@@ -2146,7 +2293,7 @@
             <a:pPr rtl="0"/>
             <a:fld id="{3A98EE3D-8CD1-4C3F-BD1C-C98C9596463C}" type="slidenum">
               <a:rPr lang="en-US" smtClean="0"/>
-              <a:t>‹nr.›</a:t>
+              <a:t>‹#›</a:t>
             </a:fld>
             <a:endParaRPr lang="en-US" dirty="0"/>
           </a:p>
@@ -2347,7 +2494,7 @@
             <a:pPr rtl="0"/>
             <a:fld id="{55CAE64B-8D6D-4B8F-BAE1-453EBC33DDBA}" type="datetime1">
               <a:rPr lang="nl-NL" smtClean="0"/>
-              <a:t>10-10-2025</a:t>
+              <a:t>17-10-2025</a:t>
             </a:fld>
             <a:endParaRPr lang="en-US" dirty="0"/>
           </a:p>
@@ -2391,7 +2538,7 @@
             <a:pPr rtl="0"/>
             <a:fld id="{3A98EE3D-8CD1-4C3F-BD1C-C98C9596463C}" type="slidenum">
               <a:rPr lang="en-US" smtClean="0"/>
-              <a:t>‹nr.›</a:t>
+              <a:t>‹#›</a:t>
             </a:fld>
             <a:endParaRPr lang="en-US" dirty="0"/>
           </a:p>
@@ -2773,7 +2920,7 @@
             <a:pPr rtl="0"/>
             <a:fld id="{7DD41833-08F9-41B2-81FC-2883EDAAEF19}" type="datetime1">
               <a:rPr lang="nl-NL" smtClean="0"/>
-              <a:t>10-10-2025</a:t>
+              <a:t>17-10-2025</a:t>
             </a:fld>
             <a:endParaRPr lang="en-US" dirty="0"/>
           </a:p>
@@ -2817,7 +2964,7 @@
             <a:pPr rtl="0"/>
             <a:fld id="{3A98EE3D-8CD1-4C3F-BD1C-C98C9596463C}" type="slidenum">
               <a:rPr lang="en-US" smtClean="0"/>
-              <a:t>‹nr.›</a:t>
+              <a:t>‹#›</a:t>
             </a:fld>
             <a:endParaRPr lang="en-US" dirty="0"/>
           </a:p>
@@ -2900,7 +3047,7 @@
             <a:pPr rtl="0"/>
             <a:fld id="{5DC9B189-AE00-478F-84A9-63330A766802}" type="datetime1">
               <a:rPr lang="nl-NL" smtClean="0"/>
-              <a:t>10-10-2025</a:t>
+              <a:t>17-10-2025</a:t>
             </a:fld>
             <a:endParaRPr lang="en-US" dirty="0"/>
           </a:p>
@@ -2944,7 +3091,7 @@
             <a:pPr rtl="0"/>
             <a:fld id="{3A98EE3D-8CD1-4C3F-BD1C-C98C9596463C}" type="slidenum">
               <a:rPr lang="en-US" smtClean="0"/>
-              <a:t>‹nr.›</a:t>
+              <a:t>‹#›</a:t>
             </a:fld>
             <a:endParaRPr lang="en-US" dirty="0"/>
           </a:p>
@@ -2998,7 +3145,7 @@
             <a:pPr rtl="0"/>
             <a:fld id="{C4D93972-B93F-42C7-B487-83AAA3F36605}" type="datetime1">
               <a:rPr lang="nl-NL" smtClean="0"/>
-              <a:t>10-10-2025</a:t>
+              <a:t>17-10-2025</a:t>
             </a:fld>
             <a:endParaRPr lang="en-US" dirty="0"/>
           </a:p>
@@ -3042,7 +3189,7 @@
             <a:pPr rtl="0"/>
             <a:fld id="{3A98EE3D-8CD1-4C3F-BD1C-C98C9596463C}" type="slidenum">
               <a:rPr lang="en-US" smtClean="0"/>
-              <a:t>‹nr.›</a:t>
+              <a:t>‹#›</a:t>
             </a:fld>
             <a:endParaRPr lang="en-US" dirty="0"/>
           </a:p>
@@ -3379,7 +3526,7 @@
             <a:pPr rtl="0"/>
             <a:fld id="{41CBEB4C-81CC-455E-9331-682EF29A1EAB}" type="datetime1">
               <a:rPr lang="nl-NL" smtClean="0"/>
-              <a:t>10-10-2025</a:t>
+              <a:t>17-10-2025</a:t>
             </a:fld>
             <a:endParaRPr lang="en-US" dirty="0"/>
           </a:p>
@@ -3446,7 +3593,7 @@
             <a:fld id="{3A98EE3D-8CD1-4C3F-BD1C-C98C9596463C}" type="slidenum">
               <a:rPr lang="en-US" smtClean="0"/>
               <a:pPr rtl="0"/>
-              <a:t>‹nr.›</a:t>
+              <a:t>‹#›</a:t>
             </a:fld>
             <a:endParaRPr lang="en-US" dirty="0"/>
           </a:p>
@@ -3677,7 +3824,7 @@
             <a:pPr rtl="0"/>
             <a:fld id="{87691925-8A1E-4010-8BF9-64E08633B604}" type="datetime1">
               <a:rPr lang="nl-NL" smtClean="0"/>
-              <a:t>10-10-2025</a:t>
+              <a:t>17-10-2025</a:t>
             </a:fld>
             <a:endParaRPr lang="en-US" dirty="0"/>
           </a:p>
@@ -3721,7 +3868,7 @@
             <a:pPr rtl="0"/>
             <a:fld id="{3A98EE3D-8CD1-4C3F-BD1C-C98C9596463C}" type="slidenum">
               <a:rPr lang="en-US" smtClean="0"/>
-              <a:t>‹nr.›</a:t>
+              <a:t>‹#›</a:t>
             </a:fld>
             <a:endParaRPr lang="en-US" dirty="0"/>
           </a:p>
@@ -3895,7 +4042,7 @@
             <a:pPr rtl="0"/>
             <a:fld id="{18D3FD7C-4B51-47DA-BCF4-68F2F2963CDA}" type="datetime1">
               <a:rPr lang="nl-NL" smtClean="0"/>
-              <a:t>10-10-2025</a:t>
+              <a:t>17-10-2025</a:t>
             </a:fld>
             <a:endParaRPr lang="en-US" dirty="0"/>
           </a:p>
@@ -3977,7 +4124,7 @@
             <a:pPr rtl="0"/>
             <a:fld id="{3A98EE3D-8CD1-4C3F-BD1C-C98C9596463C}" type="slidenum">
               <a:rPr lang="en-US" smtClean="0"/>
-              <a:t>‹nr.›</a:t>
+              <a:t>‹#›</a:t>
             </a:fld>
             <a:endParaRPr lang="en-US" dirty="0"/>
           </a:p>
@@ -4019,6 +4166,13 @@
             <a:schemeClr val="lt1"/>
           </a:fontRef>
         </p:style>
+        <p:txBody>
+          <a:bodyPr/>
+          <a:lstStyle/>
+          <a:p>
+            <a:endParaRPr lang="nl-BE"/>
+          </a:p>
+        </p:txBody>
       </p:sp>
       <p:sp>
         <p:nvSpPr>
@@ -4056,6 +4210,13 @@
             <a:schemeClr val="lt1"/>
           </a:fontRef>
         </p:style>
+        <p:txBody>
+          <a:bodyPr/>
+          <a:lstStyle/>
+          <a:p>
+            <a:endParaRPr lang="nl-BE"/>
+          </a:p>
+        </p:txBody>
       </p:sp>
       <p:sp>
         <p:nvSpPr>
@@ -4093,6 +4254,13 @@
             <a:schemeClr val="lt1"/>
           </a:fontRef>
         </p:style>
+        <p:txBody>
+          <a:bodyPr/>
+          <a:lstStyle/>
+          <a:p>
+            <a:endParaRPr lang="nl-BE"/>
+          </a:p>
+        </p:txBody>
       </p:sp>
     </p:spTree>
     <p:extLst>
@@ -7945,7 +8113,7 @@
             <a:pPr rtl="0"/>
             <a:fld id="{66D3D282-C61A-41D7-9714-7814FA67361E}" type="datetime1">
               <a:rPr lang="nl-NL" smtClean="0"/>
-              <a:t>10-10-2025</a:t>
+              <a:t>17-10-2025</a:t>
             </a:fld>
             <a:endParaRPr lang="en-US" dirty="0"/>
           </a:p>
@@ -11023,7 +11191,7 @@
             <a:pPr rtl="0"/>
             <a:fld id="{66D3D282-C61A-41D7-9714-7814FA67361E}" type="datetime1">
               <a:rPr lang="nl-NL" smtClean="0"/>
-              <a:t>10-10-2025</a:t>
+              <a:t>17-10-2025</a:t>
             </a:fld>
             <a:endParaRPr lang="en-US" dirty="0"/>
           </a:p>
@@ -16926,7 +17094,7 @@
             <a:pPr rtl="0"/>
             <a:fld id="{66D3D282-C61A-41D7-9714-7814FA67361E}" type="datetime1">
               <a:rPr lang="nl-NL" smtClean="0"/>
-              <a:t>10-10-2025</a:t>
+              <a:t>17-10-2025</a:t>
             </a:fld>
             <a:endParaRPr lang="en-US" dirty="0"/>
           </a:p>
@@ -18832,7 +19000,7 @@
             <a:pPr lvl="1"/>
             <a:r>
               <a:rPr lang="nl-BE" dirty="0" err="1"/>
-              <a:t>element.innerHTML</a:t>
+              <a:t>element.innerText</a:t>
             </a:r>
             <a:r>
               <a:rPr lang="nl-BE" dirty="0"/>
@@ -19345,6 +19513,30 @@
           <a:bodyPr/>
           <a:lstStyle/>
           <a:p>
+            <a:pPr>
+              <a:lnSpc>
+                <a:spcPct val="300000"/>
+              </a:lnSpc>
+            </a:pPr>
+            <a:r>
+              <a:rPr lang="nl-BE" i="1" dirty="0" err="1"/>
+              <a:t>element.hasAttribute</a:t>
+            </a:r>
+            <a:r>
+              <a:rPr lang="nl-BE" i="1" dirty="0"/>
+              <a:t>(“naam attribuut”)				</a:t>
+            </a:r>
+            <a:r>
+              <a:rPr lang="nl-BE" dirty="0"/>
+              <a:t>Bv. p1.hasAttribute(“data-waarde”)</a:t>
+            </a:r>
+          </a:p>
+          <a:p>
+            <a:pPr>
+              <a:lnSpc>
+                <a:spcPct val="300000"/>
+              </a:lnSpc>
+            </a:pPr>
             <a:r>
               <a:rPr lang="nl-BE" i="1" dirty="0" err="1"/>
               <a:t>element.attribuut</a:t>
@@ -19359,39 +19551,22 @@
             </a:r>
           </a:p>
           <a:p>
-            <a:endParaRPr lang="nl-BE" dirty="0"/>
-          </a:p>
-          <a:p>
-            <a:endParaRPr lang="nl-BE" dirty="0"/>
-          </a:p>
-          <a:p>
+            <a:pPr>
+              <a:lnSpc>
+                <a:spcPct val="300000"/>
+              </a:lnSpc>
+            </a:pPr>
             <a:r>
               <a:rPr lang="nl-BE" i="1" dirty="0" err="1"/>
               <a:t>element.getAttribute</a:t>
             </a:r>
             <a:r>
               <a:rPr lang="nl-BE" i="1" dirty="0"/>
-              <a:t>("naam attribuut").</a:t>
-            </a:r>
-            <a:r>
-              <a:rPr lang="nl-BE" i="1" dirty="0" err="1"/>
-              <a:t>valueOf</a:t>
-            </a:r>
-            <a:r>
-              <a:rPr lang="nl-BE" i="1" dirty="0"/>
-              <a:t>()		</a:t>
-            </a:r>
-            <a:r>
-              <a:rPr lang="nl-BE" dirty="0"/>
-              <a:t>Bv. p1.getAttribute("data-waarde").</a:t>
-            </a:r>
-            <a:r>
-              <a:rPr lang="nl-BE" dirty="0" err="1"/>
-              <a:t>valueOf</a:t>
-            </a:r>
-            <a:r>
-              <a:rPr lang="nl-BE" dirty="0"/>
-              <a:t>()</a:t>
+              <a:t>("naam attribuut")				</a:t>
+            </a:r>
+            <a:r>
+              <a:rPr lang="nl-BE" dirty="0"/>
+              <a:t>Bv. p1.getAttribute("data-waarde")</a:t>
             </a:r>
           </a:p>
         </p:txBody>
@@ -19410,6 +19585,151 @@
 </file>
 
 <file path=ppt/slides/slide52.xml><?xml version="1.0" encoding="utf-8"?>
+<p:sld xmlns:a="http://schemas.openxmlformats.org/drawingml/2006/main" xmlns:r="http://schemas.openxmlformats.org/officeDocument/2006/relationships" xmlns:p="http://schemas.openxmlformats.org/presentationml/2006/main">
+  <p:cSld>
+    <p:spTree>
+      <p:nvGrpSpPr>
+        <p:cNvPr id="1" name="">
+          <a:extLst>
+            <a:ext uri="{FF2B5EF4-FFF2-40B4-BE49-F238E27FC236}">
+              <a16:creationId xmlns:a16="http://schemas.microsoft.com/office/drawing/2014/main" id="{91A5478D-0622-05BA-5D33-062F2A182EB3}"/>
+            </a:ext>
+          </a:extLst>
+        </p:cNvPr>
+        <p:cNvGrpSpPr/>
+        <p:nvPr/>
+      </p:nvGrpSpPr>
+      <p:grpSpPr>
+        <a:xfrm>
+          <a:off x="0" y="0"/>
+          <a:ext cx="0" cy="0"/>
+          <a:chOff x="0" y="0"/>
+          <a:chExt cx="0" cy="0"/>
+        </a:xfrm>
+      </p:grpSpPr>
+      <p:sp>
+        <p:nvSpPr>
+          <p:cNvPr id="2" name="Titel 1">
+            <a:extLst>
+              <a:ext uri="{FF2B5EF4-FFF2-40B4-BE49-F238E27FC236}">
+                <a16:creationId xmlns:a16="http://schemas.microsoft.com/office/drawing/2014/main" id="{5C4E335F-8143-1B7C-7A2E-4CC72C386903}"/>
+              </a:ext>
+            </a:extLst>
+          </p:cNvPr>
+          <p:cNvSpPr>
+            <a:spLocks noGrp="1"/>
+          </p:cNvSpPr>
+          <p:nvPr>
+            <p:ph type="title"/>
+          </p:nvPr>
+        </p:nvSpPr>
+        <p:spPr/>
+        <p:txBody>
+          <a:bodyPr/>
+          <a:lstStyle/>
+          <a:p>
+            <a:r>
+              <a:rPr lang="nl-BE" dirty="0"/>
+              <a:t>Uitlezen attributen: class</a:t>
+            </a:r>
+          </a:p>
+        </p:txBody>
+      </p:sp>
+      <p:sp>
+        <p:nvSpPr>
+          <p:cNvPr id="3" name="Tijdelijke aanduiding voor inhoud 2">
+            <a:extLst>
+              <a:ext uri="{FF2B5EF4-FFF2-40B4-BE49-F238E27FC236}">
+                <a16:creationId xmlns:a16="http://schemas.microsoft.com/office/drawing/2014/main" id="{B9127A27-F7F7-2B91-6E98-C8B341DC6D11}"/>
+              </a:ext>
+            </a:extLst>
+          </p:cNvPr>
+          <p:cNvSpPr>
+            <a:spLocks noGrp="1"/>
+          </p:cNvSpPr>
+          <p:nvPr>
+            <p:ph idx="1"/>
+          </p:nvPr>
+        </p:nvSpPr>
+        <p:spPr/>
+        <p:txBody>
+          <a:bodyPr/>
+          <a:lstStyle/>
+          <a:p>
+            <a:r>
+              <a:rPr lang="nl-BE" i="1" dirty="0"/>
+              <a:t>Classes van een element beschikbaar via .</a:t>
+            </a:r>
+            <a:r>
+              <a:rPr lang="nl-BE" i="1" dirty="0" err="1"/>
+              <a:t>classList</a:t>
+            </a:r>
+            <a:endParaRPr lang="nl-BE" i="1" dirty="0"/>
+          </a:p>
+          <a:p>
+            <a:r>
+              <a:rPr lang="nl-BE" i="1" dirty="0"/>
+              <a:t>Functies op </a:t>
+            </a:r>
+            <a:r>
+              <a:rPr lang="nl-BE" i="1" dirty="0" err="1"/>
+              <a:t>classList</a:t>
+            </a:r>
+            <a:r>
+              <a:rPr lang="nl-BE" i="1" dirty="0"/>
+              <a:t>:</a:t>
+            </a:r>
+          </a:p>
+          <a:p>
+            <a:pPr lvl="1"/>
+            <a:r>
+              <a:rPr lang="nl-BE" i="1" dirty="0" err="1"/>
+              <a:t>add</a:t>
+            </a:r>
+            <a:r>
+              <a:rPr lang="nl-BE" i="1" dirty="0"/>
+              <a:t>(class): voegt class toe aan de lijst van classes</a:t>
+            </a:r>
+          </a:p>
+          <a:p>
+            <a:pPr lvl="1"/>
+            <a:r>
+              <a:rPr lang="nl-BE" i="1" dirty="0" err="1"/>
+              <a:t>remove</a:t>
+            </a:r>
+            <a:r>
+              <a:rPr lang="nl-BE" i="1" dirty="0"/>
+              <a:t>(class): verwijdert class uit de lijst van classes</a:t>
+            </a:r>
+          </a:p>
+          <a:p>
+            <a:pPr lvl="1"/>
+            <a:r>
+              <a:rPr lang="nl-BE" i="1" dirty="0" err="1"/>
+              <a:t>Contains</a:t>
+            </a:r>
+            <a:r>
+              <a:rPr lang="nl-BE" i="1" dirty="0"/>
+              <a:t>(class): gaat na of de class voorkomt in de lijst van classes</a:t>
+            </a:r>
+            <a:endParaRPr lang="nl-BE" dirty="0"/>
+          </a:p>
+        </p:txBody>
+      </p:sp>
+    </p:spTree>
+    <p:extLst>
+      <p:ext uri="{BB962C8B-B14F-4D97-AF65-F5344CB8AC3E}">
+        <p14:creationId xmlns:p14="http://schemas.microsoft.com/office/powerpoint/2010/main" val="3570912639"/>
+      </p:ext>
+    </p:extLst>
+  </p:cSld>
+  <p:clrMapOvr>
+    <a:masterClrMapping/>
+  </p:clrMapOvr>
+</p:sld>
+</file>
+
+<file path=ppt/slides/slide53.xml><?xml version="1.0" encoding="utf-8"?>
 <p:sld xmlns:a="http://schemas.openxmlformats.org/drawingml/2006/main" xmlns:r="http://schemas.openxmlformats.org/officeDocument/2006/relationships" xmlns:p="http://schemas.openxmlformats.org/presentationml/2006/main">
   <p:cSld>
     <p:spTree>
@@ -19481,7 +19801,7 @@
             </a:r>
             <a:r>
               <a:rPr lang="nl-BE" dirty="0"/>
-              <a:t>: naam van de tag (bv. p, div, h1, h2, …)</a:t>
+              <a:t>: naam van de tag (bv. P, DIV, H1, H2, …)</a:t>
             </a:r>
           </a:p>
           <a:p>
@@ -19493,7 +19813,7 @@
           <a:p>
             <a:r>
               <a:rPr lang="nl-BE" dirty="0" err="1"/>
-              <a:t>parent</a:t>
+              <a:t>parentElement</a:t>
             </a:r>
             <a:r>
               <a:rPr lang="nl-BE" dirty="0"/>
@@ -19517,7 +19837,7 @@
           <a:p>
             <a:r>
               <a:rPr lang="nl-BE" dirty="0" err="1"/>
-              <a:t>Children</a:t>
+              <a:t>children</a:t>
             </a:r>
             <a:r>
               <a:rPr lang="nl-BE" dirty="0"/>
@@ -19539,7 +19859,7 @@
 </p:sld>
 </file>
 
-<file path=ppt/slides/slide53.xml><?xml version="1.0" encoding="utf-8"?>
+<file path=ppt/slides/slide54.xml><?xml version="1.0" encoding="utf-8"?>
 <p:sld xmlns:a="http://schemas.openxmlformats.org/drawingml/2006/main" xmlns:r="http://schemas.openxmlformats.org/officeDocument/2006/relationships" xmlns:p="http://schemas.openxmlformats.org/presentationml/2006/main">
   <p:cSld>
     <p:spTree>
@@ -19915,7 +20235,513 @@
 </p:sld>
 </file>
 
-<file path=ppt/slides/slide54.xml><?xml version="1.0" encoding="utf-8"?>
+<file path=ppt/slides/slide55.xml><?xml version="1.0" encoding="utf-8"?>
+<p:sld xmlns:a="http://schemas.openxmlformats.org/drawingml/2006/main" xmlns:r="http://schemas.openxmlformats.org/officeDocument/2006/relationships" xmlns:p="http://schemas.openxmlformats.org/presentationml/2006/main">
+  <p:cSld>
+    <p:spTree>
+      <p:nvGrpSpPr>
+        <p:cNvPr id="1" name="">
+          <a:extLst>
+            <a:ext uri="{FF2B5EF4-FFF2-40B4-BE49-F238E27FC236}">
+              <a16:creationId xmlns:a16="http://schemas.microsoft.com/office/drawing/2014/main" id="{EA36D1DA-4AD0-9BA9-3A54-7D1BAE20BFDD}"/>
+            </a:ext>
+          </a:extLst>
+        </p:cNvPr>
+        <p:cNvGrpSpPr/>
+        <p:nvPr/>
+      </p:nvGrpSpPr>
+      <p:grpSpPr>
+        <a:xfrm>
+          <a:off x="0" y="0"/>
+          <a:ext cx="0" cy="0"/>
+          <a:chOff x="0" y="0"/>
+          <a:chExt cx="0" cy="0"/>
+        </a:xfrm>
+      </p:grpSpPr>
+      <p:sp>
+        <p:nvSpPr>
+          <p:cNvPr id="2" name="Titel 1">
+            <a:extLst>
+              <a:ext uri="{FF2B5EF4-FFF2-40B4-BE49-F238E27FC236}">
+                <a16:creationId xmlns:a16="http://schemas.microsoft.com/office/drawing/2014/main" id="{D23151B2-BE39-0C83-723B-DD8CD01DC5C1}"/>
+              </a:ext>
+            </a:extLst>
+          </p:cNvPr>
+          <p:cNvSpPr>
+            <a:spLocks noGrp="1"/>
+          </p:cNvSpPr>
+          <p:nvPr>
+            <p:ph type="title"/>
+          </p:nvPr>
+        </p:nvSpPr>
+        <p:spPr/>
+        <p:txBody>
+          <a:bodyPr/>
+          <a:lstStyle/>
+          <a:p>
+            <a:r>
+              <a:rPr lang="nl-BE" dirty="0"/>
+              <a:t>Elementen overlopen (m.b.v. </a:t>
+            </a:r>
+            <a:r>
+              <a:rPr lang="nl-BE" dirty="0" err="1"/>
+              <a:t>for</a:t>
+            </a:r>
+            <a:r>
+              <a:rPr lang="nl-BE" dirty="0"/>
+              <a:t>-lus)</a:t>
+            </a:r>
+          </a:p>
+        </p:txBody>
+      </p:sp>
+      <p:sp>
+        <p:nvSpPr>
+          <p:cNvPr id="7" name="Tekstvak 6">
+            <a:extLst>
+              <a:ext uri="{FF2B5EF4-FFF2-40B4-BE49-F238E27FC236}">
+                <a16:creationId xmlns:a16="http://schemas.microsoft.com/office/drawing/2014/main" id="{A4C0ABFC-390F-8652-9867-86BB5B1305BF}"/>
+              </a:ext>
+            </a:extLst>
+          </p:cNvPr>
+          <p:cNvSpPr txBox="1"/>
+          <p:nvPr/>
+        </p:nvSpPr>
+        <p:spPr>
+          <a:xfrm>
+            <a:off x="1811867" y="3429000"/>
+            <a:ext cx="8331200" cy="2338204"/>
+          </a:xfrm>
+          <a:prstGeom prst="rect">
+            <a:avLst/>
+          </a:prstGeom>
+          <a:noFill/>
+        </p:spPr>
+        <p:txBody>
+          <a:bodyPr wrap="square">
+            <a:spAutoFit/>
+          </a:bodyPr>
+          <a:lstStyle/>
+          <a:p>
+            <a:pPr>
+              <a:lnSpc>
+                <a:spcPts val="1425"/>
+              </a:lnSpc>
+              <a:spcAft>
+                <a:spcPts val="600"/>
+              </a:spcAft>
+              <a:buNone/>
+            </a:pPr>
+            <a:r>
+              <a:rPr lang="nl-BE" b="0" dirty="0">
+                <a:solidFill>
+                  <a:srgbClr val="0000FF"/>
+                </a:solidFill>
+                <a:effectLst/>
+                <a:latin typeface="Consolas" panose="020B0609020204030204" pitchFamily="49" charset="0"/>
+              </a:rPr>
+              <a:t>let </a:t>
+            </a:r>
+            <a:r>
+              <a:rPr lang="nl-BE" dirty="0">
+                <a:solidFill>
+                  <a:srgbClr val="000000"/>
+                </a:solidFill>
+                <a:latin typeface="Consolas" panose="020B0609020204030204" pitchFamily="49" charset="0"/>
+              </a:rPr>
+              <a:t>element = </a:t>
+            </a:r>
+            <a:r>
+              <a:rPr lang="nl-BE" dirty="0" err="1">
+                <a:solidFill>
+                  <a:srgbClr val="000000"/>
+                </a:solidFill>
+                <a:latin typeface="Consolas" panose="020B0609020204030204" pitchFamily="49" charset="0"/>
+              </a:rPr>
+              <a:t>document.getElementById</a:t>
+            </a:r>
+            <a:r>
+              <a:rPr lang="nl-BE" dirty="0">
+                <a:solidFill>
+                  <a:srgbClr val="000000"/>
+                </a:solidFill>
+                <a:latin typeface="Consolas" panose="020B0609020204030204" pitchFamily="49" charset="0"/>
+              </a:rPr>
+              <a:t>(“p1”);</a:t>
+            </a:r>
+          </a:p>
+          <a:p>
+            <a:pPr>
+              <a:lnSpc>
+                <a:spcPts val="1425"/>
+              </a:lnSpc>
+              <a:spcAft>
+                <a:spcPts val="600"/>
+              </a:spcAft>
+              <a:buNone/>
+            </a:pPr>
+            <a:endParaRPr lang="nl-BE" b="0" dirty="0">
+              <a:solidFill>
+                <a:srgbClr val="0000FF"/>
+              </a:solidFill>
+              <a:effectLst/>
+              <a:latin typeface="Consolas" panose="020B0609020204030204" pitchFamily="49" charset="0"/>
+            </a:endParaRPr>
+          </a:p>
+          <a:p>
+            <a:pPr>
+              <a:lnSpc>
+                <a:spcPts val="1425"/>
+              </a:lnSpc>
+              <a:spcAft>
+                <a:spcPts val="600"/>
+              </a:spcAft>
+              <a:buNone/>
+            </a:pPr>
+            <a:r>
+              <a:rPr lang="nl-BE" b="0" dirty="0">
+                <a:solidFill>
+                  <a:srgbClr val="0000FF"/>
+                </a:solidFill>
+                <a:effectLst/>
+                <a:latin typeface="Consolas" panose="020B0609020204030204" pitchFamily="49" charset="0"/>
+              </a:rPr>
+              <a:t>let</a:t>
+            </a:r>
+            <a:r>
+              <a:rPr lang="nl-BE" b="0" dirty="0">
+                <a:solidFill>
+                  <a:srgbClr val="000000"/>
+                </a:solidFill>
+                <a:effectLst/>
+                <a:latin typeface="Consolas" panose="020B0609020204030204" pitchFamily="49" charset="0"/>
+              </a:rPr>
+              <a:t> </a:t>
+            </a:r>
+            <a:r>
+              <a:rPr lang="nl-BE" b="0" dirty="0" err="1">
+                <a:solidFill>
+                  <a:srgbClr val="000000"/>
+                </a:solidFill>
+                <a:effectLst/>
+                <a:latin typeface="Consolas" panose="020B0609020204030204" pitchFamily="49" charset="0"/>
+              </a:rPr>
+              <a:t>kindelementen</a:t>
+            </a:r>
+            <a:r>
+              <a:rPr lang="nl-BE" b="0" dirty="0">
+                <a:solidFill>
+                  <a:srgbClr val="000000"/>
+                </a:solidFill>
+                <a:effectLst/>
+                <a:latin typeface="Consolas" panose="020B0609020204030204" pitchFamily="49" charset="0"/>
+              </a:rPr>
+              <a:t> = </a:t>
+            </a:r>
+            <a:r>
+              <a:rPr lang="nl-BE" b="0" dirty="0" err="1">
+                <a:solidFill>
+                  <a:srgbClr val="000000"/>
+                </a:solidFill>
+                <a:effectLst/>
+                <a:latin typeface="Consolas" panose="020B0609020204030204" pitchFamily="49" charset="0"/>
+              </a:rPr>
+              <a:t>element.children</a:t>
+            </a:r>
+            <a:r>
+              <a:rPr lang="nl-BE" b="0" dirty="0">
+                <a:solidFill>
+                  <a:srgbClr val="000000"/>
+                </a:solidFill>
+                <a:effectLst/>
+                <a:latin typeface="Consolas" panose="020B0609020204030204" pitchFamily="49" charset="0"/>
+              </a:rPr>
+              <a:t>;</a:t>
+            </a:r>
+          </a:p>
+          <a:p>
+            <a:pPr>
+              <a:lnSpc>
+                <a:spcPts val="1425"/>
+              </a:lnSpc>
+              <a:spcAft>
+                <a:spcPts val="600"/>
+              </a:spcAft>
+              <a:buNone/>
+            </a:pPr>
+            <a:r>
+              <a:rPr lang="nl-BE" b="0" dirty="0">
+                <a:solidFill>
+                  <a:srgbClr val="000000"/>
+                </a:solidFill>
+                <a:effectLst/>
+                <a:latin typeface="Consolas" panose="020B0609020204030204" pitchFamily="49" charset="0"/>
+              </a:rPr>
+              <a:t>    </a:t>
+            </a:r>
+          </a:p>
+          <a:p>
+            <a:pPr>
+              <a:lnSpc>
+                <a:spcPts val="1425"/>
+              </a:lnSpc>
+              <a:spcAft>
+                <a:spcPts val="600"/>
+              </a:spcAft>
+              <a:buNone/>
+            </a:pPr>
+            <a:r>
+              <a:rPr lang="nl-BE" b="0" dirty="0" err="1">
+                <a:solidFill>
+                  <a:srgbClr val="0000FF"/>
+                </a:solidFill>
+                <a:effectLst/>
+                <a:latin typeface="Consolas" panose="020B0609020204030204" pitchFamily="49" charset="0"/>
+              </a:rPr>
+              <a:t>for</a:t>
+            </a:r>
+            <a:r>
+              <a:rPr lang="nl-BE" b="0" dirty="0">
+                <a:solidFill>
+                  <a:srgbClr val="000000"/>
+                </a:solidFill>
+                <a:effectLst/>
+                <a:latin typeface="Consolas" panose="020B0609020204030204" pitchFamily="49" charset="0"/>
+              </a:rPr>
+              <a:t>(</a:t>
+            </a:r>
+            <a:r>
+              <a:rPr lang="nl-BE" b="0" dirty="0">
+                <a:solidFill>
+                  <a:srgbClr val="0000FF"/>
+                </a:solidFill>
+                <a:effectLst/>
+                <a:latin typeface="Consolas" panose="020B0609020204030204" pitchFamily="49" charset="0"/>
+              </a:rPr>
+              <a:t>let</a:t>
+            </a:r>
+            <a:r>
+              <a:rPr lang="nl-BE" b="0" dirty="0">
+                <a:solidFill>
+                  <a:srgbClr val="000000"/>
+                </a:solidFill>
+                <a:effectLst/>
+                <a:latin typeface="Consolas" panose="020B0609020204030204" pitchFamily="49" charset="0"/>
+              </a:rPr>
+              <a:t> i = </a:t>
+            </a:r>
+            <a:r>
+              <a:rPr lang="nl-BE" b="0" dirty="0">
+                <a:solidFill>
+                  <a:srgbClr val="098658"/>
+                </a:solidFill>
+                <a:effectLst/>
+                <a:latin typeface="Consolas" panose="020B0609020204030204" pitchFamily="49" charset="0"/>
+              </a:rPr>
+              <a:t>0</a:t>
+            </a:r>
+            <a:r>
+              <a:rPr lang="nl-BE" b="0" dirty="0">
+                <a:solidFill>
+                  <a:srgbClr val="000000"/>
+                </a:solidFill>
+                <a:effectLst/>
+                <a:latin typeface="Consolas" panose="020B0609020204030204" pitchFamily="49" charset="0"/>
+              </a:rPr>
+              <a:t>; i &lt; </a:t>
+            </a:r>
+            <a:r>
+              <a:rPr lang="nl-BE" dirty="0" err="1">
+                <a:solidFill>
+                  <a:srgbClr val="000000"/>
+                </a:solidFill>
+                <a:latin typeface="Consolas" panose="020B0609020204030204" pitchFamily="49" charset="0"/>
+              </a:rPr>
+              <a:t>kindelementen</a:t>
+            </a:r>
+            <a:r>
+              <a:rPr lang="nl-BE" b="0" dirty="0" err="1">
+                <a:solidFill>
+                  <a:srgbClr val="000000"/>
+                </a:solidFill>
+                <a:effectLst/>
+                <a:latin typeface="Consolas" panose="020B0609020204030204" pitchFamily="49" charset="0"/>
+              </a:rPr>
+              <a:t>.length</a:t>
+            </a:r>
+            <a:r>
+              <a:rPr lang="nl-BE" b="0" dirty="0">
+                <a:solidFill>
+                  <a:srgbClr val="000000"/>
+                </a:solidFill>
+                <a:effectLst/>
+                <a:latin typeface="Consolas" panose="020B0609020204030204" pitchFamily="49" charset="0"/>
+              </a:rPr>
+              <a:t>; i++){</a:t>
+            </a:r>
+          </a:p>
+          <a:p>
+            <a:pPr>
+              <a:lnSpc>
+                <a:spcPts val="1425"/>
+              </a:lnSpc>
+              <a:spcAft>
+                <a:spcPts val="600"/>
+              </a:spcAft>
+              <a:buNone/>
+            </a:pPr>
+            <a:r>
+              <a:rPr lang="nl-BE" dirty="0">
+                <a:solidFill>
+                  <a:srgbClr val="000000"/>
+                </a:solidFill>
+                <a:latin typeface="Consolas" panose="020B0609020204030204" pitchFamily="49" charset="0"/>
+              </a:rPr>
+              <a:t>	</a:t>
+            </a:r>
+          </a:p>
+          <a:p>
+            <a:pPr>
+              <a:lnSpc>
+                <a:spcPts val="1425"/>
+              </a:lnSpc>
+              <a:spcAft>
+                <a:spcPts val="600"/>
+              </a:spcAft>
+              <a:buNone/>
+            </a:pPr>
+            <a:r>
+              <a:rPr lang="nl-BE" b="0" dirty="0">
+                <a:solidFill>
+                  <a:srgbClr val="000000"/>
+                </a:solidFill>
+                <a:effectLst/>
+                <a:latin typeface="Consolas" panose="020B0609020204030204" pitchFamily="49" charset="0"/>
+              </a:rPr>
+              <a:t>	</a:t>
+            </a:r>
+            <a:r>
+              <a:rPr lang="nl-BE" dirty="0">
+                <a:solidFill>
+                  <a:srgbClr val="000000"/>
+                </a:solidFill>
+                <a:latin typeface="Consolas" panose="020B0609020204030204" pitchFamily="49" charset="0"/>
+              </a:rPr>
+              <a:t> </a:t>
+            </a:r>
+            <a:r>
+              <a:rPr lang="nl-BE" dirty="0" err="1">
+                <a:solidFill>
+                  <a:srgbClr val="000000"/>
+                </a:solidFill>
+                <a:latin typeface="Consolas" panose="020B0609020204030204" pitchFamily="49" charset="0"/>
+              </a:rPr>
+              <a:t>kindelementen</a:t>
+            </a:r>
+            <a:r>
+              <a:rPr lang="nl-BE" b="0" dirty="0">
+                <a:solidFill>
+                  <a:srgbClr val="000000"/>
+                </a:solidFill>
+                <a:effectLst/>
+                <a:latin typeface="Consolas" panose="020B0609020204030204" pitchFamily="49" charset="0"/>
+              </a:rPr>
+              <a:t>[i].</a:t>
+            </a:r>
+            <a:r>
+              <a:rPr lang="nl-BE" b="0" dirty="0" err="1">
+                <a:solidFill>
+                  <a:srgbClr val="000000"/>
+                </a:solidFill>
+                <a:effectLst/>
+                <a:latin typeface="Consolas" panose="020B0609020204030204" pitchFamily="49" charset="0"/>
+              </a:rPr>
+              <a:t>setAttribute</a:t>
+            </a:r>
+            <a:r>
+              <a:rPr lang="nl-BE" b="0" dirty="0">
+                <a:solidFill>
+                  <a:srgbClr val="000000"/>
+                </a:solidFill>
+                <a:effectLst/>
+                <a:latin typeface="Consolas" panose="020B0609020204030204" pitchFamily="49" charset="0"/>
+              </a:rPr>
+              <a:t>(</a:t>
+            </a:r>
+            <a:r>
+              <a:rPr lang="nl-BE" b="0" dirty="0">
+                <a:solidFill>
+                  <a:srgbClr val="A31515"/>
+                </a:solidFill>
+                <a:effectLst/>
+                <a:latin typeface="Consolas" panose="020B0609020204030204" pitchFamily="49" charset="0"/>
+              </a:rPr>
+              <a:t>"data-waarde", "1"</a:t>
+            </a:r>
+            <a:r>
+              <a:rPr lang="nl-BE" b="0" dirty="0">
+                <a:solidFill>
+                  <a:srgbClr val="000000"/>
+                </a:solidFill>
+                <a:effectLst/>
+                <a:latin typeface="Consolas" panose="020B0609020204030204" pitchFamily="49" charset="0"/>
+              </a:rPr>
+              <a:t>);</a:t>
+            </a:r>
+          </a:p>
+          <a:p>
+            <a:pPr>
+              <a:lnSpc>
+                <a:spcPts val="1425"/>
+              </a:lnSpc>
+              <a:spcAft>
+                <a:spcPts val="600"/>
+              </a:spcAft>
+              <a:buNone/>
+            </a:pPr>
+            <a:endParaRPr lang="nl-BE" dirty="0">
+              <a:solidFill>
+                <a:srgbClr val="000000"/>
+              </a:solidFill>
+              <a:latin typeface="Consolas" panose="020B0609020204030204" pitchFamily="49" charset="0"/>
+            </a:endParaRPr>
+          </a:p>
+          <a:p>
+            <a:pPr>
+              <a:lnSpc>
+                <a:spcPts val="1425"/>
+              </a:lnSpc>
+              <a:spcAft>
+                <a:spcPts val="600"/>
+              </a:spcAft>
+              <a:buNone/>
+            </a:pPr>
+            <a:r>
+              <a:rPr lang="nl-BE" b="0" dirty="0">
+                <a:solidFill>
+                  <a:srgbClr val="000000"/>
+                </a:solidFill>
+                <a:effectLst/>
+                <a:latin typeface="Consolas" panose="020B0609020204030204" pitchFamily="49" charset="0"/>
+              </a:rPr>
+              <a:t>}</a:t>
+            </a:r>
+          </a:p>
+        </p:txBody>
+      </p:sp>
+    </p:spTree>
+    <p:extLst>
+      <p:ext uri="{BB962C8B-B14F-4D97-AF65-F5344CB8AC3E}">
+        <p14:creationId xmlns:p14="http://schemas.microsoft.com/office/powerpoint/2010/main" val="723633610"/>
+      </p:ext>
+    </p:extLst>
+  </p:cSld>
+  <p:clrMapOvr>
+    <a:masterClrMapping/>
+  </p:clrMapOvr>
+</p:sld>
+</file>
+
+<file path=ppt/slides/slide56.xml><?xml version="1.0" encoding="utf-8"?>
 <p:sld xmlns:a="http://schemas.openxmlformats.org/drawingml/2006/main" xmlns:r="http://schemas.openxmlformats.org/officeDocument/2006/relationships" xmlns:p="http://schemas.openxmlformats.org/presentationml/2006/main">
   <p:cSld>
     <p:spTree>
@@ -20193,27 +21019,7 @@
                 <a:effectLst/>
                 <a:latin typeface="Consolas" panose="020B0609020204030204" pitchFamily="49" charset="0"/>
               </a:rPr>
-              <a:t>).</a:t>
-            </a:r>
-            <a:r>
-              <a:rPr lang="nl-BE" b="0" dirty="0" err="1">
-                <a:solidFill>
-                  <a:srgbClr val="000000"/>
-                </a:solidFill>
-                <a:effectLst/>
-                <a:latin typeface="Consolas" panose="020B0609020204030204" pitchFamily="49" charset="0"/>
-              </a:rPr>
-              <a:t>valueOf</a:t>
-            </a:r>
-            <a:r>
-              <a:rPr lang="nl-BE" b="0" dirty="0">
-                <a:solidFill>
-                  <a:srgbClr val="000000"/>
-                </a:solidFill>
-                <a:effectLst/>
-                <a:latin typeface="Consolas" panose="020B0609020204030204" pitchFamily="49" charset="0"/>
-              </a:rPr>
-              <a:t>() == </a:t>
+              <a:t>) == </a:t>
             </a:r>
             <a:r>
               <a:rPr lang="nl-BE" b="0" dirty="0">
@@ -20499,7 +21305,7 @@
 </p:sld>
 </file>
 
-<file path=ppt/slides/slide55.xml><?xml version="1.0" encoding="utf-8"?>
+<file path=ppt/slides/slide57.xml><?xml version="1.0" encoding="utf-8"?>
 <p:sld xmlns:a="http://schemas.openxmlformats.org/drawingml/2006/main" xmlns:r="http://schemas.openxmlformats.org/officeDocument/2006/relationships" xmlns:p="http://schemas.openxmlformats.org/presentationml/2006/main">
   <p:cSld>
     <p:spTree>
@@ -20560,34 +21366,59 @@
             <p:ph idx="1"/>
           </p:nvPr>
         </p:nvSpPr>
-        <p:spPr/>
+        <p:spPr>
+          <a:xfrm>
+            <a:off x="581192" y="1890876"/>
+            <a:ext cx="11029615" cy="4967124"/>
+          </a:xfrm>
+        </p:spPr>
         <p:txBody>
           <a:bodyPr>
             <a:normAutofit/>
           </a:bodyPr>
           <a:lstStyle/>
           <a:p>
-            <a:r>
-              <a:rPr lang="nl-BE" dirty="0"/>
-              <a:t>Maak een webpagina met een paragraaf en een knop. Zorg ervoor dat als je op de knop klikt, de volgende tekst in de paragraaf komt: "Op de knop geklikt"</a:t>
-            </a:r>
-          </a:p>
-          <a:p>
-            <a:r>
-              <a:rPr lang="nl-BE" dirty="0"/>
-              <a:t>Maak een knop en een paragraaf. Elke keer dat de knop wordt geklikt, verhoog je een teller en toon je het aantal klikken in de paragraaf.</a:t>
-            </a:r>
-          </a:p>
-          <a:p>
+            <a:pPr>
+              <a:spcAft>
+                <a:spcPts val="3000"/>
+              </a:spcAft>
+            </a:pPr>
+            <a:r>
+              <a:rPr lang="nl-BE" dirty="0"/>
+              <a:t>Maak een webpagina met een paragraaf en een knop. Zorg ervoor dat als je op de knop klikt, de volgende tekst in de paragraaf komt: "Op de knop geklikt“.</a:t>
+            </a:r>
+          </a:p>
+          <a:p>
+            <a:pPr>
+              <a:spcAft>
+                <a:spcPts val="3000"/>
+              </a:spcAft>
+            </a:pPr>
+            <a:r>
+              <a:rPr lang="nl-BE" dirty="0"/>
+              <a:t>Breid de vorige oefening uit, waarbij je nu toont hoeveel keer er op de knop werd geklikt. Bv. “1 keer geklikt”, “2 keer geklikt”, …</a:t>
+            </a:r>
+          </a:p>
+          <a:p>
+            <a:pPr>
+              <a:spcAft>
+                <a:spcPts val="3000"/>
+              </a:spcAft>
+            </a:pPr>
             <a:r>
               <a:rPr lang="nl-BE" dirty="0"/>
               <a:t>Maak een webpagina met een paragraaf, met een zelfgekozen zin (minstens 5 woorden). Zorg ervoor dat als je met de muis over de paragraaf beweegt, alle woorden worden getoond. Als je muis de paragraaf verlaat, toon je slechts de eerste 3 woorden.</a:t>
             </a:r>
           </a:p>
           <a:p>
-            <a:r>
-              <a:rPr lang="nl-BE" dirty="0"/>
-              <a:t>Maak een webpagina met 2 div-elementen. Neem ik elk div-element 3 paragraaf-elementen op, met tekst. Zorg ervoor dat als je op een paragraaf klikt, de andere verdwijnen binnen deze div.</a:t>
+            <a:pPr>
+              <a:spcAft>
+                <a:spcPts val="3000"/>
+              </a:spcAft>
+            </a:pPr>
+            <a:r>
+              <a:rPr lang="nl-BE" dirty="0"/>
+              <a:t>Maak een webpagina met 2 div-elementen. Neem in elk div-element 3 paragraaf-elementen op, met tekst. Zorg ervoor dat als je op een paragraaf klikt, de andere verdwijnen binnen deze div.</a:t>
             </a:r>
           </a:p>
         </p:txBody>
@@ -20596,6 +21427,167 @@
     <p:extLst>
       <p:ext uri="{BB962C8B-B14F-4D97-AF65-F5344CB8AC3E}">
         <p14:creationId xmlns:p14="http://schemas.microsoft.com/office/powerpoint/2010/main" val="2505658942"/>
+      </p:ext>
+    </p:extLst>
+  </p:cSld>
+  <p:clrMapOvr>
+    <a:masterClrMapping/>
+  </p:clrMapOvr>
+</p:sld>
+</file>
+
+<file path=ppt/slides/slide58.xml><?xml version="1.0" encoding="utf-8"?>
+<p:sld xmlns:a="http://schemas.openxmlformats.org/drawingml/2006/main" xmlns:r="http://schemas.openxmlformats.org/officeDocument/2006/relationships" xmlns:p="http://schemas.openxmlformats.org/presentationml/2006/main">
+  <p:cSld>
+    <p:spTree>
+      <p:nvGrpSpPr>
+        <p:cNvPr id="1" name="">
+          <a:extLst>
+            <a:ext uri="{FF2B5EF4-FFF2-40B4-BE49-F238E27FC236}">
+              <a16:creationId xmlns:a16="http://schemas.microsoft.com/office/drawing/2014/main" id="{BC00E617-9CF9-DF54-2329-367E6A42BB1A}"/>
+            </a:ext>
+          </a:extLst>
+        </p:cNvPr>
+        <p:cNvGrpSpPr/>
+        <p:nvPr/>
+      </p:nvGrpSpPr>
+      <p:grpSpPr>
+        <a:xfrm>
+          <a:off x="0" y="0"/>
+          <a:ext cx="0" cy="0"/>
+          <a:chOff x="0" y="0"/>
+          <a:chExt cx="0" cy="0"/>
+        </a:xfrm>
+      </p:grpSpPr>
+      <p:sp>
+        <p:nvSpPr>
+          <p:cNvPr id="2" name="Titel 1">
+            <a:extLst>
+              <a:ext uri="{FF2B5EF4-FFF2-40B4-BE49-F238E27FC236}">
+                <a16:creationId xmlns:a16="http://schemas.microsoft.com/office/drawing/2014/main" id="{FE4EC51B-9485-1B7C-80F3-C92ECA9342D0}"/>
+              </a:ext>
+            </a:extLst>
+          </p:cNvPr>
+          <p:cNvSpPr>
+            <a:spLocks noGrp="1"/>
+          </p:cNvSpPr>
+          <p:nvPr>
+            <p:ph type="title"/>
+          </p:nvPr>
+        </p:nvSpPr>
+        <p:spPr/>
+        <p:txBody>
+          <a:bodyPr/>
+          <a:lstStyle/>
+          <a:p>
+            <a:r>
+              <a:rPr lang="nl-BE" dirty="0"/>
+              <a:t>Opdrachten</a:t>
+            </a:r>
+          </a:p>
+        </p:txBody>
+      </p:sp>
+      <p:sp>
+        <p:nvSpPr>
+          <p:cNvPr id="3" name="Tijdelijke aanduiding voor inhoud 2">
+            <a:extLst>
+              <a:ext uri="{FF2B5EF4-FFF2-40B4-BE49-F238E27FC236}">
+                <a16:creationId xmlns:a16="http://schemas.microsoft.com/office/drawing/2014/main" id="{3990D63E-44AA-6C52-D944-9C824DAE8E09}"/>
+              </a:ext>
+            </a:extLst>
+          </p:cNvPr>
+          <p:cNvSpPr>
+            <a:spLocks noGrp="1"/>
+          </p:cNvSpPr>
+          <p:nvPr>
+            <p:ph idx="1"/>
+          </p:nvPr>
+        </p:nvSpPr>
+        <p:spPr>
+          <a:xfrm>
+            <a:off x="581192" y="2340864"/>
+            <a:ext cx="11029615" cy="4517136"/>
+          </a:xfrm>
+        </p:spPr>
+        <p:txBody>
+          <a:bodyPr>
+            <a:normAutofit/>
+          </a:bodyPr>
+          <a:lstStyle/>
+          <a:p>
+            <a:pPr>
+              <a:spcAft>
+                <a:spcPts val="1800"/>
+              </a:spcAft>
+            </a:pPr>
+            <a:r>
+              <a:rPr lang="nl-BE" dirty="0"/>
+              <a:t>Maak een website met een div, met hierin tekst. Zorg ervoor dat de achtergrondkleur van deze div groen is. Als je er met jouw muis over beweegt, moet het rood worden en terug groen worden als je dit verlaat.</a:t>
+            </a:r>
+          </a:p>
+          <a:p>
+            <a:pPr>
+              <a:spcAft>
+                <a:spcPts val="1800"/>
+              </a:spcAft>
+            </a:pPr>
+            <a:r>
+              <a:rPr lang="nl-BE" dirty="0"/>
+              <a:t>Maak een website met een p-element, met daarin de tekst “Naam: “. Daaronder staat er een paragraaf met “Vul jouw naam in: “, gevolgd door een invoerveld (&lt;input type=“</a:t>
+            </a:r>
+            <a:r>
+              <a:rPr lang="nl-BE" dirty="0" err="1"/>
+              <a:t>text</a:t>
+            </a:r>
+            <a:r>
+              <a:rPr lang="nl-BE" dirty="0"/>
+              <a:t>”/&gt;). Als je hier jouw naam in typt, en dit veld verlaat, moet jouw naam bovenaan in de paragraaf worden ingevuld.</a:t>
+            </a:r>
+          </a:p>
+          <a:p>
+            <a:pPr>
+              <a:spcAft>
+                <a:spcPts val="1800"/>
+              </a:spcAft>
+            </a:pPr>
+            <a:r>
+              <a:rPr lang="nl-BE" dirty="0"/>
+              <a:t>Maak een website met verschillende h1-elementen met elk verschillende achtergrondkleuren (o.b.v. class). Maak ook een knop “Markeer rood” die, als je erop klikt, alle h1-elementen een rode kleur geeft. Als je er nogmaals op klikt, verdwijnt de rode kleur weer.</a:t>
+            </a:r>
+          </a:p>
+          <a:p>
+            <a:pPr>
+              <a:spcAft>
+                <a:spcPts val="1800"/>
+              </a:spcAft>
+            </a:pPr>
+            <a:r>
+              <a:rPr lang="nl-BE" dirty="0"/>
+              <a:t>Maak een website met 3 h1-element, elk gevolgd door een aantal p-elementen. Zorg ervoor dat standaard alle p-elementen onzichtbaar zijn (</a:t>
+            </a:r>
+            <a:r>
+              <a:rPr lang="nl-BE" dirty="0" err="1"/>
+              <a:t>css</a:t>
+            </a:r>
+            <a:r>
+              <a:rPr lang="nl-BE" dirty="0"/>
+              <a:t>: </a:t>
+            </a:r>
+            <a:r>
+              <a:rPr lang="nl-BE" dirty="0" err="1"/>
+              <a:t>visibility</a:t>
+            </a:r>
+            <a:r>
+              <a:rPr lang="nl-BE" dirty="0"/>
+              <a:t>). Als je over een h1-element beweegt met de muis, dan verschijnt de tekst die bij dat h1-element hoort. Als je muis over een ander h1-element beweegt, verschijnt diens tekst en verdwijnt terug alle tekst van de andere h1-elementen.</a:t>
+            </a:r>
+          </a:p>
+        </p:txBody>
+      </p:sp>
+    </p:spTree>
+    <p:extLst>
+      <p:ext uri="{BB962C8B-B14F-4D97-AF65-F5344CB8AC3E}">
+        <p14:creationId xmlns:p14="http://schemas.microsoft.com/office/powerpoint/2010/main" val="3905181089"/>
       </p:ext>
     </p:extLst>
   </p:cSld>

--- a/Webdesign.pptx
+++ b/Webdesign.pptx
@@ -5,10 +5,10 @@
     <p:sldMasterId id="2147483712" r:id="rId1"/>
   </p:sldMasterIdLst>
   <p:notesMasterIdLst>
-    <p:notesMasterId r:id="rId60"/>
+    <p:notesMasterId r:id="rId66"/>
   </p:notesMasterIdLst>
   <p:handoutMasterIdLst>
-    <p:handoutMasterId r:id="rId61"/>
+    <p:handoutMasterId r:id="rId67"/>
   </p:handoutMasterIdLst>
   <p:sldIdLst>
     <p:sldId id="257" r:id="rId2"/>
@@ -69,6 +69,12 @@
     <p:sldId id="299" r:id="rId57"/>
     <p:sldId id="296" r:id="rId58"/>
     <p:sldId id="315" r:id="rId59"/>
+    <p:sldId id="316" r:id="rId60"/>
+    <p:sldId id="317" r:id="rId61"/>
+    <p:sldId id="318" r:id="rId62"/>
+    <p:sldId id="319" r:id="rId63"/>
+    <p:sldId id="320" r:id="rId64"/>
+    <p:sldId id="321" r:id="rId65"/>
   </p:sldIdLst>
   <p:sldSz cx="12192000" cy="6858000"/>
   <p:notesSz cx="6858000" cy="9144000"/>
@@ -181,7 +187,7 @@
 <file path=ppt/revisionInfo.xml><?xml version="1.0" encoding="utf-8"?>
 <p1510:revInfo xmlns:a="http://schemas.openxmlformats.org/drawingml/2006/main" xmlns:r="http://schemas.openxmlformats.org/officeDocument/2006/relationships" xmlns:p1510="http://schemas.microsoft.com/office/powerpoint/2015/10/main">
   <p1510:revLst>
-    <p1510:client id="{35D616E2-1085-46FA-B45A-8B1B4B6E2F4B}" v="8" dt="2025-10-17T06:52:52.620"/>
+    <p1510:client id="{35D616E2-1085-46FA-B45A-8B1B4B6E2F4B}" v="13" dt="2025-10-24T07:46:26.029"/>
   </p1510:revLst>
 </p1510:revInfo>
 </file>
@@ -191,7 +197,7 @@
   <pc:docChgLst>
     <pc:chgData name="Renaud Leroy" userId="135fb8da-5d77-4f74-8269-9536d61f18e3" providerId="ADAL" clId="{E78863E9-63F1-4351-B732-0F17272A4588}"/>
     <pc:docChg chg="undo custSel addSld modSld">
-      <pc:chgData name="Renaud Leroy" userId="135fb8da-5d77-4f74-8269-9536d61f18e3" providerId="ADAL" clId="{E78863E9-63F1-4351-B732-0F17272A4588}" dt="2025-10-17T07:21:26.736" v="2171" actId="948"/>
+      <pc:chgData name="Renaud Leroy" userId="135fb8da-5d77-4f74-8269-9536d61f18e3" providerId="ADAL" clId="{E78863E9-63F1-4351-B732-0F17272A4588}" dt="2025-10-24T08:39:01.100" v="4406" actId="20577"/>
       <pc:docMkLst>
         <pc:docMk/>
       </pc:docMkLst>
@@ -320,6 +326,144 @@
             <pc:docMk/>
             <pc:sldMk cId="3905181089" sldId="315"/>
             <ac:spMk id="3" creationId="{3990D63E-44AA-6C52-D944-9C824DAE8E09}"/>
+          </ac:spMkLst>
+        </pc:spChg>
+      </pc:sldChg>
+      <pc:sldChg chg="addSp modSp new mod">
+        <pc:chgData name="Renaud Leroy" userId="135fb8da-5d77-4f74-8269-9536d61f18e3" providerId="ADAL" clId="{E78863E9-63F1-4351-B732-0F17272A4588}" dt="2025-10-24T05:45:55.425" v="2528" actId="1076"/>
+        <pc:sldMkLst>
+          <pc:docMk/>
+          <pc:sldMk cId="2081355932" sldId="316"/>
+        </pc:sldMkLst>
+        <pc:spChg chg="mod">
+          <ac:chgData name="Renaud Leroy" userId="135fb8da-5d77-4f74-8269-9536d61f18e3" providerId="ADAL" clId="{E78863E9-63F1-4351-B732-0F17272A4588}" dt="2025-10-24T04:27:55.617" v="2200" actId="20577"/>
+          <ac:spMkLst>
+            <pc:docMk/>
+            <pc:sldMk cId="2081355932" sldId="316"/>
+            <ac:spMk id="2" creationId="{8FBAE5E5-4D22-4F1E-1CCE-D0AA68193EC9}"/>
+          </ac:spMkLst>
+        </pc:spChg>
+        <pc:spChg chg="mod">
+          <ac:chgData name="Renaud Leroy" userId="135fb8da-5d77-4f74-8269-9536d61f18e3" providerId="ADAL" clId="{E78863E9-63F1-4351-B732-0F17272A4588}" dt="2025-10-24T05:45:29.039" v="2526" actId="20577"/>
+          <ac:spMkLst>
+            <pc:docMk/>
+            <pc:sldMk cId="2081355932" sldId="316"/>
+            <ac:spMk id="3" creationId="{E1516883-9243-7775-47B4-C2F68EAE7D57}"/>
+          </ac:spMkLst>
+        </pc:spChg>
+        <pc:picChg chg="add mod">
+          <ac:chgData name="Renaud Leroy" userId="135fb8da-5d77-4f74-8269-9536d61f18e3" providerId="ADAL" clId="{E78863E9-63F1-4351-B732-0F17272A4588}" dt="2025-10-24T05:45:55.425" v="2528" actId="1076"/>
+          <ac:picMkLst>
+            <pc:docMk/>
+            <pc:sldMk cId="2081355932" sldId="316"/>
+            <ac:picMk id="5" creationId="{41231BCC-AC2E-95B7-4BE8-FF7176640E32}"/>
+          </ac:picMkLst>
+        </pc:picChg>
+      </pc:sldChg>
+      <pc:sldChg chg="modSp new mod">
+        <pc:chgData name="Renaud Leroy" userId="135fb8da-5d77-4f74-8269-9536d61f18e3" providerId="ADAL" clId="{E78863E9-63F1-4351-B732-0F17272A4588}" dt="2025-10-24T05:51:31.548" v="2923" actId="20577"/>
+        <pc:sldMkLst>
+          <pc:docMk/>
+          <pc:sldMk cId="1121136724" sldId="317"/>
+        </pc:sldMkLst>
+        <pc:spChg chg="mod">
+          <ac:chgData name="Renaud Leroy" userId="135fb8da-5d77-4f74-8269-9536d61f18e3" providerId="ADAL" clId="{E78863E9-63F1-4351-B732-0F17272A4588}" dt="2025-10-24T05:48:41.840" v="2768" actId="20577"/>
+          <ac:spMkLst>
+            <pc:docMk/>
+            <pc:sldMk cId="1121136724" sldId="317"/>
+            <ac:spMk id="2" creationId="{AA871537-1A64-BEFD-2571-A48171A36042}"/>
+          </ac:spMkLst>
+        </pc:spChg>
+        <pc:spChg chg="mod">
+          <ac:chgData name="Renaud Leroy" userId="135fb8da-5d77-4f74-8269-9536d61f18e3" providerId="ADAL" clId="{E78863E9-63F1-4351-B732-0F17272A4588}" dt="2025-10-24T05:51:31.548" v="2923" actId="20577"/>
+          <ac:spMkLst>
+            <pc:docMk/>
+            <pc:sldMk cId="1121136724" sldId="317"/>
+            <ac:spMk id="3" creationId="{24292FD7-4DFD-2DAC-B075-5752F62F502D}"/>
+          </ac:spMkLst>
+        </pc:spChg>
+      </pc:sldChg>
+      <pc:sldChg chg="modSp new mod">
+        <pc:chgData name="Renaud Leroy" userId="135fb8da-5d77-4f74-8269-9536d61f18e3" providerId="ADAL" clId="{E78863E9-63F1-4351-B732-0F17272A4588}" dt="2025-10-24T07:14:33.513" v="3903" actId="20577"/>
+        <pc:sldMkLst>
+          <pc:docMk/>
+          <pc:sldMk cId="1886517046" sldId="318"/>
+        </pc:sldMkLst>
+        <pc:spChg chg="mod">
+          <ac:chgData name="Renaud Leroy" userId="135fb8da-5d77-4f74-8269-9536d61f18e3" providerId="ADAL" clId="{E78863E9-63F1-4351-B732-0F17272A4588}" dt="2025-10-24T05:51:47.262" v="2934" actId="20577"/>
+          <ac:spMkLst>
+            <pc:docMk/>
+            <pc:sldMk cId="1886517046" sldId="318"/>
+            <ac:spMk id="2" creationId="{4BC1D566-3060-DEA4-D3E5-AE08E6AAF4E3}"/>
+          </ac:spMkLst>
+        </pc:spChg>
+        <pc:spChg chg="mod">
+          <ac:chgData name="Renaud Leroy" userId="135fb8da-5d77-4f74-8269-9536d61f18e3" providerId="ADAL" clId="{E78863E9-63F1-4351-B732-0F17272A4588}" dt="2025-10-24T07:14:33.513" v="3903" actId="20577"/>
+          <ac:spMkLst>
+            <pc:docMk/>
+            <pc:sldMk cId="1886517046" sldId="318"/>
+            <ac:spMk id="3" creationId="{CB7B76A4-B65F-B896-47D8-308C35585AB6}"/>
+          </ac:spMkLst>
+        </pc:spChg>
+      </pc:sldChg>
+      <pc:sldChg chg="modSp new mod">
+        <pc:chgData name="Renaud Leroy" userId="135fb8da-5d77-4f74-8269-9536d61f18e3" providerId="ADAL" clId="{E78863E9-63F1-4351-B732-0F17272A4588}" dt="2025-10-24T07:45:29.449" v="4299" actId="948"/>
+        <pc:sldMkLst>
+          <pc:docMk/>
+          <pc:sldMk cId="3634513009" sldId="319"/>
+        </pc:sldMkLst>
+        <pc:spChg chg="mod">
+          <ac:chgData name="Renaud Leroy" userId="135fb8da-5d77-4f74-8269-9536d61f18e3" providerId="ADAL" clId="{E78863E9-63F1-4351-B732-0F17272A4588}" dt="2025-10-24T07:41:46.641" v="4066" actId="20577"/>
+          <ac:spMkLst>
+            <pc:docMk/>
+            <pc:sldMk cId="3634513009" sldId="319"/>
+            <ac:spMk id="2" creationId="{FA38EAA5-443A-8113-21C2-65B0A465F03F}"/>
+          </ac:spMkLst>
+        </pc:spChg>
+        <pc:spChg chg="mod">
+          <ac:chgData name="Renaud Leroy" userId="135fb8da-5d77-4f74-8269-9536d61f18e3" providerId="ADAL" clId="{E78863E9-63F1-4351-B732-0F17272A4588}" dt="2025-10-24T07:45:29.449" v="4299" actId="948"/>
+          <ac:spMkLst>
+            <pc:docMk/>
+            <pc:sldMk cId="3634513009" sldId="319"/>
+            <ac:spMk id="3" creationId="{47A9FE3F-2D5C-64B5-498E-8A9BA525083E}"/>
+          </ac:spMkLst>
+        </pc:spChg>
+      </pc:sldChg>
+      <pc:sldChg chg="modSp add mod">
+        <pc:chgData name="Renaud Leroy" userId="135fb8da-5d77-4f74-8269-9536d61f18e3" providerId="ADAL" clId="{E78863E9-63F1-4351-B732-0F17272A4588}" dt="2025-10-24T07:47:33.202" v="4338" actId="2711"/>
+        <pc:sldMkLst>
+          <pc:docMk/>
+          <pc:sldMk cId="2195352514" sldId="320"/>
+        </pc:sldMkLst>
+        <pc:spChg chg="mod">
+          <ac:chgData name="Renaud Leroy" userId="135fb8da-5d77-4f74-8269-9536d61f18e3" providerId="ADAL" clId="{E78863E9-63F1-4351-B732-0F17272A4588}" dt="2025-10-24T07:47:33.202" v="4338" actId="2711"/>
+          <ac:spMkLst>
+            <pc:docMk/>
+            <pc:sldMk cId="2195352514" sldId="320"/>
+            <ac:spMk id="3" creationId="{58E1B305-EAD6-93B2-10CB-3581790B41DF}"/>
+          </ac:spMkLst>
+        </pc:spChg>
+      </pc:sldChg>
+      <pc:sldChg chg="modSp new mod">
+        <pc:chgData name="Renaud Leroy" userId="135fb8da-5d77-4f74-8269-9536d61f18e3" providerId="ADAL" clId="{E78863E9-63F1-4351-B732-0F17272A4588}" dt="2025-10-24T08:39:01.100" v="4406" actId="20577"/>
+        <pc:sldMkLst>
+          <pc:docMk/>
+          <pc:sldMk cId="139032914" sldId="321"/>
+        </pc:sldMkLst>
+        <pc:spChg chg="mod">
+          <ac:chgData name="Renaud Leroy" userId="135fb8da-5d77-4f74-8269-9536d61f18e3" providerId="ADAL" clId="{E78863E9-63F1-4351-B732-0F17272A4588}" dt="2025-10-24T07:47:46.388" v="4347" actId="20577"/>
+          <ac:spMkLst>
+            <pc:docMk/>
+            <pc:sldMk cId="139032914" sldId="321"/>
+            <ac:spMk id="2" creationId="{869D75BB-70B7-DD2A-ACFC-1F56A2481650}"/>
+          </ac:spMkLst>
+        </pc:spChg>
+        <pc:spChg chg="mod">
+          <ac:chgData name="Renaud Leroy" userId="135fb8da-5d77-4f74-8269-9536d61f18e3" providerId="ADAL" clId="{E78863E9-63F1-4351-B732-0F17272A4588}" dt="2025-10-24T08:39:01.100" v="4406" actId="20577"/>
+          <ac:spMkLst>
+            <pc:docMk/>
+            <pc:sldMk cId="139032914" sldId="321"/>
+            <ac:spMk id="3" creationId="{14460292-D92F-C071-EBF5-FC84552BFC8B}"/>
           </ac:spMkLst>
         </pc:spChg>
       </pc:sldChg>
@@ -541,7 +685,7 @@
             <a:pPr rtl="0"/>
             <a:fld id="{5A14EC35-A083-4CA2-A629-54FB374745AC}" type="datetime1">
               <a:rPr lang="nl-NL" smtClean="0"/>
-              <a:t>17-10-2025</a:t>
+              <a:t>24-10-2025</a:t>
             </a:fld>
             <a:endParaRPr lang="en-US" dirty="0"/>
           </a:p>
@@ -609,7 +753,7 @@
             <a:pPr rtl="0"/>
             <a:fld id="{A975D426-A9DD-4244-A2CE-1FB6623742C7}" type="slidenum">
               <a:rPr lang="en-US" smtClean="0"/>
-              <a:t>‹#›</a:t>
+              <a:t>‹nr.›</a:t>
             </a:fld>
             <a:endParaRPr lang="en-US"/>
           </a:p>
@@ -711,7 +855,7 @@
             <a:pPr rtl="0"/>
             <a:fld id="{B32F82C2-DE9F-479D-95B3-30B2F9C315A1}" type="datetime1">
               <a:rPr lang="nl-NL" smtClean="0"/>
-              <a:t>17-10-2025</a:t>
+              <a:t>24-10-2025</a:t>
             </a:fld>
             <a:endParaRPr lang="en-US"/>
           </a:p>
@@ -874,7 +1018,7 @@
             <a:pPr rtl="0"/>
             <a:fld id="{01B41D33-19C8-4450-B3C5-BE83E9C8F0BC}" type="slidenum">
               <a:rPr lang="en-US" smtClean="0"/>
-              <a:t>‹#›</a:t>
+              <a:t>‹nr.›</a:t>
             </a:fld>
             <a:endParaRPr lang="en-US"/>
           </a:p>
@@ -1232,7 +1376,7 @@
             <a:pPr rtl="0"/>
             <a:fld id="{A83A1771-3711-4549-B223-6BFD613711ED}" type="datetime1">
               <a:rPr lang="nl-NL" smtClean="0"/>
-              <a:t>17-10-2025</a:t>
+              <a:t>24-10-2025</a:t>
             </a:fld>
             <a:endParaRPr lang="en-US" dirty="0"/>
           </a:p>
@@ -1288,7 +1432,7 @@
             <a:pPr rtl="0"/>
             <a:fld id="{3A98EE3D-8CD1-4C3F-BD1C-C98C9596463C}" type="slidenum">
               <a:rPr lang="en-US" smtClean="0"/>
-              <a:t>‹#›</a:t>
+              <a:t>‹nr.›</a:t>
             </a:fld>
             <a:endParaRPr lang="en-US" dirty="0"/>
           </a:p>
@@ -1439,7 +1583,7 @@
             <a:pPr rtl="0"/>
             <a:fld id="{D08EE877-7E72-4A3F-BF87-CE406B3EE1C5}" type="datetime1">
               <a:rPr lang="nl-NL" smtClean="0"/>
-              <a:t>17-10-2025</a:t>
+              <a:t>24-10-2025</a:t>
             </a:fld>
             <a:endParaRPr lang="en-US" dirty="0"/>
           </a:p>
@@ -1483,7 +1627,7 @@
             <a:pPr rtl="0"/>
             <a:fld id="{3A98EE3D-8CD1-4C3F-BD1C-C98C9596463C}" type="slidenum">
               <a:rPr lang="en-US" smtClean="0"/>
-              <a:t>‹#›</a:t>
+              <a:t>‹nr.›</a:t>
             </a:fld>
             <a:endParaRPr lang="en-US" dirty="0"/>
           </a:p>
@@ -1805,7 +1949,7 @@
             <a:pPr rtl="0"/>
             <a:fld id="{4CC54E9F-8ACA-4714-84BB-74BA71865A3C}" type="datetime1">
               <a:rPr lang="nl-NL" smtClean="0"/>
-              <a:t>17-10-2025</a:t>
+              <a:t>24-10-2025</a:t>
             </a:fld>
             <a:endParaRPr lang="en-US" dirty="0"/>
           </a:p>
@@ -1861,7 +2005,7 @@
             <a:pPr rtl="0"/>
             <a:fld id="{3A98EE3D-8CD1-4C3F-BD1C-C98C9596463C}" type="slidenum">
               <a:rPr lang="en-US" smtClean="0"/>
-              <a:t>‹#›</a:t>
+              <a:t>‹nr.›</a:t>
             </a:fld>
             <a:endParaRPr lang="en-US" dirty="0"/>
           </a:p>
@@ -2237,7 +2381,7 @@
             <a:pPr rtl="0"/>
             <a:fld id="{66D3D282-C61A-41D7-9714-7814FA67361E}" type="datetime1">
               <a:rPr lang="nl-NL" smtClean="0"/>
-              <a:t>17-10-2025</a:t>
+              <a:t>24-10-2025</a:t>
             </a:fld>
             <a:endParaRPr lang="en-US" dirty="0"/>
           </a:p>
@@ -2293,7 +2437,7 @@
             <a:pPr rtl="0"/>
             <a:fld id="{3A98EE3D-8CD1-4C3F-BD1C-C98C9596463C}" type="slidenum">
               <a:rPr lang="en-US" smtClean="0"/>
-              <a:t>‹#›</a:t>
+              <a:t>‹nr.›</a:t>
             </a:fld>
             <a:endParaRPr lang="en-US" dirty="0"/>
           </a:p>
@@ -2494,7 +2638,7 @@
             <a:pPr rtl="0"/>
             <a:fld id="{55CAE64B-8D6D-4B8F-BAE1-453EBC33DDBA}" type="datetime1">
               <a:rPr lang="nl-NL" smtClean="0"/>
-              <a:t>17-10-2025</a:t>
+              <a:t>24-10-2025</a:t>
             </a:fld>
             <a:endParaRPr lang="en-US" dirty="0"/>
           </a:p>
@@ -2538,7 +2682,7 @@
             <a:pPr rtl="0"/>
             <a:fld id="{3A98EE3D-8CD1-4C3F-BD1C-C98C9596463C}" type="slidenum">
               <a:rPr lang="en-US" smtClean="0"/>
-              <a:t>‹#›</a:t>
+              <a:t>‹nr.›</a:t>
             </a:fld>
             <a:endParaRPr lang="en-US" dirty="0"/>
           </a:p>
@@ -2920,7 +3064,7 @@
             <a:pPr rtl="0"/>
             <a:fld id="{7DD41833-08F9-41B2-81FC-2883EDAAEF19}" type="datetime1">
               <a:rPr lang="nl-NL" smtClean="0"/>
-              <a:t>17-10-2025</a:t>
+              <a:t>24-10-2025</a:t>
             </a:fld>
             <a:endParaRPr lang="en-US" dirty="0"/>
           </a:p>
@@ -2964,7 +3108,7 @@
             <a:pPr rtl="0"/>
             <a:fld id="{3A98EE3D-8CD1-4C3F-BD1C-C98C9596463C}" type="slidenum">
               <a:rPr lang="en-US" smtClean="0"/>
-              <a:t>‹#›</a:t>
+              <a:t>‹nr.›</a:t>
             </a:fld>
             <a:endParaRPr lang="en-US" dirty="0"/>
           </a:p>
@@ -3047,7 +3191,7 @@
             <a:pPr rtl="0"/>
             <a:fld id="{5DC9B189-AE00-478F-84A9-63330A766802}" type="datetime1">
               <a:rPr lang="nl-NL" smtClean="0"/>
-              <a:t>17-10-2025</a:t>
+              <a:t>24-10-2025</a:t>
             </a:fld>
             <a:endParaRPr lang="en-US" dirty="0"/>
           </a:p>
@@ -3091,7 +3235,7 @@
             <a:pPr rtl="0"/>
             <a:fld id="{3A98EE3D-8CD1-4C3F-BD1C-C98C9596463C}" type="slidenum">
               <a:rPr lang="en-US" smtClean="0"/>
-              <a:t>‹#›</a:t>
+              <a:t>‹nr.›</a:t>
             </a:fld>
             <a:endParaRPr lang="en-US" dirty="0"/>
           </a:p>
@@ -3145,7 +3289,7 @@
             <a:pPr rtl="0"/>
             <a:fld id="{C4D93972-B93F-42C7-B487-83AAA3F36605}" type="datetime1">
               <a:rPr lang="nl-NL" smtClean="0"/>
-              <a:t>17-10-2025</a:t>
+              <a:t>24-10-2025</a:t>
             </a:fld>
             <a:endParaRPr lang="en-US" dirty="0"/>
           </a:p>
@@ -3189,7 +3333,7 @@
             <a:pPr rtl="0"/>
             <a:fld id="{3A98EE3D-8CD1-4C3F-BD1C-C98C9596463C}" type="slidenum">
               <a:rPr lang="en-US" smtClean="0"/>
-              <a:t>‹#›</a:t>
+              <a:t>‹nr.›</a:t>
             </a:fld>
             <a:endParaRPr lang="en-US" dirty="0"/>
           </a:p>
@@ -3526,7 +3670,7 @@
             <a:pPr rtl="0"/>
             <a:fld id="{41CBEB4C-81CC-455E-9331-682EF29A1EAB}" type="datetime1">
               <a:rPr lang="nl-NL" smtClean="0"/>
-              <a:t>17-10-2025</a:t>
+              <a:t>24-10-2025</a:t>
             </a:fld>
             <a:endParaRPr lang="en-US" dirty="0"/>
           </a:p>
@@ -3593,7 +3737,7 @@
             <a:fld id="{3A98EE3D-8CD1-4C3F-BD1C-C98C9596463C}" type="slidenum">
               <a:rPr lang="en-US" smtClean="0"/>
               <a:pPr rtl="0"/>
-              <a:t>‹#›</a:t>
+              <a:t>‹nr.›</a:t>
             </a:fld>
             <a:endParaRPr lang="en-US" dirty="0"/>
           </a:p>
@@ -3824,7 +3968,7 @@
             <a:pPr rtl="0"/>
             <a:fld id="{87691925-8A1E-4010-8BF9-64E08633B604}" type="datetime1">
               <a:rPr lang="nl-NL" smtClean="0"/>
-              <a:t>17-10-2025</a:t>
+              <a:t>24-10-2025</a:t>
             </a:fld>
             <a:endParaRPr lang="en-US" dirty="0"/>
           </a:p>
@@ -3868,7 +4012,7 @@
             <a:pPr rtl="0"/>
             <a:fld id="{3A98EE3D-8CD1-4C3F-BD1C-C98C9596463C}" type="slidenum">
               <a:rPr lang="en-US" smtClean="0"/>
-              <a:t>‹#›</a:t>
+              <a:t>‹nr.›</a:t>
             </a:fld>
             <a:endParaRPr lang="en-US" dirty="0"/>
           </a:p>
@@ -4042,7 +4186,7 @@
             <a:pPr rtl="0"/>
             <a:fld id="{18D3FD7C-4B51-47DA-BCF4-68F2F2963CDA}" type="datetime1">
               <a:rPr lang="nl-NL" smtClean="0"/>
-              <a:t>17-10-2025</a:t>
+              <a:t>24-10-2025</a:t>
             </a:fld>
             <a:endParaRPr lang="en-US" dirty="0"/>
           </a:p>
@@ -4124,7 +4268,7 @@
             <a:pPr rtl="0"/>
             <a:fld id="{3A98EE3D-8CD1-4C3F-BD1C-C98C9596463C}" type="slidenum">
               <a:rPr lang="en-US" smtClean="0"/>
-              <a:t>‹#›</a:t>
+              <a:t>‹nr.›</a:t>
             </a:fld>
             <a:endParaRPr lang="en-US" dirty="0"/>
           </a:p>
@@ -8113,7 +8257,7 @@
             <a:pPr rtl="0"/>
             <a:fld id="{66D3D282-C61A-41D7-9714-7814FA67361E}" type="datetime1">
               <a:rPr lang="nl-NL" smtClean="0"/>
-              <a:t>17-10-2025</a:t>
+              <a:t>24-10-2025</a:t>
             </a:fld>
             <a:endParaRPr lang="en-US" dirty="0"/>
           </a:p>
@@ -11191,7 +11335,7 @@
             <a:pPr rtl="0"/>
             <a:fld id="{66D3D282-C61A-41D7-9714-7814FA67361E}" type="datetime1">
               <a:rPr lang="nl-NL" smtClean="0"/>
-              <a:t>17-10-2025</a:t>
+              <a:t>24-10-2025</a:t>
             </a:fld>
             <a:endParaRPr lang="en-US" dirty="0"/>
           </a:p>
@@ -17094,7 +17238,7 @@
             <a:pPr rtl="0"/>
             <a:fld id="{66D3D282-C61A-41D7-9714-7814FA67361E}" type="datetime1">
               <a:rPr lang="nl-NL" smtClean="0"/>
-              <a:t>17-10-2025</a:t>
+              <a:t>24-10-2025</a:t>
             </a:fld>
             <a:endParaRPr lang="en-US" dirty="0"/>
           </a:p>
@@ -21597,6 +21741,193 @@
 </p:sld>
 </file>
 
+<file path=ppt/slides/slide59.xml><?xml version="1.0" encoding="utf-8"?>
+<p:sld xmlns:a="http://schemas.openxmlformats.org/drawingml/2006/main" xmlns:r="http://schemas.openxmlformats.org/officeDocument/2006/relationships" xmlns:p="http://schemas.openxmlformats.org/presentationml/2006/main">
+  <p:cSld>
+    <p:spTree>
+      <p:nvGrpSpPr>
+        <p:cNvPr id="1" name=""/>
+        <p:cNvGrpSpPr/>
+        <p:nvPr/>
+      </p:nvGrpSpPr>
+      <p:grpSpPr>
+        <a:xfrm>
+          <a:off x="0" y="0"/>
+          <a:ext cx="0" cy="0"/>
+          <a:chOff x="0" y="0"/>
+          <a:chExt cx="0" cy="0"/>
+        </a:xfrm>
+      </p:grpSpPr>
+      <p:sp>
+        <p:nvSpPr>
+          <p:cNvPr id="2" name="Titel 1">
+            <a:extLst>
+              <a:ext uri="{FF2B5EF4-FFF2-40B4-BE49-F238E27FC236}">
+                <a16:creationId xmlns:a16="http://schemas.microsoft.com/office/drawing/2014/main" id="{8FBAE5E5-4D22-4F1E-1CCE-D0AA68193EC9}"/>
+              </a:ext>
+            </a:extLst>
+          </p:cNvPr>
+          <p:cNvSpPr>
+            <a:spLocks noGrp="1"/>
+          </p:cNvSpPr>
+          <p:nvPr>
+            <p:ph type="title"/>
+          </p:nvPr>
+        </p:nvSpPr>
+        <p:spPr/>
+        <p:txBody>
+          <a:bodyPr/>
+          <a:lstStyle/>
+          <a:p>
+            <a:r>
+              <a:rPr lang="nl-BE" dirty="0" err="1"/>
+              <a:t>querySelector</a:t>
+            </a:r>
+            <a:r>
+              <a:rPr lang="nl-BE" dirty="0"/>
+              <a:t>(</a:t>
+            </a:r>
+            <a:r>
+              <a:rPr lang="nl-BE" dirty="0" err="1"/>
+              <a:t>all</a:t>
+            </a:r>
+            <a:r>
+              <a:rPr lang="nl-BE" dirty="0"/>
+              <a:t>)</a:t>
+            </a:r>
+          </a:p>
+        </p:txBody>
+      </p:sp>
+      <p:sp>
+        <p:nvSpPr>
+          <p:cNvPr id="3" name="Tijdelijke aanduiding voor inhoud 2">
+            <a:extLst>
+              <a:ext uri="{FF2B5EF4-FFF2-40B4-BE49-F238E27FC236}">
+                <a16:creationId xmlns:a16="http://schemas.microsoft.com/office/drawing/2014/main" id="{E1516883-9243-7775-47B4-C2F68EAE7D57}"/>
+              </a:ext>
+            </a:extLst>
+          </p:cNvPr>
+          <p:cNvSpPr>
+            <a:spLocks noGrp="1"/>
+          </p:cNvSpPr>
+          <p:nvPr>
+            <p:ph idx="1"/>
+          </p:nvPr>
+        </p:nvSpPr>
+        <p:spPr/>
+        <p:txBody>
+          <a:bodyPr/>
+          <a:lstStyle/>
+          <a:p>
+            <a:pPr>
+              <a:lnSpc>
+                <a:spcPct val="200000"/>
+              </a:lnSpc>
+            </a:pPr>
+            <a:r>
+              <a:rPr lang="nl-BE" dirty="0"/>
+              <a:t>Geeft een statische lijst van </a:t>
+            </a:r>
+            <a:r>
+              <a:rPr lang="nl-BE" dirty="0" err="1"/>
+              <a:t>nodes</a:t>
+            </a:r>
+            <a:r>
+              <a:rPr lang="nl-BE" dirty="0"/>
+              <a:t> terug die kunnen worden gezocht met een </a:t>
+            </a:r>
+            <a:r>
+              <a:rPr lang="nl-BE" dirty="0" err="1"/>
+              <a:t>selector</a:t>
+            </a:r>
+            <a:r>
+              <a:rPr lang="nl-BE" dirty="0"/>
+              <a:t>.</a:t>
+            </a:r>
+          </a:p>
+          <a:p>
+            <a:pPr>
+              <a:lnSpc>
+                <a:spcPct val="200000"/>
+              </a:lnSpc>
+            </a:pPr>
+            <a:r>
+              <a:rPr lang="nl-BE" dirty="0" err="1"/>
+              <a:t>document.querySelector</a:t>
+            </a:r>
+            <a:r>
+              <a:rPr lang="nl-BE" dirty="0"/>
+              <a:t>() : 1 resultaat (1</a:t>
+            </a:r>
+            <a:r>
+              <a:rPr lang="nl-BE" baseline="30000" dirty="0"/>
+              <a:t>ste</a:t>
+            </a:r>
+            <a:r>
+              <a:rPr lang="nl-BE" dirty="0"/>
+              <a:t>)</a:t>
+            </a:r>
+          </a:p>
+          <a:p>
+            <a:pPr>
+              <a:lnSpc>
+                <a:spcPct val="200000"/>
+              </a:lnSpc>
+            </a:pPr>
+            <a:r>
+              <a:rPr lang="nl-BE" dirty="0" err="1"/>
+              <a:t>document.querySelectorAll</a:t>
+            </a:r>
+            <a:r>
+              <a:rPr lang="nl-BE" dirty="0"/>
+              <a:t>() : alle resultaten</a:t>
+            </a:r>
+          </a:p>
+        </p:txBody>
+      </p:sp>
+      <p:pic>
+        <p:nvPicPr>
+          <p:cNvPr id="5" name="Afbeelding 4">
+            <a:extLst>
+              <a:ext uri="{FF2B5EF4-FFF2-40B4-BE49-F238E27FC236}">
+                <a16:creationId xmlns:a16="http://schemas.microsoft.com/office/drawing/2014/main" id="{41231BCC-AC2E-95B7-4BE8-FF7176640E32}"/>
+              </a:ext>
+            </a:extLst>
+          </p:cNvPr>
+          <p:cNvPicPr>
+            <a:picLocks noChangeAspect="1"/>
+          </p:cNvPicPr>
+          <p:nvPr/>
+        </p:nvPicPr>
+        <p:blipFill>
+          <a:blip r:embed="rId2"/>
+          <a:stretch>
+            <a:fillRect/>
+          </a:stretch>
+        </p:blipFill>
+        <p:spPr>
+          <a:xfrm>
+            <a:off x="5340201" y="5427321"/>
+            <a:ext cx="5778797" cy="920797"/>
+          </a:xfrm>
+          <a:prstGeom prst="rect">
+            <a:avLst/>
+          </a:prstGeom>
+        </p:spPr>
+      </p:pic>
+    </p:spTree>
+    <p:extLst>
+      <p:ext uri="{BB962C8B-B14F-4D97-AF65-F5344CB8AC3E}">
+        <p14:creationId xmlns:p14="http://schemas.microsoft.com/office/powerpoint/2010/main" val="2081355932"/>
+      </p:ext>
+    </p:extLst>
+  </p:cSld>
+  <p:clrMapOvr>
+    <a:masterClrMapping/>
+  </p:clrMapOvr>
+</p:sld>
+</file>
+
 <file path=ppt/slides/slide6.xml><?xml version="1.0" encoding="utf-8"?>
 <p:sld xmlns:a="http://schemas.openxmlformats.org/drawingml/2006/main" xmlns:r="http://schemas.openxmlformats.org/officeDocument/2006/relationships" xmlns:p="http://schemas.openxmlformats.org/presentationml/2006/main">
   <p:cSld>
@@ -21691,6 +22022,1019 @@
     <p:extLst>
       <p:ext uri="{BB962C8B-B14F-4D97-AF65-F5344CB8AC3E}">
         <p14:creationId xmlns:p14="http://schemas.microsoft.com/office/powerpoint/2010/main" val="2267461944"/>
+      </p:ext>
+    </p:extLst>
+  </p:cSld>
+  <p:clrMapOvr>
+    <a:masterClrMapping/>
+  </p:clrMapOvr>
+</p:sld>
+</file>
+
+<file path=ppt/slides/slide60.xml><?xml version="1.0" encoding="utf-8"?>
+<p:sld xmlns:a="http://schemas.openxmlformats.org/drawingml/2006/main" xmlns:r="http://schemas.openxmlformats.org/officeDocument/2006/relationships" xmlns:p="http://schemas.openxmlformats.org/presentationml/2006/main">
+  <p:cSld>
+    <p:spTree>
+      <p:nvGrpSpPr>
+        <p:cNvPr id="1" name=""/>
+        <p:cNvGrpSpPr/>
+        <p:nvPr/>
+      </p:nvGrpSpPr>
+      <p:grpSpPr>
+        <a:xfrm>
+          <a:off x="0" y="0"/>
+          <a:ext cx="0" cy="0"/>
+          <a:chOff x="0" y="0"/>
+          <a:chExt cx="0" cy="0"/>
+        </a:xfrm>
+      </p:grpSpPr>
+      <p:sp>
+        <p:nvSpPr>
+          <p:cNvPr id="2" name="Titel 1">
+            <a:extLst>
+              <a:ext uri="{FF2B5EF4-FFF2-40B4-BE49-F238E27FC236}">
+                <a16:creationId xmlns:a16="http://schemas.microsoft.com/office/drawing/2014/main" id="{AA871537-1A64-BEFD-2571-A48171A36042}"/>
+              </a:ext>
+            </a:extLst>
+          </p:cNvPr>
+          <p:cNvSpPr>
+            <a:spLocks noGrp="1"/>
+          </p:cNvSpPr>
+          <p:nvPr>
+            <p:ph type="title"/>
+          </p:nvPr>
+        </p:nvSpPr>
+        <p:spPr/>
+        <p:txBody>
+          <a:bodyPr/>
+          <a:lstStyle/>
+          <a:p>
+            <a:r>
+              <a:rPr lang="nl-BE" dirty="0" err="1"/>
+              <a:t>Selectors</a:t>
+            </a:r>
+            <a:r>
+              <a:rPr lang="nl-BE" dirty="0"/>
+              <a:t>: </a:t>
+            </a:r>
+            <a:r>
+              <a:rPr lang="nl-BE" dirty="0" err="1"/>
+              <a:t>nth-child</a:t>
+            </a:r>
+            <a:r>
+              <a:rPr lang="nl-BE" dirty="0"/>
+              <a:t>()</a:t>
+            </a:r>
+          </a:p>
+        </p:txBody>
+      </p:sp>
+      <p:sp>
+        <p:nvSpPr>
+          <p:cNvPr id="3" name="Tijdelijke aanduiding voor inhoud 2">
+            <a:extLst>
+              <a:ext uri="{FF2B5EF4-FFF2-40B4-BE49-F238E27FC236}">
+                <a16:creationId xmlns:a16="http://schemas.microsoft.com/office/drawing/2014/main" id="{24292FD7-4DFD-2DAC-B075-5752F62F502D}"/>
+              </a:ext>
+            </a:extLst>
+          </p:cNvPr>
+          <p:cNvSpPr>
+            <a:spLocks noGrp="1"/>
+          </p:cNvSpPr>
+          <p:nvPr>
+            <p:ph idx="1"/>
+          </p:nvPr>
+        </p:nvSpPr>
+        <p:spPr/>
+        <p:txBody>
+          <a:bodyPr/>
+          <a:lstStyle/>
+          <a:p>
+            <a:r>
+              <a:rPr lang="nl-BE" dirty="0"/>
+              <a:t>Geeft van de gevonden elementen enkel maar bepaalde elementen terug o.b.v. hun positie.</a:t>
+            </a:r>
+          </a:p>
+          <a:p>
+            <a:r>
+              <a:rPr lang="nl-BE" dirty="0"/>
+              <a:t>Kan worden geschreven als een functie of even en </a:t>
+            </a:r>
+            <a:r>
+              <a:rPr lang="nl-BE" dirty="0" err="1"/>
+              <a:t>odd</a:t>
+            </a:r>
+            <a:r>
+              <a:rPr lang="nl-BE" dirty="0"/>
+              <a:t> (oneven).</a:t>
+            </a:r>
+          </a:p>
+          <a:p>
+            <a:pPr lvl="1"/>
+            <a:r>
+              <a:rPr lang="nl-BE" dirty="0" err="1"/>
+              <a:t>nth-child</a:t>
+            </a:r>
+            <a:r>
+              <a:rPr lang="nl-BE" dirty="0"/>
+              <a:t>(even)</a:t>
+            </a:r>
+          </a:p>
+          <a:p>
+            <a:pPr lvl="1"/>
+            <a:r>
+              <a:rPr lang="nl-BE" dirty="0" err="1"/>
+              <a:t>nth-child</a:t>
+            </a:r>
+            <a:r>
+              <a:rPr lang="nl-BE" dirty="0"/>
+              <a:t>(</a:t>
+            </a:r>
+            <a:r>
+              <a:rPr lang="nl-BE" dirty="0" err="1"/>
+              <a:t>odd</a:t>
+            </a:r>
+            <a:r>
+              <a:rPr lang="nl-BE" dirty="0"/>
+              <a:t>)</a:t>
+            </a:r>
+          </a:p>
+          <a:p>
+            <a:pPr lvl="1"/>
+            <a:r>
+              <a:rPr lang="nl-BE" dirty="0" err="1"/>
+              <a:t>nth-child</a:t>
+            </a:r>
+            <a:r>
+              <a:rPr lang="nl-BE" dirty="0"/>
+              <a:t>(3n)</a:t>
+            </a:r>
+          </a:p>
+          <a:p>
+            <a:pPr lvl="1"/>
+            <a:r>
+              <a:rPr lang="nl-BE" dirty="0" err="1"/>
+              <a:t>nth-child</a:t>
+            </a:r>
+            <a:r>
+              <a:rPr lang="nl-BE" dirty="0"/>
+              <a:t>(</a:t>
+            </a:r>
+            <a:r>
+              <a:rPr lang="nl-BE" dirty="0" err="1"/>
+              <a:t>an+b</a:t>
+            </a:r>
+            <a:r>
+              <a:rPr lang="nl-BE" dirty="0"/>
+              <a:t>) met a = stapgrootte en b = startpunt</a:t>
+            </a:r>
+          </a:p>
+          <a:p>
+            <a:pPr lvl="1"/>
+            <a:r>
+              <a:rPr lang="nl-BE" dirty="0" err="1"/>
+              <a:t>nth-child</a:t>
+            </a:r>
+            <a:r>
+              <a:rPr lang="nl-BE" dirty="0"/>
+              <a:t>(3n+2) : om de 3 elementen, vanaf het 2</a:t>
+            </a:r>
+            <a:r>
+              <a:rPr lang="nl-BE" baseline="30000" dirty="0"/>
+              <a:t>e</a:t>
+            </a:r>
+            <a:r>
+              <a:rPr lang="nl-BE" dirty="0"/>
+              <a:t> element</a:t>
+            </a:r>
+          </a:p>
+        </p:txBody>
+      </p:sp>
+    </p:spTree>
+    <p:extLst>
+      <p:ext uri="{BB962C8B-B14F-4D97-AF65-F5344CB8AC3E}">
+        <p14:creationId xmlns:p14="http://schemas.microsoft.com/office/powerpoint/2010/main" val="1121136724"/>
+      </p:ext>
+    </p:extLst>
+  </p:cSld>
+  <p:clrMapOvr>
+    <a:masterClrMapping/>
+  </p:clrMapOvr>
+</p:sld>
+</file>
+
+<file path=ppt/slides/slide61.xml><?xml version="1.0" encoding="utf-8"?>
+<p:sld xmlns:a="http://schemas.openxmlformats.org/drawingml/2006/main" xmlns:r="http://schemas.openxmlformats.org/officeDocument/2006/relationships" xmlns:p="http://schemas.openxmlformats.org/presentationml/2006/main">
+  <p:cSld>
+    <p:spTree>
+      <p:nvGrpSpPr>
+        <p:cNvPr id="1" name=""/>
+        <p:cNvGrpSpPr/>
+        <p:nvPr/>
+      </p:nvGrpSpPr>
+      <p:grpSpPr>
+        <a:xfrm>
+          <a:off x="0" y="0"/>
+          <a:ext cx="0" cy="0"/>
+          <a:chOff x="0" y="0"/>
+          <a:chExt cx="0" cy="0"/>
+        </a:xfrm>
+      </p:grpSpPr>
+      <p:sp>
+        <p:nvSpPr>
+          <p:cNvPr id="2" name="Titel 1">
+            <a:extLst>
+              <a:ext uri="{FF2B5EF4-FFF2-40B4-BE49-F238E27FC236}">
+                <a16:creationId xmlns:a16="http://schemas.microsoft.com/office/drawing/2014/main" id="{4BC1D566-3060-DEA4-D3E5-AE08E6AAF4E3}"/>
+              </a:ext>
+            </a:extLst>
+          </p:cNvPr>
+          <p:cNvSpPr>
+            <a:spLocks noGrp="1"/>
+          </p:cNvSpPr>
+          <p:nvPr>
+            <p:ph type="title"/>
+          </p:nvPr>
+        </p:nvSpPr>
+        <p:spPr/>
+        <p:txBody>
+          <a:bodyPr/>
+          <a:lstStyle/>
+          <a:p>
+            <a:r>
+              <a:rPr lang="nl-BE" dirty="0"/>
+              <a:t>Oefeningen</a:t>
+            </a:r>
+          </a:p>
+        </p:txBody>
+      </p:sp>
+      <p:sp>
+        <p:nvSpPr>
+          <p:cNvPr id="3" name="Tijdelijke aanduiding voor inhoud 2">
+            <a:extLst>
+              <a:ext uri="{FF2B5EF4-FFF2-40B4-BE49-F238E27FC236}">
+                <a16:creationId xmlns:a16="http://schemas.microsoft.com/office/drawing/2014/main" id="{CB7B76A4-B65F-B896-47D8-308C35585AB6}"/>
+              </a:ext>
+            </a:extLst>
+          </p:cNvPr>
+          <p:cNvSpPr>
+            <a:spLocks noGrp="1"/>
+          </p:cNvSpPr>
+          <p:nvPr>
+            <p:ph idx="1"/>
+          </p:nvPr>
+        </p:nvSpPr>
+        <p:spPr/>
+        <p:txBody>
+          <a:bodyPr/>
+          <a:lstStyle/>
+          <a:p>
+            <a:r>
+              <a:rPr lang="nl-BE" dirty="0"/>
+              <a:t>Maak een webpagina met daarop een tabel met in de ene kolom jouw favoriete groep, en de andere een lijstje (ongeordend) van jouw favoriete nummers. Plaats de even rijen in het blauw (witte tekstkleur) en de oneven rijen in het geel.</a:t>
+            </a:r>
+          </a:p>
+          <a:p>
+            <a:r>
+              <a:rPr lang="nl-BE" dirty="0"/>
+              <a:t>Maak een webpagina met een ongeordende lijst van dieren. Zorg dat de achtergrondkleuren afwisselen van lichtgroen &gt; groen &gt; donkergroen (witte tekst) &gt; groen &gt; lichtgroen &gt; groen &gt; …</a:t>
+            </a:r>
+          </a:p>
+          <a:p>
+            <a:r>
+              <a:rPr lang="nl-BE" dirty="0"/>
+              <a:t>Maak een webpagina met verschillende </a:t>
+            </a:r>
+            <a:r>
+              <a:rPr lang="nl-BE" dirty="0" err="1"/>
+              <a:t>divs</a:t>
+            </a:r>
+            <a:r>
+              <a:rPr lang="nl-BE" dirty="0"/>
+              <a:t>, met de classtag “Film”. Per div heb je een foto, een titel en een quote van de film. Zorg ervoor dat de in de oneven </a:t>
+            </a:r>
+            <a:r>
+              <a:rPr lang="nl-BE" dirty="0" err="1"/>
+              <a:t>divs</a:t>
+            </a:r>
+            <a:r>
+              <a:rPr lang="nl-BE" dirty="0"/>
+              <a:t> de teksten </a:t>
+            </a:r>
+            <a:r>
+              <a:rPr lang="nl-BE" dirty="0" err="1"/>
+              <a:t>linksuitgelijnd</a:t>
+            </a:r>
+            <a:r>
+              <a:rPr lang="nl-BE" dirty="0"/>
+              <a:t> staan, en in de even </a:t>
+            </a:r>
+            <a:r>
+              <a:rPr lang="nl-BE" dirty="0" err="1"/>
+              <a:t>divs</a:t>
+            </a:r>
+            <a:r>
+              <a:rPr lang="nl-BE" dirty="0"/>
+              <a:t> </a:t>
+            </a:r>
+            <a:r>
+              <a:rPr lang="nl-BE" dirty="0" err="1"/>
+              <a:t>rechtsuitgelijnd</a:t>
+            </a:r>
+            <a:r>
+              <a:rPr lang="nl-BE" dirty="0"/>
+              <a:t> (</a:t>
+            </a:r>
+            <a:r>
+              <a:rPr lang="nl-BE" dirty="0" err="1"/>
+              <a:t>text-align</a:t>
+            </a:r>
+            <a:r>
+              <a:rPr lang="nl-BE" dirty="0"/>
+              <a:t>).</a:t>
+            </a:r>
+          </a:p>
+        </p:txBody>
+      </p:sp>
+    </p:spTree>
+    <p:extLst>
+      <p:ext uri="{BB962C8B-B14F-4D97-AF65-F5344CB8AC3E}">
+        <p14:creationId xmlns:p14="http://schemas.microsoft.com/office/powerpoint/2010/main" val="1886517046"/>
+      </p:ext>
+    </p:extLst>
+  </p:cSld>
+  <p:clrMapOvr>
+    <a:masterClrMapping/>
+  </p:clrMapOvr>
+</p:sld>
+</file>
+
+<file path=ppt/slides/slide62.xml><?xml version="1.0" encoding="utf-8"?>
+<p:sld xmlns:a="http://schemas.openxmlformats.org/drawingml/2006/main" xmlns:r="http://schemas.openxmlformats.org/officeDocument/2006/relationships" xmlns:p="http://schemas.openxmlformats.org/presentationml/2006/main">
+  <p:cSld>
+    <p:spTree>
+      <p:nvGrpSpPr>
+        <p:cNvPr id="1" name=""/>
+        <p:cNvGrpSpPr/>
+        <p:nvPr/>
+      </p:nvGrpSpPr>
+      <p:grpSpPr>
+        <a:xfrm>
+          <a:off x="0" y="0"/>
+          <a:ext cx="0" cy="0"/>
+          <a:chOff x="0" y="0"/>
+          <a:chExt cx="0" cy="0"/>
+        </a:xfrm>
+      </p:grpSpPr>
+      <p:sp>
+        <p:nvSpPr>
+          <p:cNvPr id="2" name="Titel 1">
+            <a:extLst>
+              <a:ext uri="{FF2B5EF4-FFF2-40B4-BE49-F238E27FC236}">
+                <a16:creationId xmlns:a16="http://schemas.microsoft.com/office/drawing/2014/main" id="{FA38EAA5-443A-8113-21C2-65B0A465F03F}"/>
+              </a:ext>
+            </a:extLst>
+          </p:cNvPr>
+          <p:cNvSpPr>
+            <a:spLocks noGrp="1"/>
+          </p:cNvSpPr>
+          <p:nvPr>
+            <p:ph type="title"/>
+          </p:nvPr>
+        </p:nvSpPr>
+        <p:spPr/>
+        <p:txBody>
+          <a:bodyPr/>
+          <a:lstStyle/>
+          <a:p>
+            <a:r>
+              <a:rPr lang="nl-BE" dirty="0" err="1"/>
+              <a:t>Createelement</a:t>
+            </a:r>
+            <a:r>
+              <a:rPr lang="nl-BE" dirty="0"/>
+              <a:t>()/</a:t>
+            </a:r>
+            <a:r>
+              <a:rPr lang="nl-BE" dirty="0" err="1"/>
+              <a:t>appendchild</a:t>
+            </a:r>
+            <a:r>
+              <a:rPr lang="nl-BE" dirty="0"/>
+              <a:t>()/</a:t>
+            </a:r>
+            <a:r>
+              <a:rPr lang="nl-BE" dirty="0" err="1"/>
+              <a:t>insertbefore</a:t>
+            </a:r>
+            <a:endParaRPr lang="nl-BE" dirty="0"/>
+          </a:p>
+        </p:txBody>
+      </p:sp>
+      <p:sp>
+        <p:nvSpPr>
+          <p:cNvPr id="3" name="Tijdelijke aanduiding voor inhoud 2">
+            <a:extLst>
+              <a:ext uri="{FF2B5EF4-FFF2-40B4-BE49-F238E27FC236}">
+                <a16:creationId xmlns:a16="http://schemas.microsoft.com/office/drawing/2014/main" id="{47A9FE3F-2D5C-64B5-498E-8A9BA525083E}"/>
+              </a:ext>
+            </a:extLst>
+          </p:cNvPr>
+          <p:cNvSpPr>
+            <a:spLocks noGrp="1"/>
+          </p:cNvSpPr>
+          <p:nvPr>
+            <p:ph idx="1"/>
+          </p:nvPr>
+        </p:nvSpPr>
+        <p:spPr/>
+        <p:txBody>
+          <a:bodyPr/>
+          <a:lstStyle/>
+          <a:p>
+            <a:pPr>
+              <a:lnSpc>
+                <a:spcPct val="200000"/>
+              </a:lnSpc>
+            </a:pPr>
+            <a:r>
+              <a:rPr lang="nl-BE" dirty="0" err="1"/>
+              <a:t>document.createElement</a:t>
+            </a:r>
+            <a:r>
+              <a:rPr lang="nl-BE" dirty="0"/>
+              <a:t>(</a:t>
+            </a:r>
+            <a:r>
+              <a:rPr lang="nl-BE" i="1" dirty="0"/>
+              <a:t>tag</a:t>
+            </a:r>
+            <a:r>
+              <a:rPr lang="nl-BE" dirty="0"/>
+              <a:t>) : maakt een nieuwe node aan van een bepaalde tag</a:t>
+            </a:r>
+          </a:p>
+          <a:p>
+            <a:pPr>
+              <a:lnSpc>
+                <a:spcPct val="200000"/>
+              </a:lnSpc>
+            </a:pPr>
+            <a:r>
+              <a:rPr lang="nl-BE" i="1" dirty="0"/>
+              <a:t>node1</a:t>
+            </a:r>
+            <a:r>
+              <a:rPr lang="nl-BE" dirty="0"/>
+              <a:t>.appendChild(</a:t>
+            </a:r>
+            <a:r>
+              <a:rPr lang="nl-BE" i="1" dirty="0"/>
+              <a:t>node2</a:t>
+            </a:r>
+            <a:r>
+              <a:rPr lang="nl-BE" dirty="0"/>
+              <a:t>) : geeft aan </a:t>
+            </a:r>
+            <a:r>
+              <a:rPr lang="nl-BE" i="1" dirty="0"/>
+              <a:t>node1</a:t>
+            </a:r>
+            <a:r>
+              <a:rPr lang="nl-BE" dirty="0"/>
+              <a:t> een nieuw kind, </a:t>
+            </a:r>
+            <a:r>
+              <a:rPr lang="nl-BE" i="1" dirty="0"/>
+              <a:t>node2</a:t>
+            </a:r>
+            <a:endParaRPr lang="nl-BE" dirty="0"/>
+          </a:p>
+          <a:p>
+            <a:pPr>
+              <a:lnSpc>
+                <a:spcPct val="200000"/>
+              </a:lnSpc>
+            </a:pPr>
+            <a:r>
+              <a:rPr lang="nl-BE" i="1" dirty="0"/>
+              <a:t>node1</a:t>
+            </a:r>
+            <a:r>
+              <a:rPr lang="nl-BE" dirty="0"/>
+              <a:t>.insertBefore(</a:t>
+            </a:r>
+            <a:r>
+              <a:rPr lang="nl-BE" i="1" dirty="0"/>
+              <a:t>node2, node3)</a:t>
+            </a:r>
+            <a:r>
+              <a:rPr lang="nl-BE" dirty="0"/>
+              <a:t> : voegt </a:t>
+            </a:r>
+            <a:r>
+              <a:rPr lang="nl-BE" i="1" dirty="0"/>
+              <a:t>node3</a:t>
+            </a:r>
+            <a:r>
+              <a:rPr lang="nl-BE" dirty="0"/>
+              <a:t> voor </a:t>
+            </a:r>
+            <a:r>
+              <a:rPr lang="nl-BE" i="1" dirty="0"/>
+              <a:t>node2</a:t>
+            </a:r>
+            <a:r>
+              <a:rPr lang="nl-BE" dirty="0"/>
+              <a:t> in de </a:t>
+            </a:r>
+            <a:r>
+              <a:rPr lang="nl-BE" dirty="0" err="1"/>
+              <a:t>parent</a:t>
+            </a:r>
+            <a:r>
+              <a:rPr lang="nl-BE" dirty="0"/>
+              <a:t> </a:t>
+            </a:r>
+            <a:r>
+              <a:rPr lang="nl-BE" i="1" dirty="0"/>
+              <a:t>node1.</a:t>
+            </a:r>
+          </a:p>
+        </p:txBody>
+      </p:sp>
+    </p:spTree>
+    <p:extLst>
+      <p:ext uri="{BB962C8B-B14F-4D97-AF65-F5344CB8AC3E}">
+        <p14:creationId xmlns:p14="http://schemas.microsoft.com/office/powerpoint/2010/main" val="3634513009"/>
+      </p:ext>
+    </p:extLst>
+  </p:cSld>
+  <p:clrMapOvr>
+    <a:masterClrMapping/>
+  </p:clrMapOvr>
+</p:sld>
+</file>
+
+<file path=ppt/slides/slide63.xml><?xml version="1.0" encoding="utf-8"?>
+<p:sld xmlns:a="http://schemas.openxmlformats.org/drawingml/2006/main" xmlns:r="http://schemas.openxmlformats.org/officeDocument/2006/relationships" xmlns:p="http://schemas.openxmlformats.org/presentationml/2006/main">
+  <p:cSld>
+    <p:spTree>
+      <p:nvGrpSpPr>
+        <p:cNvPr id="1" name="">
+          <a:extLst>
+            <a:ext uri="{FF2B5EF4-FFF2-40B4-BE49-F238E27FC236}">
+              <a16:creationId xmlns:a16="http://schemas.microsoft.com/office/drawing/2014/main" id="{315E90E6-413C-CE67-1070-E7355380751A}"/>
+            </a:ext>
+          </a:extLst>
+        </p:cNvPr>
+        <p:cNvGrpSpPr/>
+        <p:nvPr/>
+      </p:nvGrpSpPr>
+      <p:grpSpPr>
+        <a:xfrm>
+          <a:off x="0" y="0"/>
+          <a:ext cx="0" cy="0"/>
+          <a:chOff x="0" y="0"/>
+          <a:chExt cx="0" cy="0"/>
+        </a:xfrm>
+      </p:grpSpPr>
+      <p:sp>
+        <p:nvSpPr>
+          <p:cNvPr id="2" name="Titel 1">
+            <a:extLst>
+              <a:ext uri="{FF2B5EF4-FFF2-40B4-BE49-F238E27FC236}">
+                <a16:creationId xmlns:a16="http://schemas.microsoft.com/office/drawing/2014/main" id="{5D006504-9B88-B285-6FD3-EEE039CFDAD3}"/>
+              </a:ext>
+            </a:extLst>
+          </p:cNvPr>
+          <p:cNvSpPr>
+            <a:spLocks noGrp="1"/>
+          </p:cNvSpPr>
+          <p:nvPr>
+            <p:ph type="title"/>
+          </p:nvPr>
+        </p:nvSpPr>
+        <p:spPr/>
+        <p:txBody>
+          <a:bodyPr/>
+          <a:lstStyle/>
+          <a:p>
+            <a:r>
+              <a:rPr lang="nl-BE" dirty="0" err="1"/>
+              <a:t>Createelement</a:t>
+            </a:r>
+            <a:r>
+              <a:rPr lang="nl-BE" dirty="0"/>
+              <a:t>()/</a:t>
+            </a:r>
+            <a:r>
+              <a:rPr lang="nl-BE" dirty="0" err="1"/>
+              <a:t>appendchild</a:t>
+            </a:r>
+            <a:r>
+              <a:rPr lang="nl-BE" dirty="0"/>
+              <a:t>()/</a:t>
+            </a:r>
+            <a:r>
+              <a:rPr lang="nl-BE" dirty="0" err="1"/>
+              <a:t>insertbefore</a:t>
+            </a:r>
+            <a:endParaRPr lang="nl-BE" dirty="0"/>
+          </a:p>
+        </p:txBody>
+      </p:sp>
+      <p:sp>
+        <p:nvSpPr>
+          <p:cNvPr id="3" name="Tijdelijke aanduiding voor inhoud 2">
+            <a:extLst>
+              <a:ext uri="{FF2B5EF4-FFF2-40B4-BE49-F238E27FC236}">
+                <a16:creationId xmlns:a16="http://schemas.microsoft.com/office/drawing/2014/main" id="{58E1B305-EAD6-93B2-10CB-3581790B41DF}"/>
+              </a:ext>
+            </a:extLst>
+          </p:cNvPr>
+          <p:cNvSpPr>
+            <a:spLocks noGrp="1"/>
+          </p:cNvSpPr>
+          <p:nvPr>
+            <p:ph idx="1"/>
+          </p:nvPr>
+        </p:nvSpPr>
+        <p:spPr>
+          <a:xfrm>
+            <a:off x="581192" y="1890876"/>
+            <a:ext cx="11029615" cy="4967124"/>
+          </a:xfrm>
+        </p:spPr>
+        <p:txBody>
+          <a:bodyPr>
+            <a:normAutofit fontScale="85000" lnSpcReduction="10000"/>
+          </a:bodyPr>
+          <a:lstStyle/>
+          <a:p>
+            <a:pPr marL="0" indent="0">
+              <a:lnSpc>
+                <a:spcPct val="200000"/>
+              </a:lnSpc>
+              <a:buNone/>
+            </a:pPr>
+            <a:r>
+              <a:rPr lang="nl-BE" i="1" dirty="0" err="1">
+                <a:latin typeface="Consolas" panose="020B0609020204030204" pitchFamily="49" charset="0"/>
+              </a:rPr>
+              <a:t>const</a:t>
+            </a:r>
+            <a:r>
+              <a:rPr lang="nl-BE" i="1" dirty="0">
+                <a:latin typeface="Consolas" panose="020B0609020204030204" pitchFamily="49" charset="0"/>
+              </a:rPr>
+              <a:t> </a:t>
+            </a:r>
+            <a:r>
+              <a:rPr lang="nl-BE" i="1" dirty="0" err="1">
+                <a:latin typeface="Consolas" panose="020B0609020204030204" pitchFamily="49" charset="0"/>
+              </a:rPr>
+              <a:t>nieuweDiv</a:t>
+            </a:r>
+            <a:r>
+              <a:rPr lang="nl-BE" i="1" dirty="0">
+                <a:latin typeface="Consolas" panose="020B0609020204030204" pitchFamily="49" charset="0"/>
+              </a:rPr>
+              <a:t> = </a:t>
+            </a:r>
+            <a:r>
+              <a:rPr lang="nl-BE" i="1" dirty="0" err="1">
+                <a:latin typeface="Consolas" panose="020B0609020204030204" pitchFamily="49" charset="0"/>
+              </a:rPr>
+              <a:t>document.createElement</a:t>
+            </a:r>
+            <a:r>
+              <a:rPr lang="nl-BE" i="1" dirty="0">
+                <a:latin typeface="Consolas" panose="020B0609020204030204" pitchFamily="49" charset="0"/>
+              </a:rPr>
+              <a:t>("div");</a:t>
+            </a:r>
+          </a:p>
+          <a:p>
+            <a:pPr marL="0" indent="0">
+              <a:lnSpc>
+                <a:spcPct val="200000"/>
+              </a:lnSpc>
+              <a:buNone/>
+            </a:pPr>
+            <a:r>
+              <a:rPr lang="nl-BE" i="1" dirty="0" err="1">
+                <a:latin typeface="Consolas" panose="020B0609020204030204" pitchFamily="49" charset="0"/>
+              </a:rPr>
+              <a:t>nieuweDiv.textContent</a:t>
+            </a:r>
+            <a:r>
+              <a:rPr lang="nl-BE" i="1" dirty="0">
+                <a:latin typeface="Consolas" panose="020B0609020204030204" pitchFamily="49" charset="0"/>
+              </a:rPr>
+              <a:t> = "Ik ben een nieuwe div!";</a:t>
+            </a:r>
+          </a:p>
+          <a:p>
+            <a:pPr marL="0" indent="0">
+              <a:lnSpc>
+                <a:spcPct val="200000"/>
+              </a:lnSpc>
+              <a:buNone/>
+            </a:pPr>
+            <a:r>
+              <a:rPr lang="nl-BE" i="1" dirty="0" err="1">
+                <a:latin typeface="Consolas" panose="020B0609020204030204" pitchFamily="49" charset="0"/>
+              </a:rPr>
+              <a:t>document.body.appendChild</a:t>
+            </a:r>
+            <a:r>
+              <a:rPr lang="nl-BE" i="1" dirty="0">
+                <a:latin typeface="Consolas" panose="020B0609020204030204" pitchFamily="49" charset="0"/>
+              </a:rPr>
+              <a:t>(</a:t>
+            </a:r>
+            <a:r>
+              <a:rPr lang="nl-BE" i="1" dirty="0" err="1">
+                <a:latin typeface="Consolas" panose="020B0609020204030204" pitchFamily="49" charset="0"/>
+              </a:rPr>
+              <a:t>nieuweDiv</a:t>
+            </a:r>
+            <a:r>
+              <a:rPr lang="nl-BE" i="1" dirty="0">
+                <a:latin typeface="Consolas" panose="020B0609020204030204" pitchFamily="49" charset="0"/>
+              </a:rPr>
+              <a:t>);</a:t>
+            </a:r>
+          </a:p>
+          <a:p>
+            <a:pPr marL="0" indent="0">
+              <a:lnSpc>
+                <a:spcPct val="200000"/>
+              </a:lnSpc>
+              <a:buNone/>
+            </a:pPr>
+            <a:r>
+              <a:rPr lang="nl-BE" i="1" dirty="0" err="1">
+                <a:latin typeface="Consolas" panose="020B0609020204030204" pitchFamily="49" charset="0"/>
+              </a:rPr>
+              <a:t>const</a:t>
+            </a:r>
+            <a:r>
+              <a:rPr lang="nl-BE" i="1" dirty="0">
+                <a:latin typeface="Consolas" panose="020B0609020204030204" pitchFamily="49" charset="0"/>
+              </a:rPr>
+              <a:t> </a:t>
+            </a:r>
+            <a:r>
+              <a:rPr lang="nl-BE" i="1" dirty="0" err="1">
+                <a:latin typeface="Consolas" panose="020B0609020204030204" pitchFamily="49" charset="0"/>
+              </a:rPr>
+              <a:t>nieuweParagraaf</a:t>
+            </a:r>
+            <a:r>
+              <a:rPr lang="nl-BE" i="1" dirty="0">
+                <a:latin typeface="Consolas" panose="020B0609020204030204" pitchFamily="49" charset="0"/>
+              </a:rPr>
+              <a:t> = </a:t>
+            </a:r>
+            <a:r>
+              <a:rPr lang="nl-BE" i="1" dirty="0" err="1">
+                <a:latin typeface="Consolas" panose="020B0609020204030204" pitchFamily="49" charset="0"/>
+              </a:rPr>
+              <a:t>document.createElement</a:t>
+            </a:r>
+            <a:r>
+              <a:rPr lang="nl-BE" i="1" dirty="0">
+                <a:latin typeface="Consolas" panose="020B0609020204030204" pitchFamily="49" charset="0"/>
+              </a:rPr>
+              <a:t>("p");</a:t>
+            </a:r>
+          </a:p>
+          <a:p>
+            <a:pPr marL="0" indent="0">
+              <a:lnSpc>
+                <a:spcPct val="200000"/>
+              </a:lnSpc>
+              <a:buNone/>
+            </a:pPr>
+            <a:r>
+              <a:rPr lang="nl-BE" i="1" dirty="0" err="1">
+                <a:latin typeface="Consolas" panose="020B0609020204030204" pitchFamily="49" charset="0"/>
+              </a:rPr>
+              <a:t>nieuweParagraaf.textContent</a:t>
+            </a:r>
+            <a:r>
+              <a:rPr lang="nl-BE" i="1" dirty="0">
+                <a:latin typeface="Consolas" panose="020B0609020204030204" pitchFamily="49" charset="0"/>
+              </a:rPr>
+              <a:t> = "Ik kom vóór de div!";</a:t>
+            </a:r>
+          </a:p>
+          <a:p>
+            <a:pPr marL="0" indent="0">
+              <a:lnSpc>
+                <a:spcPct val="200000"/>
+              </a:lnSpc>
+              <a:buNone/>
+            </a:pPr>
+            <a:r>
+              <a:rPr lang="nl-BE" i="1" dirty="0" err="1">
+                <a:latin typeface="Consolas" panose="020B0609020204030204" pitchFamily="49" charset="0"/>
+              </a:rPr>
+              <a:t>document.body.insertBefore</a:t>
+            </a:r>
+            <a:r>
+              <a:rPr lang="nl-BE" i="1" dirty="0">
+                <a:latin typeface="Consolas" panose="020B0609020204030204" pitchFamily="49" charset="0"/>
+              </a:rPr>
+              <a:t>(</a:t>
+            </a:r>
+            <a:r>
+              <a:rPr lang="nl-BE" i="1" dirty="0" err="1">
+                <a:latin typeface="Consolas" panose="020B0609020204030204" pitchFamily="49" charset="0"/>
+              </a:rPr>
+              <a:t>nieuweParagraaf</a:t>
+            </a:r>
+            <a:r>
+              <a:rPr lang="nl-BE" i="1" dirty="0">
+                <a:latin typeface="Consolas" panose="020B0609020204030204" pitchFamily="49" charset="0"/>
+              </a:rPr>
+              <a:t>, </a:t>
+            </a:r>
+            <a:r>
+              <a:rPr lang="nl-BE" i="1" dirty="0" err="1">
+                <a:latin typeface="Consolas" panose="020B0609020204030204" pitchFamily="49" charset="0"/>
+              </a:rPr>
+              <a:t>nieuweDiv</a:t>
+            </a:r>
+            <a:r>
+              <a:rPr lang="nl-BE" i="1" dirty="0">
+                <a:latin typeface="Consolas" panose="020B0609020204030204" pitchFamily="49" charset="0"/>
+              </a:rPr>
+              <a:t>);</a:t>
+            </a:r>
+          </a:p>
+          <a:p>
+            <a:pPr marL="0" indent="0">
+              <a:lnSpc>
+                <a:spcPct val="200000"/>
+              </a:lnSpc>
+              <a:buNone/>
+            </a:pPr>
+            <a:r>
+              <a:rPr lang="nl-BE" i="1" dirty="0" err="1">
+                <a:latin typeface="Consolas" panose="020B0609020204030204" pitchFamily="49" charset="0"/>
+              </a:rPr>
+              <a:t>const</a:t>
+            </a:r>
+            <a:r>
+              <a:rPr lang="nl-BE" i="1" dirty="0">
+                <a:latin typeface="Consolas" panose="020B0609020204030204" pitchFamily="49" charset="0"/>
+              </a:rPr>
+              <a:t> span = </a:t>
+            </a:r>
+            <a:r>
+              <a:rPr lang="nl-BE" i="1" dirty="0" err="1">
+                <a:latin typeface="Consolas" panose="020B0609020204030204" pitchFamily="49" charset="0"/>
+              </a:rPr>
+              <a:t>document.createElement</a:t>
+            </a:r>
+            <a:r>
+              <a:rPr lang="nl-BE" i="1" dirty="0">
+                <a:latin typeface="Consolas" panose="020B0609020204030204" pitchFamily="49" charset="0"/>
+              </a:rPr>
+              <a:t>("span");</a:t>
+            </a:r>
+          </a:p>
+          <a:p>
+            <a:pPr marL="0" indent="0">
+              <a:lnSpc>
+                <a:spcPct val="200000"/>
+              </a:lnSpc>
+              <a:buNone/>
+            </a:pPr>
+            <a:r>
+              <a:rPr lang="nl-BE" i="1" dirty="0" err="1">
+                <a:latin typeface="Consolas" panose="020B0609020204030204" pitchFamily="49" charset="0"/>
+              </a:rPr>
+              <a:t>span.textContent</a:t>
+            </a:r>
+            <a:r>
+              <a:rPr lang="nl-BE" i="1" dirty="0">
+                <a:latin typeface="Consolas" panose="020B0609020204030204" pitchFamily="49" charset="0"/>
+              </a:rPr>
+              <a:t> = " → Dit is tekst binnen de paragraaf.";</a:t>
+            </a:r>
+          </a:p>
+          <a:p>
+            <a:pPr marL="0" indent="0">
+              <a:lnSpc>
+                <a:spcPct val="200000"/>
+              </a:lnSpc>
+              <a:buNone/>
+            </a:pPr>
+            <a:r>
+              <a:rPr lang="nl-BE" i="1" dirty="0" err="1">
+                <a:latin typeface="Consolas" panose="020B0609020204030204" pitchFamily="49" charset="0"/>
+              </a:rPr>
+              <a:t>nieuweParagraaf.appendChild</a:t>
+            </a:r>
+            <a:r>
+              <a:rPr lang="nl-BE" i="1" dirty="0">
+                <a:latin typeface="Consolas" panose="020B0609020204030204" pitchFamily="49" charset="0"/>
+              </a:rPr>
+              <a:t>(span);</a:t>
+            </a:r>
+          </a:p>
+        </p:txBody>
+      </p:sp>
+    </p:spTree>
+    <p:extLst>
+      <p:ext uri="{BB962C8B-B14F-4D97-AF65-F5344CB8AC3E}">
+        <p14:creationId xmlns:p14="http://schemas.microsoft.com/office/powerpoint/2010/main" val="2195352514"/>
+      </p:ext>
+    </p:extLst>
+  </p:cSld>
+  <p:clrMapOvr>
+    <a:masterClrMapping/>
+  </p:clrMapOvr>
+</p:sld>
+</file>
+
+<file path=ppt/slides/slide64.xml><?xml version="1.0" encoding="utf-8"?>
+<p:sld xmlns:a="http://schemas.openxmlformats.org/drawingml/2006/main" xmlns:r="http://schemas.openxmlformats.org/officeDocument/2006/relationships" xmlns:p="http://schemas.openxmlformats.org/presentationml/2006/main">
+  <p:cSld>
+    <p:spTree>
+      <p:nvGrpSpPr>
+        <p:cNvPr id="1" name=""/>
+        <p:cNvGrpSpPr/>
+        <p:nvPr/>
+      </p:nvGrpSpPr>
+      <p:grpSpPr>
+        <a:xfrm>
+          <a:off x="0" y="0"/>
+          <a:ext cx="0" cy="0"/>
+          <a:chOff x="0" y="0"/>
+          <a:chExt cx="0" cy="0"/>
+        </a:xfrm>
+      </p:grpSpPr>
+      <p:sp>
+        <p:nvSpPr>
+          <p:cNvPr id="2" name="Titel 1">
+            <a:extLst>
+              <a:ext uri="{FF2B5EF4-FFF2-40B4-BE49-F238E27FC236}">
+                <a16:creationId xmlns:a16="http://schemas.microsoft.com/office/drawing/2014/main" id="{869D75BB-70B7-DD2A-ACFC-1F56A2481650}"/>
+              </a:ext>
+            </a:extLst>
+          </p:cNvPr>
+          <p:cNvSpPr>
+            <a:spLocks noGrp="1"/>
+          </p:cNvSpPr>
+          <p:nvPr>
+            <p:ph type="title"/>
+          </p:nvPr>
+        </p:nvSpPr>
+        <p:spPr/>
+        <p:txBody>
+          <a:bodyPr/>
+          <a:lstStyle/>
+          <a:p>
+            <a:r>
+              <a:rPr lang="nl-BE" dirty="0"/>
+              <a:t>Opdracht</a:t>
+            </a:r>
+          </a:p>
+        </p:txBody>
+      </p:sp>
+      <p:sp>
+        <p:nvSpPr>
+          <p:cNvPr id="3" name="Tijdelijke aanduiding voor inhoud 2">
+            <a:extLst>
+              <a:ext uri="{FF2B5EF4-FFF2-40B4-BE49-F238E27FC236}">
+                <a16:creationId xmlns:a16="http://schemas.microsoft.com/office/drawing/2014/main" id="{14460292-D92F-C071-EBF5-FC84552BFC8B}"/>
+              </a:ext>
+            </a:extLst>
+          </p:cNvPr>
+          <p:cNvSpPr>
+            <a:spLocks noGrp="1"/>
+          </p:cNvSpPr>
+          <p:nvPr>
+            <p:ph idx="1"/>
+          </p:nvPr>
+        </p:nvSpPr>
+        <p:spPr/>
+        <p:txBody>
+          <a:bodyPr/>
+          <a:lstStyle/>
+          <a:p>
+            <a:endParaRPr lang="nl-BE" dirty="0"/>
+          </a:p>
+        </p:txBody>
+      </p:sp>
+    </p:spTree>
+    <p:extLst>
+      <p:ext uri="{BB962C8B-B14F-4D97-AF65-F5344CB8AC3E}">
+        <p14:creationId xmlns:p14="http://schemas.microsoft.com/office/powerpoint/2010/main" val="139032914"/>
       </p:ext>
     </p:extLst>
   </p:cSld>

--- a/Webdesign.pptx
+++ b/Webdesign.pptx
@@ -187,7 +187,7 @@
 <file path=ppt/revisionInfo.xml><?xml version="1.0" encoding="utf-8"?>
 <p1510:revInfo xmlns:a="http://schemas.openxmlformats.org/drawingml/2006/main" xmlns:r="http://schemas.openxmlformats.org/officeDocument/2006/relationships" xmlns:p1510="http://schemas.microsoft.com/office/powerpoint/2015/10/main">
   <p1510:revLst>
-    <p1510:client id="{35D616E2-1085-46FA-B45A-8B1B4B6E2F4B}" v="13" dt="2025-10-24T07:46:26.029"/>
+    <p1510:client id="{34570ACE-256F-49A6-9FA2-DA8483C9166B}" v="2" dt="2025-11-21T08:44:55.506"/>
   </p1510:revLst>
 </p1510:revInfo>
 </file>
@@ -197,138 +197,10 @@
   <pc:docChgLst>
     <pc:chgData name="Renaud Leroy" userId="135fb8da-5d77-4f74-8269-9536d61f18e3" providerId="ADAL" clId="{E78863E9-63F1-4351-B732-0F17272A4588}"/>
     <pc:docChg chg="undo custSel addSld modSld">
-      <pc:chgData name="Renaud Leroy" userId="135fb8da-5d77-4f74-8269-9536d61f18e3" providerId="ADAL" clId="{E78863E9-63F1-4351-B732-0F17272A4588}" dt="2025-10-24T08:39:01.100" v="4406" actId="20577"/>
+      <pc:chgData name="Renaud Leroy" userId="135fb8da-5d77-4f74-8269-9536d61f18e3" providerId="ADAL" clId="{E78863E9-63F1-4351-B732-0F17272A4588}" dt="2025-11-21T09:19:24.655" v="5848" actId="20577"/>
       <pc:docMkLst>
         <pc:docMk/>
       </pc:docMkLst>
-      <pc:sldChg chg="modSp mod">
-        <pc:chgData name="Renaud Leroy" userId="135fb8da-5d77-4f74-8269-9536d61f18e3" providerId="ADAL" clId="{E78863E9-63F1-4351-B732-0F17272A4588}" dt="2025-10-17T05:22:11.033" v="7" actId="20577"/>
-        <pc:sldMkLst>
-          <pc:docMk/>
-          <pc:sldMk cId="1472645518" sldId="293"/>
-        </pc:sldMkLst>
-        <pc:spChg chg="mod">
-          <ac:chgData name="Renaud Leroy" userId="135fb8da-5d77-4f74-8269-9536d61f18e3" providerId="ADAL" clId="{E78863E9-63F1-4351-B732-0F17272A4588}" dt="2025-10-17T05:22:11.033" v="7" actId="20577"/>
-          <ac:spMkLst>
-            <pc:docMk/>
-            <pc:sldMk cId="1472645518" sldId="293"/>
-            <ac:spMk id="3" creationId="{C0C7DA2F-B487-D715-97AA-0F61AA2BE5F7}"/>
-          </ac:spMkLst>
-        </pc:spChg>
-      </pc:sldChg>
-      <pc:sldChg chg="modSp mod">
-        <pc:chgData name="Renaud Leroy" userId="135fb8da-5d77-4f74-8269-9536d61f18e3" providerId="ADAL" clId="{E78863E9-63F1-4351-B732-0F17272A4588}" dt="2025-10-17T06:53:19.638" v="816" actId="948"/>
-        <pc:sldMkLst>
-          <pc:docMk/>
-          <pc:sldMk cId="2505658942" sldId="296"/>
-        </pc:sldMkLst>
-        <pc:spChg chg="mod">
-          <ac:chgData name="Renaud Leroy" userId="135fb8da-5d77-4f74-8269-9536d61f18e3" providerId="ADAL" clId="{E78863E9-63F1-4351-B732-0F17272A4588}" dt="2025-10-17T06:53:19.638" v="816" actId="948"/>
-          <ac:spMkLst>
-            <pc:docMk/>
-            <pc:sldMk cId="2505658942" sldId="296"/>
-            <ac:spMk id="3" creationId="{88043A32-EE52-64EB-FCD5-5DBAEF80E0ED}"/>
-          </ac:spMkLst>
-        </pc:spChg>
-      </pc:sldChg>
-      <pc:sldChg chg="modSp mod">
-        <pc:chgData name="Renaud Leroy" userId="135fb8da-5d77-4f74-8269-9536d61f18e3" providerId="ADAL" clId="{E78863E9-63F1-4351-B732-0F17272A4588}" dt="2025-10-17T05:33:53.716" v="531" actId="20577"/>
-        <pc:sldMkLst>
-          <pc:docMk/>
-          <pc:sldMk cId="4286566524" sldId="298"/>
-        </pc:sldMkLst>
-        <pc:spChg chg="mod">
-          <ac:chgData name="Renaud Leroy" userId="135fb8da-5d77-4f74-8269-9536d61f18e3" providerId="ADAL" clId="{E78863E9-63F1-4351-B732-0F17272A4588}" dt="2025-10-17T05:33:53.716" v="531" actId="20577"/>
-          <ac:spMkLst>
-            <pc:docMk/>
-            <pc:sldMk cId="4286566524" sldId="298"/>
-            <ac:spMk id="3" creationId="{8AA2CD61-9F66-24DD-D34D-6E56967FEEAA}"/>
-          </ac:spMkLst>
-        </pc:spChg>
-      </pc:sldChg>
-      <pc:sldChg chg="modSp mod">
-        <pc:chgData name="Renaud Leroy" userId="135fb8da-5d77-4f74-8269-9536d61f18e3" providerId="ADAL" clId="{E78863E9-63F1-4351-B732-0F17272A4588}" dt="2025-10-17T05:37:59.568" v="644" actId="20577"/>
-        <pc:sldMkLst>
-          <pc:docMk/>
-          <pc:sldMk cId="3005535933" sldId="299"/>
-        </pc:sldMkLst>
-        <pc:spChg chg="mod">
-          <ac:chgData name="Renaud Leroy" userId="135fb8da-5d77-4f74-8269-9536d61f18e3" providerId="ADAL" clId="{E78863E9-63F1-4351-B732-0F17272A4588}" dt="2025-10-17T05:37:59.568" v="644" actId="20577"/>
-          <ac:spMkLst>
-            <pc:docMk/>
-            <pc:sldMk cId="3005535933" sldId="299"/>
-            <ac:spMk id="5" creationId="{CC30B339-17E8-3DC1-5998-6C8B1D75AEDF}"/>
-          </ac:spMkLst>
-        </pc:spChg>
-      </pc:sldChg>
-      <pc:sldChg chg="modSp mod">
-        <pc:chgData name="Renaud Leroy" userId="135fb8da-5d77-4f74-8269-9536d61f18e3" providerId="ADAL" clId="{E78863E9-63F1-4351-B732-0F17272A4588}" dt="2025-10-17T05:28:02.445" v="513" actId="948"/>
-        <pc:sldMkLst>
-          <pc:docMk/>
-          <pc:sldMk cId="1547160706" sldId="300"/>
-        </pc:sldMkLst>
-        <pc:spChg chg="mod">
-          <ac:chgData name="Renaud Leroy" userId="135fb8da-5d77-4f74-8269-9536d61f18e3" providerId="ADAL" clId="{E78863E9-63F1-4351-B732-0F17272A4588}" dt="2025-10-17T05:28:02.445" v="513" actId="948"/>
-          <ac:spMkLst>
-            <pc:docMk/>
-            <pc:sldMk cId="1547160706" sldId="300"/>
-            <ac:spMk id="3" creationId="{C836F053-5EF6-11BF-9078-583F9ADCB9CA}"/>
-          </ac:spMkLst>
-        </pc:spChg>
-      </pc:sldChg>
-      <pc:sldChg chg="modSp add mod">
-        <pc:chgData name="Renaud Leroy" userId="135fb8da-5d77-4f74-8269-9536d61f18e3" providerId="ADAL" clId="{E78863E9-63F1-4351-B732-0F17272A4588}" dt="2025-10-17T05:26:48.205" v="410" actId="20577"/>
-        <pc:sldMkLst>
-          <pc:docMk/>
-          <pc:sldMk cId="3570912639" sldId="313"/>
-        </pc:sldMkLst>
-        <pc:spChg chg="mod">
-          <ac:chgData name="Renaud Leroy" userId="135fb8da-5d77-4f74-8269-9536d61f18e3" providerId="ADAL" clId="{E78863E9-63F1-4351-B732-0F17272A4588}" dt="2025-10-17T05:23:32.622" v="37" actId="20577"/>
-          <ac:spMkLst>
-            <pc:docMk/>
-            <pc:sldMk cId="3570912639" sldId="313"/>
-            <ac:spMk id="2" creationId="{5C4E335F-8143-1B7C-7A2E-4CC72C386903}"/>
-          </ac:spMkLst>
-        </pc:spChg>
-        <pc:spChg chg="mod">
-          <ac:chgData name="Renaud Leroy" userId="135fb8da-5d77-4f74-8269-9536d61f18e3" providerId="ADAL" clId="{E78863E9-63F1-4351-B732-0F17272A4588}" dt="2025-10-17T05:26:48.205" v="410" actId="20577"/>
-          <ac:spMkLst>
-            <pc:docMk/>
-            <pc:sldMk cId="3570912639" sldId="313"/>
-            <ac:spMk id="3" creationId="{B9127A27-F7F7-2B91-6E98-C8B341DC6D11}"/>
-          </ac:spMkLst>
-        </pc:spChg>
-      </pc:sldChg>
-      <pc:sldChg chg="modSp add mod">
-        <pc:chgData name="Renaud Leroy" userId="135fb8da-5d77-4f74-8269-9536d61f18e3" providerId="ADAL" clId="{E78863E9-63F1-4351-B732-0F17272A4588}" dt="2025-10-17T05:35:52.627" v="634"/>
-        <pc:sldMkLst>
-          <pc:docMk/>
-          <pc:sldMk cId="723633610" sldId="314"/>
-        </pc:sldMkLst>
-        <pc:spChg chg="mod">
-          <ac:chgData name="Renaud Leroy" userId="135fb8da-5d77-4f74-8269-9536d61f18e3" providerId="ADAL" clId="{E78863E9-63F1-4351-B732-0F17272A4588}" dt="2025-10-17T05:35:52.627" v="634"/>
-          <ac:spMkLst>
-            <pc:docMk/>
-            <pc:sldMk cId="723633610" sldId="314"/>
-            <ac:spMk id="7" creationId="{A4C0ABFC-390F-8652-9867-86BB5B1305BF}"/>
-          </ac:spMkLst>
-        </pc:spChg>
-      </pc:sldChg>
-      <pc:sldChg chg="modSp add mod">
-        <pc:chgData name="Renaud Leroy" userId="135fb8da-5d77-4f74-8269-9536d61f18e3" providerId="ADAL" clId="{E78863E9-63F1-4351-B732-0F17272A4588}" dt="2025-10-17T07:21:26.736" v="2171" actId="948"/>
-        <pc:sldMkLst>
-          <pc:docMk/>
-          <pc:sldMk cId="3905181089" sldId="315"/>
-        </pc:sldMkLst>
-        <pc:spChg chg="mod">
-          <ac:chgData name="Renaud Leroy" userId="135fb8da-5d77-4f74-8269-9536d61f18e3" providerId="ADAL" clId="{E78863E9-63F1-4351-B732-0F17272A4588}" dt="2025-10-17T07:21:26.736" v="2171" actId="948"/>
-          <ac:spMkLst>
-            <pc:docMk/>
-            <pc:sldMk cId="3905181089" sldId="315"/>
-            <ac:spMk id="3" creationId="{3990D63E-44AA-6C52-D944-9C824DAE8E09}"/>
-          </ac:spMkLst>
-        </pc:spChg>
-      </pc:sldChg>
       <pc:sldChg chg="addSp modSp new mod">
         <pc:chgData name="Renaud Leroy" userId="135fb8da-5d77-4f74-8269-9536d61f18e3" providerId="ADAL" clId="{E78863E9-63F1-4351-B732-0F17272A4588}" dt="2025-10-24T05:45:55.425" v="2528" actId="1076"/>
         <pc:sldMkLst>
@@ -445,7 +317,7 @@
         </pc:spChg>
       </pc:sldChg>
       <pc:sldChg chg="modSp new mod">
-        <pc:chgData name="Renaud Leroy" userId="135fb8da-5d77-4f74-8269-9536d61f18e3" providerId="ADAL" clId="{E78863E9-63F1-4351-B732-0F17272A4588}" dt="2025-10-24T08:39:01.100" v="4406" actId="20577"/>
+        <pc:chgData name="Renaud Leroy" userId="135fb8da-5d77-4f74-8269-9536d61f18e3" providerId="ADAL" clId="{E78863E9-63F1-4351-B732-0F17272A4588}" dt="2025-11-21T09:19:24.655" v="5848" actId="20577"/>
         <pc:sldMkLst>
           <pc:docMk/>
           <pc:sldMk cId="139032914" sldId="321"/>
@@ -459,142 +331,13 @@
           </ac:spMkLst>
         </pc:spChg>
         <pc:spChg chg="mod">
-          <ac:chgData name="Renaud Leroy" userId="135fb8da-5d77-4f74-8269-9536d61f18e3" providerId="ADAL" clId="{E78863E9-63F1-4351-B732-0F17272A4588}" dt="2025-10-24T08:39:01.100" v="4406" actId="20577"/>
+          <ac:chgData name="Renaud Leroy" userId="135fb8da-5d77-4f74-8269-9536d61f18e3" providerId="ADAL" clId="{E78863E9-63F1-4351-B732-0F17272A4588}" dt="2025-11-21T09:19:24.655" v="5848" actId="20577"/>
           <ac:spMkLst>
             <pc:docMk/>
             <pc:sldMk cId="139032914" sldId="321"/>
             <ac:spMk id="3" creationId="{14460292-D92F-C071-EBF5-FC84552BFC8B}"/>
           </ac:spMkLst>
         </pc:spChg>
-      </pc:sldChg>
-    </pc:docChg>
-  </pc:docChgLst>
-  <pc:docChgLst>
-    <pc:chgData name="Renaud Leroy" userId="135fb8da-5d77-4f74-8269-9536d61f18e3" providerId="ADAL" clId="{35D616E2-1085-46FA-B45A-8B1B4B6E2F4B}"/>
-    <pc:docChg chg="undo redo custSel addSld delSld modSld">
-      <pc:chgData name="Renaud Leroy" userId="135fb8da-5d77-4f74-8269-9536d61f18e3" providerId="ADAL" clId="{35D616E2-1085-46FA-B45A-8B1B4B6E2F4B}" dt="2025-10-10T05:57:19.213" v="1022" actId="47"/>
-      <pc:docMkLst>
-        <pc:docMk/>
-      </pc:docMkLst>
-      <pc:sldChg chg="modSp mod">
-        <pc:chgData name="Renaud Leroy" userId="135fb8da-5d77-4f74-8269-9536d61f18e3" providerId="ADAL" clId="{35D616E2-1085-46FA-B45A-8B1B4B6E2F4B}" dt="2025-10-10T05:56:37.641" v="1021" actId="20577"/>
-        <pc:sldMkLst>
-          <pc:docMk/>
-          <pc:sldMk cId="1472645518" sldId="293"/>
-        </pc:sldMkLst>
-        <pc:spChg chg="mod">
-          <ac:chgData name="Renaud Leroy" userId="135fb8da-5d77-4f74-8269-9536d61f18e3" providerId="ADAL" clId="{35D616E2-1085-46FA-B45A-8B1B4B6E2F4B}" dt="2025-10-10T05:56:37.641" v="1021" actId="20577"/>
-          <ac:spMkLst>
-            <pc:docMk/>
-            <pc:sldMk cId="1472645518" sldId="293"/>
-            <ac:spMk id="3" creationId="{C0C7DA2F-B487-D715-97AA-0F61AA2BE5F7}"/>
-          </ac:spMkLst>
-        </pc:spChg>
-      </pc:sldChg>
-      <pc:sldChg chg="modSp mod">
-        <pc:chgData name="Renaud Leroy" userId="135fb8da-5d77-4f74-8269-9536d61f18e3" providerId="ADAL" clId="{35D616E2-1085-46FA-B45A-8B1B4B6E2F4B}" dt="2025-10-10T05:56:04.698" v="978" actId="20577"/>
-        <pc:sldMkLst>
-          <pc:docMk/>
-          <pc:sldMk cId="1547160706" sldId="300"/>
-        </pc:sldMkLst>
-        <pc:spChg chg="mod">
-          <ac:chgData name="Renaud Leroy" userId="135fb8da-5d77-4f74-8269-9536d61f18e3" providerId="ADAL" clId="{35D616E2-1085-46FA-B45A-8B1B4B6E2F4B}" dt="2025-10-10T05:56:04.698" v="978" actId="20577"/>
-          <ac:spMkLst>
-            <pc:docMk/>
-            <pc:sldMk cId="1547160706" sldId="300"/>
-            <ac:spMk id="3" creationId="{C836F053-5EF6-11BF-9078-583F9ADCB9CA}"/>
-          </ac:spMkLst>
-        </pc:spChg>
-      </pc:sldChg>
-      <pc:sldChg chg="del">
-        <pc:chgData name="Renaud Leroy" userId="135fb8da-5d77-4f74-8269-9536d61f18e3" providerId="ADAL" clId="{35D616E2-1085-46FA-B45A-8B1B4B6E2F4B}" dt="2025-10-10T05:57:19.213" v="1022" actId="47"/>
-        <pc:sldMkLst>
-          <pc:docMk/>
-          <pc:sldMk cId="69329851" sldId="302"/>
-        </pc:sldMkLst>
-      </pc:sldChg>
-      <pc:sldChg chg="modSp mod">
-        <pc:chgData name="Renaud Leroy" userId="135fb8da-5d77-4f74-8269-9536d61f18e3" providerId="ADAL" clId="{35D616E2-1085-46FA-B45A-8B1B4B6E2F4B}" dt="2025-10-10T05:31:32.376" v="453" actId="20577"/>
-        <pc:sldMkLst>
-          <pc:docMk/>
-          <pc:sldMk cId="3466630859" sldId="305"/>
-        </pc:sldMkLst>
-        <pc:spChg chg="mod">
-          <ac:chgData name="Renaud Leroy" userId="135fb8da-5d77-4f74-8269-9536d61f18e3" providerId="ADAL" clId="{35D616E2-1085-46FA-B45A-8B1B4B6E2F4B}" dt="2025-10-10T05:31:32.376" v="453" actId="20577"/>
-          <ac:spMkLst>
-            <pc:docMk/>
-            <pc:sldMk cId="3466630859" sldId="305"/>
-            <ac:spMk id="3" creationId="{63C23151-D61C-FF5B-E4F5-55F973585E16}"/>
-          </ac:spMkLst>
-        </pc:spChg>
-      </pc:sldChg>
-      <pc:sldChg chg="modSp mod">
-        <pc:chgData name="Renaud Leroy" userId="135fb8da-5d77-4f74-8269-9536d61f18e3" providerId="ADAL" clId="{35D616E2-1085-46FA-B45A-8B1B4B6E2F4B}" dt="2025-10-10T05:44:18.612" v="802" actId="20577"/>
-        <pc:sldMkLst>
-          <pc:docMk/>
-          <pc:sldMk cId="1178364668" sldId="307"/>
-        </pc:sldMkLst>
-        <pc:spChg chg="mod">
-          <ac:chgData name="Renaud Leroy" userId="135fb8da-5d77-4f74-8269-9536d61f18e3" providerId="ADAL" clId="{35D616E2-1085-46FA-B45A-8B1B4B6E2F4B}" dt="2025-10-10T05:31:42.173" v="463" actId="20577"/>
-          <ac:spMkLst>
-            <pc:docMk/>
-            <pc:sldMk cId="1178364668" sldId="307"/>
-            <ac:spMk id="2" creationId="{EE97D044-1506-7668-1ACE-B541FF5361FD}"/>
-          </ac:spMkLst>
-        </pc:spChg>
-        <pc:spChg chg="mod">
-          <ac:chgData name="Renaud Leroy" userId="135fb8da-5d77-4f74-8269-9536d61f18e3" providerId="ADAL" clId="{35D616E2-1085-46FA-B45A-8B1B4B6E2F4B}" dt="2025-10-10T05:44:18.612" v="802" actId="20577"/>
-          <ac:spMkLst>
-            <pc:docMk/>
-            <pc:sldMk cId="1178364668" sldId="307"/>
-            <ac:spMk id="3" creationId="{E57CB285-4E52-D8FC-8EF9-A7D1133C8F68}"/>
-          </ac:spMkLst>
-        </pc:spChg>
-      </pc:sldChg>
-      <pc:sldChg chg="modSp mod">
-        <pc:chgData name="Renaud Leroy" userId="135fb8da-5d77-4f74-8269-9536d61f18e3" providerId="ADAL" clId="{35D616E2-1085-46FA-B45A-8B1B4B6E2F4B}" dt="2025-10-10T05:51:11.273" v="922" actId="20577"/>
-        <pc:sldMkLst>
-          <pc:docMk/>
-          <pc:sldMk cId="3441298857" sldId="309"/>
-        </pc:sldMkLst>
-        <pc:spChg chg="mod">
-          <ac:chgData name="Renaud Leroy" userId="135fb8da-5d77-4f74-8269-9536d61f18e3" providerId="ADAL" clId="{35D616E2-1085-46FA-B45A-8B1B4B6E2F4B}" dt="2025-10-10T04:37:52.079" v="267" actId="1076"/>
-          <ac:spMkLst>
-            <pc:docMk/>
-            <pc:sldMk cId="3441298857" sldId="309"/>
-            <ac:spMk id="2" creationId="{4A29AC2E-AC31-2BAB-D3C9-A99F54669462}"/>
-          </ac:spMkLst>
-        </pc:spChg>
-        <pc:spChg chg="mod">
-          <ac:chgData name="Renaud Leroy" userId="135fb8da-5d77-4f74-8269-9536d61f18e3" providerId="ADAL" clId="{35D616E2-1085-46FA-B45A-8B1B4B6E2F4B}" dt="2025-10-10T05:51:11.273" v="922" actId="20577"/>
-          <ac:spMkLst>
-            <pc:docMk/>
-            <pc:sldMk cId="3441298857" sldId="309"/>
-            <ac:spMk id="3" creationId="{9DCC9DD8-C103-04AB-47A5-42AAAB7E1207}"/>
-          </ac:spMkLst>
-        </pc:spChg>
-      </pc:sldChg>
-      <pc:sldChg chg="modSp mod">
-        <pc:chgData name="Renaud Leroy" userId="135fb8da-5d77-4f74-8269-9536d61f18e3" providerId="ADAL" clId="{35D616E2-1085-46FA-B45A-8B1B4B6E2F4B}" dt="2025-10-10T05:53:25.651" v="923" actId="20577"/>
-        <pc:sldMkLst>
-          <pc:docMk/>
-          <pc:sldMk cId="2144668814" sldId="310"/>
-        </pc:sldMkLst>
-        <pc:spChg chg="mod">
-          <ac:chgData name="Renaud Leroy" userId="135fb8da-5d77-4f74-8269-9536d61f18e3" providerId="ADAL" clId="{35D616E2-1085-46FA-B45A-8B1B4B6E2F4B}" dt="2025-10-10T05:53:25.651" v="923" actId="20577"/>
-          <ac:spMkLst>
-            <pc:docMk/>
-            <pc:sldMk cId="2144668814" sldId="310"/>
-            <ac:spMk id="3" creationId="{6FB43E0E-C9ED-313F-1FB1-7F50DB877ABE}"/>
-          </ac:spMkLst>
-        </pc:spChg>
-      </pc:sldChg>
-      <pc:sldChg chg="add">
-        <pc:chgData name="Renaud Leroy" userId="135fb8da-5d77-4f74-8269-9536d61f18e3" providerId="ADAL" clId="{35D616E2-1085-46FA-B45A-8B1B4B6E2F4B}" dt="2025-10-10T05:31:37.174" v="454"/>
-        <pc:sldMkLst>
-          <pc:docMk/>
-          <pc:sldMk cId="4144912472" sldId="312"/>
-        </pc:sldMkLst>
       </pc:sldChg>
     </pc:docChg>
   </pc:docChgLst>
@@ -685,7 +428,7 @@
             <a:pPr rtl="0"/>
             <a:fld id="{5A14EC35-A083-4CA2-A629-54FB374745AC}" type="datetime1">
               <a:rPr lang="nl-NL" smtClean="0"/>
-              <a:t>24-10-2025</a:t>
+              <a:t>21-11-2025</a:t>
             </a:fld>
             <a:endParaRPr lang="en-US" dirty="0"/>
           </a:p>
@@ -855,7 +598,7 @@
             <a:pPr rtl="0"/>
             <a:fld id="{B32F82C2-DE9F-479D-95B3-30B2F9C315A1}" type="datetime1">
               <a:rPr lang="nl-NL" smtClean="0"/>
-              <a:t>24-10-2025</a:t>
+              <a:t>21-11-2025</a:t>
             </a:fld>
             <a:endParaRPr lang="en-US"/>
           </a:p>
@@ -1376,7 +1119,7 @@
             <a:pPr rtl="0"/>
             <a:fld id="{A83A1771-3711-4549-B223-6BFD613711ED}" type="datetime1">
               <a:rPr lang="nl-NL" smtClean="0"/>
-              <a:t>24-10-2025</a:t>
+              <a:t>21-11-2025</a:t>
             </a:fld>
             <a:endParaRPr lang="en-US" dirty="0"/>
           </a:p>
@@ -1583,7 +1326,7 @@
             <a:pPr rtl="0"/>
             <a:fld id="{D08EE877-7E72-4A3F-BF87-CE406B3EE1C5}" type="datetime1">
               <a:rPr lang="nl-NL" smtClean="0"/>
-              <a:t>24-10-2025</a:t>
+              <a:t>21-11-2025</a:t>
             </a:fld>
             <a:endParaRPr lang="en-US" dirty="0"/>
           </a:p>
@@ -1949,7 +1692,7 @@
             <a:pPr rtl="0"/>
             <a:fld id="{4CC54E9F-8ACA-4714-84BB-74BA71865A3C}" type="datetime1">
               <a:rPr lang="nl-NL" smtClean="0"/>
-              <a:t>24-10-2025</a:t>
+              <a:t>21-11-2025</a:t>
             </a:fld>
             <a:endParaRPr lang="en-US" dirty="0"/>
           </a:p>
@@ -2195,6 +1938,13 @@
             <a:schemeClr val="lt1"/>
           </a:fontRef>
         </p:style>
+        <p:txBody>
+          <a:bodyPr/>
+          <a:lstStyle/>
+          <a:p>
+            <a:endParaRPr lang="nl-BE"/>
+          </a:p>
+        </p:txBody>
       </p:sp>
       <p:sp>
         <p:nvSpPr>
@@ -2381,7 +2131,7 @@
             <a:pPr rtl="0"/>
             <a:fld id="{66D3D282-C61A-41D7-9714-7814FA67361E}" type="datetime1">
               <a:rPr lang="nl-NL" smtClean="0"/>
-              <a:t>24-10-2025</a:t>
+              <a:t>21-11-2025</a:t>
             </a:fld>
             <a:endParaRPr lang="en-US" dirty="0"/>
           </a:p>
@@ -2638,7 +2388,7 @@
             <a:pPr rtl="0"/>
             <a:fld id="{55CAE64B-8D6D-4B8F-BAE1-453EBC33DDBA}" type="datetime1">
               <a:rPr lang="nl-NL" smtClean="0"/>
-              <a:t>24-10-2025</a:t>
+              <a:t>21-11-2025</a:t>
             </a:fld>
             <a:endParaRPr lang="en-US" dirty="0"/>
           </a:p>
@@ -3064,7 +2814,7 @@
             <a:pPr rtl="0"/>
             <a:fld id="{7DD41833-08F9-41B2-81FC-2883EDAAEF19}" type="datetime1">
               <a:rPr lang="nl-NL" smtClean="0"/>
-              <a:t>24-10-2025</a:t>
+              <a:t>21-11-2025</a:t>
             </a:fld>
             <a:endParaRPr lang="en-US" dirty="0"/>
           </a:p>
@@ -3191,7 +2941,7 @@
             <a:pPr rtl="0"/>
             <a:fld id="{5DC9B189-AE00-478F-84A9-63330A766802}" type="datetime1">
               <a:rPr lang="nl-NL" smtClean="0"/>
-              <a:t>24-10-2025</a:t>
+              <a:t>21-11-2025</a:t>
             </a:fld>
             <a:endParaRPr lang="en-US" dirty="0"/>
           </a:p>
@@ -3289,7 +3039,7 @@
             <a:pPr rtl="0"/>
             <a:fld id="{C4D93972-B93F-42C7-B487-83AAA3F36605}" type="datetime1">
               <a:rPr lang="nl-NL" smtClean="0"/>
-              <a:t>24-10-2025</a:t>
+              <a:t>21-11-2025</a:t>
             </a:fld>
             <a:endParaRPr lang="en-US" dirty="0"/>
           </a:p>
@@ -3670,7 +3420,7 @@
             <a:pPr rtl="0"/>
             <a:fld id="{41CBEB4C-81CC-455E-9331-682EF29A1EAB}" type="datetime1">
               <a:rPr lang="nl-NL" smtClean="0"/>
-              <a:t>24-10-2025</a:t>
+              <a:t>21-11-2025</a:t>
             </a:fld>
             <a:endParaRPr lang="en-US" dirty="0"/>
           </a:p>
@@ -3968,7 +3718,7 @@
             <a:pPr rtl="0"/>
             <a:fld id="{87691925-8A1E-4010-8BF9-64E08633B604}" type="datetime1">
               <a:rPr lang="nl-NL" smtClean="0"/>
-              <a:t>24-10-2025</a:t>
+              <a:t>21-11-2025</a:t>
             </a:fld>
             <a:endParaRPr lang="en-US" dirty="0"/>
           </a:p>
@@ -4186,7 +3936,7 @@
             <a:pPr rtl="0"/>
             <a:fld id="{18D3FD7C-4B51-47DA-BCF4-68F2F2963CDA}" type="datetime1">
               <a:rPr lang="nl-NL" smtClean="0"/>
-              <a:t>24-10-2025</a:t>
+              <a:t>21-11-2025</a:t>
             </a:fld>
             <a:endParaRPr lang="en-US" dirty="0"/>
           </a:p>
@@ -8257,7 +8007,7 @@
             <a:pPr rtl="0"/>
             <a:fld id="{66D3D282-C61A-41D7-9714-7814FA67361E}" type="datetime1">
               <a:rPr lang="nl-NL" smtClean="0"/>
-              <a:t>24-10-2025</a:t>
+              <a:t>21-11-2025</a:t>
             </a:fld>
             <a:endParaRPr lang="en-US" dirty="0"/>
           </a:p>
@@ -11335,7 +11085,7 @@
             <a:pPr rtl="0"/>
             <a:fld id="{66D3D282-C61A-41D7-9714-7814FA67361E}" type="datetime1">
               <a:rPr lang="nl-NL" smtClean="0"/>
-              <a:t>24-10-2025</a:t>
+              <a:t>21-11-2025</a:t>
             </a:fld>
             <a:endParaRPr lang="en-US" dirty="0"/>
           </a:p>
@@ -17238,7 +16988,7 @@
             <a:pPr rtl="0"/>
             <a:fld id="{66D3D282-C61A-41D7-9714-7814FA67361E}" type="datetime1">
               <a:rPr lang="nl-NL" smtClean="0"/>
-              <a:t>24-10-2025</a:t>
+              <a:t>21-11-2025</a:t>
             </a:fld>
             <a:endParaRPr lang="en-US" dirty="0"/>
           </a:p>
@@ -23024,10 +22774,120 @@
         </p:nvSpPr>
         <p:spPr/>
         <p:txBody>
-          <a:bodyPr/>
+          <a:bodyPr>
+            <a:normAutofit fontScale="92500" lnSpcReduction="20000"/>
+          </a:bodyPr>
           <a:lstStyle/>
           <a:p>
+            <a:r>
+              <a:rPr lang="nl-BE" dirty="0"/>
+              <a:t>Maak een website waarbij je een knop hebt. Als je op deze knop klikt, komt er een p-element met hierin de tekst “Nog een lijntje…”.</a:t>
+            </a:r>
+          </a:p>
+          <a:p>
+            <a:r>
+              <a:rPr lang="nl-BE" dirty="0"/>
+              <a:t>Maak een website waarbij je de tekst “Kom hier” hebt. Als je muis hieronder beweegt (</a:t>
+            </a:r>
+            <a:r>
+              <a:rPr lang="nl-BE" dirty="0" err="1"/>
+              <a:t>onmouseenter</a:t>
+            </a:r>
+            <a:r>
+              <a:rPr lang="nl-BE" dirty="0"/>
+              <a:t>), moet je een afbeelding bijplaatsen op het scherm: </a:t>
+            </a:r>
+            <a:r>
+              <a:rPr lang="nl-BE" dirty="0">
+                <a:hlinkClick r:id="rId2"/>
+              </a:rPr>
+              <a:t>https://i.etsystatic.com/45893541/r/il/1c99f4/6502057335/il_570xN.6502057335_sxha.jpg</a:t>
+            </a:r>
+            <a:r>
+              <a:rPr lang="nl-BE" dirty="0"/>
+              <a:t> </a:t>
+            </a:r>
+          </a:p>
+          <a:p>
+            <a:r>
+              <a:rPr lang="nl-BE" dirty="0"/>
+              <a:t>Maak een website waarbij je een ongeordende lijst hebt. Boven deze lijst staat een knop. Iedere keer als je op de lijst klikt, komt er een nieuw item bij, met hierin het hoeveelste keer dat je de knop hebt aangeklikt (1</a:t>
+            </a:r>
+            <a:r>
+              <a:rPr lang="nl-BE" baseline="30000" dirty="0"/>
+              <a:t>e</a:t>
+            </a:r>
+            <a:r>
+              <a:rPr lang="nl-BE" dirty="0"/>
+              <a:t>, 2</a:t>
+            </a:r>
+            <a:r>
+              <a:rPr lang="nl-BE" baseline="30000" dirty="0"/>
+              <a:t>e</a:t>
+            </a:r>
+            <a:r>
+              <a:rPr lang="nl-BE" dirty="0"/>
+              <a:t>, 3</a:t>
+            </a:r>
+            <a:r>
+              <a:rPr lang="nl-BE" baseline="30000" dirty="0"/>
+              <a:t>e</a:t>
+            </a:r>
+            <a:r>
+              <a:rPr lang="nl-BE" dirty="0"/>
+              <a:t>, 4</a:t>
+            </a:r>
+            <a:r>
+              <a:rPr lang="nl-BE" baseline="30000" dirty="0"/>
+              <a:t>e</a:t>
+            </a:r>
+            <a:r>
+              <a:rPr lang="nl-BE" dirty="0"/>
+              <a:t>, …). Tip: gebruik </a:t>
+            </a:r>
+            <a:r>
+              <a:rPr lang="nl-BE" dirty="0" err="1"/>
+              <a:t>parseInt</a:t>
+            </a:r>
+            <a:r>
+              <a:rPr lang="nl-BE" dirty="0"/>
+              <a:t>() om een string in </a:t>
+            </a:r>
+            <a:r>
+              <a:rPr lang="nl-BE"/>
+              <a:t>een integer om te vormen.</a:t>
+            </a:r>
             <a:endParaRPr lang="nl-BE" dirty="0"/>
+          </a:p>
+          <a:p>
+            <a:r>
+              <a:rPr lang="nl-BE" dirty="0"/>
+              <a:t>Pas </a:t>
+            </a:r>
+            <a:r>
+              <a:rPr lang="nl-BE" i="1" dirty="0"/>
+              <a:t>Toets </a:t>
+            </a:r>
+            <a:r>
+              <a:rPr lang="nl-BE" i="1" dirty="0" err="1"/>
+              <a:t>QuerySelector</a:t>
+            </a:r>
+            <a:r>
+              <a:rPr lang="nl-BE" i="1" dirty="0"/>
+              <a:t>: oefening 1</a:t>
+            </a:r>
+            <a:r>
+              <a:rPr lang="nl-BE" dirty="0"/>
+              <a:t> aan. Zorg ervoor dat je bovenaan een div hebt met hierin een tabel. Deze tabel bevat 2 kolommen, met in de linker kolom labels (span) en in de recht kolom invoervelden (input type=“</a:t>
+            </a:r>
+            <a:r>
+              <a:rPr lang="nl-BE" dirty="0" err="1"/>
+              <a:t>text</a:t>
+            </a:r>
+            <a:r>
+              <a:rPr lang="nl-BE" dirty="0"/>
+              <a:t>“ /&gt;). Je maakt invoervelden voor de titel van een film, de beschrijving van een film en de classlist van een film op te slaan. Onder de tabel voorzie je een knop die, wanneer je hierop klikt, een nieuwe div aanmaakt met de ingegeven data. Deze komt dan onderaan de andere films te staan.</a:t>
+            </a:r>
           </a:p>
         </p:txBody>
       </p:sp>

--- a/Webdesign.pptx
+++ b/Webdesign.pptx
@@ -197,122 +197,22 @@
   <pc:docChgLst>
     <pc:chgData name="Renaud Leroy" userId="135fb8da-5d77-4f74-8269-9536d61f18e3" providerId="ADAL" clId="{E78863E9-63F1-4351-B732-0F17272A4588}"/>
     <pc:docChg chg="undo custSel addSld modSld">
-      <pc:chgData name="Renaud Leroy" userId="135fb8da-5d77-4f74-8269-9536d61f18e3" providerId="ADAL" clId="{E78863E9-63F1-4351-B732-0F17272A4588}" dt="2025-11-21T09:19:24.655" v="5848" actId="20577"/>
+      <pc:chgData name="Renaud Leroy" userId="135fb8da-5d77-4f74-8269-9536d61f18e3" providerId="ADAL" clId="{E78863E9-63F1-4351-B732-0F17272A4588}" dt="2025-11-28T08:13:12.516" v="6089" actId="20577"/>
       <pc:docMkLst>
         <pc:docMk/>
       </pc:docMkLst>
-      <pc:sldChg chg="addSp modSp new mod">
-        <pc:chgData name="Renaud Leroy" userId="135fb8da-5d77-4f74-8269-9536d61f18e3" providerId="ADAL" clId="{E78863E9-63F1-4351-B732-0F17272A4588}" dt="2025-10-24T05:45:55.425" v="2528" actId="1076"/>
+      <pc:sldChg chg="modSp mod">
+        <pc:chgData name="Renaud Leroy" userId="135fb8da-5d77-4f74-8269-9536d61f18e3" providerId="ADAL" clId="{E78863E9-63F1-4351-B732-0F17272A4588}" dt="2025-11-28T08:13:12.516" v="6089" actId="20577"/>
         <pc:sldMkLst>
           <pc:docMk/>
-          <pc:sldMk cId="2081355932" sldId="316"/>
+          <pc:sldMk cId="1547160706" sldId="300"/>
         </pc:sldMkLst>
         <pc:spChg chg="mod">
-          <ac:chgData name="Renaud Leroy" userId="135fb8da-5d77-4f74-8269-9536d61f18e3" providerId="ADAL" clId="{E78863E9-63F1-4351-B732-0F17272A4588}" dt="2025-10-24T04:27:55.617" v="2200" actId="20577"/>
+          <ac:chgData name="Renaud Leroy" userId="135fb8da-5d77-4f74-8269-9536d61f18e3" providerId="ADAL" clId="{E78863E9-63F1-4351-B732-0F17272A4588}" dt="2025-11-28T08:13:12.516" v="6089" actId="20577"/>
           <ac:spMkLst>
             <pc:docMk/>
-            <pc:sldMk cId="2081355932" sldId="316"/>
-            <ac:spMk id="2" creationId="{8FBAE5E5-4D22-4F1E-1CCE-D0AA68193EC9}"/>
-          </ac:spMkLst>
-        </pc:spChg>
-        <pc:spChg chg="mod">
-          <ac:chgData name="Renaud Leroy" userId="135fb8da-5d77-4f74-8269-9536d61f18e3" providerId="ADAL" clId="{E78863E9-63F1-4351-B732-0F17272A4588}" dt="2025-10-24T05:45:29.039" v="2526" actId="20577"/>
-          <ac:spMkLst>
-            <pc:docMk/>
-            <pc:sldMk cId="2081355932" sldId="316"/>
-            <ac:spMk id="3" creationId="{E1516883-9243-7775-47B4-C2F68EAE7D57}"/>
-          </ac:spMkLst>
-        </pc:spChg>
-        <pc:picChg chg="add mod">
-          <ac:chgData name="Renaud Leroy" userId="135fb8da-5d77-4f74-8269-9536d61f18e3" providerId="ADAL" clId="{E78863E9-63F1-4351-B732-0F17272A4588}" dt="2025-10-24T05:45:55.425" v="2528" actId="1076"/>
-          <ac:picMkLst>
-            <pc:docMk/>
-            <pc:sldMk cId="2081355932" sldId="316"/>
-            <ac:picMk id="5" creationId="{41231BCC-AC2E-95B7-4BE8-FF7176640E32}"/>
-          </ac:picMkLst>
-        </pc:picChg>
-      </pc:sldChg>
-      <pc:sldChg chg="modSp new mod">
-        <pc:chgData name="Renaud Leroy" userId="135fb8da-5d77-4f74-8269-9536d61f18e3" providerId="ADAL" clId="{E78863E9-63F1-4351-B732-0F17272A4588}" dt="2025-10-24T05:51:31.548" v="2923" actId="20577"/>
-        <pc:sldMkLst>
-          <pc:docMk/>
-          <pc:sldMk cId="1121136724" sldId="317"/>
-        </pc:sldMkLst>
-        <pc:spChg chg="mod">
-          <ac:chgData name="Renaud Leroy" userId="135fb8da-5d77-4f74-8269-9536d61f18e3" providerId="ADAL" clId="{E78863E9-63F1-4351-B732-0F17272A4588}" dt="2025-10-24T05:48:41.840" v="2768" actId="20577"/>
-          <ac:spMkLst>
-            <pc:docMk/>
-            <pc:sldMk cId="1121136724" sldId="317"/>
-            <ac:spMk id="2" creationId="{AA871537-1A64-BEFD-2571-A48171A36042}"/>
-          </ac:spMkLst>
-        </pc:spChg>
-        <pc:spChg chg="mod">
-          <ac:chgData name="Renaud Leroy" userId="135fb8da-5d77-4f74-8269-9536d61f18e3" providerId="ADAL" clId="{E78863E9-63F1-4351-B732-0F17272A4588}" dt="2025-10-24T05:51:31.548" v="2923" actId="20577"/>
-          <ac:spMkLst>
-            <pc:docMk/>
-            <pc:sldMk cId="1121136724" sldId="317"/>
-            <ac:spMk id="3" creationId="{24292FD7-4DFD-2DAC-B075-5752F62F502D}"/>
-          </ac:spMkLst>
-        </pc:spChg>
-      </pc:sldChg>
-      <pc:sldChg chg="modSp new mod">
-        <pc:chgData name="Renaud Leroy" userId="135fb8da-5d77-4f74-8269-9536d61f18e3" providerId="ADAL" clId="{E78863E9-63F1-4351-B732-0F17272A4588}" dt="2025-10-24T07:14:33.513" v="3903" actId="20577"/>
-        <pc:sldMkLst>
-          <pc:docMk/>
-          <pc:sldMk cId="1886517046" sldId="318"/>
-        </pc:sldMkLst>
-        <pc:spChg chg="mod">
-          <ac:chgData name="Renaud Leroy" userId="135fb8da-5d77-4f74-8269-9536d61f18e3" providerId="ADAL" clId="{E78863E9-63F1-4351-B732-0F17272A4588}" dt="2025-10-24T05:51:47.262" v="2934" actId="20577"/>
-          <ac:spMkLst>
-            <pc:docMk/>
-            <pc:sldMk cId="1886517046" sldId="318"/>
-            <ac:spMk id="2" creationId="{4BC1D566-3060-DEA4-D3E5-AE08E6AAF4E3}"/>
-          </ac:spMkLst>
-        </pc:spChg>
-        <pc:spChg chg="mod">
-          <ac:chgData name="Renaud Leroy" userId="135fb8da-5d77-4f74-8269-9536d61f18e3" providerId="ADAL" clId="{E78863E9-63F1-4351-B732-0F17272A4588}" dt="2025-10-24T07:14:33.513" v="3903" actId="20577"/>
-          <ac:spMkLst>
-            <pc:docMk/>
-            <pc:sldMk cId="1886517046" sldId="318"/>
-            <ac:spMk id="3" creationId="{CB7B76A4-B65F-B896-47D8-308C35585AB6}"/>
-          </ac:spMkLst>
-        </pc:spChg>
-      </pc:sldChg>
-      <pc:sldChg chg="modSp new mod">
-        <pc:chgData name="Renaud Leroy" userId="135fb8da-5d77-4f74-8269-9536d61f18e3" providerId="ADAL" clId="{E78863E9-63F1-4351-B732-0F17272A4588}" dt="2025-10-24T07:45:29.449" v="4299" actId="948"/>
-        <pc:sldMkLst>
-          <pc:docMk/>
-          <pc:sldMk cId="3634513009" sldId="319"/>
-        </pc:sldMkLst>
-        <pc:spChg chg="mod">
-          <ac:chgData name="Renaud Leroy" userId="135fb8da-5d77-4f74-8269-9536d61f18e3" providerId="ADAL" clId="{E78863E9-63F1-4351-B732-0F17272A4588}" dt="2025-10-24T07:41:46.641" v="4066" actId="20577"/>
-          <ac:spMkLst>
-            <pc:docMk/>
-            <pc:sldMk cId="3634513009" sldId="319"/>
-            <ac:spMk id="2" creationId="{FA38EAA5-443A-8113-21C2-65B0A465F03F}"/>
-          </ac:spMkLst>
-        </pc:spChg>
-        <pc:spChg chg="mod">
-          <ac:chgData name="Renaud Leroy" userId="135fb8da-5d77-4f74-8269-9536d61f18e3" providerId="ADAL" clId="{E78863E9-63F1-4351-B732-0F17272A4588}" dt="2025-10-24T07:45:29.449" v="4299" actId="948"/>
-          <ac:spMkLst>
-            <pc:docMk/>
-            <pc:sldMk cId="3634513009" sldId="319"/>
-            <ac:spMk id="3" creationId="{47A9FE3F-2D5C-64B5-498E-8A9BA525083E}"/>
-          </ac:spMkLst>
-        </pc:spChg>
-      </pc:sldChg>
-      <pc:sldChg chg="modSp add mod">
-        <pc:chgData name="Renaud Leroy" userId="135fb8da-5d77-4f74-8269-9536d61f18e3" providerId="ADAL" clId="{E78863E9-63F1-4351-B732-0F17272A4588}" dt="2025-10-24T07:47:33.202" v="4338" actId="2711"/>
-        <pc:sldMkLst>
-          <pc:docMk/>
-          <pc:sldMk cId="2195352514" sldId="320"/>
-        </pc:sldMkLst>
-        <pc:spChg chg="mod">
-          <ac:chgData name="Renaud Leroy" userId="135fb8da-5d77-4f74-8269-9536d61f18e3" providerId="ADAL" clId="{E78863E9-63F1-4351-B732-0F17272A4588}" dt="2025-10-24T07:47:33.202" v="4338" actId="2711"/>
-          <ac:spMkLst>
-            <pc:docMk/>
-            <pc:sldMk cId="2195352514" sldId="320"/>
-            <ac:spMk id="3" creationId="{58E1B305-EAD6-93B2-10CB-3581790B41DF}"/>
+            <pc:sldMk cId="1547160706" sldId="300"/>
+            <ac:spMk id="3" creationId="{C836F053-5EF6-11BF-9078-583F9ADCB9CA}"/>
           </ac:spMkLst>
         </pc:spChg>
       </pc:sldChg>
@@ -322,14 +222,6 @@
           <pc:docMk/>
           <pc:sldMk cId="139032914" sldId="321"/>
         </pc:sldMkLst>
-        <pc:spChg chg="mod">
-          <ac:chgData name="Renaud Leroy" userId="135fb8da-5d77-4f74-8269-9536d61f18e3" providerId="ADAL" clId="{E78863E9-63F1-4351-B732-0F17272A4588}" dt="2025-10-24T07:47:46.388" v="4347" actId="20577"/>
-          <ac:spMkLst>
-            <pc:docMk/>
-            <pc:sldMk cId="139032914" sldId="321"/>
-            <ac:spMk id="2" creationId="{869D75BB-70B7-DD2A-ACFC-1F56A2481650}"/>
-          </ac:spMkLst>
-        </pc:spChg>
         <pc:spChg chg="mod">
           <ac:chgData name="Renaud Leroy" userId="135fb8da-5d77-4f74-8269-9536d61f18e3" providerId="ADAL" clId="{E78863E9-63F1-4351-B732-0F17272A4588}" dt="2025-11-21T09:19:24.655" v="5848" actId="20577"/>
           <ac:spMkLst>
@@ -428,7 +320,7 @@
             <a:pPr rtl="0"/>
             <a:fld id="{5A14EC35-A083-4CA2-A629-54FB374745AC}" type="datetime1">
               <a:rPr lang="nl-NL" smtClean="0"/>
-              <a:t>21-11-2025</a:t>
+              <a:t>28-11-2025</a:t>
             </a:fld>
             <a:endParaRPr lang="en-US" dirty="0"/>
           </a:p>
@@ -598,7 +490,7 @@
             <a:pPr rtl="0"/>
             <a:fld id="{B32F82C2-DE9F-479D-95B3-30B2F9C315A1}" type="datetime1">
               <a:rPr lang="nl-NL" smtClean="0"/>
-              <a:t>21-11-2025</a:t>
+              <a:t>28-11-2025</a:t>
             </a:fld>
             <a:endParaRPr lang="en-US"/>
           </a:p>
@@ -1119,7 +1011,7 @@
             <a:pPr rtl="0"/>
             <a:fld id="{A83A1771-3711-4549-B223-6BFD613711ED}" type="datetime1">
               <a:rPr lang="nl-NL" smtClean="0"/>
-              <a:t>21-11-2025</a:t>
+              <a:t>28-11-2025</a:t>
             </a:fld>
             <a:endParaRPr lang="en-US" dirty="0"/>
           </a:p>
@@ -1326,7 +1218,7 @@
             <a:pPr rtl="0"/>
             <a:fld id="{D08EE877-7E72-4A3F-BF87-CE406B3EE1C5}" type="datetime1">
               <a:rPr lang="nl-NL" smtClean="0"/>
-              <a:t>21-11-2025</a:t>
+              <a:t>28-11-2025</a:t>
             </a:fld>
             <a:endParaRPr lang="en-US" dirty="0"/>
           </a:p>
@@ -1692,7 +1584,7 @@
             <a:pPr rtl="0"/>
             <a:fld id="{4CC54E9F-8ACA-4714-84BB-74BA71865A3C}" type="datetime1">
               <a:rPr lang="nl-NL" smtClean="0"/>
-              <a:t>21-11-2025</a:t>
+              <a:t>28-11-2025</a:t>
             </a:fld>
             <a:endParaRPr lang="en-US" dirty="0"/>
           </a:p>
@@ -2131,7 +2023,7 @@
             <a:pPr rtl="0"/>
             <a:fld id="{66D3D282-C61A-41D7-9714-7814FA67361E}" type="datetime1">
               <a:rPr lang="nl-NL" smtClean="0"/>
-              <a:t>21-11-2025</a:t>
+              <a:t>28-11-2025</a:t>
             </a:fld>
             <a:endParaRPr lang="en-US" dirty="0"/>
           </a:p>
@@ -2388,7 +2280,7 @@
             <a:pPr rtl="0"/>
             <a:fld id="{55CAE64B-8D6D-4B8F-BAE1-453EBC33DDBA}" type="datetime1">
               <a:rPr lang="nl-NL" smtClean="0"/>
-              <a:t>21-11-2025</a:t>
+              <a:t>28-11-2025</a:t>
             </a:fld>
             <a:endParaRPr lang="en-US" dirty="0"/>
           </a:p>
@@ -2814,7 +2706,7 @@
             <a:pPr rtl="0"/>
             <a:fld id="{7DD41833-08F9-41B2-81FC-2883EDAAEF19}" type="datetime1">
               <a:rPr lang="nl-NL" smtClean="0"/>
-              <a:t>21-11-2025</a:t>
+              <a:t>28-11-2025</a:t>
             </a:fld>
             <a:endParaRPr lang="en-US" dirty="0"/>
           </a:p>
@@ -2941,7 +2833,7 @@
             <a:pPr rtl="0"/>
             <a:fld id="{5DC9B189-AE00-478F-84A9-63330A766802}" type="datetime1">
               <a:rPr lang="nl-NL" smtClean="0"/>
-              <a:t>21-11-2025</a:t>
+              <a:t>28-11-2025</a:t>
             </a:fld>
             <a:endParaRPr lang="en-US" dirty="0"/>
           </a:p>
@@ -3039,7 +2931,7 @@
             <a:pPr rtl="0"/>
             <a:fld id="{C4D93972-B93F-42C7-B487-83AAA3F36605}" type="datetime1">
               <a:rPr lang="nl-NL" smtClean="0"/>
-              <a:t>21-11-2025</a:t>
+              <a:t>28-11-2025</a:t>
             </a:fld>
             <a:endParaRPr lang="en-US" dirty="0"/>
           </a:p>
@@ -3420,7 +3312,7 @@
             <a:pPr rtl="0"/>
             <a:fld id="{41CBEB4C-81CC-455E-9331-682EF29A1EAB}" type="datetime1">
               <a:rPr lang="nl-NL" smtClean="0"/>
-              <a:t>21-11-2025</a:t>
+              <a:t>28-11-2025</a:t>
             </a:fld>
             <a:endParaRPr lang="en-US" dirty="0"/>
           </a:p>
@@ -3718,7 +3610,7 @@
             <a:pPr rtl="0"/>
             <a:fld id="{87691925-8A1E-4010-8BF9-64E08633B604}" type="datetime1">
               <a:rPr lang="nl-NL" smtClean="0"/>
-              <a:t>21-11-2025</a:t>
+              <a:t>28-11-2025</a:t>
             </a:fld>
             <a:endParaRPr lang="en-US" dirty="0"/>
           </a:p>
@@ -3936,7 +3828,7 @@
             <a:pPr rtl="0"/>
             <a:fld id="{18D3FD7C-4B51-47DA-BCF4-68F2F2963CDA}" type="datetime1">
               <a:rPr lang="nl-NL" smtClean="0"/>
-              <a:t>21-11-2025</a:t>
+              <a:t>28-11-2025</a:t>
             </a:fld>
             <a:endParaRPr lang="en-US" dirty="0"/>
           </a:p>
@@ -8007,7 +7899,7 @@
             <a:pPr rtl="0"/>
             <a:fld id="{66D3D282-C61A-41D7-9714-7814FA67361E}" type="datetime1">
               <a:rPr lang="nl-NL" smtClean="0"/>
-              <a:t>21-11-2025</a:t>
+              <a:t>28-11-2025</a:t>
             </a:fld>
             <a:endParaRPr lang="en-US" dirty="0"/>
           </a:p>
@@ -11085,7 +10977,7 @@
             <a:pPr rtl="0"/>
             <a:fld id="{66D3D282-C61A-41D7-9714-7814FA67361E}" type="datetime1">
               <a:rPr lang="nl-NL" smtClean="0"/>
-              <a:t>21-11-2025</a:t>
+              <a:t>28-11-2025</a:t>
             </a:fld>
             <a:endParaRPr lang="en-US" dirty="0"/>
           </a:p>
@@ -16988,7 +16880,7 @@
             <a:pPr rtl="0"/>
             <a:fld id="{66D3D282-C61A-41D7-9714-7814FA67361E}" type="datetime1">
               <a:rPr lang="nl-NL" smtClean="0"/>
-              <a:t>21-11-2025</a:t>
+              <a:t>28-11-2025</a:t>
             </a:fld>
             <a:endParaRPr lang="en-US" dirty="0"/>
           </a:p>
@@ -19404,7 +19296,9 @@
         </p:nvSpPr>
         <p:spPr/>
         <p:txBody>
-          <a:bodyPr/>
+          <a:bodyPr>
+            <a:normAutofit fontScale="85000" lnSpcReduction="10000"/>
+          </a:bodyPr>
           <a:lstStyle/>
           <a:p>
             <a:pPr>
@@ -19432,17 +19326,22 @@
               </a:lnSpc>
             </a:pPr>
             <a:r>
-              <a:rPr lang="nl-BE" i="1" dirty="0" err="1"/>
-              <a:t>element.attribuut</a:t>
-            </a:r>
-            <a:r>
-              <a:rPr lang="nl-BE" i="1" dirty="0"/>
-              <a:t>								</a:t>
-            </a:r>
-            <a:r>
-              <a:rPr lang="nl-BE" dirty="0"/>
-              <a:t>Bv. p1.id</a:t>
-            </a:r>
+              <a:rPr lang="nl-BE" dirty="0" err="1"/>
+              <a:t>element.setAttribute</a:t>
+            </a:r>
+            <a:r>
+              <a:rPr lang="nl-BE" dirty="0"/>
+              <a:t>(“naam attribuut”, “waarde”)			Bv. p1.setAttribute(“data-waarde”, “</a:t>
+            </a:r>
+            <a:r>
+              <a:rPr lang="nl-BE" dirty="0" err="1"/>
+              <a:t>Azerty</a:t>
+            </a:r>
+            <a:r>
+              <a:rPr lang="nl-BE"/>
+              <a:t>”)</a:t>
+            </a:r>
+            <a:endParaRPr lang="nl-BE" dirty="0"/>
           </a:p>
           <a:p>
             <a:pPr>
@@ -19452,6 +19351,25 @@
             </a:pPr>
             <a:r>
               <a:rPr lang="nl-BE" i="1" dirty="0" err="1"/>
+              <a:t>element.attribuut</a:t>
+            </a:r>
+            <a:r>
+              <a:rPr lang="nl-BE" i="1" dirty="0"/>
+              <a:t>								</a:t>
+            </a:r>
+            <a:r>
+              <a:rPr lang="nl-BE" dirty="0"/>
+              <a:t>Bv. p1.id</a:t>
+            </a:r>
+          </a:p>
+          <a:p>
+            <a:pPr>
+              <a:lnSpc>
+                <a:spcPct val="300000"/>
+              </a:lnSpc>
+            </a:pPr>
+            <a:r>
+              <a:rPr lang="nl-BE" i="1" dirty="0" err="1"/>
               <a:t>element.getAttribute</a:t>
             </a:r>
             <a:r>
@@ -19461,6 +19379,29 @@
             <a:r>
               <a:rPr lang="nl-BE" dirty="0"/>
               <a:t>Bv. p1.getAttribute("data-waarde")</a:t>
+            </a:r>
+          </a:p>
+          <a:p>
+            <a:pPr>
+              <a:lnSpc>
+                <a:spcPct val="300000"/>
+              </a:lnSpc>
+            </a:pPr>
+            <a:r>
+              <a:rPr lang="nl-BE" i="1" dirty="0" err="1"/>
+              <a:t>element.removeAttribute</a:t>
+            </a:r>
+            <a:r>
+              <a:rPr lang="nl-BE" i="1" dirty="0"/>
+              <a:t>(“naam attribuut”)			Bv. p1.removeAttribute(“</a:t>
+            </a:r>
+            <a:r>
+              <a:rPr lang="nl-BE" i="1" dirty="0" err="1"/>
+              <a:t>hidden</a:t>
+            </a:r>
+            <a:r>
+              <a:rPr lang="nl-BE" i="1" dirty="0"/>
+              <a:t>”)</a:t>
             </a:r>
           </a:p>
         </p:txBody>

--- a/Webdesign.pptx
+++ b/Webdesign.pptx
@@ -5,10 +5,10 @@
     <p:sldMasterId id="2147483712" r:id="rId1"/>
   </p:sldMasterIdLst>
   <p:notesMasterIdLst>
-    <p:notesMasterId r:id="rId66"/>
+    <p:notesMasterId r:id="rId67"/>
   </p:notesMasterIdLst>
   <p:handoutMasterIdLst>
-    <p:handoutMasterId r:id="rId67"/>
+    <p:handoutMasterId r:id="rId68"/>
   </p:handoutMasterIdLst>
   <p:sldIdLst>
     <p:sldId id="257" r:id="rId2"/>
@@ -29,52 +29,53 @@
     <p:sldId id="272" r:id="rId17"/>
     <p:sldId id="271" r:id="rId18"/>
     <p:sldId id="273" r:id="rId19"/>
-    <p:sldId id="277" r:id="rId20"/>
-    <p:sldId id="279" r:id="rId21"/>
-    <p:sldId id="280" r:id="rId22"/>
-    <p:sldId id="281" r:id="rId23"/>
-    <p:sldId id="282" r:id="rId24"/>
-    <p:sldId id="283" r:id="rId25"/>
-    <p:sldId id="284" r:id="rId26"/>
-    <p:sldId id="285" r:id="rId27"/>
-    <p:sldId id="288" r:id="rId28"/>
-    <p:sldId id="286" r:id="rId29"/>
-    <p:sldId id="287" r:id="rId30"/>
-    <p:sldId id="275" r:id="rId31"/>
-    <p:sldId id="274" r:id="rId32"/>
-    <p:sldId id="276" r:id="rId33"/>
-    <p:sldId id="303" r:id="rId34"/>
-    <p:sldId id="304" r:id="rId35"/>
-    <p:sldId id="305" r:id="rId36"/>
-    <p:sldId id="307" r:id="rId37"/>
-    <p:sldId id="312" r:id="rId38"/>
-    <p:sldId id="306" r:id="rId39"/>
-    <p:sldId id="311" r:id="rId40"/>
-    <p:sldId id="308" r:id="rId41"/>
-    <p:sldId id="309" r:id="rId42"/>
-    <p:sldId id="310" r:id="rId43"/>
-    <p:sldId id="289" r:id="rId44"/>
-    <p:sldId id="290" r:id="rId45"/>
-    <p:sldId id="295" r:id="rId46"/>
-    <p:sldId id="301" r:id="rId47"/>
-    <p:sldId id="291" r:id="rId48"/>
-    <p:sldId id="297" r:id="rId49"/>
-    <p:sldId id="292" r:id="rId50"/>
-    <p:sldId id="293" r:id="rId51"/>
-    <p:sldId id="300" r:id="rId52"/>
-    <p:sldId id="313" r:id="rId53"/>
-    <p:sldId id="298" r:id="rId54"/>
-    <p:sldId id="294" r:id="rId55"/>
-    <p:sldId id="314" r:id="rId56"/>
-    <p:sldId id="299" r:id="rId57"/>
-    <p:sldId id="296" r:id="rId58"/>
-    <p:sldId id="315" r:id="rId59"/>
-    <p:sldId id="316" r:id="rId60"/>
-    <p:sldId id="317" r:id="rId61"/>
-    <p:sldId id="318" r:id="rId62"/>
-    <p:sldId id="319" r:id="rId63"/>
-    <p:sldId id="320" r:id="rId64"/>
-    <p:sldId id="321" r:id="rId65"/>
+    <p:sldId id="322" r:id="rId20"/>
+    <p:sldId id="277" r:id="rId21"/>
+    <p:sldId id="279" r:id="rId22"/>
+    <p:sldId id="280" r:id="rId23"/>
+    <p:sldId id="281" r:id="rId24"/>
+    <p:sldId id="282" r:id="rId25"/>
+    <p:sldId id="283" r:id="rId26"/>
+    <p:sldId id="284" r:id="rId27"/>
+    <p:sldId id="285" r:id="rId28"/>
+    <p:sldId id="323" r:id="rId29"/>
+    <p:sldId id="286" r:id="rId30"/>
+    <p:sldId id="287" r:id="rId31"/>
+    <p:sldId id="275" r:id="rId32"/>
+    <p:sldId id="274" r:id="rId33"/>
+    <p:sldId id="276" r:id="rId34"/>
+    <p:sldId id="303" r:id="rId35"/>
+    <p:sldId id="304" r:id="rId36"/>
+    <p:sldId id="305" r:id="rId37"/>
+    <p:sldId id="307" r:id="rId38"/>
+    <p:sldId id="312" r:id="rId39"/>
+    <p:sldId id="306" r:id="rId40"/>
+    <p:sldId id="311" r:id="rId41"/>
+    <p:sldId id="308" r:id="rId42"/>
+    <p:sldId id="309" r:id="rId43"/>
+    <p:sldId id="310" r:id="rId44"/>
+    <p:sldId id="289" r:id="rId45"/>
+    <p:sldId id="290" r:id="rId46"/>
+    <p:sldId id="295" r:id="rId47"/>
+    <p:sldId id="301" r:id="rId48"/>
+    <p:sldId id="291" r:id="rId49"/>
+    <p:sldId id="297" r:id="rId50"/>
+    <p:sldId id="292" r:id="rId51"/>
+    <p:sldId id="293" r:id="rId52"/>
+    <p:sldId id="300" r:id="rId53"/>
+    <p:sldId id="313" r:id="rId54"/>
+    <p:sldId id="298" r:id="rId55"/>
+    <p:sldId id="294" r:id="rId56"/>
+    <p:sldId id="314" r:id="rId57"/>
+    <p:sldId id="299" r:id="rId58"/>
+    <p:sldId id="296" r:id="rId59"/>
+    <p:sldId id="315" r:id="rId60"/>
+    <p:sldId id="316" r:id="rId61"/>
+    <p:sldId id="317" r:id="rId62"/>
+    <p:sldId id="318" r:id="rId63"/>
+    <p:sldId id="319" r:id="rId64"/>
+    <p:sldId id="320" r:id="rId65"/>
+    <p:sldId id="321" r:id="rId66"/>
   </p:sldIdLst>
   <p:sldSz cx="12192000" cy="6858000"/>
   <p:notesSz cx="6858000" cy="9144000"/>
@@ -187,7 +188,7 @@
 <file path=ppt/revisionInfo.xml><?xml version="1.0" encoding="utf-8"?>
 <p1510:revInfo xmlns:a="http://schemas.openxmlformats.org/drawingml/2006/main" xmlns:r="http://schemas.openxmlformats.org/officeDocument/2006/relationships" xmlns:p1510="http://schemas.microsoft.com/office/powerpoint/2015/10/main">
   <p1510:revLst>
-    <p1510:client id="{34570ACE-256F-49A6-9FA2-DA8483C9166B}" v="2" dt="2025-11-21T08:44:55.506"/>
+    <p1510:client id="{B2AA898E-DE0A-4EF9-847C-1F335EDE3A48}" v="3" dt="2026-01-09T04:55:38.466"/>
   </p1510:revLst>
 </p1510:revInfo>
 </file>
@@ -196,40 +197,116 @@
 <pc:chgInfo xmlns:a="http://schemas.openxmlformats.org/drawingml/2006/main" xmlns:r="http://schemas.openxmlformats.org/officeDocument/2006/relationships" xmlns:ac="http://schemas.microsoft.com/office/drawing/2013/main/command" xmlns:pc="http://schemas.microsoft.com/office/powerpoint/2013/main/command">
   <pc:docChgLst>
     <pc:chgData name="Renaud Leroy" userId="135fb8da-5d77-4f74-8269-9536d61f18e3" providerId="ADAL" clId="{E78863E9-63F1-4351-B732-0F17272A4588}"/>
-    <pc:docChg chg="undo custSel addSld modSld">
-      <pc:chgData name="Renaud Leroy" userId="135fb8da-5d77-4f74-8269-9536d61f18e3" providerId="ADAL" clId="{E78863E9-63F1-4351-B732-0F17272A4588}" dt="2025-11-28T08:13:12.516" v="6089" actId="20577"/>
+    <pc:docChg chg="undo custSel addSld delSld modSld">
+      <pc:chgData name="Renaud Leroy" userId="135fb8da-5d77-4f74-8269-9536d61f18e3" providerId="ADAL" clId="{E78863E9-63F1-4351-B732-0F17272A4588}" dt="2026-01-09T04:58:51.923" v="7118" actId="20577"/>
       <pc:docMkLst>
         <pc:docMk/>
       </pc:docMkLst>
-      <pc:sldChg chg="modSp mod">
-        <pc:chgData name="Renaud Leroy" userId="135fb8da-5d77-4f74-8269-9536d61f18e3" providerId="ADAL" clId="{E78863E9-63F1-4351-B732-0F17272A4588}" dt="2025-11-28T08:13:12.516" v="6089" actId="20577"/>
+      <pc:sldChg chg="addSp delSp modSp mod">
+        <pc:chgData name="Renaud Leroy" userId="135fb8da-5d77-4f74-8269-9536d61f18e3" providerId="ADAL" clId="{E78863E9-63F1-4351-B732-0F17272A4588}" dt="2026-01-09T04:39:51.172" v="6178" actId="20577"/>
         <pc:sldMkLst>
           <pc:docMk/>
-          <pc:sldMk cId="1547160706" sldId="300"/>
+          <pc:sldMk cId="4098174705" sldId="273"/>
         </pc:sldMkLst>
         <pc:spChg chg="mod">
-          <ac:chgData name="Renaud Leroy" userId="135fb8da-5d77-4f74-8269-9536d61f18e3" providerId="ADAL" clId="{E78863E9-63F1-4351-B732-0F17272A4588}" dt="2025-11-28T08:13:12.516" v="6089" actId="20577"/>
+          <ac:chgData name="Renaud Leroy" userId="135fb8da-5d77-4f74-8269-9536d61f18e3" providerId="ADAL" clId="{E78863E9-63F1-4351-B732-0F17272A4588}" dt="2026-01-09T04:39:51.172" v="6178" actId="20577"/>
           <ac:spMkLst>
             <pc:docMk/>
-            <pc:sldMk cId="1547160706" sldId="300"/>
-            <ac:spMk id="3" creationId="{C836F053-5EF6-11BF-9078-583F9ADCB9CA}"/>
+            <pc:sldMk cId="4098174705" sldId="273"/>
+            <ac:spMk id="3" creationId="{85E9BE51-C998-A50C-A81E-1FC799BD0DFF}"/>
+          </ac:spMkLst>
+        </pc:spChg>
+        <pc:picChg chg="add del mod">
+          <ac:chgData name="Renaud Leroy" userId="135fb8da-5d77-4f74-8269-9536d61f18e3" providerId="ADAL" clId="{E78863E9-63F1-4351-B732-0F17272A4588}" dt="2026-01-09T04:37:55.712" v="6093" actId="478"/>
+          <ac:picMkLst>
+            <pc:docMk/>
+            <pc:sldMk cId="4098174705" sldId="273"/>
+            <ac:picMk id="5" creationId="{1BFD0294-E26D-488A-3280-A6D46FCFAC99}"/>
+          </ac:picMkLst>
+        </pc:picChg>
+      </pc:sldChg>
+      <pc:sldChg chg="modSp del mod">
+        <pc:chgData name="Renaud Leroy" userId="135fb8da-5d77-4f74-8269-9536d61f18e3" providerId="ADAL" clId="{E78863E9-63F1-4351-B732-0F17272A4588}" dt="2026-01-09T04:57:43.120" v="7083" actId="47"/>
+        <pc:sldMkLst>
+          <pc:docMk/>
+          <pc:sldMk cId="1489733937" sldId="288"/>
+        </pc:sldMkLst>
+        <pc:spChg chg="mod">
+          <ac:chgData name="Renaud Leroy" userId="135fb8da-5d77-4f74-8269-9536d61f18e3" providerId="ADAL" clId="{E78863E9-63F1-4351-B732-0F17272A4588}" dt="2026-01-09T04:50:57.786" v="6866" actId="20577"/>
+          <ac:spMkLst>
+            <pc:docMk/>
+            <pc:sldMk cId="1489733937" sldId="288"/>
+            <ac:spMk id="3" creationId="{E45411DF-1442-8FAD-C9C4-711F8E5BBE84}"/>
           </ac:spMkLst>
         </pc:spChg>
       </pc:sldChg>
-      <pc:sldChg chg="modSp new mod">
-        <pc:chgData name="Renaud Leroy" userId="135fb8da-5d77-4f74-8269-9536d61f18e3" providerId="ADAL" clId="{E78863E9-63F1-4351-B732-0F17272A4588}" dt="2025-11-21T09:19:24.655" v="5848" actId="20577"/>
+      <pc:sldChg chg="modSp mod">
+        <pc:chgData name="Renaud Leroy" userId="135fb8da-5d77-4f74-8269-9536d61f18e3" providerId="ADAL" clId="{E78863E9-63F1-4351-B732-0F17272A4588}" dt="2026-01-09T04:58:27.434" v="7100" actId="20577"/>
         <pc:sldMkLst>
           <pc:docMk/>
-          <pc:sldMk cId="139032914" sldId="321"/>
+          <pc:sldMk cId="4130628188" sldId="308"/>
         </pc:sldMkLst>
         <pc:spChg chg="mod">
-          <ac:chgData name="Renaud Leroy" userId="135fb8da-5d77-4f74-8269-9536d61f18e3" providerId="ADAL" clId="{E78863E9-63F1-4351-B732-0F17272A4588}" dt="2025-11-21T09:19:24.655" v="5848" actId="20577"/>
+          <ac:chgData name="Renaud Leroy" userId="135fb8da-5d77-4f74-8269-9536d61f18e3" providerId="ADAL" clId="{E78863E9-63F1-4351-B732-0F17272A4588}" dt="2026-01-09T04:58:27.434" v="7100" actId="20577"/>
           <ac:spMkLst>
             <pc:docMk/>
-            <pc:sldMk cId="139032914" sldId="321"/>
-            <ac:spMk id="3" creationId="{14460292-D92F-C071-EBF5-FC84552BFC8B}"/>
+            <pc:sldMk cId="4130628188" sldId="308"/>
+            <ac:spMk id="3" creationId="{F327F411-F1D4-9C78-AE6A-AF937B0D182C}"/>
           </ac:spMkLst>
         </pc:spChg>
+      </pc:sldChg>
+      <pc:sldChg chg="modSp mod">
+        <pc:chgData name="Renaud Leroy" userId="135fb8da-5d77-4f74-8269-9536d61f18e3" providerId="ADAL" clId="{E78863E9-63F1-4351-B732-0F17272A4588}" dt="2026-01-09T04:58:51.923" v="7118" actId="20577"/>
+        <pc:sldMkLst>
+          <pc:docMk/>
+          <pc:sldMk cId="2144668814" sldId="310"/>
+        </pc:sldMkLst>
+        <pc:spChg chg="mod">
+          <ac:chgData name="Renaud Leroy" userId="135fb8da-5d77-4f74-8269-9536d61f18e3" providerId="ADAL" clId="{E78863E9-63F1-4351-B732-0F17272A4588}" dt="2026-01-09T04:58:51.923" v="7118" actId="20577"/>
+          <ac:spMkLst>
+            <pc:docMk/>
+            <pc:sldMk cId="2144668814" sldId="310"/>
+            <ac:spMk id="3" creationId="{6FB43E0E-C9ED-313F-1FB1-7F50DB877ABE}"/>
+          </ac:spMkLst>
+        </pc:spChg>
+      </pc:sldChg>
+      <pc:sldChg chg="modSp add mod">
+        <pc:chgData name="Renaud Leroy" userId="135fb8da-5d77-4f74-8269-9536d61f18e3" providerId="ADAL" clId="{E78863E9-63F1-4351-B732-0F17272A4588}" dt="2026-01-09T04:49:04.669" v="6708" actId="20577"/>
+        <pc:sldMkLst>
+          <pc:docMk/>
+          <pc:sldMk cId="3857441359" sldId="322"/>
+        </pc:sldMkLst>
+        <pc:spChg chg="mod">
+          <ac:chgData name="Renaud Leroy" userId="135fb8da-5d77-4f74-8269-9536d61f18e3" providerId="ADAL" clId="{E78863E9-63F1-4351-B732-0F17272A4588}" dt="2026-01-09T04:49:04.669" v="6708" actId="20577"/>
+          <ac:spMkLst>
+            <pc:docMk/>
+            <pc:sldMk cId="3857441359" sldId="322"/>
+            <ac:spMk id="3" creationId="{66FCE825-B1F6-8C99-3DE1-77CC1B6C5EB6}"/>
+          </ac:spMkLst>
+        </pc:spChg>
+      </pc:sldChg>
+      <pc:sldChg chg="addSp modSp add mod">
+        <pc:chgData name="Renaud Leroy" userId="135fb8da-5d77-4f74-8269-9536d61f18e3" providerId="ADAL" clId="{E78863E9-63F1-4351-B732-0F17272A4588}" dt="2026-01-09T04:57:21.768" v="7082" actId="13242"/>
+        <pc:sldMkLst>
+          <pc:docMk/>
+          <pc:sldMk cId="3792445182" sldId="323"/>
+        </pc:sldMkLst>
+        <pc:spChg chg="mod">
+          <ac:chgData name="Renaud Leroy" userId="135fb8da-5d77-4f74-8269-9536d61f18e3" providerId="ADAL" clId="{E78863E9-63F1-4351-B732-0F17272A4588}" dt="2026-01-09T04:53:10.946" v="6925" actId="27636"/>
+          <ac:spMkLst>
+            <pc:docMk/>
+            <pc:sldMk cId="3792445182" sldId="323"/>
+            <ac:spMk id="3" creationId="{10281C4D-4E30-E74A-9149-CB438B49C886}"/>
+          </ac:spMkLst>
+        </pc:spChg>
+        <pc:graphicFrameChg chg="add mod modGraphic">
+          <ac:chgData name="Renaud Leroy" userId="135fb8da-5d77-4f74-8269-9536d61f18e3" providerId="ADAL" clId="{E78863E9-63F1-4351-B732-0F17272A4588}" dt="2026-01-09T04:57:21.768" v="7082" actId="13242"/>
+          <ac:graphicFrameMkLst>
+            <pc:docMk/>
+            <pc:sldMk cId="3792445182" sldId="323"/>
+            <ac:graphicFrameMk id="4" creationId="{A2695B55-736F-4EE7-F2EE-D0C0D6C78892}"/>
+          </ac:graphicFrameMkLst>
+        </pc:graphicFrameChg>
       </pc:sldChg>
     </pc:docChg>
   </pc:docChgLst>
@@ -320,7 +397,7 @@
             <a:pPr rtl="0"/>
             <a:fld id="{5A14EC35-A083-4CA2-A629-54FB374745AC}" type="datetime1">
               <a:rPr lang="nl-NL" smtClean="0"/>
-              <a:t>28-11-2025</a:t>
+              <a:t>9-1-2026</a:t>
             </a:fld>
             <a:endParaRPr lang="en-US" dirty="0"/>
           </a:p>
@@ -490,7 +567,7 @@
             <a:pPr rtl="0"/>
             <a:fld id="{B32F82C2-DE9F-479D-95B3-30B2F9C315A1}" type="datetime1">
               <a:rPr lang="nl-NL" smtClean="0"/>
-              <a:t>28-11-2025</a:t>
+              <a:t>7-1-2026</a:t>
             </a:fld>
             <a:endParaRPr lang="en-US"/>
           </a:p>
@@ -1011,7 +1088,7 @@
             <a:pPr rtl="0"/>
             <a:fld id="{A83A1771-3711-4549-B223-6BFD613711ED}" type="datetime1">
               <a:rPr lang="nl-NL" smtClean="0"/>
-              <a:t>28-11-2025</a:t>
+              <a:t>7-1-2026</a:t>
             </a:fld>
             <a:endParaRPr lang="en-US" dirty="0"/>
           </a:p>
@@ -1218,7 +1295,7 @@
             <a:pPr rtl="0"/>
             <a:fld id="{D08EE877-7E72-4A3F-BF87-CE406B3EE1C5}" type="datetime1">
               <a:rPr lang="nl-NL" smtClean="0"/>
-              <a:t>28-11-2025</a:t>
+              <a:t>7-1-2026</a:t>
             </a:fld>
             <a:endParaRPr lang="en-US" dirty="0"/>
           </a:p>
@@ -1584,7 +1661,7 @@
             <a:pPr rtl="0"/>
             <a:fld id="{4CC54E9F-8ACA-4714-84BB-74BA71865A3C}" type="datetime1">
               <a:rPr lang="nl-NL" smtClean="0"/>
-              <a:t>28-11-2025</a:t>
+              <a:t>7-1-2026</a:t>
             </a:fld>
             <a:endParaRPr lang="en-US" dirty="0"/>
           </a:p>
@@ -2023,7 +2100,7 @@
             <a:pPr rtl="0"/>
             <a:fld id="{66D3D282-C61A-41D7-9714-7814FA67361E}" type="datetime1">
               <a:rPr lang="nl-NL" smtClean="0"/>
-              <a:t>28-11-2025</a:t>
+              <a:t>7-1-2026</a:t>
             </a:fld>
             <a:endParaRPr lang="en-US" dirty="0"/>
           </a:p>
@@ -2280,7 +2357,7 @@
             <a:pPr rtl="0"/>
             <a:fld id="{55CAE64B-8D6D-4B8F-BAE1-453EBC33DDBA}" type="datetime1">
               <a:rPr lang="nl-NL" smtClean="0"/>
-              <a:t>28-11-2025</a:t>
+              <a:t>7-1-2026</a:t>
             </a:fld>
             <a:endParaRPr lang="en-US" dirty="0"/>
           </a:p>
@@ -2706,7 +2783,7 @@
             <a:pPr rtl="0"/>
             <a:fld id="{7DD41833-08F9-41B2-81FC-2883EDAAEF19}" type="datetime1">
               <a:rPr lang="nl-NL" smtClean="0"/>
-              <a:t>28-11-2025</a:t>
+              <a:t>7-1-2026</a:t>
             </a:fld>
             <a:endParaRPr lang="en-US" dirty="0"/>
           </a:p>
@@ -2833,7 +2910,7 @@
             <a:pPr rtl="0"/>
             <a:fld id="{5DC9B189-AE00-478F-84A9-63330A766802}" type="datetime1">
               <a:rPr lang="nl-NL" smtClean="0"/>
-              <a:t>28-11-2025</a:t>
+              <a:t>7-1-2026</a:t>
             </a:fld>
             <a:endParaRPr lang="en-US" dirty="0"/>
           </a:p>
@@ -2931,7 +3008,7 @@
             <a:pPr rtl="0"/>
             <a:fld id="{C4D93972-B93F-42C7-B487-83AAA3F36605}" type="datetime1">
               <a:rPr lang="nl-NL" smtClean="0"/>
-              <a:t>28-11-2025</a:t>
+              <a:t>7-1-2026</a:t>
             </a:fld>
             <a:endParaRPr lang="en-US" dirty="0"/>
           </a:p>
@@ -3312,7 +3389,7 @@
             <a:pPr rtl="0"/>
             <a:fld id="{41CBEB4C-81CC-455E-9331-682EF29A1EAB}" type="datetime1">
               <a:rPr lang="nl-NL" smtClean="0"/>
-              <a:t>28-11-2025</a:t>
+              <a:t>7-1-2026</a:t>
             </a:fld>
             <a:endParaRPr lang="en-US" dirty="0"/>
           </a:p>
@@ -3610,7 +3687,7 @@
             <a:pPr rtl="0"/>
             <a:fld id="{87691925-8A1E-4010-8BF9-64E08633B604}" type="datetime1">
               <a:rPr lang="nl-NL" smtClean="0"/>
-              <a:t>28-11-2025</a:t>
+              <a:t>7-1-2026</a:t>
             </a:fld>
             <a:endParaRPr lang="en-US" dirty="0"/>
           </a:p>
@@ -3828,7 +3905,7 @@
             <a:pPr rtl="0"/>
             <a:fld id="{18D3FD7C-4B51-47DA-BCF4-68F2F2963CDA}" type="datetime1">
               <a:rPr lang="nl-NL" smtClean="0"/>
-              <a:t>28-11-2025</a:t>
+              <a:t>7-1-2026</a:t>
             </a:fld>
             <a:endParaRPr lang="en-US" dirty="0"/>
           </a:p>
@@ -7735,52 +7812,28 @@
             <a:pPr lvl="1"/>
             <a:r>
               <a:rPr lang="nl-BE" dirty="0"/>
-              <a:t>Lijn tekst waarin je jouw favoriete game kort voorstelt. Dit bevat minstens één stuk vette, schuine en onderlijnde tekst.</a:t>
+              <a:t>Lijn tekst waarin je jouw favoriete film kort voorstelt. Dit bevat minstens één stuk vette, schuine en onderlijnde tekst.</a:t>
             </a:r>
           </a:p>
           <a:p>
             <a:pPr lvl="1"/>
             <a:r>
               <a:rPr lang="nl-BE" dirty="0"/>
-              <a:t>Link naar de </a:t>
-            </a:r>
-            <a:r>
-              <a:rPr lang="nl-BE" dirty="0" err="1"/>
-              <a:t>verkoopspagina</a:t>
-            </a:r>
-            <a:r>
-              <a:rPr lang="nl-BE" dirty="0"/>
-              <a:t> van deze game (nieuw tabblad).</a:t>
+              <a:t>Link naar de IMDB-pagina van deze game (nieuw tabblad).</a:t>
             </a:r>
           </a:p>
           <a:p>
             <a:pPr lvl="1"/>
             <a:r>
               <a:rPr lang="nl-BE" dirty="0"/>
-              <a:t>Hieronder een foto van deze game.</a:t>
+              <a:t>Hieronder een foto van deze cover van deze film.</a:t>
             </a:r>
           </a:p>
           <a:p>
             <a:pPr lvl="1"/>
             <a:r>
               <a:rPr lang="nl-BE" dirty="0"/>
-              <a:t>Tabel met minstens 3 </a:t>
-            </a:r>
-            <a:r>
-              <a:rPr lang="nl-BE" dirty="0" err="1"/>
-              <a:t>achievements</a:t>
-            </a:r>
-            <a:r>
-              <a:rPr lang="nl-BE" dirty="0"/>
-              <a:t> van deze game (naam, </a:t>
-            </a:r>
-            <a:r>
-              <a:rPr lang="nl-BE" dirty="0" err="1"/>
-              <a:t>moeilijkheidgraad</a:t>
-            </a:r>
-            <a:r>
-              <a:rPr lang="nl-BE" dirty="0"/>
-              <a:t>, beschrijving)</a:t>
+              <a:t>Tabel met minstens 3 rollen van deze game (rol, acteur, beschrijving)</a:t>
             </a:r>
           </a:p>
           <a:p>
@@ -7807,7 +7860,13 @@
   <p:cSld>
     <p:spTree>
       <p:nvGrpSpPr>
-        <p:cNvPr id="1" name=""/>
+        <p:cNvPr id="1" name="">
+          <a:extLst>
+            <a:ext uri="{FF2B5EF4-FFF2-40B4-BE49-F238E27FC236}">
+              <a16:creationId xmlns:a16="http://schemas.microsoft.com/office/drawing/2014/main" id="{365F733B-026D-0D49-61D2-279A692DCA40}"/>
+            </a:ext>
+          </a:extLst>
+        </p:cNvPr>
         <p:cNvGrpSpPr/>
         <p:nvPr/>
       </p:nvGrpSpPr>
@@ -7824,7 +7883,7 @@
           <p:cNvPr id="2" name="Titel 1">
             <a:extLst>
               <a:ext uri="{FF2B5EF4-FFF2-40B4-BE49-F238E27FC236}">
-                <a16:creationId xmlns:a16="http://schemas.microsoft.com/office/drawing/2014/main" id="{839116A0-B351-F2B4-36DE-1E751DE4F0D5}"/>
+                <a16:creationId xmlns:a16="http://schemas.microsoft.com/office/drawing/2014/main" id="{4016F94C-0DF0-C68F-A1FF-73674612C050}"/>
               </a:ext>
             </a:extLst>
           </p:cNvPr>
@@ -7842,17 +7901,17 @@
           <a:p>
             <a:r>
               <a:rPr lang="nl-BE" dirty="0"/>
-              <a:t>attributen</a:t>
+              <a:t>opdracht</a:t>
             </a:r>
           </a:p>
         </p:txBody>
       </p:sp>
       <p:sp>
         <p:nvSpPr>
-          <p:cNvPr id="3" name="Tijdelijke aanduiding voor tekst 2">
+          <p:cNvPr id="3" name="Tijdelijke aanduiding voor inhoud 2">
             <a:extLst>
               <a:ext uri="{FF2B5EF4-FFF2-40B4-BE49-F238E27FC236}">
-                <a16:creationId xmlns:a16="http://schemas.microsoft.com/office/drawing/2014/main" id="{9C067471-6CB1-9311-E91E-B1B85D009C8A}"/>
+                <a16:creationId xmlns:a16="http://schemas.microsoft.com/office/drawing/2014/main" id="{66FCE825-B1F6-8C99-3DE1-77CC1B6C5EB6}"/>
               </a:ext>
             </a:extLst>
           </p:cNvPr>
@@ -7860,7 +7919,7 @@
             <a:spLocks noGrp="1"/>
           </p:cNvSpPr>
           <p:nvPr>
-            <p:ph type="body" idx="1"/>
+            <p:ph idx="1"/>
           </p:nvPr>
         </p:nvSpPr>
         <p:spPr/>
@@ -7870,45 +7929,47 @@
           <a:p>
             <a:r>
               <a:rPr lang="nl-BE" dirty="0"/>
-              <a:t>algemeen</a:t>
-            </a:r>
-          </a:p>
-        </p:txBody>
-      </p:sp>
-      <p:sp>
-        <p:nvSpPr>
-          <p:cNvPr id="4" name="Tijdelijke aanduiding voor datum 3">
-            <a:extLst>
-              <a:ext uri="{FF2B5EF4-FFF2-40B4-BE49-F238E27FC236}">
-                <a16:creationId xmlns:a16="http://schemas.microsoft.com/office/drawing/2014/main" id="{2F548D53-B63A-99E0-14CC-1C84C19481E0}"/>
-              </a:ext>
-            </a:extLst>
-          </p:cNvPr>
-          <p:cNvSpPr>
-            <a:spLocks noGrp="1"/>
-          </p:cNvSpPr>
-          <p:nvPr>
-            <p:ph type="dt" sz="half" idx="10"/>
-          </p:nvPr>
-        </p:nvSpPr>
-        <p:spPr/>
-        <p:txBody>
-          <a:bodyPr/>
-          <a:lstStyle/>
-          <a:p>
-            <a:pPr rtl="0"/>
-            <a:fld id="{66D3D282-C61A-41D7-9714-7814FA67361E}" type="datetime1">
-              <a:rPr lang="nl-NL" smtClean="0"/>
-              <a:t>28-11-2025</a:t>
-            </a:fld>
-            <a:endParaRPr lang="en-US" dirty="0"/>
+              <a:t>Maak een webpagina met het volgende:</a:t>
+            </a:r>
+          </a:p>
+          <a:p>
+            <a:pPr lvl="1"/>
+            <a:r>
+              <a:rPr lang="nl-BE" dirty="0"/>
+              <a:t>Een tabel met een stand van jouw favoriete sportcompetitie (bv. tennis, hockey, …)</a:t>
+            </a:r>
+          </a:p>
+          <a:p>
+            <a:pPr lvl="1"/>
+            <a:r>
+              <a:rPr lang="nl-BE" dirty="0"/>
+              <a:t>Plaats de naam van het team/sporter in een link die doorverwijst (nieuwe pagina) naar een informatiepagina hierover.</a:t>
+            </a:r>
+          </a:p>
+          <a:p>
+            <a:pPr lvl="1"/>
+            <a:r>
+              <a:rPr lang="nl-BE" dirty="0"/>
+              <a:t>Plaats de totaalpunten in het vet, andere data (aantal wedstrijden, gemaakte punten, …) in cursief.</a:t>
+            </a:r>
+          </a:p>
+          <a:p>
+            <a:pPr lvl="1"/>
+            <a:r>
+              <a:rPr lang="nl-BE" dirty="0"/>
+              <a:t>Plaats onder deze tabel een foto van jouw favoriete sporter.</a:t>
+            </a:r>
+          </a:p>
+          <a:p>
+            <a:pPr lvl="1"/>
+            <a:endParaRPr lang="nl-BE" dirty="0"/>
           </a:p>
         </p:txBody>
       </p:sp>
     </p:spTree>
     <p:extLst>
       <p:ext uri="{BB962C8B-B14F-4D97-AF65-F5344CB8AC3E}">
-        <p14:creationId xmlns:p14="http://schemas.microsoft.com/office/powerpoint/2010/main" val="991720278"/>
+        <p14:creationId xmlns:p14="http://schemas.microsoft.com/office/powerpoint/2010/main" val="3857441359"/>
       </p:ext>
     </p:extLst>
   </p:cSld>
@@ -8026,6 +8087,122 @@
           <p:cNvPr id="2" name="Titel 1">
             <a:extLst>
               <a:ext uri="{FF2B5EF4-FFF2-40B4-BE49-F238E27FC236}">
+                <a16:creationId xmlns:a16="http://schemas.microsoft.com/office/drawing/2014/main" id="{839116A0-B351-F2B4-36DE-1E751DE4F0D5}"/>
+              </a:ext>
+            </a:extLst>
+          </p:cNvPr>
+          <p:cNvSpPr>
+            <a:spLocks noGrp="1"/>
+          </p:cNvSpPr>
+          <p:nvPr>
+            <p:ph type="title"/>
+          </p:nvPr>
+        </p:nvSpPr>
+        <p:spPr/>
+        <p:txBody>
+          <a:bodyPr/>
+          <a:lstStyle/>
+          <a:p>
+            <a:r>
+              <a:rPr lang="nl-BE" dirty="0"/>
+              <a:t>attributen</a:t>
+            </a:r>
+          </a:p>
+        </p:txBody>
+      </p:sp>
+      <p:sp>
+        <p:nvSpPr>
+          <p:cNvPr id="3" name="Tijdelijke aanduiding voor tekst 2">
+            <a:extLst>
+              <a:ext uri="{FF2B5EF4-FFF2-40B4-BE49-F238E27FC236}">
+                <a16:creationId xmlns:a16="http://schemas.microsoft.com/office/drawing/2014/main" id="{9C067471-6CB1-9311-E91E-B1B85D009C8A}"/>
+              </a:ext>
+            </a:extLst>
+          </p:cNvPr>
+          <p:cNvSpPr>
+            <a:spLocks noGrp="1"/>
+          </p:cNvSpPr>
+          <p:nvPr>
+            <p:ph type="body" idx="1"/>
+          </p:nvPr>
+        </p:nvSpPr>
+        <p:spPr/>
+        <p:txBody>
+          <a:bodyPr/>
+          <a:lstStyle/>
+          <a:p>
+            <a:r>
+              <a:rPr lang="nl-BE" dirty="0"/>
+              <a:t>algemeen</a:t>
+            </a:r>
+          </a:p>
+        </p:txBody>
+      </p:sp>
+      <p:sp>
+        <p:nvSpPr>
+          <p:cNvPr id="4" name="Tijdelijke aanduiding voor datum 3">
+            <a:extLst>
+              <a:ext uri="{FF2B5EF4-FFF2-40B4-BE49-F238E27FC236}">
+                <a16:creationId xmlns:a16="http://schemas.microsoft.com/office/drawing/2014/main" id="{2F548D53-B63A-99E0-14CC-1C84C19481E0}"/>
+              </a:ext>
+            </a:extLst>
+          </p:cNvPr>
+          <p:cNvSpPr>
+            <a:spLocks noGrp="1"/>
+          </p:cNvSpPr>
+          <p:nvPr>
+            <p:ph type="dt" sz="half" idx="10"/>
+          </p:nvPr>
+        </p:nvSpPr>
+        <p:spPr/>
+        <p:txBody>
+          <a:bodyPr/>
+          <a:lstStyle/>
+          <a:p>
+            <a:pPr rtl="0"/>
+            <a:fld id="{66D3D282-C61A-41D7-9714-7814FA67361E}" type="datetime1">
+              <a:rPr lang="nl-NL" smtClean="0"/>
+              <a:t>7-1-2026</a:t>
+            </a:fld>
+            <a:endParaRPr lang="en-US" dirty="0"/>
+          </a:p>
+        </p:txBody>
+      </p:sp>
+    </p:spTree>
+    <p:extLst>
+      <p:ext uri="{BB962C8B-B14F-4D97-AF65-F5344CB8AC3E}">
+        <p14:creationId xmlns:p14="http://schemas.microsoft.com/office/powerpoint/2010/main" val="991720278"/>
+      </p:ext>
+    </p:extLst>
+  </p:cSld>
+  <p:clrMapOvr>
+    <a:masterClrMapping/>
+  </p:clrMapOvr>
+</p:sld>
+</file>
+
+<file path=ppt/slides/slide21.xml><?xml version="1.0" encoding="utf-8"?>
+<p:sld xmlns:a="http://schemas.openxmlformats.org/drawingml/2006/main" xmlns:r="http://schemas.openxmlformats.org/officeDocument/2006/relationships" xmlns:p="http://schemas.openxmlformats.org/presentationml/2006/main">
+  <p:cSld>
+    <p:spTree>
+      <p:nvGrpSpPr>
+        <p:cNvPr id="1" name=""/>
+        <p:cNvGrpSpPr/>
+        <p:nvPr/>
+      </p:nvGrpSpPr>
+      <p:grpSpPr>
+        <a:xfrm>
+          <a:off x="0" y="0"/>
+          <a:ext cx="0" cy="0"/>
+          <a:chOff x="0" y="0"/>
+          <a:chExt cx="0" cy="0"/>
+        </a:xfrm>
+      </p:grpSpPr>
+      <p:sp>
+        <p:nvSpPr>
+          <p:cNvPr id="2" name="Titel 1">
+            <a:extLst>
+              <a:ext uri="{FF2B5EF4-FFF2-40B4-BE49-F238E27FC236}">
                 <a16:creationId xmlns:a16="http://schemas.microsoft.com/office/drawing/2014/main" id="{FDEF736C-7866-67A6-DE2E-B34C3A79B207}"/>
               </a:ext>
             </a:extLst>
@@ -8108,7 +8285,7 @@
 </p:sld>
 </file>
 
-<file path=ppt/slides/slide21.xml><?xml version="1.0" encoding="utf-8"?>
+<file path=ppt/slides/slide22.xml><?xml version="1.0" encoding="utf-8"?>
 <p:sld xmlns:a="http://schemas.openxmlformats.org/drawingml/2006/main" xmlns:r="http://schemas.openxmlformats.org/officeDocument/2006/relationships" xmlns:p="http://schemas.openxmlformats.org/presentationml/2006/main">
   <p:cSld>
     <p:spTree>
@@ -8542,7 +8719,7 @@
 </p:sld>
 </file>
 
-<file path=ppt/slides/slide22.xml><?xml version="1.0" encoding="utf-8"?>
+<file path=ppt/slides/slide23.xml><?xml version="1.0" encoding="utf-8"?>
 <p:sld xmlns:a="http://schemas.openxmlformats.org/drawingml/2006/main" xmlns:r="http://schemas.openxmlformats.org/officeDocument/2006/relationships" xmlns:p="http://schemas.openxmlformats.org/presentationml/2006/main">
   <p:cSld>
     <p:spTree>
@@ -8787,7 +8964,7 @@
 </p:sld>
 </file>
 
-<file path=ppt/slides/slide23.xml><?xml version="1.0" encoding="utf-8"?>
+<file path=ppt/slides/slide24.xml><?xml version="1.0" encoding="utf-8"?>
 <p:sld xmlns:a="http://schemas.openxmlformats.org/drawingml/2006/main" xmlns:r="http://schemas.openxmlformats.org/officeDocument/2006/relationships" xmlns:p="http://schemas.openxmlformats.org/presentationml/2006/main">
   <p:cSld>
     <p:spTree>
@@ -9006,7 +9183,7 @@
 </p:sld>
 </file>
 
-<file path=ppt/slides/slide24.xml><?xml version="1.0" encoding="utf-8"?>
+<file path=ppt/slides/slide25.xml><?xml version="1.0" encoding="utf-8"?>
 <p:sld xmlns:a="http://schemas.openxmlformats.org/drawingml/2006/main" xmlns:r="http://schemas.openxmlformats.org/officeDocument/2006/relationships" xmlns:p="http://schemas.openxmlformats.org/presentationml/2006/main">
   <p:cSld>
     <p:spTree>
@@ -9256,7 +9433,7 @@
 </p:sld>
 </file>
 
-<file path=ppt/slides/slide25.xml><?xml version="1.0" encoding="utf-8"?>
+<file path=ppt/slides/slide26.xml><?xml version="1.0" encoding="utf-8"?>
 <p:sld xmlns:a="http://schemas.openxmlformats.org/drawingml/2006/main" xmlns:r="http://schemas.openxmlformats.org/officeDocument/2006/relationships" xmlns:p="http://schemas.openxmlformats.org/presentationml/2006/main">
   <p:cSld>
     <p:spTree>
@@ -9382,7 +9559,7 @@
 </p:sld>
 </file>
 
-<file path=ppt/slides/slide26.xml><?xml version="1.0" encoding="utf-8"?>
+<file path=ppt/slides/slide27.xml><?xml version="1.0" encoding="utf-8"?>
 <p:sld xmlns:a="http://schemas.openxmlformats.org/drawingml/2006/main" xmlns:r="http://schemas.openxmlformats.org/officeDocument/2006/relationships" xmlns:p="http://schemas.openxmlformats.org/presentationml/2006/main">
   <p:cSld>
     <p:spTree>
@@ -9967,12 +10144,18 @@
 </p:sld>
 </file>
 
-<file path=ppt/slides/slide27.xml><?xml version="1.0" encoding="utf-8"?>
+<file path=ppt/slides/slide28.xml><?xml version="1.0" encoding="utf-8"?>
 <p:sld xmlns:a="http://schemas.openxmlformats.org/drawingml/2006/main" xmlns:r="http://schemas.openxmlformats.org/officeDocument/2006/relationships" xmlns:p="http://schemas.openxmlformats.org/presentationml/2006/main">
   <p:cSld>
     <p:spTree>
       <p:nvGrpSpPr>
-        <p:cNvPr id="1" name=""/>
+        <p:cNvPr id="1" name="">
+          <a:extLst>
+            <a:ext uri="{FF2B5EF4-FFF2-40B4-BE49-F238E27FC236}">
+              <a16:creationId xmlns:a16="http://schemas.microsoft.com/office/drawing/2014/main" id="{331130A5-C0FF-D2EA-D3FB-876D03C25858}"/>
+            </a:ext>
+          </a:extLst>
+        </p:cNvPr>
         <p:cNvGrpSpPr/>
         <p:nvPr/>
       </p:nvGrpSpPr>
@@ -9989,7 +10172,7 @@
           <p:cNvPr id="2" name="Titel 1">
             <a:extLst>
               <a:ext uri="{FF2B5EF4-FFF2-40B4-BE49-F238E27FC236}">
-                <a16:creationId xmlns:a16="http://schemas.microsoft.com/office/drawing/2014/main" id="{13E7769F-3E9E-36AE-8D9B-6BBAF9EF98DB}"/>
+                <a16:creationId xmlns:a16="http://schemas.microsoft.com/office/drawing/2014/main" id="{0D3D8618-BE81-1718-28DD-E5776CF7968A}"/>
               </a:ext>
             </a:extLst>
           </p:cNvPr>
@@ -10017,7 +10200,7 @@
           <p:cNvPr id="3" name="Tijdelijke aanduiding voor inhoud 2">
             <a:extLst>
               <a:ext uri="{FF2B5EF4-FFF2-40B4-BE49-F238E27FC236}">
-                <a16:creationId xmlns:a16="http://schemas.microsoft.com/office/drawing/2014/main" id="{E45411DF-1442-8FAD-C9C4-711F8E5BBE84}"/>
+                <a16:creationId xmlns:a16="http://schemas.microsoft.com/office/drawing/2014/main" id="{10281C4D-4E30-E74A-9149-CB438B49C886}"/>
               </a:ext>
             </a:extLst>
           </p:cNvPr>
@@ -10028,9 +10211,16 @@
             <p:ph idx="1"/>
           </p:nvPr>
         </p:nvSpPr>
-        <p:spPr/>
+        <p:spPr>
+          <a:xfrm>
+            <a:off x="581192" y="1757680"/>
+            <a:ext cx="11029615" cy="1330960"/>
+          </a:xfrm>
+        </p:spPr>
         <p:txBody>
-          <a:bodyPr/>
+          <a:bodyPr>
+            <a:normAutofit/>
+          </a:bodyPr>
           <a:lstStyle/>
           <a:p>
             <a:pPr marL="0" indent="0">
@@ -10038,31 +10228,800 @@
             </a:pPr>
             <a:r>
               <a:rPr lang="nl-BE" dirty="0"/>
-              <a:t>Herneem de eerste opdracht en pas minstens 1 </a:t>
-            </a:r>
-            <a:r>
-              <a:rPr lang="nl-BE" dirty="0" err="1"/>
-              <a:t>rowspan</a:t>
-            </a:r>
-            <a:r>
-              <a:rPr lang="nl-BE" dirty="0"/>
-              <a:t> en 1 </a:t>
-            </a:r>
-            <a:r>
-              <a:rPr lang="nl-BE" dirty="0" err="1"/>
-              <a:t>colspan</a:t>
-            </a:r>
-            <a:r>
-              <a:rPr lang="nl-BE" dirty="0"/>
-              <a:t> toe.</a:t>
-            </a:r>
+              <a:t>Neem jouw lesrooster en maak dit na in HTML. Probeer zoveel mogelijk cellen samen te voegen (middagpauze, blokuren, …).</a:t>
+            </a:r>
+          </a:p>
+          <a:p>
+            <a:pPr marL="0" indent="0">
+              <a:buNone/>
+            </a:pPr>
+            <a:r>
+              <a:rPr lang="nl-BE" dirty="0"/>
+              <a:t>Zorg dat de hoofding er als volgt uit zien:</a:t>
+            </a:r>
+          </a:p>
+          <a:p>
+            <a:pPr marL="0" indent="0">
+              <a:buNone/>
+            </a:pPr>
+            <a:endParaRPr lang="nl-BE" dirty="0"/>
           </a:p>
         </p:txBody>
       </p:sp>
+      <p:graphicFrame>
+        <p:nvGraphicFramePr>
+          <p:cNvPr id="4" name="Tabel 3">
+            <a:extLst>
+              <a:ext uri="{FF2B5EF4-FFF2-40B4-BE49-F238E27FC236}">
+                <a16:creationId xmlns:a16="http://schemas.microsoft.com/office/drawing/2014/main" id="{A2695B55-736F-4EE7-F2EE-D0C0D6C78892}"/>
+              </a:ext>
+            </a:extLst>
+          </p:cNvPr>
+          <p:cNvGraphicFramePr>
+            <a:graphicFrameLocks noGrp="1"/>
+          </p:cNvGraphicFramePr>
+          <p:nvPr>
+            <p:extLst>
+              <p:ext uri="{D42A27DB-BD31-4B8C-83A1-F6EECF244321}">
+                <p14:modId xmlns:p14="http://schemas.microsoft.com/office/powerpoint/2010/main" val="625512778"/>
+              </p:ext>
+            </p:extLst>
+          </p:nvPr>
+        </p:nvGraphicFramePr>
+        <p:xfrm>
+          <a:off x="581190" y="2946400"/>
+          <a:ext cx="10767527" cy="3337560"/>
+        </p:xfrm>
+        <a:graphic>
+          <a:graphicData uri="http://schemas.openxmlformats.org/drawingml/2006/table">
+            <a:tbl>
+              <a:tblPr>
+                <a:tableStyleId>{5C22544A-7EE6-4342-B048-85BDC9FD1C3A}</a:tableStyleId>
+              </a:tblPr>
+              <a:tblGrid>
+                <a:gridCol w="2386802">
+                  <a:extLst>
+                    <a:ext uri="{9D8B030D-6E8A-4147-A177-3AD203B41FA5}">
+                      <a16:colId xmlns:a16="http://schemas.microsoft.com/office/drawing/2014/main" val="4098806038"/>
+                    </a:ext>
+                  </a:extLst>
+                </a:gridCol>
+                <a:gridCol w="1676145">
+                  <a:extLst>
+                    <a:ext uri="{9D8B030D-6E8A-4147-A177-3AD203B41FA5}">
+                      <a16:colId xmlns:a16="http://schemas.microsoft.com/office/drawing/2014/main" val="3228870589"/>
+                    </a:ext>
+                  </a:extLst>
+                </a:gridCol>
+                <a:gridCol w="1676145">
+                  <a:extLst>
+                    <a:ext uri="{9D8B030D-6E8A-4147-A177-3AD203B41FA5}">
+                      <a16:colId xmlns:a16="http://schemas.microsoft.com/office/drawing/2014/main" val="567726230"/>
+                    </a:ext>
+                  </a:extLst>
+                </a:gridCol>
+                <a:gridCol w="1676145">
+                  <a:extLst>
+                    <a:ext uri="{9D8B030D-6E8A-4147-A177-3AD203B41FA5}">
+                      <a16:colId xmlns:a16="http://schemas.microsoft.com/office/drawing/2014/main" val="972551165"/>
+                    </a:ext>
+                  </a:extLst>
+                </a:gridCol>
+                <a:gridCol w="1676145">
+                  <a:extLst>
+                    <a:ext uri="{9D8B030D-6E8A-4147-A177-3AD203B41FA5}">
+                      <a16:colId xmlns:a16="http://schemas.microsoft.com/office/drawing/2014/main" val="3295799953"/>
+                    </a:ext>
+                  </a:extLst>
+                </a:gridCol>
+                <a:gridCol w="1676145">
+                  <a:extLst>
+                    <a:ext uri="{9D8B030D-6E8A-4147-A177-3AD203B41FA5}">
+                      <a16:colId xmlns:a16="http://schemas.microsoft.com/office/drawing/2014/main" val="2642018261"/>
+                    </a:ext>
+                  </a:extLst>
+                </a:gridCol>
+              </a:tblGrid>
+              <a:tr h="370840">
+                <a:tc gridSpan="6">
+                  <a:txBody>
+                    <a:bodyPr/>
+                    <a:lstStyle/>
+                    <a:p>
+                      <a:pPr algn="ctr"/>
+                      <a:r>
+                        <a:rPr lang="nl-BE" b="1" dirty="0"/>
+                        <a:t>Lesrooster</a:t>
+                      </a:r>
+                    </a:p>
+                  </a:txBody>
+                  <a:tcPr>
+                    <a:solidFill>
+                      <a:schemeClr val="accent2"/>
+                    </a:solidFill>
+                  </a:tcPr>
+                </a:tc>
+                <a:tc hMerge="1">
+                  <a:txBody>
+                    <a:bodyPr/>
+                    <a:lstStyle/>
+                    <a:p>
+                      <a:endParaRPr lang="nl-BE" dirty="0"/>
+                    </a:p>
+                  </a:txBody>
+                  <a:tcPr/>
+                </a:tc>
+                <a:tc hMerge="1">
+                  <a:txBody>
+                    <a:bodyPr/>
+                    <a:lstStyle/>
+                    <a:p>
+                      <a:endParaRPr lang="nl-BE" dirty="0"/>
+                    </a:p>
+                  </a:txBody>
+                  <a:tcPr/>
+                </a:tc>
+                <a:tc hMerge="1">
+                  <a:txBody>
+                    <a:bodyPr/>
+                    <a:lstStyle/>
+                    <a:p>
+                      <a:endParaRPr lang="nl-BE" dirty="0"/>
+                    </a:p>
+                  </a:txBody>
+                  <a:tcPr/>
+                </a:tc>
+                <a:tc hMerge="1">
+                  <a:txBody>
+                    <a:bodyPr/>
+                    <a:lstStyle/>
+                    <a:p>
+                      <a:endParaRPr lang="nl-BE" dirty="0"/>
+                    </a:p>
+                  </a:txBody>
+                  <a:tcPr/>
+                </a:tc>
+                <a:tc hMerge="1">
+                  <a:txBody>
+                    <a:bodyPr/>
+                    <a:lstStyle/>
+                    <a:p>
+                      <a:endParaRPr lang="nl-BE" dirty="0"/>
+                    </a:p>
+                  </a:txBody>
+                  <a:tcPr/>
+                </a:tc>
+                <a:extLst>
+                  <a:ext uri="{0D108BD9-81ED-4DB2-BD59-A6C34878D82A}">
+                    <a16:rowId xmlns:a16="http://schemas.microsoft.com/office/drawing/2014/main" val="2499266624"/>
+                  </a:ext>
+                </a:extLst>
+              </a:tr>
+              <a:tr h="370840">
+                <a:tc rowSpan="2">
+                  <a:txBody>
+                    <a:bodyPr/>
+                    <a:lstStyle/>
+                    <a:p>
+                      <a:pPr algn="ctr"/>
+                      <a:r>
+                        <a:rPr lang="nl-BE" b="1" dirty="0"/>
+                        <a:t>Lesuur</a:t>
+                      </a:r>
+                    </a:p>
+                  </a:txBody>
+                  <a:tcPr anchor="ctr">
+                    <a:solidFill>
+                      <a:schemeClr val="accent2"/>
+                    </a:solidFill>
+                  </a:tcPr>
+                </a:tc>
+                <a:tc gridSpan="5">
+                  <a:txBody>
+                    <a:bodyPr/>
+                    <a:lstStyle/>
+                    <a:p>
+                      <a:pPr algn="ctr"/>
+                      <a:r>
+                        <a:rPr lang="nl-BE" b="1" dirty="0"/>
+                        <a:t>Dagen</a:t>
+                      </a:r>
+                    </a:p>
+                  </a:txBody>
+                  <a:tcPr>
+                    <a:solidFill>
+                      <a:schemeClr val="accent2"/>
+                    </a:solidFill>
+                  </a:tcPr>
+                </a:tc>
+                <a:tc hMerge="1">
+                  <a:txBody>
+                    <a:bodyPr/>
+                    <a:lstStyle/>
+                    <a:p>
+                      <a:endParaRPr lang="nl-BE" dirty="0"/>
+                    </a:p>
+                  </a:txBody>
+                  <a:tcPr/>
+                </a:tc>
+                <a:tc hMerge="1">
+                  <a:txBody>
+                    <a:bodyPr/>
+                    <a:lstStyle/>
+                    <a:p>
+                      <a:endParaRPr lang="nl-BE" dirty="0"/>
+                    </a:p>
+                  </a:txBody>
+                  <a:tcPr/>
+                </a:tc>
+                <a:tc hMerge="1">
+                  <a:txBody>
+                    <a:bodyPr/>
+                    <a:lstStyle/>
+                    <a:p>
+                      <a:endParaRPr lang="nl-BE" dirty="0"/>
+                    </a:p>
+                  </a:txBody>
+                  <a:tcPr/>
+                </a:tc>
+                <a:tc hMerge="1">
+                  <a:txBody>
+                    <a:bodyPr/>
+                    <a:lstStyle/>
+                    <a:p>
+                      <a:endParaRPr lang="nl-BE" dirty="0"/>
+                    </a:p>
+                  </a:txBody>
+                  <a:tcPr/>
+                </a:tc>
+                <a:extLst>
+                  <a:ext uri="{0D108BD9-81ED-4DB2-BD59-A6C34878D82A}">
+                    <a16:rowId xmlns:a16="http://schemas.microsoft.com/office/drawing/2014/main" val="2747757879"/>
+                  </a:ext>
+                </a:extLst>
+              </a:tr>
+              <a:tr h="370840">
+                <a:tc vMerge="1">
+                  <a:txBody>
+                    <a:bodyPr/>
+                    <a:lstStyle/>
+                    <a:p>
+                      <a:endParaRPr lang="nl-BE" dirty="0"/>
+                    </a:p>
+                  </a:txBody>
+                  <a:tcPr>
+                    <a:solidFill>
+                      <a:schemeClr val="accent2"/>
+                    </a:solidFill>
+                  </a:tcPr>
+                </a:tc>
+                <a:tc>
+                  <a:txBody>
+                    <a:bodyPr/>
+                    <a:lstStyle/>
+                    <a:p>
+                      <a:pPr algn="ctr"/>
+                      <a:r>
+                        <a:rPr lang="nl-BE" b="1" dirty="0"/>
+                        <a:t>Maandag</a:t>
+                      </a:r>
+                    </a:p>
+                  </a:txBody>
+                  <a:tcPr>
+                    <a:solidFill>
+                      <a:schemeClr val="accent2"/>
+                    </a:solidFill>
+                  </a:tcPr>
+                </a:tc>
+                <a:tc>
+                  <a:txBody>
+                    <a:bodyPr/>
+                    <a:lstStyle/>
+                    <a:p>
+                      <a:pPr algn="ctr"/>
+                      <a:r>
+                        <a:rPr lang="nl-BE" b="1" dirty="0"/>
+                        <a:t>Dinsdag</a:t>
+                      </a:r>
+                    </a:p>
+                  </a:txBody>
+                  <a:tcPr>
+                    <a:solidFill>
+                      <a:schemeClr val="accent2"/>
+                    </a:solidFill>
+                  </a:tcPr>
+                </a:tc>
+                <a:tc>
+                  <a:txBody>
+                    <a:bodyPr/>
+                    <a:lstStyle/>
+                    <a:p>
+                      <a:pPr algn="ctr"/>
+                      <a:r>
+                        <a:rPr lang="nl-BE" b="1" dirty="0"/>
+                        <a:t>Woensdag</a:t>
+                      </a:r>
+                    </a:p>
+                  </a:txBody>
+                  <a:tcPr>
+                    <a:solidFill>
+                      <a:schemeClr val="accent2"/>
+                    </a:solidFill>
+                  </a:tcPr>
+                </a:tc>
+                <a:tc>
+                  <a:txBody>
+                    <a:bodyPr/>
+                    <a:lstStyle/>
+                    <a:p>
+                      <a:pPr algn="ctr"/>
+                      <a:r>
+                        <a:rPr lang="nl-BE" b="1" dirty="0"/>
+                        <a:t>Donderdag</a:t>
+                      </a:r>
+                    </a:p>
+                  </a:txBody>
+                  <a:tcPr>
+                    <a:solidFill>
+                      <a:schemeClr val="accent2"/>
+                    </a:solidFill>
+                  </a:tcPr>
+                </a:tc>
+                <a:tc>
+                  <a:txBody>
+                    <a:bodyPr/>
+                    <a:lstStyle/>
+                    <a:p>
+                      <a:pPr algn="ctr"/>
+                      <a:r>
+                        <a:rPr lang="nl-BE" b="1" dirty="0"/>
+                        <a:t>Vrijdag</a:t>
+                      </a:r>
+                    </a:p>
+                  </a:txBody>
+                  <a:tcPr>
+                    <a:solidFill>
+                      <a:schemeClr val="accent2"/>
+                    </a:solidFill>
+                  </a:tcPr>
+                </a:tc>
+                <a:extLst>
+                  <a:ext uri="{0D108BD9-81ED-4DB2-BD59-A6C34878D82A}">
+                    <a16:rowId xmlns:a16="http://schemas.microsoft.com/office/drawing/2014/main" val="4227400426"/>
+                  </a:ext>
+                </a:extLst>
+              </a:tr>
+              <a:tr h="370840">
+                <a:tc>
+                  <a:txBody>
+                    <a:bodyPr/>
+                    <a:lstStyle/>
+                    <a:p>
+                      <a:r>
+                        <a:rPr lang="nl-BE" dirty="0"/>
+                        <a:t>1</a:t>
+                      </a:r>
+                    </a:p>
+                  </a:txBody>
+                  <a:tcPr/>
+                </a:tc>
+                <a:tc>
+                  <a:txBody>
+                    <a:bodyPr/>
+                    <a:lstStyle/>
+                    <a:p>
+                      <a:endParaRPr lang="nl-BE" dirty="0"/>
+                    </a:p>
+                  </a:txBody>
+                  <a:tcPr/>
+                </a:tc>
+                <a:tc>
+                  <a:txBody>
+                    <a:bodyPr/>
+                    <a:lstStyle/>
+                    <a:p>
+                      <a:endParaRPr lang="nl-BE" dirty="0"/>
+                    </a:p>
+                  </a:txBody>
+                  <a:tcPr/>
+                </a:tc>
+                <a:tc>
+                  <a:txBody>
+                    <a:bodyPr/>
+                    <a:lstStyle/>
+                    <a:p>
+                      <a:endParaRPr lang="nl-BE"/>
+                    </a:p>
+                  </a:txBody>
+                  <a:tcPr/>
+                </a:tc>
+                <a:tc rowSpan="3">
+                  <a:txBody>
+                    <a:bodyPr/>
+                    <a:lstStyle/>
+                    <a:p>
+                      <a:r>
+                        <a:rPr lang="nl-BE" dirty="0"/>
+                        <a:t>Software</a:t>
+                      </a:r>
+                    </a:p>
+                  </a:txBody>
+                  <a:tcPr/>
+                </a:tc>
+                <a:tc rowSpan="2">
+                  <a:txBody>
+                    <a:bodyPr/>
+                    <a:lstStyle/>
+                    <a:p>
+                      <a:r>
+                        <a:rPr lang="nl-BE" dirty="0"/>
+                        <a:t>Web-development</a:t>
+                      </a:r>
+                    </a:p>
+                  </a:txBody>
+                  <a:tcPr/>
+                </a:tc>
+                <a:extLst>
+                  <a:ext uri="{0D108BD9-81ED-4DB2-BD59-A6C34878D82A}">
+                    <a16:rowId xmlns:a16="http://schemas.microsoft.com/office/drawing/2014/main" val="4077594151"/>
+                  </a:ext>
+                </a:extLst>
+              </a:tr>
+              <a:tr h="370840">
+                <a:tc>
+                  <a:txBody>
+                    <a:bodyPr/>
+                    <a:lstStyle/>
+                    <a:p>
+                      <a:r>
+                        <a:rPr lang="nl-BE" dirty="0"/>
+                        <a:t>2</a:t>
+                      </a:r>
+                    </a:p>
+                  </a:txBody>
+                  <a:tcPr/>
+                </a:tc>
+                <a:tc>
+                  <a:txBody>
+                    <a:bodyPr/>
+                    <a:lstStyle/>
+                    <a:p>
+                      <a:endParaRPr lang="nl-BE" dirty="0"/>
+                    </a:p>
+                  </a:txBody>
+                  <a:tcPr/>
+                </a:tc>
+                <a:tc>
+                  <a:txBody>
+                    <a:bodyPr/>
+                    <a:lstStyle/>
+                    <a:p>
+                      <a:endParaRPr lang="nl-BE" dirty="0"/>
+                    </a:p>
+                  </a:txBody>
+                  <a:tcPr/>
+                </a:tc>
+                <a:tc>
+                  <a:txBody>
+                    <a:bodyPr/>
+                    <a:lstStyle/>
+                    <a:p>
+                      <a:endParaRPr lang="nl-BE"/>
+                    </a:p>
+                  </a:txBody>
+                  <a:tcPr/>
+                </a:tc>
+                <a:tc vMerge="1">
+                  <a:txBody>
+                    <a:bodyPr/>
+                    <a:lstStyle/>
+                    <a:p>
+                      <a:endParaRPr lang="nl-BE" dirty="0"/>
+                    </a:p>
+                  </a:txBody>
+                  <a:tcPr/>
+                </a:tc>
+                <a:tc vMerge="1">
+                  <a:txBody>
+                    <a:bodyPr/>
+                    <a:lstStyle/>
+                    <a:p>
+                      <a:endParaRPr lang="nl-BE" dirty="0"/>
+                    </a:p>
+                  </a:txBody>
+                  <a:tcPr/>
+                </a:tc>
+                <a:extLst>
+                  <a:ext uri="{0D108BD9-81ED-4DB2-BD59-A6C34878D82A}">
+                    <a16:rowId xmlns:a16="http://schemas.microsoft.com/office/drawing/2014/main" val="4090836444"/>
+                  </a:ext>
+                </a:extLst>
+              </a:tr>
+              <a:tr h="370840">
+                <a:tc>
+                  <a:txBody>
+                    <a:bodyPr/>
+                    <a:lstStyle/>
+                    <a:p>
+                      <a:r>
+                        <a:rPr lang="nl-BE" dirty="0"/>
+                        <a:t>3</a:t>
+                      </a:r>
+                    </a:p>
+                  </a:txBody>
+                  <a:tcPr/>
+                </a:tc>
+                <a:tc>
+                  <a:txBody>
+                    <a:bodyPr/>
+                    <a:lstStyle/>
+                    <a:p>
+                      <a:endParaRPr lang="nl-BE" dirty="0"/>
+                    </a:p>
+                  </a:txBody>
+                  <a:tcPr/>
+                </a:tc>
+                <a:tc>
+                  <a:txBody>
+                    <a:bodyPr/>
+                    <a:lstStyle/>
+                    <a:p>
+                      <a:endParaRPr lang="nl-BE" dirty="0"/>
+                    </a:p>
+                  </a:txBody>
+                  <a:tcPr/>
+                </a:tc>
+                <a:tc>
+                  <a:txBody>
+                    <a:bodyPr/>
+                    <a:lstStyle/>
+                    <a:p>
+                      <a:endParaRPr lang="nl-BE" dirty="0"/>
+                    </a:p>
+                  </a:txBody>
+                  <a:tcPr/>
+                </a:tc>
+                <a:tc vMerge="1">
+                  <a:txBody>
+                    <a:bodyPr/>
+                    <a:lstStyle/>
+                    <a:p>
+                      <a:endParaRPr lang="nl-BE" dirty="0"/>
+                    </a:p>
+                  </a:txBody>
+                  <a:tcPr/>
+                </a:tc>
+                <a:tc>
+                  <a:txBody>
+                    <a:bodyPr/>
+                    <a:lstStyle/>
+                    <a:p>
+                      <a:endParaRPr lang="nl-BE"/>
+                    </a:p>
+                  </a:txBody>
+                  <a:tcPr/>
+                </a:tc>
+                <a:extLst>
+                  <a:ext uri="{0D108BD9-81ED-4DB2-BD59-A6C34878D82A}">
+                    <a16:rowId xmlns:a16="http://schemas.microsoft.com/office/drawing/2014/main" val="3003994048"/>
+                  </a:ext>
+                </a:extLst>
+              </a:tr>
+              <a:tr h="370840">
+                <a:tc>
+                  <a:txBody>
+                    <a:bodyPr/>
+                    <a:lstStyle/>
+                    <a:p>
+                      <a:r>
+                        <a:rPr lang="nl-BE" dirty="0"/>
+                        <a:t>4</a:t>
+                      </a:r>
+                    </a:p>
+                  </a:txBody>
+                  <a:tcPr/>
+                </a:tc>
+                <a:tc>
+                  <a:txBody>
+                    <a:bodyPr/>
+                    <a:lstStyle/>
+                    <a:p>
+                      <a:endParaRPr lang="nl-BE" dirty="0"/>
+                    </a:p>
+                  </a:txBody>
+                  <a:tcPr/>
+                </a:tc>
+                <a:tc>
+                  <a:txBody>
+                    <a:bodyPr/>
+                    <a:lstStyle/>
+                    <a:p>
+                      <a:endParaRPr lang="nl-BE" dirty="0"/>
+                    </a:p>
+                  </a:txBody>
+                  <a:tcPr/>
+                </a:tc>
+                <a:tc>
+                  <a:txBody>
+                    <a:bodyPr/>
+                    <a:lstStyle/>
+                    <a:p>
+                      <a:endParaRPr lang="nl-BE" dirty="0"/>
+                    </a:p>
+                  </a:txBody>
+                  <a:tcPr/>
+                </a:tc>
+                <a:tc>
+                  <a:txBody>
+                    <a:bodyPr/>
+                    <a:lstStyle/>
+                    <a:p>
+                      <a:endParaRPr lang="nl-BE" dirty="0"/>
+                    </a:p>
+                  </a:txBody>
+                  <a:tcPr/>
+                </a:tc>
+                <a:tc>
+                  <a:txBody>
+                    <a:bodyPr/>
+                    <a:lstStyle/>
+                    <a:p>
+                      <a:endParaRPr lang="nl-BE" dirty="0"/>
+                    </a:p>
+                  </a:txBody>
+                  <a:tcPr/>
+                </a:tc>
+                <a:extLst>
+                  <a:ext uri="{0D108BD9-81ED-4DB2-BD59-A6C34878D82A}">
+                    <a16:rowId xmlns:a16="http://schemas.microsoft.com/office/drawing/2014/main" val="602934648"/>
+                  </a:ext>
+                </a:extLst>
+              </a:tr>
+              <a:tr h="370840">
+                <a:tc>
+                  <a:txBody>
+                    <a:bodyPr/>
+                    <a:lstStyle/>
+                    <a:p>
+                      <a:r>
+                        <a:rPr lang="nl-BE" dirty="0"/>
+                        <a:t>Middagpauze</a:t>
+                      </a:r>
+                    </a:p>
+                  </a:txBody>
+                  <a:tcPr/>
+                </a:tc>
+                <a:tc gridSpan="5">
+                  <a:txBody>
+                    <a:bodyPr/>
+                    <a:lstStyle/>
+                    <a:p>
+                      <a:endParaRPr lang="nl-BE" dirty="0"/>
+                    </a:p>
+                  </a:txBody>
+                  <a:tcPr/>
+                </a:tc>
+                <a:tc hMerge="1">
+                  <a:txBody>
+                    <a:bodyPr/>
+                    <a:lstStyle/>
+                    <a:p>
+                      <a:endParaRPr lang="nl-BE" dirty="0"/>
+                    </a:p>
+                  </a:txBody>
+                  <a:tcPr/>
+                </a:tc>
+                <a:tc hMerge="1">
+                  <a:txBody>
+                    <a:bodyPr/>
+                    <a:lstStyle/>
+                    <a:p>
+                      <a:endParaRPr lang="nl-BE" dirty="0"/>
+                    </a:p>
+                  </a:txBody>
+                  <a:tcPr/>
+                </a:tc>
+                <a:tc hMerge="1">
+                  <a:txBody>
+                    <a:bodyPr/>
+                    <a:lstStyle/>
+                    <a:p>
+                      <a:endParaRPr lang="nl-BE" dirty="0"/>
+                    </a:p>
+                  </a:txBody>
+                  <a:tcPr/>
+                </a:tc>
+                <a:tc hMerge="1">
+                  <a:txBody>
+                    <a:bodyPr/>
+                    <a:lstStyle/>
+                    <a:p>
+                      <a:endParaRPr lang="nl-BE" dirty="0"/>
+                    </a:p>
+                  </a:txBody>
+                  <a:tcPr/>
+                </a:tc>
+                <a:extLst>
+                  <a:ext uri="{0D108BD9-81ED-4DB2-BD59-A6C34878D82A}">
+                    <a16:rowId xmlns:a16="http://schemas.microsoft.com/office/drawing/2014/main" val="1549608894"/>
+                  </a:ext>
+                </a:extLst>
+              </a:tr>
+              <a:tr h="370840">
+                <a:tc>
+                  <a:txBody>
+                    <a:bodyPr/>
+                    <a:lstStyle/>
+                    <a:p>
+                      <a:endParaRPr lang="nl-BE" dirty="0"/>
+                    </a:p>
+                  </a:txBody>
+                  <a:tcPr/>
+                </a:tc>
+                <a:tc>
+                  <a:txBody>
+                    <a:bodyPr/>
+                    <a:lstStyle/>
+                    <a:p>
+                      <a:endParaRPr lang="nl-BE"/>
+                    </a:p>
+                  </a:txBody>
+                  <a:tcPr/>
+                </a:tc>
+                <a:tc>
+                  <a:txBody>
+                    <a:bodyPr/>
+                    <a:lstStyle/>
+                    <a:p>
+                      <a:endParaRPr lang="nl-BE" dirty="0"/>
+                    </a:p>
+                  </a:txBody>
+                  <a:tcPr/>
+                </a:tc>
+                <a:tc>
+                  <a:txBody>
+                    <a:bodyPr/>
+                    <a:lstStyle/>
+                    <a:p>
+                      <a:endParaRPr lang="nl-BE"/>
+                    </a:p>
+                  </a:txBody>
+                  <a:tcPr/>
+                </a:tc>
+                <a:tc>
+                  <a:txBody>
+                    <a:bodyPr/>
+                    <a:lstStyle/>
+                    <a:p>
+                      <a:endParaRPr lang="nl-BE" dirty="0"/>
+                    </a:p>
+                  </a:txBody>
+                  <a:tcPr/>
+                </a:tc>
+                <a:tc>
+                  <a:txBody>
+                    <a:bodyPr/>
+                    <a:lstStyle/>
+                    <a:p>
+                      <a:endParaRPr lang="nl-BE" dirty="0"/>
+                    </a:p>
+                  </a:txBody>
+                  <a:tcPr/>
+                </a:tc>
+                <a:extLst>
+                  <a:ext uri="{0D108BD9-81ED-4DB2-BD59-A6C34878D82A}">
+                    <a16:rowId xmlns:a16="http://schemas.microsoft.com/office/drawing/2014/main" val="2114152368"/>
+                  </a:ext>
+                </a:extLst>
+              </a:tr>
+            </a:tbl>
+          </a:graphicData>
+        </a:graphic>
+      </p:graphicFrame>
     </p:spTree>
     <p:extLst>
       <p:ext uri="{BB962C8B-B14F-4D97-AF65-F5344CB8AC3E}">
-        <p14:creationId xmlns:p14="http://schemas.microsoft.com/office/powerpoint/2010/main" val="1489733937"/>
+        <p14:creationId xmlns:p14="http://schemas.microsoft.com/office/powerpoint/2010/main" val="3792445182"/>
       </p:ext>
     </p:extLst>
   </p:cSld>
@@ -10072,7 +11031,7 @@
 </p:sld>
 </file>
 
-<file path=ppt/slides/slide28.xml><?xml version="1.0" encoding="utf-8"?>
+<file path=ppt/slides/slide29.xml><?xml version="1.0" encoding="utf-8"?>
 <p:sld xmlns:a="http://schemas.openxmlformats.org/drawingml/2006/main" xmlns:r="http://schemas.openxmlformats.org/officeDocument/2006/relationships" xmlns:p="http://schemas.openxmlformats.org/presentationml/2006/main">
   <p:cSld>
     <p:spTree>
@@ -10575,146 +11534,6 @@
     <p:extLst>
       <p:ext uri="{BB962C8B-B14F-4D97-AF65-F5344CB8AC3E}">
         <p14:creationId xmlns:p14="http://schemas.microsoft.com/office/powerpoint/2010/main" val="1832345921"/>
-      </p:ext>
-    </p:extLst>
-  </p:cSld>
-  <p:clrMapOvr>
-    <a:masterClrMapping/>
-  </p:clrMapOvr>
-</p:sld>
-</file>
-
-<file path=ppt/slides/slide29.xml><?xml version="1.0" encoding="utf-8"?>
-<p:sld xmlns:a="http://schemas.openxmlformats.org/drawingml/2006/main" xmlns:r="http://schemas.openxmlformats.org/officeDocument/2006/relationships" xmlns:p="http://schemas.openxmlformats.org/presentationml/2006/main">
-  <p:cSld>
-    <p:spTree>
-      <p:nvGrpSpPr>
-        <p:cNvPr id="1" name=""/>
-        <p:cNvGrpSpPr/>
-        <p:nvPr/>
-      </p:nvGrpSpPr>
-      <p:grpSpPr>
-        <a:xfrm>
-          <a:off x="0" y="0"/>
-          <a:ext cx="0" cy="0"/>
-          <a:chOff x="0" y="0"/>
-          <a:chExt cx="0" cy="0"/>
-        </a:xfrm>
-      </p:grpSpPr>
-      <p:sp>
-        <p:nvSpPr>
-          <p:cNvPr id="2" name="Titel 1">
-            <a:extLst>
-              <a:ext uri="{FF2B5EF4-FFF2-40B4-BE49-F238E27FC236}">
-                <a16:creationId xmlns:a16="http://schemas.microsoft.com/office/drawing/2014/main" id="{3B5862F5-4BD7-C7FD-410A-CBAE474D753C}"/>
-              </a:ext>
-            </a:extLst>
-          </p:cNvPr>
-          <p:cNvSpPr>
-            <a:spLocks noGrp="1"/>
-          </p:cNvSpPr>
-          <p:nvPr>
-            <p:ph type="title"/>
-          </p:nvPr>
-        </p:nvSpPr>
-        <p:spPr/>
-        <p:txBody>
-          <a:bodyPr/>
-          <a:lstStyle/>
-          <a:p>
-            <a:r>
-              <a:rPr lang="nl-BE" dirty="0"/>
-              <a:t>Ongeordende lijst: </a:t>
-            </a:r>
-            <a:r>
-              <a:rPr lang="nl-BE" dirty="0" err="1"/>
-              <a:t>style</a:t>
-            </a:r>
-            <a:r>
-              <a:rPr lang="nl-BE" dirty="0"/>
-              <a:t>: list-</a:t>
-            </a:r>
-            <a:r>
-              <a:rPr lang="nl-BE" dirty="0" err="1"/>
-              <a:t>style</a:t>
-            </a:r>
-            <a:r>
-              <a:rPr lang="nl-BE" dirty="0"/>
-              <a:t>-type</a:t>
-            </a:r>
-          </a:p>
-        </p:txBody>
-      </p:sp>
-      <p:sp>
-        <p:nvSpPr>
-          <p:cNvPr id="3" name="Tijdelijke aanduiding voor inhoud 2">
-            <a:extLst>
-              <a:ext uri="{FF2B5EF4-FFF2-40B4-BE49-F238E27FC236}">
-                <a16:creationId xmlns:a16="http://schemas.microsoft.com/office/drawing/2014/main" id="{B34DA328-D237-3725-E55B-E939FAE4F1C0}"/>
-              </a:ext>
-            </a:extLst>
-          </p:cNvPr>
-          <p:cNvSpPr>
-            <a:spLocks noGrp="1"/>
-          </p:cNvSpPr>
-          <p:nvPr>
-            <p:ph idx="1"/>
-          </p:nvPr>
-        </p:nvSpPr>
-        <p:spPr/>
-        <p:txBody>
-          <a:bodyPr/>
-          <a:lstStyle/>
-          <a:p>
-            <a:r>
-              <a:rPr lang="nl-BE" dirty="0"/>
-              <a:t>Bij ongeordende lijsten kan je d.m.v. het </a:t>
-            </a:r>
-            <a:r>
-              <a:rPr lang="nl-BE" dirty="0" err="1"/>
-              <a:t>style</a:t>
-            </a:r>
-            <a:r>
-              <a:rPr lang="nl-BE" dirty="0"/>
-              <a:t>-attribuut een list-</a:t>
-            </a:r>
-            <a:r>
-              <a:rPr lang="nl-BE" dirty="0" err="1"/>
-              <a:t>style</a:t>
-            </a:r>
-            <a:r>
-              <a:rPr lang="nl-BE" dirty="0"/>
-              <a:t>-type instellen:</a:t>
-            </a:r>
-          </a:p>
-          <a:p>
-            <a:pPr lvl="1"/>
-            <a:r>
-              <a:rPr lang="nl-BE" dirty="0" err="1"/>
-              <a:t>Circle</a:t>
-            </a:r>
-            <a:endParaRPr lang="nl-BE" dirty="0"/>
-          </a:p>
-          <a:p>
-            <a:pPr lvl="1"/>
-            <a:r>
-              <a:rPr lang="nl-BE" dirty="0"/>
-              <a:t>Disc</a:t>
-            </a:r>
-          </a:p>
-          <a:p>
-            <a:pPr lvl="1"/>
-            <a:r>
-              <a:rPr lang="nl-BE" dirty="0"/>
-              <a:t>Square</a:t>
-            </a:r>
-          </a:p>
-        </p:txBody>
-      </p:sp>
-    </p:spTree>
-    <p:extLst>
-      <p:ext uri="{BB962C8B-B14F-4D97-AF65-F5344CB8AC3E}">
-        <p14:creationId xmlns:p14="http://schemas.microsoft.com/office/powerpoint/2010/main" val="1676160336"/>
       </p:ext>
     </p:extLst>
   </p:cSld>
@@ -10878,6 +11697,146 @@
           <p:cNvPr id="2" name="Titel 1">
             <a:extLst>
               <a:ext uri="{FF2B5EF4-FFF2-40B4-BE49-F238E27FC236}">
+                <a16:creationId xmlns:a16="http://schemas.microsoft.com/office/drawing/2014/main" id="{3B5862F5-4BD7-C7FD-410A-CBAE474D753C}"/>
+              </a:ext>
+            </a:extLst>
+          </p:cNvPr>
+          <p:cNvSpPr>
+            <a:spLocks noGrp="1"/>
+          </p:cNvSpPr>
+          <p:nvPr>
+            <p:ph type="title"/>
+          </p:nvPr>
+        </p:nvSpPr>
+        <p:spPr/>
+        <p:txBody>
+          <a:bodyPr/>
+          <a:lstStyle/>
+          <a:p>
+            <a:r>
+              <a:rPr lang="nl-BE" dirty="0"/>
+              <a:t>Ongeordende lijst: </a:t>
+            </a:r>
+            <a:r>
+              <a:rPr lang="nl-BE" dirty="0" err="1"/>
+              <a:t>style</a:t>
+            </a:r>
+            <a:r>
+              <a:rPr lang="nl-BE" dirty="0"/>
+              <a:t>: list-</a:t>
+            </a:r>
+            <a:r>
+              <a:rPr lang="nl-BE" dirty="0" err="1"/>
+              <a:t>style</a:t>
+            </a:r>
+            <a:r>
+              <a:rPr lang="nl-BE" dirty="0"/>
+              <a:t>-type</a:t>
+            </a:r>
+          </a:p>
+        </p:txBody>
+      </p:sp>
+      <p:sp>
+        <p:nvSpPr>
+          <p:cNvPr id="3" name="Tijdelijke aanduiding voor inhoud 2">
+            <a:extLst>
+              <a:ext uri="{FF2B5EF4-FFF2-40B4-BE49-F238E27FC236}">
+                <a16:creationId xmlns:a16="http://schemas.microsoft.com/office/drawing/2014/main" id="{B34DA328-D237-3725-E55B-E939FAE4F1C0}"/>
+              </a:ext>
+            </a:extLst>
+          </p:cNvPr>
+          <p:cNvSpPr>
+            <a:spLocks noGrp="1"/>
+          </p:cNvSpPr>
+          <p:nvPr>
+            <p:ph idx="1"/>
+          </p:nvPr>
+        </p:nvSpPr>
+        <p:spPr/>
+        <p:txBody>
+          <a:bodyPr/>
+          <a:lstStyle/>
+          <a:p>
+            <a:r>
+              <a:rPr lang="nl-BE" dirty="0"/>
+              <a:t>Bij ongeordende lijsten kan je d.m.v. het </a:t>
+            </a:r>
+            <a:r>
+              <a:rPr lang="nl-BE" dirty="0" err="1"/>
+              <a:t>style</a:t>
+            </a:r>
+            <a:r>
+              <a:rPr lang="nl-BE" dirty="0"/>
+              <a:t>-attribuut een list-</a:t>
+            </a:r>
+            <a:r>
+              <a:rPr lang="nl-BE" dirty="0" err="1"/>
+              <a:t>style</a:t>
+            </a:r>
+            <a:r>
+              <a:rPr lang="nl-BE" dirty="0"/>
+              <a:t>-type instellen:</a:t>
+            </a:r>
+          </a:p>
+          <a:p>
+            <a:pPr lvl="1"/>
+            <a:r>
+              <a:rPr lang="nl-BE" dirty="0" err="1"/>
+              <a:t>Circle</a:t>
+            </a:r>
+            <a:endParaRPr lang="nl-BE" dirty="0"/>
+          </a:p>
+          <a:p>
+            <a:pPr lvl="1"/>
+            <a:r>
+              <a:rPr lang="nl-BE" dirty="0"/>
+              <a:t>Disc</a:t>
+            </a:r>
+          </a:p>
+          <a:p>
+            <a:pPr lvl="1"/>
+            <a:r>
+              <a:rPr lang="nl-BE" dirty="0"/>
+              <a:t>Square</a:t>
+            </a:r>
+          </a:p>
+        </p:txBody>
+      </p:sp>
+    </p:spTree>
+    <p:extLst>
+      <p:ext uri="{BB962C8B-B14F-4D97-AF65-F5344CB8AC3E}">
+        <p14:creationId xmlns:p14="http://schemas.microsoft.com/office/powerpoint/2010/main" val="1676160336"/>
+      </p:ext>
+    </p:extLst>
+  </p:cSld>
+  <p:clrMapOvr>
+    <a:masterClrMapping/>
+  </p:clrMapOvr>
+</p:sld>
+</file>
+
+<file path=ppt/slides/slide31.xml><?xml version="1.0" encoding="utf-8"?>
+<p:sld xmlns:a="http://schemas.openxmlformats.org/drawingml/2006/main" xmlns:r="http://schemas.openxmlformats.org/officeDocument/2006/relationships" xmlns:p="http://schemas.openxmlformats.org/presentationml/2006/main">
+  <p:cSld>
+    <p:spTree>
+      <p:nvGrpSpPr>
+        <p:cNvPr id="1" name=""/>
+        <p:cNvGrpSpPr/>
+        <p:nvPr/>
+      </p:nvGrpSpPr>
+      <p:grpSpPr>
+        <a:xfrm>
+          <a:off x="0" y="0"/>
+          <a:ext cx="0" cy="0"/>
+          <a:chOff x="0" y="0"/>
+          <a:chExt cx="0" cy="0"/>
+        </a:xfrm>
+      </p:grpSpPr>
+      <p:sp>
+        <p:nvSpPr>
+          <p:cNvPr id="2" name="Titel 1">
+            <a:extLst>
+              <a:ext uri="{FF2B5EF4-FFF2-40B4-BE49-F238E27FC236}">
                 <a16:creationId xmlns:a16="http://schemas.microsoft.com/office/drawing/2014/main" id="{D0697007-FBAE-28B3-ED0E-92C4F4B9F464}"/>
               </a:ext>
             </a:extLst>
@@ -10977,7 +11936,7 @@
             <a:pPr rtl="0"/>
             <a:fld id="{66D3D282-C61A-41D7-9714-7814FA67361E}" type="datetime1">
               <a:rPr lang="nl-NL" smtClean="0"/>
-              <a:t>28-11-2025</a:t>
+              <a:t>7-1-2026</a:t>
             </a:fld>
             <a:endParaRPr lang="en-US" dirty="0"/>
           </a:p>
@@ -10996,7 +11955,7 @@
 </p:sld>
 </file>
 
-<file path=ppt/slides/slide31.xml><?xml version="1.0" encoding="utf-8"?>
+<file path=ppt/slides/slide32.xml><?xml version="1.0" encoding="utf-8"?>
 <p:sld xmlns:a="http://schemas.openxmlformats.org/drawingml/2006/main" xmlns:r="http://schemas.openxmlformats.org/officeDocument/2006/relationships" xmlns:p="http://schemas.openxmlformats.org/presentationml/2006/main">
   <p:cSld>
     <p:spTree>
@@ -11138,7 +12097,7 @@
 </p:sld>
 </file>
 
-<file path=ppt/slides/slide32.xml><?xml version="1.0" encoding="utf-8"?>
+<file path=ppt/slides/slide33.xml><?xml version="1.0" encoding="utf-8"?>
 <p:sld xmlns:a="http://schemas.openxmlformats.org/drawingml/2006/main" xmlns:r="http://schemas.openxmlformats.org/officeDocument/2006/relationships" xmlns:p="http://schemas.openxmlformats.org/presentationml/2006/main">
   <p:cSld>
     <p:spTree>
@@ -11254,7 +12213,7 @@
 </p:sld>
 </file>
 
-<file path=ppt/slides/slide33.xml><?xml version="1.0" encoding="utf-8"?>
+<file path=ppt/slides/slide34.xml><?xml version="1.0" encoding="utf-8"?>
 <p:sld xmlns:a="http://schemas.openxmlformats.org/drawingml/2006/main" xmlns:r="http://schemas.openxmlformats.org/officeDocument/2006/relationships" xmlns:p="http://schemas.openxmlformats.org/presentationml/2006/main">
   <p:cSld>
     <p:spTree>
@@ -11588,7 +12547,7 @@
 </p:sld>
 </file>
 
-<file path=ppt/slides/slide34.xml><?xml version="1.0" encoding="utf-8"?>
+<file path=ppt/slides/slide35.xml><?xml version="1.0" encoding="utf-8"?>
 <p:sld xmlns:a="http://schemas.openxmlformats.org/drawingml/2006/main" xmlns:r="http://schemas.openxmlformats.org/officeDocument/2006/relationships" xmlns:p="http://schemas.openxmlformats.org/presentationml/2006/main">
   <p:cSld>
     <p:spTree>
@@ -14689,7 +15648,7 @@
 </p:sld>
 </file>
 
-<file path=ppt/slides/slide35.xml><?xml version="1.0" encoding="utf-8"?>
+<file path=ppt/slides/slide36.xml><?xml version="1.0" encoding="utf-8"?>
 <p:sld xmlns:a="http://schemas.openxmlformats.org/drawingml/2006/main" xmlns:r="http://schemas.openxmlformats.org/officeDocument/2006/relationships" xmlns:p="http://schemas.openxmlformats.org/presentationml/2006/main">
   <p:cSld>
     <p:spTree>
@@ -14949,157 +15908,6 @@
     <p:extLst>
       <p:ext uri="{BB962C8B-B14F-4D97-AF65-F5344CB8AC3E}">
         <p14:creationId xmlns:p14="http://schemas.microsoft.com/office/powerpoint/2010/main" val="3466630859"/>
-      </p:ext>
-    </p:extLst>
-  </p:cSld>
-  <p:clrMapOvr>
-    <a:masterClrMapping/>
-  </p:clrMapOvr>
-</p:sld>
-</file>
-
-<file path=ppt/slides/slide36.xml><?xml version="1.0" encoding="utf-8"?>
-<p:sld xmlns:a="http://schemas.openxmlformats.org/drawingml/2006/main" xmlns:r="http://schemas.openxmlformats.org/officeDocument/2006/relationships" xmlns:p="http://schemas.openxmlformats.org/presentationml/2006/main">
-  <p:cSld>
-    <p:spTree>
-      <p:nvGrpSpPr>
-        <p:cNvPr id="1" name="">
-          <a:extLst>
-            <a:ext uri="{FF2B5EF4-FFF2-40B4-BE49-F238E27FC236}">
-              <a16:creationId xmlns:a16="http://schemas.microsoft.com/office/drawing/2014/main" id="{C6064CD0-11EA-4B65-8D5E-C0F8F93761E5}"/>
-            </a:ext>
-          </a:extLst>
-        </p:cNvPr>
-        <p:cNvGrpSpPr/>
-        <p:nvPr/>
-      </p:nvGrpSpPr>
-      <p:grpSpPr>
-        <a:xfrm>
-          <a:off x="0" y="0"/>
-          <a:ext cx="0" cy="0"/>
-          <a:chOff x="0" y="0"/>
-          <a:chExt cx="0" cy="0"/>
-        </a:xfrm>
-      </p:grpSpPr>
-      <p:sp>
-        <p:nvSpPr>
-          <p:cNvPr id="2" name="Titel 1">
-            <a:extLst>
-              <a:ext uri="{FF2B5EF4-FFF2-40B4-BE49-F238E27FC236}">
-                <a16:creationId xmlns:a16="http://schemas.microsoft.com/office/drawing/2014/main" id="{EE97D044-1506-7668-1ACE-B541FF5361FD}"/>
-              </a:ext>
-            </a:extLst>
-          </p:cNvPr>
-          <p:cNvSpPr>
-            <a:spLocks noGrp="1"/>
-          </p:cNvSpPr>
-          <p:nvPr>
-            <p:ph type="title"/>
-          </p:nvPr>
-        </p:nvSpPr>
-        <p:spPr/>
-        <p:txBody>
-          <a:bodyPr/>
-          <a:lstStyle/>
-          <a:p>
-            <a:r>
-              <a:rPr lang="nl-BE" dirty="0"/>
-              <a:t>eigenschappen: Display</a:t>
-            </a:r>
-          </a:p>
-        </p:txBody>
-      </p:sp>
-      <p:sp>
-        <p:nvSpPr>
-          <p:cNvPr id="3" name="Tijdelijke aanduiding voor inhoud 2">
-            <a:extLst>
-              <a:ext uri="{FF2B5EF4-FFF2-40B4-BE49-F238E27FC236}">
-                <a16:creationId xmlns:a16="http://schemas.microsoft.com/office/drawing/2014/main" id="{E57CB285-4E52-D8FC-8EF9-A7D1133C8F68}"/>
-              </a:ext>
-            </a:extLst>
-          </p:cNvPr>
-          <p:cNvSpPr>
-            <a:spLocks noGrp="1"/>
-          </p:cNvSpPr>
-          <p:nvPr>
-            <p:ph idx="1"/>
-          </p:nvPr>
-        </p:nvSpPr>
-        <p:spPr/>
-        <p:txBody>
-          <a:bodyPr/>
-          <a:lstStyle/>
-          <a:p>
-            <a:r>
-              <a:rPr lang="nl-BE" dirty="0"/>
-              <a:t>Bepaalt hoe een element wordt getoond, en dus ook hoe je hier bepaalde eigenschappen (zoals </a:t>
-            </a:r>
-            <a:r>
-              <a:rPr lang="nl-BE" dirty="0" err="1"/>
-              <a:t>margin</a:t>
-            </a:r>
-            <a:r>
-              <a:rPr lang="nl-BE" dirty="0"/>
-              <a:t>: auto) op kan toepassen.</a:t>
-            </a:r>
-          </a:p>
-          <a:p>
-            <a:r>
-              <a:rPr lang="nl-BE" dirty="0"/>
-              <a:t>Waarde:</a:t>
-            </a:r>
-          </a:p>
-          <a:p>
-            <a:pPr lvl="1"/>
-            <a:r>
-              <a:rPr lang="nl-BE" dirty="0" err="1"/>
-              <a:t>Inline</a:t>
-            </a:r>
-            <a:r>
-              <a:rPr lang="nl-BE" dirty="0"/>
-              <a:t>: zoals een &lt;span&gt;, dus </a:t>
-            </a:r>
-            <a:r>
-              <a:rPr lang="nl-BE" i="1" dirty="0"/>
-              <a:t>in </a:t>
-            </a:r>
-            <a:r>
-              <a:rPr lang="nl-BE" dirty="0"/>
-              <a:t>een </a:t>
-            </a:r>
-            <a:r>
-              <a:rPr lang="nl-BE" i="1" dirty="0"/>
-              <a:t>line</a:t>
-            </a:r>
-            <a:r>
-              <a:rPr lang="nl-BE" dirty="0"/>
-              <a:t> met andere elementen.</a:t>
-            </a:r>
-          </a:p>
-          <a:p>
-            <a:pPr lvl="1"/>
-            <a:r>
-              <a:rPr lang="nl-BE" dirty="0"/>
-              <a:t>Block: zoals een &lt;p&gt;, dus als een aparte block</a:t>
-            </a:r>
-          </a:p>
-          <a:p>
-            <a:pPr lvl="1"/>
-            <a:r>
-              <a:rPr lang="nl-BE" dirty="0" err="1"/>
-              <a:t>Inherit</a:t>
-            </a:r>
-            <a:r>
-              <a:rPr lang="nl-BE" dirty="0"/>
-              <a:t>: neemt over van bovenliggend element</a:t>
-            </a:r>
-          </a:p>
-        </p:txBody>
-      </p:sp>
-    </p:spTree>
-    <p:extLst>
-      <p:ext uri="{BB962C8B-B14F-4D97-AF65-F5344CB8AC3E}">
-        <p14:creationId xmlns:p14="http://schemas.microsoft.com/office/powerpoint/2010/main" val="1178364668"/>
       </p:ext>
     </p:extLst>
   </p:cSld>
@@ -15155,7 +15963,7 @@
           <a:p>
             <a:r>
               <a:rPr lang="nl-BE" dirty="0"/>
-              <a:t>eigenschappen: Kleuren</a:t>
+              <a:t>eigenschappen: Display</a:t>
             </a:r>
           </a:p>
         </p:txBody>
@@ -15183,6 +15991,157 @@
           <a:p>
             <a:r>
               <a:rPr lang="nl-BE" dirty="0"/>
+              <a:t>Bepaalt hoe een element wordt getoond, en dus ook hoe je hier bepaalde eigenschappen (zoals </a:t>
+            </a:r>
+            <a:r>
+              <a:rPr lang="nl-BE" dirty="0" err="1"/>
+              <a:t>margin</a:t>
+            </a:r>
+            <a:r>
+              <a:rPr lang="nl-BE" dirty="0"/>
+              <a:t>: auto) op kan toepassen.</a:t>
+            </a:r>
+          </a:p>
+          <a:p>
+            <a:r>
+              <a:rPr lang="nl-BE" dirty="0"/>
+              <a:t>Waarde:</a:t>
+            </a:r>
+          </a:p>
+          <a:p>
+            <a:pPr lvl="1"/>
+            <a:r>
+              <a:rPr lang="nl-BE" dirty="0" err="1"/>
+              <a:t>Inline</a:t>
+            </a:r>
+            <a:r>
+              <a:rPr lang="nl-BE" dirty="0"/>
+              <a:t>: zoals een &lt;span&gt;, dus </a:t>
+            </a:r>
+            <a:r>
+              <a:rPr lang="nl-BE" i="1" dirty="0"/>
+              <a:t>in </a:t>
+            </a:r>
+            <a:r>
+              <a:rPr lang="nl-BE" dirty="0"/>
+              <a:t>een </a:t>
+            </a:r>
+            <a:r>
+              <a:rPr lang="nl-BE" i="1" dirty="0"/>
+              <a:t>line</a:t>
+            </a:r>
+            <a:r>
+              <a:rPr lang="nl-BE" dirty="0"/>
+              <a:t> met andere elementen.</a:t>
+            </a:r>
+          </a:p>
+          <a:p>
+            <a:pPr lvl="1"/>
+            <a:r>
+              <a:rPr lang="nl-BE" dirty="0"/>
+              <a:t>Block: zoals een &lt;p&gt;, dus als een aparte block</a:t>
+            </a:r>
+          </a:p>
+          <a:p>
+            <a:pPr lvl="1"/>
+            <a:r>
+              <a:rPr lang="nl-BE" dirty="0" err="1"/>
+              <a:t>Inherit</a:t>
+            </a:r>
+            <a:r>
+              <a:rPr lang="nl-BE" dirty="0"/>
+              <a:t>: neemt over van bovenliggend element</a:t>
+            </a:r>
+          </a:p>
+        </p:txBody>
+      </p:sp>
+    </p:spTree>
+    <p:extLst>
+      <p:ext uri="{BB962C8B-B14F-4D97-AF65-F5344CB8AC3E}">
+        <p14:creationId xmlns:p14="http://schemas.microsoft.com/office/powerpoint/2010/main" val="1178364668"/>
+      </p:ext>
+    </p:extLst>
+  </p:cSld>
+  <p:clrMapOvr>
+    <a:masterClrMapping/>
+  </p:clrMapOvr>
+</p:sld>
+</file>
+
+<file path=ppt/slides/slide38.xml><?xml version="1.0" encoding="utf-8"?>
+<p:sld xmlns:a="http://schemas.openxmlformats.org/drawingml/2006/main" xmlns:r="http://schemas.openxmlformats.org/officeDocument/2006/relationships" xmlns:p="http://schemas.openxmlformats.org/presentationml/2006/main">
+  <p:cSld>
+    <p:spTree>
+      <p:nvGrpSpPr>
+        <p:cNvPr id="1" name="">
+          <a:extLst>
+            <a:ext uri="{FF2B5EF4-FFF2-40B4-BE49-F238E27FC236}">
+              <a16:creationId xmlns:a16="http://schemas.microsoft.com/office/drawing/2014/main" id="{C6064CD0-11EA-4B65-8D5E-C0F8F93761E5}"/>
+            </a:ext>
+          </a:extLst>
+        </p:cNvPr>
+        <p:cNvGrpSpPr/>
+        <p:nvPr/>
+      </p:nvGrpSpPr>
+      <p:grpSpPr>
+        <a:xfrm>
+          <a:off x="0" y="0"/>
+          <a:ext cx="0" cy="0"/>
+          <a:chOff x="0" y="0"/>
+          <a:chExt cx="0" cy="0"/>
+        </a:xfrm>
+      </p:grpSpPr>
+      <p:sp>
+        <p:nvSpPr>
+          <p:cNvPr id="2" name="Titel 1">
+            <a:extLst>
+              <a:ext uri="{FF2B5EF4-FFF2-40B4-BE49-F238E27FC236}">
+                <a16:creationId xmlns:a16="http://schemas.microsoft.com/office/drawing/2014/main" id="{EE97D044-1506-7668-1ACE-B541FF5361FD}"/>
+              </a:ext>
+            </a:extLst>
+          </p:cNvPr>
+          <p:cNvSpPr>
+            <a:spLocks noGrp="1"/>
+          </p:cNvSpPr>
+          <p:nvPr>
+            <p:ph type="title"/>
+          </p:nvPr>
+        </p:nvSpPr>
+        <p:spPr/>
+        <p:txBody>
+          <a:bodyPr/>
+          <a:lstStyle/>
+          <a:p>
+            <a:r>
+              <a:rPr lang="nl-BE" dirty="0"/>
+              <a:t>eigenschappen: Kleuren</a:t>
+            </a:r>
+          </a:p>
+        </p:txBody>
+      </p:sp>
+      <p:sp>
+        <p:nvSpPr>
+          <p:cNvPr id="3" name="Tijdelijke aanduiding voor inhoud 2">
+            <a:extLst>
+              <a:ext uri="{FF2B5EF4-FFF2-40B4-BE49-F238E27FC236}">
+                <a16:creationId xmlns:a16="http://schemas.microsoft.com/office/drawing/2014/main" id="{E57CB285-4E52-D8FC-8EF9-A7D1133C8F68}"/>
+              </a:ext>
+            </a:extLst>
+          </p:cNvPr>
+          <p:cNvSpPr>
+            <a:spLocks noGrp="1"/>
+          </p:cNvSpPr>
+          <p:nvPr>
+            <p:ph idx="1"/>
+          </p:nvPr>
+        </p:nvSpPr>
+        <p:spPr/>
+        <p:txBody>
+          <a:bodyPr/>
+          <a:lstStyle/>
+          <a:p>
+            <a:r>
+              <a:rPr lang="nl-BE" dirty="0"/>
               <a:t>Vooraf gedefinieerde kleuren: black, green, red, </a:t>
             </a:r>
             <a:r>
@@ -15341,7 +16300,7 @@
 </p:sld>
 </file>
 
-<file path=ppt/slides/slide38.xml><?xml version="1.0" encoding="utf-8"?>
+<file path=ppt/slides/slide39.xml><?xml version="1.0" encoding="utf-8"?>
 <p:sld xmlns:a="http://schemas.openxmlformats.org/drawingml/2006/main" xmlns:r="http://schemas.openxmlformats.org/officeDocument/2006/relationships" xmlns:p="http://schemas.openxmlformats.org/presentationml/2006/main">
   <p:cSld>
     <p:spTree>
@@ -15559,241 +16518,6 @@
     <p:extLst>
       <p:ext uri="{BB962C8B-B14F-4D97-AF65-F5344CB8AC3E}">
         <p14:creationId xmlns:p14="http://schemas.microsoft.com/office/powerpoint/2010/main" val="2529747929"/>
-      </p:ext>
-    </p:extLst>
-  </p:cSld>
-  <p:clrMapOvr>
-    <a:masterClrMapping/>
-  </p:clrMapOvr>
-</p:sld>
-</file>
-
-<file path=ppt/slides/slide39.xml><?xml version="1.0" encoding="utf-8"?>
-<p:sld xmlns:a="http://schemas.openxmlformats.org/drawingml/2006/main" xmlns:r="http://schemas.openxmlformats.org/officeDocument/2006/relationships" xmlns:p="http://schemas.openxmlformats.org/presentationml/2006/main">
-  <p:cSld>
-    <p:spTree>
-      <p:nvGrpSpPr>
-        <p:cNvPr id="1" name="">
-          <a:extLst>
-            <a:ext uri="{FF2B5EF4-FFF2-40B4-BE49-F238E27FC236}">
-              <a16:creationId xmlns:a16="http://schemas.microsoft.com/office/drawing/2014/main" id="{1B44CDDF-36A5-3594-50CD-8A764085421C}"/>
-            </a:ext>
-          </a:extLst>
-        </p:cNvPr>
-        <p:cNvGrpSpPr/>
-        <p:nvPr/>
-      </p:nvGrpSpPr>
-      <p:grpSpPr>
-        <a:xfrm>
-          <a:off x="0" y="0"/>
-          <a:ext cx="0" cy="0"/>
-          <a:chOff x="0" y="0"/>
-          <a:chExt cx="0" cy="0"/>
-        </a:xfrm>
-      </p:grpSpPr>
-      <p:sp>
-        <p:nvSpPr>
-          <p:cNvPr id="2" name="Titel 1">
-            <a:extLst>
-              <a:ext uri="{FF2B5EF4-FFF2-40B4-BE49-F238E27FC236}">
-                <a16:creationId xmlns:a16="http://schemas.microsoft.com/office/drawing/2014/main" id="{88CD223F-D39A-137D-7ABA-5F7FAA27B5C4}"/>
-              </a:ext>
-            </a:extLst>
-          </p:cNvPr>
-          <p:cNvSpPr>
-            <a:spLocks noGrp="1"/>
-          </p:cNvSpPr>
-          <p:nvPr>
-            <p:ph type="title"/>
-          </p:nvPr>
-        </p:nvSpPr>
-        <p:spPr/>
-        <p:txBody>
-          <a:bodyPr/>
-          <a:lstStyle/>
-          <a:p>
-            <a:r>
-              <a:rPr lang="nl-BE" dirty="0"/>
-              <a:t>eigenschappen: afstanden</a:t>
-            </a:r>
-          </a:p>
-        </p:txBody>
-      </p:sp>
-      <p:sp>
-        <p:nvSpPr>
-          <p:cNvPr id="3" name="Tijdelijke aanduiding voor inhoud 2">
-            <a:extLst>
-              <a:ext uri="{FF2B5EF4-FFF2-40B4-BE49-F238E27FC236}">
-                <a16:creationId xmlns:a16="http://schemas.microsoft.com/office/drawing/2014/main" id="{D10F50C6-B7E2-B3F9-A3C6-6CCF9DE77139}"/>
-              </a:ext>
-            </a:extLst>
-          </p:cNvPr>
-          <p:cNvSpPr>
-            <a:spLocks noGrp="1"/>
-          </p:cNvSpPr>
-          <p:nvPr>
-            <p:ph idx="1"/>
-          </p:nvPr>
-        </p:nvSpPr>
-        <p:spPr>
-          <a:xfrm>
-            <a:off x="581192" y="2340863"/>
-            <a:ext cx="11029615" cy="4347803"/>
-          </a:xfrm>
-        </p:spPr>
-        <p:txBody>
-          <a:bodyPr/>
-          <a:lstStyle/>
-          <a:p>
-            <a:r>
-              <a:rPr lang="nl-BE" dirty="0" err="1"/>
-              <a:t>Width</a:t>
-            </a:r>
-            <a:r>
-              <a:rPr lang="nl-BE" dirty="0"/>
-              <a:t>/</a:t>
-            </a:r>
-            <a:r>
-              <a:rPr lang="nl-BE" dirty="0" err="1"/>
-              <a:t>Height</a:t>
-            </a:r>
-            <a:r>
-              <a:rPr lang="nl-BE" dirty="0"/>
-              <a:t>:</a:t>
-            </a:r>
-          </a:p>
-          <a:p>
-            <a:pPr lvl="1"/>
-            <a:r>
-              <a:rPr lang="nl-BE" dirty="0"/>
-              <a:t>auto</a:t>
-            </a:r>
-          </a:p>
-          <a:p>
-            <a:pPr lvl="1"/>
-            <a:r>
-              <a:rPr lang="nl-BE" dirty="0" err="1"/>
-              <a:t>initial</a:t>
-            </a:r>
-            <a:r>
-              <a:rPr lang="nl-BE" dirty="0"/>
-              <a:t> (</a:t>
-            </a:r>
-            <a:r>
-              <a:rPr lang="nl-BE" dirty="0" err="1"/>
-              <a:t>initaliseren</a:t>
-            </a:r>
-            <a:r>
-              <a:rPr lang="nl-BE" dirty="0"/>
-              <a:t>)</a:t>
-            </a:r>
-          </a:p>
-          <a:p>
-            <a:pPr lvl="1"/>
-            <a:r>
-              <a:rPr lang="nl-BE" dirty="0" err="1"/>
-              <a:t>inherit</a:t>
-            </a:r>
-            <a:r>
-              <a:rPr lang="nl-BE" dirty="0"/>
-              <a:t>: overnemen van </a:t>
-            </a:r>
-            <a:r>
-              <a:rPr lang="nl-BE" dirty="0" err="1"/>
-              <a:t>parent</a:t>
-            </a:r>
-            <a:r>
-              <a:rPr lang="nl-BE" dirty="0"/>
-              <a:t>-element</a:t>
-            </a:r>
-          </a:p>
-          <a:p>
-            <a:pPr lvl="1"/>
-            <a:r>
-              <a:rPr lang="nl-BE" dirty="0" err="1"/>
-              <a:t>length</a:t>
-            </a:r>
-            <a:r>
-              <a:rPr lang="nl-BE" dirty="0"/>
-              <a:t> (vaste waarde): </a:t>
-            </a:r>
-            <a:r>
-              <a:rPr lang="nl-BE" dirty="0" err="1"/>
-              <a:t>px</a:t>
-            </a:r>
-            <a:r>
-              <a:rPr lang="nl-BE" dirty="0"/>
-              <a:t>, cm, …</a:t>
-            </a:r>
-          </a:p>
-          <a:p>
-            <a:pPr lvl="1"/>
-            <a:r>
-              <a:rPr lang="nl-BE" dirty="0"/>
-              <a:t>%: op basis van hoogte/breedte van </a:t>
-            </a:r>
-            <a:r>
-              <a:rPr lang="nl-BE" dirty="0" err="1"/>
-              <a:t>parent</a:t>
-            </a:r>
-            <a:r>
-              <a:rPr lang="nl-BE" dirty="0"/>
-              <a:t>-element</a:t>
-            </a:r>
-          </a:p>
-        </p:txBody>
-      </p:sp>
-      <p:pic>
-        <p:nvPicPr>
-          <p:cNvPr id="1026" name="Picture 2" descr="The Box Model: Padding, Border, Margin: CSS Tutorial">
-            <a:extLst>
-              <a:ext uri="{FF2B5EF4-FFF2-40B4-BE49-F238E27FC236}">
-                <a16:creationId xmlns:a16="http://schemas.microsoft.com/office/drawing/2014/main" id="{B65B57D4-1FA3-9F76-D61A-40F5901EDCBB}"/>
-              </a:ext>
-            </a:extLst>
-          </p:cNvPr>
-          <p:cNvPicPr>
-            <a:picLocks noChangeAspect="1" noChangeArrowheads="1"/>
-          </p:cNvPicPr>
-          <p:nvPr/>
-        </p:nvPicPr>
-        <p:blipFill>
-          <a:blip r:embed="rId2">
-            <a:extLst>
-              <a:ext uri="{28A0092B-C50C-407E-A947-70E740481C1C}">
-                <a14:useLocalDpi xmlns:a14="http://schemas.microsoft.com/office/drawing/2010/main" val="0"/>
-              </a:ext>
-            </a:extLst>
-          </a:blip>
-          <a:srcRect/>
-          <a:stretch>
-            <a:fillRect/>
-          </a:stretch>
-        </p:blipFill>
-        <p:spPr bwMode="auto">
-          <a:xfrm>
-            <a:off x="7047287" y="2395335"/>
-            <a:ext cx="4563520" cy="3525543"/>
-          </a:xfrm>
-          <a:prstGeom prst="rect">
-            <a:avLst/>
-          </a:prstGeom>
-          <a:noFill/>
-          <a:extLst>
-            <a:ext uri="{909E8E84-426E-40DD-AFC4-6F175D3DCCD1}">
-              <a14:hiddenFill xmlns:a14="http://schemas.microsoft.com/office/drawing/2010/main">
-                <a:solidFill>
-                  <a:srgbClr val="FFFFFF"/>
-                </a:solidFill>
-              </a14:hiddenFill>
-            </a:ext>
-          </a:extLst>
-        </p:spPr>
-      </p:pic>
-    </p:spTree>
-    <p:extLst>
-      <p:ext uri="{BB962C8B-B14F-4D97-AF65-F5344CB8AC3E}">
-        <p14:creationId xmlns:p14="http://schemas.microsoft.com/office/powerpoint/2010/main" val="4022230308"/>
       </p:ext>
     </p:extLst>
   </p:cSld>
@@ -16024,6 +16748,241 @@
         <p:cNvPr id="1" name="">
           <a:extLst>
             <a:ext uri="{FF2B5EF4-FFF2-40B4-BE49-F238E27FC236}">
+              <a16:creationId xmlns:a16="http://schemas.microsoft.com/office/drawing/2014/main" id="{1B44CDDF-36A5-3594-50CD-8A764085421C}"/>
+            </a:ext>
+          </a:extLst>
+        </p:cNvPr>
+        <p:cNvGrpSpPr/>
+        <p:nvPr/>
+      </p:nvGrpSpPr>
+      <p:grpSpPr>
+        <a:xfrm>
+          <a:off x="0" y="0"/>
+          <a:ext cx="0" cy="0"/>
+          <a:chOff x="0" y="0"/>
+          <a:chExt cx="0" cy="0"/>
+        </a:xfrm>
+      </p:grpSpPr>
+      <p:sp>
+        <p:nvSpPr>
+          <p:cNvPr id="2" name="Titel 1">
+            <a:extLst>
+              <a:ext uri="{FF2B5EF4-FFF2-40B4-BE49-F238E27FC236}">
+                <a16:creationId xmlns:a16="http://schemas.microsoft.com/office/drawing/2014/main" id="{88CD223F-D39A-137D-7ABA-5F7FAA27B5C4}"/>
+              </a:ext>
+            </a:extLst>
+          </p:cNvPr>
+          <p:cNvSpPr>
+            <a:spLocks noGrp="1"/>
+          </p:cNvSpPr>
+          <p:nvPr>
+            <p:ph type="title"/>
+          </p:nvPr>
+        </p:nvSpPr>
+        <p:spPr/>
+        <p:txBody>
+          <a:bodyPr/>
+          <a:lstStyle/>
+          <a:p>
+            <a:r>
+              <a:rPr lang="nl-BE" dirty="0"/>
+              <a:t>eigenschappen: afstanden</a:t>
+            </a:r>
+          </a:p>
+        </p:txBody>
+      </p:sp>
+      <p:sp>
+        <p:nvSpPr>
+          <p:cNvPr id="3" name="Tijdelijke aanduiding voor inhoud 2">
+            <a:extLst>
+              <a:ext uri="{FF2B5EF4-FFF2-40B4-BE49-F238E27FC236}">
+                <a16:creationId xmlns:a16="http://schemas.microsoft.com/office/drawing/2014/main" id="{D10F50C6-B7E2-B3F9-A3C6-6CCF9DE77139}"/>
+              </a:ext>
+            </a:extLst>
+          </p:cNvPr>
+          <p:cNvSpPr>
+            <a:spLocks noGrp="1"/>
+          </p:cNvSpPr>
+          <p:nvPr>
+            <p:ph idx="1"/>
+          </p:nvPr>
+        </p:nvSpPr>
+        <p:spPr>
+          <a:xfrm>
+            <a:off x="581192" y="2340863"/>
+            <a:ext cx="11029615" cy="4347803"/>
+          </a:xfrm>
+        </p:spPr>
+        <p:txBody>
+          <a:bodyPr/>
+          <a:lstStyle/>
+          <a:p>
+            <a:r>
+              <a:rPr lang="nl-BE" dirty="0" err="1"/>
+              <a:t>Width</a:t>
+            </a:r>
+            <a:r>
+              <a:rPr lang="nl-BE" dirty="0"/>
+              <a:t>/</a:t>
+            </a:r>
+            <a:r>
+              <a:rPr lang="nl-BE" dirty="0" err="1"/>
+              <a:t>Height</a:t>
+            </a:r>
+            <a:r>
+              <a:rPr lang="nl-BE" dirty="0"/>
+              <a:t>:</a:t>
+            </a:r>
+          </a:p>
+          <a:p>
+            <a:pPr lvl="1"/>
+            <a:r>
+              <a:rPr lang="nl-BE" dirty="0"/>
+              <a:t>auto</a:t>
+            </a:r>
+          </a:p>
+          <a:p>
+            <a:pPr lvl="1"/>
+            <a:r>
+              <a:rPr lang="nl-BE" dirty="0" err="1"/>
+              <a:t>initial</a:t>
+            </a:r>
+            <a:r>
+              <a:rPr lang="nl-BE" dirty="0"/>
+              <a:t> (</a:t>
+            </a:r>
+            <a:r>
+              <a:rPr lang="nl-BE" dirty="0" err="1"/>
+              <a:t>initaliseren</a:t>
+            </a:r>
+            <a:r>
+              <a:rPr lang="nl-BE" dirty="0"/>
+              <a:t>)</a:t>
+            </a:r>
+          </a:p>
+          <a:p>
+            <a:pPr lvl="1"/>
+            <a:r>
+              <a:rPr lang="nl-BE" dirty="0" err="1"/>
+              <a:t>inherit</a:t>
+            </a:r>
+            <a:r>
+              <a:rPr lang="nl-BE" dirty="0"/>
+              <a:t>: overnemen van </a:t>
+            </a:r>
+            <a:r>
+              <a:rPr lang="nl-BE" dirty="0" err="1"/>
+              <a:t>parent</a:t>
+            </a:r>
+            <a:r>
+              <a:rPr lang="nl-BE" dirty="0"/>
+              <a:t>-element</a:t>
+            </a:r>
+          </a:p>
+          <a:p>
+            <a:pPr lvl="1"/>
+            <a:r>
+              <a:rPr lang="nl-BE" dirty="0" err="1"/>
+              <a:t>length</a:t>
+            </a:r>
+            <a:r>
+              <a:rPr lang="nl-BE" dirty="0"/>
+              <a:t> (vaste waarde): </a:t>
+            </a:r>
+            <a:r>
+              <a:rPr lang="nl-BE" dirty="0" err="1"/>
+              <a:t>px</a:t>
+            </a:r>
+            <a:r>
+              <a:rPr lang="nl-BE" dirty="0"/>
+              <a:t>, cm, …</a:t>
+            </a:r>
+          </a:p>
+          <a:p>
+            <a:pPr lvl="1"/>
+            <a:r>
+              <a:rPr lang="nl-BE" dirty="0"/>
+              <a:t>%: op basis van hoogte/breedte van </a:t>
+            </a:r>
+            <a:r>
+              <a:rPr lang="nl-BE" dirty="0" err="1"/>
+              <a:t>parent</a:t>
+            </a:r>
+            <a:r>
+              <a:rPr lang="nl-BE" dirty="0"/>
+              <a:t>-element</a:t>
+            </a:r>
+          </a:p>
+        </p:txBody>
+      </p:sp>
+      <p:pic>
+        <p:nvPicPr>
+          <p:cNvPr id="1026" name="Picture 2" descr="The Box Model: Padding, Border, Margin: CSS Tutorial">
+            <a:extLst>
+              <a:ext uri="{FF2B5EF4-FFF2-40B4-BE49-F238E27FC236}">
+                <a16:creationId xmlns:a16="http://schemas.microsoft.com/office/drawing/2014/main" id="{B65B57D4-1FA3-9F76-D61A-40F5901EDCBB}"/>
+              </a:ext>
+            </a:extLst>
+          </p:cNvPr>
+          <p:cNvPicPr>
+            <a:picLocks noChangeAspect="1" noChangeArrowheads="1"/>
+          </p:cNvPicPr>
+          <p:nvPr/>
+        </p:nvPicPr>
+        <p:blipFill>
+          <a:blip r:embed="rId2">
+            <a:extLst>
+              <a:ext uri="{28A0092B-C50C-407E-A947-70E740481C1C}">
+                <a14:useLocalDpi xmlns:a14="http://schemas.microsoft.com/office/drawing/2010/main" val="0"/>
+              </a:ext>
+            </a:extLst>
+          </a:blip>
+          <a:srcRect/>
+          <a:stretch>
+            <a:fillRect/>
+          </a:stretch>
+        </p:blipFill>
+        <p:spPr bwMode="auto">
+          <a:xfrm>
+            <a:off x="7047287" y="2395335"/>
+            <a:ext cx="4563520" cy="3525543"/>
+          </a:xfrm>
+          <a:prstGeom prst="rect">
+            <a:avLst/>
+          </a:prstGeom>
+          <a:noFill/>
+          <a:extLst>
+            <a:ext uri="{909E8E84-426E-40DD-AFC4-6F175D3DCCD1}">
+              <a14:hiddenFill xmlns:a14="http://schemas.microsoft.com/office/drawing/2010/main">
+                <a:solidFill>
+                  <a:srgbClr val="FFFFFF"/>
+                </a:solidFill>
+              </a14:hiddenFill>
+            </a:ext>
+          </a:extLst>
+        </p:spPr>
+      </p:pic>
+    </p:spTree>
+    <p:extLst>
+      <p:ext uri="{BB962C8B-B14F-4D97-AF65-F5344CB8AC3E}">
+        <p14:creationId xmlns:p14="http://schemas.microsoft.com/office/powerpoint/2010/main" val="4022230308"/>
+      </p:ext>
+    </p:extLst>
+  </p:cSld>
+  <p:clrMapOvr>
+    <a:masterClrMapping/>
+  </p:clrMapOvr>
+</p:sld>
+</file>
+
+<file path=ppt/slides/slide41.xml><?xml version="1.0" encoding="utf-8"?>
+<p:sld xmlns:a="http://schemas.openxmlformats.org/drawingml/2006/main" xmlns:r="http://schemas.openxmlformats.org/officeDocument/2006/relationships" xmlns:p="http://schemas.openxmlformats.org/presentationml/2006/main">
+  <p:cSld>
+    <p:spTree>
+      <p:nvGrpSpPr>
+        <p:cNvPr id="1" name="">
+          <a:extLst>
+            <a:ext uri="{FF2B5EF4-FFF2-40B4-BE49-F238E27FC236}">
               <a16:creationId xmlns:a16="http://schemas.microsoft.com/office/drawing/2014/main" id="{4557281D-A62B-3423-46C8-44D7B01B3A59}"/>
             </a:ext>
           </a:extLst>
@@ -16111,7 +17070,7 @@
             <a:pPr lvl="1"/>
             <a:r>
               <a:rPr lang="nl-BE" dirty="0"/>
-              <a:t>&lt;h2&gt; met je beroep of hobby</a:t>
+              <a:t>&lt;h2&gt; met je hobby of interesse</a:t>
             </a:r>
           </a:p>
           <a:p>
@@ -16250,7 +17209,7 @@
 </p:sld>
 </file>
 
-<file path=ppt/slides/slide41.xml><?xml version="1.0" encoding="utf-8"?>
+<file path=ppt/slides/slide42.xml><?xml version="1.0" encoding="utf-8"?>
 <p:sld xmlns:a="http://schemas.openxmlformats.org/drawingml/2006/main" xmlns:r="http://schemas.openxmlformats.org/officeDocument/2006/relationships" xmlns:p="http://schemas.openxmlformats.org/presentationml/2006/main">
   <p:cSld>
     <p:spTree>
@@ -16532,7 +17491,7 @@
 </p:sld>
 </file>
 
-<file path=ppt/slides/slide42.xml><?xml version="1.0" encoding="utf-8"?>
+<file path=ppt/slides/slide43.xml><?xml version="1.0" encoding="utf-8"?>
 <p:sld xmlns:a="http://schemas.openxmlformats.org/drawingml/2006/main" xmlns:r="http://schemas.openxmlformats.org/officeDocument/2006/relationships" xmlns:p="http://schemas.openxmlformats.org/presentationml/2006/main">
   <p:cSld>
     <p:spTree>
@@ -16620,7 +17579,7 @@
             <a:pPr lvl="1"/>
             <a:r>
               <a:rPr lang="nl-BE" dirty="0"/>
-              <a:t>&lt;h1&gt; titel van je winkel</a:t>
+              <a:t>&lt;h1&gt; titel van je favoriete winkel</a:t>
             </a:r>
           </a:p>
           <a:p>
@@ -16783,7 +17742,7 @@
 </p:sld>
 </file>
 
-<file path=ppt/slides/slide43.xml><?xml version="1.0" encoding="utf-8"?>
+<file path=ppt/slides/slide44.xml><?xml version="1.0" encoding="utf-8"?>
 <p:sld xmlns:a="http://schemas.openxmlformats.org/drawingml/2006/main" xmlns:r="http://schemas.openxmlformats.org/officeDocument/2006/relationships" xmlns:p="http://schemas.openxmlformats.org/presentationml/2006/main">
   <p:cSld>
     <p:spTree>
@@ -16880,7 +17839,7 @@
             <a:pPr rtl="0"/>
             <a:fld id="{66D3D282-C61A-41D7-9714-7814FA67361E}" type="datetime1">
               <a:rPr lang="nl-NL" smtClean="0"/>
-              <a:t>28-11-2025</a:t>
+              <a:t>7-1-2026</a:t>
             </a:fld>
             <a:endParaRPr lang="en-US" dirty="0"/>
           </a:p>
@@ -16899,7 +17858,7 @@
 </p:sld>
 </file>
 
-<file path=ppt/slides/slide44.xml><?xml version="1.0" encoding="utf-8"?>
+<file path=ppt/slides/slide45.xml><?xml version="1.0" encoding="utf-8"?>
 <p:sld xmlns:a="http://schemas.openxmlformats.org/drawingml/2006/main" xmlns:r="http://schemas.openxmlformats.org/officeDocument/2006/relationships" xmlns:p="http://schemas.openxmlformats.org/presentationml/2006/main">
   <p:cSld>
     <p:spTree>
@@ -17003,7 +17962,7 @@
 </p:sld>
 </file>
 
-<file path=ppt/slides/slide45.xml><?xml version="1.0" encoding="utf-8"?>
+<file path=ppt/slides/slide46.xml><?xml version="1.0" encoding="utf-8"?>
 <p:sld xmlns:a="http://schemas.openxmlformats.org/drawingml/2006/main" xmlns:r="http://schemas.openxmlformats.org/officeDocument/2006/relationships" xmlns:p="http://schemas.openxmlformats.org/presentationml/2006/main">
   <p:cSld>
     <p:spTree>
@@ -17277,7 +18236,7 @@
 </p:sld>
 </file>
 
-<file path=ppt/slides/slide46.xml><?xml version="1.0" encoding="utf-8"?>
+<file path=ppt/slides/slide47.xml><?xml version="1.0" encoding="utf-8"?>
 <p:sld xmlns:a="http://schemas.openxmlformats.org/drawingml/2006/main" xmlns:r="http://schemas.openxmlformats.org/officeDocument/2006/relationships" xmlns:p="http://schemas.openxmlformats.org/presentationml/2006/main">
   <p:cSld>
     <p:spTree>
@@ -17835,7 +18794,7 @@
 </p:sld>
 </file>
 
-<file path=ppt/slides/slide47.xml><?xml version="1.0" encoding="utf-8"?>
+<file path=ppt/slides/slide48.xml><?xml version="1.0" encoding="utf-8"?>
 <p:sld xmlns:a="http://schemas.openxmlformats.org/drawingml/2006/main" xmlns:r="http://schemas.openxmlformats.org/officeDocument/2006/relationships" xmlns:p="http://schemas.openxmlformats.org/presentationml/2006/main">
   <p:cSld>
     <p:spTree>
@@ -18101,7 +19060,7 @@
 </p:sld>
 </file>
 
-<file path=ppt/slides/slide48.xml><?xml version="1.0" encoding="utf-8"?>
+<file path=ppt/slides/slide49.xml><?xml version="1.0" encoding="utf-8"?>
 <p:sld xmlns:a="http://schemas.openxmlformats.org/drawingml/2006/main" xmlns:r="http://schemas.openxmlformats.org/officeDocument/2006/relationships" xmlns:p="http://schemas.openxmlformats.org/presentationml/2006/main">
   <p:cSld>
     <p:spTree>
@@ -18449,163 +19408,6 @@
     <p:extLst>
       <p:ext uri="{BB962C8B-B14F-4D97-AF65-F5344CB8AC3E}">
         <p14:creationId xmlns:p14="http://schemas.microsoft.com/office/powerpoint/2010/main" val="1810173470"/>
-      </p:ext>
-    </p:extLst>
-  </p:cSld>
-  <p:clrMapOvr>
-    <a:masterClrMapping/>
-  </p:clrMapOvr>
-</p:sld>
-</file>
-
-<file path=ppt/slides/slide49.xml><?xml version="1.0" encoding="utf-8"?>
-<p:sld xmlns:a="http://schemas.openxmlformats.org/drawingml/2006/main" xmlns:r="http://schemas.openxmlformats.org/officeDocument/2006/relationships" xmlns:p="http://schemas.openxmlformats.org/presentationml/2006/main">
-  <p:cSld>
-    <p:spTree>
-      <p:nvGrpSpPr>
-        <p:cNvPr id="1" name=""/>
-        <p:cNvGrpSpPr/>
-        <p:nvPr/>
-      </p:nvGrpSpPr>
-      <p:grpSpPr>
-        <a:xfrm>
-          <a:off x="0" y="0"/>
-          <a:ext cx="0" cy="0"/>
-          <a:chOff x="0" y="0"/>
-          <a:chExt cx="0" cy="0"/>
-        </a:xfrm>
-      </p:grpSpPr>
-      <p:sp>
-        <p:nvSpPr>
-          <p:cNvPr id="2" name="Titel 1">
-            <a:extLst>
-              <a:ext uri="{FF2B5EF4-FFF2-40B4-BE49-F238E27FC236}">
-                <a16:creationId xmlns:a16="http://schemas.microsoft.com/office/drawing/2014/main" id="{933D7D8F-B819-81BF-DA86-83726FAEF496}"/>
-              </a:ext>
-            </a:extLst>
-          </p:cNvPr>
-          <p:cNvSpPr>
-            <a:spLocks noGrp="1"/>
-          </p:cNvSpPr>
-          <p:nvPr>
-            <p:ph type="title"/>
-          </p:nvPr>
-        </p:nvSpPr>
-        <p:spPr/>
-        <p:txBody>
-          <a:bodyPr/>
-          <a:lstStyle/>
-          <a:p>
-            <a:r>
-              <a:rPr lang="nl-BE" dirty="0"/>
-              <a:t>document</a:t>
-            </a:r>
-          </a:p>
-        </p:txBody>
-      </p:sp>
-      <p:sp>
-        <p:nvSpPr>
-          <p:cNvPr id="3" name="Tijdelijke aanduiding voor inhoud 2">
-            <a:extLst>
-              <a:ext uri="{FF2B5EF4-FFF2-40B4-BE49-F238E27FC236}">
-                <a16:creationId xmlns:a16="http://schemas.microsoft.com/office/drawing/2014/main" id="{C823ABD3-3833-30EE-A10A-DC1C61D4913E}"/>
-              </a:ext>
-            </a:extLst>
-          </p:cNvPr>
-          <p:cNvSpPr>
-            <a:spLocks noGrp="1"/>
-          </p:cNvSpPr>
-          <p:nvPr>
-            <p:ph idx="1"/>
-          </p:nvPr>
-        </p:nvSpPr>
-        <p:spPr/>
-        <p:txBody>
-          <a:bodyPr/>
-          <a:lstStyle/>
-          <a:p>
-            <a:r>
-              <a:rPr lang="nl-BE" dirty="0"/>
-              <a:t>Is een object dat elementen op de webpagina kan vinden en aanpassen</a:t>
-            </a:r>
-          </a:p>
-          <a:p>
-            <a:r>
-              <a:rPr lang="nl-BE" dirty="0"/>
-              <a:t>Veelgebruikte functies:</a:t>
-            </a:r>
-          </a:p>
-          <a:p>
-            <a:pPr lvl="1"/>
-            <a:r>
-              <a:rPr lang="nl-BE" dirty="0" err="1"/>
-              <a:t>document.getElementById</a:t>
-            </a:r>
-            <a:r>
-              <a:rPr lang="nl-BE" dirty="0"/>
-              <a:t>(</a:t>
-            </a:r>
-            <a:r>
-              <a:rPr lang="nl-BE" dirty="0" err="1"/>
-              <a:t>id</a:t>
-            </a:r>
-            <a:r>
-              <a:rPr lang="nl-BE" dirty="0"/>
-              <a:t>): vind het eerste element met een bepaalde </a:t>
-            </a:r>
-            <a:r>
-              <a:rPr lang="nl-BE" dirty="0" err="1"/>
-              <a:t>id</a:t>
-            </a:r>
-            <a:r>
-              <a:rPr lang="nl-BE" dirty="0"/>
-              <a:t>-attribuut</a:t>
-            </a:r>
-          </a:p>
-          <a:p>
-            <a:pPr lvl="1"/>
-            <a:r>
-              <a:rPr lang="nl-BE" dirty="0" err="1"/>
-              <a:t>document.getElementsByClassName</a:t>
-            </a:r>
-            <a:r>
-              <a:rPr lang="nl-BE" dirty="0"/>
-              <a:t>(</a:t>
-            </a:r>
-            <a:r>
-              <a:rPr lang="nl-BE" i="1" dirty="0"/>
-              <a:t>name</a:t>
-            </a:r>
-            <a:r>
-              <a:rPr lang="nl-BE" dirty="0"/>
-              <a:t>): vind alle elementen die een bepaalde name als deel van hun class-attribuut hebben</a:t>
-            </a:r>
-          </a:p>
-          <a:p>
-            <a:pPr lvl="1"/>
-            <a:r>
-              <a:rPr lang="nl-BE" dirty="0" err="1"/>
-              <a:t>document.getElementsByTagName</a:t>
-            </a:r>
-            <a:r>
-              <a:rPr lang="nl-BE" dirty="0"/>
-              <a:t>(</a:t>
-            </a:r>
-            <a:r>
-              <a:rPr lang="nl-BE" i="1" dirty="0"/>
-              <a:t>name</a:t>
-            </a:r>
-            <a:r>
-              <a:rPr lang="nl-BE" dirty="0"/>
-              <a:t>): vind alle elementen van een bepaalde tag (bv. p)</a:t>
-            </a:r>
-          </a:p>
-        </p:txBody>
-      </p:sp>
-    </p:spTree>
-    <p:extLst>
-      <p:ext uri="{BB962C8B-B14F-4D97-AF65-F5344CB8AC3E}">
-        <p14:creationId xmlns:p14="http://schemas.microsoft.com/office/powerpoint/2010/main" val="3422462508"/>
       </p:ext>
     </p:extLst>
   </p:cSld>
@@ -18733,6 +19535,163 @@
           <p:cNvPr id="2" name="Titel 1">
             <a:extLst>
               <a:ext uri="{FF2B5EF4-FFF2-40B4-BE49-F238E27FC236}">
+                <a16:creationId xmlns:a16="http://schemas.microsoft.com/office/drawing/2014/main" id="{933D7D8F-B819-81BF-DA86-83726FAEF496}"/>
+              </a:ext>
+            </a:extLst>
+          </p:cNvPr>
+          <p:cNvSpPr>
+            <a:spLocks noGrp="1"/>
+          </p:cNvSpPr>
+          <p:nvPr>
+            <p:ph type="title"/>
+          </p:nvPr>
+        </p:nvSpPr>
+        <p:spPr/>
+        <p:txBody>
+          <a:bodyPr/>
+          <a:lstStyle/>
+          <a:p>
+            <a:r>
+              <a:rPr lang="nl-BE" dirty="0"/>
+              <a:t>document</a:t>
+            </a:r>
+          </a:p>
+        </p:txBody>
+      </p:sp>
+      <p:sp>
+        <p:nvSpPr>
+          <p:cNvPr id="3" name="Tijdelijke aanduiding voor inhoud 2">
+            <a:extLst>
+              <a:ext uri="{FF2B5EF4-FFF2-40B4-BE49-F238E27FC236}">
+                <a16:creationId xmlns:a16="http://schemas.microsoft.com/office/drawing/2014/main" id="{C823ABD3-3833-30EE-A10A-DC1C61D4913E}"/>
+              </a:ext>
+            </a:extLst>
+          </p:cNvPr>
+          <p:cNvSpPr>
+            <a:spLocks noGrp="1"/>
+          </p:cNvSpPr>
+          <p:nvPr>
+            <p:ph idx="1"/>
+          </p:nvPr>
+        </p:nvSpPr>
+        <p:spPr/>
+        <p:txBody>
+          <a:bodyPr/>
+          <a:lstStyle/>
+          <a:p>
+            <a:r>
+              <a:rPr lang="nl-BE" dirty="0"/>
+              <a:t>Is een object dat elementen op de webpagina kan vinden en aanpassen</a:t>
+            </a:r>
+          </a:p>
+          <a:p>
+            <a:r>
+              <a:rPr lang="nl-BE" dirty="0"/>
+              <a:t>Veelgebruikte functies:</a:t>
+            </a:r>
+          </a:p>
+          <a:p>
+            <a:pPr lvl="1"/>
+            <a:r>
+              <a:rPr lang="nl-BE" dirty="0" err="1"/>
+              <a:t>document.getElementById</a:t>
+            </a:r>
+            <a:r>
+              <a:rPr lang="nl-BE" dirty="0"/>
+              <a:t>(</a:t>
+            </a:r>
+            <a:r>
+              <a:rPr lang="nl-BE" dirty="0" err="1"/>
+              <a:t>id</a:t>
+            </a:r>
+            <a:r>
+              <a:rPr lang="nl-BE" dirty="0"/>
+              <a:t>): vind het eerste element met een bepaalde </a:t>
+            </a:r>
+            <a:r>
+              <a:rPr lang="nl-BE" dirty="0" err="1"/>
+              <a:t>id</a:t>
+            </a:r>
+            <a:r>
+              <a:rPr lang="nl-BE" dirty="0"/>
+              <a:t>-attribuut</a:t>
+            </a:r>
+          </a:p>
+          <a:p>
+            <a:pPr lvl="1"/>
+            <a:r>
+              <a:rPr lang="nl-BE" dirty="0" err="1"/>
+              <a:t>document.getElementsByClassName</a:t>
+            </a:r>
+            <a:r>
+              <a:rPr lang="nl-BE" dirty="0"/>
+              <a:t>(</a:t>
+            </a:r>
+            <a:r>
+              <a:rPr lang="nl-BE" i="1" dirty="0"/>
+              <a:t>name</a:t>
+            </a:r>
+            <a:r>
+              <a:rPr lang="nl-BE" dirty="0"/>
+              <a:t>): vind alle elementen die een bepaalde name als deel van hun class-attribuut hebben</a:t>
+            </a:r>
+          </a:p>
+          <a:p>
+            <a:pPr lvl="1"/>
+            <a:r>
+              <a:rPr lang="nl-BE" dirty="0" err="1"/>
+              <a:t>document.getElementsByTagName</a:t>
+            </a:r>
+            <a:r>
+              <a:rPr lang="nl-BE" dirty="0"/>
+              <a:t>(</a:t>
+            </a:r>
+            <a:r>
+              <a:rPr lang="nl-BE" i="1" dirty="0"/>
+              <a:t>name</a:t>
+            </a:r>
+            <a:r>
+              <a:rPr lang="nl-BE" dirty="0"/>
+              <a:t>): vind alle elementen van een bepaalde tag (bv. p)</a:t>
+            </a:r>
+          </a:p>
+        </p:txBody>
+      </p:sp>
+    </p:spTree>
+    <p:extLst>
+      <p:ext uri="{BB962C8B-B14F-4D97-AF65-F5344CB8AC3E}">
+        <p14:creationId xmlns:p14="http://schemas.microsoft.com/office/powerpoint/2010/main" val="3422462508"/>
+      </p:ext>
+    </p:extLst>
+  </p:cSld>
+  <p:clrMapOvr>
+    <a:masterClrMapping/>
+  </p:clrMapOvr>
+</p:sld>
+</file>
+
+<file path=ppt/slides/slide51.xml><?xml version="1.0" encoding="utf-8"?>
+<p:sld xmlns:a="http://schemas.openxmlformats.org/drawingml/2006/main" xmlns:r="http://schemas.openxmlformats.org/officeDocument/2006/relationships" xmlns:p="http://schemas.openxmlformats.org/presentationml/2006/main">
+  <p:cSld>
+    <p:spTree>
+      <p:nvGrpSpPr>
+        <p:cNvPr id="1" name=""/>
+        <p:cNvGrpSpPr/>
+        <p:nvPr/>
+      </p:nvGrpSpPr>
+      <p:grpSpPr>
+        <a:xfrm>
+          <a:off x="0" y="0"/>
+          <a:ext cx="0" cy="0"/>
+          <a:chOff x="0" y="0"/>
+          <a:chExt cx="0" cy="0"/>
+        </a:xfrm>
+      </p:grpSpPr>
+      <p:sp>
+        <p:nvSpPr>
+          <p:cNvPr id="2" name="Titel 1">
+            <a:extLst>
+              <a:ext uri="{FF2B5EF4-FFF2-40B4-BE49-F238E27FC236}">
                 <a16:creationId xmlns:a16="http://schemas.microsoft.com/office/drawing/2014/main" id="{25404786-8A1D-0771-9C7B-39778AE56BDF}"/>
               </a:ext>
             </a:extLst>
@@ -19233,7 +20192,7 @@
 </p:sld>
 </file>
 
-<file path=ppt/slides/slide51.xml><?xml version="1.0" encoding="utf-8"?>
+<file path=ppt/slides/slide52.xml><?xml version="1.0" encoding="utf-8"?>
 <p:sld xmlns:a="http://schemas.openxmlformats.org/drawingml/2006/main" xmlns:r="http://schemas.openxmlformats.org/officeDocument/2006/relationships" xmlns:p="http://schemas.openxmlformats.org/presentationml/2006/main">
   <p:cSld>
     <p:spTree>
@@ -19419,7 +20378,7 @@
 </p:sld>
 </file>
 
-<file path=ppt/slides/slide52.xml><?xml version="1.0" encoding="utf-8"?>
+<file path=ppt/slides/slide53.xml><?xml version="1.0" encoding="utf-8"?>
 <p:sld xmlns:a="http://schemas.openxmlformats.org/drawingml/2006/main" xmlns:r="http://schemas.openxmlformats.org/officeDocument/2006/relationships" xmlns:p="http://schemas.openxmlformats.org/presentationml/2006/main">
   <p:cSld>
     <p:spTree>
@@ -19564,7 +20523,7 @@
 </p:sld>
 </file>
 
-<file path=ppt/slides/slide53.xml><?xml version="1.0" encoding="utf-8"?>
+<file path=ppt/slides/slide54.xml><?xml version="1.0" encoding="utf-8"?>
 <p:sld xmlns:a="http://schemas.openxmlformats.org/drawingml/2006/main" xmlns:r="http://schemas.openxmlformats.org/officeDocument/2006/relationships" xmlns:p="http://schemas.openxmlformats.org/presentationml/2006/main">
   <p:cSld>
     <p:spTree>
@@ -19694,7 +20653,7 @@
 </p:sld>
 </file>
 
-<file path=ppt/slides/slide54.xml><?xml version="1.0" encoding="utf-8"?>
+<file path=ppt/slides/slide55.xml><?xml version="1.0" encoding="utf-8"?>
 <p:sld xmlns:a="http://schemas.openxmlformats.org/drawingml/2006/main" xmlns:r="http://schemas.openxmlformats.org/officeDocument/2006/relationships" xmlns:p="http://schemas.openxmlformats.org/presentationml/2006/main">
   <p:cSld>
     <p:spTree>
@@ -20070,7 +21029,7 @@
 </p:sld>
 </file>
 
-<file path=ppt/slides/slide55.xml><?xml version="1.0" encoding="utf-8"?>
+<file path=ppt/slides/slide56.xml><?xml version="1.0" encoding="utf-8"?>
 <p:sld xmlns:a="http://schemas.openxmlformats.org/drawingml/2006/main" xmlns:r="http://schemas.openxmlformats.org/officeDocument/2006/relationships" xmlns:p="http://schemas.openxmlformats.org/presentationml/2006/main">
   <p:cSld>
     <p:spTree>
@@ -20576,7 +21535,7 @@
 </p:sld>
 </file>
 
-<file path=ppt/slides/slide56.xml><?xml version="1.0" encoding="utf-8"?>
+<file path=ppt/slides/slide57.xml><?xml version="1.0" encoding="utf-8"?>
 <p:sld xmlns:a="http://schemas.openxmlformats.org/drawingml/2006/main" xmlns:r="http://schemas.openxmlformats.org/officeDocument/2006/relationships" xmlns:p="http://schemas.openxmlformats.org/presentationml/2006/main">
   <p:cSld>
     <p:spTree>
@@ -21140,7 +22099,7 @@
 </p:sld>
 </file>
 
-<file path=ppt/slides/slide57.xml><?xml version="1.0" encoding="utf-8"?>
+<file path=ppt/slides/slide58.xml><?xml version="1.0" encoding="utf-8"?>
 <p:sld xmlns:a="http://schemas.openxmlformats.org/drawingml/2006/main" xmlns:r="http://schemas.openxmlformats.org/officeDocument/2006/relationships" xmlns:p="http://schemas.openxmlformats.org/presentationml/2006/main">
   <p:cSld>
     <p:spTree>
@@ -21271,7 +22230,7 @@
 </p:sld>
 </file>
 
-<file path=ppt/slides/slide58.xml><?xml version="1.0" encoding="utf-8"?>
+<file path=ppt/slides/slide59.xml><?xml version="1.0" encoding="utf-8"?>
 <p:sld xmlns:a="http://schemas.openxmlformats.org/drawingml/2006/main" xmlns:r="http://schemas.openxmlformats.org/officeDocument/2006/relationships" xmlns:p="http://schemas.openxmlformats.org/presentationml/2006/main">
   <p:cSld>
     <p:spTree>
@@ -21423,193 +22382,6 @@
     <p:extLst>
       <p:ext uri="{BB962C8B-B14F-4D97-AF65-F5344CB8AC3E}">
         <p14:creationId xmlns:p14="http://schemas.microsoft.com/office/powerpoint/2010/main" val="3905181089"/>
-      </p:ext>
-    </p:extLst>
-  </p:cSld>
-  <p:clrMapOvr>
-    <a:masterClrMapping/>
-  </p:clrMapOvr>
-</p:sld>
-</file>
-
-<file path=ppt/slides/slide59.xml><?xml version="1.0" encoding="utf-8"?>
-<p:sld xmlns:a="http://schemas.openxmlformats.org/drawingml/2006/main" xmlns:r="http://schemas.openxmlformats.org/officeDocument/2006/relationships" xmlns:p="http://schemas.openxmlformats.org/presentationml/2006/main">
-  <p:cSld>
-    <p:spTree>
-      <p:nvGrpSpPr>
-        <p:cNvPr id="1" name=""/>
-        <p:cNvGrpSpPr/>
-        <p:nvPr/>
-      </p:nvGrpSpPr>
-      <p:grpSpPr>
-        <a:xfrm>
-          <a:off x="0" y="0"/>
-          <a:ext cx="0" cy="0"/>
-          <a:chOff x="0" y="0"/>
-          <a:chExt cx="0" cy="0"/>
-        </a:xfrm>
-      </p:grpSpPr>
-      <p:sp>
-        <p:nvSpPr>
-          <p:cNvPr id="2" name="Titel 1">
-            <a:extLst>
-              <a:ext uri="{FF2B5EF4-FFF2-40B4-BE49-F238E27FC236}">
-                <a16:creationId xmlns:a16="http://schemas.microsoft.com/office/drawing/2014/main" id="{8FBAE5E5-4D22-4F1E-1CCE-D0AA68193EC9}"/>
-              </a:ext>
-            </a:extLst>
-          </p:cNvPr>
-          <p:cNvSpPr>
-            <a:spLocks noGrp="1"/>
-          </p:cNvSpPr>
-          <p:nvPr>
-            <p:ph type="title"/>
-          </p:nvPr>
-        </p:nvSpPr>
-        <p:spPr/>
-        <p:txBody>
-          <a:bodyPr/>
-          <a:lstStyle/>
-          <a:p>
-            <a:r>
-              <a:rPr lang="nl-BE" dirty="0" err="1"/>
-              <a:t>querySelector</a:t>
-            </a:r>
-            <a:r>
-              <a:rPr lang="nl-BE" dirty="0"/>
-              <a:t>(</a:t>
-            </a:r>
-            <a:r>
-              <a:rPr lang="nl-BE" dirty="0" err="1"/>
-              <a:t>all</a:t>
-            </a:r>
-            <a:r>
-              <a:rPr lang="nl-BE" dirty="0"/>
-              <a:t>)</a:t>
-            </a:r>
-          </a:p>
-        </p:txBody>
-      </p:sp>
-      <p:sp>
-        <p:nvSpPr>
-          <p:cNvPr id="3" name="Tijdelijke aanduiding voor inhoud 2">
-            <a:extLst>
-              <a:ext uri="{FF2B5EF4-FFF2-40B4-BE49-F238E27FC236}">
-                <a16:creationId xmlns:a16="http://schemas.microsoft.com/office/drawing/2014/main" id="{E1516883-9243-7775-47B4-C2F68EAE7D57}"/>
-              </a:ext>
-            </a:extLst>
-          </p:cNvPr>
-          <p:cNvSpPr>
-            <a:spLocks noGrp="1"/>
-          </p:cNvSpPr>
-          <p:nvPr>
-            <p:ph idx="1"/>
-          </p:nvPr>
-        </p:nvSpPr>
-        <p:spPr/>
-        <p:txBody>
-          <a:bodyPr/>
-          <a:lstStyle/>
-          <a:p>
-            <a:pPr>
-              <a:lnSpc>
-                <a:spcPct val="200000"/>
-              </a:lnSpc>
-            </a:pPr>
-            <a:r>
-              <a:rPr lang="nl-BE" dirty="0"/>
-              <a:t>Geeft een statische lijst van </a:t>
-            </a:r>
-            <a:r>
-              <a:rPr lang="nl-BE" dirty="0" err="1"/>
-              <a:t>nodes</a:t>
-            </a:r>
-            <a:r>
-              <a:rPr lang="nl-BE" dirty="0"/>
-              <a:t> terug die kunnen worden gezocht met een </a:t>
-            </a:r>
-            <a:r>
-              <a:rPr lang="nl-BE" dirty="0" err="1"/>
-              <a:t>selector</a:t>
-            </a:r>
-            <a:r>
-              <a:rPr lang="nl-BE" dirty="0"/>
-              <a:t>.</a:t>
-            </a:r>
-          </a:p>
-          <a:p>
-            <a:pPr>
-              <a:lnSpc>
-                <a:spcPct val="200000"/>
-              </a:lnSpc>
-            </a:pPr>
-            <a:r>
-              <a:rPr lang="nl-BE" dirty="0" err="1"/>
-              <a:t>document.querySelector</a:t>
-            </a:r>
-            <a:r>
-              <a:rPr lang="nl-BE" dirty="0"/>
-              <a:t>() : 1 resultaat (1</a:t>
-            </a:r>
-            <a:r>
-              <a:rPr lang="nl-BE" baseline="30000" dirty="0"/>
-              <a:t>ste</a:t>
-            </a:r>
-            <a:r>
-              <a:rPr lang="nl-BE" dirty="0"/>
-              <a:t>)</a:t>
-            </a:r>
-          </a:p>
-          <a:p>
-            <a:pPr>
-              <a:lnSpc>
-                <a:spcPct val="200000"/>
-              </a:lnSpc>
-            </a:pPr>
-            <a:r>
-              <a:rPr lang="nl-BE" dirty="0" err="1"/>
-              <a:t>document.querySelectorAll</a:t>
-            </a:r>
-            <a:r>
-              <a:rPr lang="nl-BE" dirty="0"/>
-              <a:t>() : alle resultaten</a:t>
-            </a:r>
-          </a:p>
-        </p:txBody>
-      </p:sp>
-      <p:pic>
-        <p:nvPicPr>
-          <p:cNvPr id="5" name="Afbeelding 4">
-            <a:extLst>
-              <a:ext uri="{FF2B5EF4-FFF2-40B4-BE49-F238E27FC236}">
-                <a16:creationId xmlns:a16="http://schemas.microsoft.com/office/drawing/2014/main" id="{41231BCC-AC2E-95B7-4BE8-FF7176640E32}"/>
-              </a:ext>
-            </a:extLst>
-          </p:cNvPr>
-          <p:cNvPicPr>
-            <a:picLocks noChangeAspect="1"/>
-          </p:cNvPicPr>
-          <p:nvPr/>
-        </p:nvPicPr>
-        <p:blipFill>
-          <a:blip r:embed="rId2"/>
-          <a:stretch>
-            <a:fillRect/>
-          </a:stretch>
-        </p:blipFill>
-        <p:spPr>
-          <a:xfrm>
-            <a:off x="5340201" y="5427321"/>
-            <a:ext cx="5778797" cy="920797"/>
-          </a:xfrm>
-          <a:prstGeom prst="rect">
-            <a:avLst/>
-          </a:prstGeom>
-        </p:spPr>
-      </p:pic>
-    </p:spTree>
-    <p:extLst>
-      <p:ext uri="{BB962C8B-B14F-4D97-AF65-F5344CB8AC3E}">
-        <p14:creationId xmlns:p14="http://schemas.microsoft.com/office/powerpoint/2010/main" val="2081355932"/>
       </p:ext>
     </p:extLst>
   </p:cSld>
@@ -21744,6 +22516,193 @@
           <p:cNvPr id="2" name="Titel 1">
             <a:extLst>
               <a:ext uri="{FF2B5EF4-FFF2-40B4-BE49-F238E27FC236}">
+                <a16:creationId xmlns:a16="http://schemas.microsoft.com/office/drawing/2014/main" id="{8FBAE5E5-4D22-4F1E-1CCE-D0AA68193EC9}"/>
+              </a:ext>
+            </a:extLst>
+          </p:cNvPr>
+          <p:cNvSpPr>
+            <a:spLocks noGrp="1"/>
+          </p:cNvSpPr>
+          <p:nvPr>
+            <p:ph type="title"/>
+          </p:nvPr>
+        </p:nvSpPr>
+        <p:spPr/>
+        <p:txBody>
+          <a:bodyPr/>
+          <a:lstStyle/>
+          <a:p>
+            <a:r>
+              <a:rPr lang="nl-BE" dirty="0" err="1"/>
+              <a:t>querySelector</a:t>
+            </a:r>
+            <a:r>
+              <a:rPr lang="nl-BE" dirty="0"/>
+              <a:t>(</a:t>
+            </a:r>
+            <a:r>
+              <a:rPr lang="nl-BE" dirty="0" err="1"/>
+              <a:t>all</a:t>
+            </a:r>
+            <a:r>
+              <a:rPr lang="nl-BE" dirty="0"/>
+              <a:t>)</a:t>
+            </a:r>
+          </a:p>
+        </p:txBody>
+      </p:sp>
+      <p:sp>
+        <p:nvSpPr>
+          <p:cNvPr id="3" name="Tijdelijke aanduiding voor inhoud 2">
+            <a:extLst>
+              <a:ext uri="{FF2B5EF4-FFF2-40B4-BE49-F238E27FC236}">
+                <a16:creationId xmlns:a16="http://schemas.microsoft.com/office/drawing/2014/main" id="{E1516883-9243-7775-47B4-C2F68EAE7D57}"/>
+              </a:ext>
+            </a:extLst>
+          </p:cNvPr>
+          <p:cNvSpPr>
+            <a:spLocks noGrp="1"/>
+          </p:cNvSpPr>
+          <p:nvPr>
+            <p:ph idx="1"/>
+          </p:nvPr>
+        </p:nvSpPr>
+        <p:spPr/>
+        <p:txBody>
+          <a:bodyPr/>
+          <a:lstStyle/>
+          <a:p>
+            <a:pPr>
+              <a:lnSpc>
+                <a:spcPct val="200000"/>
+              </a:lnSpc>
+            </a:pPr>
+            <a:r>
+              <a:rPr lang="nl-BE" dirty="0"/>
+              <a:t>Geeft een statische lijst van </a:t>
+            </a:r>
+            <a:r>
+              <a:rPr lang="nl-BE" dirty="0" err="1"/>
+              <a:t>nodes</a:t>
+            </a:r>
+            <a:r>
+              <a:rPr lang="nl-BE" dirty="0"/>
+              <a:t> terug die kunnen worden gezocht met een </a:t>
+            </a:r>
+            <a:r>
+              <a:rPr lang="nl-BE" dirty="0" err="1"/>
+              <a:t>selector</a:t>
+            </a:r>
+            <a:r>
+              <a:rPr lang="nl-BE" dirty="0"/>
+              <a:t>.</a:t>
+            </a:r>
+          </a:p>
+          <a:p>
+            <a:pPr>
+              <a:lnSpc>
+                <a:spcPct val="200000"/>
+              </a:lnSpc>
+            </a:pPr>
+            <a:r>
+              <a:rPr lang="nl-BE" dirty="0" err="1"/>
+              <a:t>document.querySelector</a:t>
+            </a:r>
+            <a:r>
+              <a:rPr lang="nl-BE" dirty="0"/>
+              <a:t>() : 1 resultaat (1</a:t>
+            </a:r>
+            <a:r>
+              <a:rPr lang="nl-BE" baseline="30000" dirty="0"/>
+              <a:t>ste</a:t>
+            </a:r>
+            <a:r>
+              <a:rPr lang="nl-BE" dirty="0"/>
+              <a:t>)</a:t>
+            </a:r>
+          </a:p>
+          <a:p>
+            <a:pPr>
+              <a:lnSpc>
+                <a:spcPct val="200000"/>
+              </a:lnSpc>
+            </a:pPr>
+            <a:r>
+              <a:rPr lang="nl-BE" dirty="0" err="1"/>
+              <a:t>document.querySelectorAll</a:t>
+            </a:r>
+            <a:r>
+              <a:rPr lang="nl-BE" dirty="0"/>
+              <a:t>() : alle resultaten</a:t>
+            </a:r>
+          </a:p>
+        </p:txBody>
+      </p:sp>
+      <p:pic>
+        <p:nvPicPr>
+          <p:cNvPr id="5" name="Afbeelding 4">
+            <a:extLst>
+              <a:ext uri="{FF2B5EF4-FFF2-40B4-BE49-F238E27FC236}">
+                <a16:creationId xmlns:a16="http://schemas.microsoft.com/office/drawing/2014/main" id="{41231BCC-AC2E-95B7-4BE8-FF7176640E32}"/>
+              </a:ext>
+            </a:extLst>
+          </p:cNvPr>
+          <p:cNvPicPr>
+            <a:picLocks noChangeAspect="1"/>
+          </p:cNvPicPr>
+          <p:nvPr/>
+        </p:nvPicPr>
+        <p:blipFill>
+          <a:blip r:embed="rId2"/>
+          <a:stretch>
+            <a:fillRect/>
+          </a:stretch>
+        </p:blipFill>
+        <p:spPr>
+          <a:xfrm>
+            <a:off x="5340201" y="5427321"/>
+            <a:ext cx="5778797" cy="920797"/>
+          </a:xfrm>
+          <a:prstGeom prst="rect">
+            <a:avLst/>
+          </a:prstGeom>
+        </p:spPr>
+      </p:pic>
+    </p:spTree>
+    <p:extLst>
+      <p:ext uri="{BB962C8B-B14F-4D97-AF65-F5344CB8AC3E}">
+        <p14:creationId xmlns:p14="http://schemas.microsoft.com/office/powerpoint/2010/main" val="2081355932"/>
+      </p:ext>
+    </p:extLst>
+  </p:cSld>
+  <p:clrMapOvr>
+    <a:masterClrMapping/>
+  </p:clrMapOvr>
+</p:sld>
+</file>
+
+<file path=ppt/slides/slide61.xml><?xml version="1.0" encoding="utf-8"?>
+<p:sld xmlns:a="http://schemas.openxmlformats.org/drawingml/2006/main" xmlns:r="http://schemas.openxmlformats.org/officeDocument/2006/relationships" xmlns:p="http://schemas.openxmlformats.org/presentationml/2006/main">
+  <p:cSld>
+    <p:spTree>
+      <p:nvGrpSpPr>
+        <p:cNvPr id="1" name=""/>
+        <p:cNvGrpSpPr/>
+        <p:nvPr/>
+      </p:nvGrpSpPr>
+      <p:grpSpPr>
+        <a:xfrm>
+          <a:off x="0" y="0"/>
+          <a:ext cx="0" cy="0"/>
+          <a:chOff x="0" y="0"/>
+          <a:chExt cx="0" cy="0"/>
+        </a:xfrm>
+      </p:grpSpPr>
+      <p:sp>
+        <p:nvSpPr>
+          <p:cNvPr id="2" name="Titel 1">
+            <a:extLst>
+              <a:ext uri="{FF2B5EF4-FFF2-40B4-BE49-F238E27FC236}">
                 <a16:creationId xmlns:a16="http://schemas.microsoft.com/office/drawing/2014/main" id="{AA871537-1A64-BEFD-2571-A48171A36042}"/>
               </a:ext>
             </a:extLst>
@@ -21913,7 +22872,7 @@
 </p:sld>
 </file>
 
-<file path=ppt/slides/slide61.xml><?xml version="1.0" encoding="utf-8"?>
+<file path=ppt/slides/slide62.xml><?xml version="1.0" encoding="utf-8"?>
 <p:sld xmlns:a="http://schemas.openxmlformats.org/drawingml/2006/main" xmlns:r="http://schemas.openxmlformats.org/officeDocument/2006/relationships" xmlns:p="http://schemas.openxmlformats.org/presentationml/2006/main">
   <p:cSld>
     <p:spTree>
@@ -22059,7 +23018,7 @@
 </p:sld>
 </file>
 
-<file path=ppt/slides/slide62.xml><?xml version="1.0" encoding="utf-8"?>
+<file path=ppt/slides/slide63.xml><?xml version="1.0" encoding="utf-8"?>
 <p:sld xmlns:a="http://schemas.openxmlformats.org/drawingml/2006/main" xmlns:r="http://schemas.openxmlformats.org/officeDocument/2006/relationships" xmlns:p="http://schemas.openxmlformats.org/presentationml/2006/main">
   <p:cSld>
     <p:spTree>
@@ -22266,7 +23225,7 @@
 </p:sld>
 </file>
 
-<file path=ppt/slides/slide63.xml><?xml version="1.0" encoding="utf-8"?>
+<file path=ppt/slides/slide64.xml><?xml version="1.0" encoding="utf-8"?>
 <p:sld xmlns:a="http://schemas.openxmlformats.org/drawingml/2006/main" xmlns:r="http://schemas.openxmlformats.org/officeDocument/2006/relationships" xmlns:p="http://schemas.openxmlformats.org/presentationml/2006/main">
   <p:cSld>
     <p:spTree>
@@ -22652,7 +23611,7 @@
 </p:sld>
 </file>
 
-<file path=ppt/slides/slide64.xml><?xml version="1.0" encoding="utf-8"?>
+<file path=ppt/slides/slide65.xml><?xml version="1.0" encoding="utf-8"?>
 <p:sld xmlns:a="http://schemas.openxmlformats.org/drawingml/2006/main" xmlns:r="http://schemas.openxmlformats.org/officeDocument/2006/relationships" xmlns:p="http://schemas.openxmlformats.org/presentationml/2006/main">
   <p:cSld>
     <p:spTree>

--- a/Webdesign.pptx
+++ b/Webdesign.pptx
@@ -5,10 +5,10 @@
     <p:sldMasterId id="2147483712" r:id="rId1"/>
   </p:sldMasterIdLst>
   <p:notesMasterIdLst>
-    <p:notesMasterId r:id="rId67"/>
+    <p:notesMasterId r:id="rId69"/>
   </p:notesMasterIdLst>
   <p:handoutMasterIdLst>
-    <p:handoutMasterId r:id="rId68"/>
+    <p:handoutMasterId r:id="rId70"/>
   </p:handoutMasterIdLst>
   <p:sldIdLst>
     <p:sldId id="257" r:id="rId2"/>
@@ -28,54 +28,56 @@
     <p:sldId id="270" r:id="rId16"/>
     <p:sldId id="272" r:id="rId17"/>
     <p:sldId id="271" r:id="rId18"/>
-    <p:sldId id="273" r:id="rId19"/>
-    <p:sldId id="322" r:id="rId20"/>
-    <p:sldId id="277" r:id="rId21"/>
-    <p:sldId id="279" r:id="rId22"/>
-    <p:sldId id="280" r:id="rId23"/>
-    <p:sldId id="281" r:id="rId24"/>
-    <p:sldId id="282" r:id="rId25"/>
-    <p:sldId id="283" r:id="rId26"/>
-    <p:sldId id="284" r:id="rId27"/>
-    <p:sldId id="285" r:id="rId28"/>
-    <p:sldId id="323" r:id="rId29"/>
-    <p:sldId id="286" r:id="rId30"/>
-    <p:sldId id="287" r:id="rId31"/>
-    <p:sldId id="275" r:id="rId32"/>
-    <p:sldId id="274" r:id="rId33"/>
-    <p:sldId id="276" r:id="rId34"/>
-    <p:sldId id="303" r:id="rId35"/>
-    <p:sldId id="304" r:id="rId36"/>
-    <p:sldId id="305" r:id="rId37"/>
-    <p:sldId id="307" r:id="rId38"/>
-    <p:sldId id="312" r:id="rId39"/>
-    <p:sldId id="306" r:id="rId40"/>
-    <p:sldId id="311" r:id="rId41"/>
-    <p:sldId id="308" r:id="rId42"/>
-    <p:sldId id="309" r:id="rId43"/>
-    <p:sldId id="310" r:id="rId44"/>
-    <p:sldId id="289" r:id="rId45"/>
-    <p:sldId id="290" r:id="rId46"/>
-    <p:sldId id="295" r:id="rId47"/>
-    <p:sldId id="301" r:id="rId48"/>
-    <p:sldId id="291" r:id="rId49"/>
-    <p:sldId id="297" r:id="rId50"/>
-    <p:sldId id="292" r:id="rId51"/>
-    <p:sldId id="293" r:id="rId52"/>
-    <p:sldId id="300" r:id="rId53"/>
-    <p:sldId id="313" r:id="rId54"/>
-    <p:sldId id="298" r:id="rId55"/>
-    <p:sldId id="294" r:id="rId56"/>
-    <p:sldId id="314" r:id="rId57"/>
-    <p:sldId id="299" r:id="rId58"/>
-    <p:sldId id="296" r:id="rId59"/>
-    <p:sldId id="315" r:id="rId60"/>
-    <p:sldId id="316" r:id="rId61"/>
-    <p:sldId id="317" r:id="rId62"/>
-    <p:sldId id="318" r:id="rId63"/>
-    <p:sldId id="319" r:id="rId64"/>
-    <p:sldId id="320" r:id="rId65"/>
-    <p:sldId id="321" r:id="rId66"/>
+    <p:sldId id="324" r:id="rId19"/>
+    <p:sldId id="273" r:id="rId20"/>
+    <p:sldId id="322" r:id="rId21"/>
+    <p:sldId id="277" r:id="rId22"/>
+    <p:sldId id="279" r:id="rId23"/>
+    <p:sldId id="280" r:id="rId24"/>
+    <p:sldId id="281" r:id="rId25"/>
+    <p:sldId id="282" r:id="rId26"/>
+    <p:sldId id="283" r:id="rId27"/>
+    <p:sldId id="284" r:id="rId28"/>
+    <p:sldId id="285" r:id="rId29"/>
+    <p:sldId id="323" r:id="rId30"/>
+    <p:sldId id="286" r:id="rId31"/>
+    <p:sldId id="287" r:id="rId32"/>
+    <p:sldId id="275" r:id="rId33"/>
+    <p:sldId id="274" r:id="rId34"/>
+    <p:sldId id="276" r:id="rId35"/>
+    <p:sldId id="303" r:id="rId36"/>
+    <p:sldId id="304" r:id="rId37"/>
+    <p:sldId id="305" r:id="rId38"/>
+    <p:sldId id="307" r:id="rId39"/>
+    <p:sldId id="312" r:id="rId40"/>
+    <p:sldId id="306" r:id="rId41"/>
+    <p:sldId id="311" r:id="rId42"/>
+    <p:sldId id="308" r:id="rId43"/>
+    <p:sldId id="309" r:id="rId44"/>
+    <p:sldId id="310" r:id="rId45"/>
+    <p:sldId id="289" r:id="rId46"/>
+    <p:sldId id="290" r:id="rId47"/>
+    <p:sldId id="295" r:id="rId48"/>
+    <p:sldId id="301" r:id="rId49"/>
+    <p:sldId id="291" r:id="rId50"/>
+    <p:sldId id="297" r:id="rId51"/>
+    <p:sldId id="292" r:id="rId52"/>
+    <p:sldId id="293" r:id="rId53"/>
+    <p:sldId id="300" r:id="rId54"/>
+    <p:sldId id="313" r:id="rId55"/>
+    <p:sldId id="298" r:id="rId56"/>
+    <p:sldId id="294" r:id="rId57"/>
+    <p:sldId id="314" r:id="rId58"/>
+    <p:sldId id="299" r:id="rId59"/>
+    <p:sldId id="296" r:id="rId60"/>
+    <p:sldId id="315" r:id="rId61"/>
+    <p:sldId id="316" r:id="rId62"/>
+    <p:sldId id="317" r:id="rId63"/>
+    <p:sldId id="318" r:id="rId64"/>
+    <p:sldId id="319" r:id="rId65"/>
+    <p:sldId id="320" r:id="rId66"/>
+    <p:sldId id="325" r:id="rId67"/>
+    <p:sldId id="321" r:id="rId68"/>
   </p:sldIdLst>
   <p:sldSz cx="12192000" cy="6858000"/>
   <p:notesSz cx="6858000" cy="9144000"/>
@@ -397,7 +399,7 @@
             <a:pPr rtl="0"/>
             <a:fld id="{5A14EC35-A083-4CA2-A629-54FB374745AC}" type="datetime1">
               <a:rPr lang="nl-NL" smtClean="0"/>
-              <a:t>9-1-2026</a:t>
+              <a:t>12-2-2026</a:t>
             </a:fld>
             <a:endParaRPr lang="en-US" dirty="0"/>
           </a:p>
@@ -567,7 +569,7 @@
             <a:pPr rtl="0"/>
             <a:fld id="{B32F82C2-DE9F-479D-95B3-30B2F9C315A1}" type="datetime1">
               <a:rPr lang="nl-NL" smtClean="0"/>
-              <a:t>7-1-2026</a:t>
+              <a:t>12-2-2026</a:t>
             </a:fld>
             <a:endParaRPr lang="en-US"/>
           </a:p>
@@ -1088,7 +1090,7 @@
             <a:pPr rtl="0"/>
             <a:fld id="{A83A1771-3711-4549-B223-6BFD613711ED}" type="datetime1">
               <a:rPr lang="nl-NL" smtClean="0"/>
-              <a:t>7-1-2026</a:t>
+              <a:t>12-2-2026</a:t>
             </a:fld>
             <a:endParaRPr lang="en-US" dirty="0"/>
           </a:p>
@@ -1295,7 +1297,7 @@
             <a:pPr rtl="0"/>
             <a:fld id="{D08EE877-7E72-4A3F-BF87-CE406B3EE1C5}" type="datetime1">
               <a:rPr lang="nl-NL" smtClean="0"/>
-              <a:t>7-1-2026</a:t>
+              <a:t>12-2-2026</a:t>
             </a:fld>
             <a:endParaRPr lang="en-US" dirty="0"/>
           </a:p>
@@ -1661,7 +1663,7 @@
             <a:pPr rtl="0"/>
             <a:fld id="{4CC54E9F-8ACA-4714-84BB-74BA71865A3C}" type="datetime1">
               <a:rPr lang="nl-NL" smtClean="0"/>
-              <a:t>7-1-2026</a:t>
+              <a:t>12-2-2026</a:t>
             </a:fld>
             <a:endParaRPr lang="en-US" dirty="0"/>
           </a:p>
@@ -2100,7 +2102,7 @@
             <a:pPr rtl="0"/>
             <a:fld id="{66D3D282-C61A-41D7-9714-7814FA67361E}" type="datetime1">
               <a:rPr lang="nl-NL" smtClean="0"/>
-              <a:t>7-1-2026</a:t>
+              <a:t>12-2-2026</a:t>
             </a:fld>
             <a:endParaRPr lang="en-US" dirty="0"/>
           </a:p>
@@ -2357,7 +2359,7 @@
             <a:pPr rtl="0"/>
             <a:fld id="{55CAE64B-8D6D-4B8F-BAE1-453EBC33DDBA}" type="datetime1">
               <a:rPr lang="nl-NL" smtClean="0"/>
-              <a:t>7-1-2026</a:t>
+              <a:t>12-2-2026</a:t>
             </a:fld>
             <a:endParaRPr lang="en-US" dirty="0"/>
           </a:p>
@@ -2783,7 +2785,7 @@
             <a:pPr rtl="0"/>
             <a:fld id="{7DD41833-08F9-41B2-81FC-2883EDAAEF19}" type="datetime1">
               <a:rPr lang="nl-NL" smtClean="0"/>
-              <a:t>7-1-2026</a:t>
+              <a:t>12-2-2026</a:t>
             </a:fld>
             <a:endParaRPr lang="en-US" dirty="0"/>
           </a:p>
@@ -2910,7 +2912,7 @@
             <a:pPr rtl="0"/>
             <a:fld id="{5DC9B189-AE00-478F-84A9-63330A766802}" type="datetime1">
               <a:rPr lang="nl-NL" smtClean="0"/>
-              <a:t>7-1-2026</a:t>
+              <a:t>12-2-2026</a:t>
             </a:fld>
             <a:endParaRPr lang="en-US" dirty="0"/>
           </a:p>
@@ -3008,7 +3010,7 @@
             <a:pPr rtl="0"/>
             <a:fld id="{C4D93972-B93F-42C7-B487-83AAA3F36605}" type="datetime1">
               <a:rPr lang="nl-NL" smtClean="0"/>
-              <a:t>7-1-2026</a:t>
+              <a:t>12-2-2026</a:t>
             </a:fld>
             <a:endParaRPr lang="en-US" dirty="0"/>
           </a:p>
@@ -3389,7 +3391,7 @@
             <a:pPr rtl="0"/>
             <a:fld id="{41CBEB4C-81CC-455E-9331-682EF29A1EAB}" type="datetime1">
               <a:rPr lang="nl-NL" smtClean="0"/>
-              <a:t>7-1-2026</a:t>
+              <a:t>12-2-2026</a:t>
             </a:fld>
             <a:endParaRPr lang="en-US" dirty="0"/>
           </a:p>
@@ -3687,7 +3689,7 @@
             <a:pPr rtl="0"/>
             <a:fld id="{87691925-8A1E-4010-8BF9-64E08633B604}" type="datetime1">
               <a:rPr lang="nl-NL" smtClean="0"/>
-              <a:t>7-1-2026</a:t>
+              <a:t>12-2-2026</a:t>
             </a:fld>
             <a:endParaRPr lang="en-US" dirty="0"/>
           </a:p>
@@ -3905,7 +3907,7 @@
             <a:pPr rtl="0"/>
             <a:fld id="{18D3FD7C-4B51-47DA-BCF4-68F2F2963CDA}" type="datetime1">
               <a:rPr lang="nl-NL" smtClean="0"/>
-              <a:t>7-1-2026</a:t>
+              <a:t>12-2-2026</a:t>
             </a:fld>
             <a:endParaRPr lang="en-US" dirty="0"/>
           </a:p>
@@ -7759,6 +7761,218 @@
           <p:cNvPr id="2" name="Titel 1">
             <a:extLst>
               <a:ext uri="{FF2B5EF4-FFF2-40B4-BE49-F238E27FC236}">
+                <a16:creationId xmlns:a16="http://schemas.microsoft.com/office/drawing/2014/main" id="{507C413D-7FFD-878D-640F-7E268D6C0581}"/>
+              </a:ext>
+            </a:extLst>
+          </p:cNvPr>
+          <p:cNvSpPr>
+            <a:spLocks noGrp="1"/>
+          </p:cNvSpPr>
+          <p:nvPr>
+            <p:ph type="title"/>
+          </p:nvPr>
+        </p:nvSpPr>
+        <p:spPr/>
+        <p:txBody>
+          <a:bodyPr/>
+          <a:lstStyle/>
+          <a:p>
+            <a:r>
+              <a:rPr lang="nl-BE" dirty="0"/>
+              <a:t>Input</a:t>
+            </a:r>
+          </a:p>
+        </p:txBody>
+      </p:sp>
+      <p:sp>
+        <p:nvSpPr>
+          <p:cNvPr id="3" name="Tijdelijke aanduiding voor inhoud 2">
+            <a:extLst>
+              <a:ext uri="{FF2B5EF4-FFF2-40B4-BE49-F238E27FC236}">
+                <a16:creationId xmlns:a16="http://schemas.microsoft.com/office/drawing/2014/main" id="{372EA900-0DD5-12C4-8B17-72CF359F2ECB}"/>
+              </a:ext>
+            </a:extLst>
+          </p:cNvPr>
+          <p:cNvSpPr>
+            <a:spLocks noGrp="1"/>
+          </p:cNvSpPr>
+          <p:nvPr>
+            <p:ph idx="1"/>
+          </p:nvPr>
+        </p:nvSpPr>
+        <p:spPr/>
+        <p:txBody>
+          <a:bodyPr/>
+          <a:lstStyle/>
+          <a:p>
+            <a:r>
+              <a:rPr lang="nl-BE" dirty="0"/>
+              <a:t>Invoerveld</a:t>
+            </a:r>
+          </a:p>
+          <a:p>
+            <a:r>
+              <a:rPr lang="nl-BE" dirty="0"/>
+              <a:t>Heeft een attribuut </a:t>
+            </a:r>
+            <a:r>
+              <a:rPr lang="nl-BE" i="1" dirty="0"/>
+              <a:t>type</a:t>
+            </a:r>
+            <a:r>
+              <a:rPr lang="nl-BE" dirty="0"/>
+              <a:t>, die bepaald welk soort invoerveld het is:</a:t>
+            </a:r>
+          </a:p>
+          <a:p>
+            <a:pPr lvl="1"/>
+            <a:r>
+              <a:rPr lang="nl-BE" dirty="0" err="1"/>
+              <a:t>text</a:t>
+            </a:r>
+            <a:r>
+              <a:rPr lang="nl-BE" dirty="0"/>
+              <a:t> = tekstveld</a:t>
+            </a:r>
+          </a:p>
+          <a:p>
+            <a:pPr lvl="1"/>
+            <a:r>
+              <a:rPr lang="nl-BE" dirty="0"/>
+              <a:t>button = knop</a:t>
+            </a:r>
+          </a:p>
+          <a:p>
+            <a:r>
+              <a:rPr lang="nl-BE" dirty="0"/>
+              <a:t>Heeft een attribuut </a:t>
+            </a:r>
+            <a:r>
+              <a:rPr lang="nl-BE" i="1" dirty="0" err="1"/>
+              <a:t>value</a:t>
+            </a:r>
+            <a:r>
+              <a:rPr lang="nl-BE" i="1" dirty="0"/>
+              <a:t>. </a:t>
+            </a:r>
+            <a:r>
+              <a:rPr lang="nl-BE" dirty="0"/>
+              <a:t>Bij een knop is dit de tekst op de knop, bij een tekstveld is dit de (huidige) tekst in het tekstveld.</a:t>
+            </a:r>
+          </a:p>
+        </p:txBody>
+      </p:sp>
+      <p:sp>
+        <p:nvSpPr>
+          <p:cNvPr id="4" name="Tekstvak 3">
+            <a:extLst>
+              <a:ext uri="{FF2B5EF4-FFF2-40B4-BE49-F238E27FC236}">
+                <a16:creationId xmlns:a16="http://schemas.microsoft.com/office/drawing/2014/main" id="{3CDF1AC8-9225-0668-C58F-98108DEC5BA3}"/>
+              </a:ext>
+            </a:extLst>
+          </p:cNvPr>
+          <p:cNvSpPr txBox="1"/>
+          <p:nvPr/>
+        </p:nvSpPr>
+        <p:spPr>
+          <a:xfrm>
+            <a:off x="4668253" y="1222408"/>
+            <a:ext cx="6679932" cy="923330"/>
+          </a:xfrm>
+          <a:prstGeom prst="rect">
+            <a:avLst/>
+          </a:prstGeom>
+          <a:noFill/>
+        </p:spPr>
+        <p:txBody>
+          <a:bodyPr wrap="square" rtlCol="0">
+            <a:spAutoFit/>
+          </a:bodyPr>
+          <a:lstStyle/>
+          <a:p>
+            <a:r>
+              <a:rPr lang="nl-BE" dirty="0"/>
+              <a:t>&lt;input type="</a:t>
+            </a:r>
+            <a:r>
+              <a:rPr lang="nl-BE" dirty="0" err="1"/>
+              <a:t>text</a:t>
+            </a:r>
+            <a:r>
+              <a:rPr lang="nl-BE" dirty="0"/>
+              <a:t>"/&gt;</a:t>
+            </a:r>
+          </a:p>
+          <a:p>
+            <a:r>
+              <a:rPr lang="nl-BE" dirty="0"/>
+              <a:t>&lt;input type="button" </a:t>
+            </a:r>
+            <a:r>
+              <a:rPr lang="nl-BE" dirty="0" err="1"/>
+              <a:t>value</a:t>
+            </a:r>
+            <a:r>
+              <a:rPr lang="nl-BE" dirty="0"/>
+              <a:t>=“Klik hier" </a:t>
+            </a:r>
+            <a:r>
+              <a:rPr lang="nl-BE" dirty="0" err="1"/>
+              <a:t>onclick</a:t>
+            </a:r>
+            <a:r>
+              <a:rPr lang="nl-BE" dirty="0"/>
+              <a:t>=“</a:t>
+            </a:r>
+            <a:r>
+              <a:rPr lang="nl-BE" dirty="0" err="1"/>
+              <a:t>mijnFunctie</a:t>
+            </a:r>
+            <a:r>
+              <a:rPr lang="nl-BE" dirty="0"/>
+              <a:t>()"/&gt;</a:t>
+            </a:r>
+          </a:p>
+          <a:p>
+            <a:endParaRPr lang="nl-BE" dirty="0"/>
+          </a:p>
+        </p:txBody>
+      </p:sp>
+    </p:spTree>
+    <p:extLst>
+      <p:ext uri="{BB962C8B-B14F-4D97-AF65-F5344CB8AC3E}">
+        <p14:creationId xmlns:p14="http://schemas.microsoft.com/office/powerpoint/2010/main" val="66952108"/>
+      </p:ext>
+    </p:extLst>
+  </p:cSld>
+  <p:clrMapOvr>
+    <a:masterClrMapping/>
+  </p:clrMapOvr>
+</p:sld>
+</file>
+
+<file path=ppt/slides/slide19.xml><?xml version="1.0" encoding="utf-8"?>
+<p:sld xmlns:a="http://schemas.openxmlformats.org/drawingml/2006/main" xmlns:r="http://schemas.openxmlformats.org/officeDocument/2006/relationships" xmlns:p="http://schemas.openxmlformats.org/presentationml/2006/main">
+  <p:cSld>
+    <p:spTree>
+      <p:nvGrpSpPr>
+        <p:cNvPr id="1" name=""/>
+        <p:cNvGrpSpPr/>
+        <p:nvPr/>
+      </p:nvGrpSpPr>
+      <p:grpSpPr>
+        <a:xfrm>
+          <a:off x="0" y="0"/>
+          <a:ext cx="0" cy="0"/>
+          <a:chOff x="0" y="0"/>
+          <a:chExt cx="0" cy="0"/>
+        </a:xfrm>
+      </p:grpSpPr>
+      <p:sp>
+        <p:nvSpPr>
+          <p:cNvPr id="2" name="Titel 1">
+            <a:extLst>
+              <a:ext uri="{FF2B5EF4-FFF2-40B4-BE49-F238E27FC236}">
                 <a16:creationId xmlns:a16="http://schemas.microsoft.com/office/drawing/2014/main" id="{4685BD25-96BE-7519-14E1-A8F4CB37DE36}"/>
               </a:ext>
             </a:extLst>
@@ -7846,130 +8060,6 @@
     <p:extLst>
       <p:ext uri="{BB962C8B-B14F-4D97-AF65-F5344CB8AC3E}">
         <p14:creationId xmlns:p14="http://schemas.microsoft.com/office/powerpoint/2010/main" val="4098174705"/>
-      </p:ext>
-    </p:extLst>
-  </p:cSld>
-  <p:clrMapOvr>
-    <a:masterClrMapping/>
-  </p:clrMapOvr>
-</p:sld>
-</file>
-
-<file path=ppt/slides/slide19.xml><?xml version="1.0" encoding="utf-8"?>
-<p:sld xmlns:a="http://schemas.openxmlformats.org/drawingml/2006/main" xmlns:r="http://schemas.openxmlformats.org/officeDocument/2006/relationships" xmlns:p="http://schemas.openxmlformats.org/presentationml/2006/main">
-  <p:cSld>
-    <p:spTree>
-      <p:nvGrpSpPr>
-        <p:cNvPr id="1" name="">
-          <a:extLst>
-            <a:ext uri="{FF2B5EF4-FFF2-40B4-BE49-F238E27FC236}">
-              <a16:creationId xmlns:a16="http://schemas.microsoft.com/office/drawing/2014/main" id="{365F733B-026D-0D49-61D2-279A692DCA40}"/>
-            </a:ext>
-          </a:extLst>
-        </p:cNvPr>
-        <p:cNvGrpSpPr/>
-        <p:nvPr/>
-      </p:nvGrpSpPr>
-      <p:grpSpPr>
-        <a:xfrm>
-          <a:off x="0" y="0"/>
-          <a:ext cx="0" cy="0"/>
-          <a:chOff x="0" y="0"/>
-          <a:chExt cx="0" cy="0"/>
-        </a:xfrm>
-      </p:grpSpPr>
-      <p:sp>
-        <p:nvSpPr>
-          <p:cNvPr id="2" name="Titel 1">
-            <a:extLst>
-              <a:ext uri="{FF2B5EF4-FFF2-40B4-BE49-F238E27FC236}">
-                <a16:creationId xmlns:a16="http://schemas.microsoft.com/office/drawing/2014/main" id="{4016F94C-0DF0-C68F-A1FF-73674612C050}"/>
-              </a:ext>
-            </a:extLst>
-          </p:cNvPr>
-          <p:cNvSpPr>
-            <a:spLocks noGrp="1"/>
-          </p:cNvSpPr>
-          <p:nvPr>
-            <p:ph type="title"/>
-          </p:nvPr>
-        </p:nvSpPr>
-        <p:spPr/>
-        <p:txBody>
-          <a:bodyPr/>
-          <a:lstStyle/>
-          <a:p>
-            <a:r>
-              <a:rPr lang="nl-BE" dirty="0"/>
-              <a:t>opdracht</a:t>
-            </a:r>
-          </a:p>
-        </p:txBody>
-      </p:sp>
-      <p:sp>
-        <p:nvSpPr>
-          <p:cNvPr id="3" name="Tijdelijke aanduiding voor inhoud 2">
-            <a:extLst>
-              <a:ext uri="{FF2B5EF4-FFF2-40B4-BE49-F238E27FC236}">
-                <a16:creationId xmlns:a16="http://schemas.microsoft.com/office/drawing/2014/main" id="{66FCE825-B1F6-8C99-3DE1-77CC1B6C5EB6}"/>
-              </a:ext>
-            </a:extLst>
-          </p:cNvPr>
-          <p:cNvSpPr>
-            <a:spLocks noGrp="1"/>
-          </p:cNvSpPr>
-          <p:nvPr>
-            <p:ph idx="1"/>
-          </p:nvPr>
-        </p:nvSpPr>
-        <p:spPr/>
-        <p:txBody>
-          <a:bodyPr/>
-          <a:lstStyle/>
-          <a:p>
-            <a:r>
-              <a:rPr lang="nl-BE" dirty="0"/>
-              <a:t>Maak een webpagina met het volgende:</a:t>
-            </a:r>
-          </a:p>
-          <a:p>
-            <a:pPr lvl="1"/>
-            <a:r>
-              <a:rPr lang="nl-BE" dirty="0"/>
-              <a:t>Een tabel met een stand van jouw favoriete sportcompetitie (bv. tennis, hockey, …)</a:t>
-            </a:r>
-          </a:p>
-          <a:p>
-            <a:pPr lvl="1"/>
-            <a:r>
-              <a:rPr lang="nl-BE" dirty="0"/>
-              <a:t>Plaats de naam van het team/sporter in een link die doorverwijst (nieuwe pagina) naar een informatiepagina hierover.</a:t>
-            </a:r>
-          </a:p>
-          <a:p>
-            <a:pPr lvl="1"/>
-            <a:r>
-              <a:rPr lang="nl-BE" dirty="0"/>
-              <a:t>Plaats de totaalpunten in het vet, andere data (aantal wedstrijden, gemaakte punten, …) in cursief.</a:t>
-            </a:r>
-          </a:p>
-          <a:p>
-            <a:pPr lvl="1"/>
-            <a:r>
-              <a:rPr lang="nl-BE" dirty="0"/>
-              <a:t>Plaats onder deze tabel een foto van jouw favoriete sporter.</a:t>
-            </a:r>
-          </a:p>
-          <a:p>
-            <a:pPr lvl="1"/>
-            <a:endParaRPr lang="nl-BE" dirty="0"/>
-          </a:p>
-        </p:txBody>
-      </p:sp>
-    </p:spTree>
-    <p:extLst>
-      <p:ext uri="{BB962C8B-B14F-4D97-AF65-F5344CB8AC3E}">
-        <p14:creationId xmlns:p14="http://schemas.microsoft.com/office/powerpoint/2010/main" val="3857441359"/>
       </p:ext>
     </p:extLst>
   </p:cSld>
@@ -8070,6 +8160,130 @@
   <p:cSld>
     <p:spTree>
       <p:nvGrpSpPr>
+        <p:cNvPr id="1" name="">
+          <a:extLst>
+            <a:ext uri="{FF2B5EF4-FFF2-40B4-BE49-F238E27FC236}">
+              <a16:creationId xmlns:a16="http://schemas.microsoft.com/office/drawing/2014/main" id="{365F733B-026D-0D49-61D2-279A692DCA40}"/>
+            </a:ext>
+          </a:extLst>
+        </p:cNvPr>
+        <p:cNvGrpSpPr/>
+        <p:nvPr/>
+      </p:nvGrpSpPr>
+      <p:grpSpPr>
+        <a:xfrm>
+          <a:off x="0" y="0"/>
+          <a:ext cx="0" cy="0"/>
+          <a:chOff x="0" y="0"/>
+          <a:chExt cx="0" cy="0"/>
+        </a:xfrm>
+      </p:grpSpPr>
+      <p:sp>
+        <p:nvSpPr>
+          <p:cNvPr id="2" name="Titel 1">
+            <a:extLst>
+              <a:ext uri="{FF2B5EF4-FFF2-40B4-BE49-F238E27FC236}">
+                <a16:creationId xmlns:a16="http://schemas.microsoft.com/office/drawing/2014/main" id="{4016F94C-0DF0-C68F-A1FF-73674612C050}"/>
+              </a:ext>
+            </a:extLst>
+          </p:cNvPr>
+          <p:cNvSpPr>
+            <a:spLocks noGrp="1"/>
+          </p:cNvSpPr>
+          <p:nvPr>
+            <p:ph type="title"/>
+          </p:nvPr>
+        </p:nvSpPr>
+        <p:spPr/>
+        <p:txBody>
+          <a:bodyPr/>
+          <a:lstStyle/>
+          <a:p>
+            <a:r>
+              <a:rPr lang="nl-BE" dirty="0"/>
+              <a:t>opdracht</a:t>
+            </a:r>
+          </a:p>
+        </p:txBody>
+      </p:sp>
+      <p:sp>
+        <p:nvSpPr>
+          <p:cNvPr id="3" name="Tijdelijke aanduiding voor inhoud 2">
+            <a:extLst>
+              <a:ext uri="{FF2B5EF4-FFF2-40B4-BE49-F238E27FC236}">
+                <a16:creationId xmlns:a16="http://schemas.microsoft.com/office/drawing/2014/main" id="{66FCE825-B1F6-8C99-3DE1-77CC1B6C5EB6}"/>
+              </a:ext>
+            </a:extLst>
+          </p:cNvPr>
+          <p:cNvSpPr>
+            <a:spLocks noGrp="1"/>
+          </p:cNvSpPr>
+          <p:nvPr>
+            <p:ph idx="1"/>
+          </p:nvPr>
+        </p:nvSpPr>
+        <p:spPr/>
+        <p:txBody>
+          <a:bodyPr/>
+          <a:lstStyle/>
+          <a:p>
+            <a:r>
+              <a:rPr lang="nl-BE" dirty="0"/>
+              <a:t>Maak een webpagina met het volgende:</a:t>
+            </a:r>
+          </a:p>
+          <a:p>
+            <a:pPr lvl="1"/>
+            <a:r>
+              <a:rPr lang="nl-BE" dirty="0"/>
+              <a:t>Een tabel met een stand van jouw favoriete sportcompetitie (bv. tennis, hockey, …)</a:t>
+            </a:r>
+          </a:p>
+          <a:p>
+            <a:pPr lvl="1"/>
+            <a:r>
+              <a:rPr lang="nl-BE" dirty="0"/>
+              <a:t>Plaats de naam van het team/sporter in een link die doorverwijst (nieuwe pagina) naar een informatiepagina hierover.</a:t>
+            </a:r>
+          </a:p>
+          <a:p>
+            <a:pPr lvl="1"/>
+            <a:r>
+              <a:rPr lang="nl-BE" dirty="0"/>
+              <a:t>Plaats de totaalpunten in het vet, andere data (aantal wedstrijden, gemaakte punten, …) in cursief.</a:t>
+            </a:r>
+          </a:p>
+          <a:p>
+            <a:pPr lvl="1"/>
+            <a:r>
+              <a:rPr lang="nl-BE" dirty="0"/>
+              <a:t>Plaats onder deze tabel een foto van jouw favoriete sporter.</a:t>
+            </a:r>
+          </a:p>
+          <a:p>
+            <a:pPr lvl="1"/>
+            <a:endParaRPr lang="nl-BE" dirty="0"/>
+          </a:p>
+        </p:txBody>
+      </p:sp>
+    </p:spTree>
+    <p:extLst>
+      <p:ext uri="{BB962C8B-B14F-4D97-AF65-F5344CB8AC3E}">
+        <p14:creationId xmlns:p14="http://schemas.microsoft.com/office/powerpoint/2010/main" val="3857441359"/>
+      </p:ext>
+    </p:extLst>
+  </p:cSld>
+  <p:clrMapOvr>
+    <a:masterClrMapping/>
+  </p:clrMapOvr>
+</p:sld>
+</file>
+
+<file path=ppt/slides/slide21.xml><?xml version="1.0" encoding="utf-8"?>
+<p:sld xmlns:a="http://schemas.openxmlformats.org/drawingml/2006/main" xmlns:r="http://schemas.openxmlformats.org/officeDocument/2006/relationships" xmlns:p="http://schemas.openxmlformats.org/presentationml/2006/main">
+  <p:cSld>
+    <p:spTree>
+      <p:nvGrpSpPr>
         <p:cNvPr id="1" name=""/>
         <p:cNvGrpSpPr/>
         <p:nvPr/>
@@ -8162,7 +8376,7 @@
             <a:pPr rtl="0"/>
             <a:fld id="{66D3D282-C61A-41D7-9714-7814FA67361E}" type="datetime1">
               <a:rPr lang="nl-NL" smtClean="0"/>
-              <a:t>7-1-2026</a:t>
+              <a:t>12-2-2026</a:t>
             </a:fld>
             <a:endParaRPr lang="en-US" dirty="0"/>
           </a:p>
@@ -8181,7 +8395,7 @@
 </p:sld>
 </file>
 
-<file path=ppt/slides/slide21.xml><?xml version="1.0" encoding="utf-8"?>
+<file path=ppt/slides/slide22.xml><?xml version="1.0" encoding="utf-8"?>
 <p:sld xmlns:a="http://schemas.openxmlformats.org/drawingml/2006/main" xmlns:r="http://schemas.openxmlformats.org/officeDocument/2006/relationships" xmlns:p="http://schemas.openxmlformats.org/presentationml/2006/main">
   <p:cSld>
     <p:spTree>
@@ -8285,7 +8499,7 @@
 </p:sld>
 </file>
 
-<file path=ppt/slides/slide22.xml><?xml version="1.0" encoding="utf-8"?>
+<file path=ppt/slides/slide23.xml><?xml version="1.0" encoding="utf-8"?>
 <p:sld xmlns:a="http://schemas.openxmlformats.org/drawingml/2006/main" xmlns:r="http://schemas.openxmlformats.org/officeDocument/2006/relationships" xmlns:p="http://schemas.openxmlformats.org/presentationml/2006/main">
   <p:cSld>
     <p:spTree>
@@ -8719,7 +8933,7 @@
 </p:sld>
 </file>
 
-<file path=ppt/slides/slide23.xml><?xml version="1.0" encoding="utf-8"?>
+<file path=ppt/slides/slide24.xml><?xml version="1.0" encoding="utf-8"?>
 <p:sld xmlns:a="http://schemas.openxmlformats.org/drawingml/2006/main" xmlns:r="http://schemas.openxmlformats.org/officeDocument/2006/relationships" xmlns:p="http://schemas.openxmlformats.org/presentationml/2006/main">
   <p:cSld>
     <p:spTree>
@@ -8964,7 +9178,7 @@
 </p:sld>
 </file>
 
-<file path=ppt/slides/slide24.xml><?xml version="1.0" encoding="utf-8"?>
+<file path=ppt/slides/slide25.xml><?xml version="1.0" encoding="utf-8"?>
 <p:sld xmlns:a="http://schemas.openxmlformats.org/drawingml/2006/main" xmlns:r="http://schemas.openxmlformats.org/officeDocument/2006/relationships" xmlns:p="http://schemas.openxmlformats.org/presentationml/2006/main">
   <p:cSld>
     <p:spTree>
@@ -9183,7 +9397,7 @@
 </p:sld>
 </file>
 
-<file path=ppt/slides/slide25.xml><?xml version="1.0" encoding="utf-8"?>
+<file path=ppt/slides/slide26.xml><?xml version="1.0" encoding="utf-8"?>
 <p:sld xmlns:a="http://schemas.openxmlformats.org/drawingml/2006/main" xmlns:r="http://schemas.openxmlformats.org/officeDocument/2006/relationships" xmlns:p="http://schemas.openxmlformats.org/presentationml/2006/main">
   <p:cSld>
     <p:spTree>
@@ -9433,7 +9647,7 @@
 </p:sld>
 </file>
 
-<file path=ppt/slides/slide26.xml><?xml version="1.0" encoding="utf-8"?>
+<file path=ppt/slides/slide27.xml><?xml version="1.0" encoding="utf-8"?>
 <p:sld xmlns:a="http://schemas.openxmlformats.org/drawingml/2006/main" xmlns:r="http://schemas.openxmlformats.org/officeDocument/2006/relationships" xmlns:p="http://schemas.openxmlformats.org/presentationml/2006/main">
   <p:cSld>
     <p:spTree>
@@ -9559,7 +9773,7 @@
 </p:sld>
 </file>
 
-<file path=ppt/slides/slide27.xml><?xml version="1.0" encoding="utf-8"?>
+<file path=ppt/slides/slide28.xml><?xml version="1.0" encoding="utf-8"?>
 <p:sld xmlns:a="http://schemas.openxmlformats.org/drawingml/2006/main" xmlns:r="http://schemas.openxmlformats.org/officeDocument/2006/relationships" xmlns:p="http://schemas.openxmlformats.org/presentationml/2006/main">
   <p:cSld>
     <p:spTree>
@@ -10144,7 +10358,7 @@
 </p:sld>
 </file>
 
-<file path=ppt/slides/slide28.xml><?xml version="1.0" encoding="utf-8"?>
+<file path=ppt/slides/slide29.xml><?xml version="1.0" encoding="utf-8"?>
 <p:sld xmlns:a="http://schemas.openxmlformats.org/drawingml/2006/main" xmlns:r="http://schemas.openxmlformats.org/officeDocument/2006/relationships" xmlns:p="http://schemas.openxmlformats.org/presentationml/2006/main">
   <p:cSld>
     <p:spTree>
@@ -11031,518 +11245,6 @@
 </p:sld>
 </file>
 
-<file path=ppt/slides/slide29.xml><?xml version="1.0" encoding="utf-8"?>
-<p:sld xmlns:a="http://schemas.openxmlformats.org/drawingml/2006/main" xmlns:r="http://schemas.openxmlformats.org/officeDocument/2006/relationships" xmlns:p="http://schemas.openxmlformats.org/presentationml/2006/main">
-  <p:cSld>
-    <p:spTree>
-      <p:nvGrpSpPr>
-        <p:cNvPr id="1" name=""/>
-        <p:cNvGrpSpPr/>
-        <p:nvPr/>
-      </p:nvGrpSpPr>
-      <p:grpSpPr>
-        <a:xfrm>
-          <a:off x="0" y="0"/>
-          <a:ext cx="0" cy="0"/>
-          <a:chOff x="0" y="0"/>
-          <a:chExt cx="0" cy="0"/>
-        </a:xfrm>
-      </p:grpSpPr>
-      <p:sp>
-        <p:nvSpPr>
-          <p:cNvPr id="2" name="Titel 1">
-            <a:extLst>
-              <a:ext uri="{FF2B5EF4-FFF2-40B4-BE49-F238E27FC236}">
-                <a16:creationId xmlns:a16="http://schemas.microsoft.com/office/drawing/2014/main" id="{9CCFACCD-01E8-F135-6EB2-012C5E49F780}"/>
-              </a:ext>
-            </a:extLst>
-          </p:cNvPr>
-          <p:cNvSpPr>
-            <a:spLocks noGrp="1"/>
-          </p:cNvSpPr>
-          <p:nvPr>
-            <p:ph type="title"/>
-          </p:nvPr>
-        </p:nvSpPr>
-        <p:spPr/>
-        <p:txBody>
-          <a:bodyPr/>
-          <a:lstStyle/>
-          <a:p>
-            <a:r>
-              <a:rPr lang="nl-BE" dirty="0"/>
-              <a:t>Geordende lijst (</a:t>
-            </a:r>
-            <a:r>
-              <a:rPr lang="nl-BE" dirty="0" err="1"/>
-              <a:t>ol</a:t>
-            </a:r>
-            <a:r>
-              <a:rPr lang="nl-BE" dirty="0"/>
-              <a:t>): type</a:t>
-            </a:r>
-          </a:p>
-        </p:txBody>
-      </p:sp>
-      <p:sp>
-        <p:nvSpPr>
-          <p:cNvPr id="3" name="Tijdelijke aanduiding voor inhoud 2">
-            <a:extLst>
-              <a:ext uri="{FF2B5EF4-FFF2-40B4-BE49-F238E27FC236}">
-                <a16:creationId xmlns:a16="http://schemas.microsoft.com/office/drawing/2014/main" id="{55389E83-B3AD-A812-CC33-3136324239CC}"/>
-              </a:ext>
-            </a:extLst>
-          </p:cNvPr>
-          <p:cNvSpPr>
-            <a:spLocks noGrp="1"/>
-          </p:cNvSpPr>
-          <p:nvPr>
-            <p:ph idx="1"/>
-          </p:nvPr>
-        </p:nvSpPr>
-        <p:spPr/>
-        <p:txBody>
-          <a:bodyPr/>
-          <a:lstStyle/>
-          <a:p>
-            <a:r>
-              <a:rPr lang="nl-BE" dirty="0"/>
-              <a:t>Bij een geordende lijst, kan je kiezen wat er vooraan moet staan:</a:t>
-            </a:r>
-          </a:p>
-          <a:p>
-            <a:pPr lvl="1"/>
-            <a:r>
-              <a:rPr lang="nl-BE" dirty="0"/>
-              <a:t>1: 1, 2, 3, …</a:t>
-            </a:r>
-          </a:p>
-          <a:p>
-            <a:pPr lvl="1"/>
-            <a:r>
-              <a:rPr lang="nl-BE" dirty="0"/>
-              <a:t>A: A, B, C, …</a:t>
-            </a:r>
-          </a:p>
-          <a:p>
-            <a:pPr lvl="1"/>
-            <a:r>
-              <a:rPr lang="nl-BE" dirty="0"/>
-              <a:t>a: a, b, c, …</a:t>
-            </a:r>
-          </a:p>
-          <a:p>
-            <a:pPr lvl="1"/>
-            <a:r>
-              <a:rPr lang="nl-BE" dirty="0"/>
-              <a:t>I: I, II, III, IV, …</a:t>
-            </a:r>
-          </a:p>
-          <a:p>
-            <a:pPr lvl="1"/>
-            <a:r>
-              <a:rPr lang="nl-BE" dirty="0"/>
-              <a:t>i: i, ii, iii, iv, …</a:t>
-            </a:r>
-          </a:p>
-        </p:txBody>
-      </p:sp>
-      <p:sp>
-        <p:nvSpPr>
-          <p:cNvPr id="5" name="Tekstvak 4">
-            <a:extLst>
-              <a:ext uri="{FF2B5EF4-FFF2-40B4-BE49-F238E27FC236}">
-                <a16:creationId xmlns:a16="http://schemas.microsoft.com/office/drawing/2014/main" id="{AB7439CF-E061-DBE1-791A-93490C9190DC}"/>
-              </a:ext>
-            </a:extLst>
-          </p:cNvPr>
-          <p:cNvSpPr txBox="1"/>
-          <p:nvPr/>
-        </p:nvSpPr>
-        <p:spPr>
-          <a:xfrm>
-            <a:off x="7484534" y="3419443"/>
-            <a:ext cx="6096000" cy="1477328"/>
-          </a:xfrm>
-          <a:prstGeom prst="rect">
-            <a:avLst/>
-          </a:prstGeom>
-          <a:noFill/>
-        </p:spPr>
-        <p:txBody>
-          <a:bodyPr wrap="square">
-            <a:spAutoFit/>
-          </a:bodyPr>
-          <a:lstStyle/>
-          <a:p>
-            <a:r>
-              <a:rPr lang="it-IT" b="0" i="0" dirty="0">
-                <a:solidFill>
-                  <a:srgbClr val="999999"/>
-                </a:solidFill>
-                <a:effectLst/>
-                <a:latin typeface="Consolas" panose="020B0609020204030204" pitchFamily="49" charset="0"/>
-              </a:rPr>
-              <a:t>&lt;</a:t>
-            </a:r>
-            <a:r>
-              <a:rPr lang="it-IT" b="0" i="0" dirty="0" err="1">
-                <a:solidFill>
-                  <a:srgbClr val="990055"/>
-                </a:solidFill>
-                <a:effectLst/>
-                <a:latin typeface="Consolas" panose="020B0609020204030204" pitchFamily="49" charset="0"/>
-              </a:rPr>
-              <a:t>ol</a:t>
-            </a:r>
-            <a:r>
-              <a:rPr lang="it-IT" b="0" i="0" dirty="0">
-                <a:solidFill>
-                  <a:srgbClr val="008000"/>
-                </a:solidFill>
-                <a:effectLst/>
-                <a:latin typeface="Consolas" panose="020B0609020204030204" pitchFamily="49" charset="0"/>
-              </a:rPr>
-              <a:t> </a:t>
-            </a:r>
-            <a:r>
-              <a:rPr lang="it-IT" b="0" i="0" dirty="0" err="1">
-                <a:solidFill>
-                  <a:srgbClr val="008000"/>
-                </a:solidFill>
-                <a:effectLst/>
-                <a:latin typeface="Consolas" panose="020B0609020204030204" pitchFamily="49" charset="0"/>
-              </a:rPr>
-              <a:t>type</a:t>
-            </a:r>
-            <a:r>
-              <a:rPr lang="it-IT" b="0" i="0" dirty="0">
-                <a:solidFill>
-                  <a:srgbClr val="005CC5"/>
-                </a:solidFill>
-                <a:effectLst/>
-                <a:latin typeface="Consolas" panose="020B0609020204030204" pitchFamily="49" charset="0"/>
-              </a:rPr>
-              <a:t>="I"</a:t>
-            </a:r>
-            <a:r>
-              <a:rPr lang="it-IT" b="0" i="0" dirty="0">
-                <a:solidFill>
-                  <a:srgbClr val="999999"/>
-                </a:solidFill>
-                <a:effectLst/>
-                <a:latin typeface="Consolas" panose="020B0609020204030204" pitchFamily="49" charset="0"/>
-              </a:rPr>
-              <a:t>&gt;</a:t>
-            </a:r>
-            <a:br>
-              <a:rPr lang="it-IT" dirty="0"/>
-            </a:br>
-            <a:r>
-              <a:rPr lang="it-IT" b="0" i="0" dirty="0">
-                <a:solidFill>
-                  <a:srgbClr val="000000"/>
-                </a:solidFill>
-                <a:effectLst/>
-                <a:latin typeface="Consolas" panose="020B0609020204030204" pitchFamily="49" charset="0"/>
-              </a:rPr>
-              <a:t>  </a:t>
-            </a:r>
-            <a:r>
-              <a:rPr lang="it-IT" b="0" i="0" dirty="0">
-                <a:solidFill>
-                  <a:srgbClr val="999999"/>
-                </a:solidFill>
-                <a:effectLst/>
-                <a:latin typeface="Consolas" panose="020B0609020204030204" pitchFamily="49" charset="0"/>
-              </a:rPr>
-              <a:t>&lt;</a:t>
-            </a:r>
-            <a:r>
-              <a:rPr lang="it-IT" b="0" i="0" dirty="0">
-                <a:solidFill>
-                  <a:srgbClr val="990055"/>
-                </a:solidFill>
-                <a:effectLst/>
-                <a:latin typeface="Consolas" panose="020B0609020204030204" pitchFamily="49" charset="0"/>
-              </a:rPr>
-              <a:t>li</a:t>
-            </a:r>
-            <a:r>
-              <a:rPr lang="it-IT" b="0" i="0" dirty="0">
-                <a:solidFill>
-                  <a:srgbClr val="999999"/>
-                </a:solidFill>
-                <a:effectLst/>
-                <a:latin typeface="Consolas" panose="020B0609020204030204" pitchFamily="49" charset="0"/>
-              </a:rPr>
-              <a:t>&gt;</a:t>
-            </a:r>
-            <a:r>
-              <a:rPr lang="it-IT" b="0" i="0" dirty="0" err="1">
-                <a:solidFill>
-                  <a:srgbClr val="000000"/>
-                </a:solidFill>
-                <a:effectLst/>
-                <a:latin typeface="Consolas" panose="020B0609020204030204" pitchFamily="49" charset="0"/>
-              </a:rPr>
-              <a:t>Wiskunde</a:t>
-            </a:r>
-            <a:r>
-              <a:rPr lang="it-IT" b="0" i="0" dirty="0">
-                <a:solidFill>
-                  <a:srgbClr val="999999"/>
-                </a:solidFill>
-                <a:effectLst/>
-                <a:latin typeface="Consolas" panose="020B0609020204030204" pitchFamily="49" charset="0"/>
-              </a:rPr>
-              <a:t>&lt;</a:t>
-            </a:r>
-            <a:r>
-              <a:rPr lang="it-IT" b="0" i="0" dirty="0">
-                <a:solidFill>
-                  <a:srgbClr val="990055"/>
-                </a:solidFill>
-                <a:effectLst/>
-                <a:latin typeface="Consolas" panose="020B0609020204030204" pitchFamily="49" charset="0"/>
-              </a:rPr>
-              <a:t>/li</a:t>
-            </a:r>
-            <a:r>
-              <a:rPr lang="it-IT" b="0" i="0" dirty="0">
-                <a:solidFill>
-                  <a:srgbClr val="999999"/>
-                </a:solidFill>
-                <a:effectLst/>
-                <a:latin typeface="Consolas" panose="020B0609020204030204" pitchFamily="49" charset="0"/>
-              </a:rPr>
-              <a:t>&gt;</a:t>
-            </a:r>
-            <a:br>
-              <a:rPr lang="it-IT" dirty="0"/>
-            </a:br>
-            <a:r>
-              <a:rPr lang="it-IT" b="0" i="0" dirty="0">
-                <a:solidFill>
-                  <a:srgbClr val="000000"/>
-                </a:solidFill>
-                <a:effectLst/>
-                <a:latin typeface="Consolas" panose="020B0609020204030204" pitchFamily="49" charset="0"/>
-              </a:rPr>
-              <a:t>  </a:t>
-            </a:r>
-            <a:r>
-              <a:rPr lang="it-IT" b="0" i="0" dirty="0">
-                <a:solidFill>
-                  <a:srgbClr val="999999"/>
-                </a:solidFill>
-                <a:effectLst/>
-                <a:latin typeface="Consolas" panose="020B0609020204030204" pitchFamily="49" charset="0"/>
-              </a:rPr>
-              <a:t>&lt;</a:t>
-            </a:r>
-            <a:r>
-              <a:rPr lang="it-IT" b="0" i="0" dirty="0">
-                <a:solidFill>
-                  <a:srgbClr val="990055"/>
-                </a:solidFill>
-                <a:effectLst/>
-                <a:latin typeface="Consolas" panose="020B0609020204030204" pitchFamily="49" charset="0"/>
-              </a:rPr>
-              <a:t>li</a:t>
-            </a:r>
-            <a:r>
-              <a:rPr lang="it-IT" b="0" i="0" dirty="0">
-                <a:solidFill>
-                  <a:srgbClr val="999999"/>
-                </a:solidFill>
-                <a:effectLst/>
-                <a:latin typeface="Consolas" panose="020B0609020204030204" pitchFamily="49" charset="0"/>
-              </a:rPr>
-              <a:t>&gt;</a:t>
-            </a:r>
-            <a:r>
-              <a:rPr lang="it-IT" b="0" i="0" dirty="0">
-                <a:solidFill>
-                  <a:srgbClr val="000000"/>
-                </a:solidFill>
-                <a:effectLst/>
-                <a:latin typeface="Consolas" panose="020B0609020204030204" pitchFamily="49" charset="0"/>
-              </a:rPr>
-              <a:t>Frans</a:t>
-            </a:r>
-            <a:r>
-              <a:rPr lang="it-IT" b="0" i="0" dirty="0">
-                <a:solidFill>
-                  <a:srgbClr val="999999"/>
-                </a:solidFill>
-                <a:effectLst/>
-                <a:latin typeface="Consolas" panose="020B0609020204030204" pitchFamily="49" charset="0"/>
-              </a:rPr>
-              <a:t>&lt;</a:t>
-            </a:r>
-            <a:r>
-              <a:rPr lang="it-IT" b="0" i="0" dirty="0">
-                <a:solidFill>
-                  <a:srgbClr val="990055"/>
-                </a:solidFill>
-                <a:effectLst/>
-                <a:latin typeface="Consolas" panose="020B0609020204030204" pitchFamily="49" charset="0"/>
-              </a:rPr>
-              <a:t>/li</a:t>
-            </a:r>
-            <a:r>
-              <a:rPr lang="it-IT" b="0" i="0" dirty="0">
-                <a:solidFill>
-                  <a:srgbClr val="999999"/>
-                </a:solidFill>
-                <a:effectLst/>
-                <a:latin typeface="Consolas" panose="020B0609020204030204" pitchFamily="49" charset="0"/>
-              </a:rPr>
-              <a:t>&gt;</a:t>
-            </a:r>
-            <a:br>
-              <a:rPr lang="it-IT" dirty="0"/>
-            </a:br>
-            <a:r>
-              <a:rPr lang="it-IT" b="0" i="0" dirty="0">
-                <a:solidFill>
-                  <a:srgbClr val="000000"/>
-                </a:solidFill>
-                <a:effectLst/>
-                <a:latin typeface="Consolas" panose="020B0609020204030204" pitchFamily="49" charset="0"/>
-              </a:rPr>
-              <a:t>  </a:t>
-            </a:r>
-            <a:r>
-              <a:rPr lang="it-IT" b="0" i="0" dirty="0">
-                <a:solidFill>
-                  <a:srgbClr val="999999"/>
-                </a:solidFill>
-                <a:effectLst/>
-                <a:latin typeface="Consolas" panose="020B0609020204030204" pitchFamily="49" charset="0"/>
-              </a:rPr>
-              <a:t>&lt;</a:t>
-            </a:r>
-            <a:r>
-              <a:rPr lang="it-IT" b="0" i="0" dirty="0">
-                <a:solidFill>
-                  <a:srgbClr val="990055"/>
-                </a:solidFill>
-                <a:effectLst/>
-                <a:latin typeface="Consolas" panose="020B0609020204030204" pitchFamily="49" charset="0"/>
-              </a:rPr>
-              <a:t>li</a:t>
-            </a:r>
-            <a:r>
-              <a:rPr lang="it-IT" b="0" i="0" dirty="0">
-                <a:solidFill>
-                  <a:srgbClr val="999999"/>
-                </a:solidFill>
-                <a:effectLst/>
-                <a:latin typeface="Consolas" panose="020B0609020204030204" pitchFamily="49" charset="0"/>
-              </a:rPr>
-              <a:t>&gt;</a:t>
-            </a:r>
-            <a:r>
-              <a:rPr lang="it-IT" dirty="0">
-                <a:solidFill>
-                  <a:srgbClr val="000000"/>
-                </a:solidFill>
-                <a:latin typeface="Consolas" panose="020B0609020204030204" pitchFamily="49" charset="0"/>
-              </a:rPr>
-              <a:t>Engels</a:t>
-            </a:r>
-            <a:r>
-              <a:rPr lang="it-IT" b="0" i="0" dirty="0">
-                <a:solidFill>
-                  <a:srgbClr val="999999"/>
-                </a:solidFill>
-                <a:effectLst/>
-                <a:latin typeface="Consolas" panose="020B0609020204030204" pitchFamily="49" charset="0"/>
-              </a:rPr>
-              <a:t>&lt;</a:t>
-            </a:r>
-            <a:r>
-              <a:rPr lang="it-IT" b="0" i="0" dirty="0">
-                <a:solidFill>
-                  <a:srgbClr val="990055"/>
-                </a:solidFill>
-                <a:effectLst/>
-                <a:latin typeface="Consolas" panose="020B0609020204030204" pitchFamily="49" charset="0"/>
-              </a:rPr>
-              <a:t>/li</a:t>
-            </a:r>
-            <a:r>
-              <a:rPr lang="it-IT" b="0" i="0" dirty="0">
-                <a:solidFill>
-                  <a:srgbClr val="999999"/>
-                </a:solidFill>
-                <a:effectLst/>
-                <a:latin typeface="Consolas" panose="020B0609020204030204" pitchFamily="49" charset="0"/>
-              </a:rPr>
-              <a:t>&gt;</a:t>
-            </a:r>
-            <a:br>
-              <a:rPr lang="it-IT" dirty="0"/>
-            </a:br>
-            <a:r>
-              <a:rPr lang="it-IT" b="0" i="0" dirty="0">
-                <a:solidFill>
-                  <a:srgbClr val="999999"/>
-                </a:solidFill>
-                <a:effectLst/>
-                <a:latin typeface="Consolas" panose="020B0609020204030204" pitchFamily="49" charset="0"/>
-              </a:rPr>
-              <a:t>&lt;</a:t>
-            </a:r>
-            <a:r>
-              <a:rPr lang="it-IT" b="0" i="0" dirty="0">
-                <a:solidFill>
-                  <a:srgbClr val="990055"/>
-                </a:solidFill>
-                <a:effectLst/>
-                <a:latin typeface="Consolas" panose="020B0609020204030204" pitchFamily="49" charset="0"/>
-              </a:rPr>
-              <a:t>/</a:t>
-            </a:r>
-            <a:r>
-              <a:rPr lang="it-IT" b="0" i="0" dirty="0" err="1">
-                <a:solidFill>
-                  <a:srgbClr val="990055"/>
-                </a:solidFill>
-                <a:effectLst/>
-                <a:latin typeface="Consolas" panose="020B0609020204030204" pitchFamily="49" charset="0"/>
-              </a:rPr>
-              <a:t>ol</a:t>
-            </a:r>
-            <a:r>
-              <a:rPr lang="it-IT" b="0" i="0" dirty="0">
-                <a:solidFill>
-                  <a:srgbClr val="999999"/>
-                </a:solidFill>
-                <a:effectLst/>
-                <a:latin typeface="Consolas" panose="020B0609020204030204" pitchFamily="49" charset="0"/>
-              </a:rPr>
-              <a:t>&gt;</a:t>
-            </a:r>
-            <a:endParaRPr lang="nl-BE" dirty="0"/>
-          </a:p>
-        </p:txBody>
-      </p:sp>
-    </p:spTree>
-    <p:extLst>
-      <p:ext uri="{BB962C8B-B14F-4D97-AF65-F5344CB8AC3E}">
-        <p14:creationId xmlns:p14="http://schemas.microsoft.com/office/powerpoint/2010/main" val="1832345921"/>
-      </p:ext>
-    </p:extLst>
-  </p:cSld>
-  <p:clrMapOvr>
-    <a:masterClrMapping/>
-  </p:clrMapOvr>
-</p:sld>
-</file>
-
 <file path=ppt/slides/slide3.xml><?xml version="1.0" encoding="utf-8"?>
 <p:sld xmlns:a="http://schemas.openxmlformats.org/drawingml/2006/main" xmlns:r="http://schemas.openxmlformats.org/officeDocument/2006/relationships" xmlns:p="http://schemas.openxmlformats.org/presentationml/2006/main">
   <p:cSld>
@@ -11697,6 +11399,518 @@
           <p:cNvPr id="2" name="Titel 1">
             <a:extLst>
               <a:ext uri="{FF2B5EF4-FFF2-40B4-BE49-F238E27FC236}">
+                <a16:creationId xmlns:a16="http://schemas.microsoft.com/office/drawing/2014/main" id="{9CCFACCD-01E8-F135-6EB2-012C5E49F780}"/>
+              </a:ext>
+            </a:extLst>
+          </p:cNvPr>
+          <p:cNvSpPr>
+            <a:spLocks noGrp="1"/>
+          </p:cNvSpPr>
+          <p:nvPr>
+            <p:ph type="title"/>
+          </p:nvPr>
+        </p:nvSpPr>
+        <p:spPr/>
+        <p:txBody>
+          <a:bodyPr/>
+          <a:lstStyle/>
+          <a:p>
+            <a:r>
+              <a:rPr lang="nl-BE" dirty="0"/>
+              <a:t>Geordende lijst (</a:t>
+            </a:r>
+            <a:r>
+              <a:rPr lang="nl-BE" dirty="0" err="1"/>
+              <a:t>ol</a:t>
+            </a:r>
+            <a:r>
+              <a:rPr lang="nl-BE" dirty="0"/>
+              <a:t>): type</a:t>
+            </a:r>
+          </a:p>
+        </p:txBody>
+      </p:sp>
+      <p:sp>
+        <p:nvSpPr>
+          <p:cNvPr id="3" name="Tijdelijke aanduiding voor inhoud 2">
+            <a:extLst>
+              <a:ext uri="{FF2B5EF4-FFF2-40B4-BE49-F238E27FC236}">
+                <a16:creationId xmlns:a16="http://schemas.microsoft.com/office/drawing/2014/main" id="{55389E83-B3AD-A812-CC33-3136324239CC}"/>
+              </a:ext>
+            </a:extLst>
+          </p:cNvPr>
+          <p:cNvSpPr>
+            <a:spLocks noGrp="1"/>
+          </p:cNvSpPr>
+          <p:nvPr>
+            <p:ph idx="1"/>
+          </p:nvPr>
+        </p:nvSpPr>
+        <p:spPr/>
+        <p:txBody>
+          <a:bodyPr/>
+          <a:lstStyle/>
+          <a:p>
+            <a:r>
+              <a:rPr lang="nl-BE" dirty="0"/>
+              <a:t>Bij een geordende lijst, kan je kiezen wat er vooraan moet staan:</a:t>
+            </a:r>
+          </a:p>
+          <a:p>
+            <a:pPr lvl="1"/>
+            <a:r>
+              <a:rPr lang="nl-BE" dirty="0"/>
+              <a:t>1: 1, 2, 3, …</a:t>
+            </a:r>
+          </a:p>
+          <a:p>
+            <a:pPr lvl="1"/>
+            <a:r>
+              <a:rPr lang="nl-BE" dirty="0"/>
+              <a:t>A: A, B, C, …</a:t>
+            </a:r>
+          </a:p>
+          <a:p>
+            <a:pPr lvl="1"/>
+            <a:r>
+              <a:rPr lang="nl-BE" dirty="0"/>
+              <a:t>a: a, b, c, …</a:t>
+            </a:r>
+          </a:p>
+          <a:p>
+            <a:pPr lvl="1"/>
+            <a:r>
+              <a:rPr lang="nl-BE" dirty="0"/>
+              <a:t>I: I, II, III, IV, …</a:t>
+            </a:r>
+          </a:p>
+          <a:p>
+            <a:pPr lvl="1"/>
+            <a:r>
+              <a:rPr lang="nl-BE" dirty="0"/>
+              <a:t>i: i, ii, iii, iv, …</a:t>
+            </a:r>
+          </a:p>
+        </p:txBody>
+      </p:sp>
+      <p:sp>
+        <p:nvSpPr>
+          <p:cNvPr id="5" name="Tekstvak 4">
+            <a:extLst>
+              <a:ext uri="{FF2B5EF4-FFF2-40B4-BE49-F238E27FC236}">
+                <a16:creationId xmlns:a16="http://schemas.microsoft.com/office/drawing/2014/main" id="{AB7439CF-E061-DBE1-791A-93490C9190DC}"/>
+              </a:ext>
+            </a:extLst>
+          </p:cNvPr>
+          <p:cNvSpPr txBox="1"/>
+          <p:nvPr/>
+        </p:nvSpPr>
+        <p:spPr>
+          <a:xfrm>
+            <a:off x="7484534" y="3419443"/>
+            <a:ext cx="6096000" cy="1477328"/>
+          </a:xfrm>
+          <a:prstGeom prst="rect">
+            <a:avLst/>
+          </a:prstGeom>
+          <a:noFill/>
+        </p:spPr>
+        <p:txBody>
+          <a:bodyPr wrap="square">
+            <a:spAutoFit/>
+          </a:bodyPr>
+          <a:lstStyle/>
+          <a:p>
+            <a:r>
+              <a:rPr lang="it-IT" b="0" i="0" dirty="0">
+                <a:solidFill>
+                  <a:srgbClr val="999999"/>
+                </a:solidFill>
+                <a:effectLst/>
+                <a:latin typeface="Consolas" panose="020B0609020204030204" pitchFamily="49" charset="0"/>
+              </a:rPr>
+              <a:t>&lt;</a:t>
+            </a:r>
+            <a:r>
+              <a:rPr lang="it-IT" b="0" i="0" dirty="0" err="1">
+                <a:solidFill>
+                  <a:srgbClr val="990055"/>
+                </a:solidFill>
+                <a:effectLst/>
+                <a:latin typeface="Consolas" panose="020B0609020204030204" pitchFamily="49" charset="0"/>
+              </a:rPr>
+              <a:t>ol</a:t>
+            </a:r>
+            <a:r>
+              <a:rPr lang="it-IT" b="0" i="0" dirty="0">
+                <a:solidFill>
+                  <a:srgbClr val="008000"/>
+                </a:solidFill>
+                <a:effectLst/>
+                <a:latin typeface="Consolas" panose="020B0609020204030204" pitchFamily="49" charset="0"/>
+              </a:rPr>
+              <a:t> </a:t>
+            </a:r>
+            <a:r>
+              <a:rPr lang="it-IT" b="0" i="0" dirty="0" err="1">
+                <a:solidFill>
+                  <a:srgbClr val="008000"/>
+                </a:solidFill>
+                <a:effectLst/>
+                <a:latin typeface="Consolas" panose="020B0609020204030204" pitchFamily="49" charset="0"/>
+              </a:rPr>
+              <a:t>type</a:t>
+            </a:r>
+            <a:r>
+              <a:rPr lang="it-IT" b="0" i="0" dirty="0">
+                <a:solidFill>
+                  <a:srgbClr val="005CC5"/>
+                </a:solidFill>
+                <a:effectLst/>
+                <a:latin typeface="Consolas" panose="020B0609020204030204" pitchFamily="49" charset="0"/>
+              </a:rPr>
+              <a:t>="I"</a:t>
+            </a:r>
+            <a:r>
+              <a:rPr lang="it-IT" b="0" i="0" dirty="0">
+                <a:solidFill>
+                  <a:srgbClr val="999999"/>
+                </a:solidFill>
+                <a:effectLst/>
+                <a:latin typeface="Consolas" panose="020B0609020204030204" pitchFamily="49" charset="0"/>
+              </a:rPr>
+              <a:t>&gt;</a:t>
+            </a:r>
+            <a:br>
+              <a:rPr lang="it-IT" dirty="0"/>
+            </a:br>
+            <a:r>
+              <a:rPr lang="it-IT" b="0" i="0" dirty="0">
+                <a:solidFill>
+                  <a:srgbClr val="000000"/>
+                </a:solidFill>
+                <a:effectLst/>
+                <a:latin typeface="Consolas" panose="020B0609020204030204" pitchFamily="49" charset="0"/>
+              </a:rPr>
+              <a:t>  </a:t>
+            </a:r>
+            <a:r>
+              <a:rPr lang="it-IT" b="0" i="0" dirty="0">
+                <a:solidFill>
+                  <a:srgbClr val="999999"/>
+                </a:solidFill>
+                <a:effectLst/>
+                <a:latin typeface="Consolas" panose="020B0609020204030204" pitchFamily="49" charset="0"/>
+              </a:rPr>
+              <a:t>&lt;</a:t>
+            </a:r>
+            <a:r>
+              <a:rPr lang="it-IT" b="0" i="0" dirty="0">
+                <a:solidFill>
+                  <a:srgbClr val="990055"/>
+                </a:solidFill>
+                <a:effectLst/>
+                <a:latin typeface="Consolas" panose="020B0609020204030204" pitchFamily="49" charset="0"/>
+              </a:rPr>
+              <a:t>li</a:t>
+            </a:r>
+            <a:r>
+              <a:rPr lang="it-IT" b="0" i="0" dirty="0">
+                <a:solidFill>
+                  <a:srgbClr val="999999"/>
+                </a:solidFill>
+                <a:effectLst/>
+                <a:latin typeface="Consolas" panose="020B0609020204030204" pitchFamily="49" charset="0"/>
+              </a:rPr>
+              <a:t>&gt;</a:t>
+            </a:r>
+            <a:r>
+              <a:rPr lang="it-IT" b="0" i="0" dirty="0" err="1">
+                <a:solidFill>
+                  <a:srgbClr val="000000"/>
+                </a:solidFill>
+                <a:effectLst/>
+                <a:latin typeface="Consolas" panose="020B0609020204030204" pitchFamily="49" charset="0"/>
+              </a:rPr>
+              <a:t>Wiskunde</a:t>
+            </a:r>
+            <a:r>
+              <a:rPr lang="it-IT" b="0" i="0" dirty="0">
+                <a:solidFill>
+                  <a:srgbClr val="999999"/>
+                </a:solidFill>
+                <a:effectLst/>
+                <a:latin typeface="Consolas" panose="020B0609020204030204" pitchFamily="49" charset="0"/>
+              </a:rPr>
+              <a:t>&lt;</a:t>
+            </a:r>
+            <a:r>
+              <a:rPr lang="it-IT" b="0" i="0" dirty="0">
+                <a:solidFill>
+                  <a:srgbClr val="990055"/>
+                </a:solidFill>
+                <a:effectLst/>
+                <a:latin typeface="Consolas" panose="020B0609020204030204" pitchFamily="49" charset="0"/>
+              </a:rPr>
+              <a:t>/li</a:t>
+            </a:r>
+            <a:r>
+              <a:rPr lang="it-IT" b="0" i="0" dirty="0">
+                <a:solidFill>
+                  <a:srgbClr val="999999"/>
+                </a:solidFill>
+                <a:effectLst/>
+                <a:latin typeface="Consolas" panose="020B0609020204030204" pitchFamily="49" charset="0"/>
+              </a:rPr>
+              <a:t>&gt;</a:t>
+            </a:r>
+            <a:br>
+              <a:rPr lang="it-IT" dirty="0"/>
+            </a:br>
+            <a:r>
+              <a:rPr lang="it-IT" b="0" i="0" dirty="0">
+                <a:solidFill>
+                  <a:srgbClr val="000000"/>
+                </a:solidFill>
+                <a:effectLst/>
+                <a:latin typeface="Consolas" panose="020B0609020204030204" pitchFamily="49" charset="0"/>
+              </a:rPr>
+              <a:t>  </a:t>
+            </a:r>
+            <a:r>
+              <a:rPr lang="it-IT" b="0" i="0" dirty="0">
+                <a:solidFill>
+                  <a:srgbClr val="999999"/>
+                </a:solidFill>
+                <a:effectLst/>
+                <a:latin typeface="Consolas" panose="020B0609020204030204" pitchFamily="49" charset="0"/>
+              </a:rPr>
+              <a:t>&lt;</a:t>
+            </a:r>
+            <a:r>
+              <a:rPr lang="it-IT" b="0" i="0" dirty="0">
+                <a:solidFill>
+                  <a:srgbClr val="990055"/>
+                </a:solidFill>
+                <a:effectLst/>
+                <a:latin typeface="Consolas" panose="020B0609020204030204" pitchFamily="49" charset="0"/>
+              </a:rPr>
+              <a:t>li</a:t>
+            </a:r>
+            <a:r>
+              <a:rPr lang="it-IT" b="0" i="0" dirty="0">
+                <a:solidFill>
+                  <a:srgbClr val="999999"/>
+                </a:solidFill>
+                <a:effectLst/>
+                <a:latin typeface="Consolas" panose="020B0609020204030204" pitchFamily="49" charset="0"/>
+              </a:rPr>
+              <a:t>&gt;</a:t>
+            </a:r>
+            <a:r>
+              <a:rPr lang="it-IT" b="0" i="0" dirty="0">
+                <a:solidFill>
+                  <a:srgbClr val="000000"/>
+                </a:solidFill>
+                <a:effectLst/>
+                <a:latin typeface="Consolas" panose="020B0609020204030204" pitchFamily="49" charset="0"/>
+              </a:rPr>
+              <a:t>Frans</a:t>
+            </a:r>
+            <a:r>
+              <a:rPr lang="it-IT" b="0" i="0" dirty="0">
+                <a:solidFill>
+                  <a:srgbClr val="999999"/>
+                </a:solidFill>
+                <a:effectLst/>
+                <a:latin typeface="Consolas" panose="020B0609020204030204" pitchFamily="49" charset="0"/>
+              </a:rPr>
+              <a:t>&lt;</a:t>
+            </a:r>
+            <a:r>
+              <a:rPr lang="it-IT" b="0" i="0" dirty="0">
+                <a:solidFill>
+                  <a:srgbClr val="990055"/>
+                </a:solidFill>
+                <a:effectLst/>
+                <a:latin typeface="Consolas" panose="020B0609020204030204" pitchFamily="49" charset="0"/>
+              </a:rPr>
+              <a:t>/li</a:t>
+            </a:r>
+            <a:r>
+              <a:rPr lang="it-IT" b="0" i="0" dirty="0">
+                <a:solidFill>
+                  <a:srgbClr val="999999"/>
+                </a:solidFill>
+                <a:effectLst/>
+                <a:latin typeface="Consolas" panose="020B0609020204030204" pitchFamily="49" charset="0"/>
+              </a:rPr>
+              <a:t>&gt;</a:t>
+            </a:r>
+            <a:br>
+              <a:rPr lang="it-IT" dirty="0"/>
+            </a:br>
+            <a:r>
+              <a:rPr lang="it-IT" b="0" i="0" dirty="0">
+                <a:solidFill>
+                  <a:srgbClr val="000000"/>
+                </a:solidFill>
+                <a:effectLst/>
+                <a:latin typeface="Consolas" panose="020B0609020204030204" pitchFamily="49" charset="0"/>
+              </a:rPr>
+              <a:t>  </a:t>
+            </a:r>
+            <a:r>
+              <a:rPr lang="it-IT" b="0" i="0" dirty="0">
+                <a:solidFill>
+                  <a:srgbClr val="999999"/>
+                </a:solidFill>
+                <a:effectLst/>
+                <a:latin typeface="Consolas" panose="020B0609020204030204" pitchFamily="49" charset="0"/>
+              </a:rPr>
+              <a:t>&lt;</a:t>
+            </a:r>
+            <a:r>
+              <a:rPr lang="it-IT" b="0" i="0" dirty="0">
+                <a:solidFill>
+                  <a:srgbClr val="990055"/>
+                </a:solidFill>
+                <a:effectLst/>
+                <a:latin typeface="Consolas" panose="020B0609020204030204" pitchFamily="49" charset="0"/>
+              </a:rPr>
+              <a:t>li</a:t>
+            </a:r>
+            <a:r>
+              <a:rPr lang="it-IT" b="0" i="0" dirty="0">
+                <a:solidFill>
+                  <a:srgbClr val="999999"/>
+                </a:solidFill>
+                <a:effectLst/>
+                <a:latin typeface="Consolas" panose="020B0609020204030204" pitchFamily="49" charset="0"/>
+              </a:rPr>
+              <a:t>&gt;</a:t>
+            </a:r>
+            <a:r>
+              <a:rPr lang="it-IT" dirty="0">
+                <a:solidFill>
+                  <a:srgbClr val="000000"/>
+                </a:solidFill>
+                <a:latin typeface="Consolas" panose="020B0609020204030204" pitchFamily="49" charset="0"/>
+              </a:rPr>
+              <a:t>Engels</a:t>
+            </a:r>
+            <a:r>
+              <a:rPr lang="it-IT" b="0" i="0" dirty="0">
+                <a:solidFill>
+                  <a:srgbClr val="999999"/>
+                </a:solidFill>
+                <a:effectLst/>
+                <a:latin typeface="Consolas" panose="020B0609020204030204" pitchFamily="49" charset="0"/>
+              </a:rPr>
+              <a:t>&lt;</a:t>
+            </a:r>
+            <a:r>
+              <a:rPr lang="it-IT" b="0" i="0" dirty="0">
+                <a:solidFill>
+                  <a:srgbClr val="990055"/>
+                </a:solidFill>
+                <a:effectLst/>
+                <a:latin typeface="Consolas" panose="020B0609020204030204" pitchFamily="49" charset="0"/>
+              </a:rPr>
+              <a:t>/li</a:t>
+            </a:r>
+            <a:r>
+              <a:rPr lang="it-IT" b="0" i="0" dirty="0">
+                <a:solidFill>
+                  <a:srgbClr val="999999"/>
+                </a:solidFill>
+                <a:effectLst/>
+                <a:latin typeface="Consolas" panose="020B0609020204030204" pitchFamily="49" charset="0"/>
+              </a:rPr>
+              <a:t>&gt;</a:t>
+            </a:r>
+            <a:br>
+              <a:rPr lang="it-IT" dirty="0"/>
+            </a:br>
+            <a:r>
+              <a:rPr lang="it-IT" b="0" i="0" dirty="0">
+                <a:solidFill>
+                  <a:srgbClr val="999999"/>
+                </a:solidFill>
+                <a:effectLst/>
+                <a:latin typeface="Consolas" panose="020B0609020204030204" pitchFamily="49" charset="0"/>
+              </a:rPr>
+              <a:t>&lt;</a:t>
+            </a:r>
+            <a:r>
+              <a:rPr lang="it-IT" b="0" i="0" dirty="0">
+                <a:solidFill>
+                  <a:srgbClr val="990055"/>
+                </a:solidFill>
+                <a:effectLst/>
+                <a:latin typeface="Consolas" panose="020B0609020204030204" pitchFamily="49" charset="0"/>
+              </a:rPr>
+              <a:t>/</a:t>
+            </a:r>
+            <a:r>
+              <a:rPr lang="it-IT" b="0" i="0" dirty="0" err="1">
+                <a:solidFill>
+                  <a:srgbClr val="990055"/>
+                </a:solidFill>
+                <a:effectLst/>
+                <a:latin typeface="Consolas" panose="020B0609020204030204" pitchFamily="49" charset="0"/>
+              </a:rPr>
+              <a:t>ol</a:t>
+            </a:r>
+            <a:r>
+              <a:rPr lang="it-IT" b="0" i="0" dirty="0">
+                <a:solidFill>
+                  <a:srgbClr val="999999"/>
+                </a:solidFill>
+                <a:effectLst/>
+                <a:latin typeface="Consolas" panose="020B0609020204030204" pitchFamily="49" charset="0"/>
+              </a:rPr>
+              <a:t>&gt;</a:t>
+            </a:r>
+            <a:endParaRPr lang="nl-BE" dirty="0"/>
+          </a:p>
+        </p:txBody>
+      </p:sp>
+    </p:spTree>
+    <p:extLst>
+      <p:ext uri="{BB962C8B-B14F-4D97-AF65-F5344CB8AC3E}">
+        <p14:creationId xmlns:p14="http://schemas.microsoft.com/office/powerpoint/2010/main" val="1832345921"/>
+      </p:ext>
+    </p:extLst>
+  </p:cSld>
+  <p:clrMapOvr>
+    <a:masterClrMapping/>
+  </p:clrMapOvr>
+</p:sld>
+</file>
+
+<file path=ppt/slides/slide31.xml><?xml version="1.0" encoding="utf-8"?>
+<p:sld xmlns:a="http://schemas.openxmlformats.org/drawingml/2006/main" xmlns:r="http://schemas.openxmlformats.org/officeDocument/2006/relationships" xmlns:p="http://schemas.openxmlformats.org/presentationml/2006/main">
+  <p:cSld>
+    <p:spTree>
+      <p:nvGrpSpPr>
+        <p:cNvPr id="1" name=""/>
+        <p:cNvGrpSpPr/>
+        <p:nvPr/>
+      </p:nvGrpSpPr>
+      <p:grpSpPr>
+        <a:xfrm>
+          <a:off x="0" y="0"/>
+          <a:ext cx="0" cy="0"/>
+          <a:chOff x="0" y="0"/>
+          <a:chExt cx="0" cy="0"/>
+        </a:xfrm>
+      </p:grpSpPr>
+      <p:sp>
+        <p:nvSpPr>
+          <p:cNvPr id="2" name="Titel 1">
+            <a:extLst>
+              <a:ext uri="{FF2B5EF4-FFF2-40B4-BE49-F238E27FC236}">
                 <a16:creationId xmlns:a16="http://schemas.microsoft.com/office/drawing/2014/main" id="{3B5862F5-4BD7-C7FD-410A-CBAE474D753C}"/>
               </a:ext>
             </a:extLst>
@@ -11815,7 +12029,7 @@
 </p:sld>
 </file>
 
-<file path=ppt/slides/slide31.xml><?xml version="1.0" encoding="utf-8"?>
+<file path=ppt/slides/slide32.xml><?xml version="1.0" encoding="utf-8"?>
 <p:sld xmlns:a="http://schemas.openxmlformats.org/drawingml/2006/main" xmlns:r="http://schemas.openxmlformats.org/officeDocument/2006/relationships" xmlns:p="http://schemas.openxmlformats.org/presentationml/2006/main">
   <p:cSld>
     <p:spTree>
@@ -11936,7 +12150,7 @@
             <a:pPr rtl="0"/>
             <a:fld id="{66D3D282-C61A-41D7-9714-7814FA67361E}" type="datetime1">
               <a:rPr lang="nl-NL" smtClean="0"/>
-              <a:t>7-1-2026</a:t>
+              <a:t>12-2-2026</a:t>
             </a:fld>
             <a:endParaRPr lang="en-US" dirty="0"/>
           </a:p>
@@ -11955,7 +12169,7 @@
 </p:sld>
 </file>
 
-<file path=ppt/slides/slide32.xml><?xml version="1.0" encoding="utf-8"?>
+<file path=ppt/slides/slide33.xml><?xml version="1.0" encoding="utf-8"?>
 <p:sld xmlns:a="http://schemas.openxmlformats.org/drawingml/2006/main" xmlns:r="http://schemas.openxmlformats.org/officeDocument/2006/relationships" xmlns:p="http://schemas.openxmlformats.org/presentationml/2006/main">
   <p:cSld>
     <p:spTree>
@@ -12097,7 +12311,7 @@
 </p:sld>
 </file>
 
-<file path=ppt/slides/slide33.xml><?xml version="1.0" encoding="utf-8"?>
+<file path=ppt/slides/slide34.xml><?xml version="1.0" encoding="utf-8"?>
 <p:sld xmlns:a="http://schemas.openxmlformats.org/drawingml/2006/main" xmlns:r="http://schemas.openxmlformats.org/officeDocument/2006/relationships" xmlns:p="http://schemas.openxmlformats.org/presentationml/2006/main">
   <p:cSld>
     <p:spTree>
@@ -12213,7 +12427,7 @@
 </p:sld>
 </file>
 
-<file path=ppt/slides/slide34.xml><?xml version="1.0" encoding="utf-8"?>
+<file path=ppt/slides/slide35.xml><?xml version="1.0" encoding="utf-8"?>
 <p:sld xmlns:a="http://schemas.openxmlformats.org/drawingml/2006/main" xmlns:r="http://schemas.openxmlformats.org/officeDocument/2006/relationships" xmlns:p="http://schemas.openxmlformats.org/presentationml/2006/main">
   <p:cSld>
     <p:spTree>
@@ -12547,7 +12761,7 @@
 </p:sld>
 </file>
 
-<file path=ppt/slides/slide35.xml><?xml version="1.0" encoding="utf-8"?>
+<file path=ppt/slides/slide36.xml><?xml version="1.0" encoding="utf-8"?>
 <p:sld xmlns:a="http://schemas.openxmlformats.org/drawingml/2006/main" xmlns:r="http://schemas.openxmlformats.org/officeDocument/2006/relationships" xmlns:p="http://schemas.openxmlformats.org/presentationml/2006/main">
   <p:cSld>
     <p:spTree>
@@ -15648,7 +15862,7 @@
 </p:sld>
 </file>
 
-<file path=ppt/slides/slide36.xml><?xml version="1.0" encoding="utf-8"?>
+<file path=ppt/slides/slide37.xml><?xml version="1.0" encoding="utf-8"?>
 <p:sld xmlns:a="http://schemas.openxmlformats.org/drawingml/2006/main" xmlns:r="http://schemas.openxmlformats.org/officeDocument/2006/relationships" xmlns:p="http://schemas.openxmlformats.org/presentationml/2006/main">
   <p:cSld>
     <p:spTree>
@@ -15908,157 +16122,6 @@
     <p:extLst>
       <p:ext uri="{BB962C8B-B14F-4D97-AF65-F5344CB8AC3E}">
         <p14:creationId xmlns:p14="http://schemas.microsoft.com/office/powerpoint/2010/main" val="3466630859"/>
-      </p:ext>
-    </p:extLst>
-  </p:cSld>
-  <p:clrMapOvr>
-    <a:masterClrMapping/>
-  </p:clrMapOvr>
-</p:sld>
-</file>
-
-<file path=ppt/slides/slide37.xml><?xml version="1.0" encoding="utf-8"?>
-<p:sld xmlns:a="http://schemas.openxmlformats.org/drawingml/2006/main" xmlns:r="http://schemas.openxmlformats.org/officeDocument/2006/relationships" xmlns:p="http://schemas.openxmlformats.org/presentationml/2006/main">
-  <p:cSld>
-    <p:spTree>
-      <p:nvGrpSpPr>
-        <p:cNvPr id="1" name="">
-          <a:extLst>
-            <a:ext uri="{FF2B5EF4-FFF2-40B4-BE49-F238E27FC236}">
-              <a16:creationId xmlns:a16="http://schemas.microsoft.com/office/drawing/2014/main" id="{C6064CD0-11EA-4B65-8D5E-C0F8F93761E5}"/>
-            </a:ext>
-          </a:extLst>
-        </p:cNvPr>
-        <p:cNvGrpSpPr/>
-        <p:nvPr/>
-      </p:nvGrpSpPr>
-      <p:grpSpPr>
-        <a:xfrm>
-          <a:off x="0" y="0"/>
-          <a:ext cx="0" cy="0"/>
-          <a:chOff x="0" y="0"/>
-          <a:chExt cx="0" cy="0"/>
-        </a:xfrm>
-      </p:grpSpPr>
-      <p:sp>
-        <p:nvSpPr>
-          <p:cNvPr id="2" name="Titel 1">
-            <a:extLst>
-              <a:ext uri="{FF2B5EF4-FFF2-40B4-BE49-F238E27FC236}">
-                <a16:creationId xmlns:a16="http://schemas.microsoft.com/office/drawing/2014/main" id="{EE97D044-1506-7668-1ACE-B541FF5361FD}"/>
-              </a:ext>
-            </a:extLst>
-          </p:cNvPr>
-          <p:cNvSpPr>
-            <a:spLocks noGrp="1"/>
-          </p:cNvSpPr>
-          <p:nvPr>
-            <p:ph type="title"/>
-          </p:nvPr>
-        </p:nvSpPr>
-        <p:spPr/>
-        <p:txBody>
-          <a:bodyPr/>
-          <a:lstStyle/>
-          <a:p>
-            <a:r>
-              <a:rPr lang="nl-BE" dirty="0"/>
-              <a:t>eigenschappen: Display</a:t>
-            </a:r>
-          </a:p>
-        </p:txBody>
-      </p:sp>
-      <p:sp>
-        <p:nvSpPr>
-          <p:cNvPr id="3" name="Tijdelijke aanduiding voor inhoud 2">
-            <a:extLst>
-              <a:ext uri="{FF2B5EF4-FFF2-40B4-BE49-F238E27FC236}">
-                <a16:creationId xmlns:a16="http://schemas.microsoft.com/office/drawing/2014/main" id="{E57CB285-4E52-D8FC-8EF9-A7D1133C8F68}"/>
-              </a:ext>
-            </a:extLst>
-          </p:cNvPr>
-          <p:cNvSpPr>
-            <a:spLocks noGrp="1"/>
-          </p:cNvSpPr>
-          <p:nvPr>
-            <p:ph idx="1"/>
-          </p:nvPr>
-        </p:nvSpPr>
-        <p:spPr/>
-        <p:txBody>
-          <a:bodyPr/>
-          <a:lstStyle/>
-          <a:p>
-            <a:r>
-              <a:rPr lang="nl-BE" dirty="0"/>
-              <a:t>Bepaalt hoe een element wordt getoond, en dus ook hoe je hier bepaalde eigenschappen (zoals </a:t>
-            </a:r>
-            <a:r>
-              <a:rPr lang="nl-BE" dirty="0" err="1"/>
-              <a:t>margin</a:t>
-            </a:r>
-            <a:r>
-              <a:rPr lang="nl-BE" dirty="0"/>
-              <a:t>: auto) op kan toepassen.</a:t>
-            </a:r>
-          </a:p>
-          <a:p>
-            <a:r>
-              <a:rPr lang="nl-BE" dirty="0"/>
-              <a:t>Waarde:</a:t>
-            </a:r>
-          </a:p>
-          <a:p>
-            <a:pPr lvl="1"/>
-            <a:r>
-              <a:rPr lang="nl-BE" dirty="0" err="1"/>
-              <a:t>Inline</a:t>
-            </a:r>
-            <a:r>
-              <a:rPr lang="nl-BE" dirty="0"/>
-              <a:t>: zoals een &lt;span&gt;, dus </a:t>
-            </a:r>
-            <a:r>
-              <a:rPr lang="nl-BE" i="1" dirty="0"/>
-              <a:t>in </a:t>
-            </a:r>
-            <a:r>
-              <a:rPr lang="nl-BE" dirty="0"/>
-              <a:t>een </a:t>
-            </a:r>
-            <a:r>
-              <a:rPr lang="nl-BE" i="1" dirty="0"/>
-              <a:t>line</a:t>
-            </a:r>
-            <a:r>
-              <a:rPr lang="nl-BE" dirty="0"/>
-              <a:t> met andere elementen.</a:t>
-            </a:r>
-          </a:p>
-          <a:p>
-            <a:pPr lvl="1"/>
-            <a:r>
-              <a:rPr lang="nl-BE" dirty="0"/>
-              <a:t>Block: zoals een &lt;p&gt;, dus als een aparte block</a:t>
-            </a:r>
-          </a:p>
-          <a:p>
-            <a:pPr lvl="1"/>
-            <a:r>
-              <a:rPr lang="nl-BE" dirty="0" err="1"/>
-              <a:t>Inherit</a:t>
-            </a:r>
-            <a:r>
-              <a:rPr lang="nl-BE" dirty="0"/>
-              <a:t>: neemt over van bovenliggend element</a:t>
-            </a:r>
-          </a:p>
-        </p:txBody>
-      </p:sp>
-    </p:spTree>
-    <p:extLst>
-      <p:ext uri="{BB962C8B-B14F-4D97-AF65-F5344CB8AC3E}">
-        <p14:creationId xmlns:p14="http://schemas.microsoft.com/office/powerpoint/2010/main" val="1178364668"/>
       </p:ext>
     </p:extLst>
   </p:cSld>
@@ -16114,7 +16177,7 @@
           <a:p>
             <a:r>
               <a:rPr lang="nl-BE" dirty="0"/>
-              <a:t>eigenschappen: Kleuren</a:t>
+              <a:t>eigenschappen: Display</a:t>
             </a:r>
           </a:p>
         </p:txBody>
@@ -16142,147 +16205,66 @@
           <a:p>
             <a:r>
               <a:rPr lang="nl-BE" dirty="0"/>
-              <a:t>Vooraf gedefinieerde kleuren: black, green, red, </a:t>
+              <a:t>Bepaalt hoe een element wordt getoond, en dus ook hoe je hier bepaalde eigenschappen (zoals </a:t>
             </a:r>
             <a:r>
               <a:rPr lang="nl-BE" dirty="0" err="1"/>
-              <a:t>yellow</a:t>
-            </a:r>
-            <a:r>
-              <a:rPr lang="nl-BE" dirty="0"/>
-              <a:t>, …, </a:t>
-            </a:r>
+              <a:t>margin</a:t>
+            </a:r>
+            <a:r>
+              <a:rPr lang="nl-BE" dirty="0"/>
+              <a:t>: auto) op kan toepassen.</a:t>
+            </a:r>
+          </a:p>
+          <a:p>
+            <a:r>
+              <a:rPr lang="nl-BE" dirty="0"/>
+              <a:t>Waarde:</a:t>
+            </a:r>
+          </a:p>
+          <a:p>
+            <a:pPr lvl="1"/>
             <a:r>
               <a:rPr lang="nl-BE" dirty="0" err="1"/>
-              <a:t>salmon</a:t>
-            </a:r>
-            <a:r>
-              <a:rPr lang="nl-BE" dirty="0"/>
-              <a:t>, </a:t>
-            </a:r>
+              <a:t>Inline</a:t>
+            </a:r>
+            <a:r>
+              <a:rPr lang="nl-BE" dirty="0"/>
+              <a:t>: zoals een &lt;span&gt;, dus </a:t>
+            </a:r>
+            <a:r>
+              <a:rPr lang="nl-BE" i="1" dirty="0"/>
+              <a:t>in </a:t>
+            </a:r>
+            <a:r>
+              <a:rPr lang="nl-BE" dirty="0"/>
+              <a:t>een </a:t>
+            </a:r>
+            <a:r>
+              <a:rPr lang="nl-BE" i="1" dirty="0"/>
+              <a:t>line</a:t>
+            </a:r>
+            <a:r>
+              <a:rPr lang="nl-BE" dirty="0"/>
+              <a:t> met andere elementen.</a:t>
+            </a:r>
+          </a:p>
+          <a:p>
+            <a:pPr lvl="1"/>
+            <a:r>
+              <a:rPr lang="nl-BE" dirty="0"/>
+              <a:t>Block: zoals een &lt;p&gt;, dus als een aparte block</a:t>
+            </a:r>
+          </a:p>
+          <a:p>
+            <a:pPr lvl="1"/>
             <a:r>
               <a:rPr lang="nl-BE" dirty="0" err="1"/>
-              <a:t>lightblue</a:t>
-            </a:r>
-            <a:r>
-              <a:rPr lang="nl-BE" dirty="0"/>
-              <a:t>, </a:t>
-            </a:r>
-            <a:r>
-              <a:rPr lang="nl-BE" dirty="0" err="1"/>
-              <a:t>cornsilk</a:t>
-            </a:r>
-            <a:r>
-              <a:rPr lang="nl-BE" dirty="0"/>
-              <a:t>, …</a:t>
-            </a:r>
-          </a:p>
-          <a:p>
-            <a:r>
-              <a:rPr lang="nl-BE" dirty="0"/>
-              <a:t>Eigen kleuren:</a:t>
-            </a:r>
-          </a:p>
-          <a:p>
-            <a:pPr lvl="1"/>
-            <a:r>
-              <a:rPr lang="nl-BE" dirty="0"/>
-              <a:t>RGB (</a:t>
-            </a:r>
-            <a:r>
-              <a:rPr lang="nl-BE" dirty="0" err="1"/>
-              <a:t>Red,Green,Blue</a:t>
-            </a:r>
-            <a:r>
-              <a:rPr lang="nl-BE" dirty="0"/>
-              <a:t>): combinatie van 3 kleuren (0-255 per kleur): </a:t>
-            </a:r>
-            <a:r>
-              <a:rPr lang="nl-BE" dirty="0">
-                <a:hlinkClick r:id="rId2"/>
-              </a:rPr>
-              <a:t>https://share.google/0pBR33foiEkki6AAg</a:t>
-            </a:r>
-            <a:endParaRPr lang="nl-BE" dirty="0"/>
-          </a:p>
-          <a:p>
-            <a:pPr lvl="2"/>
-            <a:r>
-              <a:rPr lang="nl-BE" dirty="0"/>
-              <a:t>(0-255,0-255,0-255) of </a:t>
-            </a:r>
-            <a:r>
-              <a:rPr lang="nl-BE" dirty="0" err="1"/>
-              <a:t>hex</a:t>
-            </a:r>
-            <a:r>
-              <a:rPr lang="nl-BE" dirty="0"/>
-              <a:t>: </a:t>
-            </a:r>
-            <a:r>
-              <a:rPr lang="nl-BE" dirty="0">
-                <a:hlinkClick r:id="rId3"/>
-              </a:rPr>
-              <a:t>https://share.google/E5pHoJpTk3ROo5yqP</a:t>
-            </a:r>
-            <a:r>
-              <a:rPr lang="nl-BE" dirty="0"/>
-              <a:t> </a:t>
-            </a:r>
-          </a:p>
-          <a:p>
-            <a:pPr lvl="1"/>
-            <a:r>
-              <a:rPr lang="nl-BE" dirty="0"/>
-              <a:t>HSL (</a:t>
-            </a:r>
-            <a:r>
-              <a:rPr lang="nl-BE" dirty="0" err="1"/>
-              <a:t>Hue</a:t>
-            </a:r>
-            <a:r>
-              <a:rPr lang="nl-BE" dirty="0"/>
-              <a:t> </a:t>
-            </a:r>
-            <a:r>
-              <a:rPr lang="nl-BE" dirty="0" err="1"/>
-              <a:t>Saturation</a:t>
-            </a:r>
-            <a:r>
-              <a:rPr lang="nl-BE" dirty="0"/>
-              <a:t> </a:t>
-            </a:r>
-            <a:r>
-              <a:rPr lang="nl-BE" dirty="0" err="1"/>
-              <a:t>Lightness</a:t>
-            </a:r>
-            <a:r>
-              <a:rPr lang="nl-BE" dirty="0"/>
-              <a:t>): </a:t>
-            </a:r>
-            <a:r>
-              <a:rPr lang="nl-BE" dirty="0">
-                <a:hlinkClick r:id="rId4"/>
-              </a:rPr>
-              <a:t>https://www.hslpicker.com/</a:t>
-            </a:r>
-            <a:r>
-              <a:rPr lang="nl-BE" dirty="0"/>
-              <a:t> </a:t>
-            </a:r>
-          </a:p>
-          <a:p>
-            <a:r>
-              <a:rPr lang="nl-BE" dirty="0"/>
-              <a:t>Ga spaarzaam om met kleur. </a:t>
-            </a:r>
-            <a:r>
-              <a:rPr lang="nl-BE" dirty="0" err="1"/>
-              <a:t>Less</a:t>
-            </a:r>
-            <a:r>
-              <a:rPr lang="nl-BE" dirty="0"/>
-              <a:t> is more!</a:t>
+              <a:t>Inherit</a:t>
+            </a:r>
+            <a:r>
+              <a:rPr lang="nl-BE" dirty="0"/>
+              <a:t>: neemt over van bovenliggend element</a:t>
             </a:r>
           </a:p>
         </p:txBody>
@@ -16290,7 +16272,7 @@
     </p:spTree>
     <p:extLst>
       <p:ext uri="{BB962C8B-B14F-4D97-AF65-F5344CB8AC3E}">
-        <p14:creationId xmlns:p14="http://schemas.microsoft.com/office/powerpoint/2010/main" val="4144912472"/>
+        <p14:creationId xmlns:p14="http://schemas.microsoft.com/office/powerpoint/2010/main" val="1178364668"/>
       </p:ext>
     </p:extLst>
   </p:cSld>
@@ -16308,7 +16290,7 @@
         <p:cNvPr id="1" name="">
           <a:extLst>
             <a:ext uri="{FF2B5EF4-FFF2-40B4-BE49-F238E27FC236}">
-              <a16:creationId xmlns:a16="http://schemas.microsoft.com/office/drawing/2014/main" id="{8E5AE0C8-B089-E329-CDD3-3A45CC4C20E1}"/>
+              <a16:creationId xmlns:a16="http://schemas.microsoft.com/office/drawing/2014/main" id="{C6064CD0-11EA-4B65-8D5E-C0F8F93761E5}"/>
             </a:ext>
           </a:extLst>
         </p:cNvPr>
@@ -16328,7 +16310,7 @@
           <p:cNvPr id="2" name="Titel 1">
             <a:extLst>
               <a:ext uri="{FF2B5EF4-FFF2-40B4-BE49-F238E27FC236}">
-                <a16:creationId xmlns:a16="http://schemas.microsoft.com/office/drawing/2014/main" id="{152E0489-B89D-A8D5-FF33-BA5E61DA6278}"/>
+                <a16:creationId xmlns:a16="http://schemas.microsoft.com/office/drawing/2014/main" id="{EE97D044-1506-7668-1ACE-B541FF5361FD}"/>
               </a:ext>
             </a:extLst>
           </p:cNvPr>
@@ -16346,7 +16328,7 @@
           <a:p>
             <a:r>
               <a:rPr lang="nl-BE" dirty="0"/>
-              <a:t>eigenschappen: afstanden</a:t>
+              <a:t>eigenschappen: Kleuren</a:t>
             </a:r>
           </a:p>
         </p:txBody>
@@ -16356,7 +16338,7 @@
           <p:cNvPr id="3" name="Tijdelijke aanduiding voor inhoud 2">
             <a:extLst>
               <a:ext uri="{FF2B5EF4-FFF2-40B4-BE49-F238E27FC236}">
-                <a16:creationId xmlns:a16="http://schemas.microsoft.com/office/drawing/2014/main" id="{F38445A9-E3BC-38F6-0595-C05BDE8A6DC1}"/>
+                <a16:creationId xmlns:a16="http://schemas.microsoft.com/office/drawing/2014/main" id="{E57CB285-4E52-D8FC-8EF9-A7D1133C8F68}"/>
               </a:ext>
             </a:extLst>
           </p:cNvPr>
@@ -16367,157 +16349,162 @@
             <p:ph idx="1"/>
           </p:nvPr>
         </p:nvSpPr>
-        <p:spPr>
-          <a:xfrm>
-            <a:off x="581192" y="2340863"/>
-            <a:ext cx="11029615" cy="4347803"/>
-          </a:xfrm>
-        </p:spPr>
+        <p:spPr/>
         <p:txBody>
           <a:bodyPr/>
           <a:lstStyle/>
           <a:p>
             <a:r>
+              <a:rPr lang="nl-BE" dirty="0"/>
+              <a:t>Vooraf gedefinieerde kleuren: black, green, red, </a:t>
+            </a:r>
+            <a:r>
               <a:rPr lang="nl-BE" dirty="0" err="1"/>
-              <a:t>Margin</a:t>
-            </a:r>
-            <a:r>
-              <a:rPr lang="nl-BE" dirty="0"/>
-              <a:t>:</a:t>
+              <a:t>yellow</a:t>
+            </a:r>
+            <a:r>
+              <a:rPr lang="nl-BE" dirty="0"/>
+              <a:t>, …, </a:t>
+            </a:r>
+            <a:r>
+              <a:rPr lang="nl-BE" dirty="0" err="1"/>
+              <a:t>salmon</a:t>
+            </a:r>
+            <a:r>
+              <a:rPr lang="nl-BE" dirty="0"/>
+              <a:t>, </a:t>
+            </a:r>
+            <a:r>
+              <a:rPr lang="nl-BE" dirty="0" err="1"/>
+              <a:t>lightblue</a:t>
+            </a:r>
+            <a:r>
+              <a:rPr lang="nl-BE" dirty="0"/>
+              <a:t>, </a:t>
+            </a:r>
+            <a:r>
+              <a:rPr lang="nl-BE" dirty="0" err="1"/>
+              <a:t>cornsilk</a:t>
+            </a:r>
+            <a:r>
+              <a:rPr lang="nl-BE" dirty="0"/>
+              <a:t>, …</a:t>
+            </a:r>
+          </a:p>
+          <a:p>
+            <a:r>
+              <a:rPr lang="nl-BE" dirty="0"/>
+              <a:t>Eigen kleuren:</a:t>
             </a:r>
           </a:p>
           <a:p>
             <a:pPr lvl="1"/>
             <a:r>
               <a:rPr lang="nl-BE" dirty="0"/>
-              <a:t>auto: horizontaal centreren</a:t>
+              <a:t>RGB (</a:t>
+            </a:r>
+            <a:r>
+              <a:rPr lang="nl-BE" dirty="0" err="1"/>
+              <a:t>Red,Green,Blue</a:t>
+            </a:r>
+            <a:r>
+              <a:rPr lang="nl-BE" dirty="0"/>
+              <a:t>): combinatie van 3 kleuren (0-255 per kleur): </a:t>
+            </a:r>
+            <a:r>
+              <a:rPr lang="nl-BE" dirty="0">
+                <a:hlinkClick r:id="rId2"/>
+              </a:rPr>
+              <a:t>https://share.google/0pBR33foiEkki6AAg</a:t>
+            </a:r>
+            <a:endParaRPr lang="nl-BE" dirty="0"/>
+          </a:p>
+          <a:p>
+            <a:pPr lvl="2"/>
+            <a:r>
+              <a:rPr lang="nl-BE" dirty="0"/>
+              <a:t>(0-255,0-255,0-255) of </a:t>
+            </a:r>
+            <a:r>
+              <a:rPr lang="nl-BE" dirty="0" err="1"/>
+              <a:t>hex</a:t>
+            </a:r>
+            <a:r>
+              <a:rPr lang="nl-BE" dirty="0"/>
+              <a:t>: </a:t>
+            </a:r>
+            <a:r>
+              <a:rPr lang="nl-BE" dirty="0">
+                <a:hlinkClick r:id="rId3"/>
+              </a:rPr>
+              <a:t>https://share.google/E5pHoJpTk3ROo5yqP</a:t>
+            </a:r>
+            <a:r>
+              <a:rPr lang="nl-BE" dirty="0"/>
+              <a:t> </a:t>
             </a:r>
           </a:p>
           <a:p>
             <a:pPr lvl="1"/>
             <a:r>
+              <a:rPr lang="nl-BE" dirty="0"/>
+              <a:t>HSL (</a:t>
+            </a:r>
+            <a:r>
               <a:rPr lang="nl-BE" dirty="0" err="1"/>
-              <a:t>inherit</a:t>
-            </a:r>
-            <a:r>
-              <a:rPr lang="nl-BE" dirty="0"/>
-              <a:t>: overnemen van </a:t>
+              <a:t>Hue</a:t>
+            </a:r>
+            <a:r>
+              <a:rPr lang="nl-BE" dirty="0"/>
+              <a:t> </a:t>
             </a:r>
             <a:r>
               <a:rPr lang="nl-BE" dirty="0" err="1"/>
-              <a:t>parent</a:t>
-            </a:r>
-            <a:r>
-              <a:rPr lang="nl-BE" dirty="0"/>
-              <a:t>-element</a:t>
-            </a:r>
-          </a:p>
-          <a:p>
-            <a:pPr lvl="1"/>
-            <a:r>
-              <a:rPr lang="nl-BE" dirty="0"/>
-              <a:t>Notaties (zelfde bij padding):</a:t>
-            </a:r>
-          </a:p>
-          <a:p>
-            <a:pPr lvl="2"/>
-            <a:r>
-              <a:rPr lang="nl-BE" dirty="0"/>
-              <a:t>20px: overal 20 </a:t>
+              <a:t>Saturation</a:t>
+            </a:r>
+            <a:r>
+              <a:rPr lang="nl-BE" dirty="0"/>
+              <a:t> </a:t>
             </a:r>
             <a:r>
               <a:rPr lang="nl-BE" dirty="0" err="1"/>
-              <a:t>px</a:t>
-            </a:r>
-            <a:endParaRPr lang="nl-BE" dirty="0"/>
-          </a:p>
-          <a:p>
-            <a:pPr lvl="2"/>
-            <a:r>
-              <a:rPr lang="nl-BE" dirty="0"/>
-              <a:t>10px 20px: onder en boven 10 </a:t>
+              <a:t>Lightness</a:t>
+            </a:r>
+            <a:r>
+              <a:rPr lang="nl-BE" dirty="0"/>
+              <a:t>): </a:t>
+            </a:r>
+            <a:r>
+              <a:rPr lang="nl-BE" dirty="0">
+                <a:hlinkClick r:id="rId4"/>
+              </a:rPr>
+              <a:t>https://www.hslpicker.com/</a:t>
+            </a:r>
+            <a:r>
+              <a:rPr lang="nl-BE" dirty="0"/>
+              <a:t> </a:t>
+            </a:r>
+          </a:p>
+          <a:p>
+            <a:r>
+              <a:rPr lang="nl-BE" dirty="0"/>
+              <a:t>Ga spaarzaam om met kleur. </a:t>
             </a:r>
             <a:r>
               <a:rPr lang="nl-BE" dirty="0" err="1"/>
-              <a:t>px</a:t>
-            </a:r>
-            <a:r>
-              <a:rPr lang="nl-BE" dirty="0"/>
-              <a:t>, links en rechts 20px</a:t>
-            </a:r>
-          </a:p>
-          <a:p>
-            <a:pPr lvl="2"/>
-            <a:r>
-              <a:rPr lang="nl-BE" dirty="0"/>
-              <a:t>10px 20px 30px: boven 10px, links en rechts 20px, onder 30 </a:t>
-            </a:r>
-            <a:r>
-              <a:rPr lang="nl-BE" dirty="0" err="1"/>
-              <a:t>px</a:t>
-            </a:r>
-            <a:endParaRPr lang="nl-BE" dirty="0"/>
-          </a:p>
-          <a:p>
-            <a:pPr lvl="2"/>
-            <a:r>
-              <a:rPr lang="nl-BE" dirty="0"/>
-              <a:t>1px 2px 3px 4px: boven 1px, rechts 2px, onder 3px, links 4px</a:t>
+              <a:t>Less</a:t>
+            </a:r>
+            <a:r>
+              <a:rPr lang="nl-BE" dirty="0"/>
+              <a:t> is more!</a:t>
             </a:r>
           </a:p>
         </p:txBody>
       </p:sp>
-      <p:pic>
-        <p:nvPicPr>
-          <p:cNvPr id="1026" name="Picture 2" descr="The Box Model: Padding, Border, Margin: CSS Tutorial">
-            <a:extLst>
-              <a:ext uri="{FF2B5EF4-FFF2-40B4-BE49-F238E27FC236}">
-                <a16:creationId xmlns:a16="http://schemas.microsoft.com/office/drawing/2014/main" id="{52733B40-C599-5904-4A3C-8F1644702EB2}"/>
-              </a:ext>
-            </a:extLst>
-          </p:cNvPr>
-          <p:cNvPicPr>
-            <a:picLocks noChangeAspect="1" noChangeArrowheads="1"/>
-          </p:cNvPicPr>
-          <p:nvPr/>
-        </p:nvPicPr>
-        <p:blipFill>
-          <a:blip r:embed="rId2">
-            <a:extLst>
-              <a:ext uri="{28A0092B-C50C-407E-A947-70E740481C1C}">
-                <a14:useLocalDpi xmlns:a14="http://schemas.microsoft.com/office/drawing/2010/main" val="0"/>
-              </a:ext>
-            </a:extLst>
-          </a:blip>
-          <a:srcRect/>
-          <a:stretch>
-            <a:fillRect/>
-          </a:stretch>
-        </p:blipFill>
-        <p:spPr bwMode="auto">
-          <a:xfrm>
-            <a:off x="7047287" y="2395335"/>
-            <a:ext cx="4563520" cy="3525543"/>
-          </a:xfrm>
-          <a:prstGeom prst="rect">
-            <a:avLst/>
-          </a:prstGeom>
-          <a:noFill/>
-          <a:extLst>
-            <a:ext uri="{909E8E84-426E-40DD-AFC4-6F175D3DCCD1}">
-              <a14:hiddenFill xmlns:a14="http://schemas.microsoft.com/office/drawing/2010/main">
-                <a:solidFill>
-                  <a:srgbClr val="FFFFFF"/>
-                </a:solidFill>
-              </a14:hiddenFill>
-            </a:ext>
-          </a:extLst>
-        </p:spPr>
-      </p:pic>
     </p:spTree>
     <p:extLst>
       <p:ext uri="{BB962C8B-B14F-4D97-AF65-F5344CB8AC3E}">
-        <p14:creationId xmlns:p14="http://schemas.microsoft.com/office/powerpoint/2010/main" val="2529747929"/>
+        <p14:creationId xmlns:p14="http://schemas.microsoft.com/office/powerpoint/2010/main" val="4144912472"/>
       </p:ext>
     </p:extLst>
   </p:cSld>
@@ -16748,6 +16735,233 @@
         <p:cNvPr id="1" name="">
           <a:extLst>
             <a:ext uri="{FF2B5EF4-FFF2-40B4-BE49-F238E27FC236}">
+              <a16:creationId xmlns:a16="http://schemas.microsoft.com/office/drawing/2014/main" id="{8E5AE0C8-B089-E329-CDD3-3A45CC4C20E1}"/>
+            </a:ext>
+          </a:extLst>
+        </p:cNvPr>
+        <p:cNvGrpSpPr/>
+        <p:nvPr/>
+      </p:nvGrpSpPr>
+      <p:grpSpPr>
+        <a:xfrm>
+          <a:off x="0" y="0"/>
+          <a:ext cx="0" cy="0"/>
+          <a:chOff x="0" y="0"/>
+          <a:chExt cx="0" cy="0"/>
+        </a:xfrm>
+      </p:grpSpPr>
+      <p:sp>
+        <p:nvSpPr>
+          <p:cNvPr id="2" name="Titel 1">
+            <a:extLst>
+              <a:ext uri="{FF2B5EF4-FFF2-40B4-BE49-F238E27FC236}">
+                <a16:creationId xmlns:a16="http://schemas.microsoft.com/office/drawing/2014/main" id="{152E0489-B89D-A8D5-FF33-BA5E61DA6278}"/>
+              </a:ext>
+            </a:extLst>
+          </p:cNvPr>
+          <p:cNvSpPr>
+            <a:spLocks noGrp="1"/>
+          </p:cNvSpPr>
+          <p:nvPr>
+            <p:ph type="title"/>
+          </p:nvPr>
+        </p:nvSpPr>
+        <p:spPr/>
+        <p:txBody>
+          <a:bodyPr/>
+          <a:lstStyle/>
+          <a:p>
+            <a:r>
+              <a:rPr lang="nl-BE" dirty="0"/>
+              <a:t>eigenschappen: afstanden</a:t>
+            </a:r>
+          </a:p>
+        </p:txBody>
+      </p:sp>
+      <p:sp>
+        <p:nvSpPr>
+          <p:cNvPr id="3" name="Tijdelijke aanduiding voor inhoud 2">
+            <a:extLst>
+              <a:ext uri="{FF2B5EF4-FFF2-40B4-BE49-F238E27FC236}">
+                <a16:creationId xmlns:a16="http://schemas.microsoft.com/office/drawing/2014/main" id="{F38445A9-E3BC-38F6-0595-C05BDE8A6DC1}"/>
+              </a:ext>
+            </a:extLst>
+          </p:cNvPr>
+          <p:cNvSpPr>
+            <a:spLocks noGrp="1"/>
+          </p:cNvSpPr>
+          <p:nvPr>
+            <p:ph idx="1"/>
+          </p:nvPr>
+        </p:nvSpPr>
+        <p:spPr>
+          <a:xfrm>
+            <a:off x="581192" y="2340863"/>
+            <a:ext cx="11029615" cy="4347803"/>
+          </a:xfrm>
+        </p:spPr>
+        <p:txBody>
+          <a:bodyPr/>
+          <a:lstStyle/>
+          <a:p>
+            <a:r>
+              <a:rPr lang="nl-BE" dirty="0" err="1"/>
+              <a:t>Margin</a:t>
+            </a:r>
+            <a:r>
+              <a:rPr lang="nl-BE" dirty="0"/>
+              <a:t>:</a:t>
+            </a:r>
+          </a:p>
+          <a:p>
+            <a:pPr lvl="1"/>
+            <a:r>
+              <a:rPr lang="nl-BE" dirty="0"/>
+              <a:t>auto: horizontaal centreren</a:t>
+            </a:r>
+          </a:p>
+          <a:p>
+            <a:pPr lvl="1"/>
+            <a:r>
+              <a:rPr lang="nl-BE" dirty="0" err="1"/>
+              <a:t>inherit</a:t>
+            </a:r>
+            <a:r>
+              <a:rPr lang="nl-BE" dirty="0"/>
+              <a:t>: overnemen van </a:t>
+            </a:r>
+            <a:r>
+              <a:rPr lang="nl-BE" dirty="0" err="1"/>
+              <a:t>parent</a:t>
+            </a:r>
+            <a:r>
+              <a:rPr lang="nl-BE" dirty="0"/>
+              <a:t>-element</a:t>
+            </a:r>
+          </a:p>
+          <a:p>
+            <a:pPr lvl="1"/>
+            <a:r>
+              <a:rPr lang="nl-BE" dirty="0"/>
+              <a:t>Notaties (zelfde bij padding):</a:t>
+            </a:r>
+          </a:p>
+          <a:p>
+            <a:pPr lvl="2"/>
+            <a:r>
+              <a:rPr lang="nl-BE" dirty="0"/>
+              <a:t>20px: overal 20 </a:t>
+            </a:r>
+            <a:r>
+              <a:rPr lang="nl-BE" dirty="0" err="1"/>
+              <a:t>px</a:t>
+            </a:r>
+            <a:endParaRPr lang="nl-BE" dirty="0"/>
+          </a:p>
+          <a:p>
+            <a:pPr lvl="2"/>
+            <a:r>
+              <a:rPr lang="nl-BE" dirty="0"/>
+              <a:t>10px 20px: onder en boven 10 </a:t>
+            </a:r>
+            <a:r>
+              <a:rPr lang="nl-BE" dirty="0" err="1"/>
+              <a:t>px</a:t>
+            </a:r>
+            <a:r>
+              <a:rPr lang="nl-BE" dirty="0"/>
+              <a:t>, links en rechts 20px</a:t>
+            </a:r>
+          </a:p>
+          <a:p>
+            <a:pPr lvl="2"/>
+            <a:r>
+              <a:rPr lang="nl-BE" dirty="0"/>
+              <a:t>10px 20px 30px: boven 10px, links en rechts 20px, onder 30 </a:t>
+            </a:r>
+            <a:r>
+              <a:rPr lang="nl-BE" dirty="0" err="1"/>
+              <a:t>px</a:t>
+            </a:r>
+            <a:endParaRPr lang="nl-BE" dirty="0"/>
+          </a:p>
+          <a:p>
+            <a:pPr lvl="2"/>
+            <a:r>
+              <a:rPr lang="nl-BE" dirty="0"/>
+              <a:t>1px 2px 3px 4px: boven 1px, rechts 2px, onder 3px, links 4px</a:t>
+            </a:r>
+          </a:p>
+        </p:txBody>
+      </p:sp>
+      <p:pic>
+        <p:nvPicPr>
+          <p:cNvPr id="1026" name="Picture 2" descr="The Box Model: Padding, Border, Margin: CSS Tutorial">
+            <a:extLst>
+              <a:ext uri="{FF2B5EF4-FFF2-40B4-BE49-F238E27FC236}">
+                <a16:creationId xmlns:a16="http://schemas.microsoft.com/office/drawing/2014/main" id="{52733B40-C599-5904-4A3C-8F1644702EB2}"/>
+              </a:ext>
+            </a:extLst>
+          </p:cNvPr>
+          <p:cNvPicPr>
+            <a:picLocks noChangeAspect="1" noChangeArrowheads="1"/>
+          </p:cNvPicPr>
+          <p:nvPr/>
+        </p:nvPicPr>
+        <p:blipFill>
+          <a:blip r:embed="rId2">
+            <a:extLst>
+              <a:ext uri="{28A0092B-C50C-407E-A947-70E740481C1C}">
+                <a14:useLocalDpi xmlns:a14="http://schemas.microsoft.com/office/drawing/2010/main" val="0"/>
+              </a:ext>
+            </a:extLst>
+          </a:blip>
+          <a:srcRect/>
+          <a:stretch>
+            <a:fillRect/>
+          </a:stretch>
+        </p:blipFill>
+        <p:spPr bwMode="auto">
+          <a:xfrm>
+            <a:off x="7047287" y="2395335"/>
+            <a:ext cx="4563520" cy="3525543"/>
+          </a:xfrm>
+          <a:prstGeom prst="rect">
+            <a:avLst/>
+          </a:prstGeom>
+          <a:noFill/>
+          <a:extLst>
+            <a:ext uri="{909E8E84-426E-40DD-AFC4-6F175D3DCCD1}">
+              <a14:hiddenFill xmlns:a14="http://schemas.microsoft.com/office/drawing/2010/main">
+                <a:solidFill>
+                  <a:srgbClr val="FFFFFF"/>
+                </a:solidFill>
+              </a14:hiddenFill>
+            </a:ext>
+          </a:extLst>
+        </p:spPr>
+      </p:pic>
+    </p:spTree>
+    <p:extLst>
+      <p:ext uri="{BB962C8B-B14F-4D97-AF65-F5344CB8AC3E}">
+        <p14:creationId xmlns:p14="http://schemas.microsoft.com/office/powerpoint/2010/main" val="2529747929"/>
+      </p:ext>
+    </p:extLst>
+  </p:cSld>
+  <p:clrMapOvr>
+    <a:masterClrMapping/>
+  </p:clrMapOvr>
+</p:sld>
+</file>
+
+<file path=ppt/slides/slide41.xml><?xml version="1.0" encoding="utf-8"?>
+<p:sld xmlns:a="http://schemas.openxmlformats.org/drawingml/2006/main" xmlns:r="http://schemas.openxmlformats.org/officeDocument/2006/relationships" xmlns:p="http://schemas.openxmlformats.org/presentationml/2006/main">
+  <p:cSld>
+    <p:spTree>
+      <p:nvGrpSpPr>
+        <p:cNvPr id="1" name="">
+          <a:extLst>
+            <a:ext uri="{FF2B5EF4-FFF2-40B4-BE49-F238E27FC236}">
               <a16:creationId xmlns:a16="http://schemas.microsoft.com/office/drawing/2014/main" id="{1B44CDDF-36A5-3594-50CD-8A764085421C}"/>
             </a:ext>
           </a:extLst>
@@ -16975,7 +17189,7 @@
 </p:sld>
 </file>
 
-<file path=ppt/slides/slide41.xml><?xml version="1.0" encoding="utf-8"?>
+<file path=ppt/slides/slide42.xml><?xml version="1.0" encoding="utf-8"?>
 <p:sld xmlns:a="http://schemas.openxmlformats.org/drawingml/2006/main" xmlns:r="http://schemas.openxmlformats.org/officeDocument/2006/relationships" xmlns:p="http://schemas.openxmlformats.org/presentationml/2006/main">
   <p:cSld>
     <p:spTree>
@@ -17209,7 +17423,7 @@
 </p:sld>
 </file>
 
-<file path=ppt/slides/slide42.xml><?xml version="1.0" encoding="utf-8"?>
+<file path=ppt/slides/slide43.xml><?xml version="1.0" encoding="utf-8"?>
 <p:sld xmlns:a="http://schemas.openxmlformats.org/drawingml/2006/main" xmlns:r="http://schemas.openxmlformats.org/officeDocument/2006/relationships" xmlns:p="http://schemas.openxmlformats.org/presentationml/2006/main">
   <p:cSld>
     <p:spTree>
@@ -17491,7 +17705,7 @@
 </p:sld>
 </file>
 
-<file path=ppt/slides/slide43.xml><?xml version="1.0" encoding="utf-8"?>
+<file path=ppt/slides/slide44.xml><?xml version="1.0" encoding="utf-8"?>
 <p:sld xmlns:a="http://schemas.openxmlformats.org/drawingml/2006/main" xmlns:r="http://schemas.openxmlformats.org/officeDocument/2006/relationships" xmlns:p="http://schemas.openxmlformats.org/presentationml/2006/main">
   <p:cSld>
     <p:spTree>
@@ -17742,7 +17956,7 @@
 </p:sld>
 </file>
 
-<file path=ppt/slides/slide44.xml><?xml version="1.0" encoding="utf-8"?>
+<file path=ppt/slides/slide45.xml><?xml version="1.0" encoding="utf-8"?>
 <p:sld xmlns:a="http://schemas.openxmlformats.org/drawingml/2006/main" xmlns:r="http://schemas.openxmlformats.org/officeDocument/2006/relationships" xmlns:p="http://schemas.openxmlformats.org/presentationml/2006/main">
   <p:cSld>
     <p:spTree>
@@ -17839,7 +18053,7 @@
             <a:pPr rtl="0"/>
             <a:fld id="{66D3D282-C61A-41D7-9714-7814FA67361E}" type="datetime1">
               <a:rPr lang="nl-NL" smtClean="0"/>
-              <a:t>7-1-2026</a:t>
+              <a:t>12-2-2026</a:t>
             </a:fld>
             <a:endParaRPr lang="en-US" dirty="0"/>
           </a:p>
@@ -17858,7 +18072,7 @@
 </p:sld>
 </file>
 
-<file path=ppt/slides/slide45.xml><?xml version="1.0" encoding="utf-8"?>
+<file path=ppt/slides/slide46.xml><?xml version="1.0" encoding="utf-8"?>
 <p:sld xmlns:a="http://schemas.openxmlformats.org/drawingml/2006/main" xmlns:r="http://schemas.openxmlformats.org/officeDocument/2006/relationships" xmlns:p="http://schemas.openxmlformats.org/presentationml/2006/main">
   <p:cSld>
     <p:spTree>
@@ -17962,7 +18176,7 @@
 </p:sld>
 </file>
 
-<file path=ppt/slides/slide46.xml><?xml version="1.0" encoding="utf-8"?>
+<file path=ppt/slides/slide47.xml><?xml version="1.0" encoding="utf-8"?>
 <p:sld xmlns:a="http://schemas.openxmlformats.org/drawingml/2006/main" xmlns:r="http://schemas.openxmlformats.org/officeDocument/2006/relationships" xmlns:p="http://schemas.openxmlformats.org/presentationml/2006/main">
   <p:cSld>
     <p:spTree>
@@ -18236,7 +18450,7 @@
 </p:sld>
 </file>
 
-<file path=ppt/slides/slide47.xml><?xml version="1.0" encoding="utf-8"?>
+<file path=ppt/slides/slide48.xml><?xml version="1.0" encoding="utf-8"?>
 <p:sld xmlns:a="http://schemas.openxmlformats.org/drawingml/2006/main" xmlns:r="http://schemas.openxmlformats.org/officeDocument/2006/relationships" xmlns:p="http://schemas.openxmlformats.org/presentationml/2006/main">
   <p:cSld>
     <p:spTree>
@@ -18794,7 +19008,7 @@
 </p:sld>
 </file>
 
-<file path=ppt/slides/slide48.xml><?xml version="1.0" encoding="utf-8"?>
+<file path=ppt/slides/slide49.xml><?xml version="1.0" encoding="utf-8"?>
 <p:sld xmlns:a="http://schemas.openxmlformats.org/drawingml/2006/main" xmlns:r="http://schemas.openxmlformats.org/officeDocument/2006/relationships" xmlns:p="http://schemas.openxmlformats.org/presentationml/2006/main">
   <p:cSld>
     <p:spTree>
@@ -19051,363 +19265,6 @@
     <p:extLst>
       <p:ext uri="{BB962C8B-B14F-4D97-AF65-F5344CB8AC3E}">
         <p14:creationId xmlns:p14="http://schemas.microsoft.com/office/powerpoint/2010/main" val="4247793936"/>
-      </p:ext>
-    </p:extLst>
-  </p:cSld>
-  <p:clrMapOvr>
-    <a:masterClrMapping/>
-  </p:clrMapOvr>
-</p:sld>
-</file>
-
-<file path=ppt/slides/slide49.xml><?xml version="1.0" encoding="utf-8"?>
-<p:sld xmlns:a="http://schemas.openxmlformats.org/drawingml/2006/main" xmlns:r="http://schemas.openxmlformats.org/officeDocument/2006/relationships" xmlns:p="http://schemas.openxmlformats.org/presentationml/2006/main">
-  <p:cSld>
-    <p:spTree>
-      <p:nvGrpSpPr>
-        <p:cNvPr id="1" name=""/>
-        <p:cNvGrpSpPr/>
-        <p:nvPr/>
-      </p:nvGrpSpPr>
-      <p:grpSpPr>
-        <a:xfrm>
-          <a:off x="0" y="0"/>
-          <a:ext cx="0" cy="0"/>
-          <a:chOff x="0" y="0"/>
-          <a:chExt cx="0" cy="0"/>
-        </a:xfrm>
-      </p:grpSpPr>
-      <p:sp>
-        <p:nvSpPr>
-          <p:cNvPr id="2" name="Titel 1">
-            <a:extLst>
-              <a:ext uri="{FF2B5EF4-FFF2-40B4-BE49-F238E27FC236}">
-                <a16:creationId xmlns:a16="http://schemas.microsoft.com/office/drawing/2014/main" id="{D1231EDF-D934-2103-EFB3-38C8D15B6DD9}"/>
-              </a:ext>
-            </a:extLst>
-          </p:cNvPr>
-          <p:cNvSpPr>
-            <a:spLocks noGrp="1"/>
-          </p:cNvSpPr>
-          <p:nvPr>
-            <p:ph type="title"/>
-          </p:nvPr>
-        </p:nvSpPr>
-        <p:spPr/>
-        <p:txBody>
-          <a:bodyPr/>
-          <a:lstStyle/>
-          <a:p>
-            <a:r>
-              <a:rPr lang="nl-BE" dirty="0" err="1"/>
-              <a:t>this</a:t>
-            </a:r>
-            <a:endParaRPr lang="nl-BE" dirty="0"/>
-          </a:p>
-        </p:txBody>
-      </p:sp>
-      <p:sp>
-        <p:nvSpPr>
-          <p:cNvPr id="3" name="Tijdelijke aanduiding voor inhoud 2">
-            <a:extLst>
-              <a:ext uri="{FF2B5EF4-FFF2-40B4-BE49-F238E27FC236}">
-                <a16:creationId xmlns:a16="http://schemas.microsoft.com/office/drawing/2014/main" id="{B530B5E7-9CB3-D92D-CBC2-9C19FEDBE142}"/>
-              </a:ext>
-            </a:extLst>
-          </p:cNvPr>
-          <p:cNvSpPr>
-            <a:spLocks noGrp="1"/>
-          </p:cNvSpPr>
-          <p:nvPr>
-            <p:ph idx="1"/>
-          </p:nvPr>
-        </p:nvSpPr>
-        <p:spPr>
-          <a:xfrm>
-            <a:off x="581192" y="2340864"/>
-            <a:ext cx="11029615" cy="1088136"/>
-          </a:xfrm>
-        </p:spPr>
-        <p:txBody>
-          <a:bodyPr/>
-          <a:lstStyle/>
-          <a:p>
-            <a:r>
-              <a:rPr lang="nl-BE" dirty="0"/>
-              <a:t>Als je bij het oproepen van een functie een parameter meegeeft, kan je in jouw html voor </a:t>
-            </a:r>
-            <a:r>
-              <a:rPr lang="nl-BE" i="1" dirty="0" err="1"/>
-              <a:t>this</a:t>
-            </a:r>
-            <a:r>
-              <a:rPr lang="nl-BE" dirty="0"/>
-              <a:t> kiezen om een referentie mee te geven naar het element dat de gebeurtenis activeerde.</a:t>
-            </a:r>
-          </a:p>
-        </p:txBody>
-      </p:sp>
-      <p:sp>
-        <p:nvSpPr>
-          <p:cNvPr id="5" name="Tekstvak 4">
-            <a:extLst>
-              <a:ext uri="{FF2B5EF4-FFF2-40B4-BE49-F238E27FC236}">
-                <a16:creationId xmlns:a16="http://schemas.microsoft.com/office/drawing/2014/main" id="{FD100F10-C9E5-87A8-B2F3-98D2AAB8328A}"/>
-              </a:ext>
-            </a:extLst>
-          </p:cNvPr>
-          <p:cNvSpPr txBox="1"/>
-          <p:nvPr/>
-        </p:nvSpPr>
-        <p:spPr>
-          <a:xfrm>
-            <a:off x="581192" y="4359708"/>
-            <a:ext cx="6097772" cy="286360"/>
-          </a:xfrm>
-          <a:prstGeom prst="rect">
-            <a:avLst/>
-          </a:prstGeom>
-          <a:noFill/>
-        </p:spPr>
-        <p:txBody>
-          <a:bodyPr wrap="square">
-            <a:spAutoFit/>
-          </a:bodyPr>
-          <a:lstStyle/>
-          <a:p>
-            <a:pPr>
-              <a:lnSpc>
-                <a:spcPts val="1425"/>
-              </a:lnSpc>
-              <a:buNone/>
-            </a:pPr>
-            <a:r>
-              <a:rPr lang="en-US" b="0" dirty="0">
-                <a:solidFill>
-                  <a:srgbClr val="800000"/>
-                </a:solidFill>
-                <a:effectLst/>
-                <a:latin typeface="Consolas" panose="020B0609020204030204" pitchFamily="49" charset="0"/>
-              </a:rPr>
-              <a:t>&lt;button</a:t>
-            </a:r>
-            <a:r>
-              <a:rPr lang="en-US" b="0" dirty="0">
-                <a:solidFill>
-                  <a:srgbClr val="000000"/>
-                </a:solidFill>
-                <a:effectLst/>
-                <a:latin typeface="Consolas" panose="020B0609020204030204" pitchFamily="49" charset="0"/>
-              </a:rPr>
-              <a:t> </a:t>
-            </a:r>
-            <a:r>
-              <a:rPr lang="en-US" b="0" dirty="0">
-                <a:solidFill>
-                  <a:srgbClr val="E50000"/>
-                </a:solidFill>
-                <a:effectLst/>
-                <a:latin typeface="Consolas" panose="020B0609020204030204" pitchFamily="49" charset="0"/>
-              </a:rPr>
-              <a:t>onclick</a:t>
-            </a:r>
-            <a:r>
-              <a:rPr lang="en-US" b="0" dirty="0">
-                <a:solidFill>
-                  <a:srgbClr val="000000"/>
-                </a:solidFill>
-                <a:effectLst/>
-                <a:latin typeface="Consolas" panose="020B0609020204030204" pitchFamily="49" charset="0"/>
-              </a:rPr>
-              <a:t>=</a:t>
-            </a:r>
-            <a:r>
-              <a:rPr lang="en-US" b="0" dirty="0">
-                <a:solidFill>
-                  <a:srgbClr val="0000FF"/>
-                </a:solidFill>
-                <a:effectLst/>
-                <a:latin typeface="Consolas" panose="020B0609020204030204" pitchFamily="49" charset="0"/>
-              </a:rPr>
-              <a:t>"test(this)"</a:t>
-            </a:r>
-            <a:r>
-              <a:rPr lang="en-US" b="0" dirty="0">
-                <a:solidFill>
-                  <a:srgbClr val="800000"/>
-                </a:solidFill>
-                <a:effectLst/>
-                <a:latin typeface="Consolas" panose="020B0609020204030204" pitchFamily="49" charset="0"/>
-              </a:rPr>
-              <a:t>&gt;</a:t>
-            </a:r>
-            <a:r>
-              <a:rPr lang="en-US" b="0" dirty="0">
-                <a:solidFill>
-                  <a:srgbClr val="000000"/>
-                </a:solidFill>
-                <a:effectLst/>
-                <a:latin typeface="Consolas" panose="020B0609020204030204" pitchFamily="49" charset="0"/>
-              </a:rPr>
-              <a:t>Test</a:t>
-            </a:r>
-            <a:r>
-              <a:rPr lang="en-US" b="0" dirty="0">
-                <a:solidFill>
-                  <a:srgbClr val="800000"/>
-                </a:solidFill>
-                <a:effectLst/>
-                <a:latin typeface="Consolas" panose="020B0609020204030204" pitchFamily="49" charset="0"/>
-              </a:rPr>
-              <a:t>&lt;/button&gt;</a:t>
-            </a:r>
-            <a:endParaRPr lang="en-US" b="0" dirty="0">
-              <a:solidFill>
-                <a:srgbClr val="000000"/>
-              </a:solidFill>
-              <a:effectLst/>
-              <a:latin typeface="Consolas" panose="020B0609020204030204" pitchFamily="49" charset="0"/>
-            </a:endParaRPr>
-          </a:p>
-        </p:txBody>
-      </p:sp>
-      <p:sp>
-        <p:nvSpPr>
-          <p:cNvPr id="7" name="Tekstvak 6">
-            <a:extLst>
-              <a:ext uri="{FF2B5EF4-FFF2-40B4-BE49-F238E27FC236}">
-                <a16:creationId xmlns:a16="http://schemas.microsoft.com/office/drawing/2014/main" id="{FA7F9276-4E05-9F86-3562-ACB2D9E80732}"/>
-              </a:ext>
-            </a:extLst>
-          </p:cNvPr>
-          <p:cNvSpPr txBox="1"/>
-          <p:nvPr/>
-        </p:nvSpPr>
-        <p:spPr>
-          <a:xfrm>
-            <a:off x="6616886" y="4321692"/>
-            <a:ext cx="6097772" cy="645433"/>
-          </a:xfrm>
-          <a:prstGeom prst="rect">
-            <a:avLst/>
-          </a:prstGeom>
-          <a:noFill/>
-        </p:spPr>
-        <p:txBody>
-          <a:bodyPr wrap="square">
-            <a:spAutoFit/>
-          </a:bodyPr>
-          <a:lstStyle/>
-          <a:p>
-            <a:pPr>
-              <a:lnSpc>
-                <a:spcPts val="1425"/>
-              </a:lnSpc>
-              <a:buNone/>
-            </a:pPr>
-            <a:r>
-              <a:rPr lang="en-US" b="0" dirty="0">
-                <a:solidFill>
-                  <a:srgbClr val="0000FF"/>
-                </a:solidFill>
-                <a:effectLst/>
-                <a:latin typeface="Consolas" panose="020B0609020204030204" pitchFamily="49" charset="0"/>
-              </a:rPr>
-              <a:t>function</a:t>
-            </a:r>
-            <a:r>
-              <a:rPr lang="en-US" b="0" dirty="0">
-                <a:solidFill>
-                  <a:srgbClr val="000000"/>
-                </a:solidFill>
-                <a:effectLst/>
-                <a:latin typeface="Consolas" panose="020B0609020204030204" pitchFamily="49" charset="0"/>
-              </a:rPr>
-              <a:t> test(e){</a:t>
-            </a:r>
-          </a:p>
-          <a:p>
-            <a:pPr>
-              <a:lnSpc>
-                <a:spcPts val="1425"/>
-              </a:lnSpc>
-              <a:buNone/>
-            </a:pPr>
-            <a:r>
-              <a:rPr lang="en-US" b="0" dirty="0">
-                <a:solidFill>
-                  <a:srgbClr val="000000"/>
-                </a:solidFill>
-                <a:effectLst/>
-                <a:latin typeface="Consolas" panose="020B0609020204030204" pitchFamily="49" charset="0"/>
-              </a:rPr>
-              <a:t>    </a:t>
-            </a:r>
-            <a:r>
-              <a:rPr lang="en-US" b="0" dirty="0" err="1">
-                <a:solidFill>
-                  <a:srgbClr val="000000"/>
-                </a:solidFill>
-                <a:effectLst/>
-                <a:latin typeface="Consolas" panose="020B0609020204030204" pitchFamily="49" charset="0"/>
-              </a:rPr>
-              <a:t>e.innerText</a:t>
-            </a:r>
-            <a:r>
-              <a:rPr lang="en-US" b="0" dirty="0">
-                <a:solidFill>
-                  <a:srgbClr val="000000"/>
-                </a:solidFill>
-                <a:effectLst/>
-                <a:latin typeface="Consolas" panose="020B0609020204030204" pitchFamily="49" charset="0"/>
-              </a:rPr>
-              <a:t> = </a:t>
-            </a:r>
-            <a:r>
-              <a:rPr lang="en-US" b="0" dirty="0">
-                <a:solidFill>
-                  <a:srgbClr val="A31515"/>
-                </a:solidFill>
-                <a:effectLst/>
-                <a:latin typeface="Consolas" panose="020B0609020204030204" pitchFamily="49" charset="0"/>
-              </a:rPr>
-              <a:t>"clicked"</a:t>
-            </a:r>
-            <a:r>
-              <a:rPr lang="en-US" b="0" dirty="0">
-                <a:solidFill>
-                  <a:srgbClr val="000000"/>
-                </a:solidFill>
-                <a:effectLst/>
-                <a:latin typeface="Consolas" panose="020B0609020204030204" pitchFamily="49" charset="0"/>
-              </a:rPr>
-              <a:t>;</a:t>
-            </a:r>
-          </a:p>
-          <a:p>
-            <a:pPr>
-              <a:lnSpc>
-                <a:spcPts val="1425"/>
-              </a:lnSpc>
-              <a:buNone/>
-            </a:pPr>
-            <a:r>
-              <a:rPr lang="en-US" b="0" dirty="0">
-                <a:solidFill>
-                  <a:srgbClr val="000000"/>
-                </a:solidFill>
-                <a:effectLst/>
-                <a:latin typeface="Consolas" panose="020B0609020204030204" pitchFamily="49" charset="0"/>
-              </a:rPr>
-              <a:t>}</a:t>
-            </a:r>
-          </a:p>
-        </p:txBody>
-      </p:sp>
-    </p:spTree>
-    <p:extLst>
-      <p:ext uri="{BB962C8B-B14F-4D97-AF65-F5344CB8AC3E}">
-        <p14:creationId xmlns:p14="http://schemas.microsoft.com/office/powerpoint/2010/main" val="1810173470"/>
       </p:ext>
     </p:extLst>
   </p:cSld>
@@ -19535,6 +19392,363 @@
           <p:cNvPr id="2" name="Titel 1">
             <a:extLst>
               <a:ext uri="{FF2B5EF4-FFF2-40B4-BE49-F238E27FC236}">
+                <a16:creationId xmlns:a16="http://schemas.microsoft.com/office/drawing/2014/main" id="{D1231EDF-D934-2103-EFB3-38C8D15B6DD9}"/>
+              </a:ext>
+            </a:extLst>
+          </p:cNvPr>
+          <p:cNvSpPr>
+            <a:spLocks noGrp="1"/>
+          </p:cNvSpPr>
+          <p:nvPr>
+            <p:ph type="title"/>
+          </p:nvPr>
+        </p:nvSpPr>
+        <p:spPr/>
+        <p:txBody>
+          <a:bodyPr/>
+          <a:lstStyle/>
+          <a:p>
+            <a:r>
+              <a:rPr lang="nl-BE" dirty="0" err="1"/>
+              <a:t>this</a:t>
+            </a:r>
+            <a:endParaRPr lang="nl-BE" dirty="0"/>
+          </a:p>
+        </p:txBody>
+      </p:sp>
+      <p:sp>
+        <p:nvSpPr>
+          <p:cNvPr id="3" name="Tijdelijke aanduiding voor inhoud 2">
+            <a:extLst>
+              <a:ext uri="{FF2B5EF4-FFF2-40B4-BE49-F238E27FC236}">
+                <a16:creationId xmlns:a16="http://schemas.microsoft.com/office/drawing/2014/main" id="{B530B5E7-9CB3-D92D-CBC2-9C19FEDBE142}"/>
+              </a:ext>
+            </a:extLst>
+          </p:cNvPr>
+          <p:cNvSpPr>
+            <a:spLocks noGrp="1"/>
+          </p:cNvSpPr>
+          <p:nvPr>
+            <p:ph idx="1"/>
+          </p:nvPr>
+        </p:nvSpPr>
+        <p:spPr>
+          <a:xfrm>
+            <a:off x="581192" y="2340864"/>
+            <a:ext cx="11029615" cy="1088136"/>
+          </a:xfrm>
+        </p:spPr>
+        <p:txBody>
+          <a:bodyPr/>
+          <a:lstStyle/>
+          <a:p>
+            <a:r>
+              <a:rPr lang="nl-BE" dirty="0"/>
+              <a:t>Als je bij het oproepen van een functie een parameter meegeeft, kan je in jouw html voor </a:t>
+            </a:r>
+            <a:r>
+              <a:rPr lang="nl-BE" i="1" dirty="0" err="1"/>
+              <a:t>this</a:t>
+            </a:r>
+            <a:r>
+              <a:rPr lang="nl-BE" dirty="0"/>
+              <a:t> kiezen om een referentie mee te geven naar het element dat de gebeurtenis activeerde.</a:t>
+            </a:r>
+          </a:p>
+        </p:txBody>
+      </p:sp>
+      <p:sp>
+        <p:nvSpPr>
+          <p:cNvPr id="5" name="Tekstvak 4">
+            <a:extLst>
+              <a:ext uri="{FF2B5EF4-FFF2-40B4-BE49-F238E27FC236}">
+                <a16:creationId xmlns:a16="http://schemas.microsoft.com/office/drawing/2014/main" id="{FD100F10-C9E5-87A8-B2F3-98D2AAB8328A}"/>
+              </a:ext>
+            </a:extLst>
+          </p:cNvPr>
+          <p:cNvSpPr txBox="1"/>
+          <p:nvPr/>
+        </p:nvSpPr>
+        <p:spPr>
+          <a:xfrm>
+            <a:off x="581192" y="4359708"/>
+            <a:ext cx="6097772" cy="286360"/>
+          </a:xfrm>
+          <a:prstGeom prst="rect">
+            <a:avLst/>
+          </a:prstGeom>
+          <a:noFill/>
+        </p:spPr>
+        <p:txBody>
+          <a:bodyPr wrap="square">
+            <a:spAutoFit/>
+          </a:bodyPr>
+          <a:lstStyle/>
+          <a:p>
+            <a:pPr>
+              <a:lnSpc>
+                <a:spcPts val="1425"/>
+              </a:lnSpc>
+              <a:buNone/>
+            </a:pPr>
+            <a:r>
+              <a:rPr lang="en-US" b="0" dirty="0">
+                <a:solidFill>
+                  <a:srgbClr val="800000"/>
+                </a:solidFill>
+                <a:effectLst/>
+                <a:latin typeface="Consolas" panose="020B0609020204030204" pitchFamily="49" charset="0"/>
+              </a:rPr>
+              <a:t>&lt;button</a:t>
+            </a:r>
+            <a:r>
+              <a:rPr lang="en-US" b="0" dirty="0">
+                <a:solidFill>
+                  <a:srgbClr val="000000"/>
+                </a:solidFill>
+                <a:effectLst/>
+                <a:latin typeface="Consolas" panose="020B0609020204030204" pitchFamily="49" charset="0"/>
+              </a:rPr>
+              <a:t> </a:t>
+            </a:r>
+            <a:r>
+              <a:rPr lang="en-US" b="0" dirty="0">
+                <a:solidFill>
+                  <a:srgbClr val="E50000"/>
+                </a:solidFill>
+                <a:effectLst/>
+                <a:latin typeface="Consolas" panose="020B0609020204030204" pitchFamily="49" charset="0"/>
+              </a:rPr>
+              <a:t>onclick</a:t>
+            </a:r>
+            <a:r>
+              <a:rPr lang="en-US" b="0" dirty="0">
+                <a:solidFill>
+                  <a:srgbClr val="000000"/>
+                </a:solidFill>
+                <a:effectLst/>
+                <a:latin typeface="Consolas" panose="020B0609020204030204" pitchFamily="49" charset="0"/>
+              </a:rPr>
+              <a:t>=</a:t>
+            </a:r>
+            <a:r>
+              <a:rPr lang="en-US" b="0" dirty="0">
+                <a:solidFill>
+                  <a:srgbClr val="0000FF"/>
+                </a:solidFill>
+                <a:effectLst/>
+                <a:latin typeface="Consolas" panose="020B0609020204030204" pitchFamily="49" charset="0"/>
+              </a:rPr>
+              <a:t>"test(this)"</a:t>
+            </a:r>
+            <a:r>
+              <a:rPr lang="en-US" b="0" dirty="0">
+                <a:solidFill>
+                  <a:srgbClr val="800000"/>
+                </a:solidFill>
+                <a:effectLst/>
+                <a:latin typeface="Consolas" panose="020B0609020204030204" pitchFamily="49" charset="0"/>
+              </a:rPr>
+              <a:t>&gt;</a:t>
+            </a:r>
+            <a:r>
+              <a:rPr lang="en-US" b="0" dirty="0">
+                <a:solidFill>
+                  <a:srgbClr val="000000"/>
+                </a:solidFill>
+                <a:effectLst/>
+                <a:latin typeface="Consolas" panose="020B0609020204030204" pitchFamily="49" charset="0"/>
+              </a:rPr>
+              <a:t>Test</a:t>
+            </a:r>
+            <a:r>
+              <a:rPr lang="en-US" b="0" dirty="0">
+                <a:solidFill>
+                  <a:srgbClr val="800000"/>
+                </a:solidFill>
+                <a:effectLst/>
+                <a:latin typeface="Consolas" panose="020B0609020204030204" pitchFamily="49" charset="0"/>
+              </a:rPr>
+              <a:t>&lt;/button&gt;</a:t>
+            </a:r>
+            <a:endParaRPr lang="en-US" b="0" dirty="0">
+              <a:solidFill>
+                <a:srgbClr val="000000"/>
+              </a:solidFill>
+              <a:effectLst/>
+              <a:latin typeface="Consolas" panose="020B0609020204030204" pitchFamily="49" charset="0"/>
+            </a:endParaRPr>
+          </a:p>
+        </p:txBody>
+      </p:sp>
+      <p:sp>
+        <p:nvSpPr>
+          <p:cNvPr id="7" name="Tekstvak 6">
+            <a:extLst>
+              <a:ext uri="{FF2B5EF4-FFF2-40B4-BE49-F238E27FC236}">
+                <a16:creationId xmlns:a16="http://schemas.microsoft.com/office/drawing/2014/main" id="{FA7F9276-4E05-9F86-3562-ACB2D9E80732}"/>
+              </a:ext>
+            </a:extLst>
+          </p:cNvPr>
+          <p:cNvSpPr txBox="1"/>
+          <p:nvPr/>
+        </p:nvSpPr>
+        <p:spPr>
+          <a:xfrm>
+            <a:off x="6616886" y="4321692"/>
+            <a:ext cx="6097772" cy="645433"/>
+          </a:xfrm>
+          <a:prstGeom prst="rect">
+            <a:avLst/>
+          </a:prstGeom>
+          <a:noFill/>
+        </p:spPr>
+        <p:txBody>
+          <a:bodyPr wrap="square">
+            <a:spAutoFit/>
+          </a:bodyPr>
+          <a:lstStyle/>
+          <a:p>
+            <a:pPr>
+              <a:lnSpc>
+                <a:spcPts val="1425"/>
+              </a:lnSpc>
+              <a:buNone/>
+            </a:pPr>
+            <a:r>
+              <a:rPr lang="en-US" b="0" dirty="0">
+                <a:solidFill>
+                  <a:srgbClr val="0000FF"/>
+                </a:solidFill>
+                <a:effectLst/>
+                <a:latin typeface="Consolas" panose="020B0609020204030204" pitchFamily="49" charset="0"/>
+              </a:rPr>
+              <a:t>function</a:t>
+            </a:r>
+            <a:r>
+              <a:rPr lang="en-US" b="0" dirty="0">
+                <a:solidFill>
+                  <a:srgbClr val="000000"/>
+                </a:solidFill>
+                <a:effectLst/>
+                <a:latin typeface="Consolas" panose="020B0609020204030204" pitchFamily="49" charset="0"/>
+              </a:rPr>
+              <a:t> test(e){</a:t>
+            </a:r>
+          </a:p>
+          <a:p>
+            <a:pPr>
+              <a:lnSpc>
+                <a:spcPts val="1425"/>
+              </a:lnSpc>
+              <a:buNone/>
+            </a:pPr>
+            <a:r>
+              <a:rPr lang="en-US" b="0" dirty="0">
+                <a:solidFill>
+                  <a:srgbClr val="000000"/>
+                </a:solidFill>
+                <a:effectLst/>
+                <a:latin typeface="Consolas" panose="020B0609020204030204" pitchFamily="49" charset="0"/>
+              </a:rPr>
+              <a:t>    </a:t>
+            </a:r>
+            <a:r>
+              <a:rPr lang="en-US" b="0" dirty="0" err="1">
+                <a:solidFill>
+                  <a:srgbClr val="000000"/>
+                </a:solidFill>
+                <a:effectLst/>
+                <a:latin typeface="Consolas" panose="020B0609020204030204" pitchFamily="49" charset="0"/>
+              </a:rPr>
+              <a:t>e.innerText</a:t>
+            </a:r>
+            <a:r>
+              <a:rPr lang="en-US" b="0" dirty="0">
+                <a:solidFill>
+                  <a:srgbClr val="000000"/>
+                </a:solidFill>
+                <a:effectLst/>
+                <a:latin typeface="Consolas" panose="020B0609020204030204" pitchFamily="49" charset="0"/>
+              </a:rPr>
+              <a:t> = </a:t>
+            </a:r>
+            <a:r>
+              <a:rPr lang="en-US" b="0" dirty="0">
+                <a:solidFill>
+                  <a:srgbClr val="A31515"/>
+                </a:solidFill>
+                <a:effectLst/>
+                <a:latin typeface="Consolas" panose="020B0609020204030204" pitchFamily="49" charset="0"/>
+              </a:rPr>
+              <a:t>"clicked"</a:t>
+            </a:r>
+            <a:r>
+              <a:rPr lang="en-US" b="0" dirty="0">
+                <a:solidFill>
+                  <a:srgbClr val="000000"/>
+                </a:solidFill>
+                <a:effectLst/>
+                <a:latin typeface="Consolas" panose="020B0609020204030204" pitchFamily="49" charset="0"/>
+              </a:rPr>
+              <a:t>;</a:t>
+            </a:r>
+          </a:p>
+          <a:p>
+            <a:pPr>
+              <a:lnSpc>
+                <a:spcPts val="1425"/>
+              </a:lnSpc>
+              <a:buNone/>
+            </a:pPr>
+            <a:r>
+              <a:rPr lang="en-US" b="0" dirty="0">
+                <a:solidFill>
+                  <a:srgbClr val="000000"/>
+                </a:solidFill>
+                <a:effectLst/>
+                <a:latin typeface="Consolas" panose="020B0609020204030204" pitchFamily="49" charset="0"/>
+              </a:rPr>
+              <a:t>}</a:t>
+            </a:r>
+          </a:p>
+        </p:txBody>
+      </p:sp>
+    </p:spTree>
+    <p:extLst>
+      <p:ext uri="{BB962C8B-B14F-4D97-AF65-F5344CB8AC3E}">
+        <p14:creationId xmlns:p14="http://schemas.microsoft.com/office/powerpoint/2010/main" val="1810173470"/>
+      </p:ext>
+    </p:extLst>
+  </p:cSld>
+  <p:clrMapOvr>
+    <a:masterClrMapping/>
+  </p:clrMapOvr>
+</p:sld>
+</file>
+
+<file path=ppt/slides/slide51.xml><?xml version="1.0" encoding="utf-8"?>
+<p:sld xmlns:a="http://schemas.openxmlformats.org/drawingml/2006/main" xmlns:r="http://schemas.openxmlformats.org/officeDocument/2006/relationships" xmlns:p="http://schemas.openxmlformats.org/presentationml/2006/main">
+  <p:cSld>
+    <p:spTree>
+      <p:nvGrpSpPr>
+        <p:cNvPr id="1" name=""/>
+        <p:cNvGrpSpPr/>
+        <p:nvPr/>
+      </p:nvGrpSpPr>
+      <p:grpSpPr>
+        <a:xfrm>
+          <a:off x="0" y="0"/>
+          <a:ext cx="0" cy="0"/>
+          <a:chOff x="0" y="0"/>
+          <a:chExt cx="0" cy="0"/>
+        </a:xfrm>
+      </p:grpSpPr>
+      <p:sp>
+        <p:nvSpPr>
+          <p:cNvPr id="2" name="Titel 1">
+            <a:extLst>
+              <a:ext uri="{FF2B5EF4-FFF2-40B4-BE49-F238E27FC236}">
                 <a16:creationId xmlns:a16="http://schemas.microsoft.com/office/drawing/2014/main" id="{933D7D8F-B819-81BF-DA86-83726FAEF496}"/>
               </a:ext>
             </a:extLst>
@@ -19670,7 +19884,7 @@
 </p:sld>
 </file>
 
-<file path=ppt/slides/slide51.xml><?xml version="1.0" encoding="utf-8"?>
+<file path=ppt/slides/slide52.xml><?xml version="1.0" encoding="utf-8"?>
 <p:sld xmlns:a="http://schemas.openxmlformats.org/drawingml/2006/main" xmlns:r="http://schemas.openxmlformats.org/officeDocument/2006/relationships" xmlns:p="http://schemas.openxmlformats.org/presentationml/2006/main">
   <p:cSld>
     <p:spTree>
@@ -20192,7 +20406,7 @@
 </p:sld>
 </file>
 
-<file path=ppt/slides/slide52.xml><?xml version="1.0" encoding="utf-8"?>
+<file path=ppt/slides/slide53.xml><?xml version="1.0" encoding="utf-8"?>
 <p:sld xmlns:a="http://schemas.openxmlformats.org/drawingml/2006/main" xmlns:r="http://schemas.openxmlformats.org/officeDocument/2006/relationships" xmlns:p="http://schemas.openxmlformats.org/presentationml/2006/main">
   <p:cSld>
     <p:spTree>
@@ -20378,7 +20592,7 @@
 </p:sld>
 </file>
 
-<file path=ppt/slides/slide53.xml><?xml version="1.0" encoding="utf-8"?>
+<file path=ppt/slides/slide54.xml><?xml version="1.0" encoding="utf-8"?>
 <p:sld xmlns:a="http://schemas.openxmlformats.org/drawingml/2006/main" xmlns:r="http://schemas.openxmlformats.org/officeDocument/2006/relationships" xmlns:p="http://schemas.openxmlformats.org/presentationml/2006/main">
   <p:cSld>
     <p:spTree>
@@ -20523,7 +20737,7 @@
 </p:sld>
 </file>
 
-<file path=ppt/slides/slide54.xml><?xml version="1.0" encoding="utf-8"?>
+<file path=ppt/slides/slide55.xml><?xml version="1.0" encoding="utf-8"?>
 <p:sld xmlns:a="http://schemas.openxmlformats.org/drawingml/2006/main" xmlns:r="http://schemas.openxmlformats.org/officeDocument/2006/relationships" xmlns:p="http://schemas.openxmlformats.org/presentationml/2006/main">
   <p:cSld>
     <p:spTree>
@@ -20653,7 +20867,7 @@
 </p:sld>
 </file>
 
-<file path=ppt/slides/slide55.xml><?xml version="1.0" encoding="utf-8"?>
+<file path=ppt/slides/slide56.xml><?xml version="1.0" encoding="utf-8"?>
 <p:sld xmlns:a="http://schemas.openxmlformats.org/drawingml/2006/main" xmlns:r="http://schemas.openxmlformats.org/officeDocument/2006/relationships" xmlns:p="http://schemas.openxmlformats.org/presentationml/2006/main">
   <p:cSld>
     <p:spTree>
@@ -21029,7 +21243,7 @@
 </p:sld>
 </file>
 
-<file path=ppt/slides/slide56.xml><?xml version="1.0" encoding="utf-8"?>
+<file path=ppt/slides/slide57.xml><?xml version="1.0" encoding="utf-8"?>
 <p:sld xmlns:a="http://schemas.openxmlformats.org/drawingml/2006/main" xmlns:r="http://schemas.openxmlformats.org/officeDocument/2006/relationships" xmlns:p="http://schemas.openxmlformats.org/presentationml/2006/main">
   <p:cSld>
     <p:spTree>
@@ -21535,7 +21749,7 @@
 </p:sld>
 </file>
 
-<file path=ppt/slides/slide57.xml><?xml version="1.0" encoding="utf-8"?>
+<file path=ppt/slides/slide58.xml><?xml version="1.0" encoding="utf-8"?>
 <p:sld xmlns:a="http://schemas.openxmlformats.org/drawingml/2006/main" xmlns:r="http://schemas.openxmlformats.org/officeDocument/2006/relationships" xmlns:p="http://schemas.openxmlformats.org/presentationml/2006/main">
   <p:cSld>
     <p:spTree>
@@ -22099,7 +22313,7 @@
 </p:sld>
 </file>
 
-<file path=ppt/slides/slide58.xml><?xml version="1.0" encoding="utf-8"?>
+<file path=ppt/slides/slide59.xml><?xml version="1.0" encoding="utf-8"?>
 <p:sld xmlns:a="http://schemas.openxmlformats.org/drawingml/2006/main" xmlns:r="http://schemas.openxmlformats.org/officeDocument/2006/relationships" xmlns:p="http://schemas.openxmlformats.org/presentationml/2006/main">
   <p:cSld>
     <p:spTree>
@@ -22221,167 +22435,6 @@
     <p:extLst>
       <p:ext uri="{BB962C8B-B14F-4D97-AF65-F5344CB8AC3E}">
         <p14:creationId xmlns:p14="http://schemas.microsoft.com/office/powerpoint/2010/main" val="2505658942"/>
-      </p:ext>
-    </p:extLst>
-  </p:cSld>
-  <p:clrMapOvr>
-    <a:masterClrMapping/>
-  </p:clrMapOvr>
-</p:sld>
-</file>
-
-<file path=ppt/slides/slide59.xml><?xml version="1.0" encoding="utf-8"?>
-<p:sld xmlns:a="http://schemas.openxmlformats.org/drawingml/2006/main" xmlns:r="http://schemas.openxmlformats.org/officeDocument/2006/relationships" xmlns:p="http://schemas.openxmlformats.org/presentationml/2006/main">
-  <p:cSld>
-    <p:spTree>
-      <p:nvGrpSpPr>
-        <p:cNvPr id="1" name="">
-          <a:extLst>
-            <a:ext uri="{FF2B5EF4-FFF2-40B4-BE49-F238E27FC236}">
-              <a16:creationId xmlns:a16="http://schemas.microsoft.com/office/drawing/2014/main" id="{BC00E617-9CF9-DF54-2329-367E6A42BB1A}"/>
-            </a:ext>
-          </a:extLst>
-        </p:cNvPr>
-        <p:cNvGrpSpPr/>
-        <p:nvPr/>
-      </p:nvGrpSpPr>
-      <p:grpSpPr>
-        <a:xfrm>
-          <a:off x="0" y="0"/>
-          <a:ext cx="0" cy="0"/>
-          <a:chOff x="0" y="0"/>
-          <a:chExt cx="0" cy="0"/>
-        </a:xfrm>
-      </p:grpSpPr>
-      <p:sp>
-        <p:nvSpPr>
-          <p:cNvPr id="2" name="Titel 1">
-            <a:extLst>
-              <a:ext uri="{FF2B5EF4-FFF2-40B4-BE49-F238E27FC236}">
-                <a16:creationId xmlns:a16="http://schemas.microsoft.com/office/drawing/2014/main" id="{FE4EC51B-9485-1B7C-80F3-C92ECA9342D0}"/>
-              </a:ext>
-            </a:extLst>
-          </p:cNvPr>
-          <p:cNvSpPr>
-            <a:spLocks noGrp="1"/>
-          </p:cNvSpPr>
-          <p:nvPr>
-            <p:ph type="title"/>
-          </p:nvPr>
-        </p:nvSpPr>
-        <p:spPr/>
-        <p:txBody>
-          <a:bodyPr/>
-          <a:lstStyle/>
-          <a:p>
-            <a:r>
-              <a:rPr lang="nl-BE" dirty="0"/>
-              <a:t>Opdrachten</a:t>
-            </a:r>
-          </a:p>
-        </p:txBody>
-      </p:sp>
-      <p:sp>
-        <p:nvSpPr>
-          <p:cNvPr id="3" name="Tijdelijke aanduiding voor inhoud 2">
-            <a:extLst>
-              <a:ext uri="{FF2B5EF4-FFF2-40B4-BE49-F238E27FC236}">
-                <a16:creationId xmlns:a16="http://schemas.microsoft.com/office/drawing/2014/main" id="{3990D63E-44AA-6C52-D944-9C824DAE8E09}"/>
-              </a:ext>
-            </a:extLst>
-          </p:cNvPr>
-          <p:cNvSpPr>
-            <a:spLocks noGrp="1"/>
-          </p:cNvSpPr>
-          <p:nvPr>
-            <p:ph idx="1"/>
-          </p:nvPr>
-        </p:nvSpPr>
-        <p:spPr>
-          <a:xfrm>
-            <a:off x="581192" y="2340864"/>
-            <a:ext cx="11029615" cy="4517136"/>
-          </a:xfrm>
-        </p:spPr>
-        <p:txBody>
-          <a:bodyPr>
-            <a:normAutofit/>
-          </a:bodyPr>
-          <a:lstStyle/>
-          <a:p>
-            <a:pPr>
-              <a:spcAft>
-                <a:spcPts val="1800"/>
-              </a:spcAft>
-            </a:pPr>
-            <a:r>
-              <a:rPr lang="nl-BE" dirty="0"/>
-              <a:t>Maak een website met een div, met hierin tekst. Zorg ervoor dat de achtergrondkleur van deze div groen is. Als je er met jouw muis over beweegt, moet het rood worden en terug groen worden als je dit verlaat.</a:t>
-            </a:r>
-          </a:p>
-          <a:p>
-            <a:pPr>
-              <a:spcAft>
-                <a:spcPts val="1800"/>
-              </a:spcAft>
-            </a:pPr>
-            <a:r>
-              <a:rPr lang="nl-BE" dirty="0"/>
-              <a:t>Maak een website met een p-element, met daarin de tekst “Naam: “. Daaronder staat er een paragraaf met “Vul jouw naam in: “, gevolgd door een invoerveld (&lt;input type=“</a:t>
-            </a:r>
-            <a:r>
-              <a:rPr lang="nl-BE" dirty="0" err="1"/>
-              <a:t>text</a:t>
-            </a:r>
-            <a:r>
-              <a:rPr lang="nl-BE" dirty="0"/>
-              <a:t>”/&gt;). Als je hier jouw naam in typt, en dit veld verlaat, moet jouw naam bovenaan in de paragraaf worden ingevuld.</a:t>
-            </a:r>
-          </a:p>
-          <a:p>
-            <a:pPr>
-              <a:spcAft>
-                <a:spcPts val="1800"/>
-              </a:spcAft>
-            </a:pPr>
-            <a:r>
-              <a:rPr lang="nl-BE" dirty="0"/>
-              <a:t>Maak een website met verschillende h1-elementen met elk verschillende achtergrondkleuren (o.b.v. class). Maak ook een knop “Markeer rood” die, als je erop klikt, alle h1-elementen een rode kleur geeft. Als je er nogmaals op klikt, verdwijnt de rode kleur weer.</a:t>
-            </a:r>
-          </a:p>
-          <a:p>
-            <a:pPr>
-              <a:spcAft>
-                <a:spcPts val="1800"/>
-              </a:spcAft>
-            </a:pPr>
-            <a:r>
-              <a:rPr lang="nl-BE" dirty="0"/>
-              <a:t>Maak een website met 3 h1-element, elk gevolgd door een aantal p-elementen. Zorg ervoor dat standaard alle p-elementen onzichtbaar zijn (</a:t>
-            </a:r>
-            <a:r>
-              <a:rPr lang="nl-BE" dirty="0" err="1"/>
-              <a:t>css</a:t>
-            </a:r>
-            <a:r>
-              <a:rPr lang="nl-BE" dirty="0"/>
-              <a:t>: </a:t>
-            </a:r>
-            <a:r>
-              <a:rPr lang="nl-BE" dirty="0" err="1"/>
-              <a:t>visibility</a:t>
-            </a:r>
-            <a:r>
-              <a:rPr lang="nl-BE" dirty="0"/>
-              <a:t>). Als je over een h1-element beweegt met de muis, dan verschijnt de tekst die bij dat h1-element hoort. Als je muis over een ander h1-element beweegt, verschijnt diens tekst en verdwijnt terug alle tekst van de andere h1-elementen.</a:t>
-            </a:r>
-          </a:p>
-        </p:txBody>
-      </p:sp>
-    </p:spTree>
-    <p:extLst>
-      <p:ext uri="{BB962C8B-B14F-4D97-AF65-F5344CB8AC3E}">
-        <p14:creationId xmlns:p14="http://schemas.microsoft.com/office/powerpoint/2010/main" val="3905181089"/>
       </p:ext>
     </p:extLst>
   </p:cSld>
@@ -22499,6 +22552,167 @@
   <p:cSld>
     <p:spTree>
       <p:nvGrpSpPr>
+        <p:cNvPr id="1" name="">
+          <a:extLst>
+            <a:ext uri="{FF2B5EF4-FFF2-40B4-BE49-F238E27FC236}">
+              <a16:creationId xmlns:a16="http://schemas.microsoft.com/office/drawing/2014/main" id="{BC00E617-9CF9-DF54-2329-367E6A42BB1A}"/>
+            </a:ext>
+          </a:extLst>
+        </p:cNvPr>
+        <p:cNvGrpSpPr/>
+        <p:nvPr/>
+      </p:nvGrpSpPr>
+      <p:grpSpPr>
+        <a:xfrm>
+          <a:off x="0" y="0"/>
+          <a:ext cx="0" cy="0"/>
+          <a:chOff x="0" y="0"/>
+          <a:chExt cx="0" cy="0"/>
+        </a:xfrm>
+      </p:grpSpPr>
+      <p:sp>
+        <p:nvSpPr>
+          <p:cNvPr id="2" name="Titel 1">
+            <a:extLst>
+              <a:ext uri="{FF2B5EF4-FFF2-40B4-BE49-F238E27FC236}">
+                <a16:creationId xmlns:a16="http://schemas.microsoft.com/office/drawing/2014/main" id="{FE4EC51B-9485-1B7C-80F3-C92ECA9342D0}"/>
+              </a:ext>
+            </a:extLst>
+          </p:cNvPr>
+          <p:cNvSpPr>
+            <a:spLocks noGrp="1"/>
+          </p:cNvSpPr>
+          <p:nvPr>
+            <p:ph type="title"/>
+          </p:nvPr>
+        </p:nvSpPr>
+        <p:spPr/>
+        <p:txBody>
+          <a:bodyPr/>
+          <a:lstStyle/>
+          <a:p>
+            <a:r>
+              <a:rPr lang="nl-BE" dirty="0"/>
+              <a:t>Opdrachten</a:t>
+            </a:r>
+          </a:p>
+        </p:txBody>
+      </p:sp>
+      <p:sp>
+        <p:nvSpPr>
+          <p:cNvPr id="3" name="Tijdelijke aanduiding voor inhoud 2">
+            <a:extLst>
+              <a:ext uri="{FF2B5EF4-FFF2-40B4-BE49-F238E27FC236}">
+                <a16:creationId xmlns:a16="http://schemas.microsoft.com/office/drawing/2014/main" id="{3990D63E-44AA-6C52-D944-9C824DAE8E09}"/>
+              </a:ext>
+            </a:extLst>
+          </p:cNvPr>
+          <p:cNvSpPr>
+            <a:spLocks noGrp="1"/>
+          </p:cNvSpPr>
+          <p:nvPr>
+            <p:ph idx="1"/>
+          </p:nvPr>
+        </p:nvSpPr>
+        <p:spPr>
+          <a:xfrm>
+            <a:off x="581192" y="2340864"/>
+            <a:ext cx="11029615" cy="4517136"/>
+          </a:xfrm>
+        </p:spPr>
+        <p:txBody>
+          <a:bodyPr>
+            <a:normAutofit/>
+          </a:bodyPr>
+          <a:lstStyle/>
+          <a:p>
+            <a:pPr>
+              <a:spcAft>
+                <a:spcPts val="1800"/>
+              </a:spcAft>
+            </a:pPr>
+            <a:r>
+              <a:rPr lang="nl-BE" dirty="0"/>
+              <a:t>Maak een website met een div, met hierin tekst. Zorg ervoor dat de achtergrondkleur van deze div groen is. Als je er met jouw muis over beweegt, moet het rood worden en terug groen worden als je dit verlaat.</a:t>
+            </a:r>
+          </a:p>
+          <a:p>
+            <a:pPr>
+              <a:spcAft>
+                <a:spcPts val="1800"/>
+              </a:spcAft>
+            </a:pPr>
+            <a:r>
+              <a:rPr lang="nl-BE" dirty="0"/>
+              <a:t>Maak een website met een p-element, met daarin de tekst “Naam: “. Daaronder staat er een paragraaf met “Vul jouw naam in: “, gevolgd door een invoerveld (&lt;input type=“</a:t>
+            </a:r>
+            <a:r>
+              <a:rPr lang="nl-BE" dirty="0" err="1"/>
+              <a:t>text</a:t>
+            </a:r>
+            <a:r>
+              <a:rPr lang="nl-BE" dirty="0"/>
+              <a:t>”/&gt;). Als je hier jouw naam in typt, en dit veld verlaat, moet jouw naam bovenaan in de paragraaf worden ingevuld.</a:t>
+            </a:r>
+          </a:p>
+          <a:p>
+            <a:pPr>
+              <a:spcAft>
+                <a:spcPts val="1800"/>
+              </a:spcAft>
+            </a:pPr>
+            <a:r>
+              <a:rPr lang="nl-BE" dirty="0"/>
+              <a:t>Maak een website met verschillende h1-elementen met elk verschillende achtergrondkleuren (o.b.v. class). Maak ook een knop “Markeer rood” die, als je erop klikt, alle h1-elementen een rode kleur geeft. Als je er nogmaals op klikt, verdwijnt de rode kleur weer.</a:t>
+            </a:r>
+          </a:p>
+          <a:p>
+            <a:pPr>
+              <a:spcAft>
+                <a:spcPts val="1800"/>
+              </a:spcAft>
+            </a:pPr>
+            <a:r>
+              <a:rPr lang="nl-BE" dirty="0"/>
+              <a:t>Maak een website met 3 h1-element, elk gevolgd door een aantal p-elementen. Zorg ervoor dat standaard alle p-elementen onzichtbaar zijn (</a:t>
+            </a:r>
+            <a:r>
+              <a:rPr lang="nl-BE" dirty="0" err="1"/>
+              <a:t>css</a:t>
+            </a:r>
+            <a:r>
+              <a:rPr lang="nl-BE" dirty="0"/>
+              <a:t>: </a:t>
+            </a:r>
+            <a:r>
+              <a:rPr lang="nl-BE" dirty="0" err="1"/>
+              <a:t>visibility</a:t>
+            </a:r>
+            <a:r>
+              <a:rPr lang="nl-BE" dirty="0"/>
+              <a:t>). Als je over een h1-element beweegt met de muis, dan verschijnt de tekst die bij dat h1-element hoort. Als je muis over een ander h1-element beweegt, verschijnt diens tekst en verdwijnt terug alle tekst van de andere h1-elementen.</a:t>
+            </a:r>
+          </a:p>
+        </p:txBody>
+      </p:sp>
+    </p:spTree>
+    <p:extLst>
+      <p:ext uri="{BB962C8B-B14F-4D97-AF65-F5344CB8AC3E}">
+        <p14:creationId xmlns:p14="http://schemas.microsoft.com/office/powerpoint/2010/main" val="3905181089"/>
+      </p:ext>
+    </p:extLst>
+  </p:cSld>
+  <p:clrMapOvr>
+    <a:masterClrMapping/>
+  </p:clrMapOvr>
+</p:sld>
+</file>
+
+<file path=ppt/slides/slide61.xml><?xml version="1.0" encoding="utf-8"?>
+<p:sld xmlns:a="http://schemas.openxmlformats.org/drawingml/2006/main" xmlns:r="http://schemas.openxmlformats.org/officeDocument/2006/relationships" xmlns:p="http://schemas.openxmlformats.org/presentationml/2006/main">
+  <p:cSld>
+    <p:spTree>
+      <p:nvGrpSpPr>
         <p:cNvPr id="1" name=""/>
         <p:cNvGrpSpPr/>
         <p:nvPr/>
@@ -22681,7 +22895,7 @@
 </p:sld>
 </file>
 
-<file path=ppt/slides/slide61.xml><?xml version="1.0" encoding="utf-8"?>
+<file path=ppt/slides/slide62.xml><?xml version="1.0" encoding="utf-8"?>
 <p:sld xmlns:a="http://schemas.openxmlformats.org/drawingml/2006/main" xmlns:r="http://schemas.openxmlformats.org/officeDocument/2006/relationships" xmlns:p="http://schemas.openxmlformats.org/presentationml/2006/main">
   <p:cSld>
     <p:spTree>
@@ -22872,7 +23086,7 @@
 </p:sld>
 </file>
 
-<file path=ppt/slides/slide62.xml><?xml version="1.0" encoding="utf-8"?>
+<file path=ppt/slides/slide63.xml><?xml version="1.0" encoding="utf-8"?>
 <p:sld xmlns:a="http://schemas.openxmlformats.org/drawingml/2006/main" xmlns:r="http://schemas.openxmlformats.org/officeDocument/2006/relationships" xmlns:p="http://schemas.openxmlformats.org/presentationml/2006/main">
   <p:cSld>
     <p:spTree>
@@ -23018,7 +23232,7 @@
 </p:sld>
 </file>
 
-<file path=ppt/slides/slide63.xml><?xml version="1.0" encoding="utf-8"?>
+<file path=ppt/slides/slide64.xml><?xml version="1.0" encoding="utf-8"?>
 <p:sld xmlns:a="http://schemas.openxmlformats.org/drawingml/2006/main" xmlns:r="http://schemas.openxmlformats.org/officeDocument/2006/relationships" xmlns:p="http://schemas.openxmlformats.org/presentationml/2006/main">
   <p:cSld>
     <p:spTree>
@@ -23225,7 +23439,7 @@
 </p:sld>
 </file>
 
-<file path=ppt/slides/slide64.xml><?xml version="1.0" encoding="utf-8"?>
+<file path=ppt/slides/slide65.xml><?xml version="1.0" encoding="utf-8"?>
 <p:sld xmlns:a="http://schemas.openxmlformats.org/drawingml/2006/main" xmlns:r="http://schemas.openxmlformats.org/officeDocument/2006/relationships" xmlns:p="http://schemas.openxmlformats.org/presentationml/2006/main">
   <p:cSld>
     <p:spTree>
@@ -23611,7 +23825,260 @@
 </p:sld>
 </file>
 
-<file path=ppt/slides/slide65.xml><?xml version="1.0" encoding="utf-8"?>
+<file path=ppt/slides/slide66.xml><?xml version="1.0" encoding="utf-8"?>
+<p:sld xmlns:a="http://schemas.openxmlformats.org/drawingml/2006/main" xmlns:r="http://schemas.openxmlformats.org/officeDocument/2006/relationships" xmlns:p="http://schemas.openxmlformats.org/presentationml/2006/main">
+  <p:cSld>
+    <p:spTree>
+      <p:nvGrpSpPr>
+        <p:cNvPr id="1" name="">
+          <a:extLst>
+            <a:ext uri="{FF2B5EF4-FFF2-40B4-BE49-F238E27FC236}">
+              <a16:creationId xmlns:a16="http://schemas.microsoft.com/office/drawing/2014/main" id="{162CD6F0-0E5E-9363-A6E9-7FBBF01F4976}"/>
+            </a:ext>
+          </a:extLst>
+        </p:cNvPr>
+        <p:cNvGrpSpPr/>
+        <p:nvPr/>
+      </p:nvGrpSpPr>
+      <p:grpSpPr>
+        <a:xfrm>
+          <a:off x="0" y="0"/>
+          <a:ext cx="0" cy="0"/>
+          <a:chOff x="0" y="0"/>
+          <a:chExt cx="0" cy="0"/>
+        </a:xfrm>
+      </p:grpSpPr>
+      <p:sp>
+        <p:nvSpPr>
+          <p:cNvPr id="2" name="Titel 1">
+            <a:extLst>
+              <a:ext uri="{FF2B5EF4-FFF2-40B4-BE49-F238E27FC236}">
+                <a16:creationId xmlns:a16="http://schemas.microsoft.com/office/drawing/2014/main" id="{3AA8DB0D-5FF9-CDA7-51C9-65950F770012}"/>
+              </a:ext>
+            </a:extLst>
+          </p:cNvPr>
+          <p:cNvSpPr>
+            <a:spLocks noGrp="1"/>
+          </p:cNvSpPr>
+          <p:nvPr>
+            <p:ph type="title"/>
+          </p:nvPr>
+        </p:nvSpPr>
+        <p:spPr/>
+        <p:txBody>
+          <a:bodyPr/>
+          <a:lstStyle/>
+          <a:p>
+            <a:r>
+              <a:rPr lang="nl-BE" dirty="0"/>
+              <a:t>Werken met invoervelden (input)</a:t>
+            </a:r>
+          </a:p>
+        </p:txBody>
+      </p:sp>
+      <p:sp>
+        <p:nvSpPr>
+          <p:cNvPr id="3" name="Tijdelijke aanduiding voor inhoud 2">
+            <a:extLst>
+              <a:ext uri="{FF2B5EF4-FFF2-40B4-BE49-F238E27FC236}">
+                <a16:creationId xmlns:a16="http://schemas.microsoft.com/office/drawing/2014/main" id="{2C497214-9098-CB31-C8E1-723D28A4375D}"/>
+              </a:ext>
+            </a:extLst>
+          </p:cNvPr>
+          <p:cNvSpPr>
+            <a:spLocks noGrp="1"/>
+          </p:cNvSpPr>
+          <p:nvPr>
+            <p:ph idx="1"/>
+          </p:nvPr>
+        </p:nvSpPr>
+        <p:spPr>
+          <a:xfrm>
+            <a:off x="581192" y="1890876"/>
+            <a:ext cx="11029615" cy="4967124"/>
+          </a:xfrm>
+        </p:spPr>
+        <p:txBody>
+          <a:bodyPr>
+            <a:normAutofit/>
+          </a:bodyPr>
+          <a:lstStyle/>
+          <a:p>
+            <a:pPr marL="0" indent="0">
+              <a:lnSpc>
+                <a:spcPct val="200000"/>
+              </a:lnSpc>
+              <a:buNone/>
+            </a:pPr>
+            <a:r>
+              <a:rPr lang="nl-BE" i="1" dirty="0">
+                <a:latin typeface="Consolas" panose="020B0609020204030204" pitchFamily="49" charset="0"/>
+              </a:rPr>
+              <a:t>let invoerveld = </a:t>
+            </a:r>
+            <a:r>
+              <a:rPr lang="nl-BE" i="1" dirty="0" err="1">
+                <a:latin typeface="Consolas" panose="020B0609020204030204" pitchFamily="49" charset="0"/>
+              </a:rPr>
+              <a:t>document.querySelector</a:t>
+            </a:r>
+            <a:r>
+              <a:rPr lang="nl-BE" i="1" dirty="0">
+                <a:latin typeface="Consolas" panose="020B0609020204030204" pitchFamily="49" charset="0"/>
+              </a:rPr>
+              <a:t>("#</a:t>
+            </a:r>
+            <a:r>
+              <a:rPr lang="nl-BE" i="1" dirty="0" err="1">
+                <a:latin typeface="Consolas" panose="020B0609020204030204" pitchFamily="49" charset="0"/>
+              </a:rPr>
+              <a:t>mijnInvoerveld</a:t>
+            </a:r>
+            <a:r>
+              <a:rPr lang="nl-BE" i="1" dirty="0">
+                <a:latin typeface="Consolas" panose="020B0609020204030204" pitchFamily="49" charset="0"/>
+              </a:rPr>
+              <a:t>");</a:t>
+            </a:r>
+          </a:p>
+          <a:p>
+            <a:pPr marL="0" indent="0">
+              <a:lnSpc>
+                <a:spcPct val="200000"/>
+              </a:lnSpc>
+              <a:buNone/>
+            </a:pPr>
+            <a:r>
+              <a:rPr lang="nl-BE" i="1" dirty="0">
+                <a:latin typeface="Consolas" panose="020B0609020204030204" pitchFamily="49" charset="0"/>
+              </a:rPr>
+              <a:t>let </a:t>
+            </a:r>
+            <a:r>
+              <a:rPr lang="nl-BE" i="1" dirty="0" err="1">
+                <a:latin typeface="Consolas" panose="020B0609020204030204" pitchFamily="49" charset="0"/>
+              </a:rPr>
+              <a:t>nieuweParagraaf</a:t>
+            </a:r>
+            <a:r>
+              <a:rPr lang="nl-BE" i="1" dirty="0">
+                <a:latin typeface="Consolas" panose="020B0609020204030204" pitchFamily="49" charset="0"/>
+              </a:rPr>
+              <a:t> = </a:t>
+            </a:r>
+            <a:r>
+              <a:rPr lang="nl-BE" i="1" dirty="0" err="1">
+                <a:latin typeface="Consolas" panose="020B0609020204030204" pitchFamily="49" charset="0"/>
+              </a:rPr>
+              <a:t>document.createElement</a:t>
+            </a:r>
+            <a:r>
+              <a:rPr lang="nl-BE" i="1" dirty="0">
+                <a:latin typeface="Consolas" panose="020B0609020204030204" pitchFamily="49" charset="0"/>
+              </a:rPr>
+              <a:t>("p");</a:t>
+            </a:r>
+          </a:p>
+          <a:p>
+            <a:pPr marL="0" indent="0">
+              <a:lnSpc>
+                <a:spcPct val="200000"/>
+              </a:lnSpc>
+              <a:buNone/>
+            </a:pPr>
+            <a:r>
+              <a:rPr lang="nl-BE" i="1" dirty="0" err="1">
+                <a:latin typeface="Consolas" panose="020B0609020204030204" pitchFamily="49" charset="0"/>
+              </a:rPr>
+              <a:t>nieuweParagraaf.textContent</a:t>
+            </a:r>
+            <a:r>
+              <a:rPr lang="nl-BE" i="1" dirty="0">
+                <a:latin typeface="Consolas" panose="020B0609020204030204" pitchFamily="49" charset="0"/>
+              </a:rPr>
+              <a:t> = </a:t>
+            </a:r>
+            <a:r>
+              <a:rPr lang="nl-BE" i="1" dirty="0" err="1">
+                <a:latin typeface="Consolas" panose="020B0609020204030204" pitchFamily="49" charset="0"/>
+              </a:rPr>
+              <a:t>invoerveld.value</a:t>
+            </a:r>
+            <a:r>
+              <a:rPr lang="nl-BE" i="1" dirty="0">
+                <a:latin typeface="Consolas" panose="020B0609020204030204" pitchFamily="49" charset="0"/>
+              </a:rPr>
+              <a:t>;</a:t>
+            </a:r>
+          </a:p>
+          <a:p>
+            <a:pPr marL="0" indent="0">
+              <a:lnSpc>
+                <a:spcPct val="200000"/>
+              </a:lnSpc>
+              <a:buNone/>
+            </a:pPr>
+            <a:r>
+              <a:rPr lang="nl-BE" i="1" dirty="0" err="1">
+                <a:latin typeface="Consolas" panose="020B0609020204030204" pitchFamily="49" charset="0"/>
+              </a:rPr>
+              <a:t>invoerveld.value</a:t>
+            </a:r>
+            <a:r>
+              <a:rPr lang="nl-BE" i="1" dirty="0">
+                <a:latin typeface="Consolas" panose="020B0609020204030204" pitchFamily="49" charset="0"/>
+              </a:rPr>
+              <a:t> = "";</a:t>
+            </a:r>
+          </a:p>
+          <a:p>
+            <a:pPr marL="0" indent="0">
+              <a:lnSpc>
+                <a:spcPct val="200000"/>
+              </a:lnSpc>
+              <a:buNone/>
+            </a:pPr>
+            <a:r>
+              <a:rPr lang="nl-BE" i="1" dirty="0" err="1">
+                <a:latin typeface="Consolas" panose="020B0609020204030204" pitchFamily="49" charset="0"/>
+              </a:rPr>
+              <a:t>document.body.appendChild</a:t>
+            </a:r>
+            <a:r>
+              <a:rPr lang="nl-BE" i="1" dirty="0">
+                <a:latin typeface="Consolas" panose="020B0609020204030204" pitchFamily="49" charset="0"/>
+              </a:rPr>
+              <a:t>(</a:t>
+            </a:r>
+            <a:r>
+              <a:rPr lang="nl-BE" i="1" dirty="0" err="1">
+                <a:latin typeface="Consolas" panose="020B0609020204030204" pitchFamily="49" charset="0"/>
+              </a:rPr>
+              <a:t>nieuweParagraaf</a:t>
+            </a:r>
+            <a:r>
+              <a:rPr lang="nl-BE" i="1" dirty="0">
+                <a:latin typeface="Consolas" panose="020B0609020204030204" pitchFamily="49" charset="0"/>
+              </a:rPr>
+              <a:t>);</a:t>
+            </a:r>
+          </a:p>
+        </p:txBody>
+      </p:sp>
+    </p:spTree>
+    <p:extLst>
+      <p:ext uri="{BB962C8B-B14F-4D97-AF65-F5344CB8AC3E}">
+        <p14:creationId xmlns:p14="http://schemas.microsoft.com/office/powerpoint/2010/main" val="2052417361"/>
+      </p:ext>
+    </p:extLst>
+  </p:cSld>
+  <p:clrMapOvr>
+    <a:masterClrMapping/>
+  </p:clrMapOvr>
+</p:sld>
+</file>
+
+<file path=ppt/slides/slide67.xml><?xml version="1.0" encoding="utf-8"?>
 <p:sld xmlns:a="http://schemas.openxmlformats.org/drawingml/2006/main" xmlns:r="http://schemas.openxmlformats.org/officeDocument/2006/relationships" xmlns:p="http://schemas.openxmlformats.org/presentationml/2006/main">
   <p:cSld>
     <p:spTree>

--- a/Webdesign.pptx
+++ b/Webdesign.pptx
@@ -7860,6 +7860,12 @@
               <a:t>Bij een knop is dit de tekst op de knop, bij een tekstveld is dit de (huidige) tekst in het tekstveld.</a:t>
             </a:r>
           </a:p>
+          <a:p>
+            <a:r>
+              <a:rPr lang="nl-BE" dirty="0"/>
+              <a:t>Bij een knop kan je ook kiezen voor de button-tag. Deze kan dan tekst/afbeeldingen/… bevatten in de tag.</a:t>
+            </a:r>
+          </a:p>
         </p:txBody>
       </p:sp>
       <p:sp>
@@ -7876,8 +7882,8 @@
         </p:nvSpPr>
         <p:spPr>
           <a:xfrm>
-            <a:off x="4668253" y="1222408"/>
-            <a:ext cx="6679932" cy="923330"/>
+            <a:off x="4597133" y="2167288"/>
+            <a:ext cx="6679932" cy="1200329"/>
           </a:xfrm>
           <a:prstGeom prst="rect">
             <a:avLst/>
@@ -7934,10 +7940,65 @@
             </a:r>
           </a:p>
           <a:p>
-            <a:endParaRPr lang="nl-BE" dirty="0"/>
+            <a:r>
+              <a:rPr lang="nl-BE" dirty="0"/>
+              <a:t>of</a:t>
+            </a:r>
+          </a:p>
+          <a:p>
+            <a:r>
+              <a:rPr lang="nl-BE" dirty="0"/>
+              <a:t>&lt;button </a:t>
+            </a:r>
+            <a:r>
+              <a:rPr lang="nl-BE" dirty="0" err="1"/>
+              <a:t>onclick</a:t>
+            </a:r>
+            <a:r>
+              <a:rPr lang="nl-BE" dirty="0"/>
+              <a:t>=“</a:t>
+            </a:r>
+            <a:r>
+              <a:rPr lang="nl-BE" dirty="0" err="1"/>
+              <a:t>mijnFunctie</a:t>
+            </a:r>
+            <a:r>
+              <a:rPr lang="nl-BE" dirty="0"/>
+              <a:t>()“&gt;Klik hier&lt;/button&gt;</a:t>
+            </a:r>
           </a:p>
         </p:txBody>
       </p:sp>
+      <p:pic>
+        <p:nvPicPr>
+          <p:cNvPr id="6" name="Afbeelding 5">
+            <a:extLst>
+              <a:ext uri="{FF2B5EF4-FFF2-40B4-BE49-F238E27FC236}">
+                <a16:creationId xmlns:a16="http://schemas.microsoft.com/office/drawing/2014/main" id="{6F662499-0F3A-9B2B-097A-2021C813238D}"/>
+              </a:ext>
+            </a:extLst>
+          </p:cNvPr>
+          <p:cNvPicPr>
+            <a:picLocks noChangeAspect="1"/>
+          </p:cNvPicPr>
+          <p:nvPr/>
+        </p:nvPicPr>
+        <p:blipFill>
+          <a:blip r:embed="rId2"/>
+          <a:stretch>
+            <a:fillRect/>
+          </a:stretch>
+        </p:blipFill>
+        <p:spPr>
+          <a:xfrm>
+            <a:off x="5278057" y="1252017"/>
+            <a:ext cx="4902263" cy="638859"/>
+          </a:xfrm>
+          <a:prstGeom prst="rect">
+            <a:avLst/>
+          </a:prstGeom>
+        </p:spPr>
+      </p:pic>
     </p:spTree>
     <p:extLst>
       <p:ext uri="{BB962C8B-B14F-4D97-AF65-F5344CB8AC3E}">
@@ -18146,7 +18207,11 @@
           <a:p>
             <a:r>
               <a:rPr lang="nl-BE" dirty="0"/>
-              <a:t>Deel van de C-programmeertalen: gelijkaardig qua syntax op C#</a:t>
+              <a:t>Deel van de C-programmeertalen: </a:t>
+            </a:r>
+            <a:r>
+              <a:rPr lang="nl-BE" b="1" dirty="0"/>
+              <a:t>gelijkaardig qua syntax op C#</a:t>
             </a:r>
           </a:p>
           <a:p>
@@ -18437,6 +18502,108 @@
           </a:graphicData>
         </a:graphic>
       </p:graphicFrame>
+      <p:sp>
+        <p:nvSpPr>
+          <p:cNvPr id="3" name="Rechthoek 2">
+            <a:extLst>
+              <a:ext uri="{FF2B5EF4-FFF2-40B4-BE49-F238E27FC236}">
+                <a16:creationId xmlns:a16="http://schemas.microsoft.com/office/drawing/2014/main" id="{9F5FB1C9-2126-F9C5-DB8F-E41484459D58}"/>
+              </a:ext>
+            </a:extLst>
+          </p:cNvPr>
+          <p:cNvSpPr/>
+          <p:nvPr/>
+        </p:nvSpPr>
+        <p:spPr>
+          <a:xfrm>
+            <a:off x="7924800" y="2184400"/>
+            <a:ext cx="3686008" cy="3048666"/>
+          </a:xfrm>
+          <a:prstGeom prst="rect">
+            <a:avLst/>
+          </a:prstGeom>
+          <a:solidFill>
+            <a:srgbClr val="FF0000">
+              <a:alpha val="47000"/>
+            </a:srgbClr>
+          </a:solidFill>
+        </p:spPr>
+        <p:style>
+          <a:lnRef idx="2">
+            <a:schemeClr val="accent1">
+              <a:shade val="15000"/>
+            </a:schemeClr>
+          </a:lnRef>
+          <a:fillRef idx="1">
+            <a:schemeClr val="accent1"/>
+          </a:fillRef>
+          <a:effectRef idx="0">
+            <a:schemeClr val="accent1"/>
+          </a:effectRef>
+          <a:fontRef idx="minor">
+            <a:schemeClr val="lt1"/>
+          </a:fontRef>
+        </p:style>
+        <p:txBody>
+          <a:bodyPr rtlCol="0" anchor="ctr"/>
+          <a:lstStyle/>
+          <a:p>
+            <a:pPr algn="ctr"/>
+            <a:endParaRPr lang="nl-BE"/>
+          </a:p>
+        </p:txBody>
+      </p:sp>
+      <p:sp>
+        <p:nvSpPr>
+          <p:cNvPr id="5" name="Rechthoek 4">
+            <a:extLst>
+              <a:ext uri="{FF2B5EF4-FFF2-40B4-BE49-F238E27FC236}">
+                <a16:creationId xmlns:a16="http://schemas.microsoft.com/office/drawing/2014/main" id="{539C1E3D-EB97-FD24-9BBC-06F1674E4C76}"/>
+              </a:ext>
+            </a:extLst>
+          </p:cNvPr>
+          <p:cNvSpPr/>
+          <p:nvPr/>
+        </p:nvSpPr>
+        <p:spPr>
+          <a:xfrm>
+            <a:off x="581193" y="3027680"/>
+            <a:ext cx="7343440" cy="2205386"/>
+          </a:xfrm>
+          <a:prstGeom prst="rect">
+            <a:avLst/>
+          </a:prstGeom>
+          <a:solidFill>
+            <a:srgbClr val="FF0000">
+              <a:alpha val="47000"/>
+            </a:srgbClr>
+          </a:solidFill>
+        </p:spPr>
+        <p:style>
+          <a:lnRef idx="2">
+            <a:schemeClr val="accent1">
+              <a:shade val="15000"/>
+            </a:schemeClr>
+          </a:lnRef>
+          <a:fillRef idx="1">
+            <a:schemeClr val="accent1"/>
+          </a:fillRef>
+          <a:effectRef idx="0">
+            <a:schemeClr val="accent1"/>
+          </a:effectRef>
+          <a:fontRef idx="minor">
+            <a:schemeClr val="lt1"/>
+          </a:fontRef>
+        </p:style>
+        <p:txBody>
+          <a:bodyPr rtlCol="0" anchor="ctr"/>
+          <a:lstStyle/>
+          <a:p>
+            <a:pPr algn="ctr"/>
+            <a:endParaRPr lang="nl-BE"/>
+          </a:p>
+        </p:txBody>
+      </p:sp>
     </p:spTree>
     <p:extLst>
       <p:ext uri="{BB962C8B-B14F-4D97-AF65-F5344CB8AC3E}">
@@ -18995,6 +19162,57 @@
           </a:graphicData>
         </a:graphic>
       </p:graphicFrame>
+      <p:sp>
+        <p:nvSpPr>
+          <p:cNvPr id="3" name="Rechthoek 2">
+            <a:extLst>
+              <a:ext uri="{FF2B5EF4-FFF2-40B4-BE49-F238E27FC236}">
+                <a16:creationId xmlns:a16="http://schemas.microsoft.com/office/drawing/2014/main" id="{A5E188FB-EAFA-3992-40F7-45AE9ABEC29C}"/>
+              </a:ext>
+            </a:extLst>
+          </p:cNvPr>
+          <p:cNvSpPr/>
+          <p:nvPr/>
+        </p:nvSpPr>
+        <p:spPr>
+          <a:xfrm>
+            <a:off x="580524" y="1452680"/>
+            <a:ext cx="11029950" cy="5358535"/>
+          </a:xfrm>
+          <a:prstGeom prst="rect">
+            <a:avLst/>
+          </a:prstGeom>
+          <a:solidFill>
+            <a:srgbClr val="FF0000">
+              <a:alpha val="47000"/>
+            </a:srgbClr>
+          </a:solidFill>
+        </p:spPr>
+        <p:style>
+          <a:lnRef idx="2">
+            <a:schemeClr val="accent1">
+              <a:shade val="15000"/>
+            </a:schemeClr>
+          </a:lnRef>
+          <a:fillRef idx="1">
+            <a:schemeClr val="accent1"/>
+          </a:fillRef>
+          <a:effectRef idx="0">
+            <a:schemeClr val="accent1"/>
+          </a:effectRef>
+          <a:fontRef idx="minor">
+            <a:schemeClr val="lt1"/>
+          </a:fontRef>
+        </p:style>
+        <p:txBody>
+          <a:bodyPr rtlCol="0" anchor="ctr"/>
+          <a:lstStyle/>
+          <a:p>
+            <a:pPr algn="ctr"/>
+            <a:endParaRPr lang="nl-BE"/>
+          </a:p>
+        </p:txBody>
+      </p:sp>
     </p:spTree>
     <p:extLst>
       <p:ext uri="{BB962C8B-B14F-4D97-AF65-F5344CB8AC3E}">
@@ -19258,6 +19476,57 @@
               <a:effectLst/>
               <a:latin typeface="Consolas" panose="020B0609020204030204" pitchFamily="49" charset="0"/>
             </a:endParaRPr>
+          </a:p>
+        </p:txBody>
+      </p:sp>
+      <p:sp>
+        <p:nvSpPr>
+          <p:cNvPr id="4" name="Rechthoek 3">
+            <a:extLst>
+              <a:ext uri="{FF2B5EF4-FFF2-40B4-BE49-F238E27FC236}">
+                <a16:creationId xmlns:a16="http://schemas.microsoft.com/office/drawing/2014/main" id="{F5BDA922-A8C3-8895-A08E-045B49F1713D}"/>
+              </a:ext>
+            </a:extLst>
+          </p:cNvPr>
+          <p:cNvSpPr/>
+          <p:nvPr/>
+        </p:nvSpPr>
+        <p:spPr>
+          <a:xfrm>
+            <a:off x="1016000" y="4521200"/>
+            <a:ext cx="1656080" cy="965200"/>
+          </a:xfrm>
+          <a:prstGeom prst="rect">
+            <a:avLst/>
+          </a:prstGeom>
+          <a:solidFill>
+            <a:srgbClr val="FF0000">
+              <a:alpha val="47000"/>
+            </a:srgbClr>
+          </a:solidFill>
+        </p:spPr>
+        <p:style>
+          <a:lnRef idx="2">
+            <a:schemeClr val="accent1">
+              <a:shade val="15000"/>
+            </a:schemeClr>
+          </a:lnRef>
+          <a:fillRef idx="1">
+            <a:schemeClr val="accent1"/>
+          </a:fillRef>
+          <a:effectRef idx="0">
+            <a:schemeClr val="accent1"/>
+          </a:effectRef>
+          <a:fontRef idx="minor">
+            <a:schemeClr val="lt1"/>
+          </a:fontRef>
+        </p:style>
+        <p:txBody>
+          <a:bodyPr rtlCol="0" anchor="ctr"/>
+          <a:lstStyle/>
+          <a:p>
+            <a:pPr algn="ctr"/>
+            <a:endParaRPr lang="nl-BE"/>
           </a:p>
         </p:txBody>
       </p:sp>
@@ -19471,8 +19740,8 @@
         </p:nvSpPr>
         <p:spPr>
           <a:xfrm>
-            <a:off x="581192" y="4359708"/>
-            <a:ext cx="6097772" cy="286360"/>
+            <a:off x="317032" y="4358048"/>
+            <a:ext cx="8034488" cy="280077"/>
           </a:xfrm>
           <a:prstGeom prst="rect">
             <a:avLst/>
@@ -19489,95 +19758,27 @@
               <a:lnSpc>
                 <a:spcPts val="1425"/>
               </a:lnSpc>
-              <a:buNone/>
             </a:pPr>
             <a:r>
-              <a:rPr lang="en-US" b="0" dirty="0">
-                <a:solidFill>
-                  <a:srgbClr val="800000"/>
-                </a:solidFill>
-                <a:effectLst/>
-                <a:latin typeface="Consolas" panose="020B0609020204030204" pitchFamily="49" charset="0"/>
-              </a:rPr>
-              <a:t>&lt;button</a:t>
-            </a:r>
-            <a:r>
-              <a:rPr lang="en-US" b="0" dirty="0">
-                <a:solidFill>
-                  <a:srgbClr val="000000"/>
-                </a:solidFill>
-                <a:effectLst/>
-                <a:latin typeface="Consolas" panose="020B0609020204030204" pitchFamily="49" charset="0"/>
-              </a:rPr>
+              <a:rPr lang="en-US" dirty="0"/>
+              <a:t>&lt;input type="button" value="</a:t>
+            </a:r>
+            <a:r>
+              <a:rPr lang="en-US" dirty="0" err="1"/>
+              <a:t>Klik</a:t>
+            </a:r>
+            <a:r>
+              <a:rPr lang="en-US" dirty="0"/>
               <a:t> </a:t>
             </a:r>
             <a:r>
-              <a:rPr lang="en-US" b="0" dirty="0">
-                <a:solidFill>
-                  <a:srgbClr val="E50000"/>
-                </a:solidFill>
-                <a:effectLst/>
-                <a:latin typeface="Consolas" panose="020B0609020204030204" pitchFamily="49" charset="0"/>
-              </a:rPr>
-              <a:t>onclick</a:t>
-            </a:r>
-            <a:r>
-              <a:rPr lang="en-US" b="0" dirty="0">
-                <a:solidFill>
-                  <a:srgbClr val="000000"/>
-                </a:solidFill>
-                <a:effectLst/>
-                <a:latin typeface="Consolas" panose="020B0609020204030204" pitchFamily="49" charset="0"/>
-              </a:rPr>
-              <a:t>=</a:t>
-            </a:r>
-            <a:r>
-              <a:rPr lang="en-US" b="0" dirty="0">
-                <a:solidFill>
-                  <a:srgbClr val="0000FF"/>
-                </a:solidFill>
-                <a:effectLst/>
-                <a:latin typeface="Consolas" panose="020B0609020204030204" pitchFamily="49" charset="0"/>
-              </a:rPr>
-              <a:t>"test(this)"</a:t>
-            </a:r>
-            <a:r>
-              <a:rPr lang="en-US" b="0" dirty="0">
-                <a:solidFill>
-                  <a:srgbClr val="800000"/>
-                </a:solidFill>
-                <a:effectLst/>
-                <a:latin typeface="Consolas" panose="020B0609020204030204" pitchFamily="49" charset="0"/>
-              </a:rPr>
-              <a:t>&gt;</a:t>
-            </a:r>
-            <a:r>
-              <a:rPr lang="en-US" b="0" dirty="0">
-                <a:solidFill>
-                  <a:srgbClr val="000000"/>
-                </a:solidFill>
-                <a:effectLst/>
-                <a:latin typeface="Consolas" panose="020B0609020204030204" pitchFamily="49" charset="0"/>
-              </a:rPr>
-              <a:t>Test</a:t>
-            </a:r>
-            <a:r>
-              <a:rPr lang="en-US" b="0" dirty="0">
-                <a:solidFill>
-                  <a:srgbClr val="800000"/>
-                </a:solidFill>
-                <a:effectLst/>
-                <a:latin typeface="Consolas" panose="020B0609020204030204" pitchFamily="49" charset="0"/>
-              </a:rPr>
-              <a:t>&lt;/button&gt;</a:t>
-            </a:r>
-            <a:endParaRPr lang="en-US" b="0" dirty="0">
-              <a:solidFill>
-                <a:srgbClr val="000000"/>
-              </a:solidFill>
-              <a:effectLst/>
-              <a:latin typeface="Consolas" panose="020B0609020204030204" pitchFamily="49" charset="0"/>
-            </a:endParaRPr>
+              <a:rPr lang="en-US" dirty="0" err="1"/>
+              <a:t>hier</a:t>
+            </a:r>
+            <a:r>
+              <a:rPr lang="en-US" dirty="0"/>
+              <a:t>" onclick="test(this)"/&gt;</a:t>
+            </a:r>
           </a:p>
         </p:txBody>
       </p:sp>
@@ -19595,7 +19796,7 @@
         </p:nvSpPr>
         <p:spPr>
           <a:xfrm>
-            <a:off x="6616886" y="4321692"/>
+            <a:off x="6759126" y="4321692"/>
             <a:ext cx="6097772" cy="645433"/>
           </a:xfrm>
           <a:prstGeom prst="rect">
@@ -19714,6 +19915,67 @@
           </a:p>
         </p:txBody>
       </p:sp>
+      <p:pic>
+        <p:nvPicPr>
+          <p:cNvPr id="6" name="Afbeelding 5" descr="Afbeelding met schermopname, tekst, Lettertype, Graphics&#10;&#10;Door AI gegenereerde inhoud is mogelijk onjuist.">
+            <a:extLst>
+              <a:ext uri="{FF2B5EF4-FFF2-40B4-BE49-F238E27FC236}">
+                <a16:creationId xmlns:a16="http://schemas.microsoft.com/office/drawing/2014/main" id="{9EF3B19B-43C7-3A4E-20E0-6A6950357CFF}"/>
+              </a:ext>
+            </a:extLst>
+          </p:cNvPr>
+          <p:cNvPicPr>
+            <a:picLocks noChangeAspect="1"/>
+          </p:cNvPicPr>
+          <p:nvPr/>
+        </p:nvPicPr>
+        <p:blipFill>
+          <a:blip r:embed="rId2"/>
+          <a:srcRect r="59989" b="74079"/>
+          <a:stretch>
+            <a:fillRect/>
+          </a:stretch>
+        </p:blipFill>
+        <p:spPr>
+          <a:xfrm>
+            <a:off x="2282145" y="4967125"/>
+            <a:ext cx="1864571" cy="787429"/>
+          </a:xfrm>
+          <a:prstGeom prst="rect">
+            <a:avLst/>
+          </a:prstGeom>
+        </p:spPr>
+      </p:pic>
+      <p:pic>
+        <p:nvPicPr>
+          <p:cNvPr id="9" name="Afbeelding 8" descr="Afbeelding met tekst, Lettertype, logo, Graphics&#10;&#10;Door AI gegenereerde inhoud is mogelijk onjuist.">
+            <a:extLst>
+              <a:ext uri="{FF2B5EF4-FFF2-40B4-BE49-F238E27FC236}">
+                <a16:creationId xmlns:a16="http://schemas.microsoft.com/office/drawing/2014/main" id="{189854D7-5BCB-D34E-8AAA-1910323E2B8E}"/>
+              </a:ext>
+            </a:extLst>
+          </p:cNvPr>
+          <p:cNvPicPr>
+            <a:picLocks noChangeAspect="1"/>
+          </p:cNvPicPr>
+          <p:nvPr/>
+        </p:nvPicPr>
+        <p:blipFill>
+          <a:blip r:embed="rId3"/>
+          <a:stretch>
+            <a:fillRect/>
+          </a:stretch>
+        </p:blipFill>
+        <p:spPr>
+          <a:xfrm>
+            <a:off x="7740119" y="5039860"/>
+            <a:ext cx="2067893" cy="1054626"/>
+          </a:xfrm>
+          <a:prstGeom prst="rect">
+            <a:avLst/>
+          </a:prstGeom>
+        </p:spPr>
+      </p:pic>
     </p:spTree>
     <p:extLst>
       <p:ext uri="{BB962C8B-B14F-4D97-AF65-F5344CB8AC3E}">
@@ -19868,6 +20130,57 @@
               <a:rPr lang="nl-BE" dirty="0"/>
               <a:t>): vind alle elementen van een bepaalde tag (bv. p)</a:t>
             </a:r>
+          </a:p>
+        </p:txBody>
+      </p:sp>
+      <p:sp>
+        <p:nvSpPr>
+          <p:cNvPr id="4" name="Rechthoek 3">
+            <a:extLst>
+              <a:ext uri="{FF2B5EF4-FFF2-40B4-BE49-F238E27FC236}">
+                <a16:creationId xmlns:a16="http://schemas.microsoft.com/office/drawing/2014/main" id="{B31753BA-20A3-CB33-5F48-33D45C272FF3}"/>
+              </a:ext>
+            </a:extLst>
+          </p:cNvPr>
+          <p:cNvSpPr/>
+          <p:nvPr/>
+        </p:nvSpPr>
+        <p:spPr>
+          <a:xfrm>
+            <a:off x="672632" y="3677920"/>
+            <a:ext cx="10472887" cy="1605280"/>
+          </a:xfrm>
+          <a:prstGeom prst="rect">
+            <a:avLst/>
+          </a:prstGeom>
+          <a:solidFill>
+            <a:srgbClr val="FF0000">
+              <a:alpha val="47000"/>
+            </a:srgbClr>
+          </a:solidFill>
+        </p:spPr>
+        <p:style>
+          <a:lnRef idx="2">
+            <a:schemeClr val="accent1">
+              <a:shade val="15000"/>
+            </a:schemeClr>
+          </a:lnRef>
+          <a:fillRef idx="1">
+            <a:schemeClr val="accent1"/>
+          </a:fillRef>
+          <a:effectRef idx="0">
+            <a:schemeClr val="accent1"/>
+          </a:effectRef>
+          <a:fontRef idx="minor">
+            <a:schemeClr val="lt1"/>
+          </a:fontRef>
+        </p:style>
+        <p:txBody>
+          <a:bodyPr rtlCol="0" anchor="ctr"/>
+          <a:lstStyle/>
+          <a:p>
+            <a:pPr algn="ctr"/>
+            <a:endParaRPr lang="nl-BE"/>
           </a:p>
         </p:txBody>
       </p:sp>
@@ -20120,7 +20433,7 @@
                 <a:effectLst/>
                 <a:latin typeface="Consolas" panose="020B0609020204030204" pitchFamily="49" charset="0"/>
               </a:rPr>
-              <a:t>document.getElementById</a:t>
+              <a:t>document.querySelector</a:t>
             </a:r>
             <a:r>
               <a:rPr lang="nl-BE" b="0" dirty="0">
@@ -23073,6 +23386,57 @@
           </a:p>
         </p:txBody>
       </p:sp>
+      <p:sp>
+        <p:nvSpPr>
+          <p:cNvPr id="4" name="Rechthoek 3">
+            <a:extLst>
+              <a:ext uri="{FF2B5EF4-FFF2-40B4-BE49-F238E27FC236}">
+                <a16:creationId xmlns:a16="http://schemas.microsoft.com/office/drawing/2014/main" id="{75477A91-12F2-70CE-0129-DC0B2253E926}"/>
+              </a:ext>
+            </a:extLst>
+          </p:cNvPr>
+          <p:cNvSpPr/>
+          <p:nvPr/>
+        </p:nvSpPr>
+        <p:spPr>
+          <a:xfrm>
+            <a:off x="859555" y="4370070"/>
+            <a:ext cx="4992605" cy="1075690"/>
+          </a:xfrm>
+          <a:prstGeom prst="rect">
+            <a:avLst/>
+          </a:prstGeom>
+          <a:solidFill>
+            <a:srgbClr val="FF0000">
+              <a:alpha val="47000"/>
+            </a:srgbClr>
+          </a:solidFill>
+        </p:spPr>
+        <p:style>
+          <a:lnRef idx="2">
+            <a:schemeClr val="accent1">
+              <a:shade val="15000"/>
+            </a:schemeClr>
+          </a:lnRef>
+          <a:fillRef idx="1">
+            <a:schemeClr val="accent1"/>
+          </a:fillRef>
+          <a:effectRef idx="0">
+            <a:schemeClr val="accent1"/>
+          </a:effectRef>
+          <a:fontRef idx="minor">
+            <a:schemeClr val="lt1"/>
+          </a:fontRef>
+        </p:style>
+        <p:txBody>
+          <a:bodyPr rtlCol="0" anchor="ctr"/>
+          <a:lstStyle/>
+          <a:p>
+            <a:pPr algn="ctr"/>
+            <a:endParaRPr lang="nl-BE"/>
+          </a:p>
+        </p:txBody>
+      </p:sp>
     </p:spTree>
     <p:extLst>
       <p:ext uri="{BB962C8B-B14F-4D97-AF65-F5344CB8AC3E}">
@@ -23423,6 +23787,57 @@
               <a:rPr lang="nl-BE" i="1" dirty="0"/>
               <a:t>node1.</a:t>
             </a:r>
+          </a:p>
+        </p:txBody>
+      </p:sp>
+      <p:sp>
+        <p:nvSpPr>
+          <p:cNvPr id="4" name="Rechthoek 3">
+            <a:extLst>
+              <a:ext uri="{FF2B5EF4-FFF2-40B4-BE49-F238E27FC236}">
+                <a16:creationId xmlns:a16="http://schemas.microsoft.com/office/drawing/2014/main" id="{E382F177-00C5-9E7D-0687-8982E8208706}"/>
+              </a:ext>
+            </a:extLst>
+          </p:cNvPr>
+          <p:cNvSpPr/>
+          <p:nvPr/>
+        </p:nvSpPr>
+        <p:spPr>
+          <a:xfrm>
+            <a:off x="581193" y="4550564"/>
+            <a:ext cx="8004008" cy="712316"/>
+          </a:xfrm>
+          <a:prstGeom prst="rect">
+            <a:avLst/>
+          </a:prstGeom>
+          <a:solidFill>
+            <a:srgbClr val="FF0000">
+              <a:alpha val="47000"/>
+            </a:srgbClr>
+          </a:solidFill>
+        </p:spPr>
+        <p:style>
+          <a:lnRef idx="2">
+            <a:schemeClr val="accent1">
+              <a:shade val="15000"/>
+            </a:schemeClr>
+          </a:lnRef>
+          <a:fillRef idx="1">
+            <a:schemeClr val="accent1"/>
+          </a:fillRef>
+          <a:effectRef idx="0">
+            <a:schemeClr val="accent1"/>
+          </a:effectRef>
+          <a:fontRef idx="minor">
+            <a:schemeClr val="lt1"/>
+          </a:fontRef>
+        </p:style>
+        <p:txBody>
+          <a:bodyPr rtlCol="0" anchor="ctr"/>
+          <a:lstStyle/>
+          <a:p>
+            <a:pPr algn="ctr"/>
+            <a:endParaRPr lang="nl-BE"/>
           </a:p>
         </p:txBody>
       </p:sp>
@@ -23812,6 +24227,57 @@
           </a:p>
         </p:txBody>
       </p:sp>
+      <p:sp>
+        <p:nvSpPr>
+          <p:cNvPr id="4" name="Rechthoek 3">
+            <a:extLst>
+              <a:ext uri="{FF2B5EF4-FFF2-40B4-BE49-F238E27FC236}">
+                <a16:creationId xmlns:a16="http://schemas.microsoft.com/office/drawing/2014/main" id="{3A87738F-7444-785F-D3F4-536782ACDAA4}"/>
+              </a:ext>
+            </a:extLst>
+          </p:cNvPr>
+          <p:cNvSpPr/>
+          <p:nvPr/>
+        </p:nvSpPr>
+        <p:spPr>
+          <a:xfrm>
+            <a:off x="467361" y="3749040"/>
+            <a:ext cx="6035040" cy="2519680"/>
+          </a:xfrm>
+          <a:prstGeom prst="rect">
+            <a:avLst/>
+          </a:prstGeom>
+          <a:solidFill>
+            <a:srgbClr val="FF0000">
+              <a:alpha val="47000"/>
+            </a:srgbClr>
+          </a:solidFill>
+        </p:spPr>
+        <p:style>
+          <a:lnRef idx="2">
+            <a:schemeClr val="accent1">
+              <a:shade val="15000"/>
+            </a:schemeClr>
+          </a:lnRef>
+          <a:fillRef idx="1">
+            <a:schemeClr val="accent1"/>
+          </a:fillRef>
+          <a:effectRef idx="0">
+            <a:schemeClr val="accent1"/>
+          </a:effectRef>
+          <a:fontRef idx="minor">
+            <a:schemeClr val="lt1"/>
+          </a:fontRef>
+        </p:style>
+        <p:txBody>
+          <a:bodyPr rtlCol="0" anchor="ctr"/>
+          <a:lstStyle/>
+          <a:p>
+            <a:pPr algn="ctr"/>
+            <a:endParaRPr lang="nl-BE"/>
+          </a:p>
+        </p:txBody>
+      </p:sp>
     </p:spTree>
     <p:extLst>
       <p:ext uri="{BB962C8B-B14F-4D97-AF65-F5344CB8AC3E}">
@@ -24344,37 +24810,6 @@
               <a:rPr lang="nl-BE" dirty="0"/>
               <a:t>Bevat alle tags die zichtbaar zijn op de webpagina</a:t>
             </a:r>
-          </a:p>
-        </p:txBody>
-      </p:sp>
-      <p:sp>
-        <p:nvSpPr>
-          <p:cNvPr id="4" name="Tijdelijke aanduiding voor datum 3">
-            <a:extLst>
-              <a:ext uri="{FF2B5EF4-FFF2-40B4-BE49-F238E27FC236}">
-                <a16:creationId xmlns:a16="http://schemas.microsoft.com/office/drawing/2014/main" id="{C2C75195-8A9B-1A5D-9FE0-33019533D3FD}"/>
-              </a:ext>
-            </a:extLst>
-          </p:cNvPr>
-          <p:cNvSpPr>
-            <a:spLocks noGrp="1"/>
-          </p:cNvSpPr>
-          <p:nvPr>
-            <p:ph type="dt" sz="half" idx="4294967295"/>
-          </p:nvPr>
-        </p:nvSpPr>
-        <p:spPr>
-          <a:xfrm>
-            <a:off x="7605951" y="6423914"/>
-            <a:ext cx="2844799" cy="365125"/>
-          </a:xfrm>
-        </p:spPr>
-        <p:txBody>
-          <a:bodyPr/>
-          <a:lstStyle/>
-          <a:p>
-            <a:pPr rtl="0"/>
-            <a:endParaRPr lang="en-US" dirty="0"/>
           </a:p>
         </p:txBody>
       </p:sp>
